--- a/paper modification/papers/Trapping analysis of a magnetic electron.pptx
+++ b/paper modification/papers/Trapping analysis of a magnetic electron.pptx
@@ -6,8 +6,10 @@
   </p:sldMasterIdLst>
   <p:sldIdLst>
     <p:sldId id="256" r:id="rId2"/>
-    <p:sldId id="258" r:id="rId3"/>
-    <p:sldId id="257" r:id="rId4"/>
+    <p:sldId id="259" r:id="rId3"/>
+    <p:sldId id="258" r:id="rId4"/>
+    <p:sldId id="257" r:id="rId5"/>
+    <p:sldId id="260" r:id="rId6"/>
   </p:sldIdLst>
   <p:sldSz cx="12192000" cy="6858000"/>
   <p:notesSz cx="6858000" cy="9144000"/>
@@ -106,6 +108,11 @@
       </a:defRPr>
     </a:lvl9pPr>
   </p:defaultTextStyle>
+  <p:extLst>
+    <p:ext uri="{EFAFB233-063F-42B5-8137-9DF3F51BA10A}">
+      <p15:sldGuideLst xmlns:p15="http://schemas.microsoft.com/office/powerpoint/2012/main"/>
+    </p:ext>
+  </p:extLst>
 </p:presentation>
 </file>
 
@@ -256,7 +263,7 @@
           <a:p>
             <a:fld id="{22644C63-7FDE-4D31-B4BB-7754D5A27718}" type="datetimeFigureOut">
               <a:rPr lang="en-US" smtClean="0"/>
-              <a:t>11/30/2025</a:t>
+              <a:t>12/1/2025</a:t>
             </a:fld>
             <a:endParaRPr lang="en-US"/>
           </a:p>
@@ -454,7 +461,7 @@
           <a:p>
             <a:fld id="{22644C63-7FDE-4D31-B4BB-7754D5A27718}" type="datetimeFigureOut">
               <a:rPr lang="en-US" smtClean="0"/>
-              <a:t>11/30/2025</a:t>
+              <a:t>12/1/2025</a:t>
             </a:fld>
             <a:endParaRPr lang="en-US"/>
           </a:p>
@@ -662,7 +669,7 @@
           <a:p>
             <a:fld id="{22644C63-7FDE-4D31-B4BB-7754D5A27718}" type="datetimeFigureOut">
               <a:rPr lang="en-US" smtClean="0"/>
-              <a:t>11/30/2025</a:t>
+              <a:t>12/1/2025</a:t>
             </a:fld>
             <a:endParaRPr lang="en-US"/>
           </a:p>
@@ -860,7 +867,7 @@
           <a:p>
             <a:fld id="{22644C63-7FDE-4D31-B4BB-7754D5A27718}" type="datetimeFigureOut">
               <a:rPr lang="en-US" smtClean="0"/>
-              <a:t>11/30/2025</a:t>
+              <a:t>12/1/2025</a:t>
             </a:fld>
             <a:endParaRPr lang="en-US"/>
           </a:p>
@@ -1135,7 +1142,7 @@
           <a:p>
             <a:fld id="{22644C63-7FDE-4D31-B4BB-7754D5A27718}" type="datetimeFigureOut">
               <a:rPr lang="en-US" smtClean="0"/>
-              <a:t>11/30/2025</a:t>
+              <a:t>12/1/2025</a:t>
             </a:fld>
             <a:endParaRPr lang="en-US"/>
           </a:p>
@@ -1400,7 +1407,7 @@
           <a:p>
             <a:fld id="{22644C63-7FDE-4D31-B4BB-7754D5A27718}" type="datetimeFigureOut">
               <a:rPr lang="en-US" smtClean="0"/>
-              <a:t>11/30/2025</a:t>
+              <a:t>12/1/2025</a:t>
             </a:fld>
             <a:endParaRPr lang="en-US"/>
           </a:p>
@@ -1812,7 +1819,7 @@
           <a:p>
             <a:fld id="{22644C63-7FDE-4D31-B4BB-7754D5A27718}" type="datetimeFigureOut">
               <a:rPr lang="en-US" smtClean="0"/>
-              <a:t>11/30/2025</a:t>
+              <a:t>12/1/2025</a:t>
             </a:fld>
             <a:endParaRPr lang="en-US"/>
           </a:p>
@@ -1953,7 +1960,7 @@
           <a:p>
             <a:fld id="{22644C63-7FDE-4D31-B4BB-7754D5A27718}" type="datetimeFigureOut">
               <a:rPr lang="en-US" smtClean="0"/>
-              <a:t>11/30/2025</a:t>
+              <a:t>12/1/2025</a:t>
             </a:fld>
             <a:endParaRPr lang="en-US"/>
           </a:p>
@@ -2066,7 +2073,7 @@
           <a:p>
             <a:fld id="{22644C63-7FDE-4D31-B4BB-7754D5A27718}" type="datetimeFigureOut">
               <a:rPr lang="en-US" smtClean="0"/>
-              <a:t>11/30/2025</a:t>
+              <a:t>12/1/2025</a:t>
             </a:fld>
             <a:endParaRPr lang="en-US"/>
           </a:p>
@@ -2377,7 +2384,7 @@
           <a:p>
             <a:fld id="{22644C63-7FDE-4D31-B4BB-7754D5A27718}" type="datetimeFigureOut">
               <a:rPr lang="en-US" smtClean="0"/>
-              <a:t>11/30/2025</a:t>
+              <a:t>12/1/2025</a:t>
             </a:fld>
             <a:endParaRPr lang="en-US"/>
           </a:p>
@@ -2665,7 +2672,7 @@
           <a:p>
             <a:fld id="{22644C63-7FDE-4D31-B4BB-7754D5A27718}" type="datetimeFigureOut">
               <a:rPr lang="en-US" smtClean="0"/>
-              <a:t>11/30/2025</a:t>
+              <a:t>12/1/2025</a:t>
             </a:fld>
             <a:endParaRPr lang="en-US"/>
           </a:p>
@@ -2906,7 +2913,7 @@
           <a:p>
             <a:fld id="{22644C63-7FDE-4D31-B4BB-7754D5A27718}" type="datetimeFigureOut">
               <a:rPr lang="en-US" smtClean="0"/>
-              <a:t>11/30/2025</a:t>
+              <a:t>12/1/2025</a:t>
             </a:fld>
             <a:endParaRPr lang="en-US"/>
           </a:p>
@@ -3425,7 +3432,7 @@
           <p:cNvPr id="2" name="Title 1">
             <a:extLst>
               <a:ext uri="{FF2B5EF4-FFF2-40B4-BE49-F238E27FC236}">
-                <a16:creationId xmlns:a16="http://schemas.microsoft.com/office/drawing/2014/main" id="{E1F4DEB5-AABB-82A3-2B9D-3FB9A81B279F}"/>
+                <a16:creationId xmlns:a16="http://schemas.microsoft.com/office/drawing/2014/main" id="{5D58C7FB-829E-703B-FA87-3BFBB04D1C50}"/>
               </a:ext>
             </a:extLst>
           </p:cNvPr>
@@ -3443,13 +3450,160 @@
           <a:p>
             <a:r>
               <a:rPr lang="en-US" dirty="0"/>
+              <a:t>Trapping phenomenon</a:t>
+            </a:r>
+          </a:p>
+        </p:txBody>
+      </p:sp>
+      <p:sp>
+        <p:nvSpPr>
+          <p:cNvPr id="3" name="Content Placeholder 2">
+            <a:extLst>
+              <a:ext uri="{FF2B5EF4-FFF2-40B4-BE49-F238E27FC236}">
+                <a16:creationId xmlns:a16="http://schemas.microsoft.com/office/drawing/2014/main" id="{208957BE-5E20-3275-7050-CBCD56C438BD}"/>
+              </a:ext>
+            </a:extLst>
+          </p:cNvPr>
+          <p:cNvSpPr>
+            <a:spLocks noGrp="1"/>
+          </p:cNvSpPr>
+          <p:nvPr>
+            <p:ph idx="1"/>
+          </p:nvPr>
+        </p:nvSpPr>
+        <p:spPr/>
+        <p:txBody>
+          <a:bodyPr>
+            <a:normAutofit lnSpcReduction="10000"/>
+          </a:bodyPr>
+          <a:lstStyle/>
+          <a:p>
+            <a:pPr marL="0" indent="0">
+              <a:buNone/>
+            </a:pPr>
+            <a:r>
+              <a:rPr lang="en-US" dirty="0"/>
+              <a:t>Acceleration mechanisms </a:t>
+            </a:r>
+          </a:p>
+          <a:p>
+            <a:r>
+              <a:rPr lang="en-US" dirty="0" err="1"/>
+              <a:t>Autoresonance</a:t>
+            </a:r>
+            <a:endParaRPr lang="en-US" dirty="0"/>
+          </a:p>
+          <a:p>
+            <a:r>
+              <a:rPr lang="en-US" dirty="0" err="1"/>
+              <a:t>Betatron</a:t>
+            </a:r>
+            <a:r>
+              <a:rPr lang="en-US" dirty="0"/>
+              <a:t> resonance</a:t>
+            </a:r>
+          </a:p>
+          <a:p>
+            <a:r>
+              <a:rPr lang="en-US" dirty="0"/>
+              <a:t>Ponderomotive-force-driven acceleration</a:t>
+            </a:r>
+          </a:p>
+          <a:p>
+            <a:r>
+              <a:rPr lang="en-US" dirty="0"/>
+              <a:t>Landau resonant</a:t>
+            </a:r>
+          </a:p>
+          <a:p>
+            <a:pPr marL="0" indent="0">
+              <a:buNone/>
+            </a:pPr>
+            <a:r>
+              <a:rPr lang="en-US" dirty="0"/>
+              <a:t>Trapping  mechanisms </a:t>
+            </a:r>
+          </a:p>
+          <a:p>
+            <a:r>
+              <a:rPr lang="en-US" dirty="0"/>
+              <a:t>optical tweezers </a:t>
+            </a:r>
+          </a:p>
+          <a:p>
+            <a:r>
+              <a:rPr lang="en-US" dirty="0"/>
+              <a:t>ponderomotive potential wells (generated by the spatial interference patterns of laser beats )</a:t>
+            </a:r>
+          </a:p>
+          <a:p>
+            <a:endParaRPr lang="en-US" dirty="0"/>
+          </a:p>
+          <a:p>
+            <a:endParaRPr lang="en-US" dirty="0"/>
+          </a:p>
+        </p:txBody>
+      </p:sp>
+    </p:spTree>
+    <p:extLst>
+      <p:ext uri="{BB962C8B-B14F-4D97-AF65-F5344CB8AC3E}">
+        <p14:creationId xmlns:p14="http://schemas.microsoft.com/office/powerpoint/2010/main" val="99763384"/>
+      </p:ext>
+    </p:extLst>
+  </p:cSld>
+  <p:clrMapOvr>
+    <a:masterClrMapping/>
+  </p:clrMapOvr>
+</p:sld>
+</file>
+
+<file path=ppt/slides/slide3.xml><?xml version="1.0" encoding="utf-8"?>
+<p:sld xmlns:a="http://schemas.openxmlformats.org/drawingml/2006/main" xmlns:r="http://schemas.openxmlformats.org/officeDocument/2006/relationships" xmlns:p="http://schemas.openxmlformats.org/presentationml/2006/main">
+  <p:cSld>
+    <p:spTree>
+      <p:nvGrpSpPr>
+        <p:cNvPr id="1" name=""/>
+        <p:cNvGrpSpPr/>
+        <p:nvPr/>
+      </p:nvGrpSpPr>
+      <p:grpSpPr>
+        <a:xfrm>
+          <a:off x="0" y="0"/>
+          <a:ext cx="0" cy="0"/>
+          <a:chOff x="0" y="0"/>
+          <a:chExt cx="0" cy="0"/>
+        </a:xfrm>
+      </p:grpSpPr>
+      <p:sp>
+        <p:nvSpPr>
+          <p:cNvPr id="2" name="Title 1">
+            <a:extLst>
+              <a:ext uri="{FF2B5EF4-FFF2-40B4-BE49-F238E27FC236}">
+                <a16:creationId xmlns:a16="http://schemas.microsoft.com/office/drawing/2014/main" id="{E1F4DEB5-AABB-82A3-2B9D-3FB9A81B279F}"/>
+              </a:ext>
+            </a:extLst>
+          </p:cNvPr>
+          <p:cNvSpPr>
+            <a:spLocks noGrp="1"/>
+          </p:cNvSpPr>
+          <p:nvPr>
+            <p:ph type="title"/>
+          </p:nvPr>
+        </p:nvSpPr>
+        <p:spPr/>
+        <p:txBody>
+          <a:bodyPr/>
+          <a:lstStyle/>
+          <a:p>
+            <a:r>
+              <a:rPr lang="en-US" dirty="0"/>
               <a:t>Pseudo-potential model for wave-electron interaction</a:t>
             </a:r>
           </a:p>
         </p:txBody>
       </p:sp>
-      <mc:AlternateContent xmlns:mc="http://schemas.openxmlformats.org/markup-compatibility/2006">
-        <mc:Choice xmlns:a14="http://schemas.microsoft.com/office/drawing/2010/main" Requires="a14">
+      <mc:AlternateContent xmlns:mc="http://schemas.openxmlformats.org/markup-compatibility/2006" xmlns:a14="http://schemas.microsoft.com/office/drawing/2010/main">
+        <mc:Choice Requires="a14">
           <p:sp>
             <p:nvSpPr>
               <p:cNvPr id="3" name="Content Placeholder 2">
@@ -3500,35 +3654,47 @@
                       <m:f>
                         <m:fPr>
                           <m:ctrlPr>
-                            <a:rPr lang="en-US" i="1"/>
+                            <a:rPr lang="en-US" i="1">
+                              <a:latin typeface="Cambria Math" panose="02040503050406030204" pitchFamily="18" charset="0"/>
+                            </a:rPr>
                           </m:ctrlPr>
                         </m:fPr>
                         <m:num>
                           <m:r>
-                            <a:rPr lang="en-US" i="1"/>
+                            <a:rPr lang="en-US" i="1">
+                              <a:latin typeface="Cambria Math" panose="02040503050406030204" pitchFamily="18" charset="0"/>
+                            </a:rPr>
                             <m:t>𝑑</m:t>
                           </m:r>
                         </m:num>
                         <m:den>
                           <m:r>
-                            <a:rPr lang="en-US" i="1"/>
+                            <a:rPr lang="en-US" i="1">
+                              <a:latin typeface="Cambria Math" panose="02040503050406030204" pitchFamily="18" charset="0"/>
+                            </a:rPr>
                             <m:t>𝑑</m:t>
                           </m:r>
                           <m:sSup>
                             <m:sSupPr>
                               <m:ctrlPr>
-                                <a:rPr lang="en-US" i="1"/>
+                                <a:rPr lang="en-US" i="1">
+                                  <a:latin typeface="Cambria Math" panose="02040503050406030204" pitchFamily="18" charset="0"/>
+                                </a:rPr>
                               </m:ctrlPr>
                             </m:sSupPr>
                             <m:e>
                               <m:r>
-                                <a:rPr lang="en-US" i="1"/>
+                                <a:rPr lang="en-US" i="1">
+                                  <a:latin typeface="Cambria Math" panose="02040503050406030204" pitchFamily="18" charset="0"/>
+                                </a:rPr>
                                 <m:t>𝑡</m:t>
                               </m:r>
                             </m:e>
                             <m:sup>
                               <m:r>
-                                <a:rPr lang="en-US" i="1"/>
+                                <a:rPr lang="en-US" i="1">
+                                  <a:latin typeface="Cambria Math" panose="02040503050406030204" pitchFamily="18" charset="0"/>
+                                </a:rPr>
                                 <m:t>′</m:t>
                               </m:r>
                             </m:sup>
@@ -3538,25 +3704,33 @@
                       <m:d>
                         <m:dPr>
                           <m:ctrlPr>
-                            <a:rPr lang="en-US" i="1"/>
+                            <a:rPr lang="en-US" i="1">
+                              <a:latin typeface="Cambria Math" panose="02040503050406030204" pitchFamily="18" charset="0"/>
+                            </a:rPr>
                           </m:ctrlPr>
                         </m:dPr>
                         <m:e>
                           <m:sSup>
                             <m:sSupPr>
                               <m:ctrlPr>
-                                <a:rPr lang="en-US" i="1"/>
+                                <a:rPr lang="en-US" i="1">
+                                  <a:latin typeface="Cambria Math" panose="02040503050406030204" pitchFamily="18" charset="0"/>
+                                </a:rPr>
                               </m:ctrlPr>
                             </m:sSupPr>
                             <m:e>
                               <m:r>
-                                <a:rPr lang="en-US" i="1"/>
+                                <a:rPr lang="en-US" i="1">
+                                  <a:latin typeface="Cambria Math" panose="02040503050406030204" pitchFamily="18" charset="0"/>
+                                </a:rPr>
                                 <m:t>𝛾</m:t>
                               </m:r>
                             </m:e>
                             <m:sup>
                               <m:r>
-                                <a:rPr lang="en-US" i="1"/>
+                                <a:rPr lang="en-US" i="1">
+                                  <a:latin typeface="Cambria Math" panose="02040503050406030204" pitchFamily="18" charset="0"/>
+                                </a:rPr>
                                 <m:t>′</m:t>
                               </m:r>
                             </m:sup>
@@ -3564,24 +3738,32 @@
                           <m:sSubSup>
                             <m:sSubSupPr>
                               <m:ctrlPr>
-                                <a:rPr lang="en-US" i="1"/>
+                                <a:rPr lang="en-US" i="1">
+                                  <a:latin typeface="Cambria Math" panose="02040503050406030204" pitchFamily="18" charset="0"/>
+                                </a:rPr>
                               </m:ctrlPr>
                             </m:sSubSupPr>
                             <m:e>
                               <m:r>
-                                <a:rPr lang="en-US" i="1"/>
+                                <a:rPr lang="en-US" i="1">
+                                  <a:latin typeface="Cambria Math" panose="02040503050406030204" pitchFamily="18" charset="0"/>
+                                </a:rPr>
                                 <m:t>𝛽</m:t>
                               </m:r>
                             </m:e>
                             <m:sub>
                               <m:r>
-                                <a:rPr lang="en-US" i="1"/>
+                                <a:rPr lang="en-US" i="1">
+                                  <a:latin typeface="Cambria Math" panose="02040503050406030204" pitchFamily="18" charset="0"/>
+                                </a:rPr>
                                 <m:t>𝑧</m:t>
                               </m:r>
                             </m:sub>
                             <m:sup>
                               <m:r>
-                                <a:rPr lang="en-US" i="1"/>
+                                <a:rPr lang="en-US" i="1">
+                                  <a:latin typeface="Cambria Math" panose="02040503050406030204" pitchFamily="18" charset="0"/>
+                                </a:rPr>
                                 <m:t>′</m:t>
                               </m:r>
                             </m:sup>
@@ -3589,45 +3771,59 @@
                         </m:e>
                       </m:d>
                       <m:r>
-                        <a:rPr lang="en-US" i="1"/>
+                        <a:rPr lang="en-US" i="1">
+                          <a:latin typeface="Cambria Math" panose="02040503050406030204" pitchFamily="18" charset="0"/>
+                        </a:rPr>
                         <m:t>=</m:t>
                       </m:r>
                       <m:r>
                         <m:rPr>
                           <m:sty m:val="p"/>
                         </m:rPr>
-                        <a:rPr lang="en-US"/>
+                        <a:rPr lang="en-US">
+                          <a:latin typeface="Cambria Math" panose="02040503050406030204" pitchFamily="18" charset="0"/>
+                        </a:rPr>
                         <m:t>Ω</m:t>
                       </m:r>
                       <m:d>
                         <m:dPr>
                           <m:ctrlPr>
-                            <a:rPr lang="en-US" i="1"/>
+                            <a:rPr lang="en-US" i="1">
+                              <a:latin typeface="Cambria Math" panose="02040503050406030204" pitchFamily="18" charset="0"/>
+                            </a:rPr>
                           </m:ctrlPr>
                         </m:dPr>
                         <m:e>
                           <m:f>
                             <m:fPr>
                               <m:ctrlPr>
-                                <a:rPr lang="en-US" i="1"/>
+                                <a:rPr lang="en-US" i="1">
+                                  <a:latin typeface="Cambria Math" panose="02040503050406030204" pitchFamily="18" charset="0"/>
+                                </a:rPr>
                               </m:ctrlPr>
                             </m:fPr>
                             <m:num>
                               <m:sSub>
                                 <m:sSubPr>
                                   <m:ctrlPr>
-                                    <a:rPr lang="en-US" i="1"/>
+                                    <a:rPr lang="en-US" i="1">
+                                      <a:latin typeface="Cambria Math" panose="02040503050406030204" pitchFamily="18" charset="0"/>
+                                    </a:rPr>
                                   </m:ctrlPr>
                                 </m:sSubPr>
                                 <m:e>
                                   <m:r>
-                                    <a:rPr lang="en-US" i="1"/>
+                                    <a:rPr lang="en-US" i="1">
+                                      <a:latin typeface="Cambria Math" panose="02040503050406030204" pitchFamily="18" charset="0"/>
+                                    </a:rPr>
                                     <m:t>𝐸</m:t>
                                   </m:r>
                                 </m:e>
                                 <m:sub>
                                   <m:r>
-                                    <a:rPr lang="en-US" i="1"/>
+                                    <a:rPr lang="en-US" i="1">
+                                      <a:latin typeface="Cambria Math" panose="02040503050406030204" pitchFamily="18" charset="0"/>
+                                    </a:rPr>
                                     <m:t>0</m:t>
                                   </m:r>
                                 </m:sub>
@@ -3635,24 +3831,32 @@
                             </m:num>
                             <m:den>
                               <m:r>
-                                <a:rPr lang="en-US" i="1"/>
+                                <a:rPr lang="en-US" i="1">
+                                  <a:latin typeface="Cambria Math" panose="02040503050406030204" pitchFamily="18" charset="0"/>
+                                </a:rPr>
                                 <m:t>𝑐</m:t>
                               </m:r>
                               <m:sSub>
                                 <m:sSubPr>
                                   <m:ctrlPr>
-                                    <a:rPr lang="en-US" i="1"/>
+                                    <a:rPr lang="en-US" i="1">
+                                      <a:latin typeface="Cambria Math" panose="02040503050406030204" pitchFamily="18" charset="0"/>
+                                    </a:rPr>
                                   </m:ctrlPr>
                                 </m:sSubPr>
                                 <m:e>
                                   <m:r>
-                                    <a:rPr lang="en-US" i="1"/>
+                                    <a:rPr lang="en-US" i="1">
+                                      <a:latin typeface="Cambria Math" panose="02040503050406030204" pitchFamily="18" charset="0"/>
+                                    </a:rPr>
                                     <m:t>𝐵</m:t>
                                   </m:r>
                                 </m:e>
                                 <m:sub>
                                   <m:r>
-                                    <a:rPr lang="en-US" i="1"/>
+                                    <a:rPr lang="en-US" i="1">
+                                      <a:latin typeface="Cambria Math" panose="02040503050406030204" pitchFamily="18" charset="0"/>
+                                    </a:rPr>
                                     <m:t>0</m:t>
                                   </m:r>
                                 </m:sub>
@@ -3663,77 +3867,103 @@
                             <m:accPr>
                               <m:chr m:val="̂"/>
                               <m:ctrlPr>
-                                <a:rPr lang="en-US" i="1"/>
+                                <a:rPr lang="en-US" i="1">
+                                  <a:latin typeface="Cambria Math" panose="02040503050406030204" pitchFamily="18" charset="0"/>
+                                </a:rPr>
                               </m:ctrlPr>
                             </m:accPr>
                             <m:e>
                               <m:r>
-                                <a:rPr lang="en-US" i="1"/>
+                                <a:rPr lang="en-US" i="1">
+                                  <a:latin typeface="Cambria Math" panose="02040503050406030204" pitchFamily="18" charset="0"/>
+                                </a:rPr>
                                 <m:t>𝑧</m:t>
                               </m:r>
                             </m:e>
                           </m:acc>
                           <m:r>
-                            <a:rPr lang="en-US" i="1"/>
+                            <a:rPr lang="en-US" i="1">
+                              <a:latin typeface="Cambria Math" panose="02040503050406030204" pitchFamily="18" charset="0"/>
+                            </a:rPr>
                             <m:t>+</m:t>
                           </m:r>
                           <m:sSubSup>
                             <m:sSubSupPr>
                               <m:ctrlPr>
-                                <a:rPr lang="en-US" i="1"/>
+                                <a:rPr lang="en-US" i="1">
+                                  <a:latin typeface="Cambria Math" panose="02040503050406030204" pitchFamily="18" charset="0"/>
+                                </a:rPr>
                               </m:ctrlPr>
                             </m:sSubSupPr>
                             <m:e>
                               <m:r>
-                                <a:rPr lang="en-US" i="1"/>
+                                <a:rPr lang="en-US" i="1">
+                                  <a:latin typeface="Cambria Math" panose="02040503050406030204" pitchFamily="18" charset="0"/>
+                                </a:rPr>
                                 <m:t>𝛽</m:t>
                               </m:r>
                             </m:e>
                             <m:sub>
                               <m:r>
-                                <a:rPr lang="en-US" i="1"/>
+                                <a:rPr lang="en-US" i="1">
+                                  <a:latin typeface="Cambria Math" panose="02040503050406030204" pitchFamily="18" charset="0"/>
+                                </a:rPr>
                                 <m:t>⊥</m:t>
                               </m:r>
                             </m:sub>
                             <m:sup>
                               <m:r>
-                                <a:rPr lang="en-US" i="1"/>
+                                <a:rPr lang="en-US" i="1">
+                                  <a:latin typeface="Cambria Math" panose="02040503050406030204" pitchFamily="18" charset="0"/>
+                                </a:rPr>
                                 <m:t>′</m:t>
                               </m:r>
                             </m:sup>
                           </m:sSubSup>
                           <m:r>
-                            <a:rPr lang="en-US" i="1"/>
+                            <a:rPr lang="en-US" i="1">
+                              <a:latin typeface="Cambria Math" panose="02040503050406030204" pitchFamily="18" charset="0"/>
+                            </a:rPr>
                             <m:t>×</m:t>
                           </m:r>
                           <m:f>
                             <m:fPr>
                               <m:ctrlPr>
-                                <a:rPr lang="en-US" i="1"/>
+                                <a:rPr lang="en-US" i="1">
+                                  <a:latin typeface="Cambria Math" panose="02040503050406030204" pitchFamily="18" charset="0"/>
+                                </a:rPr>
                               </m:ctrlPr>
                             </m:fPr>
                             <m:num>
                               <m:sSubSup>
                                 <m:sSubSupPr>
                                   <m:ctrlPr>
-                                    <a:rPr lang="en-US" i="1"/>
+                                    <a:rPr lang="en-US" i="1">
+                                      <a:latin typeface="Cambria Math" panose="02040503050406030204" pitchFamily="18" charset="0"/>
+                                    </a:rPr>
                                   </m:ctrlPr>
                                 </m:sSubSupPr>
                                 <m:e>
                                   <m:r>
-                                    <a:rPr lang="en-US" i="1"/>
+                                    <a:rPr lang="en-US" i="1">
+                                      <a:latin typeface="Cambria Math" panose="02040503050406030204" pitchFamily="18" charset="0"/>
+                                    </a:rPr>
                                     <m:t>𝐵</m:t>
                                   </m:r>
                                 </m:e>
                                 <m:sub>
                                   <m:r>
-                                    <a:rPr lang="en-US" i="1"/>
+                                    <a:rPr lang="en-US" i="1">
+                                      <a:latin typeface="Cambria Math" panose="02040503050406030204" pitchFamily="18" charset="0"/>
+                                    </a:rPr>
                                     <m:t>⊥</m:t>
                                   </m:r>
                                 </m:sub>
                                 <m:sup>
                                   <m:r>
-                                    <a:rPr lang="en-US" i="1"/>
+                                    <a:rPr lang="en-US" i="1">
+                                      <a:latin typeface="Cambria Math" panose="02040503050406030204" pitchFamily="18" charset="0"/>
+                                    </a:rPr>
                                     <m:t>′</m:t>
                                   </m:r>
                                 </m:sup>
@@ -3743,18 +3973,24 @@
                               <m:sSub>
                                 <m:sSubPr>
                                   <m:ctrlPr>
-                                    <a:rPr lang="en-US" i="1"/>
+                                    <a:rPr lang="en-US" i="1">
+                                      <a:latin typeface="Cambria Math" panose="02040503050406030204" pitchFamily="18" charset="0"/>
+                                    </a:rPr>
                                   </m:ctrlPr>
                                 </m:sSubPr>
                                 <m:e>
                                   <m:r>
-                                    <a:rPr lang="en-US" i="1"/>
+                                    <a:rPr lang="en-US" i="1">
+                                      <a:latin typeface="Cambria Math" panose="02040503050406030204" pitchFamily="18" charset="0"/>
+                                    </a:rPr>
                                     <m:t>𝐵</m:t>
                                   </m:r>
                                 </m:e>
                                 <m:sub>
                                   <m:r>
-                                    <a:rPr lang="en-US" i="1"/>
+                                    <a:rPr lang="en-US" i="1">
+                                      <a:latin typeface="Cambria Math" panose="02040503050406030204" pitchFamily="18" charset="0"/>
+                                    </a:rPr>
                                     <m:t>0</m:t>
                                   </m:r>
                                 </m:sub>
@@ -3781,35 +4017,47 @@
                       <m:f>
                         <m:fPr>
                           <m:ctrlPr>
-                            <a:rPr lang="en-US" i="1"/>
+                            <a:rPr lang="en-US" i="1">
+                              <a:latin typeface="Cambria Math" panose="02040503050406030204" pitchFamily="18" charset="0"/>
+                            </a:rPr>
                           </m:ctrlPr>
                         </m:fPr>
                         <m:num>
                           <m:r>
-                            <a:rPr lang="en-US" i="1"/>
+                            <a:rPr lang="en-US" i="1">
+                              <a:latin typeface="Cambria Math" panose="02040503050406030204" pitchFamily="18" charset="0"/>
+                            </a:rPr>
                             <m:t>𝑑</m:t>
                           </m:r>
                         </m:num>
                         <m:den>
                           <m:r>
-                            <a:rPr lang="en-US" i="1"/>
+                            <a:rPr lang="en-US" i="1">
+                              <a:latin typeface="Cambria Math" panose="02040503050406030204" pitchFamily="18" charset="0"/>
+                            </a:rPr>
                             <m:t>𝑑</m:t>
                           </m:r>
                           <m:sSup>
                             <m:sSupPr>
                               <m:ctrlPr>
-                                <a:rPr lang="en-US" i="1"/>
+                                <a:rPr lang="en-US" i="1">
+                                  <a:latin typeface="Cambria Math" panose="02040503050406030204" pitchFamily="18" charset="0"/>
+                                </a:rPr>
                               </m:ctrlPr>
                             </m:sSupPr>
                             <m:e>
                               <m:r>
-                                <a:rPr lang="en-US" i="1"/>
+                                <a:rPr lang="en-US" i="1">
+                                  <a:latin typeface="Cambria Math" panose="02040503050406030204" pitchFamily="18" charset="0"/>
+                                </a:rPr>
                                 <m:t>𝑡</m:t>
                               </m:r>
                             </m:e>
                             <m:sup>
                               <m:r>
-                                <a:rPr lang="en-US" i="1"/>
+                                <a:rPr lang="en-US" i="1">
+                                  <a:latin typeface="Cambria Math" panose="02040503050406030204" pitchFamily="18" charset="0"/>
+                                </a:rPr>
                                 <m:t>′</m:t>
                               </m:r>
                             </m:sup>
@@ -3819,25 +4067,33 @@
                       <m:d>
                         <m:dPr>
                           <m:ctrlPr>
-                            <a:rPr lang="en-US" i="1"/>
+                            <a:rPr lang="en-US" i="1">
+                              <a:latin typeface="Cambria Math" panose="02040503050406030204" pitchFamily="18" charset="0"/>
+                            </a:rPr>
                           </m:ctrlPr>
                         </m:dPr>
                         <m:e>
                           <m:sSup>
                             <m:sSupPr>
                               <m:ctrlPr>
-                                <a:rPr lang="en-US" i="1"/>
+                                <a:rPr lang="en-US" i="1">
+                                  <a:latin typeface="Cambria Math" panose="02040503050406030204" pitchFamily="18" charset="0"/>
+                                </a:rPr>
                               </m:ctrlPr>
                             </m:sSupPr>
                             <m:e>
                               <m:r>
-                                <a:rPr lang="en-US" i="1"/>
+                                <a:rPr lang="en-US" i="1">
+                                  <a:latin typeface="Cambria Math" panose="02040503050406030204" pitchFamily="18" charset="0"/>
+                                </a:rPr>
                                 <m:t>𝛾</m:t>
                               </m:r>
                             </m:e>
                             <m:sup>
                               <m:r>
-                                <a:rPr lang="en-US" i="1"/>
+                                <a:rPr lang="en-US" i="1">
+                                  <a:latin typeface="Cambria Math" panose="02040503050406030204" pitchFamily="18" charset="0"/>
+                                </a:rPr>
                                 <m:t>′</m:t>
                               </m:r>
                             </m:sup>
@@ -3845,24 +4101,32 @@
                           <m:sSubSup>
                             <m:sSubSupPr>
                               <m:ctrlPr>
-                                <a:rPr lang="en-US" i="1"/>
+                                <a:rPr lang="en-US" i="1">
+                                  <a:latin typeface="Cambria Math" panose="02040503050406030204" pitchFamily="18" charset="0"/>
+                                </a:rPr>
                               </m:ctrlPr>
                             </m:sSubSupPr>
                             <m:e>
                               <m:r>
-                                <a:rPr lang="en-US" i="1"/>
+                                <a:rPr lang="en-US" i="1">
+                                  <a:latin typeface="Cambria Math" panose="02040503050406030204" pitchFamily="18" charset="0"/>
+                                </a:rPr>
                                 <m:t>𝛽</m:t>
                               </m:r>
                             </m:e>
                             <m:sub>
                               <m:r>
-                                <a:rPr lang="en-US" i="1"/>
+                                <a:rPr lang="en-US" i="1">
+                                  <a:latin typeface="Cambria Math" panose="02040503050406030204" pitchFamily="18" charset="0"/>
+                                </a:rPr>
                                 <m:t>⊥</m:t>
                               </m:r>
                             </m:sub>
                             <m:sup>
                               <m:r>
-                                <a:rPr lang="en-US" i="1"/>
+                                <a:rPr lang="en-US" i="1">
+                                  <a:latin typeface="Cambria Math" panose="02040503050406030204" pitchFamily="18" charset="0"/>
+                                </a:rPr>
                                 <m:t>′</m:t>
                               </m:r>
                             </m:sup>
@@ -3870,91 +4134,121 @@
                         </m:e>
                       </m:d>
                       <m:r>
-                        <a:rPr lang="en-US" i="1"/>
+                        <a:rPr lang="en-US" i="1">
+                          <a:latin typeface="Cambria Math" panose="02040503050406030204" pitchFamily="18" charset="0"/>
+                        </a:rPr>
                         <m:t>=</m:t>
                       </m:r>
                       <m:r>
                         <m:rPr>
                           <m:sty m:val="p"/>
                         </m:rPr>
-                        <a:rPr lang="en-US"/>
+                        <a:rPr lang="en-US">
+                          <a:latin typeface="Cambria Math" panose="02040503050406030204" pitchFamily="18" charset="0"/>
+                        </a:rPr>
                         <m:t>Ω</m:t>
                       </m:r>
                       <m:d>
                         <m:dPr>
                           <m:ctrlPr>
-                            <a:rPr lang="en-US" i="1"/>
+                            <a:rPr lang="en-US" i="1">
+                              <a:latin typeface="Cambria Math" panose="02040503050406030204" pitchFamily="18" charset="0"/>
+                            </a:rPr>
                           </m:ctrlPr>
                         </m:dPr>
                         <m:e>
                           <m:sSubSup>
                             <m:sSubSupPr>
                               <m:ctrlPr>
-                                <a:rPr lang="en-US" i="1"/>
+                                <a:rPr lang="en-US" i="1">
+                                  <a:latin typeface="Cambria Math" panose="02040503050406030204" pitchFamily="18" charset="0"/>
+                                </a:rPr>
                               </m:ctrlPr>
                             </m:sSubSupPr>
                             <m:e>
                               <m:r>
-                                <a:rPr lang="en-US" i="1"/>
+                                <a:rPr lang="en-US" i="1">
+                                  <a:latin typeface="Cambria Math" panose="02040503050406030204" pitchFamily="18" charset="0"/>
+                                </a:rPr>
                                 <m:t>𝛽</m:t>
                               </m:r>
                             </m:e>
                             <m:sub>
                               <m:r>
-                                <a:rPr lang="en-US" i="1"/>
+                                <a:rPr lang="en-US" i="1">
+                                  <a:latin typeface="Cambria Math" panose="02040503050406030204" pitchFamily="18" charset="0"/>
+                                </a:rPr>
                                 <m:t>⊥</m:t>
                               </m:r>
                             </m:sub>
                             <m:sup>
                               <m:r>
-                                <a:rPr lang="en-US" i="1"/>
+                                <a:rPr lang="en-US" i="1">
+                                  <a:latin typeface="Cambria Math" panose="02040503050406030204" pitchFamily="18" charset="0"/>
+                                </a:rPr>
                                 <m:t>′</m:t>
                               </m:r>
                             </m:sup>
                           </m:sSubSup>
                           <m:r>
-                            <a:rPr lang="en-US" i="1"/>
+                            <a:rPr lang="en-US" i="1">
+                              <a:latin typeface="Cambria Math" panose="02040503050406030204" pitchFamily="18" charset="0"/>
+                            </a:rPr>
                             <m:t>×</m:t>
                           </m:r>
                           <m:acc>
                             <m:accPr>
                               <m:chr m:val="̂"/>
                               <m:ctrlPr>
-                                <a:rPr lang="en-US" i="1"/>
+                                <a:rPr lang="en-US" i="1">
+                                  <a:latin typeface="Cambria Math" panose="02040503050406030204" pitchFamily="18" charset="0"/>
+                                </a:rPr>
                               </m:ctrlPr>
                             </m:accPr>
                             <m:e>
                               <m:r>
-                                <a:rPr lang="en-US" i="1"/>
+                                <a:rPr lang="en-US" i="1">
+                                  <a:latin typeface="Cambria Math" panose="02040503050406030204" pitchFamily="18" charset="0"/>
+                                </a:rPr>
                                 <m:t>𝑧</m:t>
                               </m:r>
                             </m:e>
                           </m:acc>
                           <m:r>
-                            <a:rPr lang="en-US" i="1"/>
+                            <a:rPr lang="en-US" i="1">
+                              <a:latin typeface="Cambria Math" panose="02040503050406030204" pitchFamily="18" charset="0"/>
+                            </a:rPr>
                             <m:t>+</m:t>
                           </m:r>
                           <m:sSubSup>
                             <m:sSubSupPr>
                               <m:ctrlPr>
-                                <a:rPr lang="en-US" i="1"/>
+                                <a:rPr lang="en-US" i="1">
+                                  <a:latin typeface="Cambria Math" panose="02040503050406030204" pitchFamily="18" charset="0"/>
+                                </a:rPr>
                               </m:ctrlPr>
                             </m:sSubSupPr>
                             <m:e>
                               <m:r>
-                                <a:rPr lang="en-US" i="1"/>
+                                <a:rPr lang="en-US" i="1">
+                                  <a:latin typeface="Cambria Math" panose="02040503050406030204" pitchFamily="18" charset="0"/>
+                                </a:rPr>
                                 <m:t>𝛽</m:t>
                               </m:r>
                             </m:e>
                             <m:sub>
                               <m:r>
-                                <a:rPr lang="en-US" i="1"/>
+                                <a:rPr lang="en-US" i="1">
+                                  <a:latin typeface="Cambria Math" panose="02040503050406030204" pitchFamily="18" charset="0"/>
+                                </a:rPr>
                                 <m:t>𝑧</m:t>
                               </m:r>
                             </m:sub>
                             <m:sup>
                               <m:r>
-                                <a:rPr lang="en-US" i="1"/>
+                                <a:rPr lang="en-US" i="1">
+                                  <a:latin typeface="Cambria Math" panose="02040503050406030204" pitchFamily="18" charset="0"/>
+                                </a:rPr>
                                 <m:t>′</m:t>
                               </m:r>
                             </m:sup>
@@ -3963,48 +4257,64 @@
                             <m:accPr>
                               <m:chr m:val="̂"/>
                               <m:ctrlPr>
-                                <a:rPr lang="en-US" i="1"/>
+                                <a:rPr lang="en-US" i="1">
+                                  <a:latin typeface="Cambria Math" panose="02040503050406030204" pitchFamily="18" charset="0"/>
+                                </a:rPr>
                               </m:ctrlPr>
                             </m:accPr>
                             <m:e>
                               <m:r>
-                                <a:rPr lang="en-US" i="1"/>
+                                <a:rPr lang="en-US" i="1">
+                                  <a:latin typeface="Cambria Math" panose="02040503050406030204" pitchFamily="18" charset="0"/>
+                                </a:rPr>
                                 <m:t>𝑧</m:t>
                               </m:r>
                             </m:e>
                           </m:acc>
                           <m:r>
-                            <a:rPr lang="en-US" i="1"/>
+                            <a:rPr lang="en-US" i="1">
+                              <a:latin typeface="Cambria Math" panose="02040503050406030204" pitchFamily="18" charset="0"/>
+                            </a:rPr>
                             <m:t>×</m:t>
                           </m:r>
                           <m:f>
                             <m:fPr>
                               <m:ctrlPr>
-                                <a:rPr lang="en-US" i="1"/>
+                                <a:rPr lang="en-US" i="1">
+                                  <a:latin typeface="Cambria Math" panose="02040503050406030204" pitchFamily="18" charset="0"/>
+                                </a:rPr>
                               </m:ctrlPr>
                             </m:fPr>
                             <m:num>
                               <m:sSubSup>
                                 <m:sSubSupPr>
                                   <m:ctrlPr>
-                                    <a:rPr lang="en-US" i="1"/>
+                                    <a:rPr lang="en-US" i="1">
+                                      <a:latin typeface="Cambria Math" panose="02040503050406030204" pitchFamily="18" charset="0"/>
+                                    </a:rPr>
                                   </m:ctrlPr>
                                 </m:sSubSupPr>
                                 <m:e>
                                   <m:r>
-                                    <a:rPr lang="en-US" i="1"/>
+                                    <a:rPr lang="en-US" i="1">
+                                      <a:latin typeface="Cambria Math" panose="02040503050406030204" pitchFamily="18" charset="0"/>
+                                    </a:rPr>
                                     <m:t>𝐵</m:t>
                                   </m:r>
                                 </m:e>
                                 <m:sub>
                                   <m:r>
-                                    <a:rPr lang="en-US" i="1"/>
+                                    <a:rPr lang="en-US" i="1">
+                                      <a:latin typeface="Cambria Math" panose="02040503050406030204" pitchFamily="18" charset="0"/>
+                                    </a:rPr>
                                     <m:t>⊥</m:t>
                                   </m:r>
                                 </m:sub>
                                 <m:sup>
                                   <m:r>
-                                    <a:rPr lang="en-US" i="1"/>
+                                    <a:rPr lang="en-US" i="1">
+                                      <a:latin typeface="Cambria Math" panose="02040503050406030204" pitchFamily="18" charset="0"/>
+                                    </a:rPr>
                                     <m:t>′</m:t>
                                   </m:r>
                                 </m:sup>
@@ -4014,18 +4324,24 @@
                               <m:sSub>
                                 <m:sSubPr>
                                   <m:ctrlPr>
-                                    <a:rPr lang="en-US" i="1"/>
+                                    <a:rPr lang="en-US" i="1">
+                                      <a:latin typeface="Cambria Math" panose="02040503050406030204" pitchFamily="18" charset="0"/>
+                                    </a:rPr>
                                   </m:ctrlPr>
                                 </m:sSubPr>
                                 <m:e>
                                   <m:r>
-                                    <a:rPr lang="en-US" i="1"/>
+                                    <a:rPr lang="en-US" i="1">
+                                      <a:latin typeface="Cambria Math" panose="02040503050406030204" pitchFamily="18" charset="0"/>
+                                    </a:rPr>
                                     <m:t>𝐵</m:t>
                                   </m:r>
                                 </m:e>
                                 <m:sub>
                                   <m:r>
-                                    <a:rPr lang="en-US" i="1"/>
+                                    <a:rPr lang="en-US" i="1">
+                                      <a:latin typeface="Cambria Math" panose="02040503050406030204" pitchFamily="18" charset="0"/>
+                                    </a:rPr>
                                     <m:t>0</m:t>
                                   </m:r>
                                 </m:sub>
@@ -4055,25 +4371,33 @@
                     <m:f>
                       <m:fPr>
                         <m:ctrlPr>
-                          <a:rPr lang="en-US" i="1"/>
+                          <a:rPr lang="en-US" i="1">
+                            <a:latin typeface="Cambria Math" panose="02040503050406030204" pitchFamily="18" charset="0"/>
+                          </a:rPr>
                         </m:ctrlPr>
                       </m:fPr>
                       <m:num>
                         <m:sSup>
                           <m:sSupPr>
                             <m:ctrlPr>
-                              <a:rPr lang="en-US" i="1"/>
+                              <a:rPr lang="en-US" i="1">
+                                <a:latin typeface="Cambria Math" panose="02040503050406030204" pitchFamily="18" charset="0"/>
+                              </a:rPr>
                             </m:ctrlPr>
                           </m:sSupPr>
                           <m:e>
                             <m:r>
-                              <a:rPr lang="en-US" i="1"/>
+                              <a:rPr lang="en-US" i="1">
+                                <a:latin typeface="Cambria Math" panose="02040503050406030204" pitchFamily="18" charset="0"/>
+                              </a:rPr>
                               <m:t>𝑑</m:t>
                             </m:r>
                           </m:e>
                           <m:sup>
                             <m:r>
-                              <a:rPr lang="en-US" i="1"/>
+                              <a:rPr lang="en-US" i="1">
+                                <a:latin typeface="Cambria Math" panose="02040503050406030204" pitchFamily="18" charset="0"/>
+                              </a:rPr>
                               <m:t>2</m:t>
                             </m:r>
                           </m:sup>
@@ -4081,18 +4405,24 @@
                         <m:sSub>
                           <m:sSubPr>
                             <m:ctrlPr>
-                              <a:rPr lang="en-US" i="1"/>
+                              <a:rPr lang="en-US" i="1">
+                                <a:latin typeface="Cambria Math" panose="02040503050406030204" pitchFamily="18" charset="0"/>
+                              </a:rPr>
                             </m:ctrlPr>
                           </m:sSubPr>
                           <m:e>
                             <m:r>
-                              <a:rPr lang="en-US" i="1"/>
+                              <a:rPr lang="en-US" i="1">
+                                <a:latin typeface="Cambria Math" panose="02040503050406030204" pitchFamily="18" charset="0"/>
+                              </a:rPr>
                               <m:t>𝜉</m:t>
                             </m:r>
                           </m:e>
                           <m:sub>
                             <m:r>
-                              <a:rPr lang="en-US" i="1"/>
+                              <a:rPr lang="en-US" i="1">
+                                <a:latin typeface="Cambria Math" panose="02040503050406030204" pitchFamily="18" charset="0"/>
+                              </a:rPr>
                               <m:t>𝑧</m:t>
                             </m:r>
                           </m:sub>
@@ -4100,24 +4430,32 @@
                       </m:num>
                       <m:den>
                         <m:r>
-                          <a:rPr lang="en-US" i="1"/>
+                          <a:rPr lang="en-US" i="1">
+                            <a:latin typeface="Cambria Math" panose="02040503050406030204" pitchFamily="18" charset="0"/>
+                          </a:rPr>
                           <m:t>𝑑</m:t>
                         </m:r>
                         <m:sSup>
                           <m:sSupPr>
                             <m:ctrlPr>
-                              <a:rPr lang="en-US" i="1"/>
+                              <a:rPr lang="en-US" i="1">
+                                <a:latin typeface="Cambria Math" panose="02040503050406030204" pitchFamily="18" charset="0"/>
+                              </a:rPr>
                             </m:ctrlPr>
                           </m:sSupPr>
                           <m:e>
                             <m:r>
-                              <a:rPr lang="en-US" i="1"/>
+                              <a:rPr lang="en-US" i="1">
+                                <a:latin typeface="Cambria Math" panose="02040503050406030204" pitchFamily="18" charset="0"/>
+                              </a:rPr>
                               <m:t>𝜏</m:t>
                             </m:r>
                           </m:e>
                           <m:sup>
                             <m:r>
-                              <a:rPr lang="en-US" i="1"/>
+                              <a:rPr lang="en-US" i="1">
+                                <a:latin typeface="Cambria Math" panose="02040503050406030204" pitchFamily="18" charset="0"/>
+                              </a:rPr>
                               <m:t>2</m:t>
                             </m:r>
                           </m:sup>
@@ -4125,31 +4463,41 @@
                       </m:den>
                     </m:f>
                     <m:r>
-                      <a:rPr lang="en-US" i="1"/>
+                      <a:rPr lang="en-US" i="1">
+                        <a:latin typeface="Cambria Math" panose="02040503050406030204" pitchFamily="18" charset="0"/>
+                      </a:rPr>
                       <m:t>=</m:t>
                     </m:r>
                     <m:d>
                       <m:dPr>
                         <m:ctrlPr>
-                          <a:rPr lang="en-US" i="1"/>
+                          <a:rPr lang="en-US" i="1">
+                            <a:latin typeface="Cambria Math" panose="02040503050406030204" pitchFamily="18" charset="0"/>
+                          </a:rPr>
                         </m:ctrlPr>
                       </m:dPr>
                       <m:e>
                         <m:sSub>
                           <m:sSubPr>
                             <m:ctrlPr>
-                              <a:rPr lang="en-US" i="1"/>
+                              <a:rPr lang="en-US" i="1">
+                                <a:latin typeface="Cambria Math" panose="02040503050406030204" pitchFamily="18" charset="0"/>
+                              </a:rPr>
                             </m:ctrlPr>
                           </m:sSubPr>
                           <m:e>
                             <m:r>
-                              <a:rPr lang="en-US" i="1"/>
+                              <a:rPr lang="en-US" i="1">
+                                <a:latin typeface="Cambria Math" panose="02040503050406030204" pitchFamily="18" charset="0"/>
+                              </a:rPr>
                               <m:t>𝜉</m:t>
                             </m:r>
                           </m:e>
                           <m:sub>
                             <m:r>
-                              <a:rPr lang="en-US" i="1"/>
+                              <a:rPr lang="en-US" i="1">
+                                <a:latin typeface="Cambria Math" panose="02040503050406030204" pitchFamily="18" charset="0"/>
+                              </a:rPr>
                               <m:t>𝑧</m:t>
                             </m:r>
                           </m:sub>
@@ -4157,75 +4505,101 @@
                         <m:d>
                           <m:dPr>
                             <m:ctrlPr>
-                              <a:rPr lang="en-US" i="1"/>
+                              <a:rPr lang="en-US" i="1">
+                                <a:latin typeface="Cambria Math" panose="02040503050406030204" pitchFamily="18" charset="0"/>
+                              </a:rPr>
                             </m:ctrlPr>
                           </m:dPr>
                           <m:e>
                             <m:r>
-                              <a:rPr lang="en-US" i="1"/>
+                              <a:rPr lang="en-US" i="1">
+                                <a:latin typeface="Cambria Math" panose="02040503050406030204" pitchFamily="18" charset="0"/>
+                              </a:rPr>
                               <m:t>−</m:t>
                             </m:r>
                             <m:f>
                               <m:fPr>
                                 <m:ctrlPr>
-                                  <a:rPr lang="en-US" i="1"/>
+                                  <a:rPr lang="en-US" i="1">
+                                    <a:latin typeface="Cambria Math" panose="02040503050406030204" pitchFamily="18" charset="0"/>
+                                  </a:rPr>
                                 </m:ctrlPr>
                               </m:fPr>
                               <m:num>
                                 <m:sSubSup>
                                   <m:sSubSupPr>
                                     <m:ctrlPr>
-                                      <a:rPr lang="en-US" i="1"/>
+                                      <a:rPr lang="en-US" i="1">
+                                        <a:latin typeface="Cambria Math" panose="02040503050406030204" pitchFamily="18" charset="0"/>
+                                      </a:rPr>
                                     </m:ctrlPr>
                                   </m:sSubSupPr>
                                   <m:e>
                                     <m:r>
-                                      <a:rPr lang="en-US" i="1"/>
+                                      <a:rPr lang="en-US" i="1">
+                                        <a:latin typeface="Cambria Math" panose="02040503050406030204" pitchFamily="18" charset="0"/>
+                                      </a:rPr>
                                       <m:t>𝜉</m:t>
                                     </m:r>
                                   </m:e>
                                   <m:sub>
                                     <m:r>
-                                      <a:rPr lang="en-US" i="1"/>
+                                      <a:rPr lang="en-US" i="1">
+                                        <a:latin typeface="Cambria Math" panose="02040503050406030204" pitchFamily="18" charset="0"/>
+                                      </a:rPr>
                                       <m:t>𝑧</m:t>
                                     </m:r>
                                   </m:sub>
                                   <m:sup>
                                     <m:r>
-                                      <a:rPr lang="en-US" i="1"/>
+                                      <a:rPr lang="en-US" i="1">
+                                        <a:latin typeface="Cambria Math" panose="02040503050406030204" pitchFamily="18" charset="0"/>
+                                      </a:rPr>
                                       <m:t>2</m:t>
                                     </m:r>
                                   </m:sup>
                                 </m:sSubSup>
                                 <m:r>
-                                  <a:rPr lang="en-US" i="1"/>
+                                  <a:rPr lang="en-US" i="1">
+                                    <a:latin typeface="Cambria Math" panose="02040503050406030204" pitchFamily="18" charset="0"/>
+                                  </a:rPr>
                                   <m:t>−</m:t>
                                 </m:r>
                                 <m:sSubSup>
                                   <m:sSubSupPr>
                                     <m:ctrlPr>
-                                      <a:rPr lang="en-US" i="1"/>
+                                      <a:rPr lang="en-US" i="1">
+                                        <a:latin typeface="Cambria Math" panose="02040503050406030204" pitchFamily="18" charset="0"/>
+                                      </a:rPr>
                                     </m:ctrlPr>
                                   </m:sSubSupPr>
                                   <m:e>
                                     <m:r>
-                                      <a:rPr lang="en-US" i="1"/>
+                                      <a:rPr lang="en-US" i="1">
+                                        <a:latin typeface="Cambria Math" panose="02040503050406030204" pitchFamily="18" charset="0"/>
+                                      </a:rPr>
                                       <m:t>𝜉</m:t>
                                     </m:r>
                                   </m:e>
                                   <m:sub>
                                     <m:r>
-                                      <a:rPr lang="en-US" i="1"/>
+                                      <a:rPr lang="en-US" i="1">
+                                        <a:latin typeface="Cambria Math" panose="02040503050406030204" pitchFamily="18" charset="0"/>
+                                      </a:rPr>
                                       <m:t>𝑧</m:t>
                                     </m:r>
                                     <m:r>
-                                      <a:rPr lang="en-US" i="1"/>
+                                      <a:rPr lang="en-US" i="1">
+                                        <a:latin typeface="Cambria Math" panose="02040503050406030204" pitchFamily="18" charset="0"/>
+                                      </a:rPr>
                                       <m:t>0</m:t>
                                     </m:r>
                                   </m:sub>
                                   <m:sup>
                                     <m:r>
-                                      <a:rPr lang="en-US" i="1"/>
+                                      <a:rPr lang="en-US" i="1">
+                                        <a:latin typeface="Cambria Math" panose="02040503050406030204" pitchFamily="18" charset="0"/>
+                                      </a:rPr>
                                       <m:t>2</m:t>
                                     </m:r>
                                   </m:sup>
@@ -4233,48 +4607,64 @@
                               </m:num>
                               <m:den>
                                 <m:r>
-                                  <a:rPr lang="en-US" i="1"/>
+                                  <a:rPr lang="en-US" i="1">
+                                    <a:latin typeface="Cambria Math" panose="02040503050406030204" pitchFamily="18" charset="0"/>
+                                  </a:rPr>
                                   <m:t>2</m:t>
                                 </m:r>
                               </m:den>
                             </m:f>
                             <m:r>
-                              <a:rPr lang="en-US" i="1"/>
+                              <a:rPr lang="en-US" i="1">
+                                <a:latin typeface="Cambria Math" panose="02040503050406030204" pitchFamily="18" charset="0"/>
+                              </a:rPr>
                               <m:t>+</m:t>
                             </m:r>
                             <m:f>
                               <m:fPr>
                                 <m:ctrlPr>
-                                  <a:rPr lang="en-US" i="1"/>
+                                  <a:rPr lang="en-US" i="1">
+                                    <a:latin typeface="Cambria Math" panose="02040503050406030204" pitchFamily="18" charset="0"/>
+                                  </a:rPr>
                                 </m:ctrlPr>
                               </m:fPr>
                               <m:num>
                                 <m:sSub>
                                   <m:sSubPr>
                                     <m:ctrlPr>
-                                      <a:rPr lang="en-US" i="1"/>
+                                      <a:rPr lang="en-US" i="1">
+                                        <a:latin typeface="Cambria Math" panose="02040503050406030204" pitchFamily="18" charset="0"/>
+                                      </a:rPr>
                                     </m:ctrlPr>
                                   </m:sSubPr>
                                   <m:e>
                                     <m:r>
-                                      <a:rPr lang="en-US"/>
+                                      <a:rPr lang="en-US">
+                                        <a:latin typeface="Cambria Math" panose="02040503050406030204" pitchFamily="18" charset="0"/>
+                                      </a:rPr>
                                       <m:t> </m:t>
                                     </m:r>
                                     <m:r>
                                       <m:rPr>
                                         <m:sty m:val="p"/>
                                       </m:rPr>
-                                      <a:rPr lang="en-US"/>
+                                      <a:rPr lang="en-US">
+                                        <a:latin typeface="Cambria Math" panose="02040503050406030204" pitchFamily="18" charset="0"/>
+                                      </a:rPr>
                                       <m:t>ς</m:t>
                                     </m:r>
                                     <m:r>
-                                      <a:rPr lang="en-US" i="1"/>
+                                      <a:rPr lang="en-US" i="1">
+                                        <a:latin typeface="Cambria Math" panose="02040503050406030204" pitchFamily="18" charset="0"/>
+                                      </a:rPr>
                                       <m:t>𝐸</m:t>
                                     </m:r>
                                   </m:e>
                                   <m:sub>
                                     <m:r>
-                                      <a:rPr lang="en-US" i="1"/>
+                                      <a:rPr lang="en-US" i="1">
+                                        <a:latin typeface="Cambria Math" panose="02040503050406030204" pitchFamily="18" charset="0"/>
+                                      </a:rPr>
                                       <m:t>0</m:t>
                                     </m:r>
                                   </m:sub>
@@ -4282,24 +4672,32 @@
                               </m:num>
                               <m:den>
                                 <m:r>
-                                  <a:rPr lang="en-US" i="1"/>
+                                  <a:rPr lang="en-US" i="1">
+                                    <a:latin typeface="Cambria Math" panose="02040503050406030204" pitchFamily="18" charset="0"/>
+                                  </a:rPr>
                                   <m:t>𝑐</m:t>
                                 </m:r>
                                 <m:sSub>
                                   <m:sSubPr>
                                     <m:ctrlPr>
-                                      <a:rPr lang="en-US" i="1"/>
+                                      <a:rPr lang="en-US" i="1">
+                                        <a:latin typeface="Cambria Math" panose="02040503050406030204" pitchFamily="18" charset="0"/>
+                                      </a:rPr>
                                     </m:ctrlPr>
                                   </m:sSubPr>
                                   <m:e>
                                     <m:r>
-                                      <a:rPr lang="en-US" i="1"/>
+                                      <a:rPr lang="en-US" i="1">
+                                        <a:latin typeface="Cambria Math" panose="02040503050406030204" pitchFamily="18" charset="0"/>
+                                      </a:rPr>
                                       <m:t>𝐵</m:t>
                                     </m:r>
                                   </m:e>
                                   <m:sub>
                                     <m:r>
-                                      <a:rPr lang="en-US" i="1"/>
+                                      <a:rPr lang="en-US" i="1">
+                                        <a:latin typeface="Cambria Math" panose="02040503050406030204" pitchFamily="18" charset="0"/>
+                                      </a:rPr>
                                       <m:t>0</m:t>
                                     </m:r>
                                   </m:sub>
@@ -4307,13 +4705,17 @@
                               </m:den>
                             </m:f>
                             <m:r>
-                              <a:rPr lang="en-US" i="1"/>
+                              <a:rPr lang="en-US" i="1">
+                                <a:latin typeface="Cambria Math" panose="02040503050406030204" pitchFamily="18" charset="0"/>
+                              </a:rPr>
                               <m:t>∫</m:t>
                             </m:r>
                             <m:sSub>
                               <m:sSubPr>
                                 <m:ctrlPr>
-                                  <a:rPr lang="en-US" i="1"/>
+                                  <a:rPr lang="en-US" i="1">
+                                    <a:latin typeface="Cambria Math" panose="02040503050406030204" pitchFamily="18" charset="0"/>
+                                  </a:rPr>
                                 </m:ctrlPr>
                               </m:sSubPr>
                               <m:e>
@@ -4321,7 +4723,9 @@
                                   <m:rPr>
                                     <m:sty m:val="p"/>
                                   </m:rPr>
-                                  <a:rPr lang="en-US"/>
+                                  <a:rPr lang="en-US">
+                                    <a:latin typeface="Cambria Math" panose="02040503050406030204" pitchFamily="18" charset="0"/>
+                                  </a:rPr>
                                   <m:t>ξ</m:t>
                                 </m:r>
                               </m:e>
@@ -4330,42 +4734,58 @@
                                   <m:rPr>
                                     <m:sty m:val="p"/>
                                   </m:rPr>
-                                  <a:rPr lang="en-US"/>
+                                  <a:rPr lang="en-US">
+                                    <a:latin typeface="Cambria Math" panose="02040503050406030204" pitchFamily="18" charset="0"/>
+                                  </a:rPr>
                                   <m:t>z</m:t>
                                 </m:r>
                               </m:sub>
                             </m:sSub>
                             <m:r>
-                              <a:rPr lang="en-US" i="1"/>
+                              <a:rPr lang="en-US" i="1">
+                                <a:latin typeface="Cambria Math" panose="02040503050406030204" pitchFamily="18" charset="0"/>
+                              </a:rPr>
                               <m:t>𝑑</m:t>
                             </m:r>
                             <m:r>
-                              <a:rPr lang="en-US" i="1"/>
+                              <a:rPr lang="en-US" i="1">
+                                <a:latin typeface="Cambria Math" panose="02040503050406030204" pitchFamily="18" charset="0"/>
+                              </a:rPr>
                               <m:t>𝜏</m:t>
                             </m:r>
                             <m:r>
-                              <a:rPr lang="en-US"/>
+                              <a:rPr lang="en-US">
+                                <a:latin typeface="Cambria Math" panose="02040503050406030204" pitchFamily="18" charset="0"/>
+                              </a:rPr>
                               <m:t>+</m:t>
                             </m:r>
                             <m:r>
-                              <a:rPr lang="en-US" i="1"/>
+                              <a:rPr lang="en-US" i="1">
+                                <a:latin typeface="Cambria Math" panose="02040503050406030204" pitchFamily="18" charset="0"/>
+                              </a:rPr>
                               <m:t>𝛼</m:t>
                             </m:r>
                             <m:sSub>
                               <m:sSubPr>
                                 <m:ctrlPr>
-                                  <a:rPr lang="en-US" i="1"/>
+                                  <a:rPr lang="en-US" i="1">
+                                    <a:latin typeface="Cambria Math" panose="02040503050406030204" pitchFamily="18" charset="0"/>
+                                  </a:rPr>
                                 </m:ctrlPr>
                               </m:sSubPr>
                               <m:e>
                                 <m:r>
-                                  <a:rPr lang="en-US" i="1"/>
+                                  <a:rPr lang="en-US" i="1">
+                                    <a:latin typeface="Cambria Math" panose="02040503050406030204" pitchFamily="18" charset="0"/>
+                                  </a:rPr>
                                   <m:t>𝛾</m:t>
                                 </m:r>
                               </m:e>
                               <m:sub>
                                 <m:r>
-                                  <a:rPr lang="en-US" i="1"/>
+                                  <a:rPr lang="en-US" i="1">
+                                    <a:latin typeface="Cambria Math" panose="02040503050406030204" pitchFamily="18" charset="0"/>
+                                  </a:rPr>
                                   <m:t>0</m:t>
                                 </m:r>
                               </m:sub>
@@ -4373,18 +4793,24 @@
                             <m:sSup>
                               <m:sSupPr>
                                 <m:ctrlPr>
-                                  <a:rPr lang="en-US" i="1"/>
+                                  <a:rPr lang="en-US" i="1">
+                                    <a:latin typeface="Cambria Math" panose="02040503050406030204" pitchFamily="18" charset="0"/>
+                                  </a:rPr>
                                 </m:ctrlPr>
                               </m:sSupPr>
                               <m:e>
                                 <m:r>
-                                  <a:rPr lang="en-US" i="1"/>
+                                  <a:rPr lang="en-US" i="1">
+                                    <a:latin typeface="Cambria Math" panose="02040503050406030204" pitchFamily="18" charset="0"/>
+                                  </a:rPr>
                                   <m:t>𝜅</m:t>
                                 </m:r>
                               </m:e>
                               <m:sup>
                                 <m:r>
-                                  <a:rPr lang="en-US" i="1"/>
+                                  <a:rPr lang="en-US" i="1">
+                                    <a:latin typeface="Cambria Math" panose="02040503050406030204" pitchFamily="18" charset="0"/>
+                                  </a:rPr>
                                   <m:t>′</m:t>
                                 </m:r>
                               </m:sup>
@@ -4392,18 +4818,24 @@
                             <m:sSub>
                               <m:sSubPr>
                                 <m:ctrlPr>
-                                  <a:rPr lang="en-US" i="1"/>
+                                  <a:rPr lang="en-US" i="1">
+                                    <a:latin typeface="Cambria Math" panose="02040503050406030204" pitchFamily="18" charset="0"/>
+                                  </a:rPr>
                                 </m:ctrlPr>
                               </m:sSubPr>
                               <m:e>
                                 <m:r>
-                                  <a:rPr lang="en-US" i="1"/>
+                                  <a:rPr lang="en-US" i="1">
+                                    <a:latin typeface="Cambria Math" panose="02040503050406030204" pitchFamily="18" charset="0"/>
+                                  </a:rPr>
                                   <m:t>𝛽</m:t>
                                 </m:r>
                               </m:e>
                               <m:sub>
                                 <m:r>
-                                  <a:rPr lang="en-US" i="1"/>
+                                  <a:rPr lang="en-US" i="1">
+                                    <a:latin typeface="Cambria Math" panose="02040503050406030204" pitchFamily="18" charset="0"/>
+                                  </a:rPr>
                                   <m:t>⊥0</m:t>
                                 </m:r>
                               </m:sub>
@@ -4411,7 +4843,9 @@
                             <m:func>
                               <m:funcPr>
                                 <m:ctrlPr>
-                                  <a:rPr lang="en-US" i="1"/>
+                                  <a:rPr lang="en-US" i="1">
+                                    <a:latin typeface="Cambria Math" panose="02040503050406030204" pitchFamily="18" charset="0"/>
+                                  </a:rPr>
                                 </m:ctrlPr>
                               </m:funcPr>
                               <m:fName>
@@ -4419,7 +4853,9 @@
                                   <m:rPr>
                                     <m:sty m:val="p"/>
                                   </m:rPr>
-                                  <a:rPr lang="en-US"/>
+                                  <a:rPr lang="en-US">
+                                    <a:latin typeface="Cambria Math" panose="02040503050406030204" pitchFamily="18" charset="0"/>
+                                  </a:rPr>
                                   <m:t>sin</m:t>
                                 </m:r>
                               </m:fName>
@@ -4427,18 +4863,24 @@
                                 <m:sSub>
                                   <m:sSubPr>
                                     <m:ctrlPr>
-                                      <a:rPr lang="en-US" i="1"/>
+                                      <a:rPr lang="en-US" i="1">
+                                        <a:latin typeface="Cambria Math" panose="02040503050406030204" pitchFamily="18" charset="0"/>
+                                      </a:rPr>
                                     </m:ctrlPr>
                                   </m:sSubPr>
                                   <m:e>
                                     <m:r>
-                                      <a:rPr lang="en-US" i="1"/>
+                                      <a:rPr lang="en-US" i="1">
+                                        <a:latin typeface="Cambria Math" panose="02040503050406030204" pitchFamily="18" charset="0"/>
+                                      </a:rPr>
                                       <m:t>𝜙</m:t>
                                     </m:r>
                                   </m:e>
                                   <m:sub>
                                     <m:r>
-                                      <a:rPr lang="en-US" i="1"/>
+                                      <a:rPr lang="en-US" i="1">
+                                        <a:latin typeface="Cambria Math" panose="02040503050406030204" pitchFamily="18" charset="0"/>
+                                      </a:rPr>
                                       <m:t>0</m:t>
                                     </m:r>
                                   </m:sub>
@@ -4448,37 +4890,49 @@
                           </m:e>
                         </m:d>
                         <m:r>
-                          <a:rPr lang="en-US" i="1"/>
+                          <a:rPr lang="en-US" i="1">
+                            <a:latin typeface="Cambria Math" panose="02040503050406030204" pitchFamily="18" charset="0"/>
+                          </a:rPr>
                           <m:t>−</m:t>
                         </m:r>
                         <m:d>
                           <m:dPr>
                             <m:ctrlPr>
-                              <a:rPr lang="en-US" i="1"/>
+                              <a:rPr lang="en-US" i="1">
+                                <a:latin typeface="Cambria Math" panose="02040503050406030204" pitchFamily="18" charset="0"/>
+                              </a:rPr>
                             </m:ctrlPr>
                           </m:dPr>
                           <m:e>
                             <m:sSub>
                               <m:sSubPr>
                                 <m:ctrlPr>
-                                  <a:rPr lang="en-US" i="1"/>
+                                  <a:rPr lang="en-US" i="1">
+                                    <a:latin typeface="Cambria Math" panose="02040503050406030204" pitchFamily="18" charset="0"/>
+                                  </a:rPr>
                                 </m:ctrlPr>
                               </m:sSubPr>
                               <m:e>
                                 <m:r>
-                                  <a:rPr lang="en-US" i="1"/>
+                                  <a:rPr lang="en-US" i="1">
+                                    <a:latin typeface="Cambria Math" panose="02040503050406030204" pitchFamily="18" charset="0"/>
+                                  </a:rPr>
                                   <m:t>𝜉</m:t>
                                 </m:r>
                               </m:e>
                               <m:sub>
                                 <m:r>
-                                  <a:rPr lang="en-US" i="1"/>
+                                  <a:rPr lang="en-US" i="1">
+                                    <a:latin typeface="Cambria Math" panose="02040503050406030204" pitchFamily="18" charset="0"/>
+                                  </a:rPr>
                                   <m:t>𝑧</m:t>
                                 </m:r>
                               </m:sub>
                             </m:sSub>
                             <m:r>
-                              <a:rPr lang="en-US" i="1"/>
+                              <a:rPr lang="en-US" i="1">
+                                <a:latin typeface="Cambria Math" panose="02040503050406030204" pitchFamily="18" charset="0"/>
+                              </a:rPr>
                               <m:t>−1</m:t>
                             </m:r>
                           </m:e>
@@ -4486,18 +4940,24 @@
                         <m:sSup>
                           <m:sSupPr>
                             <m:ctrlPr>
-                              <a:rPr lang="en-US" i="1"/>
+                              <a:rPr lang="en-US" i="1">
+                                <a:latin typeface="Cambria Math" panose="02040503050406030204" pitchFamily="18" charset="0"/>
+                              </a:rPr>
                             </m:ctrlPr>
                           </m:sSupPr>
                           <m:e>
                             <m:r>
-                              <a:rPr lang="en-US" i="1"/>
+                              <a:rPr lang="en-US" i="1">
+                                <a:latin typeface="Cambria Math" panose="02040503050406030204" pitchFamily="18" charset="0"/>
+                              </a:rPr>
                               <m:t>𝜅</m:t>
                             </m:r>
                           </m:e>
                           <m:sup>
                             <m:r>
-                              <a:rPr lang="en-US" i="1"/>
+                              <a:rPr lang="en-US" i="1">
+                                <a:latin typeface="Cambria Math" panose="02040503050406030204" pitchFamily="18" charset="0"/>
+                              </a:rPr>
                               <m:t>′2</m:t>
                             </m:r>
                           </m:sup>
@@ -4514,25 +4974,33 @@
                     <m:f>
                       <m:fPr>
                         <m:ctrlPr>
-                          <a:rPr lang="en-US" i="1"/>
+                          <a:rPr lang="en-US" i="1">
+                            <a:latin typeface="Cambria Math" panose="02040503050406030204" pitchFamily="18" charset="0"/>
+                          </a:rPr>
                         </m:ctrlPr>
                       </m:fPr>
                       <m:num>
                         <m:sSup>
                           <m:sSupPr>
                             <m:ctrlPr>
-                              <a:rPr lang="en-US" i="1"/>
+                              <a:rPr lang="en-US" i="1">
+                                <a:latin typeface="Cambria Math" panose="02040503050406030204" pitchFamily="18" charset="0"/>
+                              </a:rPr>
                             </m:ctrlPr>
                           </m:sSupPr>
                           <m:e>
                             <m:r>
-                              <a:rPr lang="en-US" i="1"/>
+                              <a:rPr lang="en-US" i="1">
+                                <a:latin typeface="Cambria Math" panose="02040503050406030204" pitchFamily="18" charset="0"/>
+                              </a:rPr>
                               <m:t>𝑑</m:t>
                             </m:r>
                           </m:e>
                           <m:sup>
                             <m:r>
-                              <a:rPr lang="en-US" i="1"/>
+                              <a:rPr lang="en-US" i="1">
+                                <a:latin typeface="Cambria Math" panose="02040503050406030204" pitchFamily="18" charset="0"/>
+                              </a:rPr>
                               <m:t>2</m:t>
                             </m:r>
                           </m:sup>
@@ -4540,18 +5008,24 @@
                         <m:sSub>
                           <m:sSubPr>
                             <m:ctrlPr>
-                              <a:rPr lang="en-US" i="1"/>
+                              <a:rPr lang="en-US" i="1">
+                                <a:latin typeface="Cambria Math" panose="02040503050406030204" pitchFamily="18" charset="0"/>
+                              </a:rPr>
                             </m:ctrlPr>
                           </m:sSubPr>
                           <m:e>
                             <m:r>
-                              <a:rPr lang="en-US" i="1"/>
+                              <a:rPr lang="en-US" i="1">
+                                <a:latin typeface="Cambria Math" panose="02040503050406030204" pitchFamily="18" charset="0"/>
+                              </a:rPr>
                               <m:t>𝜉</m:t>
                             </m:r>
                           </m:e>
                           <m:sub>
                             <m:r>
-                              <a:rPr lang="en-US" i="1"/>
+                              <a:rPr lang="en-US" i="1">
+                                <a:latin typeface="Cambria Math" panose="02040503050406030204" pitchFamily="18" charset="0"/>
+                              </a:rPr>
                               <m:t>𝑧</m:t>
                             </m:r>
                           </m:sub>
@@ -4559,24 +5033,32 @@
                       </m:num>
                       <m:den>
                         <m:r>
-                          <a:rPr lang="en-US" i="1"/>
+                          <a:rPr lang="en-US" i="1">
+                            <a:latin typeface="Cambria Math" panose="02040503050406030204" pitchFamily="18" charset="0"/>
+                          </a:rPr>
                           <m:t>𝑑</m:t>
                         </m:r>
                         <m:sSup>
                           <m:sSupPr>
                             <m:ctrlPr>
-                              <a:rPr lang="en-US" i="1"/>
+                              <a:rPr lang="en-US" i="1">
+                                <a:latin typeface="Cambria Math" panose="02040503050406030204" pitchFamily="18" charset="0"/>
+                              </a:rPr>
                             </m:ctrlPr>
                           </m:sSupPr>
                           <m:e>
                             <m:r>
-                              <a:rPr lang="en-US" i="1"/>
+                              <a:rPr lang="en-US" i="1">
+                                <a:latin typeface="Cambria Math" panose="02040503050406030204" pitchFamily="18" charset="0"/>
+                              </a:rPr>
                               <m:t>𝜏</m:t>
                             </m:r>
                           </m:e>
                           <m:sup>
                             <m:r>
-                              <a:rPr lang="en-US" i="1"/>
+                              <a:rPr lang="en-US" i="1">
+                                <a:latin typeface="Cambria Math" panose="02040503050406030204" pitchFamily="18" charset="0"/>
+                              </a:rPr>
                               <m:t>2</m:t>
                             </m:r>
                           </m:sup>
@@ -4584,41 +5066,55 @@
                       </m:den>
                     </m:f>
                     <m:r>
-                      <a:rPr lang="en-US" i="1"/>
+                      <a:rPr lang="en-US" i="1">
+                        <a:latin typeface="Cambria Math" panose="02040503050406030204" pitchFamily="18" charset="0"/>
+                      </a:rPr>
                       <m:t>=−</m:t>
                     </m:r>
                     <m:f>
                       <m:fPr>
                         <m:ctrlPr>
-                          <a:rPr lang="en-US" i="1"/>
+                          <a:rPr lang="en-US" i="1">
+                            <a:latin typeface="Cambria Math" panose="02040503050406030204" pitchFamily="18" charset="0"/>
+                          </a:rPr>
                         </m:ctrlPr>
                       </m:fPr>
                       <m:num>
                         <m:r>
-                          <a:rPr lang="en-US" i="1"/>
+                          <a:rPr lang="en-US" i="1">
+                            <a:latin typeface="Cambria Math" panose="02040503050406030204" pitchFamily="18" charset="0"/>
+                          </a:rPr>
                           <m:t>𝜕𝜓</m:t>
                         </m:r>
                       </m:num>
                       <m:den>
                         <m:r>
-                          <a:rPr lang="en-US" i="1"/>
+                          <a:rPr lang="en-US" i="1">
+                            <a:latin typeface="Cambria Math" panose="02040503050406030204" pitchFamily="18" charset="0"/>
+                          </a:rPr>
                           <m:t>𝜕</m:t>
                         </m:r>
                         <m:sSub>
                           <m:sSubPr>
                             <m:ctrlPr>
-                              <a:rPr lang="en-US" i="1"/>
+                              <a:rPr lang="en-US" i="1">
+                                <a:latin typeface="Cambria Math" panose="02040503050406030204" pitchFamily="18" charset="0"/>
+                              </a:rPr>
                             </m:ctrlPr>
                           </m:sSubPr>
                           <m:e>
                             <m:r>
-                              <a:rPr lang="en-US" i="1"/>
+                              <a:rPr lang="en-US" i="1">
+                                <a:latin typeface="Cambria Math" panose="02040503050406030204" pitchFamily="18" charset="0"/>
+                              </a:rPr>
                               <m:t>𝜉</m:t>
                             </m:r>
                           </m:e>
                           <m:sub>
                             <m:r>
-                              <a:rPr lang="en-US" i="1"/>
+                              <a:rPr lang="en-US" i="1">
+                                <a:latin typeface="Cambria Math" panose="02040503050406030204" pitchFamily="18" charset="0"/>
+                              </a:rPr>
                               <m:t>𝑧</m:t>
                             </m:r>
                           </m:sub>
@@ -4636,18 +5132,24 @@
                     <m:f>
                       <m:fPr>
                         <m:ctrlPr>
-                          <a:rPr lang="en-US" i="1"/>
+                          <a:rPr lang="en-US" i="1">
+                            <a:latin typeface="Cambria Math" panose="02040503050406030204" pitchFamily="18" charset="0"/>
+                          </a:rPr>
                         </m:ctrlPr>
                       </m:fPr>
                       <m:num>
                         <m:r>
-                          <a:rPr lang="en-US"/>
+                          <a:rPr lang="en-US">
+                            <a:latin typeface="Cambria Math" panose="02040503050406030204" pitchFamily="18" charset="0"/>
+                          </a:rPr>
                           <m:t>1</m:t>
                         </m:r>
                       </m:num>
                       <m:den>
                         <m:r>
-                          <a:rPr lang="en-US"/>
+                          <a:rPr lang="en-US">
+                            <a:latin typeface="Cambria Math" panose="02040503050406030204" pitchFamily="18" charset="0"/>
+                          </a:rPr>
                           <m:t>2</m:t>
                         </m:r>
                       </m:den>
@@ -4655,43 +5157,57 @@
                     <m:sSup>
                       <m:sSupPr>
                         <m:ctrlPr>
-                          <a:rPr lang="en-US" i="1"/>
+                          <a:rPr lang="en-US" i="1">
+                            <a:latin typeface="Cambria Math" panose="02040503050406030204" pitchFamily="18" charset="0"/>
+                          </a:rPr>
                         </m:ctrlPr>
                       </m:sSupPr>
                       <m:e>
                         <m:d>
                           <m:dPr>
                             <m:ctrlPr>
-                              <a:rPr lang="en-US" i="1"/>
+                              <a:rPr lang="en-US" i="1">
+                                <a:latin typeface="Cambria Math" panose="02040503050406030204" pitchFamily="18" charset="0"/>
+                              </a:rPr>
                             </m:ctrlPr>
                           </m:dPr>
                           <m:e>
                             <m:f>
                               <m:fPr>
                                 <m:ctrlPr>
-                                  <a:rPr lang="en-US" i="1"/>
+                                  <a:rPr lang="en-US" i="1">
+                                    <a:latin typeface="Cambria Math" panose="02040503050406030204" pitchFamily="18" charset="0"/>
+                                  </a:rPr>
                                 </m:ctrlPr>
                               </m:fPr>
                               <m:num>
                                 <m:r>
-                                  <a:rPr lang="en-US" i="1"/>
+                                  <a:rPr lang="en-US" i="1">
+                                    <a:latin typeface="Cambria Math" panose="02040503050406030204" pitchFamily="18" charset="0"/>
+                                  </a:rPr>
                                   <m:t>𝑑</m:t>
                                 </m:r>
                                 <m:sSub>
                                   <m:sSubPr>
                                     <m:ctrlPr>
-                                      <a:rPr lang="en-US" i="1"/>
+                                      <a:rPr lang="en-US" i="1">
+                                        <a:latin typeface="Cambria Math" panose="02040503050406030204" pitchFamily="18" charset="0"/>
+                                      </a:rPr>
                                     </m:ctrlPr>
                                   </m:sSubPr>
                                   <m:e>
                                     <m:r>
-                                      <a:rPr lang="en-US" i="1"/>
+                                      <a:rPr lang="en-US" i="1">
+                                        <a:latin typeface="Cambria Math" panose="02040503050406030204" pitchFamily="18" charset="0"/>
+                                      </a:rPr>
                                       <m:t>𝜉</m:t>
                                     </m:r>
                                   </m:e>
                                   <m:sub>
                                     <m:r>
-                                      <a:rPr lang="en-US" i="1"/>
+                                      <a:rPr lang="en-US" i="1">
+                                        <a:latin typeface="Cambria Math" panose="02040503050406030204" pitchFamily="18" charset="0"/>
+                                      </a:rPr>
                                       <m:t>𝑧</m:t>
                                     </m:r>
                                   </m:sub>
@@ -4699,11 +5215,15 @@
                               </m:num>
                               <m:den>
                                 <m:r>
-                                  <a:rPr lang="en-US" i="1"/>
+                                  <a:rPr lang="en-US" i="1">
+                                    <a:latin typeface="Cambria Math" panose="02040503050406030204" pitchFamily="18" charset="0"/>
+                                  </a:rPr>
                                   <m:t>𝑑</m:t>
                                 </m:r>
                                 <m:r>
-                                  <a:rPr lang="en-US" i="1"/>
+                                  <a:rPr lang="en-US" i="1">
+                                    <a:latin typeface="Cambria Math" panose="02040503050406030204" pitchFamily="18" charset="0"/>
+                                  </a:rPr>
                                   <m:t>𝜏</m:t>
                                 </m:r>
                               </m:den>
@@ -4713,41 +5233,55 @@
                       </m:e>
                       <m:sup>
                         <m:r>
-                          <a:rPr lang="en-US" i="1"/>
+                          <a:rPr lang="en-US" i="1">
+                            <a:latin typeface="Cambria Math" panose="02040503050406030204" pitchFamily="18" charset="0"/>
+                          </a:rPr>
                           <m:t>2</m:t>
                         </m:r>
                       </m:sup>
                     </m:sSup>
                     <m:r>
-                      <a:rPr lang="en-US" i="1"/>
+                      <a:rPr lang="en-US" i="1">
+                        <a:latin typeface="Cambria Math" panose="02040503050406030204" pitchFamily="18" charset="0"/>
+                      </a:rPr>
                       <m:t>+</m:t>
                     </m:r>
                     <m:r>
-                      <a:rPr lang="en-US" i="1"/>
+                      <a:rPr lang="en-US" i="1">
+                        <a:latin typeface="Cambria Math" panose="02040503050406030204" pitchFamily="18" charset="0"/>
+                      </a:rPr>
                       <m:t>𝜓</m:t>
                     </m:r>
                     <m:d>
                       <m:dPr>
                         <m:ctrlPr>
-                          <a:rPr lang="en-US" i="1"/>
+                          <a:rPr lang="en-US" i="1">
+                            <a:latin typeface="Cambria Math" panose="02040503050406030204" pitchFamily="18" charset="0"/>
+                          </a:rPr>
                         </m:ctrlPr>
                       </m:dPr>
                       <m:e>
                         <m:sSub>
                           <m:sSubPr>
                             <m:ctrlPr>
-                              <a:rPr lang="en-US" i="1"/>
+                              <a:rPr lang="en-US" i="1">
+                                <a:latin typeface="Cambria Math" panose="02040503050406030204" pitchFamily="18" charset="0"/>
+                              </a:rPr>
                             </m:ctrlPr>
                           </m:sSubPr>
                           <m:e>
                             <m:r>
-                              <a:rPr lang="en-US" i="1"/>
+                              <a:rPr lang="en-US" i="1">
+                                <a:latin typeface="Cambria Math" panose="02040503050406030204" pitchFamily="18" charset="0"/>
+                              </a:rPr>
                               <m:t>𝜉</m:t>
                             </m:r>
                           </m:e>
                           <m:sub>
                             <m:r>
-                              <a:rPr lang="en-US" i="1"/>
+                              <a:rPr lang="en-US" i="1">
+                                <a:latin typeface="Cambria Math" panose="02040503050406030204" pitchFamily="18" charset="0"/>
+                              </a:rPr>
                               <m:t>𝑧</m:t>
                             </m:r>
                           </m:sub>
@@ -4755,24 +5289,32 @@
                       </m:e>
                     </m:d>
                     <m:r>
-                      <a:rPr lang="en-US" i="1"/>
+                      <a:rPr lang="en-US" i="1">
+                        <a:latin typeface="Cambria Math" panose="02040503050406030204" pitchFamily="18" charset="0"/>
+                      </a:rPr>
                       <m:t>=</m:t>
                     </m:r>
                     <m:sSub>
                       <m:sSubPr>
                         <m:ctrlPr>
-                          <a:rPr lang="en-US" i="1"/>
+                          <a:rPr lang="en-US" i="1">
+                            <a:latin typeface="Cambria Math" panose="02040503050406030204" pitchFamily="18" charset="0"/>
+                          </a:rPr>
                         </m:ctrlPr>
                       </m:sSubPr>
                       <m:e>
                         <m:r>
-                          <a:rPr lang="en-US" i="1"/>
+                          <a:rPr lang="en-US" i="1">
+                            <a:latin typeface="Cambria Math" panose="02040503050406030204" pitchFamily="18" charset="0"/>
+                          </a:rPr>
                           <m:t>𝑊</m:t>
                         </m:r>
                       </m:e>
                       <m:sub>
                         <m:r>
-                          <a:rPr lang="en-US" i="1"/>
+                          <a:rPr lang="en-US" i="1">
+                            <a:latin typeface="Cambria Math" panose="02040503050406030204" pitchFamily="18" charset="0"/>
+                          </a:rPr>
                           <m:t>0</m:t>
                         </m:r>
                       </m:sub>
@@ -4791,29 +5333,39 @@
                     <m:f>
                       <m:fPr>
                         <m:ctrlPr>
-                          <a:rPr lang="en-US" i="1"/>
+                          <a:rPr lang="en-US" i="1">
+                            <a:latin typeface="Cambria Math" panose="02040503050406030204" pitchFamily="18" charset="0"/>
+                          </a:rPr>
                         </m:ctrlPr>
                       </m:fPr>
                       <m:num>
                         <m:r>
-                          <a:rPr lang="en-US" i="1"/>
+                          <a:rPr lang="en-US" i="1">
+                            <a:latin typeface="Cambria Math" panose="02040503050406030204" pitchFamily="18" charset="0"/>
+                          </a:rPr>
                           <m:t>𝑑</m:t>
                         </m:r>
                         <m:sSub>
                           <m:sSubPr>
                             <m:ctrlPr>
-                              <a:rPr lang="en-US" i="1"/>
+                              <a:rPr lang="en-US" i="1">
+                                <a:latin typeface="Cambria Math" panose="02040503050406030204" pitchFamily="18" charset="0"/>
+                              </a:rPr>
                             </m:ctrlPr>
                           </m:sSubPr>
                           <m:e>
                             <m:r>
-                              <a:rPr lang="en-US" i="1"/>
+                              <a:rPr lang="en-US" i="1">
+                                <a:latin typeface="Cambria Math" panose="02040503050406030204" pitchFamily="18" charset="0"/>
+                              </a:rPr>
                               <m:t>𝜉</m:t>
                             </m:r>
                           </m:e>
                           <m:sub>
                             <m:r>
-                              <a:rPr lang="en-US" i="1"/>
+                              <a:rPr lang="en-US" i="1">
+                                <a:latin typeface="Cambria Math" panose="02040503050406030204" pitchFamily="18" charset="0"/>
+                              </a:rPr>
                               <m:t>𝑧</m:t>
                             </m:r>
                           </m:sub>
@@ -4821,11 +5373,15 @@
                       </m:num>
                       <m:den>
                         <m:r>
-                          <a:rPr lang="en-US" i="1"/>
+                          <a:rPr lang="en-US" i="1">
+                            <a:latin typeface="Cambria Math" panose="02040503050406030204" pitchFamily="18" charset="0"/>
+                          </a:rPr>
                           <m:t>𝑑</m:t>
                         </m:r>
                         <m:r>
-                          <a:rPr lang="en-US" i="1"/>
+                          <a:rPr lang="en-US" i="1">
+                            <a:latin typeface="Cambria Math" panose="02040503050406030204" pitchFamily="18" charset="0"/>
+                          </a:rPr>
                           <m:t>𝜏</m:t>
                         </m:r>
                       </m:den>
@@ -4833,7 +5389,9 @@
                     <m:sSub>
                       <m:sSubPr>
                         <m:ctrlPr>
-                          <a:rPr lang="en-US" i="1"/>
+                          <a:rPr lang="en-US" i="1">
+                            <a:latin typeface="Cambria Math" panose="02040503050406030204" pitchFamily="18" charset="0"/>
+                          </a:rPr>
                         </m:ctrlPr>
                       </m:sSubPr>
                       <m:e>
@@ -4842,12 +5400,16 @@
                             <m:begChr m:val=""/>
                             <m:endChr m:val="|"/>
                             <m:ctrlPr>
-                              <a:rPr lang="en-US" i="1"/>
+                              <a:rPr lang="en-US" i="1">
+                                <a:latin typeface="Cambria Math" panose="02040503050406030204" pitchFamily="18" charset="0"/>
+                              </a:rPr>
                             </m:ctrlPr>
                           </m:dPr>
                           <m:e>
                             <m:r>
-                              <a:rPr lang="en-US" i="1"/>
+                              <a:rPr lang="en-US" i="1">
+                                <a:latin typeface="Cambria Math" panose="02040503050406030204" pitchFamily="18" charset="0"/>
+                              </a:rPr>
                               <m:t>​</m:t>
                             </m:r>
                           </m:e>
@@ -4855,95 +5417,129 @@
                       </m:e>
                       <m:sub>
                         <m:r>
-                          <a:rPr lang="en-US" i="1"/>
+                          <a:rPr lang="en-US" i="1">
+                            <a:latin typeface="Cambria Math" panose="02040503050406030204" pitchFamily="18" charset="0"/>
+                          </a:rPr>
                           <m:t>𝜏</m:t>
                         </m:r>
                         <m:r>
-                          <a:rPr lang="en-US" i="1"/>
+                          <a:rPr lang="en-US" i="1">
+                            <a:latin typeface="Cambria Math" panose="02040503050406030204" pitchFamily="18" charset="0"/>
+                          </a:rPr>
                           <m:t>=0</m:t>
                         </m:r>
                       </m:sub>
                     </m:sSub>
                     <m:r>
-                      <a:rPr lang="en-US" i="1"/>
+                      <a:rPr lang="en-US" i="1">
+                        <a:latin typeface="Cambria Math" panose="02040503050406030204" pitchFamily="18" charset="0"/>
+                      </a:rPr>
                       <m:t>=</m:t>
                     </m:r>
                     <m:r>
-                      <a:rPr lang="en-US" i="1"/>
+                      <a:rPr lang="en-US" i="1">
+                        <a:latin typeface="Cambria Math" panose="02040503050406030204" pitchFamily="18" charset="0"/>
+                      </a:rPr>
                       <m:t>𝑔𝑠</m:t>
                     </m:r>
                     <m:sSup>
                       <m:sSupPr>
                         <m:ctrlPr>
-                          <a:rPr lang="en-US" i="1"/>
+                          <a:rPr lang="en-US" i="1">
+                            <a:latin typeface="Cambria Math" panose="02040503050406030204" pitchFamily="18" charset="0"/>
+                          </a:rPr>
                         </m:ctrlPr>
                       </m:sSupPr>
                       <m:e>
                         <m:r>
-                          <a:rPr lang="en-US" i="1"/>
+                          <a:rPr lang="en-US" i="1">
+                            <a:latin typeface="Cambria Math" panose="02040503050406030204" pitchFamily="18" charset="0"/>
+                          </a:rPr>
                           <m:t>𝜅</m:t>
                         </m:r>
                       </m:e>
                       <m:sup>
                         <m:r>
-                          <a:rPr lang="en-US" i="1"/>
+                          <a:rPr lang="en-US" i="1">
+                            <a:latin typeface="Cambria Math" panose="02040503050406030204" pitchFamily="18" charset="0"/>
+                          </a:rPr>
                           <m:t>′</m:t>
                         </m:r>
                       </m:sup>
                     </m:sSup>
                     <m:r>
-                      <a:rPr lang="en-US" i="1"/>
+                      <a:rPr lang="en-US" i="1">
+                        <a:latin typeface="Cambria Math" panose="02040503050406030204" pitchFamily="18" charset="0"/>
+                      </a:rPr>
                       <m:t>𝑐𝑜𝑠</m:t>
                     </m:r>
                     <m:sSub>
                       <m:sSubPr>
                         <m:ctrlPr>
-                          <a:rPr lang="en-US" i="1"/>
+                          <a:rPr lang="en-US" i="1">
+                            <a:latin typeface="Cambria Math" panose="02040503050406030204" pitchFamily="18" charset="0"/>
+                          </a:rPr>
                         </m:ctrlPr>
                       </m:sSubPr>
                       <m:e>
                         <m:r>
-                          <a:rPr lang="en-US" i="1"/>
+                          <a:rPr lang="en-US" i="1">
+                            <a:latin typeface="Cambria Math" panose="02040503050406030204" pitchFamily="18" charset="0"/>
+                          </a:rPr>
                           <m:t>𝜙</m:t>
                         </m:r>
                       </m:e>
                       <m:sub>
                         <m:r>
-                          <a:rPr lang="en-US" i="1"/>
+                          <a:rPr lang="en-US" i="1">
+                            <a:latin typeface="Cambria Math" panose="02040503050406030204" pitchFamily="18" charset="0"/>
+                          </a:rPr>
                           <m:t>0</m:t>
                         </m:r>
                       </m:sub>
                     </m:sSub>
                     <m:r>
-                      <a:rPr lang="en-US" i="1"/>
+                      <a:rPr lang="en-US" i="1">
+                        <a:latin typeface="Cambria Math" panose="02040503050406030204" pitchFamily="18" charset="0"/>
+                      </a:rPr>
                       <m:t>+</m:t>
                     </m:r>
                     <m:f>
                       <m:fPr>
                         <m:ctrlPr>
-                          <a:rPr lang="en-US" i="1"/>
+                          <a:rPr lang="en-US" i="1">
+                            <a:latin typeface="Cambria Math" panose="02040503050406030204" pitchFamily="18" charset="0"/>
+                          </a:rPr>
                         </m:ctrlPr>
                       </m:fPr>
                       <m:num>
                         <m:sSub>
                           <m:sSubPr>
                             <m:ctrlPr>
-                              <a:rPr lang="en-US" i="1"/>
+                              <a:rPr lang="en-US" i="1">
+                                <a:latin typeface="Cambria Math" panose="02040503050406030204" pitchFamily="18" charset="0"/>
+                              </a:rPr>
                             </m:ctrlPr>
                           </m:sSubPr>
                           <m:e>
                             <m:r>
-                              <a:rPr lang="en-US" i="1"/>
+                              <a:rPr lang="en-US" i="1">
+                                <a:latin typeface="Cambria Math" panose="02040503050406030204" pitchFamily="18" charset="0"/>
+                              </a:rPr>
                               <m:t>𝜍</m:t>
                             </m:r>
                             <m:r>
-                              <a:rPr lang="en-US" i="1"/>
+                              <a:rPr lang="en-US" i="1">
+                                <a:latin typeface="Cambria Math" panose="02040503050406030204" pitchFamily="18" charset="0"/>
+                              </a:rPr>
                               <m:t>𝐸</m:t>
                             </m:r>
                           </m:e>
                           <m:sub>
                             <m:r>
-                              <a:rPr lang="en-US" i="1"/>
+                              <a:rPr lang="en-US" i="1">
+                                <a:latin typeface="Cambria Math" panose="02040503050406030204" pitchFamily="18" charset="0"/>
+                              </a:rPr>
                               <m:t>0</m:t>
                             </m:r>
                           </m:sub>
@@ -4951,24 +5547,32 @@
                       </m:num>
                       <m:den>
                         <m:r>
-                          <a:rPr lang="en-US" i="1"/>
+                          <a:rPr lang="en-US" i="1">
+                            <a:latin typeface="Cambria Math" panose="02040503050406030204" pitchFamily="18" charset="0"/>
+                          </a:rPr>
                           <m:t>𝑐</m:t>
                         </m:r>
                         <m:sSub>
                           <m:sSubPr>
                             <m:ctrlPr>
-                              <a:rPr lang="en-US" i="1"/>
+                              <a:rPr lang="en-US" i="1">
+                                <a:latin typeface="Cambria Math" panose="02040503050406030204" pitchFamily="18" charset="0"/>
+                              </a:rPr>
                             </m:ctrlPr>
                           </m:sSubPr>
                           <m:e>
                             <m:r>
-                              <a:rPr lang="en-US" i="1"/>
+                              <a:rPr lang="en-US" i="1">
+                                <a:latin typeface="Cambria Math" panose="02040503050406030204" pitchFamily="18" charset="0"/>
+                              </a:rPr>
                               <m:t>𝐵</m:t>
                             </m:r>
                           </m:e>
                           <m:sub>
                             <m:r>
-                              <a:rPr lang="en-US" i="1"/>
+                              <a:rPr lang="en-US" i="1">
+                                <a:latin typeface="Cambria Math" panose="02040503050406030204" pitchFamily="18" charset="0"/>
+                              </a:rPr>
                               <m:t>0</m:t>
                             </m:r>
                           </m:sub>
@@ -4990,17 +5594,23 @@
                       <m:rPr>
                         <m:sty m:val="p"/>
                       </m:rPr>
-                      <a:rPr lang="en-US"/>
+                      <a:rPr lang="en-US">
+                        <a:latin typeface="Cambria Math" panose="02040503050406030204" pitchFamily="18" charset="0"/>
+                      </a:rPr>
                       <m:t>s</m:t>
                     </m:r>
                     <m:r>
-                      <a:rPr lang="en-US"/>
+                      <a:rPr lang="en-US">
+                        <a:latin typeface="Cambria Math" panose="02040503050406030204" pitchFamily="18" charset="0"/>
+                      </a:rPr>
                       <m:t>=</m:t>
                     </m:r>
                     <m:f>
                       <m:fPr>
                         <m:ctrlPr>
-                          <a:rPr lang="en-US" i="1"/>
+                          <a:rPr lang="en-US" i="1">
+                            <a:latin typeface="Cambria Math" panose="02040503050406030204" pitchFamily="18" charset="0"/>
+                          </a:rPr>
                         </m:ctrlPr>
                       </m:fPr>
                       <m:num>
@@ -5008,13 +5618,17 @@
                           <m:rPr>
                             <m:sty m:val="p"/>
                           </m:rPr>
-                          <a:rPr lang="en-US"/>
+                          <a:rPr lang="en-US">
+                            <a:latin typeface="Cambria Math" panose="02040503050406030204" pitchFamily="18" charset="0"/>
+                          </a:rPr>
                           <m:t>ωn</m:t>
                         </m:r>
                         <m:sSub>
                           <m:sSubPr>
                             <m:ctrlPr>
-                              <a:rPr lang="en-US" i="1"/>
+                              <a:rPr lang="en-US" i="1">
+                                <a:latin typeface="Cambria Math" panose="02040503050406030204" pitchFamily="18" charset="0"/>
+                              </a:rPr>
                             </m:ctrlPr>
                           </m:sSubPr>
                           <m:e>
@@ -5022,13 +5636,17 @@
                               <m:rPr>
                                 <m:sty m:val="p"/>
                               </m:rPr>
-                              <a:rPr lang="en-US"/>
+                              <a:rPr lang="en-US">
+                                <a:latin typeface="Cambria Math" panose="02040503050406030204" pitchFamily="18" charset="0"/>
+                              </a:rPr>
                               <m:t>β</m:t>
                             </m:r>
                           </m:e>
                           <m:sub>
                             <m:r>
-                              <a:rPr lang="en-US"/>
+                              <a:rPr lang="en-US">
+                                <a:latin typeface="Cambria Math" panose="02040503050406030204" pitchFamily="18" charset="0"/>
+                              </a:rPr>
                               <m:t>⊥0</m:t>
                             </m:r>
                           </m:sub>
@@ -5036,18 +5654,24 @@
                         <m:sSub>
                           <m:sSubPr>
                             <m:ctrlPr>
-                              <a:rPr lang="en-US" i="1"/>
+                              <a:rPr lang="en-US" i="1">
+                                <a:latin typeface="Cambria Math" panose="02040503050406030204" pitchFamily="18" charset="0"/>
+                              </a:rPr>
                             </m:ctrlPr>
                           </m:sSubPr>
                           <m:e>
                             <m:r>
-                              <a:rPr lang="en-US" i="1"/>
+                              <a:rPr lang="en-US" i="1">
+                                <a:latin typeface="Cambria Math" panose="02040503050406030204" pitchFamily="18" charset="0"/>
+                              </a:rPr>
                               <m:t>𝛾</m:t>
                             </m:r>
                           </m:e>
                           <m:sub>
                             <m:r>
-                              <a:rPr lang="en-US" i="1"/>
+                              <a:rPr lang="en-US" i="1">
+                                <a:latin typeface="Cambria Math" panose="02040503050406030204" pitchFamily="18" charset="0"/>
+                              </a:rPr>
                               <m:t>0</m:t>
                             </m:r>
                           </m:sub>
@@ -5058,24 +5682,32 @@
                           <m:rPr>
                             <m:sty m:val="p"/>
                           </m:rPr>
-                          <a:rPr lang="en-US"/>
+                          <a:rPr lang="en-US">
+                            <a:latin typeface="Cambria Math" panose="02040503050406030204" pitchFamily="18" charset="0"/>
+                          </a:rPr>
                           <m:t>Ω</m:t>
                         </m:r>
                         <m:sSub>
                           <m:sSubPr>
                             <m:ctrlPr>
-                              <a:rPr lang="en-US" i="1"/>
+                              <a:rPr lang="en-US" i="1">
+                                <a:latin typeface="Cambria Math" panose="02040503050406030204" pitchFamily="18" charset="0"/>
+                              </a:rPr>
                             </m:ctrlPr>
                           </m:sSubPr>
                           <m:e>
                             <m:r>
-                              <a:rPr lang="en-US" i="1"/>
+                              <a:rPr lang="en-US" i="1">
+                                <a:latin typeface="Cambria Math" panose="02040503050406030204" pitchFamily="18" charset="0"/>
+                              </a:rPr>
                               <m:t>𝛾</m:t>
                             </m:r>
                           </m:e>
                           <m:sub>
                             <m:r>
-                              <a:rPr lang="en-US" i="1"/>
+                              <a:rPr lang="en-US" i="1">
+                                <a:latin typeface="Cambria Math" panose="02040503050406030204" pitchFamily="18" charset="0"/>
+                              </a:rPr>
                               <m:t>𝑇</m:t>
                             </m:r>
                           </m:sub>
@@ -5099,7 +5731,9 @@
                     <m:sSub>
                       <m:sSubPr>
                         <m:ctrlPr>
-                          <a:rPr lang="en-US" i="1"/>
+                          <a:rPr lang="en-US" i="1">
+                            <a:latin typeface="Cambria Math" panose="02040503050406030204" pitchFamily="18" charset="0"/>
+                          </a:rPr>
                         </m:ctrlPr>
                       </m:sSubPr>
                       <m:e>
@@ -5107,7 +5741,9 @@
                           <m:rPr>
                             <m:sty m:val="p"/>
                           </m:rPr>
-                          <a:rPr lang="en-US"/>
+                          <a:rPr lang="en-US">
+                            <a:latin typeface="Cambria Math" panose="02040503050406030204" pitchFamily="18" charset="0"/>
+                          </a:rPr>
                           <m:t>ξ</m:t>
                         </m:r>
                       </m:e>
@@ -5116,37 +5752,49 @@
                           <m:rPr>
                             <m:sty m:val="p"/>
                           </m:rPr>
-                          <a:rPr lang="en-US"/>
+                          <a:rPr lang="en-US">
+                            <a:latin typeface="Cambria Math" panose="02040503050406030204" pitchFamily="18" charset="0"/>
+                          </a:rPr>
                           <m:t>z</m:t>
                         </m:r>
                       </m:sub>
                     </m:sSub>
                     <m:r>
-                      <a:rPr lang="en-US" i="1"/>
+                      <a:rPr lang="en-US" i="1">
+                        <a:latin typeface="Cambria Math" panose="02040503050406030204" pitchFamily="18" charset="0"/>
+                      </a:rPr>
                       <m:t>=1+</m:t>
                     </m:r>
                     <m:r>
                       <m:rPr>
                         <m:sty m:val="p"/>
                       </m:rPr>
-                      <a:rPr lang="en-US"/>
+                      <a:rPr lang="en-US">
+                        <a:latin typeface="Cambria Math" panose="02040503050406030204" pitchFamily="18" charset="0"/>
+                      </a:rPr>
                       <m:t>α</m:t>
                     </m:r>
                     <m:sSup>
                       <m:sSupPr>
                         <m:ctrlPr>
-                          <a:rPr lang="en-US" i="1"/>
+                          <a:rPr lang="en-US" i="1">
+                            <a:latin typeface="Cambria Math" panose="02040503050406030204" pitchFamily="18" charset="0"/>
+                          </a:rPr>
                         </m:ctrlPr>
                       </m:sSupPr>
                       <m:e>
                         <m:r>
-                          <a:rPr lang="en-US" i="1"/>
+                          <a:rPr lang="en-US" i="1">
+                            <a:latin typeface="Cambria Math" panose="02040503050406030204" pitchFamily="18" charset="0"/>
+                          </a:rPr>
                           <m:t>𝛾</m:t>
                         </m:r>
                       </m:e>
                       <m:sup>
                         <m:r>
-                          <a:rPr lang="en-US" i="1"/>
+                          <a:rPr lang="en-US" i="1">
+                            <a:latin typeface="Cambria Math" panose="02040503050406030204" pitchFamily="18" charset="0"/>
+                          </a:rPr>
                           <m:t>′</m:t>
                         </m:r>
                       </m:sup>
@@ -5154,24 +5802,32 @@
                     <m:sSubSup>
                       <m:sSubSupPr>
                         <m:ctrlPr>
-                          <a:rPr lang="en-US" i="1"/>
+                          <a:rPr lang="en-US" i="1">
+                            <a:latin typeface="Cambria Math" panose="02040503050406030204" pitchFamily="18" charset="0"/>
+                          </a:rPr>
                         </m:ctrlPr>
                       </m:sSubSupPr>
                       <m:e>
                         <m:r>
-                          <a:rPr lang="en-US" i="1"/>
+                          <a:rPr lang="en-US" i="1">
+                            <a:latin typeface="Cambria Math" panose="02040503050406030204" pitchFamily="18" charset="0"/>
+                          </a:rPr>
                           <m:t>𝛽</m:t>
                         </m:r>
                       </m:e>
                       <m:sub>
                         <m:r>
-                          <a:rPr lang="en-US" i="1"/>
+                          <a:rPr lang="en-US" i="1">
+                            <a:latin typeface="Cambria Math" panose="02040503050406030204" pitchFamily="18" charset="0"/>
+                          </a:rPr>
                           <m:t>𝑧</m:t>
                         </m:r>
                       </m:sub>
                       <m:sup>
                         <m:r>
-                          <a:rPr lang="en-US" i="1"/>
+                          <a:rPr lang="en-US" i="1">
+                            <a:latin typeface="Cambria Math" panose="02040503050406030204" pitchFamily="18" charset="0"/>
+                          </a:rPr>
                           <m:t>′</m:t>
                         </m:r>
                       </m:sup>
@@ -5192,26 +5848,36 @@
                       <m:rPr>
                         <m:sty m:val="p"/>
                       </m:rPr>
-                      <a:rPr lang="en-US"/>
+                      <a:rPr lang="en-US">
+                        <a:latin typeface="Cambria Math" panose="02040503050406030204" pitchFamily="18" charset="0"/>
+                      </a:rPr>
                       <m:t>α</m:t>
                     </m:r>
                     <m:r>
-                      <a:rPr lang="en-US"/>
+                      <a:rPr lang="en-US">
+                        <a:latin typeface="Cambria Math" panose="02040503050406030204" pitchFamily="18" charset="0"/>
+                      </a:rPr>
                       <m:t>= </m:t>
                     </m:r>
                     <m:f>
                       <m:fPr>
                         <m:ctrlPr>
-                          <a:rPr lang="en-US" i="1"/>
+                          <a:rPr lang="en-US" i="1">
+                            <a:latin typeface="Cambria Math" panose="02040503050406030204" pitchFamily="18" charset="0"/>
+                          </a:rPr>
                         </m:ctrlPr>
                       </m:fPr>
                       <m:num>
                         <m:r>
-                          <a:rPr lang="en-US" i="1"/>
+                          <a:rPr lang="en-US" i="1">
+                            <a:latin typeface="Cambria Math" panose="02040503050406030204" pitchFamily="18" charset="0"/>
+                          </a:rPr>
                           <m:t>𝑔</m:t>
                         </m:r>
                         <m:r>
-                          <a:rPr lang="en-US" i="1"/>
+                          <a:rPr lang="en-US" i="1">
+                            <a:latin typeface="Cambria Math" panose="02040503050406030204" pitchFamily="18" charset="0"/>
+                          </a:rPr>
                           <m:t>𝜔</m:t>
                         </m:r>
                       </m:num>
@@ -5220,13 +5886,17 @@
                           <m:rPr>
                             <m:sty m:val="p"/>
                           </m:rPr>
-                          <a:rPr lang="en-US"/>
+                          <a:rPr lang="en-US">
+                            <a:latin typeface="Cambria Math" panose="02040503050406030204" pitchFamily="18" charset="0"/>
+                          </a:rPr>
                           <m:t>Ω</m:t>
                         </m:r>
                         <m:sSub>
                           <m:sSubPr>
                             <m:ctrlPr>
-                              <a:rPr lang="en-US" i="1"/>
+                              <a:rPr lang="en-US" i="1">
+                                <a:latin typeface="Cambria Math" panose="02040503050406030204" pitchFamily="18" charset="0"/>
+                              </a:rPr>
                             </m:ctrlPr>
                           </m:sSubPr>
                           <m:e>
@@ -5234,7 +5904,9 @@
                               <m:rPr>
                                 <m:sty m:val="p"/>
                               </m:rPr>
-                              <a:rPr lang="en-US"/>
+                              <a:rPr lang="en-US">
+                                <a:latin typeface="Cambria Math" panose="02040503050406030204" pitchFamily="18" charset="0"/>
+                              </a:rPr>
                               <m:t>γ</m:t>
                             </m:r>
                           </m:e>
@@ -5243,7 +5915,9 @@
                               <m:rPr>
                                 <m:sty m:val="p"/>
                               </m:rPr>
-                              <a:rPr lang="en-US"/>
+                              <a:rPr lang="en-US">
+                                <a:latin typeface="Cambria Math" panose="02040503050406030204" pitchFamily="18" charset="0"/>
+                              </a:rPr>
                               <m:t>T</m:t>
                             </m:r>
                           </m:sub>
@@ -5251,7 +5925,9 @@
                       </m:den>
                     </m:f>
                     <m:r>
-                      <a:rPr lang="en-US" i="1"/>
+                      <a:rPr lang="en-US" i="1">
+                        <a:latin typeface="Cambria Math" panose="02040503050406030204" pitchFamily="18" charset="0"/>
+                      </a:rPr>
                       <m:t>𝑛</m:t>
                     </m:r>
                     <m:r>
@@ -5272,30 +5948,42 @@
                       <m:rPr>
                         <m:sty m:val="p"/>
                       </m:rPr>
-                      <a:rPr lang="en-US"/>
+                      <a:rPr lang="en-US">
+                        <a:latin typeface="Cambria Math" panose="02040503050406030204" pitchFamily="18" charset="0"/>
+                      </a:rPr>
                       <m:t>ς</m:t>
                     </m:r>
                     <m:r>
-                      <a:rPr lang="en-US"/>
+                      <a:rPr lang="en-US">
+                        <a:latin typeface="Cambria Math" panose="02040503050406030204" pitchFamily="18" charset="0"/>
+                      </a:rPr>
                       <m:t>= </m:t>
                     </m:r>
                     <m:r>
-                      <a:rPr lang="en-US" i="1"/>
+                      <a:rPr lang="en-US" i="1">
+                        <a:latin typeface="Cambria Math" panose="02040503050406030204" pitchFamily="18" charset="0"/>
+                      </a:rPr>
                       <m:t>𝑔</m:t>
                     </m:r>
                     <m:f>
                       <m:fPr>
                         <m:ctrlPr>
-                          <a:rPr lang="en-US" i="1"/>
+                          <a:rPr lang="en-US" i="1">
+                            <a:latin typeface="Cambria Math" panose="02040503050406030204" pitchFamily="18" charset="0"/>
+                          </a:rPr>
                         </m:ctrlPr>
                       </m:fPr>
                       <m:num>
                         <m:r>
-                          <a:rPr lang="en-US" i="1"/>
+                          <a:rPr lang="en-US" i="1">
+                            <a:latin typeface="Cambria Math" panose="02040503050406030204" pitchFamily="18" charset="0"/>
+                          </a:rPr>
                           <m:t>𝜔</m:t>
                         </m:r>
                         <m:r>
-                          <a:rPr lang="en-US" i="1"/>
+                          <a:rPr lang="en-US" i="1">
+                            <a:latin typeface="Cambria Math" panose="02040503050406030204" pitchFamily="18" charset="0"/>
+                          </a:rPr>
                           <m:t>𝑛</m:t>
                         </m:r>
                       </m:num>
@@ -5304,24 +5992,32 @@
                           <m:rPr>
                             <m:sty m:val="p"/>
                           </m:rPr>
-                          <a:rPr lang="en-US"/>
+                          <a:rPr lang="en-US">
+                            <a:latin typeface="Cambria Math" panose="02040503050406030204" pitchFamily="18" charset="0"/>
+                          </a:rPr>
                           <m:t>Ω</m:t>
                         </m:r>
                         <m:sSub>
                           <m:sSubPr>
                             <m:ctrlPr>
-                              <a:rPr lang="en-US" i="1"/>
+                              <a:rPr lang="en-US" i="1">
+                                <a:latin typeface="Cambria Math" panose="02040503050406030204" pitchFamily="18" charset="0"/>
+                              </a:rPr>
                             </m:ctrlPr>
                           </m:sSubPr>
                           <m:e>
                             <m:r>
-                              <a:rPr lang="en-US" i="1"/>
+                              <a:rPr lang="en-US" i="1">
+                                <a:latin typeface="Cambria Math" panose="02040503050406030204" pitchFamily="18" charset="0"/>
+                              </a:rPr>
                               <m:t>𝛾</m:t>
                             </m:r>
                           </m:e>
                           <m:sub>
                             <m:r>
-                              <a:rPr lang="en-US" i="1"/>
+                              <a:rPr lang="en-US" i="1">
+                                <a:latin typeface="Cambria Math" panose="02040503050406030204" pitchFamily="18" charset="0"/>
+                              </a:rPr>
                               <m:t>𝑇</m:t>
                             </m:r>
                           </m:sub>
@@ -5331,18 +6027,24 @@
                     <m:sSup>
                       <m:sSupPr>
                         <m:ctrlPr>
-                          <a:rPr lang="en-US" i="1"/>
+                          <a:rPr lang="en-US" i="1">
+                            <a:latin typeface="Cambria Math" panose="02040503050406030204" pitchFamily="18" charset="0"/>
+                          </a:rPr>
                         </m:ctrlPr>
                       </m:sSupPr>
                       <m:e>
                         <m:r>
-                          <a:rPr lang="en-US" i="1"/>
+                          <a:rPr lang="en-US" i="1">
+                            <a:latin typeface="Cambria Math" panose="02040503050406030204" pitchFamily="18" charset="0"/>
+                          </a:rPr>
                           <m:t>𝛾</m:t>
                         </m:r>
                       </m:e>
                       <m:sup>
                         <m:r>
-                          <a:rPr lang="en-US" i="1"/>
+                          <a:rPr lang="en-US" i="1">
+                            <a:latin typeface="Cambria Math" panose="02040503050406030204" pitchFamily="18" charset="0"/>
+                          </a:rPr>
                           <m:t>′</m:t>
                         </m:r>
                       </m:sup>
@@ -5370,31 +6072,41 @@
                     <m:f>
                       <m:fPr>
                         <m:ctrlPr>
-                          <a:rPr lang="en-US" i="1"/>
+                          <a:rPr lang="en-US" i="1">
+                            <a:latin typeface="Cambria Math" panose="02040503050406030204" pitchFamily="18" charset="0"/>
+                          </a:rPr>
                         </m:ctrlPr>
                       </m:fPr>
                       <m:num>
                         <m:sSubSup>
                           <m:sSubSupPr>
                             <m:ctrlPr>
-                              <a:rPr lang="en-US" i="1"/>
+                              <a:rPr lang="en-US" i="1">
+                                <a:latin typeface="Cambria Math" panose="02040503050406030204" pitchFamily="18" charset="0"/>
+                              </a:rPr>
                             </m:ctrlPr>
                           </m:sSubSupPr>
                           <m:e>
                             <m:r>
-                              <a:rPr lang="en-US" i="1"/>
+                              <a:rPr lang="en-US" i="1">
+                                <a:latin typeface="Cambria Math" panose="02040503050406030204" pitchFamily="18" charset="0"/>
+                              </a:rPr>
                               <m:t>𝐵</m:t>
                             </m:r>
                           </m:e>
                           <m:sub>
                             <m:r>
-                              <a:rPr lang="en-US" i="1"/>
+                              <a:rPr lang="en-US" i="1">
+                                <a:latin typeface="Cambria Math" panose="02040503050406030204" pitchFamily="18" charset="0"/>
+                              </a:rPr>
                               <m:t>⊥</m:t>
                             </m:r>
                           </m:sub>
                           <m:sup>
                             <m:r>
-                              <a:rPr lang="en-US" i="1"/>
+                              <a:rPr lang="en-US" i="1">
+                                <a:latin typeface="Cambria Math" panose="02040503050406030204" pitchFamily="18" charset="0"/>
+                              </a:rPr>
                               <m:t>′</m:t>
                             </m:r>
                           </m:sup>
@@ -5404,18 +6116,24 @@
                         <m:sSub>
                           <m:sSubPr>
                             <m:ctrlPr>
-                              <a:rPr lang="en-US" i="1"/>
+                              <a:rPr lang="en-US" i="1">
+                                <a:latin typeface="Cambria Math" panose="02040503050406030204" pitchFamily="18" charset="0"/>
+                              </a:rPr>
                             </m:ctrlPr>
                           </m:sSubPr>
                           <m:e>
                             <m:r>
-                              <a:rPr lang="en-US" i="1"/>
+                              <a:rPr lang="en-US" i="1">
+                                <a:latin typeface="Cambria Math" panose="02040503050406030204" pitchFamily="18" charset="0"/>
+                              </a:rPr>
                               <m:t>𝐵</m:t>
                             </m:r>
                           </m:e>
                           <m:sub>
                             <m:r>
-                              <a:rPr lang="en-US" i="1"/>
+                              <a:rPr lang="en-US" i="1">
+                                <a:latin typeface="Cambria Math" panose="02040503050406030204" pitchFamily="18" charset="0"/>
+                              </a:rPr>
                               <m:t>0</m:t>
                             </m:r>
                           </m:sub>
@@ -5542,7 +6260,7 @@
             </p:txBody>
           </p:sp>
         </mc:Choice>
-        <mc:Fallback>
+        <mc:Fallback xmlns="">
           <p:sp>
             <p:nvSpPr>
               <p:cNvPr id="3" name="Content Placeholder 2">
@@ -5596,7 +6314,7 @@
         </p:nvSpPr>
         <p:spPr>
           <a:xfrm>
-            <a:off x="2446422" y="4239126"/>
+            <a:off x="2438401" y="4110790"/>
             <a:ext cx="1548063" cy="397042"/>
           </a:xfrm>
           <a:prstGeom prst="rightArrow">
@@ -5642,7 +6360,7 @@
 </p:sld>
 </file>
 
-<file path=ppt/slides/slide3.xml><?xml version="1.0" encoding="utf-8"?>
+<file path=ppt/slides/slide4.xml><?xml version="1.0" encoding="utf-8"?>
 <p:sld xmlns:a="http://schemas.openxmlformats.org/drawingml/2006/main" xmlns:r="http://schemas.openxmlformats.org/officeDocument/2006/relationships" xmlns:p="http://schemas.openxmlformats.org/presentationml/2006/main">
   <p:cSld>
     <p:spTree>
@@ -5766,7 +6484,7 @@
             </p:nvSpPr>
             <p:spPr>
               <a:xfrm>
-                <a:off x="907356" y="2992759"/>
+                <a:off x="922421" y="3558368"/>
                 <a:ext cx="3288632" cy="923330"/>
               </a:xfrm>
               <a:prstGeom prst="rect">
@@ -5882,36 +6600,50 @@
                     <m:sSub>
                       <m:sSubPr>
                         <m:ctrlPr>
-                          <a:rPr lang="en-US" i="1"/>
+                          <a:rPr lang="en-US" i="1">
+                            <a:latin typeface="Cambria Math" panose="02040503050406030204" pitchFamily="18" charset="0"/>
+                          </a:rPr>
                         </m:ctrlPr>
                       </m:sSubPr>
                       <m:e>
                         <m:r>
-                          <a:rPr lang="en-US" i="1"/>
+                          <a:rPr lang="en-US" i="1">
+                            <a:latin typeface="Cambria Math" panose="02040503050406030204" pitchFamily="18" charset="0"/>
+                          </a:rPr>
                           <m:t>𝐸</m:t>
                         </m:r>
                       </m:e>
                       <m:sub>
                         <m:r>
-                          <a:rPr lang="en-US" i="1"/>
+                          <a:rPr lang="en-US" i="1">
+                            <a:latin typeface="Cambria Math" panose="02040503050406030204" pitchFamily="18" charset="0"/>
+                          </a:rPr>
                           <m:t>𝜔</m:t>
                         </m:r>
                       </m:sub>
                     </m:sSub>
                     <m:r>
-                      <a:rPr lang="en-US" i="1"/>
+                      <a:rPr lang="en-US" i="1">
+                        <a:latin typeface="Cambria Math" panose="02040503050406030204" pitchFamily="18" charset="0"/>
+                      </a:rPr>
                       <m:t>=20 </m:t>
                     </m:r>
                     <m:r>
-                      <a:rPr lang="en-US" i="1"/>
+                      <a:rPr lang="en-US" i="1">
+                        <a:latin typeface="Cambria Math" panose="02040503050406030204" pitchFamily="18" charset="0"/>
+                      </a:rPr>
                       <m:t>𝑉</m:t>
                     </m:r>
                     <m:r>
-                      <a:rPr lang="en-US" i="1"/>
+                      <a:rPr lang="en-US" i="1">
+                        <a:latin typeface="Cambria Math" panose="02040503050406030204" pitchFamily="18" charset="0"/>
+                      </a:rPr>
                       <m:t>/</m:t>
                     </m:r>
                     <m:r>
-                      <a:rPr lang="en-US" i="1"/>
+                      <a:rPr lang="en-US" i="1">
+                        <a:latin typeface="Cambria Math" panose="02040503050406030204" pitchFamily="18" charset="0"/>
+                      </a:rPr>
                       <m:t>𝑚</m:t>
                     </m:r>
                   </m:oMath>
@@ -5947,7 +6679,7 @@
             </p:nvSpPr>
             <p:spPr>
               <a:xfrm>
-                <a:off x="907356" y="2992759"/>
+                <a:off x="922421" y="3558368"/>
                 <a:ext cx="3288632" cy="923330"/>
               </a:xfrm>
               <a:prstGeom prst="rect">
@@ -5956,7 +6688,7 @@
               <a:blipFill>
                 <a:blip r:embed="rId2"/>
                 <a:stretch>
-                  <a:fillRect l="-1670" t="-3974" b="-4636"/>
+                  <a:fillRect l="-1481" t="-3974" b="-4636"/>
                 </a:stretch>
               </a:blipFill>
             </p:spPr>
@@ -5996,8 +6728,8 @@
         </p:blipFill>
         <p:spPr bwMode="auto">
           <a:xfrm>
-            <a:off x="4642134" y="1096367"/>
-            <a:ext cx="5446395" cy="5445125"/>
+            <a:off x="4923573" y="958539"/>
+            <a:ext cx="5900837" cy="5899461"/>
           </a:xfrm>
           <a:prstGeom prst="rect">
             <a:avLst/>
@@ -6012,10 +6744,143 @@
           </a:extLst>
         </p:spPr>
       </p:pic>
+      <p:sp>
+        <p:nvSpPr>
+          <p:cNvPr id="4" name="TextBox 3">
+            <a:extLst>
+              <a:ext uri="{FF2B5EF4-FFF2-40B4-BE49-F238E27FC236}">
+                <a16:creationId xmlns:a16="http://schemas.microsoft.com/office/drawing/2014/main" id="{96378EFE-888A-8685-E1B9-96C12182EB07}"/>
+              </a:ext>
+            </a:extLst>
+          </p:cNvPr>
+          <p:cNvSpPr txBox="1"/>
+          <p:nvPr/>
+        </p:nvSpPr>
+        <p:spPr>
+          <a:xfrm>
+            <a:off x="927836" y="3059668"/>
+            <a:ext cx="2844663" cy="369332"/>
+          </a:xfrm>
+          <a:prstGeom prst="rect">
+            <a:avLst/>
+          </a:prstGeom>
+          <a:noFill/>
+        </p:spPr>
+        <p:txBody>
+          <a:bodyPr wrap="square" rtlCol="0">
+            <a:spAutoFit/>
+          </a:bodyPr>
+          <a:lstStyle/>
+          <a:p>
+            <a:r>
+              <a:rPr lang="en-US" altLang="zh-CN" dirty="0"/>
+              <a:t>Untracked situation</a:t>
+            </a:r>
+            <a:endParaRPr lang="en-US" dirty="0"/>
+          </a:p>
+        </p:txBody>
+      </p:sp>
     </p:spTree>
     <p:extLst>
       <p:ext uri="{BB962C8B-B14F-4D97-AF65-F5344CB8AC3E}">
         <p14:creationId xmlns:p14="http://schemas.microsoft.com/office/powerpoint/2010/main" val="3215465093"/>
+      </p:ext>
+    </p:extLst>
+  </p:cSld>
+  <p:clrMapOvr>
+    <a:masterClrMapping/>
+  </p:clrMapOvr>
+</p:sld>
+</file>
+
+<file path=ppt/slides/slide5.xml><?xml version="1.0" encoding="utf-8"?>
+<p:sld xmlns:a="http://schemas.openxmlformats.org/drawingml/2006/main" xmlns:r="http://schemas.openxmlformats.org/officeDocument/2006/relationships" xmlns:p="http://schemas.openxmlformats.org/presentationml/2006/main">
+  <p:cSld>
+    <p:spTree>
+      <p:nvGrpSpPr>
+        <p:cNvPr id="1" name=""/>
+        <p:cNvGrpSpPr/>
+        <p:nvPr/>
+      </p:nvGrpSpPr>
+      <p:grpSpPr>
+        <a:xfrm>
+          <a:off x="0" y="0"/>
+          <a:ext cx="0" cy="0"/>
+          <a:chOff x="0" y="0"/>
+          <a:chExt cx="0" cy="0"/>
+        </a:xfrm>
+      </p:grpSpPr>
+      <p:sp>
+        <p:nvSpPr>
+          <p:cNvPr id="2" name="Title 1">
+            <a:extLst>
+              <a:ext uri="{FF2B5EF4-FFF2-40B4-BE49-F238E27FC236}">
+                <a16:creationId xmlns:a16="http://schemas.microsoft.com/office/drawing/2014/main" id="{7AFA2528-A28E-C137-9FAE-78C6CD95CFE2}"/>
+              </a:ext>
+            </a:extLst>
+          </p:cNvPr>
+          <p:cNvSpPr>
+            <a:spLocks noGrp="1"/>
+          </p:cNvSpPr>
+          <p:nvPr>
+            <p:ph type="title"/>
+          </p:nvPr>
+        </p:nvSpPr>
+        <p:spPr/>
+        <p:txBody>
+          <a:bodyPr/>
+          <a:lstStyle/>
+          <a:p>
+            <a:r>
+              <a:rPr lang="en-US" dirty="0"/>
+              <a:t>Some important theory about auto resonance</a:t>
+            </a:r>
+          </a:p>
+        </p:txBody>
+      </p:sp>
+      <p:sp>
+        <p:nvSpPr>
+          <p:cNvPr id="3" name="Content Placeholder 2">
+            <a:extLst>
+              <a:ext uri="{FF2B5EF4-FFF2-40B4-BE49-F238E27FC236}">
+                <a16:creationId xmlns:a16="http://schemas.microsoft.com/office/drawing/2014/main" id="{1AB29083-93C4-DE0B-ABEF-77AB91C702DA}"/>
+              </a:ext>
+            </a:extLst>
+          </p:cNvPr>
+          <p:cNvSpPr>
+            <a:spLocks noGrp="1"/>
+          </p:cNvSpPr>
+          <p:nvPr>
+            <p:ph idx="1"/>
+          </p:nvPr>
+        </p:nvSpPr>
+        <p:spPr/>
+        <p:txBody>
+          <a:bodyPr/>
+          <a:lstStyle/>
+          <a:p>
+            <a:r>
+              <a:rPr lang="en-US" dirty="0"/>
+              <a:t>Nonlinear Resonances, pendulum system , Page 294</a:t>
+            </a:r>
+          </a:p>
+          <a:p>
+            <a:r>
+              <a:rPr lang="de-DE" dirty="0"/>
+              <a:t>J. Fajans, L. Friedland, Am. J. Phys. </a:t>
+            </a:r>
+            <a:r>
+              <a:rPr lang="de-DE"/>
+              <a:t>69, 1096 (2001)</a:t>
+            </a:r>
+            <a:endParaRPr lang="en-US" dirty="0"/>
+          </a:p>
+        </p:txBody>
+      </p:sp>
+    </p:spTree>
+    <p:extLst>
+      <p:ext uri="{BB962C8B-B14F-4D97-AF65-F5344CB8AC3E}">
+        <p14:creationId xmlns:p14="http://schemas.microsoft.com/office/powerpoint/2010/main" val="2708637678"/>
       </p:ext>
     </p:extLst>
   </p:cSld>

--- a/paper modification/papers/Trapping analysis of a magnetic electron.pptx
+++ b/paper modification/papers/Trapping analysis of a magnetic electron.pptx
@@ -9,7 +9,10 @@
     <p:sldId id="259" r:id="rId3"/>
     <p:sldId id="258" r:id="rId4"/>
     <p:sldId id="257" r:id="rId5"/>
-    <p:sldId id="260" r:id="rId6"/>
+    <p:sldId id="261" r:id="rId6"/>
+    <p:sldId id="262" r:id="rId7"/>
+    <p:sldId id="263" r:id="rId8"/>
+    <p:sldId id="260" r:id="rId9"/>
   </p:sldIdLst>
   <p:sldSz cx="12192000" cy="6858000"/>
   <p:notesSz cx="6858000" cy="9144000"/>
@@ -263,7 +266,7 @@
           <a:p>
             <a:fld id="{22644C63-7FDE-4D31-B4BB-7754D5A27718}" type="datetimeFigureOut">
               <a:rPr lang="en-US" smtClean="0"/>
-              <a:t>12/1/2025</a:t>
+              <a:t>12/4/2025</a:t>
             </a:fld>
             <a:endParaRPr lang="en-US"/>
           </a:p>
@@ -461,7 +464,7 @@
           <a:p>
             <a:fld id="{22644C63-7FDE-4D31-B4BB-7754D5A27718}" type="datetimeFigureOut">
               <a:rPr lang="en-US" smtClean="0"/>
-              <a:t>12/1/2025</a:t>
+              <a:t>12/4/2025</a:t>
             </a:fld>
             <a:endParaRPr lang="en-US"/>
           </a:p>
@@ -669,7 +672,7 @@
           <a:p>
             <a:fld id="{22644C63-7FDE-4D31-B4BB-7754D5A27718}" type="datetimeFigureOut">
               <a:rPr lang="en-US" smtClean="0"/>
-              <a:t>12/1/2025</a:t>
+              <a:t>12/4/2025</a:t>
             </a:fld>
             <a:endParaRPr lang="en-US"/>
           </a:p>
@@ -867,7 +870,7 @@
           <a:p>
             <a:fld id="{22644C63-7FDE-4D31-B4BB-7754D5A27718}" type="datetimeFigureOut">
               <a:rPr lang="en-US" smtClean="0"/>
-              <a:t>12/1/2025</a:t>
+              <a:t>12/4/2025</a:t>
             </a:fld>
             <a:endParaRPr lang="en-US"/>
           </a:p>
@@ -1142,7 +1145,7 @@
           <a:p>
             <a:fld id="{22644C63-7FDE-4D31-B4BB-7754D5A27718}" type="datetimeFigureOut">
               <a:rPr lang="en-US" smtClean="0"/>
-              <a:t>12/1/2025</a:t>
+              <a:t>12/4/2025</a:t>
             </a:fld>
             <a:endParaRPr lang="en-US"/>
           </a:p>
@@ -1407,7 +1410,7 @@
           <a:p>
             <a:fld id="{22644C63-7FDE-4D31-B4BB-7754D5A27718}" type="datetimeFigureOut">
               <a:rPr lang="en-US" smtClean="0"/>
-              <a:t>12/1/2025</a:t>
+              <a:t>12/4/2025</a:t>
             </a:fld>
             <a:endParaRPr lang="en-US"/>
           </a:p>
@@ -1819,7 +1822,7 @@
           <a:p>
             <a:fld id="{22644C63-7FDE-4D31-B4BB-7754D5A27718}" type="datetimeFigureOut">
               <a:rPr lang="en-US" smtClean="0"/>
-              <a:t>12/1/2025</a:t>
+              <a:t>12/4/2025</a:t>
             </a:fld>
             <a:endParaRPr lang="en-US"/>
           </a:p>
@@ -1960,7 +1963,7 @@
           <a:p>
             <a:fld id="{22644C63-7FDE-4D31-B4BB-7754D5A27718}" type="datetimeFigureOut">
               <a:rPr lang="en-US" smtClean="0"/>
-              <a:t>12/1/2025</a:t>
+              <a:t>12/4/2025</a:t>
             </a:fld>
             <a:endParaRPr lang="en-US"/>
           </a:p>
@@ -2073,7 +2076,7 @@
           <a:p>
             <a:fld id="{22644C63-7FDE-4D31-B4BB-7754D5A27718}" type="datetimeFigureOut">
               <a:rPr lang="en-US" smtClean="0"/>
-              <a:t>12/1/2025</a:t>
+              <a:t>12/4/2025</a:t>
             </a:fld>
             <a:endParaRPr lang="en-US"/>
           </a:p>
@@ -2384,7 +2387,7 @@
           <a:p>
             <a:fld id="{22644C63-7FDE-4D31-B4BB-7754D5A27718}" type="datetimeFigureOut">
               <a:rPr lang="en-US" smtClean="0"/>
-              <a:t>12/1/2025</a:t>
+              <a:t>12/4/2025</a:t>
             </a:fld>
             <a:endParaRPr lang="en-US"/>
           </a:p>
@@ -2672,7 +2675,7 @@
           <a:p>
             <a:fld id="{22644C63-7FDE-4D31-B4BB-7754D5A27718}" type="datetimeFigureOut">
               <a:rPr lang="en-US" smtClean="0"/>
-              <a:t>12/1/2025</a:t>
+              <a:t>12/4/2025</a:t>
             </a:fld>
             <a:endParaRPr lang="en-US"/>
           </a:p>
@@ -2913,7 +2916,7 @@
           <a:p>
             <a:fld id="{22644C63-7FDE-4D31-B4BB-7754D5A27718}" type="datetimeFigureOut">
               <a:rPr lang="en-US" smtClean="0"/>
-              <a:t>12/1/2025</a:t>
+              <a:t>12/4/2025</a:t>
             </a:fld>
             <a:endParaRPr lang="en-US"/>
           </a:p>
@@ -3450,7 +3453,7 @@
           <a:p>
             <a:r>
               <a:rPr lang="en-US" dirty="0"/>
-              <a:t>Trapping phenomenon</a:t>
+              <a:t>Introduction section</a:t>
             </a:r>
           </a:p>
         </p:txBody>
@@ -3471,7 +3474,12 @@
             <p:ph idx="1"/>
           </p:nvPr>
         </p:nvSpPr>
-        <p:spPr/>
+        <p:spPr>
+          <a:xfrm>
+            <a:off x="838200" y="1844480"/>
+            <a:ext cx="10515600" cy="4351338"/>
+          </a:xfrm>
+        </p:spPr>
         <p:txBody>
           <a:bodyPr>
             <a:normAutofit lnSpcReduction="10000"/>
@@ -3602,8 +3610,8 @@
           </a:p>
         </p:txBody>
       </p:sp>
-      <mc:AlternateContent xmlns:mc="http://schemas.openxmlformats.org/markup-compatibility/2006" xmlns:a14="http://schemas.microsoft.com/office/drawing/2010/main">
-        <mc:Choice Requires="a14">
+      <mc:AlternateContent xmlns:mc="http://schemas.openxmlformats.org/markup-compatibility/2006">
+        <mc:Choice xmlns:a14="http://schemas.microsoft.com/office/drawing/2010/main" Requires="a14">
           <p:sp>
             <p:nvSpPr>
               <p:cNvPr id="3" name="Content Placeholder 2">
@@ -4348,6 +4356,194 @@
                               </m:sSub>
                             </m:den>
                           </m:f>
+                        </m:e>
+                      </m:d>
+                    </m:oMath>
+                  </m:oMathPara>
+                </a14:m>
+                <a:endParaRPr lang="en-US" altLang="zh-CN" i="1" dirty="0"/>
+              </a:p>
+              <a:p>
+                <a:pPr marL="0" indent="0">
+                  <a:buNone/>
+                </a:pPr>
+                <a14:m>
+                  <m:oMathPara xmlns:m="http://schemas.openxmlformats.org/officeDocument/2006/math">
+                    <m:oMathParaPr>
+                      <m:jc m:val="centerGroup"/>
+                    </m:oMathParaPr>
+                    <m:oMath xmlns:m="http://schemas.openxmlformats.org/officeDocument/2006/math">
+                      <m:acc>
+                        <m:accPr>
+                          <m:chr m:val="̃"/>
+                          <m:ctrlPr>
+                            <a:rPr lang="en-US" b="1" i="1"/>
+                          </m:ctrlPr>
+                        </m:accPr>
+                        <m:e>
+                          <m:r>
+                            <a:rPr lang="en-US" b="1" i="1"/>
+                            <m:t>𝐄</m:t>
+                          </m:r>
+                        </m:e>
+                      </m:acc>
+                      <m:r>
+                        <a:rPr lang="en-US"/>
+                        <m:t>= </m:t>
+                      </m:r>
+                      <m:sSub>
+                        <m:sSubPr>
+                          <m:ctrlPr>
+                            <a:rPr lang="en-US" i="1"/>
+                          </m:ctrlPr>
+                        </m:sSubPr>
+                        <m:e>
+                          <m:r>
+                            <m:rPr>
+                              <m:sty m:val="p"/>
+                            </m:rPr>
+                            <a:rPr lang="en-US"/>
+                            <m:t>E</m:t>
+                          </m:r>
+                        </m:e>
+                        <m:sub>
+                          <m:r>
+                            <m:rPr>
+                              <m:sty m:val="p"/>
+                            </m:rPr>
+                            <a:rPr lang="en-US"/>
+                            <m:t>w</m:t>
+                          </m:r>
+                        </m:sub>
+                      </m:sSub>
+                      <m:r>
+                        <a:rPr lang="en-US"/>
+                        <m:t> </m:t>
+                      </m:r>
+                      <m:d>
+                        <m:dPr>
+                          <m:begChr m:val="["/>
+                          <m:endChr m:val="]"/>
+                          <m:ctrlPr>
+                            <a:rPr lang="en-US" i="1"/>
+                          </m:ctrlPr>
+                        </m:dPr>
+                        <m:e>
+                          <m:acc>
+                            <m:accPr>
+                              <m:chr m:val="̂"/>
+                              <m:ctrlPr>
+                                <a:rPr lang="en-US" i="1"/>
+                              </m:ctrlPr>
+                            </m:accPr>
+                            <m:e>
+                              <m:r>
+                                <m:rPr>
+                                  <m:sty m:val="p"/>
+                                </m:rPr>
+                                <a:rPr lang="en-US"/>
+                                <m:t>x</m:t>
+                              </m:r>
+                            </m:e>
+                          </m:acc>
+                          <m:r>
+                            <m:rPr>
+                              <m:sty m:val="p"/>
+                            </m:rPr>
+                            <a:rPr lang="en-US"/>
+                            <m:t>cos</m:t>
+                          </m:r>
+                          <m:d>
+                            <m:dPr>
+                              <m:ctrlPr>
+                                <a:rPr lang="en-US" i="1"/>
+                              </m:ctrlPr>
+                            </m:dPr>
+                            <m:e>
+                              <m:r>
+                                <m:rPr>
+                                  <m:sty m:val="p"/>
+                                </m:rPr>
+                                <a:rPr lang="en-US"/>
+                                <m:t>kz</m:t>
+                              </m:r>
+                              <m:r>
+                                <a:rPr lang="en-US"/>
+                                <m:t> </m:t>
+                              </m:r>
+                              <m:r>
+                                <a:rPr lang="en-US" i="1"/>
+                                <m:t>−</m:t>
+                              </m:r>
+                              <m:r>
+                                <a:rPr lang="en-US"/>
+                                <m:t> </m:t>
+                              </m:r>
+                              <m:r>
+                                <m:rPr>
+                                  <m:sty m:val="p"/>
+                                </m:rPr>
+                                <a:rPr lang="en-US"/>
+                                <m:t>ωt</m:t>
+                              </m:r>
+                            </m:e>
+                          </m:d>
+                          <m:r>
+                            <a:rPr lang="en-US"/>
+                            <m:t>+</m:t>
+                          </m:r>
+                          <m:r>
+                            <a:rPr lang="en-US" i="1">
+                              <a:hlinkClick r:id="" action="ppaction://noaction"/>
+                            </a:rPr>
+                            <m:t>𝑔</m:t>
+                          </m:r>
+                          <m:r>
+                            <a:rPr lang="en-US"/>
+                            <m:t> ŷ </m:t>
+                          </m:r>
+                          <m:r>
+                            <m:rPr>
+                              <m:sty m:val="p"/>
+                            </m:rPr>
+                            <a:rPr lang="en-US"/>
+                            <m:t>sin</m:t>
+                          </m:r>
+                          <m:d>
+                            <m:dPr>
+                              <m:ctrlPr>
+                                <a:rPr lang="en-US" i="1"/>
+                              </m:ctrlPr>
+                            </m:dPr>
+                            <m:e>
+                              <m:r>
+                                <m:rPr>
+                                  <m:sty m:val="p"/>
+                                </m:rPr>
+                                <a:rPr lang="en-US"/>
+                                <m:t>kz</m:t>
+                              </m:r>
+                              <m:r>
+                                <a:rPr lang="en-US"/>
+                                <m:t> </m:t>
+                              </m:r>
+                              <m:r>
+                                <a:rPr lang="en-US" i="1"/>
+                                <m:t>−</m:t>
+                              </m:r>
+                              <m:r>
+                                <a:rPr lang="en-US"/>
+                                <m:t> </m:t>
+                              </m:r>
+                              <m:r>
+                                <m:rPr>
+                                  <m:sty m:val="p"/>
+                                </m:rPr>
+                                <a:rPr lang="en-US"/>
+                                <m:t>ωt</m:t>
+                              </m:r>
+                            </m:e>
+                          </m:d>
                         </m:e>
                       </m:d>
                     </m:oMath>
@@ -6260,7 +6456,7 @@
             </p:txBody>
           </p:sp>
         </mc:Choice>
-        <mc:Fallback xmlns="">
+        <mc:Fallback>
           <p:sp>
             <p:nvSpPr>
               <p:cNvPr id="3" name="Content Placeholder 2">
@@ -6314,7 +6510,7 @@
         </p:nvSpPr>
         <p:spPr>
           <a:xfrm>
-            <a:off x="2438401" y="4110790"/>
+            <a:off x="2444116" y="4367965"/>
             <a:ext cx="1548063" cy="397042"/>
           </a:xfrm>
           <a:prstGeom prst="rightArrow">
@@ -6395,7 +6591,7 @@
         </p:nvSpPr>
         <p:spPr>
           <a:xfrm>
-            <a:off x="308810" y="92410"/>
+            <a:off x="0" y="-142901"/>
             <a:ext cx="10515600" cy="1325563"/>
           </a:xfrm>
         </p:spPr>
@@ -6408,62 +6604,6 @@
             <a:r>
               <a:rPr lang="en-US" sz="3200" dirty="0"/>
               <a:t>Trapping in anomalous doppler resonance (g = 1)</a:t>
-            </a:r>
-          </a:p>
-        </p:txBody>
-      </p:sp>
-      <p:sp>
-        <p:nvSpPr>
-          <p:cNvPr id="6" name="TextBox 5">
-            <a:extLst>
-              <a:ext uri="{FF2B5EF4-FFF2-40B4-BE49-F238E27FC236}">
-                <a16:creationId xmlns:a16="http://schemas.microsoft.com/office/drawing/2014/main" id="{BDBF5EB1-37B5-3C91-D104-9E4888156330}"/>
-              </a:ext>
-            </a:extLst>
-          </p:cNvPr>
-          <p:cNvSpPr txBox="1"/>
-          <p:nvPr/>
-        </p:nvSpPr>
-        <p:spPr>
-          <a:xfrm>
-            <a:off x="489284" y="1195137"/>
-            <a:ext cx="3721769" cy="923330"/>
-          </a:xfrm>
-          <a:prstGeom prst="rect">
-            <a:avLst/>
-          </a:prstGeom>
-          <a:noFill/>
-        </p:spPr>
-        <p:txBody>
-          <a:bodyPr wrap="square" rtlCol="0">
-            <a:spAutoFit/>
-          </a:bodyPr>
-          <a:lstStyle/>
-          <a:p>
-            <a:pPr marL="342900" indent="-342900">
-              <a:buAutoNum type="arabicPeriod"/>
-            </a:pPr>
-            <a:r>
-              <a:rPr lang="en-US" dirty="0"/>
-              <a:t>LCP E.M wave along z axis</a:t>
-            </a:r>
-          </a:p>
-          <a:p>
-            <a:pPr marL="342900" indent="-342900">
-              <a:buAutoNum type="arabicPeriod"/>
-            </a:pPr>
-            <a:r>
-              <a:rPr lang="en-US" dirty="0"/>
-              <a:t>Static electric field along z axis</a:t>
-            </a:r>
-          </a:p>
-          <a:p>
-            <a:pPr marL="342900" indent="-342900">
-              <a:buAutoNum type="arabicPeriod"/>
-            </a:pPr>
-            <a:r>
-              <a:rPr lang="en-US" dirty="0"/>
-              <a:t>Static magnetic field along z axis</a:t>
             </a:r>
           </a:p>
         </p:txBody>
@@ -6484,8 +6624,8 @@
             </p:nvSpPr>
             <p:spPr>
               <a:xfrm>
-                <a:off x="922421" y="3558368"/>
-                <a:ext cx="3288632" cy="923330"/>
+                <a:off x="525745" y="4580329"/>
+                <a:ext cx="3731930" cy="923330"/>
               </a:xfrm>
               <a:prstGeom prst="rect">
                 <a:avLst/>
@@ -6600,7 +6740,10 @@
                     <m:sSub>
                       <m:sSubPr>
                         <m:ctrlPr>
-                          <a:rPr lang="en-US" i="1">
+                          <a:rPr lang="en-US" i="1" smtClean="0">
+                            <a:solidFill>
+                              <a:srgbClr val="FF0000"/>
+                            </a:solidFill>
                             <a:latin typeface="Cambria Math" panose="02040503050406030204" pitchFamily="18" charset="0"/>
                           </a:rPr>
                         </m:ctrlPr>
@@ -6608,6 +6751,9 @@
                       <m:e>
                         <m:r>
                           <a:rPr lang="en-US" i="1">
+                            <a:solidFill>
+                              <a:srgbClr val="FF0000"/>
+                            </a:solidFill>
                             <a:latin typeface="Cambria Math" panose="02040503050406030204" pitchFamily="18" charset="0"/>
                           </a:rPr>
                           <m:t>𝐸</m:t>
@@ -6616,6 +6762,9 @@
                       <m:sub>
                         <m:r>
                           <a:rPr lang="en-US" i="1">
+                            <a:solidFill>
+                              <a:srgbClr val="FF0000"/>
+                            </a:solidFill>
                             <a:latin typeface="Cambria Math" panose="02040503050406030204" pitchFamily="18" charset="0"/>
                           </a:rPr>
                           <m:t>𝜔</m:t>
@@ -6624,24 +6773,36 @@
                     </m:sSub>
                     <m:r>
                       <a:rPr lang="en-US" i="1">
+                        <a:solidFill>
+                          <a:srgbClr val="FF0000"/>
+                        </a:solidFill>
                         <a:latin typeface="Cambria Math" panose="02040503050406030204" pitchFamily="18" charset="0"/>
                       </a:rPr>
                       <m:t>=20 </m:t>
                     </m:r>
                     <m:r>
                       <a:rPr lang="en-US" i="1">
+                        <a:solidFill>
+                          <a:srgbClr val="FF0000"/>
+                        </a:solidFill>
                         <a:latin typeface="Cambria Math" panose="02040503050406030204" pitchFamily="18" charset="0"/>
                       </a:rPr>
                       <m:t>𝑉</m:t>
                     </m:r>
                     <m:r>
                       <a:rPr lang="en-US" i="1">
+                        <a:solidFill>
+                          <a:srgbClr val="FF0000"/>
+                        </a:solidFill>
                         <a:latin typeface="Cambria Math" panose="02040503050406030204" pitchFamily="18" charset="0"/>
                       </a:rPr>
                       <m:t>/</m:t>
                     </m:r>
                     <m:r>
                       <a:rPr lang="en-US" i="1">
+                        <a:solidFill>
+                          <a:srgbClr val="FF0000"/>
+                        </a:solidFill>
                         <a:latin typeface="Cambria Math" panose="02040503050406030204" pitchFamily="18" charset="0"/>
                       </a:rPr>
                       <m:t>𝑚</m:t>
@@ -6650,12 +6811,21 @@
                 </a14:m>
                 <a:r>
                   <a:rPr lang="en-US" sz="1800" dirty="0">
+                    <a:solidFill>
+                      <a:srgbClr val="FF0000"/>
+                    </a:solidFill>
                     <a:effectLst/>
                     <a:latin typeface="Calibri" panose="020F0502020204030204" pitchFamily="34" charset="0"/>
                     <a:ea typeface="等线" panose="02010600030101010101" pitchFamily="2" charset="-122"/>
                     <a:cs typeface="Times New Roman" panose="02020603050405020304" pitchFamily="18" charset="0"/>
                   </a:rPr>
                   <a:t> </a:t>
+                </a:r>
+              </a:p>
+              <a:p>
+                <a:r>
+                  <a:rPr lang="zh-CN" altLang="en-US" dirty="0"/>
+                  <a:t>左旋波</a:t>
                 </a:r>
                 <a:endParaRPr lang="en-US" dirty="0"/>
               </a:p>
@@ -6679,8 +6849,8 @@
             </p:nvSpPr>
             <p:spPr>
               <a:xfrm>
-                <a:off x="922421" y="3558368"/>
-                <a:ext cx="3288632" cy="923330"/>
+                <a:off x="525745" y="4580329"/>
+                <a:ext cx="3731930" cy="923330"/>
               </a:xfrm>
               <a:prstGeom prst="rect">
                 <a:avLst/>
@@ -6688,7 +6858,7 @@
               <a:blipFill>
                 <a:blip r:embed="rId2"/>
                 <a:stretch>
-                  <a:fillRect l="-1481" t="-3974" b="-4636"/>
+                  <a:fillRect l="-1307" t="-3289" r="-2778" b="-9211"/>
                 </a:stretch>
               </a:blipFill>
             </p:spPr>
@@ -6707,43 +6877,6 @@
           </p:sp>
         </mc:Fallback>
       </mc:AlternateContent>
-      <p:pic>
-        <p:nvPicPr>
-          <p:cNvPr id="9" name="Picture 8">
-            <a:extLst>
-              <a:ext uri="{FF2B5EF4-FFF2-40B4-BE49-F238E27FC236}">
-                <a16:creationId xmlns:a16="http://schemas.microsoft.com/office/drawing/2014/main" id="{79ABA76B-0D12-F9A4-1B3C-243AACAD84D7}"/>
-              </a:ext>
-            </a:extLst>
-          </p:cNvPr>
-          <p:cNvPicPr>
-            <a:picLocks noChangeAspect="1"/>
-          </p:cNvPicPr>
-          <p:nvPr/>
-        </p:nvPicPr>
-        <p:blipFill rotWithShape="1">
-          <a:blip r:embed="rId3"/>
-          <a:srcRect l="5866" t="4527" r="6122"/>
-          <a:stretch/>
-        </p:blipFill>
-        <p:spPr bwMode="auto">
-          <a:xfrm>
-            <a:off x="4923573" y="958539"/>
-            <a:ext cx="5900837" cy="5899461"/>
-          </a:xfrm>
-          <a:prstGeom prst="rect">
-            <a:avLst/>
-          </a:prstGeom>
-          <a:ln>
-            <a:noFill/>
-          </a:ln>
-          <a:extLst>
-            <a:ext uri="{53640926-AAD7-44D8-BBD7-CCE9431645EC}">
-              <a14:shadowObscured xmlns:a14="http://schemas.microsoft.com/office/drawing/2010/main"/>
-            </a:ext>
-          </a:extLst>
-        </p:spPr>
-      </p:pic>
       <p:sp>
         <p:nvSpPr>
           <p:cNvPr id="4" name="TextBox 3">
@@ -6758,7 +6891,7 @@
         </p:nvSpPr>
         <p:spPr>
           <a:xfrm>
-            <a:off x="927836" y="3059668"/>
+            <a:off x="187393" y="904247"/>
             <a:ext cx="2844663" cy="369332"/>
           </a:xfrm>
           <a:prstGeom prst="rect">
@@ -6774,12 +6907,364 @@
           <a:p>
             <a:r>
               <a:rPr lang="en-US" altLang="zh-CN" dirty="0"/>
-              <a:t>Untracked situation</a:t>
+              <a:t>Unstrapping situation</a:t>
             </a:r>
             <a:endParaRPr lang="en-US" dirty="0"/>
           </a:p>
         </p:txBody>
       </p:sp>
+      <p:grpSp>
+        <p:nvGrpSpPr>
+          <p:cNvPr id="14" name="Group 13">
+            <a:extLst>
+              <a:ext uri="{FF2B5EF4-FFF2-40B4-BE49-F238E27FC236}">
+                <a16:creationId xmlns:a16="http://schemas.microsoft.com/office/drawing/2014/main" id="{41CFD5EF-7B66-EA15-39D0-C168516540EB}"/>
+              </a:ext>
+            </a:extLst>
+          </p:cNvPr>
+          <p:cNvGrpSpPr/>
+          <p:nvPr/>
+        </p:nvGrpSpPr>
+        <p:grpSpPr>
+          <a:xfrm>
+            <a:off x="4831551" y="904247"/>
+            <a:ext cx="6527058" cy="5899461"/>
+            <a:chOff x="4687915" y="1021042"/>
+            <a:chExt cx="6527058" cy="5899461"/>
+          </a:xfrm>
+        </p:grpSpPr>
+        <p:pic>
+          <p:nvPicPr>
+            <p:cNvPr id="9" name="Picture 8">
+              <a:extLst>
+                <a:ext uri="{FF2B5EF4-FFF2-40B4-BE49-F238E27FC236}">
+                  <a16:creationId xmlns:a16="http://schemas.microsoft.com/office/drawing/2014/main" id="{79ABA76B-0D12-F9A4-1B3C-243AACAD84D7}"/>
+                </a:ext>
+              </a:extLst>
+            </p:cNvPr>
+            <p:cNvPicPr>
+              <a:picLocks noChangeAspect="1"/>
+            </p:cNvPicPr>
+            <p:nvPr/>
+          </p:nvPicPr>
+          <p:blipFill rotWithShape="1">
+            <a:blip r:embed="rId3"/>
+            <a:srcRect l="5866" t="4527" r="6122"/>
+            <a:stretch/>
+          </p:blipFill>
+          <p:spPr bwMode="auto">
+            <a:xfrm>
+              <a:off x="4687915" y="1021042"/>
+              <a:ext cx="5900837" cy="5899461"/>
+            </a:xfrm>
+            <a:prstGeom prst="rect">
+              <a:avLst/>
+            </a:prstGeom>
+            <a:ln>
+              <a:noFill/>
+            </a:ln>
+            <a:extLst>
+              <a:ext uri="{53640926-AAD7-44D8-BBD7-CCE9431645EC}">
+                <a14:shadowObscured xmlns:a14="http://schemas.microsoft.com/office/drawing/2010/main"/>
+              </a:ext>
+            </a:extLst>
+          </p:spPr>
+        </p:pic>
+        <p:grpSp>
+          <p:nvGrpSpPr>
+            <p:cNvPr id="13" name="Group 12">
+              <a:extLst>
+                <a:ext uri="{FF2B5EF4-FFF2-40B4-BE49-F238E27FC236}">
+                  <a16:creationId xmlns:a16="http://schemas.microsoft.com/office/drawing/2014/main" id="{9510EF89-4225-7CE4-8D99-779ADC2DD57C}"/>
+                </a:ext>
+              </a:extLst>
+            </p:cNvPr>
+            <p:cNvGrpSpPr/>
+            <p:nvPr/>
+          </p:nvGrpSpPr>
+          <p:grpSpPr>
+            <a:xfrm>
+              <a:off x="10338529" y="4919831"/>
+              <a:ext cx="876444" cy="849562"/>
+              <a:chOff x="10253688" y="4910404"/>
+              <a:chExt cx="876444" cy="849562"/>
+            </a:xfrm>
+          </p:grpSpPr>
+          <p:sp>
+            <p:nvSpPr>
+              <p:cNvPr id="3" name="TextBox 2">
+                <a:extLst>
+                  <a:ext uri="{FF2B5EF4-FFF2-40B4-BE49-F238E27FC236}">
+                    <a16:creationId xmlns:a16="http://schemas.microsoft.com/office/drawing/2014/main" id="{F8EE8EB5-AA4D-2085-ED88-816151C17834}"/>
+                  </a:ext>
+                </a:extLst>
+              </p:cNvPr>
+              <p:cNvSpPr txBox="1"/>
+              <p:nvPr/>
+            </p:nvSpPr>
+            <p:spPr>
+              <a:xfrm>
+                <a:off x="10503911" y="4910404"/>
+                <a:ext cx="541380" cy="369332"/>
+              </a:xfrm>
+              <a:prstGeom prst="rect">
+                <a:avLst/>
+              </a:prstGeom>
+              <a:noFill/>
+            </p:spPr>
+            <p:txBody>
+              <a:bodyPr wrap="square" rtlCol="0">
+                <a:spAutoFit/>
+              </a:bodyPr>
+              <a:lstStyle/>
+              <a:p>
+                <a:r>
+                  <a:rPr lang="en-US" dirty="0"/>
+                  <a:t>W</a:t>
+                </a:r>
+                <a:r>
+                  <a:rPr lang="en-US" baseline="-25000" dirty="0"/>
+                  <a:t>0</a:t>
+                </a:r>
+              </a:p>
+            </p:txBody>
+          </p:sp>
+          <p:cxnSp>
+            <p:nvCxnSpPr>
+              <p:cNvPr id="7" name="Straight Arrow Connector 6">
+                <a:extLst>
+                  <a:ext uri="{FF2B5EF4-FFF2-40B4-BE49-F238E27FC236}">
+                    <a16:creationId xmlns:a16="http://schemas.microsoft.com/office/drawing/2014/main" id="{698A2788-56C2-B870-ED6A-43D5E7489818}"/>
+                  </a:ext>
+                </a:extLst>
+              </p:cNvPr>
+              <p:cNvCxnSpPr>
+                <a:cxnSpLocks/>
+              </p:cNvCxnSpPr>
+              <p:nvPr/>
+            </p:nvCxnSpPr>
+            <p:spPr>
+              <a:xfrm flipH="1" flipV="1">
+                <a:off x="10253688" y="5069947"/>
+                <a:ext cx="250223" cy="33836"/>
+              </a:xfrm>
+              <a:prstGeom prst="straightConnector1">
+                <a:avLst/>
+              </a:prstGeom>
+              <a:ln>
+                <a:tailEnd type="triangle"/>
+              </a:ln>
+            </p:spPr>
+            <p:style>
+              <a:lnRef idx="2">
+                <a:schemeClr val="accent1"/>
+              </a:lnRef>
+              <a:fillRef idx="0">
+                <a:schemeClr val="accent1"/>
+              </a:fillRef>
+              <a:effectRef idx="1">
+                <a:schemeClr val="accent1"/>
+              </a:effectRef>
+              <a:fontRef idx="minor">
+                <a:schemeClr val="tx1"/>
+              </a:fontRef>
+            </p:style>
+          </p:cxnSp>
+          <mc:AlternateContent xmlns:mc="http://schemas.openxmlformats.org/markup-compatibility/2006">
+            <mc:Choice xmlns:a14="http://schemas.microsoft.com/office/drawing/2010/main" Requires="a14">
+              <p:sp>
+                <p:nvSpPr>
+                  <p:cNvPr id="10" name="TextBox 9">
+                    <a:extLst>
+                      <a:ext uri="{FF2B5EF4-FFF2-40B4-BE49-F238E27FC236}">
+                        <a16:creationId xmlns:a16="http://schemas.microsoft.com/office/drawing/2014/main" id="{5A42B9A0-6888-64BC-4846-0C3FDF91ADA9}"/>
+                      </a:ext>
+                    </a:extLst>
+                  </p:cNvPr>
+                  <p:cNvSpPr txBox="1"/>
+                  <p:nvPr/>
+                </p:nvSpPr>
+                <p:spPr>
+                  <a:xfrm>
+                    <a:off x="10588752" y="5390634"/>
+                    <a:ext cx="541380" cy="369332"/>
+                  </a:xfrm>
+                  <a:prstGeom prst="rect">
+                    <a:avLst/>
+                  </a:prstGeom>
+                  <a:noFill/>
+                </p:spPr>
+                <p:txBody>
+                  <a:bodyPr wrap="square" rtlCol="0">
+                    <a:spAutoFit/>
+                  </a:bodyPr>
+                  <a:lstStyle/>
+                  <a:p>
+                    <a14:m>
+                      <m:oMathPara xmlns:m="http://schemas.openxmlformats.org/officeDocument/2006/math">
+                        <m:oMathParaPr>
+                          <m:jc m:val="centerGroup"/>
+                        </m:oMathParaPr>
+                        <m:oMath xmlns:m="http://schemas.openxmlformats.org/officeDocument/2006/math">
+                          <m:r>
+                            <m:rPr>
+                              <m:sty m:val="p"/>
+                            </m:rPr>
+                            <a:rPr lang="en-US" b="0" i="0" dirty="0" smtClean="0">
+                              <a:latin typeface="Cambria Math" panose="02040503050406030204" pitchFamily="18" charset="0"/>
+                            </a:rPr>
+                            <m:t>Δ</m:t>
+                          </m:r>
+                          <m:r>
+                            <a:rPr lang="en-US" b="0" i="1" dirty="0" smtClean="0">
+                              <a:latin typeface="Cambria Math" panose="02040503050406030204" pitchFamily="18" charset="0"/>
+                            </a:rPr>
+                            <m:t>𝜓</m:t>
+                          </m:r>
+                          <m:r>
+                            <a:rPr lang="en-US" b="0" i="1" dirty="0" smtClean="0">
+                              <a:latin typeface="Cambria Math" panose="02040503050406030204" pitchFamily="18" charset="0"/>
+                            </a:rPr>
+                            <m:t>(</m:t>
+                          </m:r>
+                          <m:r>
+                            <a:rPr lang="en-US" b="0" i="1" dirty="0" smtClean="0">
+                              <a:latin typeface="Cambria Math" panose="02040503050406030204" pitchFamily="18" charset="0"/>
+                            </a:rPr>
+                            <m:t>𝜉</m:t>
+                          </m:r>
+                          <m:r>
+                            <a:rPr lang="en-US" b="0" i="1" dirty="0" smtClean="0">
+                              <a:latin typeface="Cambria Math" panose="02040503050406030204" pitchFamily="18" charset="0"/>
+                            </a:rPr>
+                            <m:t>)</m:t>
+                          </m:r>
+                        </m:oMath>
+                      </m:oMathPara>
+                    </a14:m>
+                    <a:endParaRPr lang="en-US" baseline="-25000" dirty="0"/>
+                  </a:p>
+                </p:txBody>
+              </p:sp>
+            </mc:Choice>
+            <mc:Fallback>
+              <p:sp>
+                <p:nvSpPr>
+                  <p:cNvPr id="10" name="TextBox 9">
+                    <a:extLst>
+                      <a:ext uri="{FF2B5EF4-FFF2-40B4-BE49-F238E27FC236}">
+                        <a16:creationId xmlns:a16="http://schemas.microsoft.com/office/drawing/2014/main" id="{5A42B9A0-6888-64BC-4846-0C3FDF91ADA9}"/>
+                      </a:ext>
+                    </a:extLst>
+                  </p:cNvPr>
+                  <p:cNvSpPr txBox="1">
+                    <a:spLocks noRot="1" noChangeAspect="1" noMove="1" noResize="1" noEditPoints="1" noAdjustHandles="1" noChangeArrowheads="1" noChangeShapeType="1" noTextEdit="1"/>
+                  </p:cNvSpPr>
+                  <p:nvPr/>
+                </p:nvSpPr>
+                <p:spPr>
+                  <a:xfrm>
+                    <a:off x="10588752" y="5390634"/>
+                    <a:ext cx="541380" cy="369332"/>
+                  </a:xfrm>
+                  <a:prstGeom prst="rect">
+                    <a:avLst/>
+                  </a:prstGeom>
+                  <a:blipFill>
+                    <a:blip r:embed="rId4"/>
+                    <a:stretch>
+                      <a:fillRect r="-49438" b="-15000"/>
+                    </a:stretch>
+                  </a:blipFill>
+                </p:spPr>
+                <p:txBody>
+                  <a:bodyPr/>
+                  <a:lstStyle/>
+                  <a:p>
+                    <a:r>
+                      <a:rPr lang="en-US">
+                        <a:noFill/>
+                      </a:rPr>
+                      <a:t> </a:t>
+                    </a:r>
+                  </a:p>
+                </p:txBody>
+              </p:sp>
+            </mc:Fallback>
+          </mc:AlternateContent>
+          <p:cxnSp>
+            <p:nvCxnSpPr>
+              <p:cNvPr id="11" name="Straight Arrow Connector 10">
+                <a:extLst>
+                  <a:ext uri="{FF2B5EF4-FFF2-40B4-BE49-F238E27FC236}">
+                    <a16:creationId xmlns:a16="http://schemas.microsoft.com/office/drawing/2014/main" id="{E3DBADC5-00E4-0049-FF1C-0909017DC460}"/>
+                  </a:ext>
+                </a:extLst>
+              </p:cNvPr>
+              <p:cNvCxnSpPr>
+                <a:cxnSpLocks/>
+              </p:cNvCxnSpPr>
+              <p:nvPr/>
+            </p:nvCxnSpPr>
+            <p:spPr>
+              <a:xfrm flipH="1" flipV="1">
+                <a:off x="10272216" y="5316702"/>
+                <a:ext cx="386600" cy="213427"/>
+              </a:xfrm>
+              <a:prstGeom prst="straightConnector1">
+                <a:avLst/>
+              </a:prstGeom>
+              <a:ln>
+                <a:tailEnd type="triangle"/>
+              </a:ln>
+            </p:spPr>
+            <p:style>
+              <a:lnRef idx="2">
+                <a:schemeClr val="accent1"/>
+              </a:lnRef>
+              <a:fillRef idx="0">
+                <a:schemeClr val="accent1"/>
+              </a:fillRef>
+              <a:effectRef idx="1">
+                <a:schemeClr val="accent1"/>
+              </a:effectRef>
+              <a:fontRef idx="minor">
+                <a:schemeClr val="tx1"/>
+              </a:fontRef>
+            </p:style>
+          </p:cxnSp>
+        </p:grpSp>
+      </p:grpSp>
+      <p:pic>
+        <p:nvPicPr>
+          <p:cNvPr id="16" name="Picture 15">
+            <a:extLst>
+              <a:ext uri="{FF2B5EF4-FFF2-40B4-BE49-F238E27FC236}">
+                <a16:creationId xmlns:a16="http://schemas.microsoft.com/office/drawing/2014/main" id="{E8DD7B9C-443A-7987-1DA3-0C9E51C667AC}"/>
+              </a:ext>
+            </a:extLst>
+          </p:cNvPr>
+          <p:cNvPicPr>
+            <a:picLocks noChangeAspect="1"/>
+          </p:cNvPicPr>
+          <p:nvPr/>
+        </p:nvPicPr>
+        <p:blipFill>
+          <a:blip r:embed="rId5"/>
+          <a:stretch>
+            <a:fillRect/>
+          </a:stretch>
+        </p:blipFill>
+        <p:spPr>
+          <a:xfrm>
+            <a:off x="525745" y="1396763"/>
+            <a:ext cx="3018875" cy="3106633"/>
+          </a:xfrm>
+          <a:prstGeom prst="rect">
+            <a:avLst/>
+          </a:prstGeom>
+        </p:spPr>
+      </p:pic>
     </p:spTree>
     <p:extLst>
       <p:ext uri="{BB962C8B-B14F-4D97-AF65-F5344CB8AC3E}">
@@ -6794,6 +7279,1303 @@
 </file>
 
 <file path=ppt/slides/slide5.xml><?xml version="1.0" encoding="utf-8"?>
+<p:sld xmlns:a="http://schemas.openxmlformats.org/drawingml/2006/main" xmlns:r="http://schemas.openxmlformats.org/officeDocument/2006/relationships" xmlns:p="http://schemas.openxmlformats.org/presentationml/2006/main">
+  <p:cSld>
+    <p:spTree>
+      <p:nvGrpSpPr>
+        <p:cNvPr id="1" name=""/>
+        <p:cNvGrpSpPr/>
+        <p:nvPr/>
+      </p:nvGrpSpPr>
+      <p:grpSpPr>
+        <a:xfrm>
+          <a:off x="0" y="0"/>
+          <a:ext cx="0" cy="0"/>
+          <a:chOff x="0" y="0"/>
+          <a:chExt cx="0" cy="0"/>
+        </a:xfrm>
+      </p:grpSpPr>
+      <p:pic>
+        <p:nvPicPr>
+          <p:cNvPr id="4" name="Picture 3">
+            <a:extLst>
+              <a:ext uri="{FF2B5EF4-FFF2-40B4-BE49-F238E27FC236}">
+                <a16:creationId xmlns:a16="http://schemas.microsoft.com/office/drawing/2014/main" id="{DCB2AB36-0E56-48E4-9DE6-88493540EC41}"/>
+              </a:ext>
+            </a:extLst>
+          </p:cNvPr>
+          <p:cNvPicPr>
+            <a:picLocks noChangeAspect="1"/>
+          </p:cNvPicPr>
+          <p:nvPr/>
+        </p:nvPicPr>
+        <p:blipFill>
+          <a:blip r:embed="rId2">
+            <a:extLst>
+              <a:ext uri="{28A0092B-C50C-407E-A947-70E740481C1C}">
+                <a14:useLocalDpi xmlns:a14="http://schemas.microsoft.com/office/drawing/2010/main" val="0"/>
+              </a:ext>
+            </a:extLst>
+          </a:blip>
+          <a:stretch>
+            <a:fillRect/>
+          </a:stretch>
+        </p:blipFill>
+        <p:spPr>
+          <a:xfrm>
+            <a:off x="4798505" y="411101"/>
+            <a:ext cx="6438420" cy="6353666"/>
+          </a:xfrm>
+          <a:prstGeom prst="rect">
+            <a:avLst/>
+          </a:prstGeom>
+        </p:spPr>
+      </p:pic>
+      <mc:AlternateContent xmlns:mc="http://schemas.openxmlformats.org/markup-compatibility/2006">
+        <mc:Choice xmlns:a14="http://schemas.microsoft.com/office/drawing/2010/main" Requires="a14">
+          <p:sp>
+            <p:nvSpPr>
+              <p:cNvPr id="6" name="TextBox 5">
+                <a:extLst>
+                  <a:ext uri="{FF2B5EF4-FFF2-40B4-BE49-F238E27FC236}">
+                    <a16:creationId xmlns:a16="http://schemas.microsoft.com/office/drawing/2014/main" id="{CF8FB4E5-245F-7546-EE05-CB1F9F3B17C0}"/>
+                  </a:ext>
+                </a:extLst>
+              </p:cNvPr>
+              <p:cNvSpPr txBox="1"/>
+              <p:nvPr/>
+            </p:nvSpPr>
+            <p:spPr>
+              <a:xfrm>
+                <a:off x="379692" y="2516536"/>
+                <a:ext cx="4418813" cy="369332"/>
+              </a:xfrm>
+              <a:prstGeom prst="rect">
+                <a:avLst/>
+              </a:prstGeom>
+              <a:noFill/>
+            </p:spPr>
+            <p:txBody>
+              <a:bodyPr wrap="square">
+                <a:spAutoFit/>
+              </a:bodyPr>
+              <a:lstStyle/>
+              <a:p>
+                <a:r>
+                  <a:rPr lang="en-US" dirty="0"/>
+                  <a:t>Same as Fig. (1) except with </a:t>
+                </a:r>
+                <a14:m>
+                  <m:oMath xmlns:m="http://schemas.openxmlformats.org/officeDocument/2006/math">
+                    <m:sSub>
+                      <m:sSubPr>
+                        <m:ctrlPr>
+                          <a:rPr lang="en-US" i="1" dirty="0" smtClean="0">
+                            <a:latin typeface="Cambria Math" panose="02040503050406030204" pitchFamily="18" charset="0"/>
+                          </a:rPr>
+                        </m:ctrlPr>
+                      </m:sSubPr>
+                      <m:e>
+                        <m:r>
+                          <a:rPr lang="en-US" i="1" dirty="0" smtClean="0">
+                            <a:latin typeface="Cambria Math" panose="02040503050406030204" pitchFamily="18" charset="0"/>
+                          </a:rPr>
+                          <m:t>𝐸</m:t>
+                        </m:r>
+                      </m:e>
+                      <m:sub>
+                        <m:r>
+                          <a:rPr lang="en-US" b="0" i="1" dirty="0" smtClean="0">
+                            <a:latin typeface="Cambria Math" panose="02040503050406030204" pitchFamily="18" charset="0"/>
+                          </a:rPr>
+                          <m:t>𝑤</m:t>
+                        </m:r>
+                      </m:sub>
+                    </m:sSub>
+                  </m:oMath>
+                </a14:m>
+                <a:r>
+                  <a:rPr lang="en-US" dirty="0"/>
+                  <a:t> = 22 V/m. </a:t>
+                </a:r>
+              </a:p>
+            </p:txBody>
+          </p:sp>
+        </mc:Choice>
+        <mc:Fallback>
+          <p:sp>
+            <p:nvSpPr>
+              <p:cNvPr id="6" name="TextBox 5">
+                <a:extLst>
+                  <a:ext uri="{FF2B5EF4-FFF2-40B4-BE49-F238E27FC236}">
+                    <a16:creationId xmlns:a16="http://schemas.microsoft.com/office/drawing/2014/main" id="{CF8FB4E5-245F-7546-EE05-CB1F9F3B17C0}"/>
+                  </a:ext>
+                </a:extLst>
+              </p:cNvPr>
+              <p:cNvSpPr txBox="1">
+                <a:spLocks noRot="1" noChangeAspect="1" noMove="1" noResize="1" noEditPoints="1" noAdjustHandles="1" noChangeArrowheads="1" noChangeShapeType="1" noTextEdit="1"/>
+              </p:cNvSpPr>
+              <p:nvPr/>
+            </p:nvSpPr>
+            <p:spPr>
+              <a:xfrm>
+                <a:off x="379692" y="2516536"/>
+                <a:ext cx="4418813" cy="369332"/>
+              </a:xfrm>
+              <a:prstGeom prst="rect">
+                <a:avLst/>
+              </a:prstGeom>
+              <a:blipFill>
+                <a:blip r:embed="rId3"/>
+                <a:stretch>
+                  <a:fillRect l="-1103" t="-8333" b="-28333"/>
+                </a:stretch>
+              </a:blipFill>
+            </p:spPr>
+            <p:txBody>
+              <a:bodyPr/>
+              <a:lstStyle/>
+              <a:p>
+                <a:r>
+                  <a:rPr lang="en-US">
+                    <a:noFill/>
+                  </a:rPr>
+                  <a:t> </a:t>
+                </a:r>
+              </a:p>
+            </p:txBody>
+          </p:sp>
+        </mc:Fallback>
+      </mc:AlternateContent>
+      <p:sp>
+        <p:nvSpPr>
+          <p:cNvPr id="7" name="TextBox 6">
+            <a:extLst>
+              <a:ext uri="{FF2B5EF4-FFF2-40B4-BE49-F238E27FC236}">
+                <a16:creationId xmlns:a16="http://schemas.microsoft.com/office/drawing/2014/main" id="{4DAABDFF-5EC2-9233-A4A2-07F08FCEB365}"/>
+              </a:ext>
+            </a:extLst>
+          </p:cNvPr>
+          <p:cNvSpPr txBox="1"/>
+          <p:nvPr/>
+        </p:nvSpPr>
+        <p:spPr>
+          <a:xfrm>
+            <a:off x="664067" y="1375639"/>
+            <a:ext cx="2844663" cy="400110"/>
+          </a:xfrm>
+          <a:prstGeom prst="rect">
+            <a:avLst/>
+          </a:prstGeom>
+          <a:noFill/>
+        </p:spPr>
+        <p:txBody>
+          <a:bodyPr wrap="square" rtlCol="0">
+            <a:spAutoFit/>
+          </a:bodyPr>
+          <a:lstStyle/>
+          <a:p>
+            <a:r>
+              <a:rPr lang="en-US" altLang="zh-CN" sz="2000" dirty="0"/>
+              <a:t>Trapping situation</a:t>
+            </a:r>
+            <a:endParaRPr lang="en-US" sz="2000" dirty="0"/>
+          </a:p>
+        </p:txBody>
+      </p:sp>
+      <p:sp>
+        <p:nvSpPr>
+          <p:cNvPr id="8" name="Title 1">
+            <a:extLst>
+              <a:ext uri="{FF2B5EF4-FFF2-40B4-BE49-F238E27FC236}">
+                <a16:creationId xmlns:a16="http://schemas.microsoft.com/office/drawing/2014/main" id="{290BA1B8-5309-7D53-F2D8-59871A069A14}"/>
+              </a:ext>
+            </a:extLst>
+          </p:cNvPr>
+          <p:cNvSpPr txBox="1">
+            <a:spLocks/>
+          </p:cNvSpPr>
+          <p:nvPr/>
+        </p:nvSpPr>
+        <p:spPr>
+          <a:xfrm>
+            <a:off x="160256" y="93233"/>
+            <a:ext cx="10515600" cy="1325563"/>
+          </a:xfrm>
+          <a:prstGeom prst="rect">
+            <a:avLst/>
+          </a:prstGeom>
+        </p:spPr>
+        <p:txBody>
+          <a:bodyPr>
+            <a:normAutofit/>
+          </a:bodyPr>
+          <a:lstStyle>
+            <a:lvl1pPr algn="l" defTabSz="914400" rtl="0" eaLnBrk="1" latinLnBrk="0" hangingPunct="1">
+              <a:lnSpc>
+                <a:spcPct val="90000"/>
+              </a:lnSpc>
+              <a:spcBef>
+                <a:spcPct val="0"/>
+              </a:spcBef>
+              <a:buNone/>
+              <a:defRPr sz="4400" kern="1200">
+                <a:solidFill>
+                  <a:schemeClr val="tx1"/>
+                </a:solidFill>
+                <a:latin typeface="+mj-lt"/>
+                <a:ea typeface="+mj-ea"/>
+                <a:cs typeface="+mj-cs"/>
+              </a:defRPr>
+            </a:lvl1pPr>
+          </a:lstStyle>
+          <a:p>
+            <a:r>
+              <a:rPr lang="en-US" sz="3200"/>
+              <a:t>Trapping in anomalous doppler resonance (g = 1)</a:t>
+            </a:r>
+            <a:endParaRPr lang="en-US" sz="3200" dirty="0"/>
+          </a:p>
+        </p:txBody>
+      </p:sp>
+    </p:spTree>
+    <p:extLst>
+      <p:ext uri="{BB962C8B-B14F-4D97-AF65-F5344CB8AC3E}">
+        <p14:creationId xmlns:p14="http://schemas.microsoft.com/office/powerpoint/2010/main" val="2596906761"/>
+      </p:ext>
+    </p:extLst>
+  </p:cSld>
+  <p:clrMapOvr>
+    <a:masterClrMapping/>
+  </p:clrMapOvr>
+</p:sld>
+</file>
+
+<file path=ppt/slides/slide6.xml><?xml version="1.0" encoding="utf-8"?>
+<p:sld xmlns:a="http://schemas.openxmlformats.org/drawingml/2006/main" xmlns:r="http://schemas.openxmlformats.org/officeDocument/2006/relationships" xmlns:p="http://schemas.openxmlformats.org/presentationml/2006/main">
+  <p:cSld>
+    <p:spTree>
+      <p:nvGrpSpPr>
+        <p:cNvPr id="1" name=""/>
+        <p:cNvGrpSpPr/>
+        <p:nvPr/>
+      </p:nvGrpSpPr>
+      <p:grpSpPr>
+        <a:xfrm>
+          <a:off x="0" y="0"/>
+          <a:ext cx="0" cy="0"/>
+          <a:chOff x="0" y="0"/>
+          <a:chExt cx="0" cy="0"/>
+        </a:xfrm>
+      </p:grpSpPr>
+      <p:sp>
+        <p:nvSpPr>
+          <p:cNvPr id="3" name="TextBox 2">
+            <a:extLst>
+              <a:ext uri="{FF2B5EF4-FFF2-40B4-BE49-F238E27FC236}">
+                <a16:creationId xmlns:a16="http://schemas.microsoft.com/office/drawing/2014/main" id="{A83D15D3-915E-6387-000B-B0C10ED72A14}"/>
+              </a:ext>
+            </a:extLst>
+          </p:cNvPr>
+          <p:cNvSpPr txBox="1"/>
+          <p:nvPr/>
+        </p:nvSpPr>
+        <p:spPr>
+          <a:xfrm>
+            <a:off x="322868" y="107564"/>
+            <a:ext cx="6094428" cy="369332"/>
+          </a:xfrm>
+          <a:prstGeom prst="rect">
+            <a:avLst/>
+          </a:prstGeom>
+          <a:noFill/>
+        </p:spPr>
+        <p:txBody>
+          <a:bodyPr wrap="square">
+            <a:spAutoFit/>
+          </a:bodyPr>
+          <a:lstStyle/>
+          <a:p>
+            <a:r>
+              <a:rPr lang="en-US" sz="1800" dirty="0"/>
+              <a:t>Trapping in normal doppler resonance (g = -1)</a:t>
+            </a:r>
+            <a:endParaRPr lang="en-US" dirty="0"/>
+          </a:p>
+        </p:txBody>
+      </p:sp>
+      <p:grpSp>
+        <p:nvGrpSpPr>
+          <p:cNvPr id="13" name="Group 12">
+            <a:extLst>
+              <a:ext uri="{FF2B5EF4-FFF2-40B4-BE49-F238E27FC236}">
+                <a16:creationId xmlns:a16="http://schemas.microsoft.com/office/drawing/2014/main" id="{29195A3F-98C5-50D0-245E-6EED24A1F1CE}"/>
+              </a:ext>
+            </a:extLst>
+          </p:cNvPr>
+          <p:cNvGrpSpPr/>
+          <p:nvPr/>
+        </p:nvGrpSpPr>
+        <p:grpSpPr>
+          <a:xfrm>
+            <a:off x="704724" y="1694002"/>
+            <a:ext cx="3018875" cy="3106633"/>
+            <a:chOff x="1192404" y="1360627"/>
+            <a:chExt cx="3018875" cy="3106633"/>
+          </a:xfrm>
+        </p:grpSpPr>
+        <p:pic>
+          <p:nvPicPr>
+            <p:cNvPr id="4" name="Picture 3">
+              <a:extLst>
+                <a:ext uri="{FF2B5EF4-FFF2-40B4-BE49-F238E27FC236}">
+                  <a16:creationId xmlns:a16="http://schemas.microsoft.com/office/drawing/2014/main" id="{7D180345-15C3-0C8C-1E46-99D8CD8212D0}"/>
+                </a:ext>
+              </a:extLst>
+            </p:cNvPr>
+            <p:cNvPicPr>
+              <a:picLocks noChangeAspect="1"/>
+            </p:cNvPicPr>
+            <p:nvPr/>
+          </p:nvPicPr>
+          <p:blipFill>
+            <a:blip r:embed="rId2"/>
+            <a:stretch>
+              <a:fillRect/>
+            </a:stretch>
+          </p:blipFill>
+          <p:spPr>
+            <a:xfrm>
+              <a:off x="1192404" y="1360627"/>
+              <a:ext cx="3018875" cy="3106633"/>
+            </a:xfrm>
+            <a:prstGeom prst="rect">
+              <a:avLst/>
+            </a:prstGeom>
+          </p:spPr>
+        </p:pic>
+        <p:sp>
+          <p:nvSpPr>
+            <p:cNvPr id="5" name="Rectangle 4">
+              <a:extLst>
+                <a:ext uri="{FF2B5EF4-FFF2-40B4-BE49-F238E27FC236}">
+                  <a16:creationId xmlns:a16="http://schemas.microsoft.com/office/drawing/2014/main" id="{C795C48A-A1E6-192E-00B3-3E9FB3803EFC}"/>
+                </a:ext>
+              </a:extLst>
+            </p:cNvPr>
+            <p:cNvSpPr/>
+            <p:nvPr/>
+          </p:nvSpPr>
+          <p:spPr>
+            <a:xfrm>
+              <a:off x="3389260" y="2028825"/>
+              <a:ext cx="240384" cy="1590891"/>
+            </a:xfrm>
+            <a:prstGeom prst="rect">
+              <a:avLst/>
+            </a:prstGeom>
+            <a:solidFill>
+              <a:schemeClr val="bg1"/>
+            </a:solidFill>
+            <a:ln>
+              <a:noFill/>
+            </a:ln>
+          </p:spPr>
+          <p:style>
+            <a:lnRef idx="2">
+              <a:schemeClr val="accent1">
+                <a:shade val="15000"/>
+              </a:schemeClr>
+            </a:lnRef>
+            <a:fillRef idx="1">
+              <a:schemeClr val="accent1"/>
+            </a:fillRef>
+            <a:effectRef idx="0">
+              <a:schemeClr val="accent1"/>
+            </a:effectRef>
+            <a:fontRef idx="minor">
+              <a:schemeClr val="lt1"/>
+            </a:fontRef>
+          </p:style>
+          <p:txBody>
+            <a:bodyPr rtlCol="0" anchor="ctr"/>
+            <a:lstStyle/>
+            <a:p>
+              <a:pPr algn="ctr"/>
+              <a:endParaRPr lang="en-US"/>
+            </a:p>
+          </p:txBody>
+        </p:sp>
+        <p:cxnSp>
+          <p:nvCxnSpPr>
+            <p:cNvPr id="7" name="Straight Arrow Connector 6">
+              <a:extLst>
+                <a:ext uri="{FF2B5EF4-FFF2-40B4-BE49-F238E27FC236}">
+                  <a16:creationId xmlns:a16="http://schemas.microsoft.com/office/drawing/2014/main" id="{C84D1184-9819-B552-7420-C4625AA81A4D}"/>
+                </a:ext>
+              </a:extLst>
+            </p:cNvPr>
+            <p:cNvCxnSpPr>
+              <a:cxnSpLocks/>
+            </p:cNvCxnSpPr>
+            <p:nvPr/>
+          </p:nvCxnSpPr>
+          <p:spPr>
+            <a:xfrm flipV="1">
+              <a:off x="3509452" y="2028825"/>
+              <a:ext cx="0" cy="1514475"/>
+            </a:xfrm>
+            <a:prstGeom prst="straightConnector1">
+              <a:avLst/>
+            </a:prstGeom>
+            <a:ln>
+              <a:solidFill>
+                <a:srgbClr val="0070C0"/>
+              </a:solidFill>
+              <a:tailEnd type="triangle"/>
+            </a:ln>
+          </p:spPr>
+          <p:style>
+            <a:lnRef idx="2">
+              <a:schemeClr val="accent1"/>
+            </a:lnRef>
+            <a:fillRef idx="0">
+              <a:schemeClr val="accent1"/>
+            </a:fillRef>
+            <a:effectRef idx="1">
+              <a:schemeClr val="accent1"/>
+            </a:effectRef>
+            <a:fontRef idx="minor">
+              <a:schemeClr val="tx1"/>
+            </a:fontRef>
+          </p:style>
+        </p:cxnSp>
+        <mc:AlternateContent xmlns:mc="http://schemas.openxmlformats.org/markup-compatibility/2006">
+          <mc:Choice xmlns:a14="http://schemas.microsoft.com/office/drawing/2010/main" Requires="a14">
+            <p:sp>
+              <p:nvSpPr>
+                <p:cNvPr id="12" name="TextBox 11">
+                  <a:extLst>
+                    <a:ext uri="{FF2B5EF4-FFF2-40B4-BE49-F238E27FC236}">
+                      <a16:creationId xmlns:a16="http://schemas.microsoft.com/office/drawing/2014/main" id="{7A928216-7FA6-ADF9-A360-52191DE99548}"/>
+                    </a:ext>
+                  </a:extLst>
+                </p:cNvPr>
+                <p:cNvSpPr txBox="1"/>
+                <p:nvPr/>
+              </p:nvSpPr>
+              <p:spPr>
+                <a:xfrm>
+                  <a:off x="3620762" y="1659493"/>
+                  <a:ext cx="338496" cy="369332"/>
+                </a:xfrm>
+                <a:prstGeom prst="rect">
+                  <a:avLst/>
+                </a:prstGeom>
+                <a:noFill/>
+              </p:spPr>
+              <p:txBody>
+                <a:bodyPr wrap="square" rtlCol="0">
+                  <a:spAutoFit/>
+                </a:bodyPr>
+                <a:lstStyle/>
+                <a:p>
+                  <a14:m>
+                    <m:oMathPara xmlns:m="http://schemas.openxmlformats.org/officeDocument/2006/math">
+                      <m:oMathParaPr>
+                        <m:jc m:val="centerGroup"/>
+                      </m:oMathParaPr>
+                      <m:oMath xmlns:m="http://schemas.openxmlformats.org/officeDocument/2006/math">
+                        <m:r>
+                          <a:rPr lang="en-US" b="1" i="1" dirty="0" smtClean="0">
+                            <a:latin typeface="Cambria Math" panose="02040503050406030204" pitchFamily="18" charset="0"/>
+                          </a:rPr>
+                          <m:t>𝒌</m:t>
+                        </m:r>
+                      </m:oMath>
+                    </m:oMathPara>
+                  </a14:m>
+                  <a:endParaRPr lang="en-US" b="1" dirty="0"/>
+                </a:p>
+              </p:txBody>
+            </p:sp>
+          </mc:Choice>
+          <mc:Fallback>
+            <p:sp>
+              <p:nvSpPr>
+                <p:cNvPr id="12" name="TextBox 11">
+                  <a:extLst>
+                    <a:ext uri="{FF2B5EF4-FFF2-40B4-BE49-F238E27FC236}">
+                      <a16:creationId xmlns:a16="http://schemas.microsoft.com/office/drawing/2014/main" id="{7A928216-7FA6-ADF9-A360-52191DE99548}"/>
+                    </a:ext>
+                  </a:extLst>
+                </p:cNvPr>
+                <p:cNvSpPr txBox="1">
+                  <a:spLocks noRot="1" noChangeAspect="1" noMove="1" noResize="1" noEditPoints="1" noAdjustHandles="1" noChangeArrowheads="1" noChangeShapeType="1" noTextEdit="1"/>
+                </p:cNvSpPr>
+                <p:nvPr/>
+              </p:nvSpPr>
+              <p:spPr>
+                <a:xfrm>
+                  <a:off x="3620762" y="1659493"/>
+                  <a:ext cx="338496" cy="369332"/>
+                </a:xfrm>
+                <a:prstGeom prst="rect">
+                  <a:avLst/>
+                </a:prstGeom>
+                <a:blipFill>
+                  <a:blip r:embed="rId3"/>
+                  <a:stretch>
+                    <a:fillRect/>
+                  </a:stretch>
+                </a:blipFill>
+              </p:spPr>
+              <p:txBody>
+                <a:bodyPr/>
+                <a:lstStyle/>
+                <a:p>
+                  <a:r>
+                    <a:rPr lang="en-US">
+                      <a:noFill/>
+                    </a:rPr>
+                    <a:t> </a:t>
+                  </a:r>
+                </a:p>
+              </p:txBody>
+            </p:sp>
+          </mc:Fallback>
+        </mc:AlternateContent>
+      </p:grpSp>
+    </p:spTree>
+    <p:extLst>
+      <p:ext uri="{BB962C8B-B14F-4D97-AF65-F5344CB8AC3E}">
+        <p14:creationId xmlns:p14="http://schemas.microsoft.com/office/powerpoint/2010/main" val="4269222646"/>
+      </p:ext>
+    </p:extLst>
+  </p:cSld>
+  <p:clrMapOvr>
+    <a:masterClrMapping/>
+  </p:clrMapOvr>
+</p:sld>
+</file>
+
+<file path=ppt/slides/slide7.xml><?xml version="1.0" encoding="utf-8"?>
+<p:sld xmlns:a="http://schemas.openxmlformats.org/drawingml/2006/main" xmlns:r="http://schemas.openxmlformats.org/officeDocument/2006/relationships" xmlns:p="http://schemas.openxmlformats.org/presentationml/2006/main">
+  <p:cSld>
+    <p:spTree>
+      <p:nvGrpSpPr>
+        <p:cNvPr id="1" name=""/>
+        <p:cNvGrpSpPr/>
+        <p:nvPr/>
+      </p:nvGrpSpPr>
+      <p:grpSpPr>
+        <a:xfrm>
+          <a:off x="0" y="0"/>
+          <a:ext cx="0" cy="0"/>
+          <a:chOff x="0" y="0"/>
+          <a:chExt cx="0" cy="0"/>
+        </a:xfrm>
+      </p:grpSpPr>
+      <mc:AlternateContent xmlns:mc="http://schemas.openxmlformats.org/markup-compatibility/2006">
+        <mc:Choice xmlns:a14="http://schemas.microsoft.com/office/drawing/2010/main" Requires="a14">
+          <p:sp>
+            <p:nvSpPr>
+              <p:cNvPr id="3" name="TextBox 2">
+                <a:extLst>
+                  <a:ext uri="{FF2B5EF4-FFF2-40B4-BE49-F238E27FC236}">
+                    <a16:creationId xmlns:a16="http://schemas.microsoft.com/office/drawing/2014/main" id="{1576731A-C7D7-99FB-5967-651B79AB24B4}"/>
+                  </a:ext>
+                </a:extLst>
+              </p:cNvPr>
+              <p:cNvSpPr txBox="1"/>
+              <p:nvPr/>
+            </p:nvSpPr>
+            <p:spPr>
+              <a:xfrm>
+                <a:off x="1152524" y="1325029"/>
+                <a:ext cx="8048625" cy="724686"/>
+              </a:xfrm>
+              <a:prstGeom prst="rect">
+                <a:avLst/>
+              </a:prstGeom>
+              <a:noFill/>
+            </p:spPr>
+            <p:txBody>
+              <a:bodyPr wrap="square">
+                <a:spAutoFit/>
+              </a:bodyPr>
+              <a:lstStyle/>
+              <a:p>
+                <a:pPr/>
+                <a14:m>
+                  <m:oMathPara xmlns:m="http://schemas.openxmlformats.org/officeDocument/2006/math">
+                    <m:oMathParaPr>
+                      <m:jc m:val="centerGroup"/>
+                    </m:oMathParaPr>
+                    <m:oMath xmlns:m="http://schemas.openxmlformats.org/officeDocument/2006/math">
+                      <m:f>
+                        <m:fPr>
+                          <m:ctrlPr>
+                            <a:rPr lang="en-US" i="1" smtClean="0">
+                              <a:latin typeface="Cambria Math" panose="02040503050406030204" pitchFamily="18" charset="0"/>
+                            </a:rPr>
+                          </m:ctrlPr>
+                        </m:fPr>
+                        <m:num>
+                          <m:sSup>
+                            <m:sSupPr>
+                              <m:ctrlPr>
+                                <a:rPr lang="en-US" i="1">
+                                  <a:latin typeface="Cambria Math" panose="02040503050406030204" pitchFamily="18" charset="0"/>
+                                </a:rPr>
+                              </m:ctrlPr>
+                            </m:sSupPr>
+                            <m:e>
+                              <m:r>
+                                <a:rPr lang="en-US" i="1">
+                                  <a:latin typeface="Cambria Math" panose="02040503050406030204" pitchFamily="18" charset="0"/>
+                                </a:rPr>
+                                <m:t>𝑑</m:t>
+                              </m:r>
+                            </m:e>
+                            <m:sup>
+                              <m:r>
+                                <a:rPr lang="en-US" i="1">
+                                  <a:latin typeface="Cambria Math" panose="02040503050406030204" pitchFamily="18" charset="0"/>
+                                </a:rPr>
+                                <m:t>2</m:t>
+                              </m:r>
+                            </m:sup>
+                          </m:sSup>
+                          <m:sSub>
+                            <m:sSubPr>
+                              <m:ctrlPr>
+                                <a:rPr lang="en-US" i="1">
+                                  <a:latin typeface="Cambria Math" panose="02040503050406030204" pitchFamily="18" charset="0"/>
+                                </a:rPr>
+                              </m:ctrlPr>
+                            </m:sSubPr>
+                            <m:e>
+                              <m:r>
+                                <a:rPr lang="en-US" i="1">
+                                  <a:latin typeface="Cambria Math" panose="02040503050406030204" pitchFamily="18" charset="0"/>
+                                </a:rPr>
+                                <m:t>𝜉</m:t>
+                              </m:r>
+                            </m:e>
+                            <m:sub>
+                              <m:r>
+                                <a:rPr lang="en-US" i="1">
+                                  <a:latin typeface="Cambria Math" panose="02040503050406030204" pitchFamily="18" charset="0"/>
+                                </a:rPr>
+                                <m:t>𝑧</m:t>
+                              </m:r>
+                            </m:sub>
+                          </m:sSub>
+                        </m:num>
+                        <m:den>
+                          <m:r>
+                            <a:rPr lang="en-US" i="1">
+                              <a:latin typeface="Cambria Math" panose="02040503050406030204" pitchFamily="18" charset="0"/>
+                            </a:rPr>
+                            <m:t>𝑑</m:t>
+                          </m:r>
+                          <m:sSup>
+                            <m:sSupPr>
+                              <m:ctrlPr>
+                                <a:rPr lang="en-US" i="1">
+                                  <a:latin typeface="Cambria Math" panose="02040503050406030204" pitchFamily="18" charset="0"/>
+                                </a:rPr>
+                              </m:ctrlPr>
+                            </m:sSupPr>
+                            <m:e>
+                              <m:r>
+                                <a:rPr lang="en-US" i="1">
+                                  <a:latin typeface="Cambria Math" panose="02040503050406030204" pitchFamily="18" charset="0"/>
+                                </a:rPr>
+                                <m:t>𝜏</m:t>
+                              </m:r>
+                            </m:e>
+                            <m:sup>
+                              <m:r>
+                                <a:rPr lang="en-US" i="1">
+                                  <a:latin typeface="Cambria Math" panose="02040503050406030204" pitchFamily="18" charset="0"/>
+                                </a:rPr>
+                                <m:t>2</m:t>
+                              </m:r>
+                            </m:sup>
+                          </m:sSup>
+                        </m:den>
+                      </m:f>
+                      <m:r>
+                        <a:rPr lang="en-US" i="1">
+                          <a:latin typeface="Cambria Math" panose="02040503050406030204" pitchFamily="18" charset="0"/>
+                        </a:rPr>
+                        <m:t>=</m:t>
+                      </m:r>
+                      <m:d>
+                        <m:dPr>
+                          <m:ctrlPr>
+                            <a:rPr lang="en-US" i="1">
+                              <a:latin typeface="Cambria Math" panose="02040503050406030204" pitchFamily="18" charset="0"/>
+                            </a:rPr>
+                          </m:ctrlPr>
+                        </m:dPr>
+                        <m:e>
+                          <m:sSub>
+                            <m:sSubPr>
+                              <m:ctrlPr>
+                                <a:rPr lang="en-US" i="1">
+                                  <a:latin typeface="Cambria Math" panose="02040503050406030204" pitchFamily="18" charset="0"/>
+                                </a:rPr>
+                              </m:ctrlPr>
+                            </m:sSubPr>
+                            <m:e>
+                              <m:r>
+                                <a:rPr lang="en-US" i="1">
+                                  <a:latin typeface="Cambria Math" panose="02040503050406030204" pitchFamily="18" charset="0"/>
+                                </a:rPr>
+                                <m:t>𝜉</m:t>
+                              </m:r>
+                            </m:e>
+                            <m:sub>
+                              <m:r>
+                                <a:rPr lang="en-US" i="1">
+                                  <a:latin typeface="Cambria Math" panose="02040503050406030204" pitchFamily="18" charset="0"/>
+                                </a:rPr>
+                                <m:t>𝑧</m:t>
+                              </m:r>
+                            </m:sub>
+                          </m:sSub>
+                          <m:d>
+                            <m:dPr>
+                              <m:ctrlPr>
+                                <a:rPr lang="en-US" i="1">
+                                  <a:latin typeface="Cambria Math" panose="02040503050406030204" pitchFamily="18" charset="0"/>
+                                </a:rPr>
+                              </m:ctrlPr>
+                            </m:dPr>
+                            <m:e>
+                              <m:r>
+                                <a:rPr lang="en-US" i="1">
+                                  <a:latin typeface="Cambria Math" panose="02040503050406030204" pitchFamily="18" charset="0"/>
+                                </a:rPr>
+                                <m:t>−</m:t>
+                              </m:r>
+                              <m:f>
+                                <m:fPr>
+                                  <m:ctrlPr>
+                                    <a:rPr lang="en-US" i="1">
+                                      <a:latin typeface="Cambria Math" panose="02040503050406030204" pitchFamily="18" charset="0"/>
+                                    </a:rPr>
+                                  </m:ctrlPr>
+                                </m:fPr>
+                                <m:num>
+                                  <m:sSubSup>
+                                    <m:sSubSupPr>
+                                      <m:ctrlPr>
+                                        <a:rPr lang="en-US" i="1">
+                                          <a:latin typeface="Cambria Math" panose="02040503050406030204" pitchFamily="18" charset="0"/>
+                                        </a:rPr>
+                                      </m:ctrlPr>
+                                    </m:sSubSupPr>
+                                    <m:e>
+                                      <m:r>
+                                        <a:rPr lang="en-US" i="1">
+                                          <a:latin typeface="Cambria Math" panose="02040503050406030204" pitchFamily="18" charset="0"/>
+                                        </a:rPr>
+                                        <m:t>𝜉</m:t>
+                                      </m:r>
+                                    </m:e>
+                                    <m:sub>
+                                      <m:r>
+                                        <a:rPr lang="en-US" i="1">
+                                          <a:latin typeface="Cambria Math" panose="02040503050406030204" pitchFamily="18" charset="0"/>
+                                        </a:rPr>
+                                        <m:t>𝑧</m:t>
+                                      </m:r>
+                                    </m:sub>
+                                    <m:sup>
+                                      <m:r>
+                                        <a:rPr lang="en-US" i="1">
+                                          <a:latin typeface="Cambria Math" panose="02040503050406030204" pitchFamily="18" charset="0"/>
+                                        </a:rPr>
+                                        <m:t>2</m:t>
+                                      </m:r>
+                                    </m:sup>
+                                  </m:sSubSup>
+                                  <m:r>
+                                    <a:rPr lang="en-US" i="1">
+                                      <a:latin typeface="Cambria Math" panose="02040503050406030204" pitchFamily="18" charset="0"/>
+                                    </a:rPr>
+                                    <m:t>−</m:t>
+                                  </m:r>
+                                  <m:sSubSup>
+                                    <m:sSubSupPr>
+                                      <m:ctrlPr>
+                                        <a:rPr lang="en-US" i="1">
+                                          <a:latin typeface="Cambria Math" panose="02040503050406030204" pitchFamily="18" charset="0"/>
+                                        </a:rPr>
+                                      </m:ctrlPr>
+                                    </m:sSubSupPr>
+                                    <m:e>
+                                      <m:r>
+                                        <a:rPr lang="en-US" i="1">
+                                          <a:latin typeface="Cambria Math" panose="02040503050406030204" pitchFamily="18" charset="0"/>
+                                        </a:rPr>
+                                        <m:t>𝜉</m:t>
+                                      </m:r>
+                                    </m:e>
+                                    <m:sub>
+                                      <m:r>
+                                        <a:rPr lang="en-US" i="1">
+                                          <a:latin typeface="Cambria Math" panose="02040503050406030204" pitchFamily="18" charset="0"/>
+                                        </a:rPr>
+                                        <m:t>𝑧</m:t>
+                                      </m:r>
+                                      <m:r>
+                                        <a:rPr lang="en-US" i="1">
+                                          <a:latin typeface="Cambria Math" panose="02040503050406030204" pitchFamily="18" charset="0"/>
+                                        </a:rPr>
+                                        <m:t>0</m:t>
+                                      </m:r>
+                                    </m:sub>
+                                    <m:sup>
+                                      <m:r>
+                                        <a:rPr lang="en-US" i="1">
+                                          <a:latin typeface="Cambria Math" panose="02040503050406030204" pitchFamily="18" charset="0"/>
+                                        </a:rPr>
+                                        <m:t>2</m:t>
+                                      </m:r>
+                                    </m:sup>
+                                  </m:sSubSup>
+                                </m:num>
+                                <m:den>
+                                  <m:r>
+                                    <a:rPr lang="en-US" i="1">
+                                      <a:latin typeface="Cambria Math" panose="02040503050406030204" pitchFamily="18" charset="0"/>
+                                    </a:rPr>
+                                    <m:t>2</m:t>
+                                  </m:r>
+                                </m:den>
+                              </m:f>
+                              <m:r>
+                                <a:rPr lang="en-US" i="1">
+                                  <a:latin typeface="Cambria Math" panose="02040503050406030204" pitchFamily="18" charset="0"/>
+                                </a:rPr>
+                                <m:t>+</m:t>
+                              </m:r>
+                              <m:f>
+                                <m:fPr>
+                                  <m:ctrlPr>
+                                    <a:rPr lang="en-US" i="1">
+                                      <a:latin typeface="Cambria Math" panose="02040503050406030204" pitchFamily="18" charset="0"/>
+                                    </a:rPr>
+                                  </m:ctrlPr>
+                                </m:fPr>
+                                <m:num>
+                                  <m:sSub>
+                                    <m:sSubPr>
+                                      <m:ctrlPr>
+                                        <a:rPr lang="en-US" i="1">
+                                          <a:latin typeface="Cambria Math" panose="02040503050406030204" pitchFamily="18" charset="0"/>
+                                        </a:rPr>
+                                      </m:ctrlPr>
+                                    </m:sSubPr>
+                                    <m:e>
+                                      <m:r>
+                                        <a:rPr lang="en-US">
+                                          <a:latin typeface="Cambria Math" panose="02040503050406030204" pitchFamily="18" charset="0"/>
+                                        </a:rPr>
+                                        <m:t> </m:t>
+                                      </m:r>
+                                      <m:r>
+                                        <m:rPr>
+                                          <m:sty m:val="p"/>
+                                        </m:rPr>
+                                        <a:rPr lang="en-US">
+                                          <a:latin typeface="Cambria Math" panose="02040503050406030204" pitchFamily="18" charset="0"/>
+                                        </a:rPr>
+                                        <m:t>ς</m:t>
+                                      </m:r>
+                                      <m:r>
+                                        <a:rPr lang="en-US" i="1">
+                                          <a:latin typeface="Cambria Math" panose="02040503050406030204" pitchFamily="18" charset="0"/>
+                                        </a:rPr>
+                                        <m:t>𝐸</m:t>
+                                      </m:r>
+                                    </m:e>
+                                    <m:sub>
+                                      <m:r>
+                                        <a:rPr lang="en-US" i="1">
+                                          <a:latin typeface="Cambria Math" panose="02040503050406030204" pitchFamily="18" charset="0"/>
+                                        </a:rPr>
+                                        <m:t>0</m:t>
+                                      </m:r>
+                                    </m:sub>
+                                  </m:sSub>
+                                </m:num>
+                                <m:den>
+                                  <m:r>
+                                    <a:rPr lang="en-US" i="1">
+                                      <a:latin typeface="Cambria Math" panose="02040503050406030204" pitchFamily="18" charset="0"/>
+                                    </a:rPr>
+                                    <m:t>𝑐</m:t>
+                                  </m:r>
+                                  <m:sSub>
+                                    <m:sSubPr>
+                                      <m:ctrlPr>
+                                        <a:rPr lang="en-US" i="1">
+                                          <a:latin typeface="Cambria Math" panose="02040503050406030204" pitchFamily="18" charset="0"/>
+                                        </a:rPr>
+                                      </m:ctrlPr>
+                                    </m:sSubPr>
+                                    <m:e>
+                                      <m:r>
+                                        <a:rPr lang="en-US" i="1">
+                                          <a:latin typeface="Cambria Math" panose="02040503050406030204" pitchFamily="18" charset="0"/>
+                                        </a:rPr>
+                                        <m:t>𝐵</m:t>
+                                      </m:r>
+                                    </m:e>
+                                    <m:sub>
+                                      <m:r>
+                                        <a:rPr lang="en-US" i="1">
+                                          <a:latin typeface="Cambria Math" panose="02040503050406030204" pitchFamily="18" charset="0"/>
+                                        </a:rPr>
+                                        <m:t>0</m:t>
+                                      </m:r>
+                                    </m:sub>
+                                  </m:sSub>
+                                </m:den>
+                              </m:f>
+                              <m:r>
+                                <a:rPr lang="en-US" i="1">
+                                  <a:latin typeface="Cambria Math" panose="02040503050406030204" pitchFamily="18" charset="0"/>
+                                </a:rPr>
+                                <m:t>∫</m:t>
+                              </m:r>
+                              <m:sSub>
+                                <m:sSubPr>
+                                  <m:ctrlPr>
+                                    <a:rPr lang="en-US" i="1">
+                                      <a:latin typeface="Cambria Math" panose="02040503050406030204" pitchFamily="18" charset="0"/>
+                                    </a:rPr>
+                                  </m:ctrlPr>
+                                </m:sSubPr>
+                                <m:e>
+                                  <m:r>
+                                    <m:rPr>
+                                      <m:sty m:val="p"/>
+                                    </m:rPr>
+                                    <a:rPr lang="en-US">
+                                      <a:latin typeface="Cambria Math" panose="02040503050406030204" pitchFamily="18" charset="0"/>
+                                    </a:rPr>
+                                    <m:t>ξ</m:t>
+                                  </m:r>
+                                </m:e>
+                                <m:sub>
+                                  <m:r>
+                                    <m:rPr>
+                                      <m:sty m:val="p"/>
+                                    </m:rPr>
+                                    <a:rPr lang="en-US">
+                                      <a:latin typeface="Cambria Math" panose="02040503050406030204" pitchFamily="18" charset="0"/>
+                                    </a:rPr>
+                                    <m:t>z</m:t>
+                                  </m:r>
+                                </m:sub>
+                              </m:sSub>
+                              <m:r>
+                                <a:rPr lang="en-US" i="1">
+                                  <a:latin typeface="Cambria Math" panose="02040503050406030204" pitchFamily="18" charset="0"/>
+                                </a:rPr>
+                                <m:t>𝑑</m:t>
+                              </m:r>
+                              <m:r>
+                                <a:rPr lang="en-US" i="1">
+                                  <a:latin typeface="Cambria Math" panose="02040503050406030204" pitchFamily="18" charset="0"/>
+                                </a:rPr>
+                                <m:t>𝜏</m:t>
+                              </m:r>
+                              <m:r>
+                                <a:rPr lang="en-US">
+                                  <a:latin typeface="Cambria Math" panose="02040503050406030204" pitchFamily="18" charset="0"/>
+                                </a:rPr>
+                                <m:t>+</m:t>
+                              </m:r>
+                              <m:r>
+                                <a:rPr lang="en-US" i="1">
+                                  <a:latin typeface="Cambria Math" panose="02040503050406030204" pitchFamily="18" charset="0"/>
+                                </a:rPr>
+                                <m:t>𝛼</m:t>
+                              </m:r>
+                              <m:sSub>
+                                <m:sSubPr>
+                                  <m:ctrlPr>
+                                    <a:rPr lang="en-US" i="1">
+                                      <a:latin typeface="Cambria Math" panose="02040503050406030204" pitchFamily="18" charset="0"/>
+                                    </a:rPr>
+                                  </m:ctrlPr>
+                                </m:sSubPr>
+                                <m:e>
+                                  <m:r>
+                                    <a:rPr lang="en-US" i="1">
+                                      <a:latin typeface="Cambria Math" panose="02040503050406030204" pitchFamily="18" charset="0"/>
+                                    </a:rPr>
+                                    <m:t>𝛾</m:t>
+                                  </m:r>
+                                </m:e>
+                                <m:sub>
+                                  <m:r>
+                                    <a:rPr lang="en-US" i="1">
+                                      <a:latin typeface="Cambria Math" panose="02040503050406030204" pitchFamily="18" charset="0"/>
+                                    </a:rPr>
+                                    <m:t>0</m:t>
+                                  </m:r>
+                                </m:sub>
+                              </m:sSub>
+                              <m:sSup>
+                                <m:sSupPr>
+                                  <m:ctrlPr>
+                                    <a:rPr lang="en-US" i="1">
+                                      <a:latin typeface="Cambria Math" panose="02040503050406030204" pitchFamily="18" charset="0"/>
+                                    </a:rPr>
+                                  </m:ctrlPr>
+                                </m:sSupPr>
+                                <m:e>
+                                  <m:r>
+                                    <a:rPr lang="en-US" i="1">
+                                      <a:latin typeface="Cambria Math" panose="02040503050406030204" pitchFamily="18" charset="0"/>
+                                    </a:rPr>
+                                    <m:t>𝜅</m:t>
+                                  </m:r>
+                                </m:e>
+                                <m:sup>
+                                  <m:r>
+                                    <a:rPr lang="en-US" i="1">
+                                      <a:latin typeface="Cambria Math" panose="02040503050406030204" pitchFamily="18" charset="0"/>
+                                    </a:rPr>
+                                    <m:t>′</m:t>
+                                  </m:r>
+                                </m:sup>
+                              </m:sSup>
+                              <m:sSub>
+                                <m:sSubPr>
+                                  <m:ctrlPr>
+                                    <a:rPr lang="en-US" i="1">
+                                      <a:latin typeface="Cambria Math" panose="02040503050406030204" pitchFamily="18" charset="0"/>
+                                    </a:rPr>
+                                  </m:ctrlPr>
+                                </m:sSubPr>
+                                <m:e>
+                                  <m:r>
+                                    <a:rPr lang="en-US" i="1">
+                                      <a:latin typeface="Cambria Math" panose="02040503050406030204" pitchFamily="18" charset="0"/>
+                                    </a:rPr>
+                                    <m:t>𝛽</m:t>
+                                  </m:r>
+                                </m:e>
+                                <m:sub>
+                                  <m:r>
+                                    <a:rPr lang="en-US" i="1">
+                                      <a:latin typeface="Cambria Math" panose="02040503050406030204" pitchFamily="18" charset="0"/>
+                                    </a:rPr>
+                                    <m:t>⊥0</m:t>
+                                  </m:r>
+                                </m:sub>
+                              </m:sSub>
+                              <m:func>
+                                <m:funcPr>
+                                  <m:ctrlPr>
+                                    <a:rPr lang="en-US" i="1">
+                                      <a:latin typeface="Cambria Math" panose="02040503050406030204" pitchFamily="18" charset="0"/>
+                                    </a:rPr>
+                                  </m:ctrlPr>
+                                </m:funcPr>
+                                <m:fName>
+                                  <m:r>
+                                    <m:rPr>
+                                      <m:sty m:val="p"/>
+                                    </m:rPr>
+                                    <a:rPr lang="en-US">
+                                      <a:latin typeface="Cambria Math" panose="02040503050406030204" pitchFamily="18" charset="0"/>
+                                    </a:rPr>
+                                    <m:t>sin</m:t>
+                                  </m:r>
+                                </m:fName>
+                                <m:e>
+                                  <m:sSub>
+                                    <m:sSubPr>
+                                      <m:ctrlPr>
+                                        <a:rPr lang="en-US" i="1">
+                                          <a:latin typeface="Cambria Math" panose="02040503050406030204" pitchFamily="18" charset="0"/>
+                                        </a:rPr>
+                                      </m:ctrlPr>
+                                    </m:sSubPr>
+                                    <m:e>
+                                      <m:r>
+                                        <a:rPr lang="en-US" i="1">
+                                          <a:latin typeface="Cambria Math" panose="02040503050406030204" pitchFamily="18" charset="0"/>
+                                        </a:rPr>
+                                        <m:t>𝜙</m:t>
+                                      </m:r>
+                                    </m:e>
+                                    <m:sub>
+                                      <m:r>
+                                        <a:rPr lang="en-US" i="1">
+                                          <a:latin typeface="Cambria Math" panose="02040503050406030204" pitchFamily="18" charset="0"/>
+                                        </a:rPr>
+                                        <m:t>0</m:t>
+                                      </m:r>
+                                    </m:sub>
+                                  </m:sSub>
+                                </m:e>
+                              </m:func>
+                            </m:e>
+                          </m:d>
+                          <m:r>
+                            <a:rPr lang="en-US" i="1">
+                              <a:latin typeface="Cambria Math" panose="02040503050406030204" pitchFamily="18" charset="0"/>
+                            </a:rPr>
+                            <m:t>−</m:t>
+                          </m:r>
+                          <m:d>
+                            <m:dPr>
+                              <m:ctrlPr>
+                                <a:rPr lang="en-US" i="1">
+                                  <a:latin typeface="Cambria Math" panose="02040503050406030204" pitchFamily="18" charset="0"/>
+                                </a:rPr>
+                              </m:ctrlPr>
+                            </m:dPr>
+                            <m:e>
+                              <m:sSub>
+                                <m:sSubPr>
+                                  <m:ctrlPr>
+                                    <a:rPr lang="en-US" i="1">
+                                      <a:latin typeface="Cambria Math" panose="02040503050406030204" pitchFamily="18" charset="0"/>
+                                    </a:rPr>
+                                  </m:ctrlPr>
+                                </m:sSubPr>
+                                <m:e>
+                                  <m:r>
+                                    <a:rPr lang="en-US" i="1">
+                                      <a:latin typeface="Cambria Math" panose="02040503050406030204" pitchFamily="18" charset="0"/>
+                                    </a:rPr>
+                                    <m:t>𝜉</m:t>
+                                  </m:r>
+                                </m:e>
+                                <m:sub>
+                                  <m:r>
+                                    <a:rPr lang="en-US" i="1">
+                                      <a:latin typeface="Cambria Math" panose="02040503050406030204" pitchFamily="18" charset="0"/>
+                                    </a:rPr>
+                                    <m:t>𝑧</m:t>
+                                  </m:r>
+                                </m:sub>
+                              </m:sSub>
+                              <m:r>
+                                <a:rPr lang="en-US" i="1">
+                                  <a:latin typeface="Cambria Math" panose="02040503050406030204" pitchFamily="18" charset="0"/>
+                                </a:rPr>
+                                <m:t>−1</m:t>
+                              </m:r>
+                            </m:e>
+                          </m:d>
+                          <m:sSup>
+                            <m:sSupPr>
+                              <m:ctrlPr>
+                                <a:rPr lang="en-US" i="1">
+                                  <a:latin typeface="Cambria Math" panose="02040503050406030204" pitchFamily="18" charset="0"/>
+                                </a:rPr>
+                              </m:ctrlPr>
+                            </m:sSupPr>
+                            <m:e>
+                              <m:r>
+                                <a:rPr lang="en-US" i="1">
+                                  <a:latin typeface="Cambria Math" panose="02040503050406030204" pitchFamily="18" charset="0"/>
+                                </a:rPr>
+                                <m:t>𝜅</m:t>
+                              </m:r>
+                            </m:e>
+                            <m:sup>
+                              <m:r>
+                                <a:rPr lang="en-US" i="1">
+                                  <a:latin typeface="Cambria Math" panose="02040503050406030204" pitchFamily="18" charset="0"/>
+                                </a:rPr>
+                                <m:t>′2</m:t>
+                              </m:r>
+                            </m:sup>
+                          </m:sSup>
+                        </m:e>
+                      </m:d>
+                    </m:oMath>
+                  </m:oMathPara>
+                </a14:m>
+                <a:endParaRPr lang="en-US" dirty="0"/>
+              </a:p>
+            </p:txBody>
+          </p:sp>
+        </mc:Choice>
+        <mc:Fallback>
+          <p:sp>
+            <p:nvSpPr>
+              <p:cNvPr id="3" name="TextBox 2">
+                <a:extLst>
+                  <a:ext uri="{FF2B5EF4-FFF2-40B4-BE49-F238E27FC236}">
+                    <a16:creationId xmlns:a16="http://schemas.microsoft.com/office/drawing/2014/main" id="{1576731A-C7D7-99FB-5967-651B79AB24B4}"/>
+                  </a:ext>
+                </a:extLst>
+              </p:cNvPr>
+              <p:cNvSpPr txBox="1">
+                <a:spLocks noRot="1" noChangeAspect="1" noMove="1" noResize="1" noEditPoints="1" noAdjustHandles="1" noChangeArrowheads="1" noChangeShapeType="1" noTextEdit="1"/>
+              </p:cNvSpPr>
+              <p:nvPr/>
+            </p:nvSpPr>
+            <p:spPr>
+              <a:xfrm>
+                <a:off x="1152524" y="1325029"/>
+                <a:ext cx="8048625" cy="724686"/>
+              </a:xfrm>
+              <a:prstGeom prst="rect">
+                <a:avLst/>
+              </a:prstGeom>
+              <a:blipFill>
+                <a:blip r:embed="rId2"/>
+                <a:stretch>
+                  <a:fillRect/>
+                </a:stretch>
+              </a:blipFill>
+            </p:spPr>
+            <p:txBody>
+              <a:bodyPr/>
+              <a:lstStyle/>
+              <a:p>
+                <a:r>
+                  <a:rPr lang="en-US">
+                    <a:noFill/>
+                  </a:rPr>
+                  <a:t> </a:t>
+                </a:r>
+              </a:p>
+            </p:txBody>
+          </p:sp>
+        </mc:Fallback>
+      </mc:AlternateContent>
+    </p:spTree>
+    <p:extLst>
+      <p:ext uri="{BB962C8B-B14F-4D97-AF65-F5344CB8AC3E}">
+        <p14:creationId xmlns:p14="http://schemas.microsoft.com/office/powerpoint/2010/main" val="4155077448"/>
+      </p:ext>
+    </p:extLst>
+  </p:cSld>
+  <p:clrMapOvr>
+    <a:masterClrMapping/>
+  </p:clrMapOvr>
+</p:sld>
+</file>
+
+<file path=ppt/slides/slide8.xml><?xml version="1.0" encoding="utf-8"?>
 <p:sld xmlns:a="http://schemas.openxmlformats.org/drawingml/2006/main" xmlns:r="http://schemas.openxmlformats.org/officeDocument/2006/relationships" xmlns:p="http://schemas.openxmlformats.org/presentationml/2006/main">
   <p:cSld>
     <p:spTree>

--- a/paper modification/papers/Trapping analysis of a magnetic electron.pptx
+++ b/paper modification/papers/Trapping analysis of a magnetic electron.pptx
@@ -12,7 +12,8 @@
     <p:sldId id="261" r:id="rId6"/>
     <p:sldId id="262" r:id="rId7"/>
     <p:sldId id="263" r:id="rId8"/>
-    <p:sldId id="260" r:id="rId9"/>
+    <p:sldId id="264" r:id="rId9"/>
+    <p:sldId id="260" r:id="rId10"/>
   </p:sldIdLst>
   <p:sldSz cx="12192000" cy="6858000"/>
   <p:notesSz cx="6858000" cy="9144000"/>
@@ -3610,8 +3611,8 @@
           </a:p>
         </p:txBody>
       </p:sp>
-      <mc:AlternateContent xmlns:mc="http://schemas.openxmlformats.org/markup-compatibility/2006">
-        <mc:Choice xmlns:a14="http://schemas.microsoft.com/office/drawing/2010/main" Requires="a14">
+      <mc:AlternateContent xmlns:mc="http://schemas.openxmlformats.org/markup-compatibility/2006" xmlns:a14="http://schemas.microsoft.com/office/drawing/2010/main">
+        <mc:Choice Requires="a14">
           <p:sp>
             <p:nvSpPr>
               <p:cNvPr id="3" name="Content Placeholder 2">
@@ -4377,24 +4378,32 @@
                         <m:accPr>
                           <m:chr m:val="̃"/>
                           <m:ctrlPr>
-                            <a:rPr lang="en-US" b="1" i="1"/>
+                            <a:rPr lang="en-US" b="1" i="1">
+                              <a:latin typeface="Cambria Math" panose="02040503050406030204" pitchFamily="18" charset="0"/>
+                            </a:rPr>
                           </m:ctrlPr>
                         </m:accPr>
                         <m:e>
                           <m:r>
-                            <a:rPr lang="en-US" b="1" i="1"/>
+                            <a:rPr lang="en-US" b="1" i="1">
+                              <a:latin typeface="Cambria Math" panose="02040503050406030204" pitchFamily="18" charset="0"/>
+                            </a:rPr>
                             <m:t>𝐄</m:t>
                           </m:r>
                         </m:e>
                       </m:acc>
                       <m:r>
-                        <a:rPr lang="en-US"/>
+                        <a:rPr lang="en-US">
+                          <a:latin typeface="Cambria Math" panose="02040503050406030204" pitchFamily="18" charset="0"/>
+                        </a:rPr>
                         <m:t>= </m:t>
                       </m:r>
                       <m:sSub>
                         <m:sSubPr>
                           <m:ctrlPr>
-                            <a:rPr lang="en-US" i="1"/>
+                            <a:rPr lang="en-US" i="1">
+                              <a:latin typeface="Cambria Math" panose="02040503050406030204" pitchFamily="18" charset="0"/>
+                            </a:rPr>
                           </m:ctrlPr>
                         </m:sSubPr>
                         <m:e>
@@ -4402,7 +4411,9 @@
                             <m:rPr>
                               <m:sty m:val="p"/>
                             </m:rPr>
-                            <a:rPr lang="en-US"/>
+                            <a:rPr lang="en-US">
+                              <a:latin typeface="Cambria Math" panose="02040503050406030204" pitchFamily="18" charset="0"/>
+                            </a:rPr>
                             <m:t>E</m:t>
                           </m:r>
                         </m:e>
@@ -4411,13 +4422,17 @@
                             <m:rPr>
                               <m:sty m:val="p"/>
                             </m:rPr>
-                            <a:rPr lang="en-US"/>
+                            <a:rPr lang="en-US">
+                              <a:latin typeface="Cambria Math" panose="02040503050406030204" pitchFamily="18" charset="0"/>
+                            </a:rPr>
                             <m:t>w</m:t>
                           </m:r>
                         </m:sub>
                       </m:sSub>
                       <m:r>
-                        <a:rPr lang="en-US"/>
+                        <a:rPr lang="en-US">
+                          <a:latin typeface="Cambria Math" panose="02040503050406030204" pitchFamily="18" charset="0"/>
+                        </a:rPr>
                         <m:t> </m:t>
                       </m:r>
                       <m:d>
@@ -4425,7 +4440,9 @@
                           <m:begChr m:val="["/>
                           <m:endChr m:val="]"/>
                           <m:ctrlPr>
-                            <a:rPr lang="en-US" i="1"/>
+                            <a:rPr lang="en-US" i="1">
+                              <a:latin typeface="Cambria Math" panose="02040503050406030204" pitchFamily="18" charset="0"/>
+                            </a:rPr>
                           </m:ctrlPr>
                         </m:dPr>
                         <m:e>
@@ -4433,7 +4450,9 @@
                             <m:accPr>
                               <m:chr m:val="̂"/>
                               <m:ctrlPr>
-                                <a:rPr lang="en-US" i="1"/>
+                                <a:rPr lang="en-US" i="1">
+                                  <a:latin typeface="Cambria Math" panose="02040503050406030204" pitchFamily="18" charset="0"/>
+                                </a:rPr>
                               </m:ctrlPr>
                             </m:accPr>
                             <m:e>
@@ -4441,7 +4460,9 @@
                                 <m:rPr>
                                   <m:sty m:val="p"/>
                                 </m:rPr>
-                                <a:rPr lang="en-US"/>
+                                <a:rPr lang="en-US">
+                                  <a:latin typeface="Cambria Math" panose="02040503050406030204" pitchFamily="18" charset="0"/>
+                                </a:rPr>
                                 <m:t>x</m:t>
                               </m:r>
                             </m:e>
@@ -4450,13 +4471,17 @@
                             <m:rPr>
                               <m:sty m:val="p"/>
                             </m:rPr>
-                            <a:rPr lang="en-US"/>
+                            <a:rPr lang="en-US">
+                              <a:latin typeface="Cambria Math" panose="02040503050406030204" pitchFamily="18" charset="0"/>
+                            </a:rPr>
                             <m:t>cos</m:t>
                           </m:r>
                           <m:d>
                             <m:dPr>
                               <m:ctrlPr>
-                                <a:rPr lang="en-US" i="1"/>
+                                <a:rPr lang="en-US" i="1">
+                                  <a:latin typeface="Cambria Math" panose="02040503050406030204" pitchFamily="18" charset="0"/>
+                                </a:rPr>
                               </m:ctrlPr>
                             </m:dPr>
                             <m:e>
@@ -4464,55 +4489,74 @@
                                 <m:rPr>
                                   <m:sty m:val="p"/>
                                 </m:rPr>
-                                <a:rPr lang="en-US"/>
+                                <a:rPr lang="en-US">
+                                  <a:latin typeface="Cambria Math" panose="02040503050406030204" pitchFamily="18" charset="0"/>
+                                </a:rPr>
                                 <m:t>kz</m:t>
                               </m:r>
                               <m:r>
-                                <a:rPr lang="en-US"/>
+                                <a:rPr lang="en-US">
+                                  <a:latin typeface="Cambria Math" panose="02040503050406030204" pitchFamily="18" charset="0"/>
+                                </a:rPr>
                                 <m:t> </m:t>
                               </m:r>
                               <m:r>
-                                <a:rPr lang="en-US" i="1"/>
+                                <a:rPr lang="en-US" i="1">
+                                  <a:latin typeface="Cambria Math" panose="02040503050406030204" pitchFamily="18" charset="0"/>
+                                </a:rPr>
                                 <m:t>−</m:t>
                               </m:r>
                               <m:r>
-                                <a:rPr lang="en-US"/>
+                                <a:rPr lang="en-US">
+                                  <a:latin typeface="Cambria Math" panose="02040503050406030204" pitchFamily="18" charset="0"/>
+                                </a:rPr>
                                 <m:t> </m:t>
                               </m:r>
                               <m:r>
                                 <m:rPr>
                                   <m:sty m:val="p"/>
                                 </m:rPr>
-                                <a:rPr lang="en-US"/>
+                                <a:rPr lang="en-US">
+                                  <a:latin typeface="Cambria Math" panose="02040503050406030204" pitchFamily="18" charset="0"/>
+                                </a:rPr>
                                 <m:t>ωt</m:t>
                               </m:r>
                             </m:e>
                           </m:d>
                           <m:r>
-                            <a:rPr lang="en-US"/>
+                            <a:rPr lang="en-US">
+                              <a:latin typeface="Cambria Math" panose="02040503050406030204" pitchFamily="18" charset="0"/>
+                            </a:rPr>
                             <m:t>+</m:t>
                           </m:r>
                           <m:r>
                             <a:rPr lang="en-US" i="1">
+                              <a:latin typeface="Cambria Math" panose="02040503050406030204" pitchFamily="18" charset="0"/>
                               <a:hlinkClick r:id="" action="ppaction://noaction"/>
                             </a:rPr>
                             <m:t>𝑔</m:t>
                           </m:r>
                           <m:r>
-                            <a:rPr lang="en-US"/>
+                            <a:rPr lang="en-US">
+                              <a:latin typeface="Cambria Math" panose="02040503050406030204" pitchFamily="18" charset="0"/>
+                            </a:rPr>
                             <m:t> ŷ </m:t>
                           </m:r>
                           <m:r>
                             <m:rPr>
                               <m:sty m:val="p"/>
                             </m:rPr>
-                            <a:rPr lang="en-US"/>
+                            <a:rPr lang="en-US">
+                              <a:latin typeface="Cambria Math" panose="02040503050406030204" pitchFamily="18" charset="0"/>
+                            </a:rPr>
                             <m:t>sin</m:t>
                           </m:r>
                           <m:d>
                             <m:dPr>
                               <m:ctrlPr>
-                                <a:rPr lang="en-US" i="1"/>
+                                <a:rPr lang="en-US" i="1">
+                                  <a:latin typeface="Cambria Math" panose="02040503050406030204" pitchFamily="18" charset="0"/>
+                                </a:rPr>
                               </m:ctrlPr>
                             </m:dPr>
                             <m:e>
@@ -4520,26 +4564,36 @@
                                 <m:rPr>
                                   <m:sty m:val="p"/>
                                 </m:rPr>
-                                <a:rPr lang="en-US"/>
+                                <a:rPr lang="en-US">
+                                  <a:latin typeface="Cambria Math" panose="02040503050406030204" pitchFamily="18" charset="0"/>
+                                </a:rPr>
                                 <m:t>kz</m:t>
                               </m:r>
                               <m:r>
-                                <a:rPr lang="en-US"/>
+                                <a:rPr lang="en-US">
+                                  <a:latin typeface="Cambria Math" panose="02040503050406030204" pitchFamily="18" charset="0"/>
+                                </a:rPr>
                                 <m:t> </m:t>
                               </m:r>
                               <m:r>
-                                <a:rPr lang="en-US" i="1"/>
+                                <a:rPr lang="en-US" i="1">
+                                  <a:latin typeface="Cambria Math" panose="02040503050406030204" pitchFamily="18" charset="0"/>
+                                </a:rPr>
                                 <m:t>−</m:t>
                               </m:r>
                               <m:r>
-                                <a:rPr lang="en-US"/>
+                                <a:rPr lang="en-US">
+                                  <a:latin typeface="Cambria Math" panose="02040503050406030204" pitchFamily="18" charset="0"/>
+                                </a:rPr>
                                 <m:t> </m:t>
                               </m:r>
                               <m:r>
                                 <m:rPr>
                                   <m:sty m:val="p"/>
                                 </m:rPr>
-                                <a:rPr lang="en-US"/>
+                                <a:rPr lang="en-US">
+                                  <a:latin typeface="Cambria Math" panose="02040503050406030204" pitchFamily="18" charset="0"/>
+                                </a:rPr>
                                 <m:t>ωt</m:t>
                               </m:r>
                             </m:e>
@@ -6456,7 +6510,7 @@
             </p:txBody>
           </p:sp>
         </mc:Choice>
-        <mc:Fallback>
+        <mc:Fallback xmlns="">
           <p:sp>
             <p:nvSpPr>
               <p:cNvPr id="3" name="Content Placeholder 2">
@@ -6608,8 +6662,8 @@
           </a:p>
         </p:txBody>
       </p:sp>
-      <mc:AlternateContent xmlns:mc="http://schemas.openxmlformats.org/markup-compatibility/2006">
-        <mc:Choice xmlns:a14="http://schemas.microsoft.com/office/drawing/2010/main" Requires="a14">
+      <mc:AlternateContent xmlns:mc="http://schemas.openxmlformats.org/markup-compatibility/2006" xmlns:a14="http://schemas.microsoft.com/office/drawing/2010/main">
+        <mc:Choice Requires="a14">
           <p:sp>
             <p:nvSpPr>
               <p:cNvPr id="8" name="TextBox 7">
@@ -6832,7 +6886,7 @@
             </p:txBody>
           </p:sp>
         </mc:Choice>
-        <mc:Fallback>
+        <mc:Fallback xmlns="">
           <p:sp>
             <p:nvSpPr>
               <p:cNvPr id="8" name="TextBox 7">
@@ -7070,8 +7124,8 @@
               </a:fontRef>
             </p:style>
           </p:cxnSp>
-          <mc:AlternateContent xmlns:mc="http://schemas.openxmlformats.org/markup-compatibility/2006">
-            <mc:Choice xmlns:a14="http://schemas.microsoft.com/office/drawing/2010/main" Requires="a14">
+          <mc:AlternateContent xmlns:mc="http://schemas.openxmlformats.org/markup-compatibility/2006" xmlns:a14="http://schemas.microsoft.com/office/drawing/2010/main">
+            <mc:Choice Requires="a14">
               <p:sp>
                 <p:nvSpPr>
                   <p:cNvPr id="10" name="TextBox 9">
@@ -7100,6 +7154,7 @@
                   </a:bodyPr>
                   <a:lstStyle/>
                   <a:p>
+                    <a:pPr/>
                     <a14:m>
                       <m:oMathPara xmlns:m="http://schemas.openxmlformats.org/officeDocument/2006/math">
                         <m:oMathParaPr>
@@ -7147,7 +7202,7 @@
                 </p:txBody>
               </p:sp>
             </mc:Choice>
-            <mc:Fallback>
+            <mc:Fallback xmlns="">
               <p:sp>
                 <p:nvSpPr>
                   <p:cNvPr id="10" name="TextBox 9">
@@ -7331,8 +7386,8 @@
           </a:prstGeom>
         </p:spPr>
       </p:pic>
-      <mc:AlternateContent xmlns:mc="http://schemas.openxmlformats.org/markup-compatibility/2006">
-        <mc:Choice xmlns:a14="http://schemas.microsoft.com/office/drawing/2010/main" Requires="a14">
+      <mc:AlternateContent xmlns:mc="http://schemas.openxmlformats.org/markup-compatibility/2006" xmlns:a14="http://schemas.microsoft.com/office/drawing/2010/main">
+        <mc:Choice Requires="a14">
           <p:sp>
             <p:nvSpPr>
               <p:cNvPr id="6" name="TextBox 5">
@@ -7402,7 +7457,7 @@
             </p:txBody>
           </p:sp>
         </mc:Choice>
-        <mc:Fallback>
+        <mc:Fallback xmlns="">
           <p:sp>
             <p:nvSpPr>
               <p:cNvPr id="6" name="TextBox 5">
@@ -7618,7 +7673,7 @@
         </p:nvGrpSpPr>
         <p:grpSpPr>
           <a:xfrm>
-            <a:off x="704724" y="1694002"/>
+            <a:off x="7476294" y="1256892"/>
             <a:ext cx="3018875" cy="3106633"/>
             <a:chOff x="1192404" y="1360627"/>
             <a:chExt cx="3018875" cy="3106633"/>
@@ -7750,8 +7805,8 @@
             </a:fontRef>
           </p:style>
         </p:cxnSp>
-        <mc:AlternateContent xmlns:mc="http://schemas.openxmlformats.org/markup-compatibility/2006">
-          <mc:Choice xmlns:a14="http://schemas.microsoft.com/office/drawing/2010/main" Requires="a14">
+        <mc:AlternateContent xmlns:mc="http://schemas.openxmlformats.org/markup-compatibility/2006" xmlns:a14="http://schemas.microsoft.com/office/drawing/2010/main">
+          <mc:Choice Requires="a14">
             <p:sp>
               <p:nvSpPr>
                 <p:cNvPr id="12" name="TextBox 11">
@@ -7780,6 +7835,7 @@
                 </a:bodyPr>
                 <a:lstStyle/>
                 <a:p>
+                  <a:pPr/>
                   <a14:m>
                     <m:oMathPara xmlns:m="http://schemas.openxmlformats.org/officeDocument/2006/math">
                       <m:oMathParaPr>
@@ -7800,7 +7856,7 @@
               </p:txBody>
             </p:sp>
           </mc:Choice>
-          <mc:Fallback>
+          <mc:Fallback xmlns="">
             <p:sp>
               <p:nvSpPr>
                 <p:cNvPr id="12" name="TextBox 11">
@@ -7846,6 +7902,1116 @@
           </mc:Fallback>
         </mc:AlternateContent>
       </p:grpSp>
+      <p:sp>
+        <p:nvSpPr>
+          <p:cNvPr id="9" name="TextBox 8">
+            <a:extLst>
+              <a:ext uri="{FF2B5EF4-FFF2-40B4-BE49-F238E27FC236}">
+                <a16:creationId xmlns:a16="http://schemas.microsoft.com/office/drawing/2014/main" id="{1D494F96-1598-DDCE-BE61-69857825585A}"/>
+              </a:ext>
+            </a:extLst>
+          </p:cNvPr>
+          <p:cNvSpPr txBox="1"/>
+          <p:nvPr/>
+        </p:nvSpPr>
+        <p:spPr>
+          <a:xfrm>
+            <a:off x="685799" y="632299"/>
+            <a:ext cx="5615339" cy="369332"/>
+          </a:xfrm>
+          <a:prstGeom prst="rect">
+            <a:avLst/>
+          </a:prstGeom>
+          <a:noFill/>
+        </p:spPr>
+        <p:txBody>
+          <a:bodyPr wrap="square">
+            <a:spAutoFit/>
+          </a:bodyPr>
+          <a:lstStyle/>
+          <a:p>
+            <a:r>
+              <a:rPr lang="en-US" dirty="0"/>
+              <a:t>Time domain structures (TDS) in magnetosphere </a:t>
+            </a:r>
+          </a:p>
+        </p:txBody>
+      </p:sp>
+      <p:grpSp>
+        <p:nvGrpSpPr>
+          <p:cNvPr id="23" name="Group 22">
+            <a:extLst>
+              <a:ext uri="{FF2B5EF4-FFF2-40B4-BE49-F238E27FC236}">
+                <a16:creationId xmlns:a16="http://schemas.microsoft.com/office/drawing/2014/main" id="{ADFBE179-D9E7-6A7C-1F6B-399ECC87CE53}"/>
+              </a:ext>
+            </a:extLst>
+          </p:cNvPr>
+          <p:cNvGrpSpPr/>
+          <p:nvPr/>
+        </p:nvGrpSpPr>
+        <p:grpSpPr>
+          <a:xfrm>
+            <a:off x="762000" y="1025188"/>
+            <a:ext cx="6187201" cy="3142334"/>
+            <a:chOff x="4335933" y="1731486"/>
+            <a:chExt cx="6187201" cy="3142334"/>
+          </a:xfrm>
+        </p:grpSpPr>
+        <p:pic>
+          <p:nvPicPr>
+            <p:cNvPr id="6" name="Picture 5">
+              <a:extLst>
+                <a:ext uri="{FF2B5EF4-FFF2-40B4-BE49-F238E27FC236}">
+                  <a16:creationId xmlns:a16="http://schemas.microsoft.com/office/drawing/2014/main" id="{A054AF76-4263-A964-EB98-A01A9F09AAC7}"/>
+                </a:ext>
+              </a:extLst>
+            </p:cNvPr>
+            <p:cNvPicPr>
+              <a:picLocks noChangeAspect="1"/>
+            </p:cNvPicPr>
+            <p:nvPr/>
+          </p:nvPicPr>
+          <p:blipFill>
+            <a:blip r:embed="rId4"/>
+            <a:stretch>
+              <a:fillRect/>
+            </a:stretch>
+          </p:blipFill>
+          <p:spPr>
+            <a:xfrm>
+              <a:off x="4335933" y="2797670"/>
+              <a:ext cx="6187201" cy="2076150"/>
+            </a:xfrm>
+            <a:prstGeom prst="rect">
+              <a:avLst/>
+            </a:prstGeom>
+          </p:spPr>
+        </p:pic>
+        <p:sp>
+          <p:nvSpPr>
+            <p:cNvPr id="10" name="Rectangle 9">
+              <a:extLst>
+                <a:ext uri="{FF2B5EF4-FFF2-40B4-BE49-F238E27FC236}">
+                  <a16:creationId xmlns:a16="http://schemas.microsoft.com/office/drawing/2014/main" id="{A6780476-3BB2-0BAA-9C00-431DF03A8BDE}"/>
+                </a:ext>
+              </a:extLst>
+            </p:cNvPr>
+            <p:cNvSpPr/>
+            <p:nvPr/>
+          </p:nvSpPr>
+          <p:spPr>
+            <a:xfrm>
+              <a:off x="8071688" y="2911670"/>
+              <a:ext cx="513347" cy="1209675"/>
+            </a:xfrm>
+            <a:prstGeom prst="rect">
+              <a:avLst/>
+            </a:prstGeom>
+            <a:solidFill>
+              <a:schemeClr val="accent1">
+                <a:alpha val="18000"/>
+              </a:schemeClr>
+            </a:solidFill>
+          </p:spPr>
+          <p:style>
+            <a:lnRef idx="2">
+              <a:schemeClr val="accent1">
+                <a:shade val="15000"/>
+              </a:schemeClr>
+            </a:lnRef>
+            <a:fillRef idx="1">
+              <a:schemeClr val="accent1"/>
+            </a:fillRef>
+            <a:effectRef idx="0">
+              <a:schemeClr val="accent1"/>
+            </a:effectRef>
+            <a:fontRef idx="minor">
+              <a:schemeClr val="lt1"/>
+            </a:fontRef>
+          </p:style>
+          <p:txBody>
+            <a:bodyPr rtlCol="0" anchor="ctr"/>
+            <a:lstStyle/>
+            <a:p>
+              <a:pPr algn="ctr"/>
+              <a:endParaRPr lang="en-US" dirty="0"/>
+            </a:p>
+          </p:txBody>
+        </p:sp>
+        <p:cxnSp>
+          <p:nvCxnSpPr>
+            <p:cNvPr id="14" name="Straight Arrow Connector 13">
+              <a:extLst>
+                <a:ext uri="{FF2B5EF4-FFF2-40B4-BE49-F238E27FC236}">
+                  <a16:creationId xmlns:a16="http://schemas.microsoft.com/office/drawing/2014/main" id="{FD37A0AD-E3EA-F2E3-F6CD-A336C1E7C04F}"/>
+                </a:ext>
+              </a:extLst>
+            </p:cNvPr>
+            <p:cNvCxnSpPr/>
+            <p:nvPr/>
+          </p:nvCxnSpPr>
+          <p:spPr>
+            <a:xfrm>
+              <a:off x="7229475" y="2768874"/>
+              <a:ext cx="1543050" cy="0"/>
+            </a:xfrm>
+            <a:prstGeom prst="straightConnector1">
+              <a:avLst/>
+            </a:prstGeom>
+            <a:ln>
+              <a:solidFill>
+                <a:schemeClr val="tx1"/>
+              </a:solidFill>
+              <a:tailEnd type="triangle"/>
+            </a:ln>
+          </p:spPr>
+          <p:style>
+            <a:lnRef idx="2">
+              <a:schemeClr val="accent1"/>
+            </a:lnRef>
+            <a:fillRef idx="0">
+              <a:schemeClr val="accent1"/>
+            </a:fillRef>
+            <a:effectRef idx="1">
+              <a:schemeClr val="accent1"/>
+            </a:effectRef>
+            <a:fontRef idx="minor">
+              <a:schemeClr val="tx1"/>
+            </a:fontRef>
+          </p:style>
+        </p:cxnSp>
+        <mc:AlternateContent xmlns:mc="http://schemas.openxmlformats.org/markup-compatibility/2006">
+          <mc:Choice xmlns:a14="http://schemas.microsoft.com/office/drawing/2010/main" Requires="a14">
+            <p:sp>
+              <p:nvSpPr>
+                <p:cNvPr id="15" name="TextBox 14">
+                  <a:extLst>
+                    <a:ext uri="{FF2B5EF4-FFF2-40B4-BE49-F238E27FC236}">
+                      <a16:creationId xmlns:a16="http://schemas.microsoft.com/office/drawing/2014/main" id="{9DC105B9-DA11-32EE-4632-7BC14DA1500D}"/>
+                    </a:ext>
+                  </a:extLst>
+                </p:cNvPr>
+                <p:cNvSpPr txBox="1"/>
+                <p:nvPr/>
+              </p:nvSpPr>
+              <p:spPr>
+                <a:xfrm>
+                  <a:off x="8310563" y="2424641"/>
+                  <a:ext cx="457200" cy="369332"/>
+                </a:xfrm>
+                <a:prstGeom prst="rect">
+                  <a:avLst/>
+                </a:prstGeom>
+                <a:noFill/>
+              </p:spPr>
+              <p:txBody>
+                <a:bodyPr wrap="square" rtlCol="0">
+                  <a:spAutoFit/>
+                </a:bodyPr>
+                <a:lstStyle/>
+                <a:p>
+                  <a14:m>
+                    <m:oMathPara xmlns:m="http://schemas.openxmlformats.org/officeDocument/2006/math">
+                      <m:oMathParaPr>
+                        <m:jc m:val="centerGroup"/>
+                      </m:oMathParaPr>
+                      <m:oMath xmlns:m="http://schemas.openxmlformats.org/officeDocument/2006/math">
+                        <m:r>
+                          <a:rPr lang="en-US" b="1" i="1" smtClean="0">
+                            <a:latin typeface="Cambria Math" panose="02040503050406030204" pitchFamily="18" charset="0"/>
+                          </a:rPr>
+                          <m:t>𝒌</m:t>
+                        </m:r>
+                      </m:oMath>
+                    </m:oMathPara>
+                  </a14:m>
+                  <a:endParaRPr lang="en-US" b="1" dirty="0"/>
+                </a:p>
+              </p:txBody>
+            </p:sp>
+          </mc:Choice>
+          <mc:Fallback>
+            <p:sp>
+              <p:nvSpPr>
+                <p:cNvPr id="15" name="TextBox 14">
+                  <a:extLst>
+                    <a:ext uri="{FF2B5EF4-FFF2-40B4-BE49-F238E27FC236}">
+                      <a16:creationId xmlns:a16="http://schemas.microsoft.com/office/drawing/2014/main" id="{9DC105B9-DA11-32EE-4632-7BC14DA1500D}"/>
+                    </a:ext>
+                  </a:extLst>
+                </p:cNvPr>
+                <p:cNvSpPr txBox="1">
+                  <a:spLocks noRot="1" noChangeAspect="1" noMove="1" noResize="1" noEditPoints="1" noAdjustHandles="1" noChangeArrowheads="1" noChangeShapeType="1" noTextEdit="1"/>
+                </p:cNvSpPr>
+                <p:nvPr/>
+              </p:nvSpPr>
+              <p:spPr>
+                <a:xfrm>
+                  <a:off x="8310563" y="2424641"/>
+                  <a:ext cx="457200" cy="369332"/>
+                </a:xfrm>
+                <a:prstGeom prst="rect">
+                  <a:avLst/>
+                </a:prstGeom>
+                <a:blipFill>
+                  <a:blip r:embed="rId5"/>
+                  <a:stretch>
+                    <a:fillRect/>
+                  </a:stretch>
+                </a:blipFill>
+              </p:spPr>
+              <p:txBody>
+                <a:bodyPr/>
+                <a:lstStyle/>
+                <a:p>
+                  <a:r>
+                    <a:rPr lang="en-US">
+                      <a:noFill/>
+                    </a:rPr>
+                    <a:t> </a:t>
+                  </a:r>
+                </a:p>
+              </p:txBody>
+            </p:sp>
+          </mc:Fallback>
+        </mc:AlternateContent>
+        <p:cxnSp>
+          <p:nvCxnSpPr>
+            <p:cNvPr id="17" name="Straight Arrow Connector 16">
+              <a:extLst>
+                <a:ext uri="{FF2B5EF4-FFF2-40B4-BE49-F238E27FC236}">
+                  <a16:creationId xmlns:a16="http://schemas.microsoft.com/office/drawing/2014/main" id="{157C76B5-1539-A5DD-599D-723CDE369D20}"/>
+                </a:ext>
+              </a:extLst>
+            </p:cNvPr>
+            <p:cNvCxnSpPr>
+              <a:cxnSpLocks/>
+            </p:cNvCxnSpPr>
+            <p:nvPr/>
+          </p:nvCxnSpPr>
+          <p:spPr>
+            <a:xfrm>
+              <a:off x="7229475" y="2457600"/>
+              <a:ext cx="1538288" cy="0"/>
+            </a:xfrm>
+            <a:prstGeom prst="straightConnector1">
+              <a:avLst/>
+            </a:prstGeom>
+            <a:ln>
+              <a:solidFill>
+                <a:srgbClr val="0070C0"/>
+              </a:solidFill>
+              <a:tailEnd type="triangle"/>
+            </a:ln>
+          </p:spPr>
+          <p:style>
+            <a:lnRef idx="2">
+              <a:schemeClr val="accent1"/>
+            </a:lnRef>
+            <a:fillRef idx="0">
+              <a:schemeClr val="accent1"/>
+            </a:fillRef>
+            <a:effectRef idx="1">
+              <a:schemeClr val="accent1"/>
+            </a:effectRef>
+            <a:fontRef idx="minor">
+              <a:schemeClr val="tx1"/>
+            </a:fontRef>
+          </p:style>
+        </p:cxnSp>
+        <mc:AlternateContent xmlns:mc="http://schemas.openxmlformats.org/markup-compatibility/2006">
+          <mc:Choice xmlns:a14="http://schemas.microsoft.com/office/drawing/2010/main" Requires="a14">
+            <p:sp>
+              <p:nvSpPr>
+                <p:cNvPr id="18" name="TextBox 17">
+                  <a:extLst>
+                    <a:ext uri="{FF2B5EF4-FFF2-40B4-BE49-F238E27FC236}">
+                      <a16:creationId xmlns:a16="http://schemas.microsoft.com/office/drawing/2014/main" id="{649C2306-CD0D-DEE0-C64B-072328C67A98}"/>
+                    </a:ext>
+                  </a:extLst>
+                </p:cNvPr>
+                <p:cNvSpPr txBox="1"/>
+                <p:nvPr/>
+              </p:nvSpPr>
+              <p:spPr>
+                <a:xfrm>
+                  <a:off x="8377238" y="2088268"/>
+                  <a:ext cx="323850" cy="369332"/>
+                </a:xfrm>
+                <a:prstGeom prst="rect">
+                  <a:avLst/>
+                </a:prstGeom>
+                <a:noFill/>
+              </p:spPr>
+              <p:txBody>
+                <a:bodyPr wrap="square" rtlCol="0">
+                  <a:spAutoFit/>
+                </a:bodyPr>
+                <a:lstStyle/>
+                <a:p>
+                  <a14:m>
+                    <m:oMathPara xmlns:m="http://schemas.openxmlformats.org/officeDocument/2006/math">
+                      <m:oMathParaPr>
+                        <m:jc m:val="centerGroup"/>
+                      </m:oMathParaPr>
+                      <m:oMath xmlns:m="http://schemas.openxmlformats.org/officeDocument/2006/math">
+                        <m:sSub>
+                          <m:sSubPr>
+                            <m:ctrlPr>
+                              <a:rPr lang="en-US" b="0" i="1" smtClean="0">
+                                <a:solidFill>
+                                  <a:srgbClr val="0070C0"/>
+                                </a:solidFill>
+                                <a:latin typeface="Cambria Math" panose="02040503050406030204" pitchFamily="18" charset="0"/>
+                              </a:rPr>
+                            </m:ctrlPr>
+                          </m:sSubPr>
+                          <m:e>
+                            <m:r>
+                              <a:rPr lang="en-US" b="0" i="1" smtClean="0">
+                                <a:solidFill>
+                                  <a:srgbClr val="0070C0"/>
+                                </a:solidFill>
+                                <a:latin typeface="Cambria Math" panose="02040503050406030204" pitchFamily="18" charset="0"/>
+                              </a:rPr>
+                              <m:t>𝐸</m:t>
+                            </m:r>
+                          </m:e>
+                          <m:sub>
+                            <m:r>
+                              <a:rPr lang="en-US" b="0" i="1" smtClean="0">
+                                <a:solidFill>
+                                  <a:srgbClr val="0070C0"/>
+                                </a:solidFill>
+                                <a:latin typeface="Cambria Math" panose="02040503050406030204" pitchFamily="18" charset="0"/>
+                              </a:rPr>
+                              <m:t>0</m:t>
+                            </m:r>
+                          </m:sub>
+                        </m:sSub>
+                      </m:oMath>
+                    </m:oMathPara>
+                  </a14:m>
+                  <a:endParaRPr lang="en-US" dirty="0"/>
+                </a:p>
+              </p:txBody>
+            </p:sp>
+          </mc:Choice>
+          <mc:Fallback>
+            <p:sp>
+              <p:nvSpPr>
+                <p:cNvPr id="18" name="TextBox 17">
+                  <a:extLst>
+                    <a:ext uri="{FF2B5EF4-FFF2-40B4-BE49-F238E27FC236}">
+                      <a16:creationId xmlns:a16="http://schemas.microsoft.com/office/drawing/2014/main" id="{649C2306-CD0D-DEE0-C64B-072328C67A98}"/>
+                    </a:ext>
+                  </a:extLst>
+                </p:cNvPr>
+                <p:cNvSpPr txBox="1">
+                  <a:spLocks noRot="1" noChangeAspect="1" noMove="1" noResize="1" noEditPoints="1" noAdjustHandles="1" noChangeArrowheads="1" noChangeShapeType="1" noTextEdit="1"/>
+                </p:cNvSpPr>
+                <p:nvPr/>
+              </p:nvSpPr>
+              <p:spPr>
+                <a:xfrm>
+                  <a:off x="8377238" y="2088268"/>
+                  <a:ext cx="323850" cy="369332"/>
+                </a:xfrm>
+                <a:prstGeom prst="rect">
+                  <a:avLst/>
+                </a:prstGeom>
+                <a:blipFill>
+                  <a:blip r:embed="rId6"/>
+                  <a:stretch>
+                    <a:fillRect r="-16981"/>
+                  </a:stretch>
+                </a:blipFill>
+              </p:spPr>
+              <p:txBody>
+                <a:bodyPr/>
+                <a:lstStyle/>
+                <a:p>
+                  <a:r>
+                    <a:rPr lang="en-US">
+                      <a:noFill/>
+                    </a:rPr>
+                    <a:t> </a:t>
+                  </a:r>
+                </a:p>
+              </p:txBody>
+            </p:sp>
+          </mc:Fallback>
+        </mc:AlternateContent>
+        <p:cxnSp>
+          <p:nvCxnSpPr>
+            <p:cNvPr id="21" name="Straight Arrow Connector 20">
+              <a:extLst>
+                <a:ext uri="{FF2B5EF4-FFF2-40B4-BE49-F238E27FC236}">
+                  <a16:creationId xmlns:a16="http://schemas.microsoft.com/office/drawing/2014/main" id="{BDA8B75C-3968-8395-EF95-B9F63CD8F31F}"/>
+                </a:ext>
+              </a:extLst>
+            </p:cNvPr>
+            <p:cNvCxnSpPr>
+              <a:cxnSpLocks/>
+            </p:cNvCxnSpPr>
+            <p:nvPr/>
+          </p:nvCxnSpPr>
+          <p:spPr>
+            <a:xfrm>
+              <a:off x="7229475" y="2088268"/>
+              <a:ext cx="1538288" cy="0"/>
+            </a:xfrm>
+            <a:prstGeom prst="straightConnector1">
+              <a:avLst/>
+            </a:prstGeom>
+            <a:ln>
+              <a:solidFill>
+                <a:srgbClr val="0070C0"/>
+              </a:solidFill>
+              <a:tailEnd type="triangle"/>
+            </a:ln>
+          </p:spPr>
+          <p:style>
+            <a:lnRef idx="2">
+              <a:schemeClr val="accent1"/>
+            </a:lnRef>
+            <a:fillRef idx="0">
+              <a:schemeClr val="accent1"/>
+            </a:fillRef>
+            <a:effectRef idx="1">
+              <a:schemeClr val="accent1"/>
+            </a:effectRef>
+            <a:fontRef idx="minor">
+              <a:schemeClr val="tx1"/>
+            </a:fontRef>
+          </p:style>
+        </p:cxnSp>
+        <mc:AlternateContent xmlns:mc="http://schemas.openxmlformats.org/markup-compatibility/2006">
+          <mc:Choice xmlns:a14="http://schemas.microsoft.com/office/drawing/2010/main" Requires="a14">
+            <p:sp>
+              <p:nvSpPr>
+                <p:cNvPr id="22" name="TextBox 21">
+                  <a:extLst>
+                    <a:ext uri="{FF2B5EF4-FFF2-40B4-BE49-F238E27FC236}">
+                      <a16:creationId xmlns:a16="http://schemas.microsoft.com/office/drawing/2014/main" id="{6235AC54-F478-26C2-5116-594B2394EC39}"/>
+                    </a:ext>
+                  </a:extLst>
+                </p:cNvPr>
+                <p:cNvSpPr txBox="1"/>
+                <p:nvPr/>
+              </p:nvSpPr>
+              <p:spPr>
+                <a:xfrm>
+                  <a:off x="8377238" y="1731486"/>
+                  <a:ext cx="323850" cy="369332"/>
+                </a:xfrm>
+                <a:prstGeom prst="rect">
+                  <a:avLst/>
+                </a:prstGeom>
+                <a:noFill/>
+              </p:spPr>
+              <p:txBody>
+                <a:bodyPr wrap="square" rtlCol="0">
+                  <a:spAutoFit/>
+                </a:bodyPr>
+                <a:lstStyle/>
+                <a:p>
+                  <a14:m>
+                    <m:oMathPara xmlns:m="http://schemas.openxmlformats.org/officeDocument/2006/math">
+                      <m:oMathParaPr>
+                        <m:jc m:val="centerGroup"/>
+                      </m:oMathParaPr>
+                      <m:oMath xmlns:m="http://schemas.openxmlformats.org/officeDocument/2006/math">
+                        <m:sSub>
+                          <m:sSubPr>
+                            <m:ctrlPr>
+                              <a:rPr lang="en-US" b="0" i="1" smtClean="0">
+                                <a:solidFill>
+                                  <a:srgbClr val="FF0000"/>
+                                </a:solidFill>
+                                <a:latin typeface="Cambria Math" panose="02040503050406030204" pitchFamily="18" charset="0"/>
+                              </a:rPr>
+                            </m:ctrlPr>
+                          </m:sSubPr>
+                          <m:e>
+                            <m:r>
+                              <a:rPr lang="en-US" b="0" i="1" smtClean="0">
+                                <a:solidFill>
+                                  <a:srgbClr val="FF0000"/>
+                                </a:solidFill>
+                                <a:latin typeface="Cambria Math" panose="02040503050406030204" pitchFamily="18" charset="0"/>
+                              </a:rPr>
+                              <m:t>𝐵</m:t>
+                            </m:r>
+                          </m:e>
+                          <m:sub>
+                            <m:r>
+                              <a:rPr lang="en-US" b="0" i="1" smtClean="0">
+                                <a:solidFill>
+                                  <a:srgbClr val="FF0000"/>
+                                </a:solidFill>
+                                <a:latin typeface="Cambria Math" panose="02040503050406030204" pitchFamily="18" charset="0"/>
+                              </a:rPr>
+                              <m:t>0</m:t>
+                            </m:r>
+                          </m:sub>
+                        </m:sSub>
+                      </m:oMath>
+                    </m:oMathPara>
+                  </a14:m>
+                  <a:endParaRPr lang="en-US" dirty="0"/>
+                </a:p>
+              </p:txBody>
+            </p:sp>
+          </mc:Choice>
+          <mc:Fallback>
+            <p:sp>
+              <p:nvSpPr>
+                <p:cNvPr id="22" name="TextBox 21">
+                  <a:extLst>
+                    <a:ext uri="{FF2B5EF4-FFF2-40B4-BE49-F238E27FC236}">
+                      <a16:creationId xmlns:a16="http://schemas.microsoft.com/office/drawing/2014/main" id="{6235AC54-F478-26C2-5116-594B2394EC39}"/>
+                    </a:ext>
+                  </a:extLst>
+                </p:cNvPr>
+                <p:cNvSpPr txBox="1">
+                  <a:spLocks noRot="1" noChangeAspect="1" noMove="1" noResize="1" noEditPoints="1" noAdjustHandles="1" noChangeArrowheads="1" noChangeShapeType="1" noTextEdit="1"/>
+                </p:cNvSpPr>
+                <p:nvPr/>
+              </p:nvSpPr>
+              <p:spPr>
+                <a:xfrm>
+                  <a:off x="8377238" y="1731486"/>
+                  <a:ext cx="323850" cy="369332"/>
+                </a:xfrm>
+                <a:prstGeom prst="rect">
+                  <a:avLst/>
+                </a:prstGeom>
+                <a:blipFill>
+                  <a:blip r:embed="rId7"/>
+                  <a:stretch>
+                    <a:fillRect r="-18868"/>
+                  </a:stretch>
+                </a:blipFill>
+              </p:spPr>
+              <p:txBody>
+                <a:bodyPr/>
+                <a:lstStyle/>
+                <a:p>
+                  <a:r>
+                    <a:rPr lang="en-US">
+                      <a:noFill/>
+                    </a:rPr>
+                    <a:t> </a:t>
+                  </a:r>
+                </a:p>
+              </p:txBody>
+            </p:sp>
+          </mc:Fallback>
+        </mc:AlternateContent>
+      </p:grpSp>
+      <p:sp>
+        <p:nvSpPr>
+          <p:cNvPr id="25" name="TextBox 24">
+            <a:extLst>
+              <a:ext uri="{FF2B5EF4-FFF2-40B4-BE49-F238E27FC236}">
+                <a16:creationId xmlns:a16="http://schemas.microsoft.com/office/drawing/2014/main" id="{74AD39A0-BCAA-19BC-714D-E48F373ED305}"/>
+              </a:ext>
+            </a:extLst>
+          </p:cNvPr>
+          <p:cNvSpPr txBox="1"/>
+          <p:nvPr/>
+        </p:nvSpPr>
+        <p:spPr>
+          <a:xfrm>
+            <a:off x="1293905" y="4281522"/>
+            <a:ext cx="1847850" cy="369332"/>
+          </a:xfrm>
+          <a:prstGeom prst="rect">
+            <a:avLst/>
+          </a:prstGeom>
+          <a:noFill/>
+        </p:spPr>
+        <p:txBody>
+          <a:bodyPr wrap="square">
+            <a:spAutoFit/>
+          </a:bodyPr>
+          <a:lstStyle/>
+          <a:p>
+            <a:r>
+              <a:rPr lang="en-US" sz="1800">
+                <a:effectLst/>
+                <a:latin typeface="Calibri" panose="020F0502020204030204" pitchFamily="34" charset="0"/>
+                <a:ea typeface="等线" panose="02010600030101010101" pitchFamily="2" charset="-122"/>
+                <a:cs typeface="Times New Roman" panose="02020603050405020304" pitchFamily="18" charset="0"/>
+              </a:rPr>
+              <a:t>V</a:t>
+            </a:r>
+            <a:r>
+              <a:rPr lang="en-US" sz="1800" baseline="-25000">
+                <a:effectLst/>
+                <a:latin typeface="Calibri" panose="020F0502020204030204" pitchFamily="34" charset="0"/>
+                <a:ea typeface="等线" panose="02010600030101010101" pitchFamily="2" charset="-122"/>
+                <a:cs typeface="Times New Roman" panose="02020603050405020304" pitchFamily="18" charset="0"/>
+              </a:rPr>
+              <a:t>TDS</a:t>
+            </a:r>
+            <a:r>
+              <a:rPr lang="en-US" sz="1800">
+                <a:effectLst/>
+                <a:latin typeface="Calibri" panose="020F0502020204030204" pitchFamily="34" charset="0"/>
+                <a:ea typeface="等线" panose="02010600030101010101" pitchFamily="2" charset="-122"/>
+                <a:cs typeface="Times New Roman" panose="02020603050405020304" pitchFamily="18" charset="0"/>
+              </a:rPr>
+              <a:t>/c</a:t>
+            </a:r>
+            <a:r>
+              <a:rPr lang="en-US" sz="1800">
+                <a:effectLst/>
+                <a:latin typeface="Cambria Math" panose="02040503050406030204" pitchFamily="18" charset="0"/>
+                <a:ea typeface="等线" panose="02010600030101010101" pitchFamily="2" charset="-122"/>
+                <a:cs typeface="Cambria Math" panose="02040503050406030204" pitchFamily="18" charset="0"/>
+              </a:rPr>
+              <a:t>∼</a:t>
+            </a:r>
+            <a:r>
+              <a:rPr lang="en-US" sz="1800">
+                <a:effectLst/>
+                <a:latin typeface="Calibri" panose="020F0502020204030204" pitchFamily="34" charset="0"/>
+                <a:ea typeface="等线" panose="02010600030101010101" pitchFamily="2" charset="-122"/>
+                <a:cs typeface="Times New Roman" panose="02020603050405020304" pitchFamily="18" charset="0"/>
+              </a:rPr>
+              <a:t> -0.0333 </a:t>
+            </a:r>
+            <a:endParaRPr lang="en-US" dirty="0"/>
+          </a:p>
+        </p:txBody>
+      </p:sp>
+      <p:sp>
+        <p:nvSpPr>
+          <p:cNvPr id="27" name="TextBox 26">
+            <a:extLst>
+              <a:ext uri="{FF2B5EF4-FFF2-40B4-BE49-F238E27FC236}">
+                <a16:creationId xmlns:a16="http://schemas.microsoft.com/office/drawing/2014/main" id="{02B8A970-1145-0953-9A91-1560650FA7A7}"/>
+              </a:ext>
+            </a:extLst>
+          </p:cNvPr>
+          <p:cNvSpPr txBox="1"/>
+          <p:nvPr/>
+        </p:nvSpPr>
+        <p:spPr>
+          <a:xfrm>
+            <a:off x="1293905" y="4692257"/>
+            <a:ext cx="1152525" cy="369332"/>
+          </a:xfrm>
+          <a:prstGeom prst="rect">
+            <a:avLst/>
+          </a:prstGeom>
+          <a:noFill/>
+        </p:spPr>
+        <p:txBody>
+          <a:bodyPr wrap="square">
+            <a:spAutoFit/>
+          </a:bodyPr>
+          <a:lstStyle/>
+          <a:p>
+            <a:r>
+              <a:rPr lang="en-US" sz="1800">
+                <a:effectLst/>
+                <a:latin typeface="Calibri" panose="020F0502020204030204" pitchFamily="34" charset="0"/>
+                <a:ea typeface="等线" panose="02010600030101010101" pitchFamily="2" charset="-122"/>
+                <a:cs typeface="Times New Roman" panose="02020603050405020304" pitchFamily="18" charset="0"/>
+              </a:rPr>
+              <a:t>B</a:t>
+            </a:r>
+            <a:r>
+              <a:rPr lang="en-US" sz="1800" baseline="-25000">
+                <a:effectLst/>
+                <a:latin typeface="Calibri" panose="020F0502020204030204" pitchFamily="34" charset="0"/>
+                <a:ea typeface="等线" panose="02010600030101010101" pitchFamily="2" charset="-122"/>
+                <a:cs typeface="Times New Roman" panose="02020603050405020304" pitchFamily="18" charset="0"/>
+              </a:rPr>
+              <a:t>0</a:t>
+            </a:r>
+            <a:r>
+              <a:rPr lang="en-US" sz="1800">
+                <a:effectLst/>
+                <a:latin typeface="Cambria Math" panose="02040503050406030204" pitchFamily="18" charset="0"/>
+                <a:ea typeface="等线" panose="02010600030101010101" pitchFamily="2" charset="-122"/>
+                <a:cs typeface="Cambria Math" panose="02040503050406030204" pitchFamily="18" charset="0"/>
+              </a:rPr>
+              <a:t>∼</a:t>
+            </a:r>
+            <a:r>
+              <a:rPr lang="en-US" sz="1800">
+                <a:effectLst/>
+                <a:latin typeface="Calibri" panose="020F0502020204030204" pitchFamily="34" charset="0"/>
+                <a:ea typeface="等线" panose="02010600030101010101" pitchFamily="2" charset="-122"/>
+                <a:cs typeface="Times New Roman" panose="02020603050405020304" pitchFamily="18" charset="0"/>
+              </a:rPr>
+              <a:t>64 nT</a:t>
+            </a:r>
+            <a:endParaRPr lang="en-US" dirty="0"/>
+          </a:p>
+        </p:txBody>
+      </p:sp>
+      <p:sp>
+        <p:nvSpPr>
+          <p:cNvPr id="29" name="TextBox 28">
+            <a:extLst>
+              <a:ext uri="{FF2B5EF4-FFF2-40B4-BE49-F238E27FC236}">
+                <a16:creationId xmlns:a16="http://schemas.microsoft.com/office/drawing/2014/main" id="{9728DC3F-1053-B6FF-3306-D89BF7B53F5A}"/>
+              </a:ext>
+            </a:extLst>
+          </p:cNvPr>
+          <p:cNvSpPr txBox="1"/>
+          <p:nvPr/>
+        </p:nvSpPr>
+        <p:spPr>
+          <a:xfrm>
+            <a:off x="1293905" y="5133951"/>
+            <a:ext cx="1762125" cy="369332"/>
+          </a:xfrm>
+          <a:prstGeom prst="rect">
+            <a:avLst/>
+          </a:prstGeom>
+          <a:noFill/>
+        </p:spPr>
+        <p:txBody>
+          <a:bodyPr wrap="square">
+            <a:spAutoFit/>
+          </a:bodyPr>
+          <a:lstStyle/>
+          <a:p>
+            <a:r>
+              <a:rPr lang="en-US" sz="1800" dirty="0">
+                <a:effectLst/>
+                <a:latin typeface="Calibri" panose="020F0502020204030204" pitchFamily="34" charset="0"/>
+                <a:ea typeface="等线" panose="02010600030101010101" pitchFamily="2" charset="-122"/>
+                <a:cs typeface="Times New Roman" panose="02020603050405020304" pitchFamily="18" charset="0"/>
+              </a:rPr>
+              <a:t>E</a:t>
+            </a:r>
+            <a:r>
+              <a:rPr lang="en-US" sz="1800" baseline="-25000" dirty="0">
+                <a:effectLst/>
+                <a:latin typeface="Calibri" panose="020F0502020204030204" pitchFamily="34" charset="0"/>
+                <a:ea typeface="等线" panose="02010600030101010101" pitchFamily="2" charset="-122"/>
+                <a:cs typeface="Times New Roman" panose="02020603050405020304" pitchFamily="18" charset="0"/>
+              </a:rPr>
+              <a:t>0</a:t>
+            </a:r>
+            <a:r>
+              <a:rPr lang="en-US" sz="1800" dirty="0">
+                <a:effectLst/>
+                <a:latin typeface="Cambria Math" panose="02040503050406030204" pitchFamily="18" charset="0"/>
+                <a:ea typeface="等线" panose="02010600030101010101" pitchFamily="2" charset="-122"/>
+                <a:cs typeface="Cambria Math" panose="02040503050406030204" pitchFamily="18" charset="0"/>
+              </a:rPr>
+              <a:t>∼</a:t>
+            </a:r>
+            <a:r>
+              <a:rPr lang="en-US" sz="1800" dirty="0">
+                <a:effectLst/>
+                <a:latin typeface="Calibri" panose="020F0502020204030204" pitchFamily="34" charset="0"/>
+                <a:ea typeface="等线" panose="02010600030101010101" pitchFamily="2" charset="-122"/>
+                <a:cs typeface="Times New Roman" panose="02020603050405020304" pitchFamily="18" charset="0"/>
+              </a:rPr>
+              <a:t>100 mV/m</a:t>
+            </a:r>
+            <a:endParaRPr lang="en-US" dirty="0"/>
+          </a:p>
+        </p:txBody>
+      </p:sp>
+      <p:sp>
+        <p:nvSpPr>
+          <p:cNvPr id="31" name="TextBox 30">
+            <a:extLst>
+              <a:ext uri="{FF2B5EF4-FFF2-40B4-BE49-F238E27FC236}">
+                <a16:creationId xmlns:a16="http://schemas.microsoft.com/office/drawing/2014/main" id="{C3F72AA2-456C-5824-EFCC-F375D2193374}"/>
+              </a:ext>
+            </a:extLst>
+          </p:cNvPr>
+          <p:cNvSpPr txBox="1"/>
+          <p:nvPr/>
+        </p:nvSpPr>
+        <p:spPr>
+          <a:xfrm>
+            <a:off x="1293905" y="5595402"/>
+            <a:ext cx="1533525" cy="369332"/>
+          </a:xfrm>
+          <a:prstGeom prst="rect">
+            <a:avLst/>
+          </a:prstGeom>
+          <a:noFill/>
+        </p:spPr>
+        <p:txBody>
+          <a:bodyPr wrap="square">
+            <a:spAutoFit/>
+          </a:bodyPr>
+          <a:lstStyle/>
+          <a:p>
+            <a:r>
+              <a:rPr lang="en-US" sz="1800" dirty="0">
+                <a:effectLst/>
+                <a:latin typeface="Calibri" panose="020F0502020204030204" pitchFamily="34" charset="0"/>
+                <a:ea typeface="等线" panose="02010600030101010101" pitchFamily="2" charset="-122"/>
+                <a:cs typeface="Times New Roman" panose="02020603050405020304" pitchFamily="18" charset="0"/>
+              </a:rPr>
+              <a:t>n</a:t>
+            </a:r>
+            <a:r>
+              <a:rPr lang="en-US" sz="1800" baseline="-25000" dirty="0">
+                <a:effectLst/>
+                <a:latin typeface="Calibri" panose="020F0502020204030204" pitchFamily="34" charset="0"/>
+                <a:ea typeface="等线" panose="02010600030101010101" pitchFamily="2" charset="-122"/>
+                <a:cs typeface="Times New Roman" panose="02020603050405020304" pitchFamily="18" charset="0"/>
+              </a:rPr>
+              <a:t>e</a:t>
+            </a:r>
+            <a:r>
+              <a:rPr lang="en-US" sz="1800" dirty="0">
+                <a:effectLst/>
+                <a:latin typeface="Cambria Math" panose="02040503050406030204" pitchFamily="18" charset="0"/>
+                <a:ea typeface="等线" panose="02010600030101010101" pitchFamily="2" charset="-122"/>
+                <a:cs typeface="Cambria Math" panose="02040503050406030204" pitchFamily="18" charset="0"/>
+              </a:rPr>
+              <a:t>∼</a:t>
+            </a:r>
+            <a:r>
+              <a:rPr lang="en-US" sz="1800" dirty="0">
+                <a:effectLst/>
+                <a:latin typeface="Calibri" panose="020F0502020204030204" pitchFamily="34" charset="0"/>
+                <a:ea typeface="等线" panose="02010600030101010101" pitchFamily="2" charset="-122"/>
+                <a:cs typeface="Times New Roman" panose="02020603050405020304" pitchFamily="18" charset="0"/>
+              </a:rPr>
+              <a:t>0.15 cm</a:t>
+            </a:r>
+            <a:r>
+              <a:rPr lang="en-US" sz="1800" baseline="30000" dirty="0">
+                <a:effectLst/>
+                <a:latin typeface="Calibri" panose="020F0502020204030204" pitchFamily="34" charset="0"/>
+                <a:ea typeface="等线" panose="02010600030101010101" pitchFamily="2" charset="-122"/>
+                <a:cs typeface="Times New Roman" panose="02020603050405020304" pitchFamily="18" charset="0"/>
+              </a:rPr>
+              <a:t>-3</a:t>
+            </a:r>
+            <a:endParaRPr lang="en-US" dirty="0"/>
+          </a:p>
+        </p:txBody>
+      </p:sp>
+      <p:sp>
+        <p:nvSpPr>
+          <p:cNvPr id="32" name="TextBox 31">
+            <a:extLst>
+              <a:ext uri="{FF2B5EF4-FFF2-40B4-BE49-F238E27FC236}">
+                <a16:creationId xmlns:a16="http://schemas.microsoft.com/office/drawing/2014/main" id="{C531EC93-D96D-BAD8-30BD-F504DE32D9E7}"/>
+              </a:ext>
+            </a:extLst>
+          </p:cNvPr>
+          <p:cNvSpPr txBox="1"/>
+          <p:nvPr/>
+        </p:nvSpPr>
+        <p:spPr>
+          <a:xfrm>
+            <a:off x="6707394" y="5005437"/>
+            <a:ext cx="4538331" cy="369332"/>
+          </a:xfrm>
+          <a:prstGeom prst="rect">
+            <a:avLst/>
+          </a:prstGeom>
+          <a:noFill/>
+        </p:spPr>
+        <p:txBody>
+          <a:bodyPr wrap="square" rtlCol="0">
+            <a:spAutoFit/>
+          </a:bodyPr>
+          <a:lstStyle/>
+          <a:p>
+            <a:r>
+              <a:rPr lang="en-US" dirty="0"/>
+              <a:t>NDE resonant speed = V</a:t>
+            </a:r>
+            <a:r>
+              <a:rPr lang="en-US" baseline="-25000" dirty="0"/>
+              <a:t>TDS</a:t>
+            </a:r>
+            <a:endParaRPr lang="en-US" dirty="0"/>
+          </a:p>
+        </p:txBody>
+      </p:sp>
+      <p:sp>
+        <p:nvSpPr>
+          <p:cNvPr id="34" name="TextBox 33">
+            <a:extLst>
+              <a:ext uri="{FF2B5EF4-FFF2-40B4-BE49-F238E27FC236}">
+                <a16:creationId xmlns:a16="http://schemas.microsoft.com/office/drawing/2014/main" id="{14B73306-1BE6-40DB-26B9-DFBA6B07CE46}"/>
+              </a:ext>
+            </a:extLst>
+          </p:cNvPr>
+          <p:cNvSpPr txBox="1"/>
+          <p:nvPr/>
+        </p:nvSpPr>
+        <p:spPr>
+          <a:xfrm>
+            <a:off x="4497755" y="4745717"/>
+            <a:ext cx="1554630" cy="369332"/>
+          </a:xfrm>
+          <a:prstGeom prst="rect">
+            <a:avLst/>
+          </a:prstGeom>
+          <a:noFill/>
+        </p:spPr>
+        <p:txBody>
+          <a:bodyPr wrap="square">
+            <a:spAutoFit/>
+          </a:bodyPr>
+          <a:lstStyle/>
+          <a:p>
+            <a:r>
+              <a:rPr lang="en-US" sz="1800" dirty="0">
+                <a:effectLst/>
+                <a:latin typeface="Calibri" panose="020F0502020204030204" pitchFamily="34" charset="0"/>
+                <a:ea typeface="等线" panose="02010600030101010101" pitchFamily="2" charset="-122"/>
+                <a:cs typeface="Times New Roman" panose="02020603050405020304" pitchFamily="18" charset="0"/>
+              </a:rPr>
+              <a:t>ω/Ω = −0.845</a:t>
+            </a:r>
+            <a:endParaRPr lang="en-US" dirty="0"/>
+          </a:p>
+        </p:txBody>
+      </p:sp>
+      <p:sp>
+        <p:nvSpPr>
+          <p:cNvPr id="36" name="TextBox 35">
+            <a:extLst>
+              <a:ext uri="{FF2B5EF4-FFF2-40B4-BE49-F238E27FC236}">
+                <a16:creationId xmlns:a16="http://schemas.microsoft.com/office/drawing/2014/main" id="{A91FFA01-B524-0C17-81BE-1DAA9515460B}"/>
+              </a:ext>
+            </a:extLst>
+          </p:cNvPr>
+          <p:cNvSpPr txBox="1"/>
+          <p:nvPr/>
+        </p:nvSpPr>
+        <p:spPr>
+          <a:xfrm>
+            <a:off x="3272414" y="5175831"/>
+            <a:ext cx="2928432" cy="369332"/>
+          </a:xfrm>
+          <a:prstGeom prst="rect">
+            <a:avLst/>
+          </a:prstGeom>
+          <a:noFill/>
+        </p:spPr>
+        <p:txBody>
+          <a:bodyPr wrap="square">
+            <a:spAutoFit/>
+          </a:bodyPr>
+          <a:lstStyle/>
+          <a:p>
+            <a:r>
+              <a:rPr lang="en-US" sz="1800" dirty="0">
+                <a:effectLst/>
+                <a:latin typeface="Calibri" panose="020F0502020204030204" pitchFamily="34" charset="0"/>
+                <a:ea typeface="等线" panose="02010600030101010101" pitchFamily="2" charset="-122"/>
+                <a:cs typeface="Times New Roman" panose="02020603050405020304" pitchFamily="18" charset="0"/>
+              </a:rPr>
+              <a:t>refractive index n = 5.4655 </a:t>
+            </a:r>
+            <a:endParaRPr lang="en-US" dirty="0"/>
+          </a:p>
+        </p:txBody>
+      </p:sp>
+      <p:sp>
+        <p:nvSpPr>
+          <p:cNvPr id="37" name="Arrow: Right 36">
+            <a:extLst>
+              <a:ext uri="{FF2B5EF4-FFF2-40B4-BE49-F238E27FC236}">
+                <a16:creationId xmlns:a16="http://schemas.microsoft.com/office/drawing/2014/main" id="{A260EDF4-3D7D-6494-ADEE-99F065BAF3F2}"/>
+              </a:ext>
+            </a:extLst>
+          </p:cNvPr>
+          <p:cNvSpPr/>
+          <p:nvPr/>
+        </p:nvSpPr>
+        <p:spPr>
+          <a:xfrm>
+            <a:off x="6301139" y="5056092"/>
+            <a:ext cx="322284" cy="245448"/>
+          </a:xfrm>
+          <a:prstGeom prst="rightArrow">
+            <a:avLst/>
+          </a:prstGeom>
+        </p:spPr>
+        <p:style>
+          <a:lnRef idx="2">
+            <a:schemeClr val="accent1">
+              <a:shade val="15000"/>
+            </a:schemeClr>
+          </a:lnRef>
+          <a:fillRef idx="1">
+            <a:schemeClr val="accent1"/>
+          </a:fillRef>
+          <a:effectRef idx="0">
+            <a:schemeClr val="accent1"/>
+          </a:effectRef>
+          <a:fontRef idx="minor">
+            <a:schemeClr val="lt1"/>
+          </a:fontRef>
+        </p:style>
+        <p:txBody>
+          <a:bodyPr rtlCol="0" anchor="ctr"/>
+          <a:lstStyle/>
+          <a:p>
+            <a:pPr algn="ctr"/>
+            <a:endParaRPr lang="en-US"/>
+          </a:p>
+        </p:txBody>
+      </p:sp>
+      <p:sp>
+        <p:nvSpPr>
+          <p:cNvPr id="38" name="Right Brace 37">
+            <a:extLst>
+              <a:ext uri="{FF2B5EF4-FFF2-40B4-BE49-F238E27FC236}">
+                <a16:creationId xmlns:a16="http://schemas.microsoft.com/office/drawing/2014/main" id="{ED069CF6-60F8-A831-A488-474F7AD5728C}"/>
+              </a:ext>
+            </a:extLst>
+          </p:cNvPr>
+          <p:cNvSpPr/>
+          <p:nvPr/>
+        </p:nvSpPr>
+        <p:spPr>
+          <a:xfrm>
+            <a:off x="5980205" y="4876923"/>
+            <a:ext cx="193435" cy="626360"/>
+          </a:xfrm>
+          <a:prstGeom prst="rightBrace">
+            <a:avLst/>
+          </a:prstGeom>
+        </p:spPr>
+        <p:style>
+          <a:lnRef idx="2">
+            <a:schemeClr val="accent1"/>
+          </a:lnRef>
+          <a:fillRef idx="0">
+            <a:schemeClr val="accent1"/>
+          </a:fillRef>
+          <a:effectRef idx="1">
+            <a:schemeClr val="accent1"/>
+          </a:effectRef>
+          <a:fontRef idx="minor">
+            <a:schemeClr val="tx1"/>
+          </a:fontRef>
+        </p:style>
+        <p:txBody>
+          <a:bodyPr rtlCol="0" anchor="ctr"/>
+          <a:lstStyle/>
+          <a:p>
+            <a:pPr algn="ctr"/>
+            <a:endParaRPr lang="en-US"/>
+          </a:p>
+        </p:txBody>
+      </p:sp>
     </p:spTree>
     <p:extLst>
       <p:ext uri="{BB962C8B-B14F-4D97-AF65-F5344CB8AC3E}">
@@ -7860,6 +9026,417 @@
 </file>
 
 <file path=ppt/slides/slide7.xml><?xml version="1.0" encoding="utf-8"?>
+<p:sld xmlns:a="http://schemas.openxmlformats.org/drawingml/2006/main" xmlns:r="http://schemas.openxmlformats.org/officeDocument/2006/relationships" xmlns:p="http://schemas.openxmlformats.org/presentationml/2006/main">
+  <p:cSld>
+    <p:spTree>
+      <p:nvGrpSpPr>
+        <p:cNvPr id="1" name=""/>
+        <p:cNvGrpSpPr/>
+        <p:nvPr/>
+      </p:nvGrpSpPr>
+      <p:grpSpPr>
+        <a:xfrm>
+          <a:off x="0" y="0"/>
+          <a:ext cx="0" cy="0"/>
+          <a:chOff x="0" y="0"/>
+          <a:chExt cx="0" cy="0"/>
+        </a:xfrm>
+      </p:grpSpPr>
+      <p:grpSp>
+        <p:nvGrpSpPr>
+          <p:cNvPr id="2" name="Group 1">
+            <a:extLst>
+              <a:ext uri="{FF2B5EF4-FFF2-40B4-BE49-F238E27FC236}">
+                <a16:creationId xmlns:a16="http://schemas.microsoft.com/office/drawing/2014/main" id="{239D954D-16AC-942B-01AF-9E3C8CECD547}"/>
+              </a:ext>
+            </a:extLst>
+          </p:cNvPr>
+          <p:cNvGrpSpPr/>
+          <p:nvPr/>
+        </p:nvGrpSpPr>
+        <p:grpSpPr>
+          <a:xfrm>
+            <a:off x="319637" y="407735"/>
+            <a:ext cx="3018875" cy="3106633"/>
+            <a:chOff x="1192404" y="1360627"/>
+            <a:chExt cx="3018875" cy="3106633"/>
+          </a:xfrm>
+        </p:grpSpPr>
+        <p:pic>
+          <p:nvPicPr>
+            <p:cNvPr id="4" name="Picture 3">
+              <a:extLst>
+                <a:ext uri="{FF2B5EF4-FFF2-40B4-BE49-F238E27FC236}">
+                  <a16:creationId xmlns:a16="http://schemas.microsoft.com/office/drawing/2014/main" id="{427D86B1-14E3-7CCB-C703-9D6D9390766B}"/>
+                </a:ext>
+              </a:extLst>
+            </p:cNvPr>
+            <p:cNvPicPr>
+              <a:picLocks noChangeAspect="1"/>
+            </p:cNvPicPr>
+            <p:nvPr/>
+          </p:nvPicPr>
+          <p:blipFill>
+            <a:blip r:embed="rId2"/>
+            <a:stretch>
+              <a:fillRect/>
+            </a:stretch>
+          </p:blipFill>
+          <p:spPr>
+            <a:xfrm>
+              <a:off x="1192404" y="1360627"/>
+              <a:ext cx="3018875" cy="3106633"/>
+            </a:xfrm>
+            <a:prstGeom prst="rect">
+              <a:avLst/>
+            </a:prstGeom>
+          </p:spPr>
+        </p:pic>
+        <p:sp>
+          <p:nvSpPr>
+            <p:cNvPr id="5" name="Rectangle 4">
+              <a:extLst>
+                <a:ext uri="{FF2B5EF4-FFF2-40B4-BE49-F238E27FC236}">
+                  <a16:creationId xmlns:a16="http://schemas.microsoft.com/office/drawing/2014/main" id="{7E2BFBAF-97A6-A65A-319C-F3A73B066761}"/>
+                </a:ext>
+              </a:extLst>
+            </p:cNvPr>
+            <p:cNvSpPr/>
+            <p:nvPr/>
+          </p:nvSpPr>
+          <p:spPr>
+            <a:xfrm>
+              <a:off x="3389260" y="2028825"/>
+              <a:ext cx="240384" cy="1590891"/>
+            </a:xfrm>
+            <a:prstGeom prst="rect">
+              <a:avLst/>
+            </a:prstGeom>
+            <a:solidFill>
+              <a:schemeClr val="bg1"/>
+            </a:solidFill>
+            <a:ln>
+              <a:noFill/>
+            </a:ln>
+          </p:spPr>
+          <p:style>
+            <a:lnRef idx="2">
+              <a:schemeClr val="accent1">
+                <a:shade val="15000"/>
+              </a:schemeClr>
+            </a:lnRef>
+            <a:fillRef idx="1">
+              <a:schemeClr val="accent1"/>
+            </a:fillRef>
+            <a:effectRef idx="0">
+              <a:schemeClr val="accent1"/>
+            </a:effectRef>
+            <a:fontRef idx="minor">
+              <a:schemeClr val="lt1"/>
+            </a:fontRef>
+          </p:style>
+          <p:txBody>
+            <a:bodyPr rtlCol="0" anchor="ctr"/>
+            <a:lstStyle/>
+            <a:p>
+              <a:pPr algn="ctr"/>
+              <a:endParaRPr lang="en-US"/>
+            </a:p>
+          </p:txBody>
+        </p:sp>
+        <p:cxnSp>
+          <p:nvCxnSpPr>
+            <p:cNvPr id="6" name="Straight Arrow Connector 5">
+              <a:extLst>
+                <a:ext uri="{FF2B5EF4-FFF2-40B4-BE49-F238E27FC236}">
+                  <a16:creationId xmlns:a16="http://schemas.microsoft.com/office/drawing/2014/main" id="{69ECB99D-3099-1FDA-0265-8DF4CAE85178}"/>
+                </a:ext>
+              </a:extLst>
+            </p:cNvPr>
+            <p:cNvCxnSpPr>
+              <a:cxnSpLocks/>
+            </p:cNvCxnSpPr>
+            <p:nvPr/>
+          </p:nvCxnSpPr>
+          <p:spPr>
+            <a:xfrm flipV="1">
+              <a:off x="3509452" y="2028825"/>
+              <a:ext cx="0" cy="1514475"/>
+            </a:xfrm>
+            <a:prstGeom prst="straightConnector1">
+              <a:avLst/>
+            </a:prstGeom>
+            <a:ln>
+              <a:solidFill>
+                <a:srgbClr val="0070C0"/>
+              </a:solidFill>
+              <a:tailEnd type="triangle"/>
+            </a:ln>
+          </p:spPr>
+          <p:style>
+            <a:lnRef idx="2">
+              <a:schemeClr val="accent1"/>
+            </a:lnRef>
+            <a:fillRef idx="0">
+              <a:schemeClr val="accent1"/>
+            </a:fillRef>
+            <a:effectRef idx="1">
+              <a:schemeClr val="accent1"/>
+            </a:effectRef>
+            <a:fontRef idx="minor">
+              <a:schemeClr val="tx1"/>
+            </a:fontRef>
+          </p:style>
+        </p:cxnSp>
+        <mc:AlternateContent xmlns:mc="http://schemas.openxmlformats.org/markup-compatibility/2006" xmlns:a14="http://schemas.microsoft.com/office/drawing/2010/main">
+          <mc:Choice Requires="a14">
+            <p:sp>
+              <p:nvSpPr>
+                <p:cNvPr id="7" name="TextBox 6">
+                  <a:extLst>
+                    <a:ext uri="{FF2B5EF4-FFF2-40B4-BE49-F238E27FC236}">
+                      <a16:creationId xmlns:a16="http://schemas.microsoft.com/office/drawing/2014/main" id="{9BCB1F6D-81A4-361A-4855-8F1C0DEFFD2D}"/>
+                    </a:ext>
+                  </a:extLst>
+                </p:cNvPr>
+                <p:cNvSpPr txBox="1"/>
+                <p:nvPr/>
+              </p:nvSpPr>
+              <p:spPr>
+                <a:xfrm>
+                  <a:off x="3620762" y="1659493"/>
+                  <a:ext cx="338496" cy="369332"/>
+                </a:xfrm>
+                <a:prstGeom prst="rect">
+                  <a:avLst/>
+                </a:prstGeom>
+                <a:noFill/>
+              </p:spPr>
+              <p:txBody>
+                <a:bodyPr wrap="square" rtlCol="0">
+                  <a:spAutoFit/>
+                </a:bodyPr>
+                <a:lstStyle/>
+                <a:p>
+                  <a:pPr/>
+                  <a14:m>
+                    <m:oMathPara xmlns:m="http://schemas.openxmlformats.org/officeDocument/2006/math">
+                      <m:oMathParaPr>
+                        <m:jc m:val="centerGroup"/>
+                      </m:oMathParaPr>
+                      <m:oMath xmlns:m="http://schemas.openxmlformats.org/officeDocument/2006/math">
+                        <m:r>
+                          <a:rPr lang="en-US" b="1" i="1" dirty="0" smtClean="0">
+                            <a:latin typeface="Cambria Math" panose="02040503050406030204" pitchFamily="18" charset="0"/>
+                          </a:rPr>
+                          <m:t>𝒌</m:t>
+                        </m:r>
+                      </m:oMath>
+                    </m:oMathPara>
+                  </a14:m>
+                  <a:endParaRPr lang="en-US" b="1" dirty="0"/>
+                </a:p>
+              </p:txBody>
+            </p:sp>
+          </mc:Choice>
+          <mc:Fallback xmlns="">
+            <p:sp>
+              <p:nvSpPr>
+                <p:cNvPr id="12" name="TextBox 11">
+                  <a:extLst>
+                    <a:ext uri="{FF2B5EF4-FFF2-40B4-BE49-F238E27FC236}">
+                      <a16:creationId xmlns:a16="http://schemas.microsoft.com/office/drawing/2014/main" id="{7A928216-7FA6-ADF9-A360-52191DE99548}"/>
+                    </a:ext>
+                  </a:extLst>
+                </p:cNvPr>
+                <p:cNvSpPr txBox="1">
+                  <a:spLocks noRot="1" noChangeAspect="1" noMove="1" noResize="1" noEditPoints="1" noAdjustHandles="1" noChangeArrowheads="1" noChangeShapeType="1" noTextEdit="1"/>
+                </p:cNvSpPr>
+                <p:nvPr/>
+              </p:nvSpPr>
+              <p:spPr>
+                <a:xfrm>
+                  <a:off x="3620762" y="1659493"/>
+                  <a:ext cx="338496" cy="369332"/>
+                </a:xfrm>
+                <a:prstGeom prst="rect">
+                  <a:avLst/>
+                </a:prstGeom>
+                <a:blipFill>
+                  <a:blip r:embed="rId3"/>
+                  <a:stretch>
+                    <a:fillRect/>
+                  </a:stretch>
+                </a:blipFill>
+              </p:spPr>
+              <p:txBody>
+                <a:bodyPr/>
+                <a:lstStyle/>
+                <a:p>
+                  <a:r>
+                    <a:rPr lang="en-US">
+                      <a:noFill/>
+                    </a:rPr>
+                    <a:t> </a:t>
+                  </a:r>
+                </a:p>
+              </p:txBody>
+            </p:sp>
+          </mc:Fallback>
+        </mc:AlternateContent>
+      </p:grpSp>
+      <p:pic>
+        <p:nvPicPr>
+          <p:cNvPr id="8" name="Picture 7">
+            <a:extLst>
+              <a:ext uri="{FF2B5EF4-FFF2-40B4-BE49-F238E27FC236}">
+                <a16:creationId xmlns:a16="http://schemas.microsoft.com/office/drawing/2014/main" id="{A43022F0-40D6-32DA-BEA3-CEBEBB552614}"/>
+              </a:ext>
+            </a:extLst>
+          </p:cNvPr>
+          <p:cNvPicPr>
+            <a:picLocks noChangeAspect="1"/>
+          </p:cNvPicPr>
+          <p:nvPr/>
+        </p:nvPicPr>
+        <p:blipFill rotWithShape="1">
+          <a:blip r:embed="rId4"/>
+          <a:srcRect t="5997" b="5296"/>
+          <a:stretch/>
+        </p:blipFill>
+        <p:spPr bwMode="auto">
+          <a:xfrm>
+            <a:off x="5185235" y="0"/>
+            <a:ext cx="5942965" cy="6702425"/>
+          </a:xfrm>
+          <a:prstGeom prst="rect">
+            <a:avLst/>
+          </a:prstGeom>
+          <a:ln>
+            <a:noFill/>
+          </a:ln>
+          <a:extLst>
+            <a:ext uri="{53640926-AAD7-44D8-BBD7-CCE9431645EC}">
+              <a14:shadowObscured xmlns:a14="http://schemas.microsoft.com/office/drawing/2010/main"/>
+            </a:ext>
+          </a:extLst>
+        </p:spPr>
+      </p:pic>
+      <p:sp>
+        <p:nvSpPr>
+          <p:cNvPr id="10" name="TextBox 9">
+            <a:extLst>
+              <a:ext uri="{FF2B5EF4-FFF2-40B4-BE49-F238E27FC236}">
+                <a16:creationId xmlns:a16="http://schemas.microsoft.com/office/drawing/2014/main" id="{842E7CFD-E739-850F-164F-4E60874CD3DB}"/>
+              </a:ext>
+            </a:extLst>
+          </p:cNvPr>
+          <p:cNvSpPr txBox="1"/>
+          <p:nvPr/>
+        </p:nvSpPr>
+        <p:spPr>
+          <a:xfrm>
+            <a:off x="885825" y="3663482"/>
+            <a:ext cx="3657600" cy="2031325"/>
+          </a:xfrm>
+          <a:prstGeom prst="rect">
+            <a:avLst/>
+          </a:prstGeom>
+          <a:noFill/>
+        </p:spPr>
+        <p:txBody>
+          <a:bodyPr wrap="square">
+            <a:spAutoFit/>
+          </a:bodyPr>
+          <a:lstStyle/>
+          <a:p>
+            <a:r>
+              <a:rPr lang="en-US" dirty="0"/>
+              <a:t>E0 = 100 mV/m, </a:t>
+            </a:r>
+          </a:p>
+          <a:p>
+            <a:r>
+              <a:rPr lang="en-US" dirty="0" err="1"/>
+              <a:t>Ew</a:t>
+            </a:r>
+            <a:r>
+              <a:rPr lang="en-US" dirty="0"/>
+              <a:t> = 0.3 V/m, </a:t>
+            </a:r>
+          </a:p>
+          <a:p>
+            <a:r>
+              <a:rPr lang="en-US" dirty="0"/>
+              <a:t>B0 = 64 </a:t>
+            </a:r>
+            <a:r>
+              <a:rPr lang="en-US" dirty="0" err="1"/>
+              <a:t>nT</a:t>
+            </a:r>
+            <a:r>
+              <a:rPr lang="en-US" dirty="0"/>
+              <a:t>,</a:t>
+            </a:r>
+          </a:p>
+          <a:p>
+            <a:r>
+              <a:rPr lang="el-GR" dirty="0"/>
+              <a:t>ω/Ω = -0.845, </a:t>
+            </a:r>
+            <a:endParaRPr lang="en-US" dirty="0"/>
+          </a:p>
+          <a:p>
+            <a:r>
+              <a:rPr lang="en-US" dirty="0"/>
+              <a:t>g = -1,</a:t>
+            </a:r>
+          </a:p>
+          <a:p>
+            <a:r>
+              <a:rPr lang="en-US" dirty="0"/>
+              <a:t> initial </a:t>
+            </a:r>
+            <a:r>
+              <a:rPr lang="el-GR" dirty="0"/>
+              <a:t>β_</a:t>
+            </a:r>
+            <a:r>
+              <a:rPr lang="en-US" dirty="0"/>
+              <a:t>z= 0.2 and </a:t>
+            </a:r>
+            <a:r>
+              <a:rPr lang="el-GR" dirty="0"/>
+              <a:t>β_⊥=0, ϕ0= 0,</a:t>
+            </a:r>
+            <a:endParaRPr lang="en-US" dirty="0"/>
+          </a:p>
+          <a:p>
+            <a:r>
+              <a:rPr lang="el-GR" dirty="0"/>
+              <a:t> </a:t>
+            </a:r>
+            <a:r>
+              <a:rPr lang="en-US" dirty="0"/>
+              <a:t>n = 5.4655. </a:t>
+            </a:r>
+          </a:p>
+        </p:txBody>
+      </p:sp>
+    </p:spTree>
+    <p:extLst>
+      <p:ext uri="{BB962C8B-B14F-4D97-AF65-F5344CB8AC3E}">
+        <p14:creationId xmlns:p14="http://schemas.microsoft.com/office/powerpoint/2010/main" val="4155077448"/>
+      </p:ext>
+    </p:extLst>
+  </p:cSld>
+  <p:clrMapOvr>
+    <a:masterClrMapping/>
+  </p:clrMapOvr>
+</p:sld>
+</file>
+
+<file path=ppt/slides/slide8.xml><?xml version="1.0" encoding="utf-8"?>
 <p:sld xmlns:a="http://schemas.openxmlformats.org/drawingml/2006/main" xmlns:r="http://schemas.openxmlformats.org/officeDocument/2006/relationships" xmlns:p="http://schemas.openxmlformats.org/presentationml/2006/main">
   <p:cSld>
     <p:spTree>
@@ -7892,7 +9469,7 @@
             </p:nvSpPr>
             <p:spPr>
               <a:xfrm>
-                <a:off x="1152524" y="1325029"/>
+                <a:off x="200024" y="1431655"/>
                 <a:ext cx="8048625" cy="724686"/>
               </a:xfrm>
               <a:prstGeom prst="rect">
@@ -8168,7 +9745,10 @@
                               <m:f>
                                 <m:fPr>
                                   <m:ctrlPr>
-                                    <a:rPr lang="en-US" i="1">
+                                    <a:rPr lang="en-US" i="1" smtClean="0">
+                                      <a:solidFill>
+                                        <a:srgbClr val="FF0000"/>
+                                      </a:solidFill>
                                       <a:latin typeface="Cambria Math" panose="02040503050406030204" pitchFamily="18" charset="0"/>
                                     </a:rPr>
                                   </m:ctrlPr>
@@ -8178,6 +9758,9 @@
                                     <m:sSubPr>
                                       <m:ctrlPr>
                                         <a:rPr lang="en-US" i="1">
+                                          <a:solidFill>
+                                            <a:srgbClr val="FF0000"/>
+                                          </a:solidFill>
                                           <a:latin typeface="Cambria Math" panose="02040503050406030204" pitchFamily="18" charset="0"/>
                                         </a:rPr>
                                       </m:ctrlPr>
@@ -8185,6 +9768,9 @@
                                     <m:e>
                                       <m:r>
                                         <a:rPr lang="en-US">
+                                          <a:solidFill>
+                                            <a:srgbClr val="FF0000"/>
+                                          </a:solidFill>
                                           <a:latin typeface="Cambria Math" panose="02040503050406030204" pitchFamily="18" charset="0"/>
                                         </a:rPr>
                                         <m:t> </m:t>
@@ -8194,12 +9780,18 @@
                                           <m:sty m:val="p"/>
                                         </m:rPr>
                                         <a:rPr lang="en-US">
+                                          <a:solidFill>
+                                            <a:srgbClr val="FF0000"/>
+                                          </a:solidFill>
                                           <a:latin typeface="Cambria Math" panose="02040503050406030204" pitchFamily="18" charset="0"/>
                                         </a:rPr>
                                         <m:t>ς</m:t>
                                       </m:r>
                                       <m:r>
                                         <a:rPr lang="en-US" i="1">
+                                          <a:solidFill>
+                                            <a:srgbClr val="FF0000"/>
+                                          </a:solidFill>
                                           <a:latin typeface="Cambria Math" panose="02040503050406030204" pitchFamily="18" charset="0"/>
                                         </a:rPr>
                                         <m:t>𝐸</m:t>
@@ -8208,6 +9800,9 @@
                                     <m:sub>
                                       <m:r>
                                         <a:rPr lang="en-US" i="1">
+                                          <a:solidFill>
+                                            <a:srgbClr val="FF0000"/>
+                                          </a:solidFill>
                                           <a:latin typeface="Cambria Math" panose="02040503050406030204" pitchFamily="18" charset="0"/>
                                         </a:rPr>
                                         <m:t>0</m:t>
@@ -8218,6 +9813,9 @@
                                 <m:den>
                                   <m:r>
                                     <a:rPr lang="en-US" i="1">
+                                      <a:solidFill>
+                                        <a:srgbClr val="FF0000"/>
+                                      </a:solidFill>
                                       <a:latin typeface="Cambria Math" panose="02040503050406030204" pitchFamily="18" charset="0"/>
                                     </a:rPr>
                                     <m:t>𝑐</m:t>
@@ -8226,6 +9824,9 @@
                                     <m:sSubPr>
                                       <m:ctrlPr>
                                         <a:rPr lang="en-US" i="1">
+                                          <a:solidFill>
+                                            <a:srgbClr val="FF0000"/>
+                                          </a:solidFill>
                                           <a:latin typeface="Cambria Math" panose="02040503050406030204" pitchFamily="18" charset="0"/>
                                         </a:rPr>
                                       </m:ctrlPr>
@@ -8233,6 +9834,9 @@
                                     <m:e>
                                       <m:r>
                                         <a:rPr lang="en-US" i="1">
+                                          <a:solidFill>
+                                            <a:srgbClr val="FF0000"/>
+                                          </a:solidFill>
                                           <a:latin typeface="Cambria Math" panose="02040503050406030204" pitchFamily="18" charset="0"/>
                                         </a:rPr>
                                         <m:t>𝐵</m:t>
@@ -8241,6 +9845,9 @@
                                     <m:sub>
                                       <m:r>
                                         <a:rPr lang="en-US" i="1">
+                                          <a:solidFill>
+                                            <a:srgbClr val="FF0000"/>
+                                          </a:solidFill>
                                           <a:latin typeface="Cambria Math" panose="02040503050406030204" pitchFamily="18" charset="0"/>
                                         </a:rPr>
                                         <m:t>0</m:t>
@@ -8485,7 +10092,10 @@
                           <m:sSup>
                             <m:sSupPr>
                               <m:ctrlPr>
-                                <a:rPr lang="en-US" i="1">
+                                <a:rPr lang="en-US" i="1" smtClean="0">
+                                  <a:solidFill>
+                                    <a:srgbClr val="FF0000"/>
+                                  </a:solidFill>
                                   <a:latin typeface="Cambria Math" panose="02040503050406030204" pitchFamily="18" charset="0"/>
                                 </a:rPr>
                               </m:ctrlPr>
@@ -8493,6 +10103,9 @@
                             <m:e>
                               <m:r>
                                 <a:rPr lang="en-US" i="1">
+                                  <a:solidFill>
+                                    <a:srgbClr val="FF0000"/>
+                                  </a:solidFill>
                                   <a:latin typeface="Cambria Math" panose="02040503050406030204" pitchFamily="18" charset="0"/>
                                 </a:rPr>
                                 <m:t>𝜅</m:t>
@@ -8501,6 +10114,9 @@
                             <m:sup>
                               <m:r>
                                 <a:rPr lang="en-US" i="1">
+                                  <a:solidFill>
+                                    <a:srgbClr val="FF0000"/>
+                                  </a:solidFill>
                                   <a:latin typeface="Cambria Math" panose="02040503050406030204" pitchFamily="18" charset="0"/>
                                 </a:rPr>
                                 <m:t>′2</m:t>
@@ -8534,7 +10150,7 @@
             </p:nvSpPr>
             <p:spPr>
               <a:xfrm>
-                <a:off x="1152524" y="1325029"/>
+                <a:off x="200024" y="1431655"/>
                 <a:ext cx="8048625" cy="724686"/>
               </a:xfrm>
               <a:prstGeom prst="rect">
@@ -8562,10 +10178,1006 @@
           </p:sp>
         </mc:Fallback>
       </mc:AlternateContent>
+      <p:sp>
+        <p:nvSpPr>
+          <p:cNvPr id="2" name="TextBox 1">
+            <a:extLst>
+              <a:ext uri="{FF2B5EF4-FFF2-40B4-BE49-F238E27FC236}">
+                <a16:creationId xmlns:a16="http://schemas.microsoft.com/office/drawing/2014/main" id="{22C68A1C-9434-ED4D-0CB6-C4828AD828F6}"/>
+              </a:ext>
+            </a:extLst>
+          </p:cNvPr>
+          <p:cNvSpPr txBox="1"/>
+          <p:nvPr/>
+        </p:nvSpPr>
+        <p:spPr>
+          <a:xfrm>
+            <a:off x="266699" y="95250"/>
+            <a:ext cx="2638425" cy="369332"/>
+          </a:xfrm>
+          <a:prstGeom prst="rect">
+            <a:avLst/>
+          </a:prstGeom>
+          <a:noFill/>
+        </p:spPr>
+        <p:txBody>
+          <a:bodyPr wrap="square" rtlCol="0">
+            <a:spAutoFit/>
+          </a:bodyPr>
+          <a:lstStyle/>
+          <a:p>
+            <a:r>
+              <a:rPr lang="en-US" dirty="0"/>
+              <a:t>Trapping threshold </a:t>
+            </a:r>
+          </a:p>
+        </p:txBody>
+      </p:sp>
+      <mc:AlternateContent xmlns:mc="http://schemas.openxmlformats.org/markup-compatibility/2006">
+        <mc:Choice xmlns:a14="http://schemas.microsoft.com/office/drawing/2010/main" Requires="a14">
+          <p:sp>
+            <p:nvSpPr>
+              <p:cNvPr id="5" name="TextBox 4">
+                <a:extLst>
+                  <a:ext uri="{FF2B5EF4-FFF2-40B4-BE49-F238E27FC236}">
+                    <a16:creationId xmlns:a16="http://schemas.microsoft.com/office/drawing/2014/main" id="{A5CC8282-0131-2AF4-514B-D899DBF8B73B}"/>
+                  </a:ext>
+                </a:extLst>
+              </p:cNvPr>
+              <p:cNvSpPr txBox="1"/>
+              <p:nvPr/>
+            </p:nvSpPr>
+            <p:spPr>
+              <a:xfrm>
+                <a:off x="-876300" y="2477154"/>
+                <a:ext cx="6096000" cy="665310"/>
+              </a:xfrm>
+              <a:prstGeom prst="rect">
+                <a:avLst/>
+              </a:prstGeom>
+              <a:noFill/>
+            </p:spPr>
+            <p:txBody>
+              <a:bodyPr wrap="square">
+                <a:spAutoFit/>
+              </a:bodyPr>
+              <a:lstStyle/>
+              <a:p>
+                <a:pPr/>
+                <a14:m>
+                  <m:oMathPara xmlns:m="http://schemas.openxmlformats.org/officeDocument/2006/math">
+                    <m:oMathParaPr>
+                      <m:jc m:val="centerGroup"/>
+                    </m:oMathParaPr>
+                    <m:oMath xmlns:m="http://schemas.openxmlformats.org/officeDocument/2006/math">
+                      <m:f>
+                        <m:fPr>
+                          <m:ctrlPr>
+                            <a:rPr lang="en-US" i="1" smtClean="0">
+                              <a:latin typeface="Cambria Math" panose="02040503050406030204" pitchFamily="18" charset="0"/>
+                            </a:rPr>
+                          </m:ctrlPr>
+                        </m:fPr>
+                        <m:num>
+                          <m:r>
+                            <a:rPr lang="en-US" i="1">
+                              <a:latin typeface="Cambria Math" panose="02040503050406030204" pitchFamily="18" charset="0"/>
+                            </a:rPr>
+                            <m:t>𝑑</m:t>
+                          </m:r>
+                          <m:sSub>
+                            <m:sSubPr>
+                              <m:ctrlPr>
+                                <a:rPr lang="en-US" i="1">
+                                  <a:latin typeface="Cambria Math" panose="02040503050406030204" pitchFamily="18" charset="0"/>
+                                </a:rPr>
+                              </m:ctrlPr>
+                            </m:sSubPr>
+                            <m:e>
+                              <m:r>
+                                <a:rPr lang="en-US" i="1">
+                                  <a:latin typeface="Cambria Math" panose="02040503050406030204" pitchFamily="18" charset="0"/>
+                                </a:rPr>
+                                <m:t>𝜉</m:t>
+                              </m:r>
+                            </m:e>
+                            <m:sub>
+                              <m:r>
+                                <a:rPr lang="en-US" i="1">
+                                  <a:latin typeface="Cambria Math" panose="02040503050406030204" pitchFamily="18" charset="0"/>
+                                </a:rPr>
+                                <m:t>𝑧</m:t>
+                              </m:r>
+                            </m:sub>
+                          </m:sSub>
+                        </m:num>
+                        <m:den>
+                          <m:r>
+                            <a:rPr lang="en-US" i="1">
+                              <a:latin typeface="Cambria Math" panose="02040503050406030204" pitchFamily="18" charset="0"/>
+                            </a:rPr>
+                            <m:t>𝑑</m:t>
+                          </m:r>
+                          <m:r>
+                            <a:rPr lang="en-US" i="1">
+                              <a:latin typeface="Cambria Math" panose="02040503050406030204" pitchFamily="18" charset="0"/>
+                            </a:rPr>
+                            <m:t>𝜏</m:t>
+                          </m:r>
+                        </m:den>
+                      </m:f>
+                      <m:sSub>
+                        <m:sSubPr>
+                          <m:ctrlPr>
+                            <a:rPr lang="en-US" i="1">
+                              <a:latin typeface="Cambria Math" panose="02040503050406030204" pitchFamily="18" charset="0"/>
+                            </a:rPr>
+                          </m:ctrlPr>
+                        </m:sSubPr>
+                        <m:e>
+                          <m:d>
+                            <m:dPr>
+                              <m:begChr m:val=""/>
+                              <m:endChr m:val="|"/>
+                              <m:ctrlPr>
+                                <a:rPr lang="en-US" i="1">
+                                  <a:latin typeface="Cambria Math" panose="02040503050406030204" pitchFamily="18" charset="0"/>
+                                </a:rPr>
+                              </m:ctrlPr>
+                            </m:dPr>
+                            <m:e>
+                              <m:r>
+                                <a:rPr lang="en-US" i="0">
+                                  <a:latin typeface="Cambria Math" panose="02040503050406030204" pitchFamily="18" charset="0"/>
+                                </a:rPr>
+                                <m:t>​</m:t>
+                              </m:r>
+                            </m:e>
+                          </m:d>
+                        </m:e>
+                        <m:sub>
+                          <m:r>
+                            <a:rPr lang="en-US" i="1">
+                              <a:latin typeface="Cambria Math" panose="02040503050406030204" pitchFamily="18" charset="0"/>
+                            </a:rPr>
+                            <m:t>𝜏</m:t>
+                          </m:r>
+                          <m:r>
+                            <a:rPr lang="en-US" i="0">
+                              <a:latin typeface="Cambria Math" panose="02040503050406030204" pitchFamily="18" charset="0"/>
+                            </a:rPr>
+                            <m:t>=0</m:t>
+                          </m:r>
+                        </m:sub>
+                      </m:sSub>
+                      <m:r>
+                        <a:rPr lang="en-US" i="0">
+                          <a:latin typeface="Cambria Math" panose="02040503050406030204" pitchFamily="18" charset="0"/>
+                        </a:rPr>
+                        <m:t>=</m:t>
+                      </m:r>
+                      <m:r>
+                        <a:rPr lang="en-US" i="1">
+                          <a:latin typeface="Cambria Math" panose="02040503050406030204" pitchFamily="18" charset="0"/>
+                        </a:rPr>
+                        <m:t>𝑔𝑠</m:t>
+                      </m:r>
+                      <m:sSup>
+                        <m:sSupPr>
+                          <m:ctrlPr>
+                            <a:rPr lang="en-US" i="1">
+                              <a:latin typeface="Cambria Math" panose="02040503050406030204" pitchFamily="18" charset="0"/>
+                            </a:rPr>
+                          </m:ctrlPr>
+                        </m:sSupPr>
+                        <m:e>
+                          <m:r>
+                            <a:rPr lang="en-US" i="1">
+                              <a:latin typeface="Cambria Math" panose="02040503050406030204" pitchFamily="18" charset="0"/>
+                            </a:rPr>
+                            <m:t>𝜅</m:t>
+                          </m:r>
+                        </m:e>
+                        <m:sup>
+                          <m:r>
+                            <a:rPr lang="en-US" i="0">
+                              <a:latin typeface="Cambria Math" panose="02040503050406030204" pitchFamily="18" charset="0"/>
+                            </a:rPr>
+                            <m:t>′</m:t>
+                          </m:r>
+                        </m:sup>
+                      </m:sSup>
+                      <m:r>
+                        <a:rPr lang="en-US" i="1">
+                          <a:latin typeface="Cambria Math" panose="02040503050406030204" pitchFamily="18" charset="0"/>
+                        </a:rPr>
+                        <m:t>𝑐𝑜𝑠</m:t>
+                      </m:r>
+                      <m:sSub>
+                        <m:sSubPr>
+                          <m:ctrlPr>
+                            <a:rPr lang="en-US" i="1">
+                              <a:latin typeface="Cambria Math" panose="02040503050406030204" pitchFamily="18" charset="0"/>
+                            </a:rPr>
+                          </m:ctrlPr>
+                        </m:sSubPr>
+                        <m:e>
+                          <m:r>
+                            <a:rPr lang="en-US" i="1">
+                              <a:latin typeface="Cambria Math" panose="02040503050406030204" pitchFamily="18" charset="0"/>
+                            </a:rPr>
+                            <m:t>𝜙</m:t>
+                          </m:r>
+                        </m:e>
+                        <m:sub>
+                          <m:r>
+                            <a:rPr lang="en-US" i="0">
+                              <a:latin typeface="Cambria Math" panose="02040503050406030204" pitchFamily="18" charset="0"/>
+                            </a:rPr>
+                            <m:t>0</m:t>
+                          </m:r>
+                        </m:sub>
+                      </m:sSub>
+                      <m:r>
+                        <a:rPr lang="en-US" i="0">
+                          <a:latin typeface="Cambria Math" panose="02040503050406030204" pitchFamily="18" charset="0"/>
+                        </a:rPr>
+                        <m:t>+</m:t>
+                      </m:r>
+                      <m:f>
+                        <m:fPr>
+                          <m:ctrlPr>
+                            <a:rPr lang="en-US" i="1">
+                              <a:latin typeface="Cambria Math" panose="02040503050406030204" pitchFamily="18" charset="0"/>
+                            </a:rPr>
+                          </m:ctrlPr>
+                        </m:fPr>
+                        <m:num>
+                          <m:sSub>
+                            <m:sSubPr>
+                              <m:ctrlPr>
+                                <a:rPr lang="en-US" i="1">
+                                  <a:latin typeface="Cambria Math" panose="02040503050406030204" pitchFamily="18" charset="0"/>
+                                </a:rPr>
+                              </m:ctrlPr>
+                            </m:sSubPr>
+                            <m:e>
+                              <m:r>
+                                <a:rPr lang="en-US" i="1">
+                                  <a:latin typeface="Cambria Math" panose="02040503050406030204" pitchFamily="18" charset="0"/>
+                                </a:rPr>
+                                <m:t>𝜍</m:t>
+                              </m:r>
+                              <m:r>
+                                <a:rPr lang="en-US" i="1">
+                                  <a:latin typeface="Cambria Math" panose="02040503050406030204" pitchFamily="18" charset="0"/>
+                                </a:rPr>
+                                <m:t>𝐸</m:t>
+                              </m:r>
+                            </m:e>
+                            <m:sub>
+                              <m:r>
+                                <a:rPr lang="en-US" i="0">
+                                  <a:latin typeface="Cambria Math" panose="02040503050406030204" pitchFamily="18" charset="0"/>
+                                </a:rPr>
+                                <m:t>0</m:t>
+                              </m:r>
+                            </m:sub>
+                          </m:sSub>
+                        </m:num>
+                        <m:den>
+                          <m:r>
+                            <a:rPr lang="en-US" i="1">
+                              <a:latin typeface="Cambria Math" panose="02040503050406030204" pitchFamily="18" charset="0"/>
+                            </a:rPr>
+                            <m:t>𝑐</m:t>
+                          </m:r>
+                          <m:sSub>
+                            <m:sSubPr>
+                              <m:ctrlPr>
+                                <a:rPr lang="en-US" i="1">
+                                  <a:latin typeface="Cambria Math" panose="02040503050406030204" pitchFamily="18" charset="0"/>
+                                </a:rPr>
+                              </m:ctrlPr>
+                            </m:sSubPr>
+                            <m:e>
+                              <m:r>
+                                <a:rPr lang="en-US" i="1">
+                                  <a:latin typeface="Cambria Math" panose="02040503050406030204" pitchFamily="18" charset="0"/>
+                                </a:rPr>
+                                <m:t>𝐵</m:t>
+                              </m:r>
+                            </m:e>
+                            <m:sub>
+                              <m:r>
+                                <a:rPr lang="en-US" i="0">
+                                  <a:latin typeface="Cambria Math" panose="02040503050406030204" pitchFamily="18" charset="0"/>
+                                </a:rPr>
+                                <m:t>0</m:t>
+                              </m:r>
+                            </m:sub>
+                          </m:sSub>
+                        </m:den>
+                      </m:f>
+                    </m:oMath>
+                  </m:oMathPara>
+                </a14:m>
+                <a:endParaRPr lang="en-US" dirty="0"/>
+              </a:p>
+            </p:txBody>
+          </p:sp>
+        </mc:Choice>
+        <mc:Fallback>
+          <p:sp>
+            <p:nvSpPr>
+              <p:cNvPr id="5" name="TextBox 4">
+                <a:extLst>
+                  <a:ext uri="{FF2B5EF4-FFF2-40B4-BE49-F238E27FC236}">
+                    <a16:creationId xmlns:a16="http://schemas.microsoft.com/office/drawing/2014/main" id="{A5CC8282-0131-2AF4-514B-D899DBF8B73B}"/>
+                  </a:ext>
+                </a:extLst>
+              </p:cNvPr>
+              <p:cNvSpPr txBox="1">
+                <a:spLocks noRot="1" noChangeAspect="1" noMove="1" noResize="1" noEditPoints="1" noAdjustHandles="1" noChangeArrowheads="1" noChangeShapeType="1" noTextEdit="1"/>
+              </p:cNvSpPr>
+              <p:nvPr/>
+            </p:nvSpPr>
+            <p:spPr>
+              <a:xfrm>
+                <a:off x="-876300" y="2477154"/>
+                <a:ext cx="6096000" cy="665310"/>
+              </a:xfrm>
+              <a:prstGeom prst="rect">
+                <a:avLst/>
+              </a:prstGeom>
+              <a:blipFill>
+                <a:blip r:embed="rId3"/>
+                <a:stretch>
+                  <a:fillRect/>
+                </a:stretch>
+              </a:blipFill>
+            </p:spPr>
+            <p:txBody>
+              <a:bodyPr/>
+              <a:lstStyle/>
+              <a:p>
+                <a:r>
+                  <a:rPr lang="en-US">
+                    <a:noFill/>
+                  </a:rPr>
+                  <a:t> </a:t>
+                </a:r>
+              </a:p>
+            </p:txBody>
+          </p:sp>
+        </mc:Fallback>
+      </mc:AlternateContent>
+      <mc:AlternateContent xmlns:mc="http://schemas.openxmlformats.org/markup-compatibility/2006">
+        <mc:Choice xmlns:a14="http://schemas.microsoft.com/office/drawing/2010/main" Requires="a14">
+          <p:sp>
+            <p:nvSpPr>
+              <p:cNvPr id="7" name="TextBox 6">
+                <a:extLst>
+                  <a:ext uri="{FF2B5EF4-FFF2-40B4-BE49-F238E27FC236}">
+                    <a16:creationId xmlns:a16="http://schemas.microsoft.com/office/drawing/2014/main" id="{F4757D38-A8EF-6FC3-9A55-94F9BDF481AC}"/>
+                  </a:ext>
+                </a:extLst>
+              </p:cNvPr>
+              <p:cNvSpPr txBox="1"/>
+              <p:nvPr/>
+            </p:nvSpPr>
+            <p:spPr>
+              <a:xfrm>
+                <a:off x="3790950" y="2477154"/>
+                <a:ext cx="6534150" cy="563167"/>
+              </a:xfrm>
+              <a:prstGeom prst="rect">
+                <a:avLst/>
+              </a:prstGeom>
+              <a:noFill/>
+            </p:spPr>
+            <p:txBody>
+              <a:bodyPr wrap="square">
+                <a:spAutoFit/>
+              </a:bodyPr>
+              <a:lstStyle/>
+              <a:p>
+                <a:pPr marL="0" marR="0" indent="182880">
+                  <a:lnSpc>
+                    <a:spcPct val="107000"/>
+                  </a:lnSpc>
+                  <a:spcAft>
+                    <a:spcPts val="800"/>
+                  </a:spcAft>
+                  <a:buNone/>
+                </a:pPr>
+                <a:r>
+                  <a:rPr lang="en-US" sz="1800" dirty="0">
+                    <a:solidFill>
+                      <a:srgbClr val="000000"/>
+                    </a:solidFill>
+                    <a:effectLst/>
+                    <a:latin typeface="Calibri" panose="020F0502020204030204" pitchFamily="34" charset="0"/>
+                    <a:ea typeface="等线" panose="02010600030101010101" pitchFamily="2" charset="-122"/>
+                    <a:cs typeface="Times New Roman" panose="02020603050405020304" pitchFamily="18" charset="0"/>
+                  </a:rPr>
+                  <a:t>Where </a:t>
+                </a:r>
+                <a14:m>
+                  <m:oMath xmlns:m="http://schemas.openxmlformats.org/officeDocument/2006/math">
+                    <m:r>
+                      <m:rPr>
+                        <m:sty m:val="p"/>
+                      </m:rPr>
+                      <a:rPr lang="en-US" sz="1800">
+                        <a:solidFill>
+                          <a:srgbClr val="000000"/>
+                        </a:solidFill>
+                        <a:effectLst/>
+                        <a:latin typeface="Cambria Math" panose="02040503050406030204" pitchFamily="18" charset="0"/>
+                        <a:ea typeface="等线" panose="02010600030101010101" pitchFamily="2" charset="-122"/>
+                        <a:cs typeface="Times New Roman" panose="02020603050405020304" pitchFamily="18" charset="0"/>
+                      </a:rPr>
+                      <m:t>s</m:t>
+                    </m:r>
+                    <m:r>
+                      <a:rPr lang="en-US" sz="1800">
+                        <a:solidFill>
+                          <a:srgbClr val="000000"/>
+                        </a:solidFill>
+                        <a:effectLst/>
+                        <a:latin typeface="Cambria Math" panose="02040503050406030204" pitchFamily="18" charset="0"/>
+                        <a:ea typeface="等线" panose="02010600030101010101" pitchFamily="2" charset="-122"/>
+                        <a:cs typeface="Times New Roman" panose="02020603050405020304" pitchFamily="18" charset="0"/>
+                      </a:rPr>
+                      <m:t>=</m:t>
+                    </m:r>
+                    <m:f>
+                      <m:fPr>
+                        <m:ctrlPr>
+                          <a:rPr lang="en-US" sz="1800" i="1">
+                            <a:solidFill>
+                              <a:srgbClr val="000000"/>
+                            </a:solidFill>
+                            <a:effectLst/>
+                            <a:latin typeface="Cambria Math" panose="02040503050406030204" pitchFamily="18" charset="0"/>
+                            <a:ea typeface="等线" panose="02010600030101010101" pitchFamily="2" charset="-122"/>
+                            <a:cs typeface="Times New Roman" panose="02020603050405020304" pitchFamily="18" charset="0"/>
+                          </a:rPr>
+                        </m:ctrlPr>
+                      </m:fPr>
+                      <m:num>
+                        <m:r>
+                          <m:rPr>
+                            <m:sty m:val="p"/>
+                          </m:rPr>
+                          <a:rPr lang="en-US" sz="1800">
+                            <a:solidFill>
+                              <a:srgbClr val="000000"/>
+                            </a:solidFill>
+                            <a:effectLst/>
+                            <a:latin typeface="Cambria Math" panose="02040503050406030204" pitchFamily="18" charset="0"/>
+                            <a:ea typeface="等线" panose="02010600030101010101" pitchFamily="2" charset="-122"/>
+                            <a:cs typeface="Times New Roman" panose="02020603050405020304" pitchFamily="18" charset="0"/>
+                          </a:rPr>
+                          <m:t>ωn</m:t>
+                        </m:r>
+                        <m:sSub>
+                          <m:sSubPr>
+                            <m:ctrlPr>
+                              <a:rPr lang="en-US" sz="1800" i="1">
+                                <a:solidFill>
+                                  <a:srgbClr val="000000"/>
+                                </a:solidFill>
+                                <a:effectLst/>
+                                <a:latin typeface="Cambria Math" panose="02040503050406030204" pitchFamily="18" charset="0"/>
+                                <a:ea typeface="等线" panose="02010600030101010101" pitchFamily="2" charset="-122"/>
+                                <a:cs typeface="Times New Roman" panose="02020603050405020304" pitchFamily="18" charset="0"/>
+                              </a:rPr>
+                            </m:ctrlPr>
+                          </m:sSubPr>
+                          <m:e>
+                            <m:r>
+                              <m:rPr>
+                                <m:sty m:val="p"/>
+                              </m:rPr>
+                              <a:rPr lang="en-US" sz="1800">
+                                <a:solidFill>
+                                  <a:srgbClr val="000000"/>
+                                </a:solidFill>
+                                <a:effectLst/>
+                                <a:latin typeface="Cambria Math" panose="02040503050406030204" pitchFamily="18" charset="0"/>
+                                <a:ea typeface="等线" panose="02010600030101010101" pitchFamily="2" charset="-122"/>
+                                <a:cs typeface="Times New Roman" panose="02020603050405020304" pitchFamily="18" charset="0"/>
+                              </a:rPr>
+                              <m:t>β</m:t>
+                            </m:r>
+                          </m:e>
+                          <m:sub>
+                            <m:r>
+                              <a:rPr lang="en-US" sz="1800">
+                                <a:solidFill>
+                                  <a:srgbClr val="000000"/>
+                                </a:solidFill>
+                                <a:effectLst/>
+                                <a:latin typeface="Cambria Math" panose="02040503050406030204" pitchFamily="18" charset="0"/>
+                                <a:ea typeface="等线" panose="02010600030101010101" pitchFamily="2" charset="-122"/>
+                                <a:cs typeface="Times New Roman" panose="02020603050405020304" pitchFamily="18" charset="0"/>
+                              </a:rPr>
+                              <m:t>⊥0</m:t>
+                            </m:r>
+                          </m:sub>
+                        </m:sSub>
+                        <m:sSub>
+                          <m:sSubPr>
+                            <m:ctrlPr>
+                              <a:rPr lang="en-US" sz="1800" i="1">
+                                <a:solidFill>
+                                  <a:srgbClr val="000000"/>
+                                </a:solidFill>
+                                <a:effectLst/>
+                                <a:latin typeface="Cambria Math" panose="02040503050406030204" pitchFamily="18" charset="0"/>
+                                <a:ea typeface="等线" panose="02010600030101010101" pitchFamily="2" charset="-122"/>
+                                <a:cs typeface="Times New Roman" panose="02020603050405020304" pitchFamily="18" charset="0"/>
+                              </a:rPr>
+                            </m:ctrlPr>
+                          </m:sSubPr>
+                          <m:e>
+                            <m:r>
+                              <a:rPr lang="en-US" sz="1800" i="1">
+                                <a:solidFill>
+                                  <a:srgbClr val="000000"/>
+                                </a:solidFill>
+                                <a:effectLst/>
+                                <a:latin typeface="Cambria Math" panose="02040503050406030204" pitchFamily="18" charset="0"/>
+                                <a:ea typeface="等线" panose="02010600030101010101" pitchFamily="2" charset="-122"/>
+                                <a:cs typeface="Times New Roman" panose="02020603050405020304" pitchFamily="18" charset="0"/>
+                              </a:rPr>
+                              <m:t>𝛾</m:t>
+                            </m:r>
+                          </m:e>
+                          <m:sub>
+                            <m:r>
+                              <a:rPr lang="en-US" sz="1800" i="1">
+                                <a:solidFill>
+                                  <a:srgbClr val="000000"/>
+                                </a:solidFill>
+                                <a:effectLst/>
+                                <a:latin typeface="Cambria Math" panose="02040503050406030204" pitchFamily="18" charset="0"/>
+                                <a:ea typeface="等线" panose="02010600030101010101" pitchFamily="2" charset="-122"/>
+                                <a:cs typeface="Times New Roman" panose="02020603050405020304" pitchFamily="18" charset="0"/>
+                              </a:rPr>
+                              <m:t>0</m:t>
+                            </m:r>
+                          </m:sub>
+                        </m:sSub>
+                      </m:num>
+                      <m:den>
+                        <m:r>
+                          <m:rPr>
+                            <m:sty m:val="p"/>
+                          </m:rPr>
+                          <a:rPr lang="en-US" sz="1800">
+                            <a:solidFill>
+                              <a:srgbClr val="000000"/>
+                            </a:solidFill>
+                            <a:effectLst/>
+                            <a:latin typeface="Cambria Math" panose="02040503050406030204" pitchFamily="18" charset="0"/>
+                            <a:ea typeface="等线" panose="02010600030101010101" pitchFamily="2" charset="-122"/>
+                            <a:cs typeface="Times New Roman" panose="02020603050405020304" pitchFamily="18" charset="0"/>
+                          </a:rPr>
+                          <m:t>Ω</m:t>
+                        </m:r>
+                        <m:sSub>
+                          <m:sSubPr>
+                            <m:ctrlPr>
+                              <a:rPr lang="en-US" sz="1800" i="1">
+                                <a:solidFill>
+                                  <a:srgbClr val="000000"/>
+                                </a:solidFill>
+                                <a:effectLst/>
+                                <a:latin typeface="Cambria Math" panose="02040503050406030204" pitchFamily="18" charset="0"/>
+                                <a:ea typeface="等线" panose="02010600030101010101" pitchFamily="2" charset="-122"/>
+                                <a:cs typeface="Times New Roman" panose="02020603050405020304" pitchFamily="18" charset="0"/>
+                              </a:rPr>
+                            </m:ctrlPr>
+                          </m:sSubPr>
+                          <m:e>
+                            <m:r>
+                              <a:rPr lang="en-US" sz="1800" i="1">
+                                <a:solidFill>
+                                  <a:srgbClr val="000000"/>
+                                </a:solidFill>
+                                <a:effectLst/>
+                                <a:latin typeface="Cambria Math" panose="02040503050406030204" pitchFamily="18" charset="0"/>
+                                <a:ea typeface="等线" panose="02010600030101010101" pitchFamily="2" charset="-122"/>
+                                <a:cs typeface="Times New Roman" panose="02020603050405020304" pitchFamily="18" charset="0"/>
+                              </a:rPr>
+                              <m:t>𝛾</m:t>
+                            </m:r>
+                          </m:e>
+                          <m:sub>
+                            <m:r>
+                              <a:rPr lang="en-US" sz="1800" i="1">
+                                <a:solidFill>
+                                  <a:srgbClr val="000000"/>
+                                </a:solidFill>
+                                <a:effectLst/>
+                                <a:latin typeface="Cambria Math" panose="02040503050406030204" pitchFamily="18" charset="0"/>
+                                <a:ea typeface="等线" panose="02010600030101010101" pitchFamily="2" charset="-122"/>
+                                <a:cs typeface="Times New Roman" panose="02020603050405020304" pitchFamily="18" charset="0"/>
+                              </a:rPr>
+                              <m:t>𝑇</m:t>
+                            </m:r>
+                          </m:sub>
+                        </m:sSub>
+                      </m:den>
+                    </m:f>
+                  </m:oMath>
+                </a14:m>
+                <a:endParaRPr lang="en-US" sz="1800" dirty="0">
+                  <a:effectLst/>
+                  <a:latin typeface="Calibri" panose="020F0502020204030204" pitchFamily="34" charset="0"/>
+                  <a:ea typeface="等线" panose="02010600030101010101" pitchFamily="2" charset="-122"/>
+                  <a:cs typeface="Times New Roman" panose="02020603050405020304" pitchFamily="18" charset="0"/>
+                </a:endParaRPr>
+              </a:p>
+            </p:txBody>
+          </p:sp>
+        </mc:Choice>
+        <mc:Fallback>
+          <p:sp>
+            <p:nvSpPr>
+              <p:cNvPr id="7" name="TextBox 6">
+                <a:extLst>
+                  <a:ext uri="{FF2B5EF4-FFF2-40B4-BE49-F238E27FC236}">
+                    <a16:creationId xmlns:a16="http://schemas.microsoft.com/office/drawing/2014/main" id="{F4757D38-A8EF-6FC3-9A55-94F9BDF481AC}"/>
+                  </a:ext>
+                </a:extLst>
+              </p:cNvPr>
+              <p:cNvSpPr txBox="1">
+                <a:spLocks noRot="1" noChangeAspect="1" noMove="1" noResize="1" noEditPoints="1" noAdjustHandles="1" noChangeArrowheads="1" noChangeShapeType="1" noTextEdit="1"/>
+              </p:cNvSpPr>
+              <p:nvPr/>
+            </p:nvSpPr>
+            <p:spPr>
+              <a:xfrm>
+                <a:off x="3790950" y="2477154"/>
+                <a:ext cx="6534150" cy="563167"/>
+              </a:xfrm>
+              <a:prstGeom prst="rect">
+                <a:avLst/>
+              </a:prstGeom>
+              <a:blipFill>
+                <a:blip r:embed="rId4"/>
+                <a:stretch>
+                  <a:fillRect/>
+                </a:stretch>
+              </a:blipFill>
+            </p:spPr>
+            <p:txBody>
+              <a:bodyPr/>
+              <a:lstStyle/>
+              <a:p>
+                <a:r>
+                  <a:rPr lang="en-US">
+                    <a:noFill/>
+                  </a:rPr>
+                  <a:t> </a:t>
+                </a:r>
+              </a:p>
+            </p:txBody>
+          </p:sp>
+        </mc:Fallback>
+      </mc:AlternateContent>
+      <mc:AlternateContent xmlns:mc="http://schemas.openxmlformats.org/markup-compatibility/2006">
+        <mc:Choice xmlns:a14="http://schemas.microsoft.com/office/drawing/2010/main" Requires="a14">
+          <p:sp>
+            <p:nvSpPr>
+              <p:cNvPr id="8" name="TextBox 7">
+                <a:extLst>
+                  <a:ext uri="{FF2B5EF4-FFF2-40B4-BE49-F238E27FC236}">
+                    <a16:creationId xmlns:a16="http://schemas.microsoft.com/office/drawing/2014/main" id="{5D950E81-EDDA-F65A-B837-617964DE52AC}"/>
+                  </a:ext>
+                </a:extLst>
+              </p:cNvPr>
+              <p:cNvSpPr txBox="1"/>
+              <p:nvPr/>
+            </p:nvSpPr>
+            <p:spPr>
+              <a:xfrm>
+                <a:off x="704849" y="3619500"/>
+                <a:ext cx="7058025" cy="797013"/>
+              </a:xfrm>
+              <a:prstGeom prst="rect">
+                <a:avLst/>
+              </a:prstGeom>
+              <a:noFill/>
+            </p:spPr>
+            <p:txBody>
+              <a:bodyPr wrap="square" rtlCol="0">
+                <a:spAutoFit/>
+              </a:bodyPr>
+              <a:lstStyle/>
+              <a:p>
+                <a:r>
+                  <a:rPr lang="en-US" dirty="0"/>
+                  <a:t>Initial condition : </a:t>
+                </a:r>
+                <a14:m>
+                  <m:oMath xmlns:m="http://schemas.openxmlformats.org/officeDocument/2006/math">
+                    <m:sSub>
+                      <m:sSubPr>
+                        <m:ctrlPr>
+                          <a:rPr lang="en-US" i="1">
+                            <a:latin typeface="Cambria Math" panose="02040503050406030204" pitchFamily="18" charset="0"/>
+                          </a:rPr>
+                        </m:ctrlPr>
+                      </m:sSubPr>
+                      <m:e>
+                        <m:r>
+                          <a:rPr lang="en-US" i="1">
+                            <a:latin typeface="Cambria Math" panose="02040503050406030204" pitchFamily="18" charset="0"/>
+                          </a:rPr>
+                          <m:t>𝛽</m:t>
+                        </m:r>
+                      </m:e>
+                      <m:sub>
+                        <m:r>
+                          <a:rPr lang="en-US" i="1">
+                            <a:latin typeface="Cambria Math" panose="02040503050406030204" pitchFamily="18" charset="0"/>
+                          </a:rPr>
+                          <m:t>⊥0</m:t>
+                        </m:r>
+                      </m:sub>
+                    </m:sSub>
+                    <m:r>
+                      <a:rPr lang="en-US" b="0" i="1" smtClean="0">
+                        <a:latin typeface="Cambria Math" panose="02040503050406030204" pitchFamily="18" charset="0"/>
+                      </a:rPr>
+                      <m:t>=0</m:t>
+                    </m:r>
+                  </m:oMath>
+                </a14:m>
+                <a:endParaRPr lang="en-US" dirty="0"/>
+              </a:p>
+              <a:p>
+                <a:r>
+                  <a:rPr lang="en-US" dirty="0"/>
+                  <a:t>Domination coefficient : </a:t>
+                </a:r>
+                <a14:m>
+                  <m:oMath xmlns:m="http://schemas.openxmlformats.org/officeDocument/2006/math">
+                    <m:f>
+                      <m:fPr>
+                        <m:ctrlPr>
+                          <a:rPr lang="en-US" i="1">
+                            <a:solidFill>
+                              <a:srgbClr val="FF0000"/>
+                            </a:solidFill>
+                            <a:latin typeface="Cambria Math" panose="02040503050406030204" pitchFamily="18" charset="0"/>
+                          </a:rPr>
+                        </m:ctrlPr>
+                      </m:fPr>
+                      <m:num>
+                        <m:sSub>
+                          <m:sSubPr>
+                            <m:ctrlPr>
+                              <a:rPr lang="en-US" i="1">
+                                <a:solidFill>
+                                  <a:srgbClr val="FF0000"/>
+                                </a:solidFill>
+                                <a:latin typeface="Cambria Math" panose="02040503050406030204" pitchFamily="18" charset="0"/>
+                              </a:rPr>
+                            </m:ctrlPr>
+                          </m:sSubPr>
+                          <m:e>
+                            <m:r>
+                              <a:rPr lang="en-US">
+                                <a:solidFill>
+                                  <a:srgbClr val="FF0000"/>
+                                </a:solidFill>
+                                <a:latin typeface="Cambria Math" panose="02040503050406030204" pitchFamily="18" charset="0"/>
+                              </a:rPr>
+                              <m:t> </m:t>
+                            </m:r>
+                            <m:r>
+                              <m:rPr>
+                                <m:sty m:val="p"/>
+                              </m:rPr>
+                              <a:rPr lang="en-US">
+                                <a:solidFill>
+                                  <a:srgbClr val="FF0000"/>
+                                </a:solidFill>
+                                <a:latin typeface="Cambria Math" panose="02040503050406030204" pitchFamily="18" charset="0"/>
+                              </a:rPr>
+                              <m:t>ς</m:t>
+                            </m:r>
+                            <m:r>
+                              <a:rPr lang="en-US" i="1">
+                                <a:solidFill>
+                                  <a:srgbClr val="FF0000"/>
+                                </a:solidFill>
+                                <a:latin typeface="Cambria Math" panose="02040503050406030204" pitchFamily="18" charset="0"/>
+                              </a:rPr>
+                              <m:t>𝐸</m:t>
+                            </m:r>
+                          </m:e>
+                          <m:sub>
+                            <m:r>
+                              <a:rPr lang="en-US" i="1">
+                                <a:solidFill>
+                                  <a:srgbClr val="FF0000"/>
+                                </a:solidFill>
+                                <a:latin typeface="Cambria Math" panose="02040503050406030204" pitchFamily="18" charset="0"/>
+                              </a:rPr>
+                              <m:t>0</m:t>
+                            </m:r>
+                          </m:sub>
+                        </m:sSub>
+                      </m:num>
+                      <m:den>
+                        <m:r>
+                          <a:rPr lang="en-US" i="1">
+                            <a:solidFill>
+                              <a:srgbClr val="FF0000"/>
+                            </a:solidFill>
+                            <a:latin typeface="Cambria Math" panose="02040503050406030204" pitchFamily="18" charset="0"/>
+                          </a:rPr>
+                          <m:t>𝑐</m:t>
+                        </m:r>
+                        <m:sSub>
+                          <m:sSubPr>
+                            <m:ctrlPr>
+                              <a:rPr lang="en-US" i="1">
+                                <a:solidFill>
+                                  <a:srgbClr val="FF0000"/>
+                                </a:solidFill>
+                                <a:latin typeface="Cambria Math" panose="02040503050406030204" pitchFamily="18" charset="0"/>
+                              </a:rPr>
+                            </m:ctrlPr>
+                          </m:sSubPr>
+                          <m:e>
+                            <m:r>
+                              <a:rPr lang="en-US" i="1">
+                                <a:solidFill>
+                                  <a:srgbClr val="FF0000"/>
+                                </a:solidFill>
+                                <a:latin typeface="Cambria Math" panose="02040503050406030204" pitchFamily="18" charset="0"/>
+                              </a:rPr>
+                              <m:t>𝐵</m:t>
+                            </m:r>
+                          </m:e>
+                          <m:sub>
+                            <m:r>
+                              <a:rPr lang="en-US" i="1">
+                                <a:solidFill>
+                                  <a:srgbClr val="FF0000"/>
+                                </a:solidFill>
+                                <a:latin typeface="Cambria Math" panose="02040503050406030204" pitchFamily="18" charset="0"/>
+                              </a:rPr>
+                              <m:t>0</m:t>
+                            </m:r>
+                          </m:sub>
+                        </m:sSub>
+                      </m:den>
+                    </m:f>
+                    <m:r>
+                      <a:rPr lang="en-US" b="0" i="1" smtClean="0">
+                        <a:solidFill>
+                          <a:srgbClr val="FF0000"/>
+                        </a:solidFill>
+                        <a:latin typeface="Cambria Math" panose="02040503050406030204" pitchFamily="18" charset="0"/>
+                      </a:rPr>
+                      <m:t>,</m:t>
+                    </m:r>
+                    <m:r>
+                      <a:rPr lang="en-US" b="0" i="1" smtClean="0">
+                        <a:solidFill>
+                          <a:srgbClr val="FF0000"/>
+                        </a:solidFill>
+                        <a:latin typeface="Cambria Math" panose="02040503050406030204" pitchFamily="18" charset="0"/>
+                      </a:rPr>
+                      <m:t>𝜅</m:t>
+                    </m:r>
+                    <m:r>
+                      <a:rPr lang="en-US" b="0" i="1" smtClean="0">
+                        <a:solidFill>
+                          <a:srgbClr val="FF0000"/>
+                        </a:solidFill>
+                        <a:latin typeface="Cambria Math" panose="02040503050406030204" pitchFamily="18" charset="0"/>
+                      </a:rPr>
+                      <m:t>′</m:t>
+                    </m:r>
+                  </m:oMath>
+                </a14:m>
+                <a:r>
+                  <a:rPr lang="en-US" dirty="0"/>
+                  <a:t> </a:t>
+                </a:r>
+              </a:p>
+            </p:txBody>
+          </p:sp>
+        </mc:Choice>
+        <mc:Fallback>
+          <p:sp>
+            <p:nvSpPr>
+              <p:cNvPr id="8" name="TextBox 7">
+                <a:extLst>
+                  <a:ext uri="{FF2B5EF4-FFF2-40B4-BE49-F238E27FC236}">
+                    <a16:creationId xmlns:a16="http://schemas.microsoft.com/office/drawing/2014/main" id="{5D950E81-EDDA-F65A-B837-617964DE52AC}"/>
+                  </a:ext>
+                </a:extLst>
+              </p:cNvPr>
+              <p:cNvSpPr txBox="1">
+                <a:spLocks noRot="1" noChangeAspect="1" noMove="1" noResize="1" noEditPoints="1" noAdjustHandles="1" noChangeArrowheads="1" noChangeShapeType="1" noTextEdit="1"/>
+              </p:cNvSpPr>
+              <p:nvPr/>
+            </p:nvSpPr>
+            <p:spPr>
+              <a:xfrm>
+                <a:off x="704849" y="3619500"/>
+                <a:ext cx="7058025" cy="797013"/>
+              </a:xfrm>
+              <a:prstGeom prst="rect">
+                <a:avLst/>
+              </a:prstGeom>
+              <a:blipFill>
+                <a:blip r:embed="rId5"/>
+                <a:stretch>
+                  <a:fillRect l="-778" t="-3846" b="-1538"/>
+                </a:stretch>
+              </a:blipFill>
+            </p:spPr>
+            <p:txBody>
+              <a:bodyPr/>
+              <a:lstStyle/>
+              <a:p>
+                <a:r>
+                  <a:rPr lang="en-US">
+                    <a:noFill/>
+                  </a:rPr>
+                  <a:t> </a:t>
+                </a:r>
+              </a:p>
+            </p:txBody>
+          </p:sp>
+        </mc:Fallback>
+      </mc:AlternateContent>
+      <p:pic>
+        <p:nvPicPr>
+          <p:cNvPr id="9" name="Picture 8">
+            <a:extLst>
+              <a:ext uri="{FF2B5EF4-FFF2-40B4-BE49-F238E27FC236}">
+                <a16:creationId xmlns:a16="http://schemas.microsoft.com/office/drawing/2014/main" id="{73FCB421-95E1-0FE9-CC53-D6C429E9C3CB}"/>
+              </a:ext>
+            </a:extLst>
+          </p:cNvPr>
+          <p:cNvPicPr>
+            <a:picLocks noChangeAspect="1"/>
+          </p:cNvPicPr>
+          <p:nvPr/>
+        </p:nvPicPr>
+        <p:blipFill>
+          <a:blip r:embed="rId6"/>
+          <a:stretch>
+            <a:fillRect/>
+          </a:stretch>
+        </p:blipFill>
+        <p:spPr>
+          <a:xfrm>
+            <a:off x="6730928" y="2477154"/>
+            <a:ext cx="4578493" cy="3438442"/>
+          </a:xfrm>
+          <a:prstGeom prst="rect">
+            <a:avLst/>
+          </a:prstGeom>
+        </p:spPr>
+      </p:pic>
     </p:spTree>
     <p:extLst>
       <p:ext uri="{BB962C8B-B14F-4D97-AF65-F5344CB8AC3E}">
-        <p14:creationId xmlns:p14="http://schemas.microsoft.com/office/powerpoint/2010/main" val="4155077448"/>
+        <p14:creationId xmlns:p14="http://schemas.microsoft.com/office/powerpoint/2010/main" val="197314734"/>
       </p:ext>
     </p:extLst>
   </p:cSld>
@@ -8575,7 +11187,7 @@
 </p:sld>
 </file>
 
-<file path=ppt/slides/slide8.xml><?xml version="1.0" encoding="utf-8"?>
+<file path=ppt/slides/slide9.xml><?xml version="1.0" encoding="utf-8"?>
 <p:sld xmlns:a="http://schemas.openxmlformats.org/drawingml/2006/main" xmlns:r="http://schemas.openxmlformats.org/officeDocument/2006/relationships" xmlns:p="http://schemas.openxmlformats.org/presentationml/2006/main">
   <p:cSld>
     <p:spTree>

--- a/paper modification/papers/Trapping analysis of a magnetic electron.pptx
+++ b/paper modification/papers/Trapping analysis of a magnetic electron.pptx
@@ -13,7 +13,9 @@
     <p:sldId id="262" r:id="rId7"/>
     <p:sldId id="263" r:id="rId8"/>
     <p:sldId id="264" r:id="rId9"/>
-    <p:sldId id="260" r:id="rId10"/>
+    <p:sldId id="265" r:id="rId10"/>
+    <p:sldId id="266" r:id="rId11"/>
+    <p:sldId id="260" r:id="rId12"/>
   </p:sldIdLst>
   <p:sldSz cx="12192000" cy="6858000"/>
   <p:notesSz cx="6858000" cy="9144000"/>
@@ -3405,6 +3407,198 @@
     <p:extLst>
       <p:ext uri="{BB962C8B-B14F-4D97-AF65-F5344CB8AC3E}">
         <p14:creationId xmlns:p14="http://schemas.microsoft.com/office/powerpoint/2010/main" val="970238662"/>
+      </p:ext>
+    </p:extLst>
+  </p:cSld>
+  <p:clrMapOvr>
+    <a:masterClrMapping/>
+  </p:clrMapOvr>
+</p:sld>
+</file>
+
+<file path=ppt/slides/slide10.xml><?xml version="1.0" encoding="utf-8"?>
+<p:sld xmlns:a="http://schemas.openxmlformats.org/drawingml/2006/main" xmlns:r="http://schemas.openxmlformats.org/officeDocument/2006/relationships" xmlns:p="http://schemas.openxmlformats.org/presentationml/2006/main">
+  <p:cSld>
+    <p:spTree>
+      <p:nvGrpSpPr>
+        <p:cNvPr id="1" name=""/>
+        <p:cNvGrpSpPr/>
+        <p:nvPr/>
+      </p:nvGrpSpPr>
+      <p:grpSpPr>
+        <a:xfrm>
+          <a:off x="0" y="0"/>
+          <a:ext cx="0" cy="0"/>
+          <a:chOff x="0" y="0"/>
+          <a:chExt cx="0" cy="0"/>
+        </a:xfrm>
+      </p:grpSpPr>
+      <p:sp>
+        <p:nvSpPr>
+          <p:cNvPr id="2" name="TextBox 1">
+            <a:extLst>
+              <a:ext uri="{FF2B5EF4-FFF2-40B4-BE49-F238E27FC236}">
+                <a16:creationId xmlns:a16="http://schemas.microsoft.com/office/drawing/2014/main" id="{E9EF4FD3-30DB-4607-B8AA-5B5E1BA5EFFF}"/>
+              </a:ext>
+            </a:extLst>
+          </p:cNvPr>
+          <p:cNvSpPr txBox="1"/>
+          <p:nvPr/>
+        </p:nvSpPr>
+        <p:spPr>
+          <a:xfrm>
+            <a:off x="259975" y="977153"/>
+            <a:ext cx="8068237" cy="1754326"/>
+          </a:xfrm>
+          <a:prstGeom prst="rect">
+            <a:avLst/>
+          </a:prstGeom>
+          <a:noFill/>
+        </p:spPr>
+        <p:txBody>
+          <a:bodyPr wrap="square" rtlCol="0">
+            <a:spAutoFit/>
+          </a:bodyPr>
+          <a:lstStyle/>
+          <a:p>
+            <a:r>
+              <a:rPr lang="en-US" dirty="0"/>
+              <a:t>Discussion :</a:t>
+            </a:r>
+          </a:p>
+          <a:p>
+            <a:endParaRPr lang="en-US" dirty="0"/>
+          </a:p>
+          <a:p>
+            <a:pPr marL="342900" indent="-342900">
+              <a:buAutoNum type="arabicPeriod"/>
+            </a:pPr>
+            <a:r>
+              <a:rPr lang="en-US" dirty="0"/>
+              <a:t>Trapping phenomenon explanation from momentum conservation and angular conservation </a:t>
+            </a:r>
+          </a:p>
+          <a:p>
+            <a:pPr marL="342900" indent="-342900">
+              <a:buAutoNum type="arabicPeriod"/>
+            </a:pPr>
+            <a:r>
+              <a:rPr lang="en-US" dirty="0"/>
+              <a:t>Potential application in plasma heating and runaway suppression</a:t>
+            </a:r>
+          </a:p>
+          <a:p>
+            <a:pPr marL="342900" indent="-342900">
+              <a:buAutoNum type="arabicPeriod"/>
+            </a:pPr>
+            <a:r>
+              <a:rPr lang="en-US" dirty="0"/>
+              <a:t>Space Plasma Dynamics(particle acceleration, precipitation)</a:t>
+            </a:r>
+          </a:p>
+        </p:txBody>
+      </p:sp>
+    </p:spTree>
+    <p:extLst>
+      <p:ext uri="{BB962C8B-B14F-4D97-AF65-F5344CB8AC3E}">
+        <p14:creationId xmlns:p14="http://schemas.microsoft.com/office/powerpoint/2010/main" val="1071114565"/>
+      </p:ext>
+    </p:extLst>
+  </p:cSld>
+  <p:clrMapOvr>
+    <a:masterClrMapping/>
+  </p:clrMapOvr>
+</p:sld>
+</file>
+
+<file path=ppt/slides/slide11.xml><?xml version="1.0" encoding="utf-8"?>
+<p:sld xmlns:a="http://schemas.openxmlformats.org/drawingml/2006/main" xmlns:r="http://schemas.openxmlformats.org/officeDocument/2006/relationships" xmlns:p="http://schemas.openxmlformats.org/presentationml/2006/main">
+  <p:cSld>
+    <p:spTree>
+      <p:nvGrpSpPr>
+        <p:cNvPr id="1" name=""/>
+        <p:cNvGrpSpPr/>
+        <p:nvPr/>
+      </p:nvGrpSpPr>
+      <p:grpSpPr>
+        <a:xfrm>
+          <a:off x="0" y="0"/>
+          <a:ext cx="0" cy="0"/>
+          <a:chOff x="0" y="0"/>
+          <a:chExt cx="0" cy="0"/>
+        </a:xfrm>
+      </p:grpSpPr>
+      <p:sp>
+        <p:nvSpPr>
+          <p:cNvPr id="2" name="Title 1">
+            <a:extLst>
+              <a:ext uri="{FF2B5EF4-FFF2-40B4-BE49-F238E27FC236}">
+                <a16:creationId xmlns:a16="http://schemas.microsoft.com/office/drawing/2014/main" id="{7AFA2528-A28E-C137-9FAE-78C6CD95CFE2}"/>
+              </a:ext>
+            </a:extLst>
+          </p:cNvPr>
+          <p:cNvSpPr>
+            <a:spLocks noGrp="1"/>
+          </p:cNvSpPr>
+          <p:nvPr>
+            <p:ph type="title"/>
+          </p:nvPr>
+        </p:nvSpPr>
+        <p:spPr/>
+        <p:txBody>
+          <a:bodyPr/>
+          <a:lstStyle/>
+          <a:p>
+            <a:r>
+              <a:rPr lang="en-US" dirty="0"/>
+              <a:t>Some important theory about auto resonance</a:t>
+            </a:r>
+          </a:p>
+        </p:txBody>
+      </p:sp>
+      <p:sp>
+        <p:nvSpPr>
+          <p:cNvPr id="3" name="Content Placeholder 2">
+            <a:extLst>
+              <a:ext uri="{FF2B5EF4-FFF2-40B4-BE49-F238E27FC236}">
+                <a16:creationId xmlns:a16="http://schemas.microsoft.com/office/drawing/2014/main" id="{1AB29083-93C4-DE0B-ABEF-77AB91C702DA}"/>
+              </a:ext>
+            </a:extLst>
+          </p:cNvPr>
+          <p:cNvSpPr>
+            <a:spLocks noGrp="1"/>
+          </p:cNvSpPr>
+          <p:nvPr>
+            <p:ph idx="1"/>
+          </p:nvPr>
+        </p:nvSpPr>
+        <p:spPr/>
+        <p:txBody>
+          <a:bodyPr/>
+          <a:lstStyle/>
+          <a:p>
+            <a:r>
+              <a:rPr lang="en-US" dirty="0"/>
+              <a:t>Nonlinear Resonances, pendulum system , Page 294</a:t>
+            </a:r>
+          </a:p>
+          <a:p>
+            <a:r>
+              <a:rPr lang="de-DE" dirty="0"/>
+              <a:t>J. Fajans, L. Friedland, Am. J. Phys. </a:t>
+            </a:r>
+            <a:r>
+              <a:rPr lang="de-DE"/>
+              <a:t>69, 1096 (2001)</a:t>
+            </a:r>
+            <a:endParaRPr lang="en-US" dirty="0"/>
+          </a:p>
+        </p:txBody>
+      </p:sp>
+    </p:spTree>
+    <p:extLst>
+      <p:ext uri="{BB962C8B-B14F-4D97-AF65-F5344CB8AC3E}">
+        <p14:creationId xmlns:p14="http://schemas.microsoft.com/office/powerpoint/2010/main" val="2708637678"/>
       </p:ext>
     </p:extLst>
   </p:cSld>
@@ -7659,249 +7853,6 @@
           </a:p>
         </p:txBody>
       </p:sp>
-      <p:grpSp>
-        <p:nvGrpSpPr>
-          <p:cNvPr id="13" name="Group 12">
-            <a:extLst>
-              <a:ext uri="{FF2B5EF4-FFF2-40B4-BE49-F238E27FC236}">
-                <a16:creationId xmlns:a16="http://schemas.microsoft.com/office/drawing/2014/main" id="{29195A3F-98C5-50D0-245E-6EED24A1F1CE}"/>
-              </a:ext>
-            </a:extLst>
-          </p:cNvPr>
-          <p:cNvGrpSpPr/>
-          <p:nvPr/>
-        </p:nvGrpSpPr>
-        <p:grpSpPr>
-          <a:xfrm>
-            <a:off x="7476294" y="1256892"/>
-            <a:ext cx="3018875" cy="3106633"/>
-            <a:chOff x="1192404" y="1360627"/>
-            <a:chExt cx="3018875" cy="3106633"/>
-          </a:xfrm>
-        </p:grpSpPr>
-        <p:pic>
-          <p:nvPicPr>
-            <p:cNvPr id="4" name="Picture 3">
-              <a:extLst>
-                <a:ext uri="{FF2B5EF4-FFF2-40B4-BE49-F238E27FC236}">
-                  <a16:creationId xmlns:a16="http://schemas.microsoft.com/office/drawing/2014/main" id="{7D180345-15C3-0C8C-1E46-99D8CD8212D0}"/>
-                </a:ext>
-              </a:extLst>
-            </p:cNvPr>
-            <p:cNvPicPr>
-              <a:picLocks noChangeAspect="1"/>
-            </p:cNvPicPr>
-            <p:nvPr/>
-          </p:nvPicPr>
-          <p:blipFill>
-            <a:blip r:embed="rId2"/>
-            <a:stretch>
-              <a:fillRect/>
-            </a:stretch>
-          </p:blipFill>
-          <p:spPr>
-            <a:xfrm>
-              <a:off x="1192404" y="1360627"/>
-              <a:ext cx="3018875" cy="3106633"/>
-            </a:xfrm>
-            <a:prstGeom prst="rect">
-              <a:avLst/>
-            </a:prstGeom>
-          </p:spPr>
-        </p:pic>
-        <p:sp>
-          <p:nvSpPr>
-            <p:cNvPr id="5" name="Rectangle 4">
-              <a:extLst>
-                <a:ext uri="{FF2B5EF4-FFF2-40B4-BE49-F238E27FC236}">
-                  <a16:creationId xmlns:a16="http://schemas.microsoft.com/office/drawing/2014/main" id="{C795C48A-A1E6-192E-00B3-3E9FB3803EFC}"/>
-                </a:ext>
-              </a:extLst>
-            </p:cNvPr>
-            <p:cNvSpPr/>
-            <p:nvPr/>
-          </p:nvSpPr>
-          <p:spPr>
-            <a:xfrm>
-              <a:off x="3389260" y="2028825"/>
-              <a:ext cx="240384" cy="1590891"/>
-            </a:xfrm>
-            <a:prstGeom prst="rect">
-              <a:avLst/>
-            </a:prstGeom>
-            <a:solidFill>
-              <a:schemeClr val="bg1"/>
-            </a:solidFill>
-            <a:ln>
-              <a:noFill/>
-            </a:ln>
-          </p:spPr>
-          <p:style>
-            <a:lnRef idx="2">
-              <a:schemeClr val="accent1">
-                <a:shade val="15000"/>
-              </a:schemeClr>
-            </a:lnRef>
-            <a:fillRef idx="1">
-              <a:schemeClr val="accent1"/>
-            </a:fillRef>
-            <a:effectRef idx="0">
-              <a:schemeClr val="accent1"/>
-            </a:effectRef>
-            <a:fontRef idx="minor">
-              <a:schemeClr val="lt1"/>
-            </a:fontRef>
-          </p:style>
-          <p:txBody>
-            <a:bodyPr rtlCol="0" anchor="ctr"/>
-            <a:lstStyle/>
-            <a:p>
-              <a:pPr algn="ctr"/>
-              <a:endParaRPr lang="en-US"/>
-            </a:p>
-          </p:txBody>
-        </p:sp>
-        <p:cxnSp>
-          <p:nvCxnSpPr>
-            <p:cNvPr id="7" name="Straight Arrow Connector 6">
-              <a:extLst>
-                <a:ext uri="{FF2B5EF4-FFF2-40B4-BE49-F238E27FC236}">
-                  <a16:creationId xmlns:a16="http://schemas.microsoft.com/office/drawing/2014/main" id="{C84D1184-9819-B552-7420-C4625AA81A4D}"/>
-                </a:ext>
-              </a:extLst>
-            </p:cNvPr>
-            <p:cNvCxnSpPr>
-              <a:cxnSpLocks/>
-            </p:cNvCxnSpPr>
-            <p:nvPr/>
-          </p:nvCxnSpPr>
-          <p:spPr>
-            <a:xfrm flipV="1">
-              <a:off x="3509452" y="2028825"/>
-              <a:ext cx="0" cy="1514475"/>
-            </a:xfrm>
-            <a:prstGeom prst="straightConnector1">
-              <a:avLst/>
-            </a:prstGeom>
-            <a:ln>
-              <a:solidFill>
-                <a:srgbClr val="0070C0"/>
-              </a:solidFill>
-              <a:tailEnd type="triangle"/>
-            </a:ln>
-          </p:spPr>
-          <p:style>
-            <a:lnRef idx="2">
-              <a:schemeClr val="accent1"/>
-            </a:lnRef>
-            <a:fillRef idx="0">
-              <a:schemeClr val="accent1"/>
-            </a:fillRef>
-            <a:effectRef idx="1">
-              <a:schemeClr val="accent1"/>
-            </a:effectRef>
-            <a:fontRef idx="minor">
-              <a:schemeClr val="tx1"/>
-            </a:fontRef>
-          </p:style>
-        </p:cxnSp>
-        <mc:AlternateContent xmlns:mc="http://schemas.openxmlformats.org/markup-compatibility/2006" xmlns:a14="http://schemas.microsoft.com/office/drawing/2010/main">
-          <mc:Choice Requires="a14">
-            <p:sp>
-              <p:nvSpPr>
-                <p:cNvPr id="12" name="TextBox 11">
-                  <a:extLst>
-                    <a:ext uri="{FF2B5EF4-FFF2-40B4-BE49-F238E27FC236}">
-                      <a16:creationId xmlns:a16="http://schemas.microsoft.com/office/drawing/2014/main" id="{7A928216-7FA6-ADF9-A360-52191DE99548}"/>
-                    </a:ext>
-                  </a:extLst>
-                </p:cNvPr>
-                <p:cNvSpPr txBox="1"/>
-                <p:nvPr/>
-              </p:nvSpPr>
-              <p:spPr>
-                <a:xfrm>
-                  <a:off x="3620762" y="1659493"/>
-                  <a:ext cx="338496" cy="369332"/>
-                </a:xfrm>
-                <a:prstGeom prst="rect">
-                  <a:avLst/>
-                </a:prstGeom>
-                <a:noFill/>
-              </p:spPr>
-              <p:txBody>
-                <a:bodyPr wrap="square" rtlCol="0">
-                  <a:spAutoFit/>
-                </a:bodyPr>
-                <a:lstStyle/>
-                <a:p>
-                  <a:pPr/>
-                  <a14:m>
-                    <m:oMathPara xmlns:m="http://schemas.openxmlformats.org/officeDocument/2006/math">
-                      <m:oMathParaPr>
-                        <m:jc m:val="centerGroup"/>
-                      </m:oMathParaPr>
-                      <m:oMath xmlns:m="http://schemas.openxmlformats.org/officeDocument/2006/math">
-                        <m:r>
-                          <a:rPr lang="en-US" b="1" i="1" dirty="0" smtClean="0">
-                            <a:latin typeface="Cambria Math" panose="02040503050406030204" pitchFamily="18" charset="0"/>
-                          </a:rPr>
-                          <m:t>𝒌</m:t>
-                        </m:r>
-                      </m:oMath>
-                    </m:oMathPara>
-                  </a14:m>
-                  <a:endParaRPr lang="en-US" b="1" dirty="0"/>
-                </a:p>
-              </p:txBody>
-            </p:sp>
-          </mc:Choice>
-          <mc:Fallback xmlns="">
-            <p:sp>
-              <p:nvSpPr>
-                <p:cNvPr id="12" name="TextBox 11">
-                  <a:extLst>
-                    <a:ext uri="{FF2B5EF4-FFF2-40B4-BE49-F238E27FC236}">
-                      <a16:creationId xmlns:a16="http://schemas.microsoft.com/office/drawing/2014/main" id="{7A928216-7FA6-ADF9-A360-52191DE99548}"/>
-                    </a:ext>
-                  </a:extLst>
-                </p:cNvPr>
-                <p:cNvSpPr txBox="1">
-                  <a:spLocks noRot="1" noChangeAspect="1" noMove="1" noResize="1" noEditPoints="1" noAdjustHandles="1" noChangeArrowheads="1" noChangeShapeType="1" noTextEdit="1"/>
-                </p:cNvSpPr>
-                <p:nvPr/>
-              </p:nvSpPr>
-              <p:spPr>
-                <a:xfrm>
-                  <a:off x="3620762" y="1659493"/>
-                  <a:ext cx="338496" cy="369332"/>
-                </a:xfrm>
-                <a:prstGeom prst="rect">
-                  <a:avLst/>
-                </a:prstGeom>
-                <a:blipFill>
-                  <a:blip r:embed="rId3"/>
-                  <a:stretch>
-                    <a:fillRect/>
-                  </a:stretch>
-                </a:blipFill>
-              </p:spPr>
-              <p:txBody>
-                <a:bodyPr/>
-                <a:lstStyle/>
-                <a:p>
-                  <a:r>
-                    <a:rPr lang="en-US">
-                      <a:noFill/>
-                    </a:rPr>
-                    <a:t> </a:t>
-                  </a:r>
-                </a:p>
-              </p:txBody>
-            </p:sp>
-          </mc:Fallback>
-        </mc:AlternateContent>
-      </p:grpSp>
       <p:sp>
         <p:nvSpPr>
           <p:cNvPr id="9" name="TextBox 8">
@@ -7932,17 +7883,55 @@
           <a:p>
             <a:r>
               <a:rPr lang="en-US" dirty="0"/>
-              <a:t>Time domain structures (TDS) in magnetosphere </a:t>
+              <a:t>Time domain structures (TDS)</a:t>
+            </a:r>
+            <a:r>
+              <a:rPr lang="en-US" baseline="30000" dirty="0"/>
+              <a:t>*</a:t>
+            </a:r>
+            <a:r>
+              <a:rPr lang="en-US" dirty="0"/>
+              <a:t> in magnetosphere </a:t>
             </a:r>
           </a:p>
         </p:txBody>
       </p:sp>
+      <p:pic>
+        <p:nvPicPr>
+          <p:cNvPr id="6" name="Picture 5">
+            <a:extLst>
+              <a:ext uri="{FF2B5EF4-FFF2-40B4-BE49-F238E27FC236}">
+                <a16:creationId xmlns:a16="http://schemas.microsoft.com/office/drawing/2014/main" id="{A054AF76-4263-A964-EB98-A01A9F09AAC7}"/>
+              </a:ext>
+            </a:extLst>
+          </p:cNvPr>
+          <p:cNvPicPr>
+            <a:picLocks noChangeAspect="1"/>
+          </p:cNvPicPr>
+          <p:nvPr/>
+        </p:nvPicPr>
+        <p:blipFill>
+          <a:blip r:embed="rId2"/>
+          <a:stretch>
+            <a:fillRect/>
+          </a:stretch>
+        </p:blipFill>
+        <p:spPr>
+          <a:xfrm>
+            <a:off x="762000" y="2091372"/>
+            <a:ext cx="6187201" cy="2076150"/>
+          </a:xfrm>
+          <a:prstGeom prst="rect">
+            <a:avLst/>
+          </a:prstGeom>
+        </p:spPr>
+      </p:pic>
       <p:grpSp>
         <p:nvGrpSpPr>
-          <p:cNvPr id="23" name="Group 22">
+          <p:cNvPr id="8" name="Group 7">
             <a:extLst>
               <a:ext uri="{FF2B5EF4-FFF2-40B4-BE49-F238E27FC236}">
-                <a16:creationId xmlns:a16="http://schemas.microsoft.com/office/drawing/2014/main" id="{ADFBE179-D9E7-6A7C-1F6B-399ECC87CE53}"/>
+                <a16:creationId xmlns:a16="http://schemas.microsoft.com/office/drawing/2014/main" id="{1633BDAB-B46B-4E1C-A68B-9EEB11589FAD}"/>
               </a:ext>
             </a:extLst>
           </p:cNvPr>
@@ -7951,441 +7940,677 @@
         </p:nvGrpSpPr>
         <p:grpSpPr>
           <a:xfrm>
-            <a:off x="762000" y="1025188"/>
-            <a:ext cx="6187201" cy="3142334"/>
-            <a:chOff x="4335933" y="1731486"/>
-            <a:chExt cx="6187201" cy="3142334"/>
+            <a:off x="4412339" y="980632"/>
+            <a:ext cx="7495750" cy="3346127"/>
+            <a:chOff x="3655542" y="1025188"/>
+            <a:chExt cx="7495750" cy="3346127"/>
           </a:xfrm>
         </p:grpSpPr>
-        <p:pic>
-          <p:nvPicPr>
-            <p:cNvPr id="6" name="Picture 5">
+        <p:grpSp>
+          <p:nvGrpSpPr>
+            <p:cNvPr id="2" name="Group 1">
               <a:extLst>
                 <a:ext uri="{FF2B5EF4-FFF2-40B4-BE49-F238E27FC236}">
-                  <a16:creationId xmlns:a16="http://schemas.microsoft.com/office/drawing/2014/main" id="{A054AF76-4263-A964-EB98-A01A9F09AAC7}"/>
+                  <a16:creationId xmlns:a16="http://schemas.microsoft.com/office/drawing/2014/main" id="{829DB891-0ADB-4FCB-B3FB-A3FF41D53A30}"/>
                 </a:ext>
               </a:extLst>
             </p:cNvPr>
-            <p:cNvPicPr>
-              <a:picLocks noChangeAspect="1"/>
-            </p:cNvPicPr>
+            <p:cNvGrpSpPr/>
             <p:nvPr/>
-          </p:nvPicPr>
-          <p:blipFill>
-            <a:blip r:embed="rId4"/>
-            <a:stretch>
-              <a:fillRect/>
-            </a:stretch>
-          </p:blipFill>
-          <p:spPr>
+          </p:nvGrpSpPr>
+          <p:grpSpPr>
             <a:xfrm>
-              <a:off x="4335933" y="2797670"/>
-              <a:ext cx="6187201" cy="2076150"/>
+              <a:off x="3655542" y="1264682"/>
+              <a:ext cx="7495750" cy="3106633"/>
+              <a:chOff x="3655542" y="1264682"/>
+              <a:chExt cx="7495750" cy="3106633"/>
             </a:xfrm>
-            <a:prstGeom prst="rect">
-              <a:avLst/>
-            </a:prstGeom>
-          </p:spPr>
-        </p:pic>
-        <p:sp>
-          <p:nvSpPr>
-            <p:cNvPr id="10" name="Rectangle 9">
-              <a:extLst>
-                <a:ext uri="{FF2B5EF4-FFF2-40B4-BE49-F238E27FC236}">
-                  <a16:creationId xmlns:a16="http://schemas.microsoft.com/office/drawing/2014/main" id="{A6780476-3BB2-0BAA-9C00-431DF03A8BDE}"/>
-                </a:ext>
-              </a:extLst>
-            </p:cNvPr>
-            <p:cNvSpPr/>
-            <p:nvPr/>
-          </p:nvSpPr>
-          <p:spPr>
-            <a:xfrm>
-              <a:off x="8071688" y="2911670"/>
-              <a:ext cx="513347" cy="1209675"/>
-            </a:xfrm>
-            <a:prstGeom prst="rect">
-              <a:avLst/>
-            </a:prstGeom>
-            <a:solidFill>
-              <a:schemeClr val="accent1">
-                <a:alpha val="18000"/>
-              </a:schemeClr>
-            </a:solidFill>
-          </p:spPr>
-          <p:style>
-            <a:lnRef idx="2">
-              <a:schemeClr val="accent1">
-                <a:shade val="15000"/>
-              </a:schemeClr>
-            </a:lnRef>
-            <a:fillRef idx="1">
-              <a:schemeClr val="accent1"/>
-            </a:fillRef>
-            <a:effectRef idx="0">
-              <a:schemeClr val="accent1"/>
-            </a:effectRef>
-            <a:fontRef idx="minor">
-              <a:schemeClr val="lt1"/>
-            </a:fontRef>
-          </p:style>
-          <p:txBody>
-            <a:bodyPr rtlCol="0" anchor="ctr"/>
-            <a:lstStyle/>
-            <a:p>
-              <a:pPr algn="ctr"/>
-              <a:endParaRPr lang="en-US" dirty="0"/>
-            </a:p>
-          </p:txBody>
-        </p:sp>
-        <p:cxnSp>
-          <p:nvCxnSpPr>
-            <p:cNvPr id="14" name="Straight Arrow Connector 13">
-              <a:extLst>
-                <a:ext uri="{FF2B5EF4-FFF2-40B4-BE49-F238E27FC236}">
-                  <a16:creationId xmlns:a16="http://schemas.microsoft.com/office/drawing/2014/main" id="{FD37A0AD-E3EA-F2E3-F6CD-A336C1E7C04F}"/>
-                </a:ext>
-              </a:extLst>
-            </p:cNvPr>
-            <p:cNvCxnSpPr/>
-            <p:nvPr/>
-          </p:nvCxnSpPr>
-          <p:spPr>
-            <a:xfrm>
-              <a:off x="7229475" y="2768874"/>
-              <a:ext cx="1543050" cy="0"/>
-            </a:xfrm>
-            <a:prstGeom prst="straightConnector1">
-              <a:avLst/>
-            </a:prstGeom>
-            <a:ln>
-              <a:solidFill>
-                <a:schemeClr val="tx1"/>
-              </a:solidFill>
-              <a:tailEnd type="triangle"/>
-            </a:ln>
-          </p:spPr>
-          <p:style>
-            <a:lnRef idx="2">
-              <a:schemeClr val="accent1"/>
-            </a:lnRef>
-            <a:fillRef idx="0">
-              <a:schemeClr val="accent1"/>
-            </a:fillRef>
-            <a:effectRef idx="1">
-              <a:schemeClr val="accent1"/>
-            </a:effectRef>
-            <a:fontRef idx="minor">
-              <a:schemeClr val="tx1"/>
-            </a:fontRef>
-          </p:style>
-        </p:cxnSp>
-        <mc:AlternateContent xmlns:mc="http://schemas.openxmlformats.org/markup-compatibility/2006">
-          <mc:Choice xmlns:a14="http://schemas.microsoft.com/office/drawing/2010/main" Requires="a14">
-            <p:sp>
-              <p:nvSpPr>
-                <p:cNvPr id="15" name="TextBox 14">
+          </p:grpSpPr>
+          <p:grpSp>
+            <p:nvGrpSpPr>
+              <p:cNvPr id="13" name="Group 12">
+                <a:extLst>
+                  <a:ext uri="{FF2B5EF4-FFF2-40B4-BE49-F238E27FC236}">
+                    <a16:creationId xmlns:a16="http://schemas.microsoft.com/office/drawing/2014/main" id="{29195A3F-98C5-50D0-245E-6EED24A1F1CE}"/>
+                  </a:ext>
+                </a:extLst>
+              </p:cNvPr>
+              <p:cNvGrpSpPr/>
+              <p:nvPr/>
+            </p:nvGrpSpPr>
+            <p:grpSpPr>
+              <a:xfrm>
+                <a:off x="7540809" y="1264682"/>
+                <a:ext cx="3610483" cy="3106633"/>
+                <a:chOff x="1256919" y="1368417"/>
+                <a:chExt cx="3610483" cy="3106633"/>
+              </a:xfrm>
+            </p:grpSpPr>
+            <p:pic>
+              <p:nvPicPr>
+                <p:cNvPr id="4" name="Picture 3">
                   <a:extLst>
                     <a:ext uri="{FF2B5EF4-FFF2-40B4-BE49-F238E27FC236}">
-                      <a16:creationId xmlns:a16="http://schemas.microsoft.com/office/drawing/2014/main" id="{9DC105B9-DA11-32EE-4632-7BC14DA1500D}"/>
+                      <a16:creationId xmlns:a16="http://schemas.microsoft.com/office/drawing/2014/main" id="{7D180345-15C3-0C8C-1E46-99D8CD8212D0}"/>
                     </a:ext>
                   </a:extLst>
                 </p:cNvPr>
-                <p:cNvSpPr txBox="1"/>
+                <p:cNvPicPr>
+                  <a:picLocks noChangeAspect="1"/>
+                </p:cNvPicPr>
+                <p:nvPr/>
+              </p:nvPicPr>
+              <p:blipFill>
+                <a:blip r:embed="rId3"/>
+                <a:stretch>
+                  <a:fillRect/>
+                </a:stretch>
+              </p:blipFill>
+              <p:spPr>
+                <a:xfrm>
+                  <a:off x="1256919" y="1368417"/>
+                  <a:ext cx="3018875" cy="3106633"/>
+                </a:xfrm>
+                <a:prstGeom prst="rect">
+                  <a:avLst/>
+                </a:prstGeom>
+              </p:spPr>
+            </p:pic>
+            <p:sp>
+              <p:nvSpPr>
+                <p:cNvPr id="5" name="Rectangle 4">
+                  <a:extLst>
+                    <a:ext uri="{FF2B5EF4-FFF2-40B4-BE49-F238E27FC236}">
+                      <a16:creationId xmlns:a16="http://schemas.microsoft.com/office/drawing/2014/main" id="{C795C48A-A1E6-192E-00B3-3E9FB3803EFC}"/>
+                    </a:ext>
+                  </a:extLst>
+                </p:cNvPr>
+                <p:cNvSpPr/>
                 <p:nvPr/>
               </p:nvSpPr>
               <p:spPr>
                 <a:xfrm>
-                  <a:off x="8310563" y="2424641"/>
-                  <a:ext cx="457200" cy="369332"/>
+                  <a:off x="3389260" y="2028825"/>
+                  <a:ext cx="240384" cy="1590891"/>
                 </a:xfrm>
                 <a:prstGeom prst="rect">
                   <a:avLst/>
                 </a:prstGeom>
-                <a:noFill/>
+                <a:solidFill>
+                  <a:schemeClr val="bg1"/>
+                </a:solidFill>
+                <a:ln>
+                  <a:noFill/>
+                </a:ln>
               </p:spPr>
+              <p:style>
+                <a:lnRef idx="2">
+                  <a:schemeClr val="accent1">
+                    <a:shade val="15000"/>
+                  </a:schemeClr>
+                </a:lnRef>
+                <a:fillRef idx="1">
+                  <a:schemeClr val="accent1"/>
+                </a:fillRef>
+                <a:effectRef idx="0">
+                  <a:schemeClr val="accent1"/>
+                </a:effectRef>
+                <a:fontRef idx="minor">
+                  <a:schemeClr val="lt1"/>
+                </a:fontRef>
+              </p:style>
               <p:txBody>
-                <a:bodyPr wrap="square" rtlCol="0">
-                  <a:spAutoFit/>
-                </a:bodyPr>
+                <a:bodyPr rtlCol="0" anchor="ctr"/>
                 <a:lstStyle/>
                 <a:p>
-                  <a14:m>
-                    <m:oMathPara xmlns:m="http://schemas.openxmlformats.org/officeDocument/2006/math">
-                      <m:oMathParaPr>
-                        <m:jc m:val="centerGroup"/>
-                      </m:oMathParaPr>
-                      <m:oMath xmlns:m="http://schemas.openxmlformats.org/officeDocument/2006/math">
-                        <m:r>
-                          <a:rPr lang="en-US" b="1" i="1" smtClean="0">
-                            <a:latin typeface="Cambria Math" panose="02040503050406030204" pitchFamily="18" charset="0"/>
-                          </a:rPr>
-                          <m:t>𝒌</m:t>
-                        </m:r>
-                      </m:oMath>
-                    </m:oMathPara>
-                  </a14:m>
-                  <a:endParaRPr lang="en-US" b="1" dirty="0"/>
+                  <a:pPr algn="ctr"/>
+                  <a:endParaRPr lang="en-US"/>
                 </a:p>
               </p:txBody>
             </p:sp>
-          </mc:Choice>
-          <mc:Fallback>
-            <p:sp>
-              <p:nvSpPr>
-                <p:cNvPr id="15" name="TextBox 14">
+            <p:cxnSp>
+              <p:nvCxnSpPr>
+                <p:cNvPr id="7" name="Straight Arrow Connector 6">
                   <a:extLst>
                     <a:ext uri="{FF2B5EF4-FFF2-40B4-BE49-F238E27FC236}">
-                      <a16:creationId xmlns:a16="http://schemas.microsoft.com/office/drawing/2014/main" id="{9DC105B9-DA11-32EE-4632-7BC14DA1500D}"/>
+                      <a16:creationId xmlns:a16="http://schemas.microsoft.com/office/drawing/2014/main" id="{C84D1184-9819-B552-7420-C4625AA81A4D}"/>
                     </a:ext>
                   </a:extLst>
                 </p:cNvPr>
-                <p:cNvSpPr txBox="1">
-                  <a:spLocks noRot="1" noChangeAspect="1" noMove="1" noResize="1" noEditPoints="1" noAdjustHandles="1" noChangeArrowheads="1" noChangeShapeType="1" noTextEdit="1"/>
-                </p:cNvSpPr>
+                <p:cNvCxnSpPr>
+                  <a:cxnSpLocks/>
+                </p:cNvCxnSpPr>
                 <p:nvPr/>
-              </p:nvSpPr>
+              </p:nvCxnSpPr>
               <p:spPr>
                 <a:xfrm>
-                  <a:off x="8310563" y="2424641"/>
-                  <a:ext cx="457200" cy="369332"/>
+                  <a:off x="3597751" y="2122535"/>
+                  <a:ext cx="23011" cy="1318183"/>
                 </a:xfrm>
-                <a:prstGeom prst="rect">
+                <a:prstGeom prst="straightConnector1">
                   <a:avLst/>
                 </a:prstGeom>
-                <a:blipFill>
-                  <a:blip r:embed="rId5"/>
-                  <a:stretch>
-                    <a:fillRect/>
-                  </a:stretch>
-                </a:blipFill>
+                <a:ln>
+                  <a:solidFill>
+                    <a:srgbClr val="0070C0"/>
+                  </a:solidFill>
+                  <a:tailEnd type="triangle"/>
+                </a:ln>
               </p:spPr>
-              <p:txBody>
-                <a:bodyPr/>
-                <a:lstStyle/>
-                <a:p>
-                  <a:r>
-                    <a:rPr lang="en-US">
-                      <a:noFill/>
-                    </a:rPr>
-                    <a:t> </a:t>
-                  </a:r>
-                </a:p>
-              </p:txBody>
-            </p:sp>
-          </mc:Fallback>
-        </mc:AlternateContent>
-        <p:cxnSp>
-          <p:nvCxnSpPr>
-            <p:cNvPr id="17" name="Straight Arrow Connector 16">
-              <a:extLst>
-                <a:ext uri="{FF2B5EF4-FFF2-40B4-BE49-F238E27FC236}">
-                  <a16:creationId xmlns:a16="http://schemas.microsoft.com/office/drawing/2014/main" id="{157C76B5-1539-A5DD-599D-723CDE369D20}"/>
-                </a:ext>
-              </a:extLst>
-            </p:cNvPr>
-            <p:cNvCxnSpPr>
-              <a:cxnSpLocks/>
-            </p:cNvCxnSpPr>
-            <p:nvPr/>
-          </p:nvCxnSpPr>
-          <p:spPr>
-            <a:xfrm>
-              <a:off x="7229475" y="2457600"/>
-              <a:ext cx="1538288" cy="0"/>
-            </a:xfrm>
-            <a:prstGeom prst="straightConnector1">
-              <a:avLst/>
-            </a:prstGeom>
-            <a:ln>
-              <a:solidFill>
-                <a:srgbClr val="0070C0"/>
-              </a:solidFill>
-              <a:tailEnd type="triangle"/>
-            </a:ln>
-          </p:spPr>
-          <p:style>
-            <a:lnRef idx="2">
-              <a:schemeClr val="accent1"/>
-            </a:lnRef>
-            <a:fillRef idx="0">
-              <a:schemeClr val="accent1"/>
-            </a:fillRef>
-            <a:effectRef idx="1">
-              <a:schemeClr val="accent1"/>
-            </a:effectRef>
-            <a:fontRef idx="minor">
-              <a:schemeClr val="tx1"/>
-            </a:fontRef>
-          </p:style>
-        </p:cxnSp>
-        <mc:AlternateContent xmlns:mc="http://schemas.openxmlformats.org/markup-compatibility/2006">
-          <mc:Choice xmlns:a14="http://schemas.microsoft.com/office/drawing/2010/main" Requires="a14">
-            <p:sp>
-              <p:nvSpPr>
-                <p:cNvPr id="18" name="TextBox 17">
-                  <a:extLst>
-                    <a:ext uri="{FF2B5EF4-FFF2-40B4-BE49-F238E27FC236}">
-                      <a16:creationId xmlns:a16="http://schemas.microsoft.com/office/drawing/2014/main" id="{649C2306-CD0D-DEE0-C64B-072328C67A98}"/>
-                    </a:ext>
-                  </a:extLst>
-                </p:cNvPr>
-                <p:cNvSpPr txBox="1"/>
-                <p:nvPr/>
-              </p:nvSpPr>
-              <p:spPr>
-                <a:xfrm>
-                  <a:off x="8377238" y="2088268"/>
-                  <a:ext cx="323850" cy="369332"/>
-                </a:xfrm>
-                <a:prstGeom prst="rect">
-                  <a:avLst/>
-                </a:prstGeom>
-                <a:noFill/>
-              </p:spPr>
-              <p:txBody>
-                <a:bodyPr wrap="square" rtlCol="0">
-                  <a:spAutoFit/>
-                </a:bodyPr>
-                <a:lstStyle/>
-                <a:p>
-                  <a14:m>
-                    <m:oMathPara xmlns:m="http://schemas.openxmlformats.org/officeDocument/2006/math">
-                      <m:oMathParaPr>
-                        <m:jc m:val="centerGroup"/>
-                      </m:oMathParaPr>
-                      <m:oMath xmlns:m="http://schemas.openxmlformats.org/officeDocument/2006/math">
-                        <m:sSub>
-                          <m:sSubPr>
-                            <m:ctrlPr>
-                              <a:rPr lang="en-US" b="0" i="1" smtClean="0">
-                                <a:solidFill>
-                                  <a:srgbClr val="0070C0"/>
-                                </a:solidFill>
+              <p:style>
+                <a:lnRef idx="2">
+                  <a:schemeClr val="accent1"/>
+                </a:lnRef>
+                <a:fillRef idx="0">
+                  <a:schemeClr val="accent1"/>
+                </a:fillRef>
+                <a:effectRef idx="1">
+                  <a:schemeClr val="accent1"/>
+                </a:effectRef>
+                <a:fontRef idx="minor">
+                  <a:schemeClr val="tx1"/>
+                </a:fontRef>
+              </p:style>
+            </p:cxnSp>
+            <mc:AlternateContent xmlns:mc="http://schemas.openxmlformats.org/markup-compatibility/2006">
+              <mc:Choice xmlns:a14="http://schemas.microsoft.com/office/drawing/2010/main" Requires="a14">
+                <p:sp>
+                  <p:nvSpPr>
+                    <p:cNvPr id="12" name="TextBox 11">
+                      <a:extLst>
+                        <a:ext uri="{FF2B5EF4-FFF2-40B4-BE49-F238E27FC236}">
+                          <a16:creationId xmlns:a16="http://schemas.microsoft.com/office/drawing/2014/main" id="{7A928216-7FA6-ADF9-A360-52191DE99548}"/>
+                        </a:ext>
+                      </a:extLst>
+                    </p:cNvPr>
+                    <p:cNvSpPr txBox="1"/>
+                    <p:nvPr/>
+                  </p:nvSpPr>
+                  <p:spPr>
+                    <a:xfrm>
+                      <a:off x="3620762" y="1659493"/>
+                      <a:ext cx="1246640" cy="369332"/>
+                    </a:xfrm>
+                    <a:prstGeom prst="rect">
+                      <a:avLst/>
+                    </a:prstGeom>
+                    <a:noFill/>
+                  </p:spPr>
+                  <p:txBody>
+                    <a:bodyPr wrap="square" rtlCol="0">
+                      <a:spAutoFit/>
+                    </a:bodyPr>
+                    <a:lstStyle/>
+                    <a:p>
+                      <a:pPr/>
+                      <a14:m>
+                        <m:oMathPara xmlns:m="http://schemas.openxmlformats.org/officeDocument/2006/math">
+                          <m:oMathParaPr>
+                            <m:jc m:val="centerGroup"/>
+                          </m:oMathParaPr>
+                          <m:oMath xmlns:m="http://schemas.openxmlformats.org/officeDocument/2006/math">
+                            <m:r>
+                              <a:rPr lang="en-US" b="1" i="1" dirty="0" smtClean="0">
                                 <a:latin typeface="Cambria Math" panose="02040503050406030204" pitchFamily="18" charset="0"/>
                               </a:rPr>
-                            </m:ctrlPr>
-                          </m:sSubPr>
-                          <m:e>
-                            <m:r>
-                              <a:rPr lang="en-US" b="0" i="1" smtClean="0">
-                                <a:solidFill>
-                                  <a:srgbClr val="0070C0"/>
-                                </a:solidFill>
-                                <a:latin typeface="Cambria Math" panose="02040503050406030204" pitchFamily="18" charset="0"/>
-                              </a:rPr>
-                              <m:t>𝐸</m:t>
+                              <m:t>𝒌</m:t>
                             </m:r>
-                          </m:e>
-                          <m:sub>
-                            <m:r>
-                              <a:rPr lang="en-US" b="0" i="1" smtClean="0">
-                                <a:solidFill>
-                                  <a:srgbClr val="0070C0"/>
-                                </a:solidFill>
-                                <a:latin typeface="Cambria Math" panose="02040503050406030204" pitchFamily="18" charset="0"/>
-                              </a:rPr>
-                              <m:t>0</m:t>
-                            </m:r>
-                          </m:sub>
-                        </m:sSub>
-                      </m:oMath>
-                    </m:oMathPara>
-                  </a14:m>
-                  <a:endParaRPr lang="en-US" dirty="0"/>
-                </a:p>
-              </p:txBody>
-            </p:sp>
-          </mc:Choice>
-          <mc:Fallback>
-            <p:sp>
-              <p:nvSpPr>
-                <p:cNvPr id="18" name="TextBox 17">
-                  <a:extLst>
-                    <a:ext uri="{FF2B5EF4-FFF2-40B4-BE49-F238E27FC236}">
-                      <a16:creationId xmlns:a16="http://schemas.microsoft.com/office/drawing/2014/main" id="{649C2306-CD0D-DEE0-C64B-072328C67A98}"/>
-                    </a:ext>
-                  </a:extLst>
-                </p:cNvPr>
-                <p:cNvSpPr txBox="1">
-                  <a:spLocks noRot="1" noChangeAspect="1" noMove="1" noResize="1" noEditPoints="1" noAdjustHandles="1" noChangeArrowheads="1" noChangeShapeType="1" noTextEdit="1"/>
-                </p:cNvSpPr>
-                <p:nvPr/>
-              </p:nvSpPr>
-              <p:spPr>
-                <a:xfrm>
-                  <a:off x="8377238" y="2088268"/>
-                  <a:ext cx="323850" cy="369332"/>
-                </a:xfrm>
-                <a:prstGeom prst="rect">
-                  <a:avLst/>
-                </a:prstGeom>
-                <a:blipFill>
-                  <a:blip r:embed="rId6"/>
-                  <a:stretch>
-                    <a:fillRect r="-16981"/>
-                  </a:stretch>
-                </a:blipFill>
-              </p:spPr>
-              <p:txBody>
-                <a:bodyPr/>
-                <a:lstStyle/>
-                <a:p>
-                  <a:r>
-                    <a:rPr lang="en-US">
-                      <a:noFill/>
-                    </a:rPr>
-                    <a:t> </a:t>
-                  </a:r>
-                </a:p>
-              </p:txBody>
-            </p:sp>
-          </mc:Fallback>
-        </mc:AlternateContent>
-        <p:cxnSp>
-          <p:nvCxnSpPr>
-            <p:cNvPr id="21" name="Straight Arrow Connector 20">
-              <a:extLst>
-                <a:ext uri="{FF2B5EF4-FFF2-40B4-BE49-F238E27FC236}">
-                  <a16:creationId xmlns:a16="http://schemas.microsoft.com/office/drawing/2014/main" id="{BDA8B75C-3968-8395-EF95-B9F63CD8F31F}"/>
-                </a:ext>
-              </a:extLst>
-            </p:cNvPr>
-            <p:cNvCxnSpPr>
-              <a:cxnSpLocks/>
-            </p:cNvCxnSpPr>
-            <p:nvPr/>
-          </p:nvCxnSpPr>
-          <p:spPr>
-            <a:xfrm>
-              <a:off x="7229475" y="2088268"/>
-              <a:ext cx="1538288" cy="0"/>
-            </a:xfrm>
-            <a:prstGeom prst="straightConnector1">
-              <a:avLst/>
-            </a:prstGeom>
-            <a:ln>
+                          </m:oMath>
+                        </m:oMathPara>
+                      </a14:m>
+                      <a:endParaRPr lang="en-US" b="1" dirty="0"/>
+                    </a:p>
+                  </p:txBody>
+                </p:sp>
+              </mc:Choice>
+              <mc:Fallback>
+                <p:sp>
+                  <p:nvSpPr>
+                    <p:cNvPr id="12" name="TextBox 11">
+                      <a:extLst>
+                        <a:ext uri="{FF2B5EF4-FFF2-40B4-BE49-F238E27FC236}">
+                          <a16:creationId xmlns:a16="http://schemas.microsoft.com/office/drawing/2014/main" id="{7A928216-7FA6-ADF9-A360-52191DE99548}"/>
+                        </a:ext>
+                      </a:extLst>
+                    </p:cNvPr>
+                    <p:cNvSpPr txBox="1">
+                      <a:spLocks noRot="1" noChangeAspect="1" noMove="1" noResize="1" noEditPoints="1" noAdjustHandles="1" noChangeArrowheads="1" noChangeShapeType="1" noTextEdit="1"/>
+                    </p:cNvSpPr>
+                    <p:nvPr/>
+                  </p:nvSpPr>
+                  <p:spPr>
+                    <a:xfrm>
+                      <a:off x="3620762" y="1659493"/>
+                      <a:ext cx="1246640" cy="369332"/>
+                    </a:xfrm>
+                    <a:prstGeom prst="rect">
+                      <a:avLst/>
+                    </a:prstGeom>
+                    <a:blipFill>
+                      <a:blip r:embed="rId4"/>
+                      <a:stretch>
+                        <a:fillRect/>
+                      </a:stretch>
+                    </a:blipFill>
+                  </p:spPr>
+                  <p:txBody>
+                    <a:bodyPr/>
+                    <a:lstStyle/>
+                    <a:p>
+                      <a:r>
+                        <a:rPr lang="en-US">
+                          <a:noFill/>
+                        </a:rPr>
+                        <a:t> </a:t>
+                      </a:r>
+                    </a:p>
+                  </p:txBody>
+                </p:sp>
+              </mc:Fallback>
+            </mc:AlternateContent>
+          </p:grpSp>
+          <p:sp>
+            <p:nvSpPr>
+              <p:cNvPr id="10" name="Rectangle 9">
+                <a:extLst>
+                  <a:ext uri="{FF2B5EF4-FFF2-40B4-BE49-F238E27FC236}">
+                    <a16:creationId xmlns:a16="http://schemas.microsoft.com/office/drawing/2014/main" id="{A6780476-3BB2-0BAA-9C00-431DF03A8BDE}"/>
+                  </a:ext>
+                </a:extLst>
+              </p:cNvPr>
+              <p:cNvSpPr/>
+              <p:nvPr/>
+            </p:nvSpPr>
+            <p:spPr>
+              <a:xfrm>
+                <a:off x="3837535" y="2236206"/>
+                <a:ext cx="513347" cy="1209675"/>
+              </a:xfrm>
+              <a:prstGeom prst="rect">
+                <a:avLst/>
+              </a:prstGeom>
               <a:solidFill>
-                <a:srgbClr val="0070C0"/>
+                <a:schemeClr val="accent1">
+                  <a:alpha val="18000"/>
+                </a:schemeClr>
               </a:solidFill>
-              <a:tailEnd type="triangle"/>
-            </a:ln>
-          </p:spPr>
-          <p:style>
-            <a:lnRef idx="2">
-              <a:schemeClr val="accent1"/>
-            </a:lnRef>
-            <a:fillRef idx="0">
-              <a:schemeClr val="accent1"/>
-            </a:fillRef>
-            <a:effectRef idx="1">
-              <a:schemeClr val="accent1"/>
-            </a:effectRef>
-            <a:fontRef idx="minor">
-              <a:schemeClr val="tx1"/>
-            </a:fontRef>
-          </p:style>
-        </p:cxnSp>
+            </p:spPr>
+            <p:style>
+              <a:lnRef idx="2">
+                <a:schemeClr val="accent1">
+                  <a:shade val="15000"/>
+                </a:schemeClr>
+              </a:lnRef>
+              <a:fillRef idx="1">
+                <a:schemeClr val="accent1"/>
+              </a:fillRef>
+              <a:effectRef idx="0">
+                <a:schemeClr val="accent1"/>
+              </a:effectRef>
+              <a:fontRef idx="minor">
+                <a:schemeClr val="lt1"/>
+              </a:fontRef>
+            </p:style>
+            <p:txBody>
+              <a:bodyPr rtlCol="0" anchor="ctr"/>
+              <a:lstStyle/>
+              <a:p>
+                <a:pPr algn="ctr"/>
+                <a:endParaRPr lang="en-US" dirty="0"/>
+              </a:p>
+            </p:txBody>
+          </p:sp>
+          <p:cxnSp>
+            <p:nvCxnSpPr>
+              <p:cNvPr id="14" name="Straight Arrow Connector 13">
+                <a:extLst>
+                  <a:ext uri="{FF2B5EF4-FFF2-40B4-BE49-F238E27FC236}">
+                    <a16:creationId xmlns:a16="http://schemas.microsoft.com/office/drawing/2014/main" id="{FD37A0AD-E3EA-F2E3-F6CD-A336C1E7C04F}"/>
+                  </a:ext>
+                </a:extLst>
+              </p:cNvPr>
+              <p:cNvCxnSpPr/>
+              <p:nvPr/>
+            </p:nvCxnSpPr>
+            <p:spPr>
+              <a:xfrm>
+                <a:off x="3655542" y="2062576"/>
+                <a:ext cx="1543050" cy="0"/>
+              </a:xfrm>
+              <a:prstGeom prst="straightConnector1">
+                <a:avLst/>
+              </a:prstGeom>
+              <a:ln>
+                <a:solidFill>
+                  <a:schemeClr val="tx1"/>
+                </a:solidFill>
+                <a:tailEnd type="triangle"/>
+              </a:ln>
+            </p:spPr>
+            <p:style>
+              <a:lnRef idx="2">
+                <a:schemeClr val="accent1"/>
+              </a:lnRef>
+              <a:fillRef idx="0">
+                <a:schemeClr val="accent1"/>
+              </a:fillRef>
+              <a:effectRef idx="1">
+                <a:schemeClr val="accent1"/>
+              </a:effectRef>
+              <a:fontRef idx="minor">
+                <a:schemeClr val="tx1"/>
+              </a:fontRef>
+            </p:style>
+          </p:cxnSp>
+          <mc:AlternateContent xmlns:mc="http://schemas.openxmlformats.org/markup-compatibility/2006">
+            <mc:Choice xmlns:a14="http://schemas.microsoft.com/office/drawing/2010/main" Requires="a14">
+              <p:sp>
+                <p:nvSpPr>
+                  <p:cNvPr id="15" name="TextBox 14">
+                    <a:extLst>
+                      <a:ext uri="{FF2B5EF4-FFF2-40B4-BE49-F238E27FC236}">
+                        <a16:creationId xmlns:a16="http://schemas.microsoft.com/office/drawing/2014/main" id="{9DC105B9-DA11-32EE-4632-7BC14DA1500D}"/>
+                      </a:ext>
+                    </a:extLst>
+                  </p:cNvPr>
+                  <p:cNvSpPr txBox="1"/>
+                  <p:nvPr/>
+                </p:nvSpPr>
+                <p:spPr>
+                  <a:xfrm>
+                    <a:off x="4736630" y="1718343"/>
+                    <a:ext cx="457200" cy="369332"/>
+                  </a:xfrm>
+                  <a:prstGeom prst="rect">
+                    <a:avLst/>
+                  </a:prstGeom>
+                  <a:noFill/>
+                </p:spPr>
+                <p:txBody>
+                  <a:bodyPr wrap="square" rtlCol="0">
+                    <a:spAutoFit/>
+                  </a:bodyPr>
+                  <a:lstStyle/>
+                  <a:p>
+                    <a:pPr/>
+                    <a14:m>
+                      <m:oMathPara xmlns:m="http://schemas.openxmlformats.org/officeDocument/2006/math">
+                        <m:oMathParaPr>
+                          <m:jc m:val="centerGroup"/>
+                        </m:oMathParaPr>
+                        <m:oMath xmlns:m="http://schemas.openxmlformats.org/officeDocument/2006/math">
+                          <m:r>
+                            <a:rPr lang="en-US" b="1" i="1" smtClean="0">
+                              <a:latin typeface="Cambria Math" panose="02040503050406030204" pitchFamily="18" charset="0"/>
+                            </a:rPr>
+                            <m:t>𝒌</m:t>
+                          </m:r>
+                        </m:oMath>
+                      </m:oMathPara>
+                    </a14:m>
+                    <a:endParaRPr lang="en-US" b="1" dirty="0"/>
+                  </a:p>
+                </p:txBody>
+              </p:sp>
+            </mc:Choice>
+            <mc:Fallback>
+              <p:sp>
+                <p:nvSpPr>
+                  <p:cNvPr id="15" name="TextBox 14">
+                    <a:extLst>
+                      <a:ext uri="{FF2B5EF4-FFF2-40B4-BE49-F238E27FC236}">
+                        <a16:creationId xmlns:a16="http://schemas.microsoft.com/office/drawing/2014/main" id="{9DC105B9-DA11-32EE-4632-7BC14DA1500D}"/>
+                      </a:ext>
+                    </a:extLst>
+                  </p:cNvPr>
+                  <p:cNvSpPr txBox="1">
+                    <a:spLocks noRot="1" noChangeAspect="1" noMove="1" noResize="1" noEditPoints="1" noAdjustHandles="1" noChangeArrowheads="1" noChangeShapeType="1" noTextEdit="1"/>
+                  </p:cNvSpPr>
+                  <p:nvPr/>
+                </p:nvSpPr>
+                <p:spPr>
+                  <a:xfrm>
+                    <a:off x="4736630" y="1718343"/>
+                    <a:ext cx="457200" cy="369332"/>
+                  </a:xfrm>
+                  <a:prstGeom prst="rect">
+                    <a:avLst/>
+                  </a:prstGeom>
+                  <a:blipFill>
+                    <a:blip r:embed="rId5"/>
+                    <a:stretch>
+                      <a:fillRect/>
+                    </a:stretch>
+                  </a:blipFill>
+                </p:spPr>
+                <p:txBody>
+                  <a:bodyPr/>
+                  <a:lstStyle/>
+                  <a:p>
+                    <a:r>
+                      <a:rPr lang="en-US">
+                        <a:noFill/>
+                      </a:rPr>
+                      <a:t> </a:t>
+                    </a:r>
+                  </a:p>
+                </p:txBody>
+              </p:sp>
+            </mc:Fallback>
+          </mc:AlternateContent>
+          <p:cxnSp>
+            <p:nvCxnSpPr>
+              <p:cNvPr id="17" name="Straight Arrow Connector 16">
+                <a:extLst>
+                  <a:ext uri="{FF2B5EF4-FFF2-40B4-BE49-F238E27FC236}">
+                    <a16:creationId xmlns:a16="http://schemas.microsoft.com/office/drawing/2014/main" id="{157C76B5-1539-A5DD-599D-723CDE369D20}"/>
+                  </a:ext>
+                </a:extLst>
+              </p:cNvPr>
+              <p:cNvCxnSpPr>
+                <a:cxnSpLocks/>
+              </p:cNvCxnSpPr>
+              <p:nvPr/>
+            </p:nvCxnSpPr>
+            <p:spPr>
+              <a:xfrm>
+                <a:off x="3655542" y="1751302"/>
+                <a:ext cx="1538288" cy="0"/>
+              </a:xfrm>
+              <a:prstGeom prst="straightConnector1">
+                <a:avLst/>
+              </a:prstGeom>
+              <a:ln>
+                <a:solidFill>
+                  <a:srgbClr val="0070C0"/>
+                </a:solidFill>
+                <a:tailEnd type="triangle"/>
+              </a:ln>
+            </p:spPr>
+            <p:style>
+              <a:lnRef idx="2">
+                <a:schemeClr val="accent1"/>
+              </a:lnRef>
+              <a:fillRef idx="0">
+                <a:schemeClr val="accent1"/>
+              </a:fillRef>
+              <a:effectRef idx="1">
+                <a:schemeClr val="accent1"/>
+              </a:effectRef>
+              <a:fontRef idx="minor">
+                <a:schemeClr val="tx1"/>
+              </a:fontRef>
+            </p:style>
+          </p:cxnSp>
+          <mc:AlternateContent xmlns:mc="http://schemas.openxmlformats.org/markup-compatibility/2006">
+            <mc:Choice xmlns:a14="http://schemas.microsoft.com/office/drawing/2010/main" Requires="a14">
+              <p:sp>
+                <p:nvSpPr>
+                  <p:cNvPr id="18" name="TextBox 17">
+                    <a:extLst>
+                      <a:ext uri="{FF2B5EF4-FFF2-40B4-BE49-F238E27FC236}">
+                        <a16:creationId xmlns:a16="http://schemas.microsoft.com/office/drawing/2014/main" id="{649C2306-CD0D-DEE0-C64B-072328C67A98}"/>
+                      </a:ext>
+                    </a:extLst>
+                  </p:cNvPr>
+                  <p:cNvSpPr txBox="1"/>
+                  <p:nvPr/>
+                </p:nvSpPr>
+                <p:spPr>
+                  <a:xfrm>
+                    <a:off x="4803305" y="1381970"/>
+                    <a:ext cx="323850" cy="369332"/>
+                  </a:xfrm>
+                  <a:prstGeom prst="rect">
+                    <a:avLst/>
+                  </a:prstGeom>
+                  <a:noFill/>
+                </p:spPr>
+                <p:txBody>
+                  <a:bodyPr wrap="square" rtlCol="0">
+                    <a:spAutoFit/>
+                  </a:bodyPr>
+                  <a:lstStyle/>
+                  <a:p>
+                    <a:pPr/>
+                    <a14:m>
+                      <m:oMathPara xmlns:m="http://schemas.openxmlformats.org/officeDocument/2006/math">
+                        <m:oMathParaPr>
+                          <m:jc m:val="centerGroup"/>
+                        </m:oMathParaPr>
+                        <m:oMath xmlns:m="http://schemas.openxmlformats.org/officeDocument/2006/math">
+                          <m:sSub>
+                            <m:sSubPr>
+                              <m:ctrlPr>
+                                <a:rPr lang="en-US" b="0" i="1" smtClean="0">
+                                  <a:solidFill>
+                                    <a:srgbClr val="0070C0"/>
+                                  </a:solidFill>
+                                  <a:latin typeface="Cambria Math" panose="02040503050406030204" pitchFamily="18" charset="0"/>
+                                </a:rPr>
+                              </m:ctrlPr>
+                            </m:sSubPr>
+                            <m:e>
+                              <m:r>
+                                <a:rPr lang="en-US" b="0" i="1" smtClean="0">
+                                  <a:solidFill>
+                                    <a:srgbClr val="0070C0"/>
+                                  </a:solidFill>
+                                  <a:latin typeface="Cambria Math" panose="02040503050406030204" pitchFamily="18" charset="0"/>
+                                </a:rPr>
+                                <m:t>𝐸</m:t>
+                              </m:r>
+                            </m:e>
+                            <m:sub>
+                              <m:r>
+                                <a:rPr lang="en-US" b="0" i="1" smtClean="0">
+                                  <a:solidFill>
+                                    <a:srgbClr val="0070C0"/>
+                                  </a:solidFill>
+                                  <a:latin typeface="Cambria Math" panose="02040503050406030204" pitchFamily="18" charset="0"/>
+                                </a:rPr>
+                                <m:t>0</m:t>
+                              </m:r>
+                            </m:sub>
+                          </m:sSub>
+                        </m:oMath>
+                      </m:oMathPara>
+                    </a14:m>
+                    <a:endParaRPr lang="en-US" dirty="0"/>
+                  </a:p>
+                </p:txBody>
+              </p:sp>
+            </mc:Choice>
+            <mc:Fallback>
+              <p:sp>
+                <p:nvSpPr>
+                  <p:cNvPr id="18" name="TextBox 17">
+                    <a:extLst>
+                      <a:ext uri="{FF2B5EF4-FFF2-40B4-BE49-F238E27FC236}">
+                        <a16:creationId xmlns:a16="http://schemas.microsoft.com/office/drawing/2014/main" id="{649C2306-CD0D-DEE0-C64B-072328C67A98}"/>
+                      </a:ext>
+                    </a:extLst>
+                  </p:cNvPr>
+                  <p:cNvSpPr txBox="1">
+                    <a:spLocks noRot="1" noChangeAspect="1" noMove="1" noResize="1" noEditPoints="1" noAdjustHandles="1" noChangeArrowheads="1" noChangeShapeType="1" noTextEdit="1"/>
+                  </p:cNvSpPr>
+                  <p:nvPr/>
+                </p:nvSpPr>
+                <p:spPr>
+                  <a:xfrm>
+                    <a:off x="4803305" y="1381970"/>
+                    <a:ext cx="323850" cy="369332"/>
+                  </a:xfrm>
+                  <a:prstGeom prst="rect">
+                    <a:avLst/>
+                  </a:prstGeom>
+                  <a:blipFill>
+                    <a:blip r:embed="rId6"/>
+                    <a:stretch>
+                      <a:fillRect r="-18868"/>
+                    </a:stretch>
+                  </a:blipFill>
+                </p:spPr>
+                <p:txBody>
+                  <a:bodyPr/>
+                  <a:lstStyle/>
+                  <a:p>
+                    <a:r>
+                      <a:rPr lang="en-US">
+                        <a:noFill/>
+                      </a:rPr>
+                      <a:t> </a:t>
+                    </a:r>
+                  </a:p>
+                </p:txBody>
+              </p:sp>
+            </mc:Fallback>
+          </mc:AlternateContent>
+          <p:cxnSp>
+            <p:nvCxnSpPr>
+              <p:cNvPr id="21" name="Straight Arrow Connector 20">
+                <a:extLst>
+                  <a:ext uri="{FF2B5EF4-FFF2-40B4-BE49-F238E27FC236}">
+                    <a16:creationId xmlns:a16="http://schemas.microsoft.com/office/drawing/2014/main" id="{BDA8B75C-3968-8395-EF95-B9F63CD8F31F}"/>
+                  </a:ext>
+                </a:extLst>
+              </p:cNvPr>
+              <p:cNvCxnSpPr>
+                <a:cxnSpLocks/>
+              </p:cNvCxnSpPr>
+              <p:nvPr/>
+            </p:nvCxnSpPr>
+            <p:spPr>
+              <a:xfrm>
+                <a:off x="3655542" y="1381970"/>
+                <a:ext cx="1538288" cy="0"/>
+              </a:xfrm>
+              <a:prstGeom prst="straightConnector1">
+                <a:avLst/>
+              </a:prstGeom>
+              <a:ln>
+                <a:solidFill>
+                  <a:srgbClr val="0070C0"/>
+                </a:solidFill>
+                <a:tailEnd type="triangle"/>
+              </a:ln>
+            </p:spPr>
+            <p:style>
+              <a:lnRef idx="2">
+                <a:schemeClr val="accent1"/>
+              </a:lnRef>
+              <a:fillRef idx="0">
+                <a:schemeClr val="accent1"/>
+              </a:fillRef>
+              <a:effectRef idx="1">
+                <a:schemeClr val="accent1"/>
+              </a:effectRef>
+              <a:fontRef idx="minor">
+                <a:schemeClr val="tx1"/>
+              </a:fontRef>
+            </p:style>
+          </p:cxnSp>
+        </p:grpSp>
         <mc:AlternateContent xmlns:mc="http://schemas.openxmlformats.org/markup-compatibility/2006">
           <mc:Choice xmlns:a14="http://schemas.microsoft.com/office/drawing/2010/main" Requires="a14">
             <p:sp>
@@ -8402,7 +8627,7 @@
               </p:nvSpPr>
               <p:spPr>
                 <a:xfrm>
-                  <a:off x="8377238" y="1731486"/>
+                  <a:off x="4803305" y="1025188"/>
                   <a:ext cx="323850" cy="369332"/>
                 </a:xfrm>
                 <a:prstGeom prst="rect">
@@ -8416,6 +8641,7 @@
                 </a:bodyPr>
                 <a:lstStyle/>
                 <a:p>
+                  <a:pPr/>
                   <a14:m>
                     <m:oMathPara xmlns:m="http://schemas.openxmlformats.org/officeDocument/2006/math">
                       <m:oMathParaPr>
@@ -8481,7 +8707,7 @@
               </p:nvSpPr>
               <p:spPr>
                 <a:xfrm>
-                  <a:off x="8377238" y="1731486"/>
+                  <a:off x="4803305" y="1025188"/>
                   <a:ext cx="323850" cy="369332"/>
                 </a:xfrm>
                 <a:prstGeom prst="rect">
@@ -8490,7 +8716,7 @@
                 <a:blipFill>
                   <a:blip r:embed="rId7"/>
                   <a:stretch>
-                    <a:fillRect r="-18868"/>
+                    <a:fillRect r="-20755"/>
                   </a:stretch>
                 </a:blipFill>
               </p:spPr>
@@ -9012,6 +9238,144 @@
           </a:p>
         </p:txBody>
       </p:sp>
+      <p:sp>
+        <p:nvSpPr>
+          <p:cNvPr id="11" name="Rectangle 10">
+            <a:extLst>
+              <a:ext uri="{FF2B5EF4-FFF2-40B4-BE49-F238E27FC236}">
+                <a16:creationId xmlns:a16="http://schemas.microsoft.com/office/drawing/2014/main" id="{2007CC6A-A812-4B44-B4B0-DDFF1C3A2CF4}"/>
+              </a:ext>
+            </a:extLst>
+          </p:cNvPr>
+          <p:cNvSpPr/>
+          <p:nvPr/>
+        </p:nvSpPr>
+        <p:spPr>
+          <a:xfrm>
+            <a:off x="5928559" y="6304100"/>
+            <a:ext cx="6096000" cy="461665"/>
+          </a:xfrm>
+          <a:prstGeom prst="rect">
+            <a:avLst/>
+          </a:prstGeom>
+        </p:spPr>
+        <p:txBody>
+          <a:bodyPr>
+            <a:spAutoFit/>
+          </a:bodyPr>
+          <a:lstStyle/>
+          <a:p>
+            <a:r>
+              <a:rPr lang="en-US" sz="1200" dirty="0"/>
+              <a:t>*Direct observation of electron distributions inside millisecond duration electron holes Physical Review Letters 121 135102</a:t>
+            </a:r>
+          </a:p>
+        </p:txBody>
+      </p:sp>
+      <p:sp>
+        <p:nvSpPr>
+          <p:cNvPr id="16" name="Rectangle: Rounded Corners 15">
+            <a:extLst>
+              <a:ext uri="{FF2B5EF4-FFF2-40B4-BE49-F238E27FC236}">
+                <a16:creationId xmlns:a16="http://schemas.microsoft.com/office/drawing/2014/main" id="{1876A3B7-F873-499C-AFF0-24B656663BB6}"/>
+              </a:ext>
+            </a:extLst>
+          </p:cNvPr>
+          <p:cNvSpPr/>
+          <p:nvPr/>
+        </p:nvSpPr>
+        <p:spPr>
+          <a:xfrm>
+            <a:off x="1371600" y="2753862"/>
+            <a:ext cx="2438400" cy="583121"/>
+          </a:xfrm>
+          <a:prstGeom prst="roundRect">
+            <a:avLst/>
+          </a:prstGeom>
+          <a:solidFill>
+            <a:schemeClr val="bg1"/>
+          </a:solidFill>
+          <a:ln>
+            <a:noFill/>
+          </a:ln>
+        </p:spPr>
+        <p:style>
+          <a:lnRef idx="2">
+            <a:schemeClr val="accent1">
+              <a:shade val="50000"/>
+            </a:schemeClr>
+          </a:lnRef>
+          <a:fillRef idx="1">
+            <a:schemeClr val="accent1"/>
+          </a:fillRef>
+          <a:effectRef idx="0">
+            <a:schemeClr val="accent1"/>
+          </a:effectRef>
+          <a:fontRef idx="minor">
+            <a:schemeClr val="lt1"/>
+          </a:fontRef>
+        </p:style>
+        <p:txBody>
+          <a:bodyPr rtlCol="0" anchor="ctr"/>
+          <a:lstStyle/>
+          <a:p>
+            <a:pPr algn="ctr"/>
+            <a:endParaRPr lang="en-US"/>
+          </a:p>
+        </p:txBody>
+      </p:sp>
+      <p:sp>
+        <p:nvSpPr>
+          <p:cNvPr id="33" name="Rectangle: Rounded Corners 32">
+            <a:extLst>
+              <a:ext uri="{FF2B5EF4-FFF2-40B4-BE49-F238E27FC236}">
+                <a16:creationId xmlns:a16="http://schemas.microsoft.com/office/drawing/2014/main" id="{F640E229-24F7-408E-B4EF-3FA8DC553928}"/>
+              </a:ext>
+            </a:extLst>
+          </p:cNvPr>
+          <p:cNvSpPr/>
+          <p:nvPr/>
+        </p:nvSpPr>
+        <p:spPr>
+          <a:xfrm>
+            <a:off x="5113756" y="2680633"/>
+            <a:ext cx="1072571" cy="583121"/>
+          </a:xfrm>
+          <a:prstGeom prst="roundRect">
+            <a:avLst/>
+          </a:prstGeom>
+          <a:solidFill>
+            <a:schemeClr val="bg1"/>
+          </a:solidFill>
+          <a:ln>
+            <a:noFill/>
+          </a:ln>
+        </p:spPr>
+        <p:style>
+          <a:lnRef idx="2">
+            <a:schemeClr val="accent1">
+              <a:shade val="50000"/>
+            </a:schemeClr>
+          </a:lnRef>
+          <a:fillRef idx="1">
+            <a:schemeClr val="accent1"/>
+          </a:fillRef>
+          <a:effectRef idx="0">
+            <a:schemeClr val="accent1"/>
+          </a:effectRef>
+          <a:fontRef idx="minor">
+            <a:schemeClr val="lt1"/>
+          </a:fontRef>
+        </p:style>
+        <p:txBody>
+          <a:bodyPr rtlCol="0" anchor="ctr"/>
+          <a:lstStyle/>
+          <a:p>
+            <a:pPr algn="ctr"/>
+            <a:endParaRPr lang="en-US"/>
+          </a:p>
+        </p:txBody>
+      </p:sp>
     </p:spTree>
     <p:extLst>
       <p:ext uri="{BB962C8B-B14F-4D97-AF65-F5344CB8AC3E}">
@@ -9022,6 +9386,81 @@
   <p:clrMapOvr>
     <a:masterClrMapping/>
   </p:clrMapOvr>
+  <p:timing>
+    <p:tnLst>
+      <p:par>
+        <p:cTn id="1" dur="indefinite" restart="never" nodeType="tmRoot">
+          <p:childTnLst>
+            <p:seq concurrent="1" nextAc="seek">
+              <p:cTn id="2" dur="indefinite" nodeType="mainSeq">
+                <p:childTnLst>
+                  <p:par>
+                    <p:cTn id="3" fill="hold">
+                      <p:stCondLst>
+                        <p:cond delay="indefinite"/>
+                      </p:stCondLst>
+                      <p:childTnLst>
+                        <p:par>
+                          <p:cTn id="4" fill="hold">
+                            <p:stCondLst>
+                              <p:cond delay="0"/>
+                            </p:stCondLst>
+                            <p:childTnLst>
+                              <p:par>
+                                <p:cTn id="5" presetID="1" presetClass="entr" presetSubtype="0" fill="hold" nodeType="clickEffect">
+                                  <p:stCondLst>
+                                    <p:cond delay="0"/>
+                                  </p:stCondLst>
+                                  <p:childTnLst>
+                                    <p:set>
+                                      <p:cBhvr>
+                                        <p:cTn id="6" dur="1" fill="hold">
+                                          <p:stCondLst>
+                                            <p:cond delay="0"/>
+                                          </p:stCondLst>
+                                        </p:cTn>
+                                        <p:tgtEl>
+                                          <p:spTgt spid="8"/>
+                                        </p:tgtEl>
+                                        <p:attrNameLst>
+                                          <p:attrName>style.visibility</p:attrName>
+                                        </p:attrNameLst>
+                                      </p:cBhvr>
+                                      <p:to>
+                                        <p:strVal val="visible"/>
+                                      </p:to>
+                                    </p:set>
+                                  </p:childTnLst>
+                                </p:cTn>
+                              </p:par>
+                            </p:childTnLst>
+                          </p:cTn>
+                        </p:par>
+                      </p:childTnLst>
+                    </p:cTn>
+                  </p:par>
+                </p:childTnLst>
+              </p:cTn>
+              <p:prevCondLst>
+                <p:cond evt="onPrev" delay="0">
+                  <p:tgtEl>
+                    <p:sldTgt/>
+                  </p:tgtEl>
+                </p:cond>
+              </p:prevCondLst>
+              <p:nextCondLst>
+                <p:cond evt="onNext" delay="0">
+                  <p:tgtEl>
+                    <p:sldTgt/>
+                  </p:tgtEl>
+                </p:cond>
+              </p:nextCondLst>
+            </p:seq>
+          </p:childTnLst>
+        </p:cTn>
+      </p:par>
+    </p:tnLst>
+  </p:timing>
 </p:sld>
 </file>
 
@@ -9453,731 +9892,6 @@
           <a:chExt cx="0" cy="0"/>
         </a:xfrm>
       </p:grpSpPr>
-      <mc:AlternateContent xmlns:mc="http://schemas.openxmlformats.org/markup-compatibility/2006">
-        <mc:Choice xmlns:a14="http://schemas.microsoft.com/office/drawing/2010/main" Requires="a14">
-          <p:sp>
-            <p:nvSpPr>
-              <p:cNvPr id="3" name="TextBox 2">
-                <a:extLst>
-                  <a:ext uri="{FF2B5EF4-FFF2-40B4-BE49-F238E27FC236}">
-                    <a16:creationId xmlns:a16="http://schemas.microsoft.com/office/drawing/2014/main" id="{1576731A-C7D7-99FB-5967-651B79AB24B4}"/>
-                  </a:ext>
-                </a:extLst>
-              </p:cNvPr>
-              <p:cNvSpPr txBox="1"/>
-              <p:nvPr/>
-            </p:nvSpPr>
-            <p:spPr>
-              <a:xfrm>
-                <a:off x="200024" y="1431655"/>
-                <a:ext cx="8048625" cy="724686"/>
-              </a:xfrm>
-              <a:prstGeom prst="rect">
-                <a:avLst/>
-              </a:prstGeom>
-              <a:noFill/>
-            </p:spPr>
-            <p:txBody>
-              <a:bodyPr wrap="square">
-                <a:spAutoFit/>
-              </a:bodyPr>
-              <a:lstStyle/>
-              <a:p>
-                <a:pPr/>
-                <a14:m>
-                  <m:oMathPara xmlns:m="http://schemas.openxmlformats.org/officeDocument/2006/math">
-                    <m:oMathParaPr>
-                      <m:jc m:val="centerGroup"/>
-                    </m:oMathParaPr>
-                    <m:oMath xmlns:m="http://schemas.openxmlformats.org/officeDocument/2006/math">
-                      <m:f>
-                        <m:fPr>
-                          <m:ctrlPr>
-                            <a:rPr lang="en-US" i="1" smtClean="0">
-                              <a:latin typeface="Cambria Math" panose="02040503050406030204" pitchFamily="18" charset="0"/>
-                            </a:rPr>
-                          </m:ctrlPr>
-                        </m:fPr>
-                        <m:num>
-                          <m:sSup>
-                            <m:sSupPr>
-                              <m:ctrlPr>
-                                <a:rPr lang="en-US" i="1">
-                                  <a:latin typeface="Cambria Math" panose="02040503050406030204" pitchFamily="18" charset="0"/>
-                                </a:rPr>
-                              </m:ctrlPr>
-                            </m:sSupPr>
-                            <m:e>
-                              <m:r>
-                                <a:rPr lang="en-US" i="1">
-                                  <a:latin typeface="Cambria Math" panose="02040503050406030204" pitchFamily="18" charset="0"/>
-                                </a:rPr>
-                                <m:t>𝑑</m:t>
-                              </m:r>
-                            </m:e>
-                            <m:sup>
-                              <m:r>
-                                <a:rPr lang="en-US" i="1">
-                                  <a:latin typeface="Cambria Math" panose="02040503050406030204" pitchFamily="18" charset="0"/>
-                                </a:rPr>
-                                <m:t>2</m:t>
-                              </m:r>
-                            </m:sup>
-                          </m:sSup>
-                          <m:sSub>
-                            <m:sSubPr>
-                              <m:ctrlPr>
-                                <a:rPr lang="en-US" i="1">
-                                  <a:latin typeface="Cambria Math" panose="02040503050406030204" pitchFamily="18" charset="0"/>
-                                </a:rPr>
-                              </m:ctrlPr>
-                            </m:sSubPr>
-                            <m:e>
-                              <m:r>
-                                <a:rPr lang="en-US" i="1">
-                                  <a:latin typeface="Cambria Math" panose="02040503050406030204" pitchFamily="18" charset="0"/>
-                                </a:rPr>
-                                <m:t>𝜉</m:t>
-                              </m:r>
-                            </m:e>
-                            <m:sub>
-                              <m:r>
-                                <a:rPr lang="en-US" i="1">
-                                  <a:latin typeface="Cambria Math" panose="02040503050406030204" pitchFamily="18" charset="0"/>
-                                </a:rPr>
-                                <m:t>𝑧</m:t>
-                              </m:r>
-                            </m:sub>
-                          </m:sSub>
-                        </m:num>
-                        <m:den>
-                          <m:r>
-                            <a:rPr lang="en-US" i="1">
-                              <a:latin typeface="Cambria Math" panose="02040503050406030204" pitchFamily="18" charset="0"/>
-                            </a:rPr>
-                            <m:t>𝑑</m:t>
-                          </m:r>
-                          <m:sSup>
-                            <m:sSupPr>
-                              <m:ctrlPr>
-                                <a:rPr lang="en-US" i="1">
-                                  <a:latin typeface="Cambria Math" panose="02040503050406030204" pitchFamily="18" charset="0"/>
-                                </a:rPr>
-                              </m:ctrlPr>
-                            </m:sSupPr>
-                            <m:e>
-                              <m:r>
-                                <a:rPr lang="en-US" i="1">
-                                  <a:latin typeface="Cambria Math" panose="02040503050406030204" pitchFamily="18" charset="0"/>
-                                </a:rPr>
-                                <m:t>𝜏</m:t>
-                              </m:r>
-                            </m:e>
-                            <m:sup>
-                              <m:r>
-                                <a:rPr lang="en-US" i="1">
-                                  <a:latin typeface="Cambria Math" panose="02040503050406030204" pitchFamily="18" charset="0"/>
-                                </a:rPr>
-                                <m:t>2</m:t>
-                              </m:r>
-                            </m:sup>
-                          </m:sSup>
-                        </m:den>
-                      </m:f>
-                      <m:r>
-                        <a:rPr lang="en-US" i="1">
-                          <a:latin typeface="Cambria Math" panose="02040503050406030204" pitchFamily="18" charset="0"/>
-                        </a:rPr>
-                        <m:t>=</m:t>
-                      </m:r>
-                      <m:d>
-                        <m:dPr>
-                          <m:ctrlPr>
-                            <a:rPr lang="en-US" i="1">
-                              <a:latin typeface="Cambria Math" panose="02040503050406030204" pitchFamily="18" charset="0"/>
-                            </a:rPr>
-                          </m:ctrlPr>
-                        </m:dPr>
-                        <m:e>
-                          <m:sSub>
-                            <m:sSubPr>
-                              <m:ctrlPr>
-                                <a:rPr lang="en-US" i="1">
-                                  <a:latin typeface="Cambria Math" panose="02040503050406030204" pitchFamily="18" charset="0"/>
-                                </a:rPr>
-                              </m:ctrlPr>
-                            </m:sSubPr>
-                            <m:e>
-                              <m:r>
-                                <a:rPr lang="en-US" i="1">
-                                  <a:latin typeface="Cambria Math" panose="02040503050406030204" pitchFamily="18" charset="0"/>
-                                </a:rPr>
-                                <m:t>𝜉</m:t>
-                              </m:r>
-                            </m:e>
-                            <m:sub>
-                              <m:r>
-                                <a:rPr lang="en-US" i="1">
-                                  <a:latin typeface="Cambria Math" panose="02040503050406030204" pitchFamily="18" charset="0"/>
-                                </a:rPr>
-                                <m:t>𝑧</m:t>
-                              </m:r>
-                            </m:sub>
-                          </m:sSub>
-                          <m:d>
-                            <m:dPr>
-                              <m:ctrlPr>
-                                <a:rPr lang="en-US" i="1">
-                                  <a:latin typeface="Cambria Math" panose="02040503050406030204" pitchFamily="18" charset="0"/>
-                                </a:rPr>
-                              </m:ctrlPr>
-                            </m:dPr>
-                            <m:e>
-                              <m:r>
-                                <a:rPr lang="en-US" i="1">
-                                  <a:latin typeface="Cambria Math" panose="02040503050406030204" pitchFamily="18" charset="0"/>
-                                </a:rPr>
-                                <m:t>−</m:t>
-                              </m:r>
-                              <m:f>
-                                <m:fPr>
-                                  <m:ctrlPr>
-                                    <a:rPr lang="en-US" i="1">
-                                      <a:latin typeface="Cambria Math" panose="02040503050406030204" pitchFamily="18" charset="0"/>
-                                    </a:rPr>
-                                  </m:ctrlPr>
-                                </m:fPr>
-                                <m:num>
-                                  <m:sSubSup>
-                                    <m:sSubSupPr>
-                                      <m:ctrlPr>
-                                        <a:rPr lang="en-US" i="1">
-                                          <a:latin typeface="Cambria Math" panose="02040503050406030204" pitchFamily="18" charset="0"/>
-                                        </a:rPr>
-                                      </m:ctrlPr>
-                                    </m:sSubSupPr>
-                                    <m:e>
-                                      <m:r>
-                                        <a:rPr lang="en-US" i="1">
-                                          <a:latin typeface="Cambria Math" panose="02040503050406030204" pitchFamily="18" charset="0"/>
-                                        </a:rPr>
-                                        <m:t>𝜉</m:t>
-                                      </m:r>
-                                    </m:e>
-                                    <m:sub>
-                                      <m:r>
-                                        <a:rPr lang="en-US" i="1">
-                                          <a:latin typeface="Cambria Math" panose="02040503050406030204" pitchFamily="18" charset="0"/>
-                                        </a:rPr>
-                                        <m:t>𝑧</m:t>
-                                      </m:r>
-                                    </m:sub>
-                                    <m:sup>
-                                      <m:r>
-                                        <a:rPr lang="en-US" i="1">
-                                          <a:latin typeface="Cambria Math" panose="02040503050406030204" pitchFamily="18" charset="0"/>
-                                        </a:rPr>
-                                        <m:t>2</m:t>
-                                      </m:r>
-                                    </m:sup>
-                                  </m:sSubSup>
-                                  <m:r>
-                                    <a:rPr lang="en-US" i="1">
-                                      <a:latin typeface="Cambria Math" panose="02040503050406030204" pitchFamily="18" charset="0"/>
-                                    </a:rPr>
-                                    <m:t>−</m:t>
-                                  </m:r>
-                                  <m:sSubSup>
-                                    <m:sSubSupPr>
-                                      <m:ctrlPr>
-                                        <a:rPr lang="en-US" i="1">
-                                          <a:latin typeface="Cambria Math" panose="02040503050406030204" pitchFamily="18" charset="0"/>
-                                        </a:rPr>
-                                      </m:ctrlPr>
-                                    </m:sSubSupPr>
-                                    <m:e>
-                                      <m:r>
-                                        <a:rPr lang="en-US" i="1">
-                                          <a:latin typeface="Cambria Math" panose="02040503050406030204" pitchFamily="18" charset="0"/>
-                                        </a:rPr>
-                                        <m:t>𝜉</m:t>
-                                      </m:r>
-                                    </m:e>
-                                    <m:sub>
-                                      <m:r>
-                                        <a:rPr lang="en-US" i="1">
-                                          <a:latin typeface="Cambria Math" panose="02040503050406030204" pitchFamily="18" charset="0"/>
-                                        </a:rPr>
-                                        <m:t>𝑧</m:t>
-                                      </m:r>
-                                      <m:r>
-                                        <a:rPr lang="en-US" i="1">
-                                          <a:latin typeface="Cambria Math" panose="02040503050406030204" pitchFamily="18" charset="0"/>
-                                        </a:rPr>
-                                        <m:t>0</m:t>
-                                      </m:r>
-                                    </m:sub>
-                                    <m:sup>
-                                      <m:r>
-                                        <a:rPr lang="en-US" i="1">
-                                          <a:latin typeface="Cambria Math" panose="02040503050406030204" pitchFamily="18" charset="0"/>
-                                        </a:rPr>
-                                        <m:t>2</m:t>
-                                      </m:r>
-                                    </m:sup>
-                                  </m:sSubSup>
-                                </m:num>
-                                <m:den>
-                                  <m:r>
-                                    <a:rPr lang="en-US" i="1">
-                                      <a:latin typeface="Cambria Math" panose="02040503050406030204" pitchFamily="18" charset="0"/>
-                                    </a:rPr>
-                                    <m:t>2</m:t>
-                                  </m:r>
-                                </m:den>
-                              </m:f>
-                              <m:r>
-                                <a:rPr lang="en-US" i="1">
-                                  <a:latin typeface="Cambria Math" panose="02040503050406030204" pitchFamily="18" charset="0"/>
-                                </a:rPr>
-                                <m:t>+</m:t>
-                              </m:r>
-                              <m:f>
-                                <m:fPr>
-                                  <m:ctrlPr>
-                                    <a:rPr lang="en-US" i="1" smtClean="0">
-                                      <a:solidFill>
-                                        <a:srgbClr val="FF0000"/>
-                                      </a:solidFill>
-                                      <a:latin typeface="Cambria Math" panose="02040503050406030204" pitchFamily="18" charset="0"/>
-                                    </a:rPr>
-                                  </m:ctrlPr>
-                                </m:fPr>
-                                <m:num>
-                                  <m:sSub>
-                                    <m:sSubPr>
-                                      <m:ctrlPr>
-                                        <a:rPr lang="en-US" i="1">
-                                          <a:solidFill>
-                                            <a:srgbClr val="FF0000"/>
-                                          </a:solidFill>
-                                          <a:latin typeface="Cambria Math" panose="02040503050406030204" pitchFamily="18" charset="0"/>
-                                        </a:rPr>
-                                      </m:ctrlPr>
-                                    </m:sSubPr>
-                                    <m:e>
-                                      <m:r>
-                                        <a:rPr lang="en-US">
-                                          <a:solidFill>
-                                            <a:srgbClr val="FF0000"/>
-                                          </a:solidFill>
-                                          <a:latin typeface="Cambria Math" panose="02040503050406030204" pitchFamily="18" charset="0"/>
-                                        </a:rPr>
-                                        <m:t> </m:t>
-                                      </m:r>
-                                      <m:r>
-                                        <m:rPr>
-                                          <m:sty m:val="p"/>
-                                        </m:rPr>
-                                        <a:rPr lang="en-US">
-                                          <a:solidFill>
-                                            <a:srgbClr val="FF0000"/>
-                                          </a:solidFill>
-                                          <a:latin typeface="Cambria Math" panose="02040503050406030204" pitchFamily="18" charset="0"/>
-                                        </a:rPr>
-                                        <m:t>ς</m:t>
-                                      </m:r>
-                                      <m:r>
-                                        <a:rPr lang="en-US" i="1">
-                                          <a:solidFill>
-                                            <a:srgbClr val="FF0000"/>
-                                          </a:solidFill>
-                                          <a:latin typeface="Cambria Math" panose="02040503050406030204" pitchFamily="18" charset="0"/>
-                                        </a:rPr>
-                                        <m:t>𝐸</m:t>
-                                      </m:r>
-                                    </m:e>
-                                    <m:sub>
-                                      <m:r>
-                                        <a:rPr lang="en-US" i="1">
-                                          <a:solidFill>
-                                            <a:srgbClr val="FF0000"/>
-                                          </a:solidFill>
-                                          <a:latin typeface="Cambria Math" panose="02040503050406030204" pitchFamily="18" charset="0"/>
-                                        </a:rPr>
-                                        <m:t>0</m:t>
-                                      </m:r>
-                                    </m:sub>
-                                  </m:sSub>
-                                </m:num>
-                                <m:den>
-                                  <m:r>
-                                    <a:rPr lang="en-US" i="1">
-                                      <a:solidFill>
-                                        <a:srgbClr val="FF0000"/>
-                                      </a:solidFill>
-                                      <a:latin typeface="Cambria Math" panose="02040503050406030204" pitchFamily="18" charset="0"/>
-                                    </a:rPr>
-                                    <m:t>𝑐</m:t>
-                                  </m:r>
-                                  <m:sSub>
-                                    <m:sSubPr>
-                                      <m:ctrlPr>
-                                        <a:rPr lang="en-US" i="1">
-                                          <a:solidFill>
-                                            <a:srgbClr val="FF0000"/>
-                                          </a:solidFill>
-                                          <a:latin typeface="Cambria Math" panose="02040503050406030204" pitchFamily="18" charset="0"/>
-                                        </a:rPr>
-                                      </m:ctrlPr>
-                                    </m:sSubPr>
-                                    <m:e>
-                                      <m:r>
-                                        <a:rPr lang="en-US" i="1">
-                                          <a:solidFill>
-                                            <a:srgbClr val="FF0000"/>
-                                          </a:solidFill>
-                                          <a:latin typeface="Cambria Math" panose="02040503050406030204" pitchFamily="18" charset="0"/>
-                                        </a:rPr>
-                                        <m:t>𝐵</m:t>
-                                      </m:r>
-                                    </m:e>
-                                    <m:sub>
-                                      <m:r>
-                                        <a:rPr lang="en-US" i="1">
-                                          <a:solidFill>
-                                            <a:srgbClr val="FF0000"/>
-                                          </a:solidFill>
-                                          <a:latin typeface="Cambria Math" panose="02040503050406030204" pitchFamily="18" charset="0"/>
-                                        </a:rPr>
-                                        <m:t>0</m:t>
-                                      </m:r>
-                                    </m:sub>
-                                  </m:sSub>
-                                </m:den>
-                              </m:f>
-                              <m:r>
-                                <a:rPr lang="en-US" i="1">
-                                  <a:latin typeface="Cambria Math" panose="02040503050406030204" pitchFamily="18" charset="0"/>
-                                </a:rPr>
-                                <m:t>∫</m:t>
-                              </m:r>
-                              <m:sSub>
-                                <m:sSubPr>
-                                  <m:ctrlPr>
-                                    <a:rPr lang="en-US" i="1">
-                                      <a:latin typeface="Cambria Math" panose="02040503050406030204" pitchFamily="18" charset="0"/>
-                                    </a:rPr>
-                                  </m:ctrlPr>
-                                </m:sSubPr>
-                                <m:e>
-                                  <m:r>
-                                    <m:rPr>
-                                      <m:sty m:val="p"/>
-                                    </m:rPr>
-                                    <a:rPr lang="en-US">
-                                      <a:latin typeface="Cambria Math" panose="02040503050406030204" pitchFamily="18" charset="0"/>
-                                    </a:rPr>
-                                    <m:t>ξ</m:t>
-                                  </m:r>
-                                </m:e>
-                                <m:sub>
-                                  <m:r>
-                                    <m:rPr>
-                                      <m:sty m:val="p"/>
-                                    </m:rPr>
-                                    <a:rPr lang="en-US">
-                                      <a:latin typeface="Cambria Math" panose="02040503050406030204" pitchFamily="18" charset="0"/>
-                                    </a:rPr>
-                                    <m:t>z</m:t>
-                                  </m:r>
-                                </m:sub>
-                              </m:sSub>
-                              <m:r>
-                                <a:rPr lang="en-US" i="1">
-                                  <a:latin typeface="Cambria Math" panose="02040503050406030204" pitchFamily="18" charset="0"/>
-                                </a:rPr>
-                                <m:t>𝑑</m:t>
-                              </m:r>
-                              <m:r>
-                                <a:rPr lang="en-US" i="1">
-                                  <a:latin typeface="Cambria Math" panose="02040503050406030204" pitchFamily="18" charset="0"/>
-                                </a:rPr>
-                                <m:t>𝜏</m:t>
-                              </m:r>
-                              <m:r>
-                                <a:rPr lang="en-US">
-                                  <a:latin typeface="Cambria Math" panose="02040503050406030204" pitchFamily="18" charset="0"/>
-                                </a:rPr>
-                                <m:t>+</m:t>
-                              </m:r>
-                              <m:r>
-                                <a:rPr lang="en-US" i="1">
-                                  <a:latin typeface="Cambria Math" panose="02040503050406030204" pitchFamily="18" charset="0"/>
-                                </a:rPr>
-                                <m:t>𝛼</m:t>
-                              </m:r>
-                              <m:sSub>
-                                <m:sSubPr>
-                                  <m:ctrlPr>
-                                    <a:rPr lang="en-US" i="1">
-                                      <a:latin typeface="Cambria Math" panose="02040503050406030204" pitchFamily="18" charset="0"/>
-                                    </a:rPr>
-                                  </m:ctrlPr>
-                                </m:sSubPr>
-                                <m:e>
-                                  <m:r>
-                                    <a:rPr lang="en-US" i="1">
-                                      <a:latin typeface="Cambria Math" panose="02040503050406030204" pitchFamily="18" charset="0"/>
-                                    </a:rPr>
-                                    <m:t>𝛾</m:t>
-                                  </m:r>
-                                </m:e>
-                                <m:sub>
-                                  <m:r>
-                                    <a:rPr lang="en-US" i="1">
-                                      <a:latin typeface="Cambria Math" panose="02040503050406030204" pitchFamily="18" charset="0"/>
-                                    </a:rPr>
-                                    <m:t>0</m:t>
-                                  </m:r>
-                                </m:sub>
-                              </m:sSub>
-                              <m:sSup>
-                                <m:sSupPr>
-                                  <m:ctrlPr>
-                                    <a:rPr lang="en-US" i="1">
-                                      <a:latin typeface="Cambria Math" panose="02040503050406030204" pitchFamily="18" charset="0"/>
-                                    </a:rPr>
-                                  </m:ctrlPr>
-                                </m:sSupPr>
-                                <m:e>
-                                  <m:r>
-                                    <a:rPr lang="en-US" i="1">
-                                      <a:latin typeface="Cambria Math" panose="02040503050406030204" pitchFamily="18" charset="0"/>
-                                    </a:rPr>
-                                    <m:t>𝜅</m:t>
-                                  </m:r>
-                                </m:e>
-                                <m:sup>
-                                  <m:r>
-                                    <a:rPr lang="en-US" i="1">
-                                      <a:latin typeface="Cambria Math" panose="02040503050406030204" pitchFamily="18" charset="0"/>
-                                    </a:rPr>
-                                    <m:t>′</m:t>
-                                  </m:r>
-                                </m:sup>
-                              </m:sSup>
-                              <m:sSub>
-                                <m:sSubPr>
-                                  <m:ctrlPr>
-                                    <a:rPr lang="en-US" i="1">
-                                      <a:latin typeface="Cambria Math" panose="02040503050406030204" pitchFamily="18" charset="0"/>
-                                    </a:rPr>
-                                  </m:ctrlPr>
-                                </m:sSubPr>
-                                <m:e>
-                                  <m:r>
-                                    <a:rPr lang="en-US" i="1">
-                                      <a:latin typeface="Cambria Math" panose="02040503050406030204" pitchFamily="18" charset="0"/>
-                                    </a:rPr>
-                                    <m:t>𝛽</m:t>
-                                  </m:r>
-                                </m:e>
-                                <m:sub>
-                                  <m:r>
-                                    <a:rPr lang="en-US" i="1">
-                                      <a:latin typeface="Cambria Math" panose="02040503050406030204" pitchFamily="18" charset="0"/>
-                                    </a:rPr>
-                                    <m:t>⊥0</m:t>
-                                  </m:r>
-                                </m:sub>
-                              </m:sSub>
-                              <m:func>
-                                <m:funcPr>
-                                  <m:ctrlPr>
-                                    <a:rPr lang="en-US" i="1">
-                                      <a:latin typeface="Cambria Math" panose="02040503050406030204" pitchFamily="18" charset="0"/>
-                                    </a:rPr>
-                                  </m:ctrlPr>
-                                </m:funcPr>
-                                <m:fName>
-                                  <m:r>
-                                    <m:rPr>
-                                      <m:sty m:val="p"/>
-                                    </m:rPr>
-                                    <a:rPr lang="en-US">
-                                      <a:latin typeface="Cambria Math" panose="02040503050406030204" pitchFamily="18" charset="0"/>
-                                    </a:rPr>
-                                    <m:t>sin</m:t>
-                                  </m:r>
-                                </m:fName>
-                                <m:e>
-                                  <m:sSub>
-                                    <m:sSubPr>
-                                      <m:ctrlPr>
-                                        <a:rPr lang="en-US" i="1">
-                                          <a:latin typeface="Cambria Math" panose="02040503050406030204" pitchFamily="18" charset="0"/>
-                                        </a:rPr>
-                                      </m:ctrlPr>
-                                    </m:sSubPr>
-                                    <m:e>
-                                      <m:r>
-                                        <a:rPr lang="en-US" i="1">
-                                          <a:latin typeface="Cambria Math" panose="02040503050406030204" pitchFamily="18" charset="0"/>
-                                        </a:rPr>
-                                        <m:t>𝜙</m:t>
-                                      </m:r>
-                                    </m:e>
-                                    <m:sub>
-                                      <m:r>
-                                        <a:rPr lang="en-US" i="1">
-                                          <a:latin typeface="Cambria Math" panose="02040503050406030204" pitchFamily="18" charset="0"/>
-                                        </a:rPr>
-                                        <m:t>0</m:t>
-                                      </m:r>
-                                    </m:sub>
-                                  </m:sSub>
-                                </m:e>
-                              </m:func>
-                            </m:e>
-                          </m:d>
-                          <m:r>
-                            <a:rPr lang="en-US" i="1">
-                              <a:latin typeface="Cambria Math" panose="02040503050406030204" pitchFamily="18" charset="0"/>
-                            </a:rPr>
-                            <m:t>−</m:t>
-                          </m:r>
-                          <m:d>
-                            <m:dPr>
-                              <m:ctrlPr>
-                                <a:rPr lang="en-US" i="1">
-                                  <a:latin typeface="Cambria Math" panose="02040503050406030204" pitchFamily="18" charset="0"/>
-                                </a:rPr>
-                              </m:ctrlPr>
-                            </m:dPr>
-                            <m:e>
-                              <m:sSub>
-                                <m:sSubPr>
-                                  <m:ctrlPr>
-                                    <a:rPr lang="en-US" i="1">
-                                      <a:latin typeface="Cambria Math" panose="02040503050406030204" pitchFamily="18" charset="0"/>
-                                    </a:rPr>
-                                  </m:ctrlPr>
-                                </m:sSubPr>
-                                <m:e>
-                                  <m:r>
-                                    <a:rPr lang="en-US" i="1">
-                                      <a:latin typeface="Cambria Math" panose="02040503050406030204" pitchFamily="18" charset="0"/>
-                                    </a:rPr>
-                                    <m:t>𝜉</m:t>
-                                  </m:r>
-                                </m:e>
-                                <m:sub>
-                                  <m:r>
-                                    <a:rPr lang="en-US" i="1">
-                                      <a:latin typeface="Cambria Math" panose="02040503050406030204" pitchFamily="18" charset="0"/>
-                                    </a:rPr>
-                                    <m:t>𝑧</m:t>
-                                  </m:r>
-                                </m:sub>
-                              </m:sSub>
-                              <m:r>
-                                <a:rPr lang="en-US" i="1">
-                                  <a:latin typeface="Cambria Math" panose="02040503050406030204" pitchFamily="18" charset="0"/>
-                                </a:rPr>
-                                <m:t>−1</m:t>
-                              </m:r>
-                            </m:e>
-                          </m:d>
-                          <m:sSup>
-                            <m:sSupPr>
-                              <m:ctrlPr>
-                                <a:rPr lang="en-US" i="1" smtClean="0">
-                                  <a:solidFill>
-                                    <a:srgbClr val="FF0000"/>
-                                  </a:solidFill>
-                                  <a:latin typeface="Cambria Math" panose="02040503050406030204" pitchFamily="18" charset="0"/>
-                                </a:rPr>
-                              </m:ctrlPr>
-                            </m:sSupPr>
-                            <m:e>
-                              <m:r>
-                                <a:rPr lang="en-US" i="1">
-                                  <a:solidFill>
-                                    <a:srgbClr val="FF0000"/>
-                                  </a:solidFill>
-                                  <a:latin typeface="Cambria Math" panose="02040503050406030204" pitchFamily="18" charset="0"/>
-                                </a:rPr>
-                                <m:t>𝜅</m:t>
-                              </m:r>
-                            </m:e>
-                            <m:sup>
-                              <m:r>
-                                <a:rPr lang="en-US" i="1">
-                                  <a:solidFill>
-                                    <a:srgbClr val="FF0000"/>
-                                  </a:solidFill>
-                                  <a:latin typeface="Cambria Math" panose="02040503050406030204" pitchFamily="18" charset="0"/>
-                                </a:rPr>
-                                <m:t>′2</m:t>
-                              </m:r>
-                            </m:sup>
-                          </m:sSup>
-                        </m:e>
-                      </m:d>
-                    </m:oMath>
-                  </m:oMathPara>
-                </a14:m>
-                <a:endParaRPr lang="en-US" dirty="0"/>
-              </a:p>
-            </p:txBody>
-          </p:sp>
-        </mc:Choice>
-        <mc:Fallback>
-          <p:sp>
-            <p:nvSpPr>
-              <p:cNvPr id="3" name="TextBox 2">
-                <a:extLst>
-                  <a:ext uri="{FF2B5EF4-FFF2-40B4-BE49-F238E27FC236}">
-                    <a16:creationId xmlns:a16="http://schemas.microsoft.com/office/drawing/2014/main" id="{1576731A-C7D7-99FB-5967-651B79AB24B4}"/>
-                  </a:ext>
-                </a:extLst>
-              </p:cNvPr>
-              <p:cNvSpPr txBox="1">
-                <a:spLocks noRot="1" noChangeAspect="1" noMove="1" noResize="1" noEditPoints="1" noAdjustHandles="1" noChangeArrowheads="1" noChangeShapeType="1" noTextEdit="1"/>
-              </p:cNvSpPr>
-              <p:nvPr/>
-            </p:nvSpPr>
-            <p:spPr>
-              <a:xfrm>
-                <a:off x="200024" y="1431655"/>
-                <a:ext cx="8048625" cy="724686"/>
-              </a:xfrm>
-              <a:prstGeom prst="rect">
-                <a:avLst/>
-              </a:prstGeom>
-              <a:blipFill>
-                <a:blip r:embed="rId2"/>
-                <a:stretch>
-                  <a:fillRect/>
-                </a:stretch>
-              </a:blipFill>
-            </p:spPr>
-            <p:txBody>
-              <a:bodyPr/>
-              <a:lstStyle/>
-              <a:p>
-                <a:r>
-                  <a:rPr lang="en-US">
-                    <a:noFill/>
-                  </a:rPr>
-                  <a:t> </a:t>
-                </a:r>
-              </a:p>
-            </p:txBody>
-          </p:sp>
-        </mc:Fallback>
-      </mc:AlternateContent>
       <p:sp>
         <p:nvSpPr>
           <p:cNvPr id="2" name="TextBox 1">
@@ -10193,7 +9907,7 @@
         <p:spPr>
           <a:xfrm>
             <a:off x="266699" y="95250"/>
-            <a:ext cx="2638425" cy="369332"/>
+            <a:ext cx="5829301" cy="369332"/>
           </a:xfrm>
           <a:prstGeom prst="rect">
             <a:avLst/>
@@ -10208,191 +9922,1461 @@
           <a:p>
             <a:r>
               <a:rPr lang="en-US" dirty="0"/>
-              <a:t>Trapping threshold </a:t>
+              <a:t>Trapping threshold</a:t>
+            </a:r>
+            <a:r>
+              <a:rPr lang="zh-CN" altLang="en-US" dirty="0"/>
+              <a:t>：</a:t>
+            </a:r>
+            <a:r>
+              <a:rPr lang="en-US" altLang="zh-CN" dirty="0"/>
+              <a:t>Anomalous doppler effect </a:t>
+            </a:r>
+            <a:r>
+              <a:rPr lang="en-US" dirty="0"/>
+              <a:t> </a:t>
             </a:r>
           </a:p>
         </p:txBody>
       </p:sp>
-      <mc:AlternateContent xmlns:mc="http://schemas.openxmlformats.org/markup-compatibility/2006">
-        <mc:Choice xmlns:a14="http://schemas.microsoft.com/office/drawing/2010/main" Requires="a14">
-          <p:sp>
-            <p:nvSpPr>
-              <p:cNvPr id="5" name="TextBox 4">
-                <a:extLst>
-                  <a:ext uri="{FF2B5EF4-FFF2-40B4-BE49-F238E27FC236}">
-                    <a16:creationId xmlns:a16="http://schemas.microsoft.com/office/drawing/2014/main" id="{A5CC8282-0131-2AF4-514B-D899DBF8B73B}"/>
-                  </a:ext>
-                </a:extLst>
-              </p:cNvPr>
-              <p:cNvSpPr txBox="1"/>
-              <p:nvPr/>
-            </p:nvSpPr>
-            <p:spPr>
-              <a:xfrm>
-                <a:off x="-876300" y="2477154"/>
-                <a:ext cx="6096000" cy="665310"/>
-              </a:xfrm>
-              <a:prstGeom prst="rect">
-                <a:avLst/>
-              </a:prstGeom>
-              <a:noFill/>
-            </p:spPr>
-            <p:txBody>
-              <a:bodyPr wrap="square">
-                <a:spAutoFit/>
-              </a:bodyPr>
-              <a:lstStyle/>
-              <a:p>
-                <a:pPr/>
-                <a14:m>
-                  <m:oMathPara xmlns:m="http://schemas.openxmlformats.org/officeDocument/2006/math">
-                    <m:oMathParaPr>
-                      <m:jc m:val="centerGroup"/>
-                    </m:oMathParaPr>
+      <p:grpSp>
+        <p:nvGrpSpPr>
+          <p:cNvPr id="4" name="Group 3">
+            <a:extLst>
+              <a:ext uri="{FF2B5EF4-FFF2-40B4-BE49-F238E27FC236}">
+                <a16:creationId xmlns:a16="http://schemas.microsoft.com/office/drawing/2014/main" id="{52539AB2-4BD8-4B0D-BB1A-E4B0FE2F7308}"/>
+              </a:ext>
+            </a:extLst>
+          </p:cNvPr>
+          <p:cNvGrpSpPr/>
+          <p:nvPr/>
+        </p:nvGrpSpPr>
+        <p:grpSpPr>
+          <a:xfrm>
+            <a:off x="266699" y="1025265"/>
+            <a:ext cx="11327021" cy="3005742"/>
+            <a:chOff x="-1064559" y="1932525"/>
+            <a:chExt cx="11228294" cy="3005742"/>
+          </a:xfrm>
+        </p:grpSpPr>
+        <mc:AlternateContent xmlns:mc="http://schemas.openxmlformats.org/markup-compatibility/2006">
+          <mc:Choice xmlns:a14="http://schemas.microsoft.com/office/drawing/2010/main" Requires="a14">
+            <p:sp>
+              <p:nvSpPr>
+                <p:cNvPr id="3" name="TextBox 2">
+                  <a:extLst>
+                    <a:ext uri="{FF2B5EF4-FFF2-40B4-BE49-F238E27FC236}">
+                      <a16:creationId xmlns:a16="http://schemas.microsoft.com/office/drawing/2014/main" id="{1576731A-C7D7-99FB-5967-651B79AB24B4}"/>
+                    </a:ext>
+                  </a:extLst>
+                </p:cNvPr>
+                <p:cNvSpPr txBox="1"/>
+                <p:nvPr/>
+              </p:nvSpPr>
+              <p:spPr>
+                <a:xfrm>
+                  <a:off x="-32499" y="1932525"/>
+                  <a:ext cx="8048625" cy="724686"/>
+                </a:xfrm>
+                <a:prstGeom prst="rect">
+                  <a:avLst/>
+                </a:prstGeom>
+                <a:noFill/>
+              </p:spPr>
+              <p:txBody>
+                <a:bodyPr wrap="square">
+                  <a:spAutoFit/>
+                </a:bodyPr>
+                <a:lstStyle/>
+                <a:p>
+                  <a:pPr/>
+                  <a14:m>
+                    <m:oMathPara xmlns:m="http://schemas.openxmlformats.org/officeDocument/2006/math">
+                      <m:oMathParaPr>
+                        <m:jc m:val="centerGroup"/>
+                      </m:oMathParaPr>
+                      <m:oMath xmlns:m="http://schemas.openxmlformats.org/officeDocument/2006/math">
+                        <m:f>
+                          <m:fPr>
+                            <m:ctrlPr>
+                              <a:rPr lang="en-US" i="1" smtClean="0">
+                                <a:latin typeface="Cambria Math" panose="02040503050406030204" pitchFamily="18" charset="0"/>
+                              </a:rPr>
+                            </m:ctrlPr>
+                          </m:fPr>
+                          <m:num>
+                            <m:sSup>
+                              <m:sSupPr>
+                                <m:ctrlPr>
+                                  <a:rPr lang="en-US" i="1">
+                                    <a:latin typeface="Cambria Math" panose="02040503050406030204" pitchFamily="18" charset="0"/>
+                                  </a:rPr>
+                                </m:ctrlPr>
+                              </m:sSupPr>
+                              <m:e>
+                                <m:r>
+                                  <a:rPr lang="en-US" i="1">
+                                    <a:latin typeface="Cambria Math" panose="02040503050406030204" pitchFamily="18" charset="0"/>
+                                  </a:rPr>
+                                  <m:t>𝑑</m:t>
+                                </m:r>
+                              </m:e>
+                              <m:sup>
+                                <m:r>
+                                  <a:rPr lang="en-US" i="1">
+                                    <a:latin typeface="Cambria Math" panose="02040503050406030204" pitchFamily="18" charset="0"/>
+                                  </a:rPr>
+                                  <m:t>2</m:t>
+                                </m:r>
+                              </m:sup>
+                            </m:sSup>
+                            <m:sSub>
+                              <m:sSubPr>
+                                <m:ctrlPr>
+                                  <a:rPr lang="en-US" i="1">
+                                    <a:latin typeface="Cambria Math" panose="02040503050406030204" pitchFamily="18" charset="0"/>
+                                  </a:rPr>
+                                </m:ctrlPr>
+                              </m:sSubPr>
+                              <m:e>
+                                <m:r>
+                                  <a:rPr lang="en-US" i="1">
+                                    <a:latin typeface="Cambria Math" panose="02040503050406030204" pitchFamily="18" charset="0"/>
+                                  </a:rPr>
+                                  <m:t>𝜉</m:t>
+                                </m:r>
+                              </m:e>
+                              <m:sub>
+                                <m:r>
+                                  <a:rPr lang="en-US" i="1">
+                                    <a:latin typeface="Cambria Math" panose="02040503050406030204" pitchFamily="18" charset="0"/>
+                                  </a:rPr>
+                                  <m:t>𝑧</m:t>
+                                </m:r>
+                              </m:sub>
+                            </m:sSub>
+                          </m:num>
+                          <m:den>
+                            <m:r>
+                              <a:rPr lang="en-US" i="1">
+                                <a:latin typeface="Cambria Math" panose="02040503050406030204" pitchFamily="18" charset="0"/>
+                              </a:rPr>
+                              <m:t>𝑑</m:t>
+                            </m:r>
+                            <m:sSup>
+                              <m:sSupPr>
+                                <m:ctrlPr>
+                                  <a:rPr lang="en-US" i="1">
+                                    <a:latin typeface="Cambria Math" panose="02040503050406030204" pitchFamily="18" charset="0"/>
+                                  </a:rPr>
+                                </m:ctrlPr>
+                              </m:sSupPr>
+                              <m:e>
+                                <m:r>
+                                  <a:rPr lang="en-US" i="1">
+                                    <a:latin typeface="Cambria Math" panose="02040503050406030204" pitchFamily="18" charset="0"/>
+                                  </a:rPr>
+                                  <m:t>𝜏</m:t>
+                                </m:r>
+                              </m:e>
+                              <m:sup>
+                                <m:r>
+                                  <a:rPr lang="en-US" i="1">
+                                    <a:latin typeface="Cambria Math" panose="02040503050406030204" pitchFamily="18" charset="0"/>
+                                  </a:rPr>
+                                  <m:t>2</m:t>
+                                </m:r>
+                              </m:sup>
+                            </m:sSup>
+                          </m:den>
+                        </m:f>
+                        <m:r>
+                          <a:rPr lang="en-US" i="1">
+                            <a:latin typeface="Cambria Math" panose="02040503050406030204" pitchFamily="18" charset="0"/>
+                          </a:rPr>
+                          <m:t>=</m:t>
+                        </m:r>
+                        <m:d>
+                          <m:dPr>
+                            <m:ctrlPr>
+                              <a:rPr lang="en-US" i="1">
+                                <a:latin typeface="Cambria Math" panose="02040503050406030204" pitchFamily="18" charset="0"/>
+                              </a:rPr>
+                            </m:ctrlPr>
+                          </m:dPr>
+                          <m:e>
+                            <m:sSub>
+                              <m:sSubPr>
+                                <m:ctrlPr>
+                                  <a:rPr lang="en-US" i="1">
+                                    <a:latin typeface="Cambria Math" panose="02040503050406030204" pitchFamily="18" charset="0"/>
+                                  </a:rPr>
+                                </m:ctrlPr>
+                              </m:sSubPr>
+                              <m:e>
+                                <m:r>
+                                  <a:rPr lang="en-US" i="1">
+                                    <a:latin typeface="Cambria Math" panose="02040503050406030204" pitchFamily="18" charset="0"/>
+                                  </a:rPr>
+                                  <m:t>𝜉</m:t>
+                                </m:r>
+                              </m:e>
+                              <m:sub>
+                                <m:r>
+                                  <a:rPr lang="en-US" i="1">
+                                    <a:latin typeface="Cambria Math" panose="02040503050406030204" pitchFamily="18" charset="0"/>
+                                  </a:rPr>
+                                  <m:t>𝑧</m:t>
+                                </m:r>
+                              </m:sub>
+                            </m:sSub>
+                            <m:d>
+                              <m:dPr>
+                                <m:ctrlPr>
+                                  <a:rPr lang="en-US" i="1">
+                                    <a:latin typeface="Cambria Math" panose="02040503050406030204" pitchFamily="18" charset="0"/>
+                                  </a:rPr>
+                                </m:ctrlPr>
+                              </m:dPr>
+                              <m:e>
+                                <m:r>
+                                  <a:rPr lang="en-US" i="1">
+                                    <a:latin typeface="Cambria Math" panose="02040503050406030204" pitchFamily="18" charset="0"/>
+                                  </a:rPr>
+                                  <m:t>−</m:t>
+                                </m:r>
+                                <m:f>
+                                  <m:fPr>
+                                    <m:ctrlPr>
+                                      <a:rPr lang="en-US" i="1">
+                                        <a:latin typeface="Cambria Math" panose="02040503050406030204" pitchFamily="18" charset="0"/>
+                                      </a:rPr>
+                                    </m:ctrlPr>
+                                  </m:fPr>
+                                  <m:num>
+                                    <m:sSubSup>
+                                      <m:sSubSupPr>
+                                        <m:ctrlPr>
+                                          <a:rPr lang="en-US" i="1">
+                                            <a:latin typeface="Cambria Math" panose="02040503050406030204" pitchFamily="18" charset="0"/>
+                                          </a:rPr>
+                                        </m:ctrlPr>
+                                      </m:sSubSupPr>
+                                      <m:e>
+                                        <m:r>
+                                          <a:rPr lang="en-US" i="1">
+                                            <a:latin typeface="Cambria Math" panose="02040503050406030204" pitchFamily="18" charset="0"/>
+                                          </a:rPr>
+                                          <m:t>𝜉</m:t>
+                                        </m:r>
+                                      </m:e>
+                                      <m:sub>
+                                        <m:r>
+                                          <a:rPr lang="en-US" i="1">
+                                            <a:latin typeface="Cambria Math" panose="02040503050406030204" pitchFamily="18" charset="0"/>
+                                          </a:rPr>
+                                          <m:t>𝑧</m:t>
+                                        </m:r>
+                                      </m:sub>
+                                      <m:sup>
+                                        <m:r>
+                                          <a:rPr lang="en-US" i="1">
+                                            <a:latin typeface="Cambria Math" panose="02040503050406030204" pitchFamily="18" charset="0"/>
+                                          </a:rPr>
+                                          <m:t>2</m:t>
+                                        </m:r>
+                                      </m:sup>
+                                    </m:sSubSup>
+                                    <m:r>
+                                      <a:rPr lang="en-US" i="1">
+                                        <a:latin typeface="Cambria Math" panose="02040503050406030204" pitchFamily="18" charset="0"/>
+                                      </a:rPr>
+                                      <m:t>−</m:t>
+                                    </m:r>
+                                    <m:sSubSup>
+                                      <m:sSubSupPr>
+                                        <m:ctrlPr>
+                                          <a:rPr lang="en-US" i="1">
+                                            <a:latin typeface="Cambria Math" panose="02040503050406030204" pitchFamily="18" charset="0"/>
+                                          </a:rPr>
+                                        </m:ctrlPr>
+                                      </m:sSubSupPr>
+                                      <m:e>
+                                        <m:r>
+                                          <a:rPr lang="en-US" i="1">
+                                            <a:latin typeface="Cambria Math" panose="02040503050406030204" pitchFamily="18" charset="0"/>
+                                          </a:rPr>
+                                          <m:t>𝜉</m:t>
+                                        </m:r>
+                                      </m:e>
+                                      <m:sub>
+                                        <m:r>
+                                          <a:rPr lang="en-US" i="1">
+                                            <a:latin typeface="Cambria Math" panose="02040503050406030204" pitchFamily="18" charset="0"/>
+                                          </a:rPr>
+                                          <m:t>𝑧</m:t>
+                                        </m:r>
+                                        <m:r>
+                                          <a:rPr lang="en-US" i="1">
+                                            <a:latin typeface="Cambria Math" panose="02040503050406030204" pitchFamily="18" charset="0"/>
+                                          </a:rPr>
+                                          <m:t>0</m:t>
+                                        </m:r>
+                                      </m:sub>
+                                      <m:sup>
+                                        <m:r>
+                                          <a:rPr lang="en-US" i="1">
+                                            <a:latin typeface="Cambria Math" panose="02040503050406030204" pitchFamily="18" charset="0"/>
+                                          </a:rPr>
+                                          <m:t>2</m:t>
+                                        </m:r>
+                                      </m:sup>
+                                    </m:sSubSup>
+                                  </m:num>
+                                  <m:den>
+                                    <m:r>
+                                      <a:rPr lang="en-US" i="1">
+                                        <a:latin typeface="Cambria Math" panose="02040503050406030204" pitchFamily="18" charset="0"/>
+                                      </a:rPr>
+                                      <m:t>2</m:t>
+                                    </m:r>
+                                  </m:den>
+                                </m:f>
+                                <m:r>
+                                  <a:rPr lang="en-US" i="1">
+                                    <a:latin typeface="Cambria Math" panose="02040503050406030204" pitchFamily="18" charset="0"/>
+                                  </a:rPr>
+                                  <m:t>+</m:t>
+                                </m:r>
+                                <m:f>
+                                  <m:fPr>
+                                    <m:ctrlPr>
+                                      <a:rPr lang="en-US" i="1" smtClean="0">
+                                        <a:solidFill>
+                                          <a:srgbClr val="FF0000"/>
+                                        </a:solidFill>
+                                        <a:latin typeface="Cambria Math" panose="02040503050406030204" pitchFamily="18" charset="0"/>
+                                      </a:rPr>
+                                    </m:ctrlPr>
+                                  </m:fPr>
+                                  <m:num>
+                                    <m:sSub>
+                                      <m:sSubPr>
+                                        <m:ctrlPr>
+                                          <a:rPr lang="en-US" i="1">
+                                            <a:solidFill>
+                                              <a:srgbClr val="FF0000"/>
+                                            </a:solidFill>
+                                            <a:latin typeface="Cambria Math" panose="02040503050406030204" pitchFamily="18" charset="0"/>
+                                          </a:rPr>
+                                        </m:ctrlPr>
+                                      </m:sSubPr>
+                                      <m:e>
+                                        <m:r>
+                                          <a:rPr lang="en-US">
+                                            <a:solidFill>
+                                              <a:srgbClr val="FF0000"/>
+                                            </a:solidFill>
+                                            <a:latin typeface="Cambria Math" panose="02040503050406030204" pitchFamily="18" charset="0"/>
+                                          </a:rPr>
+                                          <m:t> </m:t>
+                                        </m:r>
+                                        <m:r>
+                                          <m:rPr>
+                                            <m:sty m:val="p"/>
+                                          </m:rPr>
+                                          <a:rPr lang="en-US">
+                                            <a:solidFill>
+                                              <a:srgbClr val="FF0000"/>
+                                            </a:solidFill>
+                                            <a:latin typeface="Cambria Math" panose="02040503050406030204" pitchFamily="18" charset="0"/>
+                                          </a:rPr>
+                                          <m:t>ς</m:t>
+                                        </m:r>
+                                        <m:r>
+                                          <a:rPr lang="en-US" i="1">
+                                            <a:solidFill>
+                                              <a:srgbClr val="FF0000"/>
+                                            </a:solidFill>
+                                            <a:latin typeface="Cambria Math" panose="02040503050406030204" pitchFamily="18" charset="0"/>
+                                          </a:rPr>
+                                          <m:t>𝐸</m:t>
+                                        </m:r>
+                                      </m:e>
+                                      <m:sub>
+                                        <m:r>
+                                          <a:rPr lang="en-US" i="1">
+                                            <a:solidFill>
+                                              <a:srgbClr val="FF0000"/>
+                                            </a:solidFill>
+                                            <a:latin typeface="Cambria Math" panose="02040503050406030204" pitchFamily="18" charset="0"/>
+                                          </a:rPr>
+                                          <m:t>0</m:t>
+                                        </m:r>
+                                      </m:sub>
+                                    </m:sSub>
+                                  </m:num>
+                                  <m:den>
+                                    <m:r>
+                                      <a:rPr lang="en-US" i="1">
+                                        <a:solidFill>
+                                          <a:srgbClr val="FF0000"/>
+                                        </a:solidFill>
+                                        <a:latin typeface="Cambria Math" panose="02040503050406030204" pitchFamily="18" charset="0"/>
+                                      </a:rPr>
+                                      <m:t>𝑐</m:t>
+                                    </m:r>
+                                    <m:sSub>
+                                      <m:sSubPr>
+                                        <m:ctrlPr>
+                                          <a:rPr lang="en-US" i="1">
+                                            <a:solidFill>
+                                              <a:srgbClr val="FF0000"/>
+                                            </a:solidFill>
+                                            <a:latin typeface="Cambria Math" panose="02040503050406030204" pitchFamily="18" charset="0"/>
+                                          </a:rPr>
+                                        </m:ctrlPr>
+                                      </m:sSubPr>
+                                      <m:e>
+                                        <m:r>
+                                          <a:rPr lang="en-US" i="1">
+                                            <a:solidFill>
+                                              <a:srgbClr val="FF0000"/>
+                                            </a:solidFill>
+                                            <a:latin typeface="Cambria Math" panose="02040503050406030204" pitchFamily="18" charset="0"/>
+                                          </a:rPr>
+                                          <m:t>𝐵</m:t>
+                                        </m:r>
+                                      </m:e>
+                                      <m:sub>
+                                        <m:r>
+                                          <a:rPr lang="en-US" i="1">
+                                            <a:solidFill>
+                                              <a:srgbClr val="FF0000"/>
+                                            </a:solidFill>
+                                            <a:latin typeface="Cambria Math" panose="02040503050406030204" pitchFamily="18" charset="0"/>
+                                          </a:rPr>
+                                          <m:t>0</m:t>
+                                        </m:r>
+                                      </m:sub>
+                                    </m:sSub>
+                                  </m:den>
+                                </m:f>
+                                <m:r>
+                                  <a:rPr lang="en-US" i="1">
+                                    <a:latin typeface="Cambria Math" panose="02040503050406030204" pitchFamily="18" charset="0"/>
+                                  </a:rPr>
+                                  <m:t>∫</m:t>
+                                </m:r>
+                                <m:sSub>
+                                  <m:sSubPr>
+                                    <m:ctrlPr>
+                                      <a:rPr lang="en-US" i="1">
+                                        <a:latin typeface="Cambria Math" panose="02040503050406030204" pitchFamily="18" charset="0"/>
+                                      </a:rPr>
+                                    </m:ctrlPr>
+                                  </m:sSubPr>
+                                  <m:e>
+                                    <m:r>
+                                      <m:rPr>
+                                        <m:sty m:val="p"/>
+                                      </m:rPr>
+                                      <a:rPr lang="en-US">
+                                        <a:latin typeface="Cambria Math" panose="02040503050406030204" pitchFamily="18" charset="0"/>
+                                      </a:rPr>
+                                      <m:t>ξ</m:t>
+                                    </m:r>
+                                  </m:e>
+                                  <m:sub>
+                                    <m:r>
+                                      <m:rPr>
+                                        <m:sty m:val="p"/>
+                                      </m:rPr>
+                                      <a:rPr lang="en-US">
+                                        <a:latin typeface="Cambria Math" panose="02040503050406030204" pitchFamily="18" charset="0"/>
+                                      </a:rPr>
+                                      <m:t>z</m:t>
+                                    </m:r>
+                                  </m:sub>
+                                </m:sSub>
+                                <m:r>
+                                  <a:rPr lang="en-US" i="1">
+                                    <a:latin typeface="Cambria Math" panose="02040503050406030204" pitchFamily="18" charset="0"/>
+                                  </a:rPr>
+                                  <m:t>𝑑</m:t>
+                                </m:r>
+                                <m:r>
+                                  <a:rPr lang="en-US" i="1">
+                                    <a:latin typeface="Cambria Math" panose="02040503050406030204" pitchFamily="18" charset="0"/>
+                                  </a:rPr>
+                                  <m:t>𝜏</m:t>
+                                </m:r>
+                                <m:r>
+                                  <a:rPr lang="en-US">
+                                    <a:latin typeface="Cambria Math" panose="02040503050406030204" pitchFamily="18" charset="0"/>
+                                  </a:rPr>
+                                  <m:t>+</m:t>
+                                </m:r>
+                                <m:r>
+                                  <a:rPr lang="en-US" i="1">
+                                    <a:latin typeface="Cambria Math" panose="02040503050406030204" pitchFamily="18" charset="0"/>
+                                  </a:rPr>
+                                  <m:t>𝛼</m:t>
+                                </m:r>
+                                <m:sSub>
+                                  <m:sSubPr>
+                                    <m:ctrlPr>
+                                      <a:rPr lang="en-US" i="1">
+                                        <a:latin typeface="Cambria Math" panose="02040503050406030204" pitchFamily="18" charset="0"/>
+                                      </a:rPr>
+                                    </m:ctrlPr>
+                                  </m:sSubPr>
+                                  <m:e>
+                                    <m:r>
+                                      <a:rPr lang="en-US" i="1">
+                                        <a:latin typeface="Cambria Math" panose="02040503050406030204" pitchFamily="18" charset="0"/>
+                                      </a:rPr>
+                                      <m:t>𝛾</m:t>
+                                    </m:r>
+                                  </m:e>
+                                  <m:sub>
+                                    <m:r>
+                                      <a:rPr lang="en-US" i="1">
+                                        <a:latin typeface="Cambria Math" panose="02040503050406030204" pitchFamily="18" charset="0"/>
+                                      </a:rPr>
+                                      <m:t>0</m:t>
+                                    </m:r>
+                                  </m:sub>
+                                </m:sSub>
+                                <m:sSup>
+                                  <m:sSupPr>
+                                    <m:ctrlPr>
+                                      <a:rPr lang="en-US" i="1">
+                                        <a:latin typeface="Cambria Math" panose="02040503050406030204" pitchFamily="18" charset="0"/>
+                                      </a:rPr>
+                                    </m:ctrlPr>
+                                  </m:sSupPr>
+                                  <m:e>
+                                    <m:r>
+                                      <a:rPr lang="en-US" i="1">
+                                        <a:latin typeface="Cambria Math" panose="02040503050406030204" pitchFamily="18" charset="0"/>
+                                      </a:rPr>
+                                      <m:t>𝜅</m:t>
+                                    </m:r>
+                                  </m:e>
+                                  <m:sup>
+                                    <m:r>
+                                      <a:rPr lang="en-US" i="1">
+                                        <a:latin typeface="Cambria Math" panose="02040503050406030204" pitchFamily="18" charset="0"/>
+                                      </a:rPr>
+                                      <m:t>′</m:t>
+                                    </m:r>
+                                  </m:sup>
+                                </m:sSup>
+                                <m:sSub>
+                                  <m:sSubPr>
+                                    <m:ctrlPr>
+                                      <a:rPr lang="en-US" i="1">
+                                        <a:latin typeface="Cambria Math" panose="02040503050406030204" pitchFamily="18" charset="0"/>
+                                      </a:rPr>
+                                    </m:ctrlPr>
+                                  </m:sSubPr>
+                                  <m:e>
+                                    <m:r>
+                                      <a:rPr lang="en-US" i="1">
+                                        <a:latin typeface="Cambria Math" panose="02040503050406030204" pitchFamily="18" charset="0"/>
+                                      </a:rPr>
+                                      <m:t>𝛽</m:t>
+                                    </m:r>
+                                  </m:e>
+                                  <m:sub>
+                                    <m:r>
+                                      <a:rPr lang="en-US" i="1">
+                                        <a:latin typeface="Cambria Math" panose="02040503050406030204" pitchFamily="18" charset="0"/>
+                                      </a:rPr>
+                                      <m:t>⊥0</m:t>
+                                    </m:r>
+                                  </m:sub>
+                                </m:sSub>
+                                <m:func>
+                                  <m:funcPr>
+                                    <m:ctrlPr>
+                                      <a:rPr lang="en-US" i="1">
+                                        <a:latin typeface="Cambria Math" panose="02040503050406030204" pitchFamily="18" charset="0"/>
+                                      </a:rPr>
+                                    </m:ctrlPr>
+                                  </m:funcPr>
+                                  <m:fName>
+                                    <m:r>
+                                      <m:rPr>
+                                        <m:sty m:val="p"/>
+                                      </m:rPr>
+                                      <a:rPr lang="en-US">
+                                        <a:latin typeface="Cambria Math" panose="02040503050406030204" pitchFamily="18" charset="0"/>
+                                      </a:rPr>
+                                      <m:t>sin</m:t>
+                                    </m:r>
+                                  </m:fName>
+                                  <m:e>
+                                    <m:sSub>
+                                      <m:sSubPr>
+                                        <m:ctrlPr>
+                                          <a:rPr lang="en-US" i="1">
+                                            <a:latin typeface="Cambria Math" panose="02040503050406030204" pitchFamily="18" charset="0"/>
+                                          </a:rPr>
+                                        </m:ctrlPr>
+                                      </m:sSubPr>
+                                      <m:e>
+                                        <m:r>
+                                          <a:rPr lang="en-US" i="1">
+                                            <a:latin typeface="Cambria Math" panose="02040503050406030204" pitchFamily="18" charset="0"/>
+                                          </a:rPr>
+                                          <m:t>𝜙</m:t>
+                                        </m:r>
+                                      </m:e>
+                                      <m:sub>
+                                        <m:r>
+                                          <a:rPr lang="en-US" i="1">
+                                            <a:latin typeface="Cambria Math" panose="02040503050406030204" pitchFamily="18" charset="0"/>
+                                          </a:rPr>
+                                          <m:t>0</m:t>
+                                        </m:r>
+                                      </m:sub>
+                                    </m:sSub>
+                                  </m:e>
+                                </m:func>
+                              </m:e>
+                            </m:d>
+                            <m:r>
+                              <a:rPr lang="en-US" i="1">
+                                <a:latin typeface="Cambria Math" panose="02040503050406030204" pitchFamily="18" charset="0"/>
+                              </a:rPr>
+                              <m:t>−</m:t>
+                            </m:r>
+                            <m:d>
+                              <m:dPr>
+                                <m:ctrlPr>
+                                  <a:rPr lang="en-US" i="1">
+                                    <a:latin typeface="Cambria Math" panose="02040503050406030204" pitchFamily="18" charset="0"/>
+                                  </a:rPr>
+                                </m:ctrlPr>
+                              </m:dPr>
+                              <m:e>
+                                <m:sSub>
+                                  <m:sSubPr>
+                                    <m:ctrlPr>
+                                      <a:rPr lang="en-US" i="1">
+                                        <a:latin typeface="Cambria Math" panose="02040503050406030204" pitchFamily="18" charset="0"/>
+                                      </a:rPr>
+                                    </m:ctrlPr>
+                                  </m:sSubPr>
+                                  <m:e>
+                                    <m:r>
+                                      <a:rPr lang="en-US" i="1">
+                                        <a:latin typeface="Cambria Math" panose="02040503050406030204" pitchFamily="18" charset="0"/>
+                                      </a:rPr>
+                                      <m:t>𝜉</m:t>
+                                    </m:r>
+                                  </m:e>
+                                  <m:sub>
+                                    <m:r>
+                                      <a:rPr lang="en-US" i="1">
+                                        <a:latin typeface="Cambria Math" panose="02040503050406030204" pitchFamily="18" charset="0"/>
+                                      </a:rPr>
+                                      <m:t>𝑧</m:t>
+                                    </m:r>
+                                  </m:sub>
+                                </m:sSub>
+                                <m:r>
+                                  <a:rPr lang="en-US" i="1">
+                                    <a:latin typeface="Cambria Math" panose="02040503050406030204" pitchFamily="18" charset="0"/>
+                                  </a:rPr>
+                                  <m:t>−1</m:t>
+                                </m:r>
+                              </m:e>
+                            </m:d>
+                            <m:sSup>
+                              <m:sSupPr>
+                                <m:ctrlPr>
+                                  <a:rPr lang="en-US" i="1" smtClean="0">
+                                    <a:solidFill>
+                                      <a:srgbClr val="FF0000"/>
+                                    </a:solidFill>
+                                    <a:latin typeface="Cambria Math" panose="02040503050406030204" pitchFamily="18" charset="0"/>
+                                  </a:rPr>
+                                </m:ctrlPr>
+                              </m:sSupPr>
+                              <m:e>
+                                <m:r>
+                                  <a:rPr lang="en-US" i="1">
+                                    <a:solidFill>
+                                      <a:srgbClr val="FF0000"/>
+                                    </a:solidFill>
+                                    <a:latin typeface="Cambria Math" panose="02040503050406030204" pitchFamily="18" charset="0"/>
+                                  </a:rPr>
+                                  <m:t>𝜅</m:t>
+                                </m:r>
+                              </m:e>
+                              <m:sup>
+                                <m:r>
+                                  <a:rPr lang="en-US" i="1">
+                                    <a:solidFill>
+                                      <a:srgbClr val="FF0000"/>
+                                    </a:solidFill>
+                                    <a:latin typeface="Cambria Math" panose="02040503050406030204" pitchFamily="18" charset="0"/>
+                                  </a:rPr>
+                                  <m:t>′2</m:t>
+                                </m:r>
+                              </m:sup>
+                            </m:sSup>
+                          </m:e>
+                        </m:d>
+                      </m:oMath>
+                    </m:oMathPara>
+                  </a14:m>
+                  <a:endParaRPr lang="en-US" dirty="0"/>
+                </a:p>
+              </p:txBody>
+            </p:sp>
+          </mc:Choice>
+          <mc:Fallback>
+            <p:sp>
+              <p:nvSpPr>
+                <p:cNvPr id="3" name="TextBox 2">
+                  <a:extLst>
+                    <a:ext uri="{FF2B5EF4-FFF2-40B4-BE49-F238E27FC236}">
+                      <a16:creationId xmlns:a16="http://schemas.microsoft.com/office/drawing/2014/main" id="{1576731A-C7D7-99FB-5967-651B79AB24B4}"/>
+                    </a:ext>
+                  </a:extLst>
+                </p:cNvPr>
+                <p:cNvSpPr txBox="1">
+                  <a:spLocks noRot="1" noChangeAspect="1" noMove="1" noResize="1" noEditPoints="1" noAdjustHandles="1" noChangeArrowheads="1" noChangeShapeType="1" noTextEdit="1"/>
+                </p:cNvSpPr>
+                <p:nvPr/>
+              </p:nvSpPr>
+              <p:spPr>
+                <a:xfrm>
+                  <a:off x="-32499" y="1932525"/>
+                  <a:ext cx="8048625" cy="724686"/>
+                </a:xfrm>
+                <a:prstGeom prst="rect">
+                  <a:avLst/>
+                </a:prstGeom>
+                <a:blipFill>
+                  <a:blip r:embed="rId2"/>
+                  <a:stretch>
+                    <a:fillRect/>
+                  </a:stretch>
+                </a:blipFill>
+              </p:spPr>
+              <p:txBody>
+                <a:bodyPr/>
+                <a:lstStyle/>
+                <a:p>
+                  <a:r>
+                    <a:rPr lang="en-US">
+                      <a:noFill/>
+                    </a:rPr>
+                    <a:t> </a:t>
+                  </a:r>
+                </a:p>
+              </p:txBody>
+            </p:sp>
+          </mc:Fallback>
+        </mc:AlternateContent>
+        <mc:AlternateContent xmlns:mc="http://schemas.openxmlformats.org/markup-compatibility/2006">
+          <mc:Choice xmlns:a14="http://schemas.microsoft.com/office/drawing/2010/main" Requires="a14">
+            <p:sp>
+              <p:nvSpPr>
+                <p:cNvPr id="5" name="TextBox 4">
+                  <a:extLst>
+                    <a:ext uri="{FF2B5EF4-FFF2-40B4-BE49-F238E27FC236}">
+                      <a16:creationId xmlns:a16="http://schemas.microsoft.com/office/drawing/2014/main" id="{A5CC8282-0131-2AF4-514B-D899DBF8B73B}"/>
+                    </a:ext>
+                  </a:extLst>
+                </p:cNvPr>
+                <p:cNvSpPr txBox="1"/>
+                <p:nvPr/>
+              </p:nvSpPr>
+              <p:spPr>
+                <a:xfrm>
+                  <a:off x="-1064559" y="3093492"/>
+                  <a:ext cx="6096000" cy="665310"/>
+                </a:xfrm>
+                <a:prstGeom prst="rect">
+                  <a:avLst/>
+                </a:prstGeom>
+                <a:noFill/>
+              </p:spPr>
+              <p:txBody>
+                <a:bodyPr wrap="square">
+                  <a:spAutoFit/>
+                </a:bodyPr>
+                <a:lstStyle/>
+                <a:p>
+                  <a:pPr/>
+                  <a14:m>
+                    <m:oMathPara xmlns:m="http://schemas.openxmlformats.org/officeDocument/2006/math">
+                      <m:oMathParaPr>
+                        <m:jc m:val="centerGroup"/>
+                      </m:oMathParaPr>
+                      <m:oMath xmlns:m="http://schemas.openxmlformats.org/officeDocument/2006/math">
+                        <m:f>
+                          <m:fPr>
+                            <m:ctrlPr>
+                              <a:rPr lang="en-US" i="1" smtClean="0">
+                                <a:latin typeface="Cambria Math" panose="02040503050406030204" pitchFamily="18" charset="0"/>
+                              </a:rPr>
+                            </m:ctrlPr>
+                          </m:fPr>
+                          <m:num>
+                            <m:r>
+                              <a:rPr lang="en-US" i="1">
+                                <a:latin typeface="Cambria Math" panose="02040503050406030204" pitchFamily="18" charset="0"/>
+                              </a:rPr>
+                              <m:t>𝑑</m:t>
+                            </m:r>
+                            <m:sSub>
+                              <m:sSubPr>
+                                <m:ctrlPr>
+                                  <a:rPr lang="en-US" i="1">
+                                    <a:latin typeface="Cambria Math" panose="02040503050406030204" pitchFamily="18" charset="0"/>
+                                  </a:rPr>
+                                </m:ctrlPr>
+                              </m:sSubPr>
+                              <m:e>
+                                <m:r>
+                                  <a:rPr lang="en-US" i="1">
+                                    <a:latin typeface="Cambria Math" panose="02040503050406030204" pitchFamily="18" charset="0"/>
+                                  </a:rPr>
+                                  <m:t>𝜉</m:t>
+                                </m:r>
+                              </m:e>
+                              <m:sub>
+                                <m:r>
+                                  <a:rPr lang="en-US" i="1">
+                                    <a:latin typeface="Cambria Math" panose="02040503050406030204" pitchFamily="18" charset="0"/>
+                                  </a:rPr>
+                                  <m:t>𝑧</m:t>
+                                </m:r>
+                              </m:sub>
+                            </m:sSub>
+                          </m:num>
+                          <m:den>
+                            <m:r>
+                              <a:rPr lang="en-US" i="1">
+                                <a:latin typeface="Cambria Math" panose="02040503050406030204" pitchFamily="18" charset="0"/>
+                              </a:rPr>
+                              <m:t>𝑑</m:t>
+                            </m:r>
+                            <m:r>
+                              <a:rPr lang="en-US" i="1">
+                                <a:latin typeface="Cambria Math" panose="02040503050406030204" pitchFamily="18" charset="0"/>
+                              </a:rPr>
+                              <m:t>𝜏</m:t>
+                            </m:r>
+                          </m:den>
+                        </m:f>
+                        <m:sSub>
+                          <m:sSubPr>
+                            <m:ctrlPr>
+                              <a:rPr lang="en-US" i="1">
+                                <a:latin typeface="Cambria Math" panose="02040503050406030204" pitchFamily="18" charset="0"/>
+                              </a:rPr>
+                            </m:ctrlPr>
+                          </m:sSubPr>
+                          <m:e>
+                            <m:d>
+                              <m:dPr>
+                                <m:begChr m:val=""/>
+                                <m:endChr m:val="|"/>
+                                <m:ctrlPr>
+                                  <a:rPr lang="en-US" i="1">
+                                    <a:latin typeface="Cambria Math" panose="02040503050406030204" pitchFamily="18" charset="0"/>
+                                  </a:rPr>
+                                </m:ctrlPr>
+                              </m:dPr>
+                              <m:e>
+                                <m:r>
+                                  <a:rPr lang="en-US" i="0">
+                                    <a:latin typeface="Cambria Math" panose="02040503050406030204" pitchFamily="18" charset="0"/>
+                                  </a:rPr>
+                                  <m:t>​</m:t>
+                                </m:r>
+                              </m:e>
+                            </m:d>
+                          </m:e>
+                          <m:sub>
+                            <m:r>
+                              <a:rPr lang="en-US" i="1">
+                                <a:latin typeface="Cambria Math" panose="02040503050406030204" pitchFamily="18" charset="0"/>
+                              </a:rPr>
+                              <m:t>𝜏</m:t>
+                            </m:r>
+                            <m:r>
+                              <a:rPr lang="en-US" i="0">
+                                <a:latin typeface="Cambria Math" panose="02040503050406030204" pitchFamily="18" charset="0"/>
+                              </a:rPr>
+                              <m:t>=0</m:t>
+                            </m:r>
+                          </m:sub>
+                        </m:sSub>
+                        <m:r>
+                          <a:rPr lang="en-US" i="0">
+                            <a:latin typeface="Cambria Math" panose="02040503050406030204" pitchFamily="18" charset="0"/>
+                          </a:rPr>
+                          <m:t>=</m:t>
+                        </m:r>
+                        <m:r>
+                          <a:rPr lang="en-US" i="1">
+                            <a:latin typeface="Cambria Math" panose="02040503050406030204" pitchFamily="18" charset="0"/>
+                          </a:rPr>
+                          <m:t>𝑔𝑠</m:t>
+                        </m:r>
+                        <m:sSup>
+                          <m:sSupPr>
+                            <m:ctrlPr>
+                              <a:rPr lang="en-US" i="1">
+                                <a:latin typeface="Cambria Math" panose="02040503050406030204" pitchFamily="18" charset="0"/>
+                              </a:rPr>
+                            </m:ctrlPr>
+                          </m:sSupPr>
+                          <m:e>
+                            <m:r>
+                              <a:rPr lang="en-US" i="1">
+                                <a:latin typeface="Cambria Math" panose="02040503050406030204" pitchFamily="18" charset="0"/>
+                              </a:rPr>
+                              <m:t>𝜅</m:t>
+                            </m:r>
+                          </m:e>
+                          <m:sup>
+                            <m:r>
+                              <a:rPr lang="en-US" i="0">
+                                <a:latin typeface="Cambria Math" panose="02040503050406030204" pitchFamily="18" charset="0"/>
+                              </a:rPr>
+                              <m:t>′</m:t>
+                            </m:r>
+                          </m:sup>
+                        </m:sSup>
+                        <m:r>
+                          <a:rPr lang="en-US" i="1">
+                            <a:latin typeface="Cambria Math" panose="02040503050406030204" pitchFamily="18" charset="0"/>
+                          </a:rPr>
+                          <m:t>𝑐𝑜𝑠</m:t>
+                        </m:r>
+                        <m:sSub>
+                          <m:sSubPr>
+                            <m:ctrlPr>
+                              <a:rPr lang="en-US" i="1">
+                                <a:latin typeface="Cambria Math" panose="02040503050406030204" pitchFamily="18" charset="0"/>
+                              </a:rPr>
+                            </m:ctrlPr>
+                          </m:sSubPr>
+                          <m:e>
+                            <m:r>
+                              <a:rPr lang="en-US" i="1">
+                                <a:latin typeface="Cambria Math" panose="02040503050406030204" pitchFamily="18" charset="0"/>
+                              </a:rPr>
+                              <m:t>𝜙</m:t>
+                            </m:r>
+                          </m:e>
+                          <m:sub>
+                            <m:r>
+                              <a:rPr lang="en-US" i="0">
+                                <a:latin typeface="Cambria Math" panose="02040503050406030204" pitchFamily="18" charset="0"/>
+                              </a:rPr>
+                              <m:t>0</m:t>
+                            </m:r>
+                          </m:sub>
+                        </m:sSub>
+                        <m:r>
+                          <a:rPr lang="en-US" i="0">
+                            <a:latin typeface="Cambria Math" panose="02040503050406030204" pitchFamily="18" charset="0"/>
+                          </a:rPr>
+                          <m:t>+</m:t>
+                        </m:r>
+                        <m:f>
+                          <m:fPr>
+                            <m:ctrlPr>
+                              <a:rPr lang="en-US" i="1">
+                                <a:latin typeface="Cambria Math" panose="02040503050406030204" pitchFamily="18" charset="0"/>
+                              </a:rPr>
+                            </m:ctrlPr>
+                          </m:fPr>
+                          <m:num>
+                            <m:sSub>
+                              <m:sSubPr>
+                                <m:ctrlPr>
+                                  <a:rPr lang="en-US" i="1">
+                                    <a:latin typeface="Cambria Math" panose="02040503050406030204" pitchFamily="18" charset="0"/>
+                                  </a:rPr>
+                                </m:ctrlPr>
+                              </m:sSubPr>
+                              <m:e>
+                                <m:r>
+                                  <a:rPr lang="en-US" i="1">
+                                    <a:latin typeface="Cambria Math" panose="02040503050406030204" pitchFamily="18" charset="0"/>
+                                  </a:rPr>
+                                  <m:t>𝜍</m:t>
+                                </m:r>
+                                <m:r>
+                                  <a:rPr lang="en-US" i="1">
+                                    <a:latin typeface="Cambria Math" panose="02040503050406030204" pitchFamily="18" charset="0"/>
+                                  </a:rPr>
+                                  <m:t>𝐸</m:t>
+                                </m:r>
+                              </m:e>
+                              <m:sub>
+                                <m:r>
+                                  <a:rPr lang="en-US" i="0">
+                                    <a:latin typeface="Cambria Math" panose="02040503050406030204" pitchFamily="18" charset="0"/>
+                                  </a:rPr>
+                                  <m:t>0</m:t>
+                                </m:r>
+                              </m:sub>
+                            </m:sSub>
+                          </m:num>
+                          <m:den>
+                            <m:r>
+                              <a:rPr lang="en-US" i="1">
+                                <a:latin typeface="Cambria Math" panose="02040503050406030204" pitchFamily="18" charset="0"/>
+                              </a:rPr>
+                              <m:t>𝑐</m:t>
+                            </m:r>
+                            <m:sSub>
+                              <m:sSubPr>
+                                <m:ctrlPr>
+                                  <a:rPr lang="en-US" i="1">
+                                    <a:latin typeface="Cambria Math" panose="02040503050406030204" pitchFamily="18" charset="0"/>
+                                  </a:rPr>
+                                </m:ctrlPr>
+                              </m:sSubPr>
+                              <m:e>
+                                <m:r>
+                                  <a:rPr lang="en-US" i="1">
+                                    <a:latin typeface="Cambria Math" panose="02040503050406030204" pitchFamily="18" charset="0"/>
+                                  </a:rPr>
+                                  <m:t>𝐵</m:t>
+                                </m:r>
+                              </m:e>
+                              <m:sub>
+                                <m:r>
+                                  <a:rPr lang="en-US" i="0">
+                                    <a:latin typeface="Cambria Math" panose="02040503050406030204" pitchFamily="18" charset="0"/>
+                                  </a:rPr>
+                                  <m:t>0</m:t>
+                                </m:r>
+                              </m:sub>
+                            </m:sSub>
+                          </m:den>
+                        </m:f>
+                      </m:oMath>
+                    </m:oMathPara>
+                  </a14:m>
+                  <a:endParaRPr lang="en-US" dirty="0"/>
+                </a:p>
+              </p:txBody>
+            </p:sp>
+          </mc:Choice>
+          <mc:Fallback>
+            <p:sp>
+              <p:nvSpPr>
+                <p:cNvPr id="5" name="TextBox 4">
+                  <a:extLst>
+                    <a:ext uri="{FF2B5EF4-FFF2-40B4-BE49-F238E27FC236}">
+                      <a16:creationId xmlns:a16="http://schemas.microsoft.com/office/drawing/2014/main" id="{A5CC8282-0131-2AF4-514B-D899DBF8B73B}"/>
+                    </a:ext>
+                  </a:extLst>
+                </p:cNvPr>
+                <p:cNvSpPr txBox="1">
+                  <a:spLocks noRot="1" noChangeAspect="1" noMove="1" noResize="1" noEditPoints="1" noAdjustHandles="1" noChangeArrowheads="1" noChangeShapeType="1" noTextEdit="1"/>
+                </p:cNvSpPr>
+                <p:nvPr/>
+              </p:nvSpPr>
+              <p:spPr>
+                <a:xfrm>
+                  <a:off x="-1064559" y="3093492"/>
+                  <a:ext cx="6096000" cy="665310"/>
+                </a:xfrm>
+                <a:prstGeom prst="rect">
+                  <a:avLst/>
+                </a:prstGeom>
+                <a:blipFill>
+                  <a:blip r:embed="rId3"/>
+                  <a:stretch>
+                    <a:fillRect/>
+                  </a:stretch>
+                </a:blipFill>
+              </p:spPr>
+              <p:txBody>
+                <a:bodyPr/>
+                <a:lstStyle/>
+                <a:p>
+                  <a:r>
+                    <a:rPr lang="en-US">
+                      <a:noFill/>
+                    </a:rPr>
+                    <a:t> </a:t>
+                  </a:r>
+                </a:p>
+              </p:txBody>
+            </p:sp>
+          </mc:Fallback>
+        </mc:AlternateContent>
+        <mc:AlternateContent xmlns:mc="http://schemas.openxmlformats.org/markup-compatibility/2006">
+          <mc:Choice xmlns:a14="http://schemas.microsoft.com/office/drawing/2010/main" Requires="a14">
+            <p:sp>
+              <p:nvSpPr>
+                <p:cNvPr id="7" name="TextBox 6">
+                  <a:extLst>
+                    <a:ext uri="{FF2B5EF4-FFF2-40B4-BE49-F238E27FC236}">
+                      <a16:creationId xmlns:a16="http://schemas.microsoft.com/office/drawing/2014/main" id="{F4757D38-A8EF-6FC3-9A55-94F9BDF481AC}"/>
+                    </a:ext>
+                  </a:extLst>
+                </p:cNvPr>
+                <p:cNvSpPr txBox="1"/>
+                <p:nvPr/>
+              </p:nvSpPr>
+              <p:spPr>
+                <a:xfrm>
+                  <a:off x="3629585" y="3210780"/>
+                  <a:ext cx="6534150" cy="563167"/>
+                </a:xfrm>
+                <a:prstGeom prst="rect">
+                  <a:avLst/>
+                </a:prstGeom>
+                <a:noFill/>
+              </p:spPr>
+              <p:txBody>
+                <a:bodyPr wrap="square">
+                  <a:spAutoFit/>
+                </a:bodyPr>
+                <a:lstStyle/>
+                <a:p>
+                  <a:pPr marL="0" marR="0" indent="182880">
+                    <a:lnSpc>
+                      <a:spcPct val="107000"/>
+                    </a:lnSpc>
+                    <a:spcAft>
+                      <a:spcPts val="800"/>
+                    </a:spcAft>
+                    <a:buNone/>
+                  </a:pPr>
+                  <a:r>
+                    <a:rPr lang="en-US" sz="1800" dirty="0">
+                      <a:solidFill>
+                        <a:srgbClr val="000000"/>
+                      </a:solidFill>
+                      <a:effectLst/>
+                      <a:latin typeface="Calibri" panose="020F0502020204030204" pitchFamily="34" charset="0"/>
+                      <a:ea typeface="等线" panose="02010600030101010101" pitchFamily="2" charset="-122"/>
+                      <a:cs typeface="Times New Roman" panose="02020603050405020304" pitchFamily="18" charset="0"/>
+                    </a:rPr>
+                    <a:t>Where </a:t>
+                  </a:r>
+                  <a14:m>
                     <m:oMath xmlns:m="http://schemas.openxmlformats.org/officeDocument/2006/math">
+                      <m:r>
+                        <m:rPr>
+                          <m:sty m:val="p"/>
+                        </m:rPr>
+                        <a:rPr lang="en-US" sz="1800">
+                          <a:solidFill>
+                            <a:srgbClr val="000000"/>
+                          </a:solidFill>
+                          <a:effectLst/>
+                          <a:latin typeface="Cambria Math" panose="02040503050406030204" pitchFamily="18" charset="0"/>
+                          <a:ea typeface="等线" panose="02010600030101010101" pitchFamily="2" charset="-122"/>
+                          <a:cs typeface="Times New Roman" panose="02020603050405020304" pitchFamily="18" charset="0"/>
+                        </a:rPr>
+                        <m:t>s</m:t>
+                      </m:r>
+                      <m:r>
+                        <a:rPr lang="en-US" sz="1800">
+                          <a:solidFill>
+                            <a:srgbClr val="000000"/>
+                          </a:solidFill>
+                          <a:effectLst/>
+                          <a:latin typeface="Cambria Math" panose="02040503050406030204" pitchFamily="18" charset="0"/>
+                          <a:ea typeface="等线" panose="02010600030101010101" pitchFamily="2" charset="-122"/>
+                          <a:cs typeface="Times New Roman" panose="02020603050405020304" pitchFamily="18" charset="0"/>
+                        </a:rPr>
+                        <m:t>=</m:t>
+                      </m:r>
                       <m:f>
                         <m:fPr>
                           <m:ctrlPr>
-                            <a:rPr lang="en-US" i="1" smtClean="0">
+                            <a:rPr lang="en-US" sz="1800" i="1">
+                              <a:solidFill>
+                                <a:srgbClr val="000000"/>
+                              </a:solidFill>
+                              <a:effectLst/>
                               <a:latin typeface="Cambria Math" panose="02040503050406030204" pitchFamily="18" charset="0"/>
+                              <a:ea typeface="等线" panose="02010600030101010101" pitchFamily="2" charset="-122"/>
+                              <a:cs typeface="Times New Roman" panose="02020603050405020304" pitchFamily="18" charset="0"/>
                             </a:rPr>
                           </m:ctrlPr>
                         </m:fPr>
                         <m:num>
                           <m:r>
-                            <a:rPr lang="en-US" i="1">
+                            <m:rPr>
+                              <m:sty m:val="p"/>
+                            </m:rPr>
+                            <a:rPr lang="en-US" sz="1800">
+                              <a:solidFill>
+                                <a:srgbClr val="000000"/>
+                              </a:solidFill>
+                              <a:effectLst/>
                               <a:latin typeface="Cambria Math" panose="02040503050406030204" pitchFamily="18" charset="0"/>
+                              <a:ea typeface="等线" panose="02010600030101010101" pitchFamily="2" charset="-122"/>
+                              <a:cs typeface="Times New Roman" panose="02020603050405020304" pitchFamily="18" charset="0"/>
                             </a:rPr>
-                            <m:t>𝑑</m:t>
+                            <m:t>ωn</m:t>
                           </m:r>
                           <m:sSub>
                             <m:sSubPr>
                               <m:ctrlPr>
-                                <a:rPr lang="en-US" i="1">
+                                <a:rPr lang="en-US" sz="1800" i="1">
+                                  <a:solidFill>
+                                    <a:srgbClr val="000000"/>
+                                  </a:solidFill>
+                                  <a:effectLst/>
                                   <a:latin typeface="Cambria Math" panose="02040503050406030204" pitchFamily="18" charset="0"/>
+                                  <a:ea typeface="等线" panose="02010600030101010101" pitchFamily="2" charset="-122"/>
+                                  <a:cs typeface="Times New Roman" panose="02020603050405020304" pitchFamily="18" charset="0"/>
                                 </a:rPr>
                               </m:ctrlPr>
                             </m:sSubPr>
                             <m:e>
                               <m:r>
-                                <a:rPr lang="en-US" i="1">
+                                <m:rPr>
+                                  <m:sty m:val="p"/>
+                                </m:rPr>
+                                <a:rPr lang="en-US" sz="1800">
+                                  <a:solidFill>
+                                    <a:srgbClr val="000000"/>
+                                  </a:solidFill>
+                                  <a:effectLst/>
                                   <a:latin typeface="Cambria Math" panose="02040503050406030204" pitchFamily="18" charset="0"/>
+                                  <a:ea typeface="等线" panose="02010600030101010101" pitchFamily="2" charset="-122"/>
+                                  <a:cs typeface="Times New Roman" panose="02020603050405020304" pitchFamily="18" charset="0"/>
                                 </a:rPr>
-                                <m:t>𝜉</m:t>
+                                <m:t>β</m:t>
                               </m:r>
                             </m:e>
                             <m:sub>
                               <m:r>
-                                <a:rPr lang="en-US" i="1">
+                                <a:rPr lang="en-US" sz="1800">
+                                  <a:solidFill>
+                                    <a:srgbClr val="000000"/>
+                                  </a:solidFill>
+                                  <a:effectLst/>
                                   <a:latin typeface="Cambria Math" panose="02040503050406030204" pitchFamily="18" charset="0"/>
+                                  <a:ea typeface="等线" panose="02010600030101010101" pitchFamily="2" charset="-122"/>
+                                  <a:cs typeface="Times New Roman" panose="02020603050405020304" pitchFamily="18" charset="0"/>
                                 </a:rPr>
-                                <m:t>𝑧</m:t>
+                                <m:t>⊥0</m:t>
+                              </m:r>
+                            </m:sub>
+                          </m:sSub>
+                          <m:sSub>
+                            <m:sSubPr>
+                              <m:ctrlPr>
+                                <a:rPr lang="en-US" sz="1800" i="1">
+                                  <a:solidFill>
+                                    <a:srgbClr val="000000"/>
+                                  </a:solidFill>
+                                  <a:effectLst/>
+                                  <a:latin typeface="Cambria Math" panose="02040503050406030204" pitchFamily="18" charset="0"/>
+                                  <a:ea typeface="等线" panose="02010600030101010101" pitchFamily="2" charset="-122"/>
+                                  <a:cs typeface="Times New Roman" panose="02020603050405020304" pitchFamily="18" charset="0"/>
+                                </a:rPr>
+                              </m:ctrlPr>
+                            </m:sSubPr>
+                            <m:e>
+                              <m:r>
+                                <a:rPr lang="en-US" sz="1800" i="1">
+                                  <a:solidFill>
+                                    <a:srgbClr val="000000"/>
+                                  </a:solidFill>
+                                  <a:effectLst/>
+                                  <a:latin typeface="Cambria Math" panose="02040503050406030204" pitchFamily="18" charset="0"/>
+                                  <a:ea typeface="等线" panose="02010600030101010101" pitchFamily="2" charset="-122"/>
+                                  <a:cs typeface="Times New Roman" panose="02020603050405020304" pitchFamily="18" charset="0"/>
+                                </a:rPr>
+                                <m:t>𝛾</m:t>
+                              </m:r>
+                            </m:e>
+                            <m:sub>
+                              <m:r>
+                                <a:rPr lang="en-US" sz="1800" i="1">
+                                  <a:solidFill>
+                                    <a:srgbClr val="000000"/>
+                                  </a:solidFill>
+                                  <a:effectLst/>
+                                  <a:latin typeface="Cambria Math" panose="02040503050406030204" pitchFamily="18" charset="0"/>
+                                  <a:ea typeface="等线" panose="02010600030101010101" pitchFamily="2" charset="-122"/>
+                                  <a:cs typeface="Times New Roman" panose="02020603050405020304" pitchFamily="18" charset="0"/>
+                                </a:rPr>
+                                <m:t>0</m:t>
                               </m:r>
                             </m:sub>
                           </m:sSub>
                         </m:num>
                         <m:den>
                           <m:r>
-                            <a:rPr lang="en-US" i="1">
+                            <m:rPr>
+                              <m:sty m:val="p"/>
+                            </m:rPr>
+                            <a:rPr lang="en-US" sz="1800">
+                              <a:solidFill>
+                                <a:srgbClr val="000000"/>
+                              </a:solidFill>
+                              <a:effectLst/>
                               <a:latin typeface="Cambria Math" panose="02040503050406030204" pitchFamily="18" charset="0"/>
+                              <a:ea typeface="等线" panose="02010600030101010101" pitchFamily="2" charset="-122"/>
+                              <a:cs typeface="Times New Roman" panose="02020603050405020304" pitchFamily="18" charset="0"/>
                             </a:rPr>
-                            <m:t>𝑑</m:t>
+                            <m:t>Ω</m:t>
                           </m:r>
-                          <m:r>
-                            <a:rPr lang="en-US" i="1">
-                              <a:latin typeface="Cambria Math" panose="02040503050406030204" pitchFamily="18" charset="0"/>
-                            </a:rPr>
-                            <m:t>𝜏</m:t>
-                          </m:r>
+                          <m:sSub>
+                            <m:sSubPr>
+                              <m:ctrlPr>
+                                <a:rPr lang="en-US" sz="1800" i="1">
+                                  <a:solidFill>
+                                    <a:srgbClr val="000000"/>
+                                  </a:solidFill>
+                                  <a:effectLst/>
+                                  <a:latin typeface="Cambria Math" panose="02040503050406030204" pitchFamily="18" charset="0"/>
+                                  <a:ea typeface="等线" panose="02010600030101010101" pitchFamily="2" charset="-122"/>
+                                  <a:cs typeface="Times New Roman" panose="02020603050405020304" pitchFamily="18" charset="0"/>
+                                </a:rPr>
+                              </m:ctrlPr>
+                            </m:sSubPr>
+                            <m:e>
+                              <m:r>
+                                <a:rPr lang="en-US" sz="1800" i="1">
+                                  <a:solidFill>
+                                    <a:srgbClr val="000000"/>
+                                  </a:solidFill>
+                                  <a:effectLst/>
+                                  <a:latin typeface="Cambria Math" panose="02040503050406030204" pitchFamily="18" charset="0"/>
+                                  <a:ea typeface="等线" panose="02010600030101010101" pitchFamily="2" charset="-122"/>
+                                  <a:cs typeface="Times New Roman" panose="02020603050405020304" pitchFamily="18" charset="0"/>
+                                </a:rPr>
+                                <m:t>𝛾</m:t>
+                              </m:r>
+                            </m:e>
+                            <m:sub>
+                              <m:r>
+                                <a:rPr lang="en-US" sz="1800" i="1">
+                                  <a:solidFill>
+                                    <a:srgbClr val="000000"/>
+                                  </a:solidFill>
+                                  <a:effectLst/>
+                                  <a:latin typeface="Cambria Math" panose="02040503050406030204" pitchFamily="18" charset="0"/>
+                                  <a:ea typeface="等线" panose="02010600030101010101" pitchFamily="2" charset="-122"/>
+                                  <a:cs typeface="Times New Roman" panose="02020603050405020304" pitchFamily="18" charset="0"/>
+                                </a:rPr>
+                                <m:t>𝑇</m:t>
+                              </m:r>
+                            </m:sub>
+                          </m:sSub>
                         </m:den>
                       </m:f>
-                      <m:sSub>
-                        <m:sSubPr>
-                          <m:ctrlPr>
-                            <a:rPr lang="en-US" i="1">
-                              <a:latin typeface="Cambria Math" panose="02040503050406030204" pitchFamily="18" charset="0"/>
-                            </a:rPr>
-                          </m:ctrlPr>
-                        </m:sSubPr>
-                        <m:e>
-                          <m:d>
-                            <m:dPr>
-                              <m:begChr m:val=""/>
-                              <m:endChr m:val="|"/>
-                              <m:ctrlPr>
-                                <a:rPr lang="en-US" i="1">
-                                  <a:latin typeface="Cambria Math" panose="02040503050406030204" pitchFamily="18" charset="0"/>
-                                </a:rPr>
-                              </m:ctrlPr>
-                            </m:dPr>
-                            <m:e>
-                              <m:r>
-                                <a:rPr lang="en-US" i="0">
-                                  <a:latin typeface="Cambria Math" panose="02040503050406030204" pitchFamily="18" charset="0"/>
-                                </a:rPr>
-                                <m:t>​</m:t>
-                              </m:r>
-                            </m:e>
-                          </m:d>
-                        </m:e>
-                        <m:sub>
-                          <m:r>
-                            <a:rPr lang="en-US" i="1">
-                              <a:latin typeface="Cambria Math" panose="02040503050406030204" pitchFamily="18" charset="0"/>
-                            </a:rPr>
-                            <m:t>𝜏</m:t>
-                          </m:r>
-                          <m:r>
-                            <a:rPr lang="en-US" i="0">
-                              <a:latin typeface="Cambria Math" panose="02040503050406030204" pitchFamily="18" charset="0"/>
-                            </a:rPr>
-                            <m:t>=0</m:t>
-                          </m:r>
-                        </m:sub>
-                      </m:sSub>
-                      <m:r>
-                        <a:rPr lang="en-US" i="0">
-                          <a:latin typeface="Cambria Math" panose="02040503050406030204" pitchFamily="18" charset="0"/>
-                        </a:rPr>
-                        <m:t>=</m:t>
-                      </m:r>
-                      <m:r>
-                        <a:rPr lang="en-US" i="1">
-                          <a:latin typeface="Cambria Math" panose="02040503050406030204" pitchFamily="18" charset="0"/>
-                        </a:rPr>
-                        <m:t>𝑔𝑠</m:t>
-                      </m:r>
-                      <m:sSup>
-                        <m:sSupPr>
-                          <m:ctrlPr>
-                            <a:rPr lang="en-US" i="1">
-                              <a:latin typeface="Cambria Math" panose="02040503050406030204" pitchFamily="18" charset="0"/>
-                            </a:rPr>
-                          </m:ctrlPr>
-                        </m:sSupPr>
-                        <m:e>
-                          <m:r>
-                            <a:rPr lang="en-US" i="1">
-                              <a:latin typeface="Cambria Math" panose="02040503050406030204" pitchFamily="18" charset="0"/>
-                            </a:rPr>
-                            <m:t>𝜅</m:t>
-                          </m:r>
-                        </m:e>
-                        <m:sup>
-                          <m:r>
-                            <a:rPr lang="en-US" i="0">
-                              <a:latin typeface="Cambria Math" panose="02040503050406030204" pitchFamily="18" charset="0"/>
-                            </a:rPr>
-                            <m:t>′</m:t>
-                          </m:r>
-                        </m:sup>
-                      </m:sSup>
-                      <m:r>
-                        <a:rPr lang="en-US" i="1">
-                          <a:latin typeface="Cambria Math" panose="02040503050406030204" pitchFamily="18" charset="0"/>
-                        </a:rPr>
-                        <m:t>𝑐𝑜𝑠</m:t>
-                      </m:r>
+                    </m:oMath>
+                  </a14:m>
+                  <a:endParaRPr lang="en-US" sz="1800" dirty="0">
+                    <a:effectLst/>
+                    <a:latin typeface="Calibri" panose="020F0502020204030204" pitchFamily="34" charset="0"/>
+                    <a:ea typeface="等线" panose="02010600030101010101" pitchFamily="2" charset="-122"/>
+                    <a:cs typeface="Times New Roman" panose="02020603050405020304" pitchFamily="18" charset="0"/>
+                  </a:endParaRPr>
+                </a:p>
+              </p:txBody>
+            </p:sp>
+          </mc:Choice>
+          <mc:Fallback>
+            <p:sp>
+              <p:nvSpPr>
+                <p:cNvPr id="7" name="TextBox 6">
+                  <a:extLst>
+                    <a:ext uri="{FF2B5EF4-FFF2-40B4-BE49-F238E27FC236}">
+                      <a16:creationId xmlns:a16="http://schemas.microsoft.com/office/drawing/2014/main" id="{F4757D38-A8EF-6FC3-9A55-94F9BDF481AC}"/>
+                    </a:ext>
+                  </a:extLst>
+                </p:cNvPr>
+                <p:cNvSpPr txBox="1">
+                  <a:spLocks noRot="1" noChangeAspect="1" noMove="1" noResize="1" noEditPoints="1" noAdjustHandles="1" noChangeArrowheads="1" noChangeShapeType="1" noTextEdit="1"/>
+                </p:cNvSpPr>
+                <p:nvPr/>
+              </p:nvSpPr>
+              <p:spPr>
+                <a:xfrm>
+                  <a:off x="3629585" y="3210780"/>
+                  <a:ext cx="6534150" cy="563167"/>
+                </a:xfrm>
+                <a:prstGeom prst="rect">
+                  <a:avLst/>
+                </a:prstGeom>
+                <a:blipFill>
+                  <a:blip r:embed="rId4"/>
+                  <a:stretch>
+                    <a:fillRect b="-1087"/>
+                  </a:stretch>
+                </a:blipFill>
+              </p:spPr>
+              <p:txBody>
+                <a:bodyPr/>
+                <a:lstStyle/>
+                <a:p>
+                  <a:r>
+                    <a:rPr lang="en-US">
+                      <a:noFill/>
+                    </a:rPr>
+                    <a:t> </a:t>
+                  </a:r>
+                </a:p>
+              </p:txBody>
+            </p:sp>
+          </mc:Fallback>
+        </mc:AlternateContent>
+        <mc:AlternateContent xmlns:mc="http://schemas.openxmlformats.org/markup-compatibility/2006">
+          <mc:Choice xmlns:a14="http://schemas.microsoft.com/office/drawing/2010/main" Requires="a14">
+            <p:sp>
+              <p:nvSpPr>
+                <p:cNvPr id="8" name="TextBox 7">
+                  <a:extLst>
+                    <a:ext uri="{FF2B5EF4-FFF2-40B4-BE49-F238E27FC236}">
+                      <a16:creationId xmlns:a16="http://schemas.microsoft.com/office/drawing/2014/main" id="{5D950E81-EDDA-F65A-B837-617964DE52AC}"/>
+                    </a:ext>
+                  </a:extLst>
+                </p:cNvPr>
+                <p:cNvSpPr txBox="1"/>
+                <p:nvPr/>
+              </p:nvSpPr>
+              <p:spPr>
+                <a:xfrm>
+                  <a:off x="462802" y="4141254"/>
+                  <a:ext cx="7058025" cy="797013"/>
+                </a:xfrm>
+                <a:prstGeom prst="rect">
+                  <a:avLst/>
+                </a:prstGeom>
+                <a:noFill/>
+              </p:spPr>
+              <p:txBody>
+                <a:bodyPr wrap="square" rtlCol="0">
+                  <a:spAutoFit/>
+                </a:bodyPr>
+                <a:lstStyle/>
+                <a:p>
+                  <a:r>
+                    <a:rPr lang="en-US" dirty="0"/>
+                    <a:t>Initial condition : </a:t>
+                  </a:r>
+                  <a14:m>
+                    <m:oMath xmlns:m="http://schemas.openxmlformats.org/officeDocument/2006/math">
                       <m:sSub>
                         <m:sSubPr>
                           <m:ctrlPr>
@@ -10406,28 +11390,42 @@
                             <a:rPr lang="en-US" i="1">
                               <a:latin typeface="Cambria Math" panose="02040503050406030204" pitchFamily="18" charset="0"/>
                             </a:rPr>
-                            <m:t>𝜙</m:t>
+                            <m:t>𝛽</m:t>
                           </m:r>
                         </m:e>
                         <m:sub>
                           <m:r>
-                            <a:rPr lang="en-US" i="0">
+                            <a:rPr lang="en-US" i="1">
                               <a:latin typeface="Cambria Math" panose="02040503050406030204" pitchFamily="18" charset="0"/>
                             </a:rPr>
-                            <m:t>0</m:t>
+                            <m:t>⊥0</m:t>
                           </m:r>
                         </m:sub>
                       </m:sSub>
                       <m:r>
-                        <a:rPr lang="en-US" i="0">
+                        <a:rPr lang="en-US" b="0" i="1" smtClean="0">
                           <a:latin typeface="Cambria Math" panose="02040503050406030204" pitchFamily="18" charset="0"/>
                         </a:rPr>
-                        <m:t>+</m:t>
+                        <m:t>=0</m:t>
                       </m:r>
+                    </m:oMath>
+                  </a14:m>
+                  <a:endParaRPr lang="en-US" dirty="0"/>
+                </a:p>
+                <a:p>
+                  <a:r>
+                    <a:rPr lang="en-US" dirty="0"/>
+                    <a:t>Domination coefficient : </a:t>
+                  </a:r>
+                  <a14:m>
+                    <m:oMath xmlns:m="http://schemas.openxmlformats.org/officeDocument/2006/math">
                       <m:f>
                         <m:fPr>
                           <m:ctrlPr>
                             <a:rPr lang="en-US" i="1">
+                              <a:solidFill>
+                                <a:srgbClr val="FF0000"/>
+                              </a:solidFill>
                               <a:latin typeface="Cambria Math" panose="02040503050406030204" pitchFamily="18" charset="0"/>
                             </a:rPr>
                           </m:ctrlPr>
@@ -10437,19 +11435,40 @@
                             <m:sSubPr>
                               <m:ctrlPr>
                                 <a:rPr lang="en-US" i="1">
+                                  <a:solidFill>
+                                    <a:srgbClr val="FF0000"/>
+                                  </a:solidFill>
                                   <a:latin typeface="Cambria Math" panose="02040503050406030204" pitchFamily="18" charset="0"/>
                                 </a:rPr>
                               </m:ctrlPr>
                             </m:sSubPr>
                             <m:e>
                               <m:r>
-                                <a:rPr lang="en-US" i="1">
+                                <a:rPr lang="en-US">
+                                  <a:solidFill>
+                                    <a:srgbClr val="FF0000"/>
+                                  </a:solidFill>
                                   <a:latin typeface="Cambria Math" panose="02040503050406030204" pitchFamily="18" charset="0"/>
                                 </a:rPr>
-                                <m:t>𝜍</m:t>
+                                <m:t> </m:t>
+                              </m:r>
+                              <m:r>
+                                <m:rPr>
+                                  <m:sty m:val="p"/>
+                                </m:rPr>
+                                <a:rPr lang="en-US">
+                                  <a:solidFill>
+                                    <a:srgbClr val="FF0000"/>
+                                  </a:solidFill>
+                                  <a:latin typeface="Cambria Math" panose="02040503050406030204" pitchFamily="18" charset="0"/>
+                                </a:rPr>
+                                <m:t>ς</m:t>
                               </m:r>
                               <m:r>
                                 <a:rPr lang="en-US" i="1">
+                                  <a:solidFill>
+                                    <a:srgbClr val="FF0000"/>
+                                  </a:solidFill>
                                   <a:latin typeface="Cambria Math" panose="02040503050406030204" pitchFamily="18" charset="0"/>
                                 </a:rPr>
                                 <m:t>𝐸</m:t>
@@ -10457,7 +11476,10 @@
                             </m:e>
                             <m:sub>
                               <m:r>
-                                <a:rPr lang="en-US" i="0">
+                                <a:rPr lang="en-US" i="1">
+                                  <a:solidFill>
+                                    <a:srgbClr val="FF0000"/>
+                                  </a:solidFill>
                                   <a:latin typeface="Cambria Math" panose="02040503050406030204" pitchFamily="18" charset="0"/>
                                 </a:rPr>
                                 <m:t>0</m:t>
@@ -10468,6 +11490,9 @@
                         <m:den>
                           <m:r>
                             <a:rPr lang="en-US" i="1">
+                              <a:solidFill>
+                                <a:srgbClr val="FF0000"/>
+                              </a:solidFill>
                               <a:latin typeface="Cambria Math" panose="02040503050406030204" pitchFamily="18" charset="0"/>
                             </a:rPr>
                             <m:t>𝑐</m:t>
@@ -10476,6 +11501,9 @@
                             <m:sSubPr>
                               <m:ctrlPr>
                                 <a:rPr lang="en-US" i="1">
+                                  <a:solidFill>
+                                    <a:srgbClr val="FF0000"/>
+                                  </a:solidFill>
                                   <a:latin typeface="Cambria Math" panose="02040503050406030204" pitchFamily="18" charset="0"/>
                                 </a:rPr>
                               </m:ctrlPr>
@@ -10483,6 +11511,9 @@
                             <m:e>
                               <m:r>
                                 <a:rPr lang="en-US" i="1">
+                                  <a:solidFill>
+                                    <a:srgbClr val="FF0000"/>
+                                  </a:solidFill>
                                   <a:latin typeface="Cambria Math" panose="02040503050406030204" pitchFamily="18" charset="0"/>
                                 </a:rPr>
                                 <m:t>𝐵</m:t>
@@ -10490,7 +11521,10 @@
                             </m:e>
                             <m:sub>
                               <m:r>
-                                <a:rPr lang="en-US" i="0">
+                                <a:rPr lang="en-US" i="1">
+                                  <a:solidFill>
+                                    <a:srgbClr val="FF0000"/>
+                                  </a:solidFill>
                                   <a:latin typeface="Cambria Math" panose="02040503050406030204" pitchFamily="18" charset="0"/>
                                 </a:rPr>
                                 <m:t>0</m:t>
@@ -10499,651 +11533,89 @@
                           </m:sSub>
                         </m:den>
                       </m:f>
+                      <m:r>
+                        <a:rPr lang="en-US" b="0" i="1" smtClean="0">
+                          <a:solidFill>
+                            <a:srgbClr val="FF0000"/>
+                          </a:solidFill>
+                          <a:latin typeface="Cambria Math" panose="02040503050406030204" pitchFamily="18" charset="0"/>
+                        </a:rPr>
+                        <m:t>,</m:t>
+                      </m:r>
+                      <m:r>
+                        <a:rPr lang="en-US" b="0" i="1" smtClean="0">
+                          <a:solidFill>
+                            <a:srgbClr val="FF0000"/>
+                          </a:solidFill>
+                          <a:latin typeface="Cambria Math" panose="02040503050406030204" pitchFamily="18" charset="0"/>
+                        </a:rPr>
+                        <m:t>𝜅</m:t>
+                      </m:r>
+                      <m:r>
+                        <a:rPr lang="en-US" b="0" i="1" smtClean="0">
+                          <a:solidFill>
+                            <a:srgbClr val="FF0000"/>
+                          </a:solidFill>
+                          <a:latin typeface="Cambria Math" panose="02040503050406030204" pitchFamily="18" charset="0"/>
+                        </a:rPr>
+                        <m:t>′</m:t>
+                      </m:r>
                     </m:oMath>
-                  </m:oMathPara>
-                </a14:m>
-                <a:endParaRPr lang="en-US" dirty="0"/>
-              </a:p>
-            </p:txBody>
-          </p:sp>
-        </mc:Choice>
-        <mc:Fallback>
-          <p:sp>
-            <p:nvSpPr>
-              <p:cNvPr id="5" name="TextBox 4">
-                <a:extLst>
-                  <a:ext uri="{FF2B5EF4-FFF2-40B4-BE49-F238E27FC236}">
-                    <a16:creationId xmlns:a16="http://schemas.microsoft.com/office/drawing/2014/main" id="{A5CC8282-0131-2AF4-514B-D899DBF8B73B}"/>
-                  </a:ext>
-                </a:extLst>
-              </p:cNvPr>
-              <p:cNvSpPr txBox="1">
-                <a:spLocks noRot="1" noChangeAspect="1" noMove="1" noResize="1" noEditPoints="1" noAdjustHandles="1" noChangeArrowheads="1" noChangeShapeType="1" noTextEdit="1"/>
-              </p:cNvSpPr>
-              <p:nvPr/>
-            </p:nvSpPr>
-            <p:spPr>
-              <a:xfrm>
-                <a:off x="-876300" y="2477154"/>
-                <a:ext cx="6096000" cy="665310"/>
-              </a:xfrm>
-              <a:prstGeom prst="rect">
-                <a:avLst/>
-              </a:prstGeom>
-              <a:blipFill>
-                <a:blip r:embed="rId3"/>
-                <a:stretch>
-                  <a:fillRect/>
-                </a:stretch>
-              </a:blipFill>
-            </p:spPr>
-            <p:txBody>
-              <a:bodyPr/>
-              <a:lstStyle/>
-              <a:p>
-                <a:r>
-                  <a:rPr lang="en-US">
-                    <a:noFill/>
-                  </a:rPr>
-                  <a:t> </a:t>
-                </a:r>
-              </a:p>
-            </p:txBody>
-          </p:sp>
-        </mc:Fallback>
-      </mc:AlternateContent>
-      <mc:AlternateContent xmlns:mc="http://schemas.openxmlformats.org/markup-compatibility/2006">
-        <mc:Choice xmlns:a14="http://schemas.microsoft.com/office/drawing/2010/main" Requires="a14">
-          <p:sp>
-            <p:nvSpPr>
-              <p:cNvPr id="7" name="TextBox 6">
-                <a:extLst>
-                  <a:ext uri="{FF2B5EF4-FFF2-40B4-BE49-F238E27FC236}">
-                    <a16:creationId xmlns:a16="http://schemas.microsoft.com/office/drawing/2014/main" id="{F4757D38-A8EF-6FC3-9A55-94F9BDF481AC}"/>
-                  </a:ext>
-                </a:extLst>
-              </p:cNvPr>
-              <p:cNvSpPr txBox="1"/>
-              <p:nvPr/>
-            </p:nvSpPr>
-            <p:spPr>
-              <a:xfrm>
-                <a:off x="3790950" y="2477154"/>
-                <a:ext cx="6534150" cy="563167"/>
-              </a:xfrm>
-              <a:prstGeom prst="rect">
-                <a:avLst/>
-              </a:prstGeom>
-              <a:noFill/>
-            </p:spPr>
-            <p:txBody>
-              <a:bodyPr wrap="square">
-                <a:spAutoFit/>
-              </a:bodyPr>
-              <a:lstStyle/>
-              <a:p>
-                <a:pPr marL="0" marR="0" indent="182880">
-                  <a:lnSpc>
-                    <a:spcPct val="107000"/>
-                  </a:lnSpc>
-                  <a:spcAft>
-                    <a:spcPts val="800"/>
-                  </a:spcAft>
-                  <a:buNone/>
-                </a:pPr>
-                <a:r>
-                  <a:rPr lang="en-US" sz="1800" dirty="0">
-                    <a:solidFill>
-                      <a:srgbClr val="000000"/>
-                    </a:solidFill>
-                    <a:effectLst/>
-                    <a:latin typeface="Calibri" panose="020F0502020204030204" pitchFamily="34" charset="0"/>
-                    <a:ea typeface="等线" panose="02010600030101010101" pitchFamily="2" charset="-122"/>
-                    <a:cs typeface="Times New Roman" panose="02020603050405020304" pitchFamily="18" charset="0"/>
-                  </a:rPr>
-                  <a:t>Where </a:t>
-                </a:r>
-                <a14:m>
-                  <m:oMath xmlns:m="http://schemas.openxmlformats.org/officeDocument/2006/math">
-                    <m:r>
-                      <m:rPr>
-                        <m:sty m:val="p"/>
-                      </m:rPr>
-                      <a:rPr lang="en-US" sz="1800">
-                        <a:solidFill>
-                          <a:srgbClr val="000000"/>
-                        </a:solidFill>
-                        <a:effectLst/>
-                        <a:latin typeface="Cambria Math" panose="02040503050406030204" pitchFamily="18" charset="0"/>
-                        <a:ea typeface="等线" panose="02010600030101010101" pitchFamily="2" charset="-122"/>
-                        <a:cs typeface="Times New Roman" panose="02020603050405020304" pitchFamily="18" charset="0"/>
-                      </a:rPr>
-                      <m:t>s</m:t>
-                    </m:r>
-                    <m:r>
-                      <a:rPr lang="en-US" sz="1800">
-                        <a:solidFill>
-                          <a:srgbClr val="000000"/>
-                        </a:solidFill>
-                        <a:effectLst/>
-                        <a:latin typeface="Cambria Math" panose="02040503050406030204" pitchFamily="18" charset="0"/>
-                        <a:ea typeface="等线" panose="02010600030101010101" pitchFamily="2" charset="-122"/>
-                        <a:cs typeface="Times New Roman" panose="02020603050405020304" pitchFamily="18" charset="0"/>
-                      </a:rPr>
-                      <m:t>=</m:t>
-                    </m:r>
-                    <m:f>
-                      <m:fPr>
-                        <m:ctrlPr>
-                          <a:rPr lang="en-US" sz="1800" i="1">
-                            <a:solidFill>
-                              <a:srgbClr val="000000"/>
-                            </a:solidFill>
-                            <a:effectLst/>
-                            <a:latin typeface="Cambria Math" panose="02040503050406030204" pitchFamily="18" charset="0"/>
-                            <a:ea typeface="等线" panose="02010600030101010101" pitchFamily="2" charset="-122"/>
-                            <a:cs typeface="Times New Roman" panose="02020603050405020304" pitchFamily="18" charset="0"/>
-                          </a:rPr>
-                        </m:ctrlPr>
-                      </m:fPr>
-                      <m:num>
-                        <m:r>
-                          <m:rPr>
-                            <m:sty m:val="p"/>
-                          </m:rPr>
-                          <a:rPr lang="en-US" sz="1800">
-                            <a:solidFill>
-                              <a:srgbClr val="000000"/>
-                            </a:solidFill>
-                            <a:effectLst/>
-                            <a:latin typeface="Cambria Math" panose="02040503050406030204" pitchFamily="18" charset="0"/>
-                            <a:ea typeface="等线" panose="02010600030101010101" pitchFamily="2" charset="-122"/>
-                            <a:cs typeface="Times New Roman" panose="02020603050405020304" pitchFamily="18" charset="0"/>
-                          </a:rPr>
-                          <m:t>ωn</m:t>
-                        </m:r>
-                        <m:sSub>
-                          <m:sSubPr>
-                            <m:ctrlPr>
-                              <a:rPr lang="en-US" sz="1800" i="1">
-                                <a:solidFill>
-                                  <a:srgbClr val="000000"/>
-                                </a:solidFill>
-                                <a:effectLst/>
-                                <a:latin typeface="Cambria Math" panose="02040503050406030204" pitchFamily="18" charset="0"/>
-                                <a:ea typeface="等线" panose="02010600030101010101" pitchFamily="2" charset="-122"/>
-                                <a:cs typeface="Times New Roman" panose="02020603050405020304" pitchFamily="18" charset="0"/>
-                              </a:rPr>
-                            </m:ctrlPr>
-                          </m:sSubPr>
-                          <m:e>
-                            <m:r>
-                              <m:rPr>
-                                <m:sty m:val="p"/>
-                              </m:rPr>
-                              <a:rPr lang="en-US" sz="1800">
-                                <a:solidFill>
-                                  <a:srgbClr val="000000"/>
-                                </a:solidFill>
-                                <a:effectLst/>
-                                <a:latin typeface="Cambria Math" panose="02040503050406030204" pitchFamily="18" charset="0"/>
-                                <a:ea typeface="等线" panose="02010600030101010101" pitchFamily="2" charset="-122"/>
-                                <a:cs typeface="Times New Roman" panose="02020603050405020304" pitchFamily="18" charset="0"/>
-                              </a:rPr>
-                              <m:t>β</m:t>
-                            </m:r>
-                          </m:e>
-                          <m:sub>
-                            <m:r>
-                              <a:rPr lang="en-US" sz="1800">
-                                <a:solidFill>
-                                  <a:srgbClr val="000000"/>
-                                </a:solidFill>
-                                <a:effectLst/>
-                                <a:latin typeface="Cambria Math" panose="02040503050406030204" pitchFamily="18" charset="0"/>
-                                <a:ea typeface="等线" panose="02010600030101010101" pitchFamily="2" charset="-122"/>
-                                <a:cs typeface="Times New Roman" panose="02020603050405020304" pitchFamily="18" charset="0"/>
-                              </a:rPr>
-                              <m:t>⊥0</m:t>
-                            </m:r>
-                          </m:sub>
-                        </m:sSub>
-                        <m:sSub>
-                          <m:sSubPr>
-                            <m:ctrlPr>
-                              <a:rPr lang="en-US" sz="1800" i="1">
-                                <a:solidFill>
-                                  <a:srgbClr val="000000"/>
-                                </a:solidFill>
-                                <a:effectLst/>
-                                <a:latin typeface="Cambria Math" panose="02040503050406030204" pitchFamily="18" charset="0"/>
-                                <a:ea typeface="等线" panose="02010600030101010101" pitchFamily="2" charset="-122"/>
-                                <a:cs typeface="Times New Roman" panose="02020603050405020304" pitchFamily="18" charset="0"/>
-                              </a:rPr>
-                            </m:ctrlPr>
-                          </m:sSubPr>
-                          <m:e>
-                            <m:r>
-                              <a:rPr lang="en-US" sz="1800" i="1">
-                                <a:solidFill>
-                                  <a:srgbClr val="000000"/>
-                                </a:solidFill>
-                                <a:effectLst/>
-                                <a:latin typeface="Cambria Math" panose="02040503050406030204" pitchFamily="18" charset="0"/>
-                                <a:ea typeface="等线" panose="02010600030101010101" pitchFamily="2" charset="-122"/>
-                                <a:cs typeface="Times New Roman" panose="02020603050405020304" pitchFamily="18" charset="0"/>
-                              </a:rPr>
-                              <m:t>𝛾</m:t>
-                            </m:r>
-                          </m:e>
-                          <m:sub>
-                            <m:r>
-                              <a:rPr lang="en-US" sz="1800" i="1">
-                                <a:solidFill>
-                                  <a:srgbClr val="000000"/>
-                                </a:solidFill>
-                                <a:effectLst/>
-                                <a:latin typeface="Cambria Math" panose="02040503050406030204" pitchFamily="18" charset="0"/>
-                                <a:ea typeface="等线" panose="02010600030101010101" pitchFamily="2" charset="-122"/>
-                                <a:cs typeface="Times New Roman" panose="02020603050405020304" pitchFamily="18" charset="0"/>
-                              </a:rPr>
-                              <m:t>0</m:t>
-                            </m:r>
-                          </m:sub>
-                        </m:sSub>
-                      </m:num>
-                      <m:den>
-                        <m:r>
-                          <m:rPr>
-                            <m:sty m:val="p"/>
-                          </m:rPr>
-                          <a:rPr lang="en-US" sz="1800">
-                            <a:solidFill>
-                              <a:srgbClr val="000000"/>
-                            </a:solidFill>
-                            <a:effectLst/>
-                            <a:latin typeface="Cambria Math" panose="02040503050406030204" pitchFamily="18" charset="0"/>
-                            <a:ea typeface="等线" panose="02010600030101010101" pitchFamily="2" charset="-122"/>
-                            <a:cs typeface="Times New Roman" panose="02020603050405020304" pitchFamily="18" charset="0"/>
-                          </a:rPr>
-                          <m:t>Ω</m:t>
-                        </m:r>
-                        <m:sSub>
-                          <m:sSubPr>
-                            <m:ctrlPr>
-                              <a:rPr lang="en-US" sz="1800" i="1">
-                                <a:solidFill>
-                                  <a:srgbClr val="000000"/>
-                                </a:solidFill>
-                                <a:effectLst/>
-                                <a:latin typeface="Cambria Math" panose="02040503050406030204" pitchFamily="18" charset="0"/>
-                                <a:ea typeface="等线" panose="02010600030101010101" pitchFamily="2" charset="-122"/>
-                                <a:cs typeface="Times New Roman" panose="02020603050405020304" pitchFamily="18" charset="0"/>
-                              </a:rPr>
-                            </m:ctrlPr>
-                          </m:sSubPr>
-                          <m:e>
-                            <m:r>
-                              <a:rPr lang="en-US" sz="1800" i="1">
-                                <a:solidFill>
-                                  <a:srgbClr val="000000"/>
-                                </a:solidFill>
-                                <a:effectLst/>
-                                <a:latin typeface="Cambria Math" panose="02040503050406030204" pitchFamily="18" charset="0"/>
-                                <a:ea typeface="等线" panose="02010600030101010101" pitchFamily="2" charset="-122"/>
-                                <a:cs typeface="Times New Roman" panose="02020603050405020304" pitchFamily="18" charset="0"/>
-                              </a:rPr>
-                              <m:t>𝛾</m:t>
-                            </m:r>
-                          </m:e>
-                          <m:sub>
-                            <m:r>
-                              <a:rPr lang="en-US" sz="1800" i="1">
-                                <a:solidFill>
-                                  <a:srgbClr val="000000"/>
-                                </a:solidFill>
-                                <a:effectLst/>
-                                <a:latin typeface="Cambria Math" panose="02040503050406030204" pitchFamily="18" charset="0"/>
-                                <a:ea typeface="等线" panose="02010600030101010101" pitchFamily="2" charset="-122"/>
-                                <a:cs typeface="Times New Roman" panose="02020603050405020304" pitchFamily="18" charset="0"/>
-                              </a:rPr>
-                              <m:t>𝑇</m:t>
-                            </m:r>
-                          </m:sub>
-                        </m:sSub>
-                      </m:den>
-                    </m:f>
-                  </m:oMath>
-                </a14:m>
-                <a:endParaRPr lang="en-US" sz="1800" dirty="0">
-                  <a:effectLst/>
-                  <a:latin typeface="Calibri" panose="020F0502020204030204" pitchFamily="34" charset="0"/>
-                  <a:ea typeface="等线" panose="02010600030101010101" pitchFamily="2" charset="-122"/>
-                  <a:cs typeface="Times New Roman" panose="02020603050405020304" pitchFamily="18" charset="0"/>
-                </a:endParaRPr>
-              </a:p>
-            </p:txBody>
-          </p:sp>
-        </mc:Choice>
-        <mc:Fallback>
-          <p:sp>
-            <p:nvSpPr>
-              <p:cNvPr id="7" name="TextBox 6">
-                <a:extLst>
-                  <a:ext uri="{FF2B5EF4-FFF2-40B4-BE49-F238E27FC236}">
-                    <a16:creationId xmlns:a16="http://schemas.microsoft.com/office/drawing/2014/main" id="{F4757D38-A8EF-6FC3-9A55-94F9BDF481AC}"/>
-                  </a:ext>
-                </a:extLst>
-              </p:cNvPr>
-              <p:cNvSpPr txBox="1">
-                <a:spLocks noRot="1" noChangeAspect="1" noMove="1" noResize="1" noEditPoints="1" noAdjustHandles="1" noChangeArrowheads="1" noChangeShapeType="1" noTextEdit="1"/>
-              </p:cNvSpPr>
-              <p:nvPr/>
-            </p:nvSpPr>
-            <p:spPr>
-              <a:xfrm>
-                <a:off x="3790950" y="2477154"/>
-                <a:ext cx="6534150" cy="563167"/>
-              </a:xfrm>
-              <a:prstGeom prst="rect">
-                <a:avLst/>
-              </a:prstGeom>
-              <a:blipFill>
-                <a:blip r:embed="rId4"/>
-                <a:stretch>
-                  <a:fillRect/>
-                </a:stretch>
-              </a:blipFill>
-            </p:spPr>
-            <p:txBody>
-              <a:bodyPr/>
-              <a:lstStyle/>
-              <a:p>
-                <a:r>
-                  <a:rPr lang="en-US">
-                    <a:noFill/>
-                  </a:rPr>
-                  <a:t> </a:t>
-                </a:r>
-              </a:p>
-            </p:txBody>
-          </p:sp>
-        </mc:Fallback>
-      </mc:AlternateContent>
-      <mc:AlternateContent xmlns:mc="http://schemas.openxmlformats.org/markup-compatibility/2006">
-        <mc:Choice xmlns:a14="http://schemas.microsoft.com/office/drawing/2010/main" Requires="a14">
-          <p:sp>
-            <p:nvSpPr>
-              <p:cNvPr id="8" name="TextBox 7">
-                <a:extLst>
-                  <a:ext uri="{FF2B5EF4-FFF2-40B4-BE49-F238E27FC236}">
-                    <a16:creationId xmlns:a16="http://schemas.microsoft.com/office/drawing/2014/main" id="{5D950E81-EDDA-F65A-B837-617964DE52AC}"/>
-                  </a:ext>
-                </a:extLst>
-              </p:cNvPr>
-              <p:cNvSpPr txBox="1"/>
-              <p:nvPr/>
-            </p:nvSpPr>
-            <p:spPr>
-              <a:xfrm>
-                <a:off x="704849" y="3619500"/>
-                <a:ext cx="7058025" cy="797013"/>
-              </a:xfrm>
-              <a:prstGeom prst="rect">
-                <a:avLst/>
-              </a:prstGeom>
-              <a:noFill/>
-            </p:spPr>
-            <p:txBody>
-              <a:bodyPr wrap="square" rtlCol="0">
-                <a:spAutoFit/>
-              </a:bodyPr>
-              <a:lstStyle/>
-              <a:p>
-                <a:r>
-                  <a:rPr lang="en-US" dirty="0"/>
-                  <a:t>Initial condition : </a:t>
-                </a:r>
-                <a14:m>
-                  <m:oMath xmlns:m="http://schemas.openxmlformats.org/officeDocument/2006/math">
-                    <m:sSub>
-                      <m:sSubPr>
-                        <m:ctrlPr>
-                          <a:rPr lang="en-US" i="1">
-                            <a:latin typeface="Cambria Math" panose="02040503050406030204" pitchFamily="18" charset="0"/>
-                          </a:rPr>
-                        </m:ctrlPr>
-                      </m:sSubPr>
-                      <m:e>
-                        <m:r>
-                          <a:rPr lang="en-US" i="1">
-                            <a:latin typeface="Cambria Math" panose="02040503050406030204" pitchFamily="18" charset="0"/>
-                          </a:rPr>
-                          <m:t>𝛽</m:t>
-                        </m:r>
-                      </m:e>
-                      <m:sub>
-                        <m:r>
-                          <a:rPr lang="en-US" i="1">
-                            <a:latin typeface="Cambria Math" panose="02040503050406030204" pitchFamily="18" charset="0"/>
-                          </a:rPr>
-                          <m:t>⊥0</m:t>
-                        </m:r>
-                      </m:sub>
-                    </m:sSub>
-                    <m:r>
-                      <a:rPr lang="en-US" b="0" i="1" smtClean="0">
-                        <a:latin typeface="Cambria Math" panose="02040503050406030204" pitchFamily="18" charset="0"/>
-                      </a:rPr>
-                      <m:t>=0</m:t>
-                    </m:r>
-                  </m:oMath>
-                </a14:m>
-                <a:endParaRPr lang="en-US" dirty="0"/>
-              </a:p>
-              <a:p>
-                <a:r>
-                  <a:rPr lang="en-US" dirty="0"/>
-                  <a:t>Domination coefficient : </a:t>
-                </a:r>
-                <a14:m>
-                  <m:oMath xmlns:m="http://schemas.openxmlformats.org/officeDocument/2006/math">
-                    <m:f>
-                      <m:fPr>
-                        <m:ctrlPr>
-                          <a:rPr lang="en-US" i="1">
-                            <a:solidFill>
-                              <a:srgbClr val="FF0000"/>
-                            </a:solidFill>
-                            <a:latin typeface="Cambria Math" panose="02040503050406030204" pitchFamily="18" charset="0"/>
-                          </a:rPr>
-                        </m:ctrlPr>
-                      </m:fPr>
-                      <m:num>
-                        <m:sSub>
-                          <m:sSubPr>
-                            <m:ctrlPr>
-                              <a:rPr lang="en-US" i="1">
-                                <a:solidFill>
-                                  <a:srgbClr val="FF0000"/>
-                                </a:solidFill>
-                                <a:latin typeface="Cambria Math" panose="02040503050406030204" pitchFamily="18" charset="0"/>
-                              </a:rPr>
-                            </m:ctrlPr>
-                          </m:sSubPr>
-                          <m:e>
-                            <m:r>
-                              <a:rPr lang="en-US">
-                                <a:solidFill>
-                                  <a:srgbClr val="FF0000"/>
-                                </a:solidFill>
-                                <a:latin typeface="Cambria Math" panose="02040503050406030204" pitchFamily="18" charset="0"/>
-                              </a:rPr>
-                              <m:t> </m:t>
-                            </m:r>
-                            <m:r>
-                              <m:rPr>
-                                <m:sty m:val="p"/>
-                              </m:rPr>
-                              <a:rPr lang="en-US">
-                                <a:solidFill>
-                                  <a:srgbClr val="FF0000"/>
-                                </a:solidFill>
-                                <a:latin typeface="Cambria Math" panose="02040503050406030204" pitchFamily="18" charset="0"/>
-                              </a:rPr>
-                              <m:t>ς</m:t>
-                            </m:r>
-                            <m:r>
-                              <a:rPr lang="en-US" i="1">
-                                <a:solidFill>
-                                  <a:srgbClr val="FF0000"/>
-                                </a:solidFill>
-                                <a:latin typeface="Cambria Math" panose="02040503050406030204" pitchFamily="18" charset="0"/>
-                              </a:rPr>
-                              <m:t>𝐸</m:t>
-                            </m:r>
-                          </m:e>
-                          <m:sub>
-                            <m:r>
-                              <a:rPr lang="en-US" i="1">
-                                <a:solidFill>
-                                  <a:srgbClr val="FF0000"/>
-                                </a:solidFill>
-                                <a:latin typeface="Cambria Math" panose="02040503050406030204" pitchFamily="18" charset="0"/>
-                              </a:rPr>
-                              <m:t>0</m:t>
-                            </m:r>
-                          </m:sub>
-                        </m:sSub>
-                      </m:num>
-                      <m:den>
-                        <m:r>
-                          <a:rPr lang="en-US" i="1">
-                            <a:solidFill>
-                              <a:srgbClr val="FF0000"/>
-                            </a:solidFill>
-                            <a:latin typeface="Cambria Math" panose="02040503050406030204" pitchFamily="18" charset="0"/>
-                          </a:rPr>
-                          <m:t>𝑐</m:t>
-                        </m:r>
-                        <m:sSub>
-                          <m:sSubPr>
-                            <m:ctrlPr>
-                              <a:rPr lang="en-US" i="1">
-                                <a:solidFill>
-                                  <a:srgbClr val="FF0000"/>
-                                </a:solidFill>
-                                <a:latin typeface="Cambria Math" panose="02040503050406030204" pitchFamily="18" charset="0"/>
-                              </a:rPr>
-                            </m:ctrlPr>
-                          </m:sSubPr>
-                          <m:e>
-                            <m:r>
-                              <a:rPr lang="en-US" i="1">
-                                <a:solidFill>
-                                  <a:srgbClr val="FF0000"/>
-                                </a:solidFill>
-                                <a:latin typeface="Cambria Math" panose="02040503050406030204" pitchFamily="18" charset="0"/>
-                              </a:rPr>
-                              <m:t>𝐵</m:t>
-                            </m:r>
-                          </m:e>
-                          <m:sub>
-                            <m:r>
-                              <a:rPr lang="en-US" i="1">
-                                <a:solidFill>
-                                  <a:srgbClr val="FF0000"/>
-                                </a:solidFill>
-                                <a:latin typeface="Cambria Math" panose="02040503050406030204" pitchFamily="18" charset="0"/>
-                              </a:rPr>
-                              <m:t>0</m:t>
-                            </m:r>
-                          </m:sub>
-                        </m:sSub>
-                      </m:den>
-                    </m:f>
-                    <m:r>
-                      <a:rPr lang="en-US" b="0" i="1" smtClean="0">
-                        <a:solidFill>
-                          <a:srgbClr val="FF0000"/>
-                        </a:solidFill>
-                        <a:latin typeface="Cambria Math" panose="02040503050406030204" pitchFamily="18" charset="0"/>
-                      </a:rPr>
-                      <m:t>,</m:t>
-                    </m:r>
-                    <m:r>
-                      <a:rPr lang="en-US" b="0" i="1" smtClean="0">
-                        <a:solidFill>
-                          <a:srgbClr val="FF0000"/>
-                        </a:solidFill>
-                        <a:latin typeface="Cambria Math" panose="02040503050406030204" pitchFamily="18" charset="0"/>
-                      </a:rPr>
-                      <m:t>𝜅</m:t>
-                    </m:r>
-                    <m:r>
-                      <a:rPr lang="en-US" b="0" i="1" smtClean="0">
-                        <a:solidFill>
-                          <a:srgbClr val="FF0000"/>
-                        </a:solidFill>
-                        <a:latin typeface="Cambria Math" panose="02040503050406030204" pitchFamily="18" charset="0"/>
-                      </a:rPr>
-                      <m:t>′</m:t>
-                    </m:r>
-                  </m:oMath>
-                </a14:m>
-                <a:r>
-                  <a:rPr lang="en-US" dirty="0"/>
-                  <a:t> </a:t>
-                </a:r>
-              </a:p>
-            </p:txBody>
-          </p:sp>
-        </mc:Choice>
-        <mc:Fallback>
-          <p:sp>
-            <p:nvSpPr>
-              <p:cNvPr id="8" name="TextBox 7">
-                <a:extLst>
-                  <a:ext uri="{FF2B5EF4-FFF2-40B4-BE49-F238E27FC236}">
-                    <a16:creationId xmlns:a16="http://schemas.microsoft.com/office/drawing/2014/main" id="{5D950E81-EDDA-F65A-B837-617964DE52AC}"/>
-                  </a:ext>
-                </a:extLst>
-              </p:cNvPr>
-              <p:cNvSpPr txBox="1">
-                <a:spLocks noRot="1" noChangeAspect="1" noMove="1" noResize="1" noEditPoints="1" noAdjustHandles="1" noChangeArrowheads="1" noChangeShapeType="1" noTextEdit="1"/>
-              </p:cNvSpPr>
-              <p:nvPr/>
-            </p:nvSpPr>
-            <p:spPr>
-              <a:xfrm>
-                <a:off x="704849" y="3619500"/>
-                <a:ext cx="7058025" cy="797013"/>
-              </a:xfrm>
-              <a:prstGeom prst="rect">
-                <a:avLst/>
-              </a:prstGeom>
-              <a:blipFill>
-                <a:blip r:embed="rId5"/>
-                <a:stretch>
-                  <a:fillRect l="-778" t="-3846" b="-1538"/>
-                </a:stretch>
-              </a:blipFill>
-            </p:spPr>
-            <p:txBody>
-              <a:bodyPr/>
-              <a:lstStyle/>
-              <a:p>
-                <a:r>
-                  <a:rPr lang="en-US">
-                    <a:noFill/>
-                  </a:rPr>
-                  <a:t> </a:t>
-                </a:r>
-              </a:p>
-            </p:txBody>
-          </p:sp>
-        </mc:Fallback>
-      </mc:AlternateContent>
+                  </a14:m>
+                  <a:r>
+                    <a:rPr lang="en-US" dirty="0"/>
+                    <a:t> </a:t>
+                  </a:r>
+                </a:p>
+              </p:txBody>
+            </p:sp>
+          </mc:Choice>
+          <mc:Fallback>
+            <p:sp>
+              <p:nvSpPr>
+                <p:cNvPr id="8" name="TextBox 7">
+                  <a:extLst>
+                    <a:ext uri="{FF2B5EF4-FFF2-40B4-BE49-F238E27FC236}">
+                      <a16:creationId xmlns:a16="http://schemas.microsoft.com/office/drawing/2014/main" id="{5D950E81-EDDA-F65A-B837-617964DE52AC}"/>
+                    </a:ext>
+                  </a:extLst>
+                </p:cNvPr>
+                <p:cNvSpPr txBox="1">
+                  <a:spLocks noRot="1" noChangeAspect="1" noMove="1" noResize="1" noEditPoints="1" noAdjustHandles="1" noChangeArrowheads="1" noChangeShapeType="1" noTextEdit="1"/>
+                </p:cNvSpPr>
+                <p:nvPr/>
+              </p:nvSpPr>
+              <p:spPr>
+                <a:xfrm>
+                  <a:off x="462802" y="4141254"/>
+                  <a:ext cx="7058025" cy="797013"/>
+                </a:xfrm>
+                <a:prstGeom prst="rect">
+                  <a:avLst/>
+                </a:prstGeom>
+                <a:blipFill>
+                  <a:blip r:embed="rId5"/>
+                  <a:stretch>
+                    <a:fillRect l="-771" t="-4615" b="-769"/>
+                  </a:stretch>
+                </a:blipFill>
+              </p:spPr>
+              <p:txBody>
+                <a:bodyPr/>
+                <a:lstStyle/>
+                <a:p>
+                  <a:r>
+                    <a:rPr lang="en-US">
+                      <a:noFill/>
+                    </a:rPr>
+                    <a:t> </a:t>
+                  </a:r>
+                </a:p>
+              </p:txBody>
+            </p:sp>
+          </mc:Fallback>
+        </mc:AlternateContent>
+      </p:grpSp>
       <p:pic>
         <p:nvPicPr>
           <p:cNvPr id="9" name="Picture 8">
@@ -11166,7 +11638,7 @@
         </p:blipFill>
         <p:spPr>
           <a:xfrm>
-            <a:off x="6730928" y="2477154"/>
+            <a:off x="7418409" y="1989056"/>
             <a:ext cx="4578493" cy="3438442"/>
           </a:xfrm>
           <a:prstGeom prst="rect">
@@ -11206,75 +11678,1106 @@
       </p:grpSpPr>
       <p:sp>
         <p:nvSpPr>
-          <p:cNvPr id="2" name="Title 1">
+          <p:cNvPr id="2" name="TextBox 1">
             <a:extLst>
               <a:ext uri="{FF2B5EF4-FFF2-40B4-BE49-F238E27FC236}">
-                <a16:creationId xmlns:a16="http://schemas.microsoft.com/office/drawing/2014/main" id="{7AFA2528-A28E-C137-9FAE-78C6CD95CFE2}"/>
+                <a16:creationId xmlns:a16="http://schemas.microsoft.com/office/drawing/2014/main" id="{FAACEB75-4889-4E65-84CA-4A767B90239B}"/>
               </a:ext>
             </a:extLst>
           </p:cNvPr>
-          <p:cNvSpPr>
-            <a:spLocks noGrp="1"/>
-          </p:cNvSpPr>
-          <p:nvPr>
-            <p:ph type="title"/>
-          </p:nvPr>
+          <p:cNvSpPr txBox="1"/>
+          <p:nvPr/>
         </p:nvSpPr>
-        <p:spPr/>
+        <p:spPr>
+          <a:xfrm>
+            <a:off x="266699" y="95250"/>
+            <a:ext cx="5829301" cy="369332"/>
+          </a:xfrm>
+          <a:prstGeom prst="rect">
+            <a:avLst/>
+          </a:prstGeom>
+          <a:noFill/>
+        </p:spPr>
         <p:txBody>
-          <a:bodyPr/>
+          <a:bodyPr wrap="square" rtlCol="0">
+            <a:spAutoFit/>
+          </a:bodyPr>
           <a:lstStyle/>
           <a:p>
             <a:r>
+              <a:rPr lang="en-US" altLang="zh-CN" dirty="0"/>
+              <a:t>Quantum benchmark</a:t>
+            </a:r>
+            <a:r>
+              <a:rPr lang="zh-CN" altLang="en-US" dirty="0"/>
+              <a:t>：</a:t>
+            </a:r>
+            <a:r>
               <a:rPr lang="en-US" dirty="0"/>
-              <a:t>Some important theory about auto resonance</a:t>
+              <a:t> energy transfer ratio </a:t>
+            </a:r>
+          </a:p>
+        </p:txBody>
+      </p:sp>
+      <p:pic>
+        <p:nvPicPr>
+          <p:cNvPr id="3" name="Picture 2">
+            <a:extLst>
+              <a:ext uri="{FF2B5EF4-FFF2-40B4-BE49-F238E27FC236}">
+                <a16:creationId xmlns:a16="http://schemas.microsoft.com/office/drawing/2014/main" id="{DBACD6C1-9438-41D9-8AA3-27D61D02913E}"/>
+              </a:ext>
+            </a:extLst>
+          </p:cNvPr>
+          <p:cNvPicPr/>
+          <p:nvPr/>
+        </p:nvPicPr>
+        <p:blipFill>
+          <a:blip r:embed="rId2"/>
+          <a:stretch>
+            <a:fillRect/>
+          </a:stretch>
+        </p:blipFill>
+        <p:spPr>
+          <a:xfrm>
+            <a:off x="4479629" y="739695"/>
+            <a:ext cx="5829301" cy="4286680"/>
+          </a:xfrm>
+          <a:prstGeom prst="rect">
+            <a:avLst/>
+          </a:prstGeom>
+        </p:spPr>
+      </p:pic>
+      <mc:AlternateContent xmlns:mc="http://schemas.openxmlformats.org/markup-compatibility/2006">
+        <mc:Choice xmlns:a14="http://schemas.microsoft.com/office/drawing/2010/main" Requires="a14">
+          <p:sp>
+            <p:nvSpPr>
+              <p:cNvPr id="4" name="Rectangle 3">
+                <a:extLst>
+                  <a:ext uri="{FF2B5EF4-FFF2-40B4-BE49-F238E27FC236}">
+                    <a16:creationId xmlns:a16="http://schemas.microsoft.com/office/drawing/2014/main" id="{90F7B3ED-B987-4373-AE73-38D8EDBD1D8F}"/>
+                  </a:ext>
+                </a:extLst>
+              </p:cNvPr>
+              <p:cNvSpPr/>
+              <p:nvPr/>
+            </p:nvSpPr>
+            <p:spPr>
+              <a:xfrm>
+                <a:off x="748069" y="1338980"/>
+                <a:ext cx="1522725" cy="394019"/>
+              </a:xfrm>
+              <a:prstGeom prst="rect">
+                <a:avLst/>
+              </a:prstGeom>
+            </p:spPr>
+            <p:txBody>
+              <a:bodyPr wrap="none">
+                <a:spAutoFit/>
+              </a:bodyPr>
+              <a:lstStyle/>
+              <a:p>
+                <a:r>
+                  <a:rPr lang="en-US" dirty="0">
+                    <a:latin typeface="Calibri" panose="020F0502020204030204" pitchFamily="34" charset="0"/>
+                    <a:ea typeface="DengXian" panose="02010600030101010101" pitchFamily="2" charset="-122"/>
+                    <a:cs typeface="Times New Roman" panose="02020603050405020304" pitchFamily="18" charset="0"/>
+                  </a:rPr>
+                  <a:t> </a:t>
+                </a:r>
+                <a14:m>
+                  <m:oMath xmlns:m="http://schemas.openxmlformats.org/officeDocument/2006/math">
+                    <m:sSub>
+                      <m:sSubPr>
+                        <m:ctrlPr>
+                          <a:rPr lang="en-US" i="1">
+                            <a:effectLst/>
+                            <a:latin typeface="Cambria Math" panose="02040503050406030204" pitchFamily="18" charset="0"/>
+                          </a:rPr>
+                        </m:ctrlPr>
+                      </m:sSubPr>
+                      <m:e>
+                        <m:r>
+                          <m:rPr>
+                            <m:sty m:val="p"/>
+                          </m:rPr>
+                          <a:rPr lang="en-US">
+                            <a:latin typeface="Cambria Math" panose="02040503050406030204" pitchFamily="18" charset="0"/>
+                            <a:ea typeface="DengXian" panose="02010600030101010101" pitchFamily="2" charset="-122"/>
+                            <a:cs typeface="Times New Roman" panose="02020603050405020304" pitchFamily="18" charset="0"/>
+                          </a:rPr>
+                          <m:t>η</m:t>
+                        </m:r>
+                      </m:e>
+                      <m:sub>
+                        <m:r>
+                          <m:rPr>
+                            <m:sty m:val="p"/>
+                          </m:rPr>
+                          <a:rPr lang="en-US">
+                            <a:latin typeface="Cambria Math" panose="02040503050406030204" pitchFamily="18" charset="0"/>
+                            <a:ea typeface="DengXian" panose="02010600030101010101" pitchFamily="2" charset="-122"/>
+                            <a:cs typeface="Times New Roman" panose="02020603050405020304" pitchFamily="18" charset="0"/>
+                          </a:rPr>
+                          <m:t>p</m:t>
+                        </m:r>
+                      </m:sub>
+                    </m:sSub>
+                    <m:r>
+                      <a:rPr lang="en-US" i="1">
+                        <a:latin typeface="Cambria Math" panose="02040503050406030204" pitchFamily="18" charset="0"/>
+                        <a:ea typeface="DengXian" panose="02010600030101010101" pitchFamily="2" charset="-122"/>
+                        <a:cs typeface="Times New Roman" panose="02020603050405020304" pitchFamily="18" charset="0"/>
+                      </a:rPr>
+                      <m:t>=</m:t>
+                    </m:r>
+                    <m:sSub>
+                      <m:sSubPr>
+                        <m:ctrlPr>
+                          <a:rPr lang="en-US" i="1">
+                            <a:effectLst/>
+                            <a:latin typeface="Cambria Math" panose="02040503050406030204" pitchFamily="18" charset="0"/>
+                          </a:rPr>
+                        </m:ctrlPr>
+                      </m:sSubPr>
+                      <m:e>
+                        <m:r>
+                          <a:rPr lang="en-US" i="1">
+                            <a:latin typeface="Cambria Math" panose="02040503050406030204" pitchFamily="18" charset="0"/>
+                            <a:ea typeface="DengXian" panose="02010600030101010101" pitchFamily="2" charset="-122"/>
+                            <a:cs typeface="Times New Roman" panose="02020603050405020304" pitchFamily="18" charset="0"/>
+                          </a:rPr>
+                          <m:t>𝑊</m:t>
+                        </m:r>
+                      </m:e>
+                      <m:sub>
+                        <m:r>
+                          <a:rPr lang="en-US" i="1">
+                            <a:latin typeface="Cambria Math" panose="02040503050406030204" pitchFamily="18" charset="0"/>
+                            <a:ea typeface="DengXian" panose="02010600030101010101" pitchFamily="2" charset="-122"/>
+                            <a:cs typeface="Times New Roman" panose="02020603050405020304" pitchFamily="18" charset="0"/>
+                          </a:rPr>
+                          <m:t>⊥</m:t>
+                        </m:r>
+                      </m:sub>
+                    </m:sSub>
+                    <m:r>
+                      <a:rPr lang="en-US" i="1">
+                        <a:latin typeface="Cambria Math" panose="02040503050406030204" pitchFamily="18" charset="0"/>
+                        <a:ea typeface="DengXian" panose="02010600030101010101" pitchFamily="2" charset="-122"/>
+                        <a:cs typeface="Times New Roman" panose="02020603050405020304" pitchFamily="18" charset="0"/>
+                      </a:rPr>
+                      <m:t>/</m:t>
+                    </m:r>
+                    <m:sSub>
+                      <m:sSubPr>
+                        <m:ctrlPr>
+                          <a:rPr lang="en-US" i="1">
+                            <a:effectLst/>
+                            <a:latin typeface="Cambria Math" panose="02040503050406030204" pitchFamily="18" charset="0"/>
+                          </a:rPr>
+                        </m:ctrlPr>
+                      </m:sSubPr>
+                      <m:e>
+                        <m:r>
+                          <a:rPr lang="en-US" i="1">
+                            <a:latin typeface="Cambria Math" panose="02040503050406030204" pitchFamily="18" charset="0"/>
+                            <a:ea typeface="DengXian" panose="02010600030101010101" pitchFamily="2" charset="-122"/>
+                            <a:cs typeface="Times New Roman" panose="02020603050405020304" pitchFamily="18" charset="0"/>
+                          </a:rPr>
+                          <m:t>𝑊</m:t>
+                        </m:r>
+                      </m:e>
+                      <m:sub>
+                        <m:r>
+                          <a:rPr lang="en-US" i="1">
+                            <a:latin typeface="Cambria Math" panose="02040503050406030204" pitchFamily="18" charset="0"/>
+                            <a:ea typeface="DengXian" panose="02010600030101010101" pitchFamily="2" charset="-122"/>
+                            <a:cs typeface="Times New Roman" panose="02020603050405020304" pitchFamily="18" charset="0"/>
+                          </a:rPr>
+                          <m:t>𝐸</m:t>
+                        </m:r>
+                      </m:sub>
+                    </m:sSub>
+                  </m:oMath>
+                </a14:m>
+                <a:endParaRPr lang="en-US" dirty="0"/>
+              </a:p>
+            </p:txBody>
+          </p:sp>
+        </mc:Choice>
+        <mc:Fallback>
+          <p:sp>
+            <p:nvSpPr>
+              <p:cNvPr id="4" name="Rectangle 3">
+                <a:extLst>
+                  <a:ext uri="{FF2B5EF4-FFF2-40B4-BE49-F238E27FC236}">
+                    <a16:creationId xmlns:a16="http://schemas.microsoft.com/office/drawing/2014/main" id="{90F7B3ED-B987-4373-AE73-38D8EDBD1D8F}"/>
+                  </a:ext>
+                </a:extLst>
+              </p:cNvPr>
+              <p:cNvSpPr>
+                <a:spLocks noRot="1" noChangeAspect="1" noMove="1" noResize="1" noEditPoints="1" noAdjustHandles="1" noChangeArrowheads="1" noChangeShapeType="1" noTextEdit="1"/>
+              </p:cNvSpPr>
+              <p:nvPr/>
+            </p:nvSpPr>
+            <p:spPr>
+              <a:xfrm>
+                <a:off x="748069" y="1338980"/>
+                <a:ext cx="1522725" cy="394019"/>
+              </a:xfrm>
+              <a:prstGeom prst="rect">
+                <a:avLst/>
+              </a:prstGeom>
+              <a:blipFill>
+                <a:blip r:embed="rId3"/>
+                <a:stretch>
+                  <a:fillRect b="-7813"/>
+                </a:stretch>
+              </a:blipFill>
+            </p:spPr>
+            <p:txBody>
+              <a:bodyPr/>
+              <a:lstStyle/>
+              <a:p>
+                <a:r>
+                  <a:rPr lang="en-US">
+                    <a:noFill/>
+                  </a:rPr>
+                  <a:t> </a:t>
+                </a:r>
+              </a:p>
+            </p:txBody>
+          </p:sp>
+        </mc:Fallback>
+      </mc:AlternateContent>
+      <mc:AlternateContent xmlns:mc="http://schemas.openxmlformats.org/markup-compatibility/2006">
+        <mc:Choice xmlns:a14="http://schemas.microsoft.com/office/drawing/2010/main" Requires="a14">
+          <p:sp>
+            <p:nvSpPr>
+              <p:cNvPr id="5" name="Rectangle 4">
+                <a:extLst>
+                  <a:ext uri="{FF2B5EF4-FFF2-40B4-BE49-F238E27FC236}">
+                    <a16:creationId xmlns:a16="http://schemas.microsoft.com/office/drawing/2014/main" id="{5D9618CD-2424-4762-BE85-3380E20FCCDA}"/>
+                  </a:ext>
+                </a:extLst>
+              </p:cNvPr>
+              <p:cNvSpPr/>
+              <p:nvPr/>
+            </p:nvSpPr>
+            <p:spPr>
+              <a:xfrm>
+                <a:off x="712892" y="1776187"/>
+                <a:ext cx="3361368" cy="711733"/>
+              </a:xfrm>
+              <a:prstGeom prst="rect">
+                <a:avLst/>
+              </a:prstGeom>
+            </p:spPr>
+            <p:txBody>
+              <a:bodyPr wrap="none">
+                <a:spAutoFit/>
+              </a:bodyPr>
+              <a:lstStyle/>
+              <a:p>
+                <a14:m>
+                  <m:oMathPara xmlns:m="http://schemas.openxmlformats.org/officeDocument/2006/math">
+                    <m:oMathParaPr>
+                      <m:jc m:val="centerGroup"/>
+                    </m:oMathParaPr>
+                    <m:oMath xmlns:m="http://schemas.openxmlformats.org/officeDocument/2006/math">
+                      <m:sSub>
+                        <m:sSubPr>
+                          <m:ctrlPr>
+                            <a:rPr lang="en-US">
+                              <a:latin typeface="Cambria Math" panose="02040503050406030204" pitchFamily="18" charset="0"/>
+                            </a:rPr>
+                          </m:ctrlPr>
+                        </m:sSubPr>
+                        <m:e>
+                          <m:r>
+                            <m:rPr>
+                              <m:sty m:val="p"/>
+                            </m:rPr>
+                            <a:rPr lang="en-US">
+                              <a:latin typeface="Cambria Math" panose="02040503050406030204" pitchFamily="18" charset="0"/>
+                            </a:rPr>
+                            <m:t>W</m:t>
+                          </m:r>
+                        </m:e>
+                        <m:sub>
+                          <m:r>
+                            <m:rPr>
+                              <m:sty m:val="p"/>
+                            </m:rPr>
+                            <a:rPr lang="en-US" i="0">
+                              <a:latin typeface="Cambria Math" panose="02040503050406030204" pitchFamily="18" charset="0"/>
+                            </a:rPr>
+                            <m:t>E</m:t>
+                          </m:r>
+                        </m:sub>
+                      </m:sSub>
+                      <m:r>
+                        <a:rPr lang="en-US" i="0">
+                          <a:latin typeface="Cambria Math" panose="02040503050406030204" pitchFamily="18" charset="0"/>
+                        </a:rPr>
+                        <m:t>=</m:t>
+                      </m:r>
+                      <m:nary>
+                        <m:naryPr>
+                          <m:limLoc m:val="subSup"/>
+                          <m:ctrlPr>
+                            <a:rPr lang="en-US" i="1">
+                              <a:latin typeface="Cambria Math" panose="02040503050406030204" pitchFamily="18" charset="0"/>
+                            </a:rPr>
+                          </m:ctrlPr>
+                        </m:naryPr>
+                        <m:sub>
+                          <m:r>
+                            <a:rPr lang="en-US" i="0">
+                              <a:latin typeface="Cambria Math" panose="02040503050406030204" pitchFamily="18" charset="0"/>
+                            </a:rPr>
+                            <m:t>0</m:t>
+                          </m:r>
+                        </m:sub>
+                        <m:sup>
+                          <m:r>
+                            <a:rPr lang="en-US" i="1">
+                              <a:latin typeface="Cambria Math" panose="02040503050406030204" pitchFamily="18" charset="0"/>
+                            </a:rPr>
+                            <m:t>𝑡</m:t>
+                          </m:r>
+                        </m:sup>
+                        <m:e>
+                          <m:sSub>
+                            <m:sSubPr>
+                              <m:ctrlPr>
+                                <a:rPr lang="en-US" i="1">
+                                  <a:latin typeface="Cambria Math" panose="02040503050406030204" pitchFamily="18" charset="0"/>
+                                </a:rPr>
+                              </m:ctrlPr>
+                            </m:sSubPr>
+                            <m:e>
+                              <m:r>
+                                <a:rPr lang="en-US" i="1">
+                                  <a:latin typeface="Cambria Math" panose="02040503050406030204" pitchFamily="18" charset="0"/>
+                                </a:rPr>
+                                <m:t>𝐸</m:t>
+                              </m:r>
+                            </m:e>
+                            <m:sub>
+                              <m:r>
+                                <a:rPr lang="en-US" i="0">
+                                  <a:latin typeface="Cambria Math" panose="02040503050406030204" pitchFamily="18" charset="0"/>
+                                </a:rPr>
+                                <m:t>0</m:t>
+                              </m:r>
+                            </m:sub>
+                          </m:sSub>
+                          <m:r>
+                            <a:rPr lang="en-US" i="1">
+                              <a:latin typeface="Cambria Math" panose="02040503050406030204" pitchFamily="18" charset="0"/>
+                            </a:rPr>
+                            <m:t>𝑞</m:t>
+                          </m:r>
+                          <m:sSub>
+                            <m:sSubPr>
+                              <m:ctrlPr>
+                                <a:rPr lang="en-US" i="1">
+                                  <a:latin typeface="Cambria Math" panose="02040503050406030204" pitchFamily="18" charset="0"/>
+                                </a:rPr>
+                              </m:ctrlPr>
+                            </m:sSubPr>
+                            <m:e>
+                              <m:r>
+                                <a:rPr lang="en-US" i="1">
+                                  <a:latin typeface="Cambria Math" panose="02040503050406030204" pitchFamily="18" charset="0"/>
+                                </a:rPr>
+                                <m:t>𝑣</m:t>
+                              </m:r>
+                            </m:e>
+                            <m:sub>
+                              <m:r>
+                                <a:rPr lang="en-US" i="1">
+                                  <a:latin typeface="Cambria Math" panose="02040503050406030204" pitchFamily="18" charset="0"/>
+                                </a:rPr>
+                                <m:t>𝑧</m:t>
+                              </m:r>
+                            </m:sub>
+                          </m:sSub>
+                          <m:r>
+                            <a:rPr lang="en-US" i="1">
+                              <a:latin typeface="Cambria Math" panose="02040503050406030204" pitchFamily="18" charset="0"/>
+                            </a:rPr>
+                            <m:t>𝑑𝑡</m:t>
+                          </m:r>
+                        </m:e>
+                      </m:nary>
+                      <m:r>
+                        <a:rPr lang="en-US" i="0">
+                          <a:latin typeface="Cambria Math" panose="02040503050406030204" pitchFamily="18" charset="0"/>
+                        </a:rPr>
+                        <m:t>−</m:t>
+                      </m:r>
+                      <m:nary>
+                        <m:naryPr>
+                          <m:limLoc m:val="subSup"/>
+                          <m:ctrlPr>
+                            <a:rPr lang="en-US" i="1">
+                              <a:latin typeface="Cambria Math" panose="02040503050406030204" pitchFamily="18" charset="0"/>
+                            </a:rPr>
+                          </m:ctrlPr>
+                        </m:naryPr>
+                        <m:sub>
+                          <m:r>
+                            <a:rPr lang="en-US" i="0">
+                              <a:latin typeface="Cambria Math" panose="02040503050406030204" pitchFamily="18" charset="0"/>
+                            </a:rPr>
+                            <m:t>0</m:t>
+                          </m:r>
+                        </m:sub>
+                        <m:sup>
+                          <m:sSub>
+                            <m:sSubPr>
+                              <m:ctrlPr>
+                                <a:rPr lang="en-US" i="1">
+                                  <a:latin typeface="Cambria Math" panose="02040503050406030204" pitchFamily="18" charset="0"/>
+                                </a:rPr>
+                              </m:ctrlPr>
+                            </m:sSubPr>
+                            <m:e>
+                              <m:r>
+                                <a:rPr lang="en-US" i="1">
+                                  <a:latin typeface="Cambria Math" panose="02040503050406030204" pitchFamily="18" charset="0"/>
+                                </a:rPr>
+                                <m:t>𝑡</m:t>
+                              </m:r>
+                            </m:e>
+                            <m:sub>
+                              <m:r>
+                                <a:rPr lang="en-US" i="1">
+                                  <a:latin typeface="Cambria Math" panose="02040503050406030204" pitchFamily="18" charset="0"/>
+                                </a:rPr>
+                                <m:t>𝑐</m:t>
+                              </m:r>
+                            </m:sub>
+                          </m:sSub>
+                        </m:sup>
+                        <m:e>
+                          <m:sSub>
+                            <m:sSubPr>
+                              <m:ctrlPr>
+                                <a:rPr lang="en-US" i="1">
+                                  <a:latin typeface="Cambria Math" panose="02040503050406030204" pitchFamily="18" charset="0"/>
+                                </a:rPr>
+                              </m:ctrlPr>
+                            </m:sSubPr>
+                            <m:e>
+                              <m:r>
+                                <a:rPr lang="en-US" i="1">
+                                  <a:latin typeface="Cambria Math" panose="02040503050406030204" pitchFamily="18" charset="0"/>
+                                </a:rPr>
+                                <m:t>𝐸</m:t>
+                              </m:r>
+                            </m:e>
+                            <m:sub>
+                              <m:r>
+                                <a:rPr lang="en-US" i="0">
+                                  <a:latin typeface="Cambria Math" panose="02040503050406030204" pitchFamily="18" charset="0"/>
+                                </a:rPr>
+                                <m:t>0</m:t>
+                              </m:r>
+                            </m:sub>
+                          </m:sSub>
+                          <m:r>
+                            <a:rPr lang="en-US" i="1">
+                              <a:latin typeface="Cambria Math" panose="02040503050406030204" pitchFamily="18" charset="0"/>
+                            </a:rPr>
+                            <m:t>𝑞</m:t>
+                          </m:r>
+                          <m:sSub>
+                            <m:sSubPr>
+                              <m:ctrlPr>
+                                <a:rPr lang="en-US" i="1">
+                                  <a:latin typeface="Cambria Math" panose="02040503050406030204" pitchFamily="18" charset="0"/>
+                                </a:rPr>
+                              </m:ctrlPr>
+                            </m:sSubPr>
+                            <m:e>
+                              <m:r>
+                                <a:rPr lang="en-US" i="1">
+                                  <a:latin typeface="Cambria Math" panose="02040503050406030204" pitchFamily="18" charset="0"/>
+                                </a:rPr>
+                                <m:t>𝑣</m:t>
+                              </m:r>
+                            </m:e>
+                            <m:sub>
+                              <m:r>
+                                <a:rPr lang="en-US" i="1">
+                                  <a:latin typeface="Cambria Math" panose="02040503050406030204" pitchFamily="18" charset="0"/>
+                                </a:rPr>
+                                <m:t>𝑧</m:t>
+                              </m:r>
+                            </m:sub>
+                          </m:sSub>
+                          <m:r>
+                            <a:rPr lang="en-US" i="1">
+                              <a:latin typeface="Cambria Math" panose="02040503050406030204" pitchFamily="18" charset="0"/>
+                            </a:rPr>
+                            <m:t>𝑑𝑡</m:t>
+                          </m:r>
+                        </m:e>
+                      </m:nary>
+                    </m:oMath>
+                  </m:oMathPara>
+                </a14:m>
+                <a:endParaRPr lang="en-US" dirty="0"/>
+              </a:p>
+            </p:txBody>
+          </p:sp>
+        </mc:Choice>
+        <mc:Fallback>
+          <p:sp>
+            <p:nvSpPr>
+              <p:cNvPr id="5" name="Rectangle 4">
+                <a:extLst>
+                  <a:ext uri="{FF2B5EF4-FFF2-40B4-BE49-F238E27FC236}">
+                    <a16:creationId xmlns:a16="http://schemas.microsoft.com/office/drawing/2014/main" id="{5D9618CD-2424-4762-BE85-3380E20FCCDA}"/>
+                  </a:ext>
+                </a:extLst>
+              </p:cNvPr>
+              <p:cNvSpPr>
+                <a:spLocks noRot="1" noChangeAspect="1" noMove="1" noResize="1" noEditPoints="1" noAdjustHandles="1" noChangeArrowheads="1" noChangeShapeType="1" noTextEdit="1"/>
+              </p:cNvSpPr>
+              <p:nvPr/>
+            </p:nvSpPr>
+            <p:spPr>
+              <a:xfrm>
+                <a:off x="712892" y="1776187"/>
+                <a:ext cx="3361368" cy="711733"/>
+              </a:xfrm>
+              <a:prstGeom prst="rect">
+                <a:avLst/>
+              </a:prstGeom>
+              <a:blipFill>
+                <a:blip r:embed="rId4"/>
+                <a:stretch>
+                  <a:fillRect/>
+                </a:stretch>
+              </a:blipFill>
+            </p:spPr>
+            <p:txBody>
+              <a:bodyPr/>
+              <a:lstStyle/>
+              <a:p>
+                <a:r>
+                  <a:rPr lang="en-US">
+                    <a:noFill/>
+                  </a:rPr>
+                  <a:t> </a:t>
+                </a:r>
+              </a:p>
+            </p:txBody>
+          </p:sp>
+        </mc:Fallback>
+      </mc:AlternateContent>
+      <mc:AlternateContent xmlns:mc="http://schemas.openxmlformats.org/markup-compatibility/2006">
+        <mc:Choice xmlns:a14="http://schemas.microsoft.com/office/drawing/2010/main" Requires="a14">
+          <p:sp>
+            <p:nvSpPr>
+              <p:cNvPr id="6" name="Rectangle 5">
+                <a:extLst>
+                  <a:ext uri="{FF2B5EF4-FFF2-40B4-BE49-F238E27FC236}">
+                    <a16:creationId xmlns:a16="http://schemas.microsoft.com/office/drawing/2014/main" id="{49EDD3D8-AA09-4AD8-BCD4-3D3612FE2557}"/>
+                  </a:ext>
+                </a:extLst>
+              </p:cNvPr>
+              <p:cNvSpPr/>
+              <p:nvPr/>
+            </p:nvSpPr>
+            <p:spPr>
+              <a:xfrm>
+                <a:off x="715175" y="4056501"/>
+                <a:ext cx="1588512" cy="627159"/>
+              </a:xfrm>
+              <a:prstGeom prst="rect">
+                <a:avLst/>
+              </a:prstGeom>
+            </p:spPr>
+            <p:txBody>
+              <a:bodyPr wrap="none">
+                <a:spAutoFit/>
+              </a:bodyPr>
+              <a:lstStyle/>
+              <a:p>
+                <a14:m>
+                  <m:oMathPara xmlns:m="http://schemas.openxmlformats.org/officeDocument/2006/math">
+                    <m:oMathParaPr>
+                      <m:jc m:val="centerGroup"/>
+                    </m:oMathParaPr>
+                    <m:oMath xmlns:m="http://schemas.openxmlformats.org/officeDocument/2006/math">
+                      <m:sSub>
+                        <m:sSubPr>
+                          <m:ctrlPr>
+                            <a:rPr lang="en-US">
+                              <a:latin typeface="Cambria Math" panose="02040503050406030204" pitchFamily="18" charset="0"/>
+                            </a:rPr>
+                          </m:ctrlPr>
+                        </m:sSubPr>
+                        <m:e>
+                          <m:r>
+                            <m:rPr>
+                              <m:sty m:val="p"/>
+                            </m:rPr>
+                            <a:rPr lang="en-US">
+                              <a:latin typeface="Cambria Math" panose="02040503050406030204" pitchFamily="18" charset="0"/>
+                            </a:rPr>
+                            <m:t>η</m:t>
+                          </m:r>
+                        </m:e>
+                        <m:sub>
+                          <m:r>
+                            <m:rPr>
+                              <m:sty m:val="p"/>
+                            </m:rPr>
+                            <a:rPr lang="en-US" i="0">
+                              <a:latin typeface="Cambria Math" panose="02040503050406030204" pitchFamily="18" charset="0"/>
+                            </a:rPr>
+                            <m:t>p</m:t>
+                          </m:r>
+                        </m:sub>
+                      </m:sSub>
+                      <m:r>
+                        <a:rPr lang="en-US" i="0">
+                          <a:latin typeface="Cambria Math" panose="02040503050406030204" pitchFamily="18" charset="0"/>
+                        </a:rPr>
+                        <m:t>=</m:t>
+                      </m:r>
+                      <m:f>
+                        <m:fPr>
+                          <m:ctrlPr>
+                            <a:rPr lang="en-US" i="1">
+                              <a:latin typeface="Cambria Math" panose="02040503050406030204" pitchFamily="18" charset="0"/>
+                            </a:rPr>
+                          </m:ctrlPr>
+                        </m:fPr>
+                        <m:num>
+                          <m:r>
+                            <m:rPr>
+                              <m:sty m:val="p"/>
+                            </m:rPr>
+                            <a:rPr lang="en-US" i="0">
+                              <a:latin typeface="Cambria Math" panose="02040503050406030204" pitchFamily="18" charset="0"/>
+                            </a:rPr>
+                            <m:t>n</m:t>
+                          </m:r>
+                          <m:f>
+                            <m:fPr>
+                              <m:type m:val="lin"/>
+                              <m:ctrlPr>
+                                <a:rPr lang="en-US" i="1">
+                                  <a:latin typeface="Cambria Math" panose="02040503050406030204" pitchFamily="18" charset="0"/>
+                                </a:rPr>
+                              </m:ctrlPr>
+                            </m:fPr>
+                            <m:num>
+                              <m:d>
+                                <m:dPr>
+                                  <m:begChr m:val="|"/>
+                                  <m:endChr m:val="|"/>
+                                  <m:ctrlPr>
+                                    <a:rPr lang="en-US" i="1">
+                                      <a:latin typeface="Cambria Math" panose="02040503050406030204" pitchFamily="18" charset="0"/>
+                                    </a:rPr>
+                                  </m:ctrlPr>
+                                </m:dPr>
+                                <m:e>
+                                  <m:r>
+                                    <m:rPr>
+                                      <m:sty m:val="p"/>
+                                    </m:rPr>
+                                    <a:rPr lang="en-US" i="0">
+                                      <a:latin typeface="Cambria Math" panose="02040503050406030204" pitchFamily="18" charset="0"/>
+                                    </a:rPr>
+                                    <m:t>Ω</m:t>
+                                  </m:r>
+                                </m:e>
+                              </m:d>
+                            </m:num>
+                            <m:den>
+                              <m:sSub>
+                                <m:sSubPr>
+                                  <m:ctrlPr>
+                                    <a:rPr lang="en-US" i="1">
+                                      <a:latin typeface="Cambria Math" panose="02040503050406030204" pitchFamily="18" charset="0"/>
+                                    </a:rPr>
+                                  </m:ctrlPr>
+                                </m:sSubPr>
+                                <m:e>
+                                  <m:r>
+                                    <m:rPr>
+                                      <m:sty m:val="p"/>
+                                    </m:rPr>
+                                    <a:rPr lang="en-US" i="0">
+                                      <a:latin typeface="Cambria Math" panose="02040503050406030204" pitchFamily="18" charset="0"/>
+                                    </a:rPr>
+                                    <m:t>γ</m:t>
+                                  </m:r>
+                                </m:e>
+                                <m:sub>
+                                  <m:r>
+                                    <m:rPr>
+                                      <m:sty m:val="p"/>
+                                    </m:rPr>
+                                    <a:rPr lang="en-US" i="0">
+                                      <a:latin typeface="Cambria Math" panose="02040503050406030204" pitchFamily="18" charset="0"/>
+                                    </a:rPr>
+                                    <m:t>c</m:t>
+                                  </m:r>
+                                </m:sub>
+                              </m:sSub>
+                            </m:den>
+                          </m:f>
+                        </m:num>
+                        <m:den>
+                          <m:r>
+                            <m:rPr>
+                              <m:sty m:val="p"/>
+                            </m:rPr>
+                            <a:rPr lang="en-US" i="0">
+                              <a:latin typeface="Cambria Math" panose="02040503050406030204" pitchFamily="18" charset="0"/>
+                            </a:rPr>
+                            <m:t>k</m:t>
+                          </m:r>
+                          <m:r>
+                            <a:rPr lang="en-US" i="0">
+                              <a:latin typeface="Cambria Math" panose="02040503050406030204" pitchFamily="18" charset="0"/>
+                            </a:rPr>
+                            <m:t>⋅</m:t>
+                          </m:r>
+                          <m:r>
+                            <m:rPr>
+                              <m:sty m:val="p"/>
+                            </m:rPr>
+                            <a:rPr lang="en-US" i="0">
+                              <a:latin typeface="Cambria Math" panose="02040503050406030204" pitchFamily="18" charset="0"/>
+                            </a:rPr>
+                            <m:t>v</m:t>
+                          </m:r>
+                        </m:den>
+                      </m:f>
+                    </m:oMath>
+                  </m:oMathPara>
+                </a14:m>
+                <a:endParaRPr lang="en-US" dirty="0"/>
+              </a:p>
+            </p:txBody>
+          </p:sp>
+        </mc:Choice>
+        <mc:Fallback>
+          <p:sp>
+            <p:nvSpPr>
+              <p:cNvPr id="6" name="Rectangle 5">
+                <a:extLst>
+                  <a:ext uri="{FF2B5EF4-FFF2-40B4-BE49-F238E27FC236}">
+                    <a16:creationId xmlns:a16="http://schemas.microsoft.com/office/drawing/2014/main" id="{49EDD3D8-AA09-4AD8-BCD4-3D3612FE2557}"/>
+                  </a:ext>
+                </a:extLst>
+              </p:cNvPr>
+              <p:cNvSpPr>
+                <a:spLocks noRot="1" noChangeAspect="1" noMove="1" noResize="1" noEditPoints="1" noAdjustHandles="1" noChangeArrowheads="1" noChangeShapeType="1" noTextEdit="1"/>
+              </p:cNvSpPr>
+              <p:nvPr/>
+            </p:nvSpPr>
+            <p:spPr>
+              <a:xfrm>
+                <a:off x="715175" y="4056501"/>
+                <a:ext cx="1588512" cy="627159"/>
+              </a:xfrm>
+              <a:prstGeom prst="rect">
+                <a:avLst/>
+              </a:prstGeom>
+              <a:blipFill>
+                <a:blip r:embed="rId5"/>
+                <a:stretch>
+                  <a:fillRect/>
+                </a:stretch>
+              </a:blipFill>
+            </p:spPr>
+            <p:txBody>
+              <a:bodyPr/>
+              <a:lstStyle/>
+              <a:p>
+                <a:r>
+                  <a:rPr lang="en-US">
+                    <a:noFill/>
+                  </a:rPr>
+                  <a:t> </a:t>
+                </a:r>
+              </a:p>
+            </p:txBody>
+          </p:sp>
+        </mc:Fallback>
+      </mc:AlternateContent>
+      <mc:AlternateContent xmlns:mc="http://schemas.openxmlformats.org/markup-compatibility/2006">
+        <mc:Choice xmlns:a14="http://schemas.microsoft.com/office/drawing/2010/main" Requires="a14">
+          <p:sp>
+            <p:nvSpPr>
+              <p:cNvPr id="7" name="Rectangle 6">
+                <a:extLst>
+                  <a:ext uri="{FF2B5EF4-FFF2-40B4-BE49-F238E27FC236}">
+                    <a16:creationId xmlns:a16="http://schemas.microsoft.com/office/drawing/2014/main" id="{98CA3D10-2B43-4BE8-BF85-5AE81B256493}"/>
+                  </a:ext>
+                </a:extLst>
+              </p:cNvPr>
+              <p:cNvSpPr/>
+              <p:nvPr/>
+            </p:nvSpPr>
+            <p:spPr>
+              <a:xfrm>
+                <a:off x="795134" y="2487920"/>
+                <a:ext cx="1475660" cy="610936"/>
+              </a:xfrm>
+              <a:prstGeom prst="rect">
+                <a:avLst/>
+              </a:prstGeom>
+            </p:spPr>
+            <p:txBody>
+              <a:bodyPr wrap="none">
+                <a:spAutoFit/>
+              </a:bodyPr>
+              <a:lstStyle/>
+              <a:p>
+                <a14:m>
+                  <m:oMathPara xmlns:m="http://schemas.openxmlformats.org/officeDocument/2006/math">
+                    <m:oMathParaPr>
+                      <m:jc m:val="centerGroup"/>
+                    </m:oMathParaPr>
+                    <m:oMath xmlns:m="http://schemas.openxmlformats.org/officeDocument/2006/math">
+                      <m:sSub>
+                        <m:sSubPr>
+                          <m:ctrlPr>
+                            <a:rPr lang="en-US">
+                              <a:latin typeface="Cambria Math" panose="02040503050406030204" pitchFamily="18" charset="0"/>
+                            </a:rPr>
+                          </m:ctrlPr>
+                        </m:sSubPr>
+                        <m:e>
+                          <m:r>
+                            <m:rPr>
+                              <m:sty m:val="p"/>
+                            </m:rPr>
+                            <a:rPr lang="en-US">
+                              <a:latin typeface="Cambria Math" panose="02040503050406030204" pitchFamily="18" charset="0"/>
+                            </a:rPr>
+                            <m:t>W</m:t>
+                          </m:r>
+                        </m:e>
+                        <m:sub>
+                          <m:r>
+                            <a:rPr lang="en-US" i="0">
+                              <a:latin typeface="Cambria Math" panose="02040503050406030204" pitchFamily="18" charset="0"/>
+                            </a:rPr>
+                            <m:t>⊥</m:t>
+                          </m:r>
+                        </m:sub>
+                      </m:sSub>
+                      <m:r>
+                        <a:rPr lang="en-US" i="0">
+                          <a:latin typeface="Cambria Math" panose="02040503050406030204" pitchFamily="18" charset="0"/>
+                        </a:rPr>
+                        <m:t>=</m:t>
+                      </m:r>
+                      <m:f>
+                        <m:fPr>
+                          <m:ctrlPr>
+                            <a:rPr lang="en-US" i="1">
+                              <a:latin typeface="Cambria Math" panose="02040503050406030204" pitchFamily="18" charset="0"/>
+                            </a:rPr>
+                          </m:ctrlPr>
+                        </m:fPr>
+                        <m:num>
+                          <m:r>
+                            <a:rPr lang="en-US" i="0">
+                              <a:latin typeface="Cambria Math" panose="02040503050406030204" pitchFamily="18" charset="0"/>
+                            </a:rPr>
+                            <m:t>1</m:t>
+                          </m:r>
+                        </m:num>
+                        <m:den>
+                          <m:r>
+                            <a:rPr lang="en-US" i="0">
+                              <a:latin typeface="Cambria Math" panose="02040503050406030204" pitchFamily="18" charset="0"/>
+                            </a:rPr>
+                            <m:t>2</m:t>
+                          </m:r>
+                        </m:den>
+                      </m:f>
+                      <m:r>
+                        <a:rPr lang="en-US" i="1">
+                          <a:latin typeface="Cambria Math" panose="02040503050406030204" pitchFamily="18" charset="0"/>
+                        </a:rPr>
+                        <m:t>𝑚</m:t>
+                      </m:r>
+                      <m:sSubSup>
+                        <m:sSubSupPr>
+                          <m:ctrlPr>
+                            <a:rPr lang="en-US" i="1">
+                              <a:latin typeface="Cambria Math" panose="02040503050406030204" pitchFamily="18" charset="0"/>
+                            </a:rPr>
+                          </m:ctrlPr>
+                        </m:sSubSupPr>
+                        <m:e>
+                          <m:r>
+                            <a:rPr lang="en-US" i="1">
+                              <a:latin typeface="Cambria Math" panose="02040503050406030204" pitchFamily="18" charset="0"/>
+                            </a:rPr>
+                            <m:t>𝑣</m:t>
+                          </m:r>
+                        </m:e>
+                        <m:sub>
+                          <m:r>
+                            <a:rPr lang="en-US" i="0">
+                              <a:latin typeface="Cambria Math" panose="02040503050406030204" pitchFamily="18" charset="0"/>
+                            </a:rPr>
+                            <m:t>⊥</m:t>
+                          </m:r>
+                        </m:sub>
+                        <m:sup>
+                          <m:r>
+                            <a:rPr lang="en-US" i="0">
+                              <a:latin typeface="Cambria Math" panose="02040503050406030204" pitchFamily="18" charset="0"/>
+                            </a:rPr>
+                            <m:t>2</m:t>
+                          </m:r>
+                        </m:sup>
+                      </m:sSubSup>
+                    </m:oMath>
+                  </m:oMathPara>
+                </a14:m>
+                <a:endParaRPr lang="en-US" dirty="0"/>
+              </a:p>
+            </p:txBody>
+          </p:sp>
+        </mc:Choice>
+        <mc:Fallback>
+          <p:sp>
+            <p:nvSpPr>
+              <p:cNvPr id="7" name="Rectangle 6">
+                <a:extLst>
+                  <a:ext uri="{FF2B5EF4-FFF2-40B4-BE49-F238E27FC236}">
+                    <a16:creationId xmlns:a16="http://schemas.microsoft.com/office/drawing/2014/main" id="{98CA3D10-2B43-4BE8-BF85-5AE81B256493}"/>
+                  </a:ext>
+                </a:extLst>
+              </p:cNvPr>
+              <p:cNvSpPr>
+                <a:spLocks noRot="1" noChangeAspect="1" noMove="1" noResize="1" noEditPoints="1" noAdjustHandles="1" noChangeArrowheads="1" noChangeShapeType="1" noTextEdit="1"/>
+              </p:cNvSpPr>
+              <p:nvPr/>
+            </p:nvSpPr>
+            <p:spPr>
+              <a:xfrm>
+                <a:off x="795134" y="2487920"/>
+                <a:ext cx="1475660" cy="610936"/>
+              </a:xfrm>
+              <a:prstGeom prst="rect">
+                <a:avLst/>
+              </a:prstGeom>
+              <a:blipFill>
+                <a:blip r:embed="rId6"/>
+                <a:stretch>
+                  <a:fillRect/>
+                </a:stretch>
+              </a:blipFill>
+            </p:spPr>
+            <p:txBody>
+              <a:bodyPr/>
+              <a:lstStyle/>
+              <a:p>
+                <a:r>
+                  <a:rPr lang="en-US">
+                    <a:noFill/>
+                  </a:rPr>
+                  <a:t> </a:t>
+                </a:r>
+              </a:p>
+            </p:txBody>
+          </p:sp>
+        </mc:Fallback>
+      </mc:AlternateContent>
+      <p:sp>
+        <p:nvSpPr>
+          <p:cNvPr id="8" name="TextBox 7">
+            <a:extLst>
+              <a:ext uri="{FF2B5EF4-FFF2-40B4-BE49-F238E27FC236}">
+                <a16:creationId xmlns:a16="http://schemas.microsoft.com/office/drawing/2014/main" id="{0CFC0071-7727-4E46-B75B-9C352CD7F6CF}"/>
+              </a:ext>
+            </a:extLst>
+          </p:cNvPr>
+          <p:cNvSpPr txBox="1"/>
+          <p:nvPr/>
+        </p:nvSpPr>
+        <p:spPr>
+          <a:xfrm>
+            <a:off x="748069" y="860747"/>
+            <a:ext cx="2745925" cy="369332"/>
+          </a:xfrm>
+          <a:prstGeom prst="rect">
+            <a:avLst/>
+          </a:prstGeom>
+          <a:noFill/>
+        </p:spPr>
+        <p:txBody>
+          <a:bodyPr wrap="square" rtlCol="0">
+            <a:spAutoFit/>
+          </a:bodyPr>
+          <a:lstStyle/>
+          <a:p>
+            <a:r>
+              <a:rPr lang="en-US" dirty="0"/>
+              <a:t>Classical results</a:t>
             </a:r>
           </a:p>
         </p:txBody>
       </p:sp>
       <p:sp>
         <p:nvSpPr>
-          <p:cNvPr id="3" name="Content Placeholder 2">
+          <p:cNvPr id="9" name="TextBox 8">
             <a:extLst>
               <a:ext uri="{FF2B5EF4-FFF2-40B4-BE49-F238E27FC236}">
-                <a16:creationId xmlns:a16="http://schemas.microsoft.com/office/drawing/2014/main" id="{1AB29083-93C4-DE0B-ABEF-77AB91C702DA}"/>
+                <a16:creationId xmlns:a16="http://schemas.microsoft.com/office/drawing/2014/main" id="{49F8CF94-9CD2-4663-BEE0-68BBE9743C41}"/>
               </a:ext>
             </a:extLst>
           </p:cNvPr>
-          <p:cNvSpPr>
-            <a:spLocks noGrp="1"/>
-          </p:cNvSpPr>
-          <p:nvPr>
-            <p:ph idx="1"/>
-          </p:nvPr>
+          <p:cNvSpPr txBox="1"/>
+          <p:nvPr/>
         </p:nvSpPr>
-        <p:spPr/>
+        <p:spPr>
+          <a:xfrm>
+            <a:off x="712892" y="3399316"/>
+            <a:ext cx="2745925" cy="369332"/>
+          </a:xfrm>
+          <a:prstGeom prst="rect">
+            <a:avLst/>
+          </a:prstGeom>
+          <a:noFill/>
+        </p:spPr>
         <p:txBody>
-          <a:bodyPr/>
+          <a:bodyPr wrap="square" rtlCol="0">
+            <a:spAutoFit/>
+          </a:bodyPr>
           <a:lstStyle/>
           <a:p>
             <a:r>
               <a:rPr lang="en-US" dirty="0"/>
-              <a:t>Nonlinear Resonances, pendulum system , Page 294</a:t>
-            </a:r>
-          </a:p>
-          <a:p>
-            <a:r>
-              <a:rPr lang="de-DE" dirty="0"/>
-              <a:t>J. Fajans, L. Friedland, Am. J. Phys. </a:t>
-            </a:r>
-            <a:r>
-              <a:rPr lang="de-DE"/>
-              <a:t>69, 1096 (2001)</a:t>
-            </a:r>
-            <a:endParaRPr lang="en-US" dirty="0"/>
+              <a:t>Quantum results</a:t>
+            </a:r>
           </a:p>
         </p:txBody>
       </p:sp>
     </p:spTree>
     <p:extLst>
       <p:ext uri="{BB962C8B-B14F-4D97-AF65-F5344CB8AC3E}">
-        <p14:creationId xmlns:p14="http://schemas.microsoft.com/office/powerpoint/2010/main" val="2708637678"/>
+        <p14:creationId xmlns:p14="http://schemas.microsoft.com/office/powerpoint/2010/main" val="2526376340"/>
       </p:ext>
     </p:extLst>
   </p:cSld>

--- a/paper modification/papers/Trapping analysis of a magnetic electron.pptx
+++ b/paper modification/papers/Trapping analysis of a magnetic electron.pptx
@@ -269,7 +269,7 @@
           <a:p>
             <a:fld id="{22644C63-7FDE-4D31-B4BB-7754D5A27718}" type="datetimeFigureOut">
               <a:rPr lang="en-US" smtClean="0"/>
-              <a:t>12/4/2025</a:t>
+              <a:t>12/11/2025</a:t>
             </a:fld>
             <a:endParaRPr lang="en-US"/>
           </a:p>
@@ -467,7 +467,7 @@
           <a:p>
             <a:fld id="{22644C63-7FDE-4D31-B4BB-7754D5A27718}" type="datetimeFigureOut">
               <a:rPr lang="en-US" smtClean="0"/>
-              <a:t>12/4/2025</a:t>
+              <a:t>12/11/2025</a:t>
             </a:fld>
             <a:endParaRPr lang="en-US"/>
           </a:p>
@@ -675,7 +675,7 @@
           <a:p>
             <a:fld id="{22644C63-7FDE-4D31-B4BB-7754D5A27718}" type="datetimeFigureOut">
               <a:rPr lang="en-US" smtClean="0"/>
-              <a:t>12/4/2025</a:t>
+              <a:t>12/11/2025</a:t>
             </a:fld>
             <a:endParaRPr lang="en-US"/>
           </a:p>
@@ -873,7 +873,7 @@
           <a:p>
             <a:fld id="{22644C63-7FDE-4D31-B4BB-7754D5A27718}" type="datetimeFigureOut">
               <a:rPr lang="en-US" smtClean="0"/>
-              <a:t>12/4/2025</a:t>
+              <a:t>12/11/2025</a:t>
             </a:fld>
             <a:endParaRPr lang="en-US"/>
           </a:p>
@@ -1148,7 +1148,7 @@
           <a:p>
             <a:fld id="{22644C63-7FDE-4D31-B4BB-7754D5A27718}" type="datetimeFigureOut">
               <a:rPr lang="en-US" smtClean="0"/>
-              <a:t>12/4/2025</a:t>
+              <a:t>12/11/2025</a:t>
             </a:fld>
             <a:endParaRPr lang="en-US"/>
           </a:p>
@@ -1413,7 +1413,7 @@
           <a:p>
             <a:fld id="{22644C63-7FDE-4D31-B4BB-7754D5A27718}" type="datetimeFigureOut">
               <a:rPr lang="en-US" smtClean="0"/>
-              <a:t>12/4/2025</a:t>
+              <a:t>12/11/2025</a:t>
             </a:fld>
             <a:endParaRPr lang="en-US"/>
           </a:p>
@@ -1825,7 +1825,7 @@
           <a:p>
             <a:fld id="{22644C63-7FDE-4D31-B4BB-7754D5A27718}" type="datetimeFigureOut">
               <a:rPr lang="en-US" smtClean="0"/>
-              <a:t>12/4/2025</a:t>
+              <a:t>12/11/2025</a:t>
             </a:fld>
             <a:endParaRPr lang="en-US"/>
           </a:p>
@@ -1966,7 +1966,7 @@
           <a:p>
             <a:fld id="{22644C63-7FDE-4D31-B4BB-7754D5A27718}" type="datetimeFigureOut">
               <a:rPr lang="en-US" smtClean="0"/>
-              <a:t>12/4/2025</a:t>
+              <a:t>12/11/2025</a:t>
             </a:fld>
             <a:endParaRPr lang="en-US"/>
           </a:p>
@@ -2079,7 +2079,7 @@
           <a:p>
             <a:fld id="{22644C63-7FDE-4D31-B4BB-7754D5A27718}" type="datetimeFigureOut">
               <a:rPr lang="en-US" smtClean="0"/>
-              <a:t>12/4/2025</a:t>
+              <a:t>12/11/2025</a:t>
             </a:fld>
             <a:endParaRPr lang="en-US"/>
           </a:p>
@@ -2390,7 +2390,7 @@
           <a:p>
             <a:fld id="{22644C63-7FDE-4D31-B4BB-7754D5A27718}" type="datetimeFigureOut">
               <a:rPr lang="en-US" smtClean="0"/>
-              <a:t>12/4/2025</a:t>
+              <a:t>12/11/2025</a:t>
             </a:fld>
             <a:endParaRPr lang="en-US"/>
           </a:p>
@@ -2678,7 +2678,7 @@
           <a:p>
             <a:fld id="{22644C63-7FDE-4D31-B4BB-7754D5A27718}" type="datetimeFigureOut">
               <a:rPr lang="en-US" smtClean="0"/>
-              <a:t>12/4/2025</a:t>
+              <a:t>12/11/2025</a:t>
             </a:fld>
             <a:endParaRPr lang="en-US"/>
           </a:p>
@@ -2919,7 +2919,7 @@
           <a:p>
             <a:fld id="{22644C63-7FDE-4D31-B4BB-7754D5A27718}" type="datetimeFigureOut">
               <a:rPr lang="en-US" smtClean="0"/>
-              <a:t>12/4/2025</a:t>
+              <a:t>12/11/2025</a:t>
             </a:fld>
             <a:endParaRPr lang="en-US"/>
           </a:p>
@@ -8112,8 +8112,8 @@
                 </a:fontRef>
               </p:style>
             </p:cxnSp>
-            <mc:AlternateContent xmlns:mc="http://schemas.openxmlformats.org/markup-compatibility/2006">
-              <mc:Choice xmlns:a14="http://schemas.microsoft.com/office/drawing/2010/main" Requires="a14">
+            <mc:AlternateContent xmlns:mc="http://schemas.openxmlformats.org/markup-compatibility/2006" xmlns:a14="http://schemas.microsoft.com/office/drawing/2010/main">
+              <mc:Choice Requires="a14">
                 <p:sp>
                   <p:nvSpPr>
                     <p:cNvPr id="12" name="TextBox 11">
@@ -8163,7 +8163,7 @@
                   </p:txBody>
                 </p:sp>
               </mc:Choice>
-              <mc:Fallback>
+              <mc:Fallback xmlns="">
                 <p:sp>
                   <p:nvSpPr>
                     <p:cNvPr id="12" name="TextBox 11">
@@ -8223,7 +8223,7 @@
             </p:nvSpPr>
             <p:spPr>
               <a:xfrm>
-                <a:off x="3837535" y="2236206"/>
+                <a:off x="3834730" y="2263881"/>
                 <a:ext cx="513347" cy="1209675"/>
               </a:xfrm>
               <a:prstGeom prst="rect">
@@ -8302,8 +8302,8 @@
               </a:fontRef>
             </p:style>
           </p:cxnSp>
-          <mc:AlternateContent xmlns:mc="http://schemas.openxmlformats.org/markup-compatibility/2006">
-            <mc:Choice xmlns:a14="http://schemas.microsoft.com/office/drawing/2010/main" Requires="a14">
+          <mc:AlternateContent xmlns:mc="http://schemas.openxmlformats.org/markup-compatibility/2006" xmlns:a14="http://schemas.microsoft.com/office/drawing/2010/main">
+            <mc:Choice Requires="a14">
               <p:sp>
                 <p:nvSpPr>
                   <p:cNvPr id="15" name="TextBox 14">
@@ -8353,7 +8353,7 @@
                 </p:txBody>
               </p:sp>
             </mc:Choice>
-            <mc:Fallback>
+            <mc:Fallback xmlns="">
               <p:sp>
                 <p:nvSpPr>
                   <p:cNvPr id="15" name="TextBox 14">
@@ -8442,8 +8442,8 @@
               </a:fontRef>
             </p:style>
           </p:cxnSp>
-          <mc:AlternateContent xmlns:mc="http://schemas.openxmlformats.org/markup-compatibility/2006">
-            <mc:Choice xmlns:a14="http://schemas.microsoft.com/office/drawing/2010/main" Requires="a14">
+          <mc:AlternateContent xmlns:mc="http://schemas.openxmlformats.org/markup-compatibility/2006" xmlns:a14="http://schemas.microsoft.com/office/drawing/2010/main">
+            <mc:Choice Requires="a14">
               <p:sp>
                 <p:nvSpPr>
                   <p:cNvPr id="18" name="TextBox 17">
@@ -8521,7 +8521,7 @@
                 </p:txBody>
               </p:sp>
             </mc:Choice>
-            <mc:Fallback>
+            <mc:Fallback xmlns="">
               <p:sp>
                 <p:nvSpPr>
                   <p:cNvPr id="18" name="TextBox 17">
@@ -8611,8 +8611,8 @@
             </p:style>
           </p:cxnSp>
         </p:grpSp>
-        <mc:AlternateContent xmlns:mc="http://schemas.openxmlformats.org/markup-compatibility/2006">
-          <mc:Choice xmlns:a14="http://schemas.microsoft.com/office/drawing/2010/main" Requires="a14">
+        <mc:AlternateContent xmlns:mc="http://schemas.openxmlformats.org/markup-compatibility/2006" xmlns:a14="http://schemas.microsoft.com/office/drawing/2010/main">
+          <mc:Choice Requires="a14">
             <p:sp>
               <p:nvSpPr>
                 <p:cNvPr id="22" name="TextBox 21">
@@ -8690,7 +8690,7 @@
               </p:txBody>
             </p:sp>
           </mc:Choice>
-          <mc:Fallback>
+          <mc:Fallback xmlns="">
             <p:sp>
               <p:nvSpPr>
                 <p:cNvPr id="22" name="TextBox 21">
@@ -9959,8 +9959,8 @@
             <a:chExt cx="11228294" cy="3005742"/>
           </a:xfrm>
         </p:grpSpPr>
-        <mc:AlternateContent xmlns:mc="http://schemas.openxmlformats.org/markup-compatibility/2006">
-          <mc:Choice xmlns:a14="http://schemas.microsoft.com/office/drawing/2010/main" Requires="a14">
+        <mc:AlternateContent xmlns:mc="http://schemas.openxmlformats.org/markup-compatibility/2006" xmlns:a14="http://schemas.microsoft.com/office/drawing/2010/main">
+          <mc:Choice Requires="a14">
             <p:sp>
               <p:nvSpPr>
                 <p:cNvPr id="3" name="TextBox 2">
@@ -10639,7 +10639,7 @@
               </p:txBody>
             </p:sp>
           </mc:Choice>
-          <mc:Fallback>
+          <mc:Fallback xmlns="">
             <p:sp>
               <p:nvSpPr>
                 <p:cNvPr id="3" name="TextBox 2">
@@ -10684,8 +10684,8 @@
             </p:sp>
           </mc:Fallback>
         </mc:AlternateContent>
-        <mc:AlternateContent xmlns:mc="http://schemas.openxmlformats.org/markup-compatibility/2006">
-          <mc:Choice xmlns:a14="http://schemas.microsoft.com/office/drawing/2010/main" Requires="a14">
+        <mc:AlternateContent xmlns:mc="http://schemas.openxmlformats.org/markup-compatibility/2006" xmlns:a14="http://schemas.microsoft.com/office/drawing/2010/main">
+          <mc:Choice Requires="a14">
             <p:sp>
               <p:nvSpPr>
                 <p:cNvPr id="5" name="TextBox 4">
@@ -10978,7 +10978,7 @@
               </p:txBody>
             </p:sp>
           </mc:Choice>
-          <mc:Fallback>
+          <mc:Fallback xmlns="">
             <p:sp>
               <p:nvSpPr>
                 <p:cNvPr id="5" name="TextBox 4">
@@ -11023,8 +11023,8 @@
             </p:sp>
           </mc:Fallback>
         </mc:AlternateContent>
-        <mc:AlternateContent xmlns:mc="http://schemas.openxmlformats.org/markup-compatibility/2006">
-          <mc:Choice xmlns:a14="http://schemas.microsoft.com/office/drawing/2010/main" Requires="a14">
+        <mc:AlternateContent xmlns:mc="http://schemas.openxmlformats.org/markup-compatibility/2006" xmlns:a14="http://schemas.microsoft.com/office/drawing/2010/main">
+          <mc:Choice Requires="a14">
             <p:sp>
               <p:nvSpPr>
                 <p:cNvPr id="7" name="TextBox 6">
@@ -11296,7 +11296,7 @@
               </p:txBody>
             </p:sp>
           </mc:Choice>
-          <mc:Fallback>
+          <mc:Fallback xmlns="">
             <p:sp>
               <p:nvSpPr>
                 <p:cNvPr id="7" name="TextBox 6">
@@ -11341,8 +11341,8 @@
             </p:sp>
           </mc:Fallback>
         </mc:AlternateContent>
-        <mc:AlternateContent xmlns:mc="http://schemas.openxmlformats.org/markup-compatibility/2006">
-          <mc:Choice xmlns:a14="http://schemas.microsoft.com/office/drawing/2010/main" Requires="a14">
+        <mc:AlternateContent xmlns:mc="http://schemas.openxmlformats.org/markup-compatibility/2006" xmlns:a14="http://schemas.microsoft.com/office/drawing/2010/main">
+          <mc:Choice Requires="a14">
             <p:sp>
               <p:nvSpPr>
                 <p:cNvPr id="8" name="TextBox 7">
@@ -11570,7 +11570,7 @@
               </p:txBody>
             </p:sp>
           </mc:Choice>
-          <mc:Fallback>
+          <mc:Fallback xmlns="">
             <p:sp>
               <p:nvSpPr>
                 <p:cNvPr id="8" name="TextBox 7">
@@ -11739,7 +11739,7 @@
         </p:blipFill>
         <p:spPr>
           <a:xfrm>
-            <a:off x="4479629" y="739695"/>
+            <a:off x="4614100" y="650048"/>
             <a:ext cx="5829301" cy="4286680"/>
           </a:xfrm>
           <a:prstGeom prst="rect">
@@ -11747,8 +11747,8 @@
           </a:prstGeom>
         </p:spPr>
       </p:pic>
-      <mc:AlternateContent xmlns:mc="http://schemas.openxmlformats.org/markup-compatibility/2006">
-        <mc:Choice xmlns:a14="http://schemas.microsoft.com/office/drawing/2010/main" Requires="a14">
+      <mc:AlternateContent xmlns:mc="http://schemas.openxmlformats.org/markup-compatibility/2006" xmlns:a14="http://schemas.microsoft.com/office/drawing/2010/main">
+        <mc:Choice Requires="a14">
           <p:sp>
             <p:nvSpPr>
               <p:cNvPr id="4" name="Rectangle 3">
@@ -11905,7 +11905,7 @@
             </p:txBody>
           </p:sp>
         </mc:Choice>
-        <mc:Fallback>
+        <mc:Fallback xmlns="">
           <p:sp>
             <p:nvSpPr>
               <p:cNvPr id="4" name="Rectangle 3">
@@ -11950,8 +11950,8 @@
           </p:sp>
         </mc:Fallback>
       </mc:AlternateContent>
-      <mc:AlternateContent xmlns:mc="http://schemas.openxmlformats.org/markup-compatibility/2006">
-        <mc:Choice xmlns:a14="http://schemas.microsoft.com/office/drawing/2010/main" Requires="a14">
+      <mc:AlternateContent xmlns:mc="http://schemas.openxmlformats.org/markup-compatibility/2006" xmlns:a14="http://schemas.microsoft.com/office/drawing/2010/main">
+        <mc:Choice Requires="a14">
           <p:sp>
             <p:nvSpPr>
               <p:cNvPr id="5" name="Rectangle 4">
@@ -11979,6 +11979,7 @@
               </a:bodyPr>
               <a:lstStyle/>
               <a:p>
+                <a:pPr/>
                 <a14:m>
                   <m:oMathPara xmlns:m="http://schemas.openxmlformats.org/officeDocument/2006/math">
                     <m:oMathParaPr>
@@ -11988,7 +11989,7 @@
                       <m:sSub>
                         <m:sSubPr>
                           <m:ctrlPr>
-                            <a:rPr lang="en-US">
+                            <a:rPr lang="en-US" i="1">
                               <a:latin typeface="Cambria Math" panose="02040503050406030204" pitchFamily="18" charset="0"/>
                             </a:rPr>
                           </m:ctrlPr>
@@ -12235,7 +12236,7 @@
             </p:txBody>
           </p:sp>
         </mc:Choice>
-        <mc:Fallback>
+        <mc:Fallback xmlns="">
           <p:sp>
             <p:nvSpPr>
               <p:cNvPr id="5" name="Rectangle 4">
@@ -12297,7 +12298,7 @@
             <p:spPr>
               <a:xfrm>
                 <a:off x="715175" y="4056501"/>
-                <a:ext cx="1588512" cy="627159"/>
+                <a:ext cx="3083473" cy="674608"/>
               </a:xfrm>
               <a:prstGeom prst="rect">
                 <a:avLst/>
@@ -12309,6 +12310,7 @@
               </a:bodyPr>
               <a:lstStyle/>
               <a:p>
+                <a:pPr/>
                 <a14:m>
                   <m:oMathPara xmlns:m="http://schemas.openxmlformats.org/officeDocument/2006/math">
                     <m:oMathParaPr>
@@ -12318,7 +12320,7 @@
                       <m:sSub>
                         <m:sSubPr>
                           <m:ctrlPr>
-                            <a:rPr lang="en-US">
+                            <a:rPr lang="en-US" i="1" smtClean="0">
                               <a:latin typeface="Cambria Math" panose="02040503050406030204" pitchFamily="18" charset="0"/>
                             </a:rPr>
                           </m:ctrlPr>
@@ -12465,6 +12467,105 @@
                           </m:r>
                         </m:den>
                       </m:f>
+                      <m:r>
+                        <a:rPr lang="en-US" b="0" i="0" smtClean="0">
+                          <a:latin typeface="Cambria Math" panose="02040503050406030204" pitchFamily="18" charset="0"/>
+                        </a:rPr>
+                        <m:t>=</m:t>
+                      </m:r>
+                      <m:f>
+                        <m:fPr>
+                          <m:ctrlPr>
+                            <a:rPr lang="en-US" b="0" i="0" smtClean="0">
+                              <a:latin typeface="Cambria Math" panose="02040503050406030204" pitchFamily="18" charset="0"/>
+                            </a:rPr>
+                          </m:ctrlPr>
+                        </m:fPr>
+                        <m:num>
+                          <m:r>
+                            <a:rPr lang="en-US" b="0" i="0" smtClean="0">
+                              <a:latin typeface="Cambria Math" panose="02040503050406030204" pitchFamily="18" charset="0"/>
+                            </a:rPr>
+                            <m:t>1</m:t>
+                          </m:r>
+                        </m:num>
+                        <m:den>
+                          <m:r>
+                            <a:rPr lang="en-US" b="0" i="1" smtClean="0">
+                              <a:latin typeface="Cambria Math" panose="02040503050406030204" pitchFamily="18" charset="0"/>
+                            </a:rPr>
+                            <m:t>1</m:t>
+                          </m:r>
+                          <m:r>
+                            <a:rPr lang="en-US" i="1">
+                              <a:latin typeface="Cambria Math" panose="02040503050406030204" pitchFamily="18" charset="0"/>
+                            </a:rPr>
+                            <m:t>+</m:t>
+                          </m:r>
+                          <m:d>
+                            <m:dPr>
+                              <m:begChr m:val="|"/>
+                              <m:endChr m:val="|"/>
+                              <m:ctrlPr>
+                                <a:rPr lang="en-US" i="1">
+                                  <a:latin typeface="Cambria Math" panose="02040503050406030204" pitchFamily="18" charset="0"/>
+                                </a:rPr>
+                              </m:ctrlPr>
+                            </m:dPr>
+                            <m:e>
+                              <m:r>
+                                <m:rPr>
+                                  <m:sty m:val="p"/>
+                                </m:rPr>
+                                <a:rPr lang="en-US">
+                                  <a:latin typeface="Cambria Math" panose="02040503050406030204" pitchFamily="18" charset="0"/>
+                                </a:rPr>
+                                <m:t>ω</m:t>
+                              </m:r>
+                              <m:r>
+                                <a:rPr lang="en-US">
+                                  <a:latin typeface="Cambria Math" panose="02040503050406030204" pitchFamily="18" charset="0"/>
+                                </a:rPr>
+                                <m:t>/</m:t>
+                              </m:r>
+                              <m:r>
+                                <m:rPr>
+                                  <m:sty m:val="p"/>
+                                </m:rPr>
+                                <a:rPr lang="en-US">
+                                  <a:latin typeface="Cambria Math" panose="02040503050406030204" pitchFamily="18" charset="0"/>
+                                </a:rPr>
+                                <m:t>Ω</m:t>
+                              </m:r>
+                            </m:e>
+                          </m:d>
+                          <m:sSub>
+                            <m:sSubPr>
+                              <m:ctrlPr>
+                                <a:rPr lang="en-US" i="1">
+                                  <a:latin typeface="Cambria Math" panose="02040503050406030204" pitchFamily="18" charset="0"/>
+                                </a:rPr>
+                              </m:ctrlPr>
+                            </m:sSubPr>
+                            <m:e>
+                              <m:r>
+                                <a:rPr lang="en-US" i="1">
+                                  <a:latin typeface="Cambria Math" panose="02040503050406030204" pitchFamily="18" charset="0"/>
+                                </a:rPr>
+                                <m:t>𝛾</m:t>
+                              </m:r>
+                            </m:e>
+                            <m:sub>
+                              <m:r>
+                                <a:rPr lang="en-US" i="1">
+                                  <a:latin typeface="Cambria Math" panose="02040503050406030204" pitchFamily="18" charset="0"/>
+                                </a:rPr>
+                                <m:t>𝑐</m:t>
+                              </m:r>
+                            </m:sub>
+                          </m:sSub>
+                        </m:den>
+                      </m:f>
                     </m:oMath>
                   </m:oMathPara>
                 </a14:m>
@@ -12491,7 +12592,7 @@
             <p:spPr>
               <a:xfrm>
                 <a:off x="715175" y="4056501"/>
-                <a:ext cx="1588512" cy="627159"/>
+                <a:ext cx="3083473" cy="674608"/>
               </a:xfrm>
               <a:prstGeom prst="rect">
                 <a:avLst/>
@@ -12518,8 +12619,8 @@
           </p:sp>
         </mc:Fallback>
       </mc:AlternateContent>
-      <mc:AlternateContent xmlns:mc="http://schemas.openxmlformats.org/markup-compatibility/2006">
-        <mc:Choice xmlns:a14="http://schemas.microsoft.com/office/drawing/2010/main" Requires="a14">
+      <mc:AlternateContent xmlns:mc="http://schemas.openxmlformats.org/markup-compatibility/2006" xmlns:a14="http://schemas.microsoft.com/office/drawing/2010/main">
+        <mc:Choice Requires="a14">
           <p:sp>
             <p:nvSpPr>
               <p:cNvPr id="7" name="Rectangle 6">
@@ -12547,6 +12648,7 @@
               </a:bodyPr>
               <a:lstStyle/>
               <a:p>
+                <a:pPr/>
                 <a14:m>
                   <m:oMathPara xmlns:m="http://schemas.openxmlformats.org/officeDocument/2006/math">
                     <m:oMathParaPr>
@@ -12556,7 +12658,7 @@
                       <m:sSub>
                         <m:sSubPr>
                           <m:ctrlPr>
-                            <a:rPr lang="en-US">
+                            <a:rPr lang="en-US" i="1">
                               <a:latin typeface="Cambria Math" panose="02040503050406030204" pitchFamily="18" charset="0"/>
                             </a:rPr>
                           </m:ctrlPr>
@@ -12659,7 +12761,7 @@
             </p:txBody>
           </p:sp>
         </mc:Choice>
-        <mc:Fallback>
+        <mc:Fallback xmlns="">
           <p:sp>
             <p:nvSpPr>
               <p:cNvPr id="7" name="Rectangle 6">

--- a/paper modification/papers/Trapping analysis of a magnetic electron.pptx
+++ b/paper modification/papers/Trapping analysis of a magnetic electron.pptx
@@ -15,7 +15,10 @@
     <p:sldId id="264" r:id="rId9"/>
     <p:sldId id="265" r:id="rId10"/>
     <p:sldId id="266" r:id="rId11"/>
-    <p:sldId id="260" r:id="rId12"/>
+    <p:sldId id="269" r:id="rId12"/>
+    <p:sldId id="270" r:id="rId13"/>
+    <p:sldId id="268" r:id="rId14"/>
+    <p:sldId id="260" r:id="rId15"/>
   </p:sldIdLst>
   <p:sldSz cx="12192000" cy="6858000"/>
   <p:notesSz cx="6858000" cy="9144000"/>
@@ -3512,6 +3515,3405 @@
 </file>
 
 <file path=ppt/slides/slide11.xml><?xml version="1.0" encoding="utf-8"?>
+<p:sld xmlns:a="http://schemas.openxmlformats.org/drawingml/2006/main" xmlns:r="http://schemas.openxmlformats.org/officeDocument/2006/relationships" xmlns:p="http://schemas.openxmlformats.org/presentationml/2006/main">
+  <p:cSld>
+    <p:spTree>
+      <p:nvGrpSpPr>
+        <p:cNvPr id="1" name=""/>
+        <p:cNvGrpSpPr/>
+        <p:nvPr/>
+      </p:nvGrpSpPr>
+      <p:grpSpPr>
+        <a:xfrm>
+          <a:off x="0" y="0"/>
+          <a:ext cx="0" cy="0"/>
+          <a:chOff x="0" y="0"/>
+          <a:chExt cx="0" cy="0"/>
+        </a:xfrm>
+      </p:grpSpPr>
+      <p:sp>
+        <p:nvSpPr>
+          <p:cNvPr id="3" name="TextBox 2">
+            <a:extLst>
+              <a:ext uri="{FF2B5EF4-FFF2-40B4-BE49-F238E27FC236}">
+                <a16:creationId xmlns:a16="http://schemas.microsoft.com/office/drawing/2014/main" id="{A83D15D3-915E-6387-000B-B0C10ED72A14}"/>
+              </a:ext>
+            </a:extLst>
+          </p:cNvPr>
+          <p:cNvSpPr txBox="1"/>
+          <p:nvPr/>
+        </p:nvSpPr>
+        <p:spPr>
+          <a:xfrm>
+            <a:off x="322868" y="107564"/>
+            <a:ext cx="6094428" cy="369332"/>
+          </a:xfrm>
+          <a:prstGeom prst="rect">
+            <a:avLst/>
+          </a:prstGeom>
+          <a:noFill/>
+        </p:spPr>
+        <p:txBody>
+          <a:bodyPr wrap="square">
+            <a:spAutoFit/>
+          </a:bodyPr>
+          <a:lstStyle/>
+          <a:p>
+            <a:r>
+              <a:rPr lang="en-US" sz="1800" dirty="0"/>
+              <a:t>Trapping in normal doppler resonance (g = -1)</a:t>
+            </a:r>
+            <a:endParaRPr lang="en-US" dirty="0"/>
+          </a:p>
+        </p:txBody>
+      </p:sp>
+      <p:sp>
+        <p:nvSpPr>
+          <p:cNvPr id="9" name="TextBox 8">
+            <a:extLst>
+              <a:ext uri="{FF2B5EF4-FFF2-40B4-BE49-F238E27FC236}">
+                <a16:creationId xmlns:a16="http://schemas.microsoft.com/office/drawing/2014/main" id="{1D494F96-1598-DDCE-BE61-69857825585A}"/>
+              </a:ext>
+            </a:extLst>
+          </p:cNvPr>
+          <p:cNvSpPr txBox="1"/>
+          <p:nvPr/>
+        </p:nvSpPr>
+        <p:spPr>
+          <a:xfrm>
+            <a:off x="685799" y="632299"/>
+            <a:ext cx="5615339" cy="369332"/>
+          </a:xfrm>
+          <a:prstGeom prst="rect">
+            <a:avLst/>
+          </a:prstGeom>
+          <a:noFill/>
+        </p:spPr>
+        <p:txBody>
+          <a:bodyPr wrap="square">
+            <a:spAutoFit/>
+          </a:bodyPr>
+          <a:lstStyle/>
+          <a:p>
+            <a:r>
+              <a:rPr lang="en-US" dirty="0"/>
+              <a:t>Time domain structures (TDS)</a:t>
+            </a:r>
+            <a:r>
+              <a:rPr lang="en-US" baseline="30000" dirty="0"/>
+              <a:t>*</a:t>
+            </a:r>
+            <a:r>
+              <a:rPr lang="en-US" dirty="0"/>
+              <a:t> in magnetosphere </a:t>
+            </a:r>
+          </a:p>
+        </p:txBody>
+      </p:sp>
+      <p:pic>
+        <p:nvPicPr>
+          <p:cNvPr id="6" name="Picture 5">
+            <a:extLst>
+              <a:ext uri="{FF2B5EF4-FFF2-40B4-BE49-F238E27FC236}">
+                <a16:creationId xmlns:a16="http://schemas.microsoft.com/office/drawing/2014/main" id="{A054AF76-4263-A964-EB98-A01A9F09AAC7}"/>
+              </a:ext>
+            </a:extLst>
+          </p:cNvPr>
+          <p:cNvPicPr>
+            <a:picLocks noChangeAspect="1"/>
+          </p:cNvPicPr>
+          <p:nvPr/>
+        </p:nvPicPr>
+        <p:blipFill>
+          <a:blip r:embed="rId2"/>
+          <a:stretch>
+            <a:fillRect/>
+          </a:stretch>
+        </p:blipFill>
+        <p:spPr>
+          <a:xfrm>
+            <a:off x="762000" y="2091372"/>
+            <a:ext cx="6187201" cy="2076150"/>
+          </a:xfrm>
+          <a:prstGeom prst="rect">
+            <a:avLst/>
+          </a:prstGeom>
+        </p:spPr>
+      </p:pic>
+      <p:grpSp>
+        <p:nvGrpSpPr>
+          <p:cNvPr id="8" name="Group 7">
+            <a:extLst>
+              <a:ext uri="{FF2B5EF4-FFF2-40B4-BE49-F238E27FC236}">
+                <a16:creationId xmlns:a16="http://schemas.microsoft.com/office/drawing/2014/main" id="{1633BDAB-B46B-4E1C-A68B-9EEB11589FAD}"/>
+              </a:ext>
+            </a:extLst>
+          </p:cNvPr>
+          <p:cNvGrpSpPr/>
+          <p:nvPr/>
+        </p:nvGrpSpPr>
+        <p:grpSpPr>
+          <a:xfrm>
+            <a:off x="4412339" y="980632"/>
+            <a:ext cx="6257992" cy="3366339"/>
+            <a:chOff x="3655542" y="1025188"/>
+            <a:chExt cx="6257992" cy="3366339"/>
+          </a:xfrm>
+        </p:grpSpPr>
+        <p:grpSp>
+          <p:nvGrpSpPr>
+            <p:cNvPr id="2" name="Group 1">
+              <a:extLst>
+                <a:ext uri="{FF2B5EF4-FFF2-40B4-BE49-F238E27FC236}">
+                  <a16:creationId xmlns:a16="http://schemas.microsoft.com/office/drawing/2014/main" id="{829DB891-0ADB-4FCB-B3FB-A3FF41D53A30}"/>
+                </a:ext>
+              </a:extLst>
+            </p:cNvPr>
+            <p:cNvGrpSpPr/>
+            <p:nvPr/>
+          </p:nvGrpSpPr>
+          <p:grpSpPr>
+            <a:xfrm>
+              <a:off x="3655542" y="1284894"/>
+              <a:ext cx="6257992" cy="3106633"/>
+              <a:chOff x="3655542" y="1284894"/>
+              <a:chExt cx="6257992" cy="3106633"/>
+            </a:xfrm>
+          </p:grpSpPr>
+          <p:grpSp>
+            <p:nvGrpSpPr>
+              <p:cNvPr id="13" name="Group 12">
+                <a:extLst>
+                  <a:ext uri="{FF2B5EF4-FFF2-40B4-BE49-F238E27FC236}">
+                    <a16:creationId xmlns:a16="http://schemas.microsoft.com/office/drawing/2014/main" id="{29195A3F-98C5-50D0-245E-6EED24A1F1CE}"/>
+                  </a:ext>
+                </a:extLst>
+              </p:cNvPr>
+              <p:cNvGrpSpPr/>
+              <p:nvPr/>
+            </p:nvGrpSpPr>
+            <p:grpSpPr>
+              <a:xfrm>
+                <a:off x="6819102" y="1284894"/>
+                <a:ext cx="3094432" cy="3106633"/>
+                <a:chOff x="535212" y="1388629"/>
+                <a:chExt cx="3094432" cy="3106633"/>
+              </a:xfrm>
+            </p:grpSpPr>
+            <p:pic>
+              <p:nvPicPr>
+                <p:cNvPr id="4" name="Picture 3">
+                  <a:extLst>
+                    <a:ext uri="{FF2B5EF4-FFF2-40B4-BE49-F238E27FC236}">
+                      <a16:creationId xmlns:a16="http://schemas.microsoft.com/office/drawing/2014/main" id="{7D180345-15C3-0C8C-1E46-99D8CD8212D0}"/>
+                    </a:ext>
+                  </a:extLst>
+                </p:cNvPr>
+                <p:cNvPicPr>
+                  <a:picLocks noChangeAspect="1"/>
+                </p:cNvPicPr>
+                <p:nvPr/>
+              </p:nvPicPr>
+              <p:blipFill>
+                <a:blip r:embed="rId3"/>
+                <a:stretch>
+                  <a:fillRect/>
+                </a:stretch>
+              </p:blipFill>
+              <p:spPr>
+                <a:xfrm>
+                  <a:off x="535212" y="1388629"/>
+                  <a:ext cx="3018875" cy="3106633"/>
+                </a:xfrm>
+                <a:prstGeom prst="rect">
+                  <a:avLst/>
+                </a:prstGeom>
+              </p:spPr>
+            </p:pic>
+            <p:sp>
+              <p:nvSpPr>
+                <p:cNvPr id="5" name="Rectangle 4">
+                  <a:extLst>
+                    <a:ext uri="{FF2B5EF4-FFF2-40B4-BE49-F238E27FC236}">
+                      <a16:creationId xmlns:a16="http://schemas.microsoft.com/office/drawing/2014/main" id="{C795C48A-A1E6-192E-00B3-3E9FB3803EFC}"/>
+                    </a:ext>
+                  </a:extLst>
+                </p:cNvPr>
+                <p:cNvSpPr/>
+                <p:nvPr/>
+              </p:nvSpPr>
+              <p:spPr>
+                <a:xfrm>
+                  <a:off x="3389260" y="2028825"/>
+                  <a:ext cx="240384" cy="1590891"/>
+                </a:xfrm>
+                <a:prstGeom prst="rect">
+                  <a:avLst/>
+                </a:prstGeom>
+                <a:solidFill>
+                  <a:schemeClr val="bg1"/>
+                </a:solidFill>
+                <a:ln>
+                  <a:noFill/>
+                </a:ln>
+              </p:spPr>
+              <p:style>
+                <a:lnRef idx="2">
+                  <a:schemeClr val="accent1">
+                    <a:shade val="15000"/>
+                  </a:schemeClr>
+                </a:lnRef>
+                <a:fillRef idx="1">
+                  <a:schemeClr val="accent1"/>
+                </a:fillRef>
+                <a:effectRef idx="0">
+                  <a:schemeClr val="accent1"/>
+                </a:effectRef>
+                <a:fontRef idx="minor">
+                  <a:schemeClr val="lt1"/>
+                </a:fontRef>
+              </p:style>
+              <p:txBody>
+                <a:bodyPr rtlCol="0" anchor="ctr"/>
+                <a:lstStyle/>
+                <a:p>
+                  <a:pPr algn="ctr"/>
+                  <a:endParaRPr lang="en-US"/>
+                </a:p>
+              </p:txBody>
+            </p:sp>
+          </p:grpSp>
+          <p:sp>
+            <p:nvSpPr>
+              <p:cNvPr id="10" name="Rectangle 9">
+                <a:extLst>
+                  <a:ext uri="{FF2B5EF4-FFF2-40B4-BE49-F238E27FC236}">
+                    <a16:creationId xmlns:a16="http://schemas.microsoft.com/office/drawing/2014/main" id="{A6780476-3BB2-0BAA-9C00-431DF03A8BDE}"/>
+                  </a:ext>
+                </a:extLst>
+              </p:cNvPr>
+              <p:cNvSpPr/>
+              <p:nvPr/>
+            </p:nvSpPr>
+            <p:spPr>
+              <a:xfrm>
+                <a:off x="3834730" y="2263881"/>
+                <a:ext cx="513347" cy="1209675"/>
+              </a:xfrm>
+              <a:prstGeom prst="rect">
+                <a:avLst/>
+              </a:prstGeom>
+              <a:solidFill>
+                <a:schemeClr val="accent1">
+                  <a:alpha val="18000"/>
+                </a:schemeClr>
+              </a:solidFill>
+            </p:spPr>
+            <p:style>
+              <a:lnRef idx="2">
+                <a:schemeClr val="accent1">
+                  <a:shade val="15000"/>
+                </a:schemeClr>
+              </a:lnRef>
+              <a:fillRef idx="1">
+                <a:schemeClr val="accent1"/>
+              </a:fillRef>
+              <a:effectRef idx="0">
+                <a:schemeClr val="accent1"/>
+              </a:effectRef>
+              <a:fontRef idx="minor">
+                <a:schemeClr val="lt1"/>
+              </a:fontRef>
+            </p:style>
+            <p:txBody>
+              <a:bodyPr rtlCol="0" anchor="ctr"/>
+              <a:lstStyle/>
+              <a:p>
+                <a:pPr algn="ctr"/>
+                <a:endParaRPr lang="en-US" dirty="0"/>
+              </a:p>
+            </p:txBody>
+          </p:sp>
+          <p:cxnSp>
+            <p:nvCxnSpPr>
+              <p:cNvPr id="14" name="Straight Arrow Connector 13">
+                <a:extLst>
+                  <a:ext uri="{FF2B5EF4-FFF2-40B4-BE49-F238E27FC236}">
+                    <a16:creationId xmlns:a16="http://schemas.microsoft.com/office/drawing/2014/main" id="{FD37A0AD-E3EA-F2E3-F6CD-A336C1E7C04F}"/>
+                  </a:ext>
+                </a:extLst>
+              </p:cNvPr>
+              <p:cNvCxnSpPr/>
+              <p:nvPr/>
+            </p:nvCxnSpPr>
+            <p:spPr>
+              <a:xfrm>
+                <a:off x="3655542" y="2062576"/>
+                <a:ext cx="1543050" cy="0"/>
+              </a:xfrm>
+              <a:prstGeom prst="straightConnector1">
+                <a:avLst/>
+              </a:prstGeom>
+              <a:ln>
+                <a:solidFill>
+                  <a:schemeClr val="tx1"/>
+                </a:solidFill>
+                <a:tailEnd type="triangle"/>
+              </a:ln>
+            </p:spPr>
+            <p:style>
+              <a:lnRef idx="2">
+                <a:schemeClr val="accent1"/>
+              </a:lnRef>
+              <a:fillRef idx="0">
+                <a:schemeClr val="accent1"/>
+              </a:fillRef>
+              <a:effectRef idx="1">
+                <a:schemeClr val="accent1"/>
+              </a:effectRef>
+              <a:fontRef idx="minor">
+                <a:schemeClr val="tx1"/>
+              </a:fontRef>
+            </p:style>
+          </p:cxnSp>
+          <mc:AlternateContent xmlns:mc="http://schemas.openxmlformats.org/markup-compatibility/2006" xmlns:a14="http://schemas.microsoft.com/office/drawing/2010/main">
+            <mc:Choice Requires="a14">
+              <p:sp>
+                <p:nvSpPr>
+                  <p:cNvPr id="15" name="TextBox 14">
+                    <a:extLst>
+                      <a:ext uri="{FF2B5EF4-FFF2-40B4-BE49-F238E27FC236}">
+                        <a16:creationId xmlns:a16="http://schemas.microsoft.com/office/drawing/2014/main" id="{9DC105B9-DA11-32EE-4632-7BC14DA1500D}"/>
+                      </a:ext>
+                    </a:extLst>
+                  </p:cNvPr>
+                  <p:cNvSpPr txBox="1"/>
+                  <p:nvPr/>
+                </p:nvSpPr>
+                <p:spPr>
+                  <a:xfrm>
+                    <a:off x="4736630" y="1718343"/>
+                    <a:ext cx="457200" cy="369332"/>
+                  </a:xfrm>
+                  <a:prstGeom prst="rect">
+                    <a:avLst/>
+                  </a:prstGeom>
+                  <a:noFill/>
+                </p:spPr>
+                <p:txBody>
+                  <a:bodyPr wrap="square" rtlCol="0">
+                    <a:spAutoFit/>
+                  </a:bodyPr>
+                  <a:lstStyle/>
+                  <a:p>
+                    <a:pPr/>
+                    <a14:m>
+                      <m:oMathPara xmlns:m="http://schemas.openxmlformats.org/officeDocument/2006/math">
+                        <m:oMathParaPr>
+                          <m:jc m:val="centerGroup"/>
+                        </m:oMathParaPr>
+                        <m:oMath xmlns:m="http://schemas.openxmlformats.org/officeDocument/2006/math">
+                          <m:r>
+                            <a:rPr lang="en-US" b="1" i="1" smtClean="0">
+                              <a:latin typeface="Cambria Math" panose="02040503050406030204" pitchFamily="18" charset="0"/>
+                            </a:rPr>
+                            <m:t>𝒌</m:t>
+                          </m:r>
+                        </m:oMath>
+                      </m:oMathPara>
+                    </a14:m>
+                    <a:endParaRPr lang="en-US" b="1" dirty="0"/>
+                  </a:p>
+                </p:txBody>
+              </p:sp>
+            </mc:Choice>
+            <mc:Fallback xmlns="">
+              <p:sp>
+                <p:nvSpPr>
+                  <p:cNvPr id="15" name="TextBox 14">
+                    <a:extLst>
+                      <a:ext uri="{FF2B5EF4-FFF2-40B4-BE49-F238E27FC236}">
+                        <a16:creationId xmlns:a16="http://schemas.microsoft.com/office/drawing/2014/main" id="{9DC105B9-DA11-32EE-4632-7BC14DA1500D}"/>
+                      </a:ext>
+                    </a:extLst>
+                  </p:cNvPr>
+                  <p:cNvSpPr txBox="1">
+                    <a:spLocks noRot="1" noChangeAspect="1" noMove="1" noResize="1" noEditPoints="1" noAdjustHandles="1" noChangeArrowheads="1" noChangeShapeType="1" noTextEdit="1"/>
+                  </p:cNvSpPr>
+                  <p:nvPr/>
+                </p:nvSpPr>
+                <p:spPr>
+                  <a:xfrm>
+                    <a:off x="4736630" y="1718343"/>
+                    <a:ext cx="457200" cy="369332"/>
+                  </a:xfrm>
+                  <a:prstGeom prst="rect">
+                    <a:avLst/>
+                  </a:prstGeom>
+                  <a:blipFill>
+                    <a:blip r:embed="rId5"/>
+                    <a:stretch>
+                      <a:fillRect/>
+                    </a:stretch>
+                  </a:blipFill>
+                </p:spPr>
+                <p:txBody>
+                  <a:bodyPr/>
+                  <a:lstStyle/>
+                  <a:p>
+                    <a:r>
+                      <a:rPr lang="en-US">
+                        <a:noFill/>
+                      </a:rPr>
+                      <a:t> </a:t>
+                    </a:r>
+                  </a:p>
+                </p:txBody>
+              </p:sp>
+            </mc:Fallback>
+          </mc:AlternateContent>
+          <p:cxnSp>
+            <p:nvCxnSpPr>
+              <p:cNvPr id="17" name="Straight Arrow Connector 16">
+                <a:extLst>
+                  <a:ext uri="{FF2B5EF4-FFF2-40B4-BE49-F238E27FC236}">
+                    <a16:creationId xmlns:a16="http://schemas.microsoft.com/office/drawing/2014/main" id="{157C76B5-1539-A5DD-599D-723CDE369D20}"/>
+                  </a:ext>
+                </a:extLst>
+              </p:cNvPr>
+              <p:cNvCxnSpPr>
+                <a:cxnSpLocks/>
+              </p:cNvCxnSpPr>
+              <p:nvPr/>
+            </p:nvCxnSpPr>
+            <p:spPr>
+              <a:xfrm>
+                <a:off x="3655542" y="1751302"/>
+                <a:ext cx="1538288" cy="0"/>
+              </a:xfrm>
+              <a:prstGeom prst="straightConnector1">
+                <a:avLst/>
+              </a:prstGeom>
+              <a:ln>
+                <a:solidFill>
+                  <a:srgbClr val="0070C0"/>
+                </a:solidFill>
+                <a:tailEnd type="triangle"/>
+              </a:ln>
+            </p:spPr>
+            <p:style>
+              <a:lnRef idx="2">
+                <a:schemeClr val="accent1"/>
+              </a:lnRef>
+              <a:fillRef idx="0">
+                <a:schemeClr val="accent1"/>
+              </a:fillRef>
+              <a:effectRef idx="1">
+                <a:schemeClr val="accent1"/>
+              </a:effectRef>
+              <a:fontRef idx="minor">
+                <a:schemeClr val="tx1"/>
+              </a:fontRef>
+            </p:style>
+          </p:cxnSp>
+          <mc:AlternateContent xmlns:mc="http://schemas.openxmlformats.org/markup-compatibility/2006" xmlns:a14="http://schemas.microsoft.com/office/drawing/2010/main">
+            <mc:Choice Requires="a14">
+              <p:sp>
+                <p:nvSpPr>
+                  <p:cNvPr id="18" name="TextBox 17">
+                    <a:extLst>
+                      <a:ext uri="{FF2B5EF4-FFF2-40B4-BE49-F238E27FC236}">
+                        <a16:creationId xmlns:a16="http://schemas.microsoft.com/office/drawing/2014/main" id="{649C2306-CD0D-DEE0-C64B-072328C67A98}"/>
+                      </a:ext>
+                    </a:extLst>
+                  </p:cNvPr>
+                  <p:cNvSpPr txBox="1"/>
+                  <p:nvPr/>
+                </p:nvSpPr>
+                <p:spPr>
+                  <a:xfrm>
+                    <a:off x="4803305" y="1381970"/>
+                    <a:ext cx="323850" cy="369332"/>
+                  </a:xfrm>
+                  <a:prstGeom prst="rect">
+                    <a:avLst/>
+                  </a:prstGeom>
+                  <a:noFill/>
+                </p:spPr>
+                <p:txBody>
+                  <a:bodyPr wrap="square" rtlCol="0">
+                    <a:spAutoFit/>
+                  </a:bodyPr>
+                  <a:lstStyle/>
+                  <a:p>
+                    <a:pPr/>
+                    <a14:m>
+                      <m:oMathPara xmlns:m="http://schemas.openxmlformats.org/officeDocument/2006/math">
+                        <m:oMathParaPr>
+                          <m:jc m:val="centerGroup"/>
+                        </m:oMathParaPr>
+                        <m:oMath xmlns:m="http://schemas.openxmlformats.org/officeDocument/2006/math">
+                          <m:sSub>
+                            <m:sSubPr>
+                              <m:ctrlPr>
+                                <a:rPr lang="en-US" b="0" i="1" smtClean="0">
+                                  <a:solidFill>
+                                    <a:srgbClr val="0070C0"/>
+                                  </a:solidFill>
+                                  <a:latin typeface="Cambria Math" panose="02040503050406030204" pitchFamily="18" charset="0"/>
+                                </a:rPr>
+                              </m:ctrlPr>
+                            </m:sSubPr>
+                            <m:e>
+                              <m:r>
+                                <a:rPr lang="en-US" b="0" i="1" smtClean="0">
+                                  <a:solidFill>
+                                    <a:srgbClr val="0070C0"/>
+                                  </a:solidFill>
+                                  <a:latin typeface="Cambria Math" panose="02040503050406030204" pitchFamily="18" charset="0"/>
+                                </a:rPr>
+                                <m:t>𝐸</m:t>
+                              </m:r>
+                            </m:e>
+                            <m:sub>
+                              <m:r>
+                                <a:rPr lang="en-US" b="0" i="1" smtClean="0">
+                                  <a:solidFill>
+                                    <a:srgbClr val="0070C0"/>
+                                  </a:solidFill>
+                                  <a:latin typeface="Cambria Math" panose="02040503050406030204" pitchFamily="18" charset="0"/>
+                                </a:rPr>
+                                <m:t>0</m:t>
+                              </m:r>
+                            </m:sub>
+                          </m:sSub>
+                        </m:oMath>
+                      </m:oMathPara>
+                    </a14:m>
+                    <a:endParaRPr lang="en-US" dirty="0"/>
+                  </a:p>
+                </p:txBody>
+              </p:sp>
+            </mc:Choice>
+            <mc:Fallback xmlns="">
+              <p:sp>
+                <p:nvSpPr>
+                  <p:cNvPr id="18" name="TextBox 17">
+                    <a:extLst>
+                      <a:ext uri="{FF2B5EF4-FFF2-40B4-BE49-F238E27FC236}">
+                        <a16:creationId xmlns:a16="http://schemas.microsoft.com/office/drawing/2014/main" id="{649C2306-CD0D-DEE0-C64B-072328C67A98}"/>
+                      </a:ext>
+                    </a:extLst>
+                  </p:cNvPr>
+                  <p:cNvSpPr txBox="1">
+                    <a:spLocks noRot="1" noChangeAspect="1" noMove="1" noResize="1" noEditPoints="1" noAdjustHandles="1" noChangeArrowheads="1" noChangeShapeType="1" noTextEdit="1"/>
+                  </p:cNvSpPr>
+                  <p:nvPr/>
+                </p:nvSpPr>
+                <p:spPr>
+                  <a:xfrm>
+                    <a:off x="4803305" y="1381970"/>
+                    <a:ext cx="323850" cy="369332"/>
+                  </a:xfrm>
+                  <a:prstGeom prst="rect">
+                    <a:avLst/>
+                  </a:prstGeom>
+                  <a:blipFill>
+                    <a:blip r:embed="rId6"/>
+                    <a:stretch>
+                      <a:fillRect r="-18868"/>
+                    </a:stretch>
+                  </a:blipFill>
+                </p:spPr>
+                <p:txBody>
+                  <a:bodyPr/>
+                  <a:lstStyle/>
+                  <a:p>
+                    <a:r>
+                      <a:rPr lang="en-US">
+                        <a:noFill/>
+                      </a:rPr>
+                      <a:t> </a:t>
+                    </a:r>
+                  </a:p>
+                </p:txBody>
+              </p:sp>
+            </mc:Fallback>
+          </mc:AlternateContent>
+          <p:cxnSp>
+            <p:nvCxnSpPr>
+              <p:cNvPr id="21" name="Straight Arrow Connector 20">
+                <a:extLst>
+                  <a:ext uri="{FF2B5EF4-FFF2-40B4-BE49-F238E27FC236}">
+                    <a16:creationId xmlns:a16="http://schemas.microsoft.com/office/drawing/2014/main" id="{BDA8B75C-3968-8395-EF95-B9F63CD8F31F}"/>
+                  </a:ext>
+                </a:extLst>
+              </p:cNvPr>
+              <p:cNvCxnSpPr>
+                <a:cxnSpLocks/>
+              </p:cNvCxnSpPr>
+              <p:nvPr/>
+            </p:nvCxnSpPr>
+            <p:spPr>
+              <a:xfrm>
+                <a:off x="3655542" y="1381970"/>
+                <a:ext cx="1538288" cy="0"/>
+              </a:xfrm>
+              <a:prstGeom prst="straightConnector1">
+                <a:avLst/>
+              </a:prstGeom>
+              <a:ln>
+                <a:solidFill>
+                  <a:srgbClr val="0070C0"/>
+                </a:solidFill>
+                <a:tailEnd type="triangle"/>
+              </a:ln>
+            </p:spPr>
+            <p:style>
+              <a:lnRef idx="2">
+                <a:schemeClr val="accent1"/>
+              </a:lnRef>
+              <a:fillRef idx="0">
+                <a:schemeClr val="accent1"/>
+              </a:fillRef>
+              <a:effectRef idx="1">
+                <a:schemeClr val="accent1"/>
+              </a:effectRef>
+              <a:fontRef idx="minor">
+                <a:schemeClr val="tx1"/>
+              </a:fontRef>
+            </p:style>
+          </p:cxnSp>
+        </p:grpSp>
+        <mc:AlternateContent xmlns:mc="http://schemas.openxmlformats.org/markup-compatibility/2006" xmlns:a14="http://schemas.microsoft.com/office/drawing/2010/main">
+          <mc:Choice Requires="a14">
+            <p:sp>
+              <p:nvSpPr>
+                <p:cNvPr id="22" name="TextBox 21">
+                  <a:extLst>
+                    <a:ext uri="{FF2B5EF4-FFF2-40B4-BE49-F238E27FC236}">
+                      <a16:creationId xmlns:a16="http://schemas.microsoft.com/office/drawing/2014/main" id="{6235AC54-F478-26C2-5116-594B2394EC39}"/>
+                    </a:ext>
+                  </a:extLst>
+                </p:cNvPr>
+                <p:cNvSpPr txBox="1"/>
+                <p:nvPr/>
+              </p:nvSpPr>
+              <p:spPr>
+                <a:xfrm>
+                  <a:off x="4803305" y="1025188"/>
+                  <a:ext cx="323850" cy="369332"/>
+                </a:xfrm>
+                <a:prstGeom prst="rect">
+                  <a:avLst/>
+                </a:prstGeom>
+                <a:noFill/>
+              </p:spPr>
+              <p:txBody>
+                <a:bodyPr wrap="square" rtlCol="0">
+                  <a:spAutoFit/>
+                </a:bodyPr>
+                <a:lstStyle/>
+                <a:p>
+                  <a:pPr/>
+                  <a14:m>
+                    <m:oMathPara xmlns:m="http://schemas.openxmlformats.org/officeDocument/2006/math">
+                      <m:oMathParaPr>
+                        <m:jc m:val="centerGroup"/>
+                      </m:oMathParaPr>
+                      <m:oMath xmlns:m="http://schemas.openxmlformats.org/officeDocument/2006/math">
+                        <m:sSub>
+                          <m:sSubPr>
+                            <m:ctrlPr>
+                              <a:rPr lang="en-US" b="0" i="1" smtClean="0">
+                                <a:solidFill>
+                                  <a:srgbClr val="FF0000"/>
+                                </a:solidFill>
+                                <a:latin typeface="Cambria Math" panose="02040503050406030204" pitchFamily="18" charset="0"/>
+                              </a:rPr>
+                            </m:ctrlPr>
+                          </m:sSubPr>
+                          <m:e>
+                            <m:r>
+                              <a:rPr lang="en-US" b="0" i="1" smtClean="0">
+                                <a:solidFill>
+                                  <a:srgbClr val="FF0000"/>
+                                </a:solidFill>
+                                <a:latin typeface="Cambria Math" panose="02040503050406030204" pitchFamily="18" charset="0"/>
+                              </a:rPr>
+                              <m:t>𝐵</m:t>
+                            </m:r>
+                          </m:e>
+                          <m:sub>
+                            <m:r>
+                              <a:rPr lang="en-US" b="0" i="1" smtClean="0">
+                                <a:solidFill>
+                                  <a:srgbClr val="FF0000"/>
+                                </a:solidFill>
+                                <a:latin typeface="Cambria Math" panose="02040503050406030204" pitchFamily="18" charset="0"/>
+                              </a:rPr>
+                              <m:t>0</m:t>
+                            </m:r>
+                          </m:sub>
+                        </m:sSub>
+                      </m:oMath>
+                    </m:oMathPara>
+                  </a14:m>
+                  <a:endParaRPr lang="en-US" dirty="0"/>
+                </a:p>
+              </p:txBody>
+            </p:sp>
+          </mc:Choice>
+          <mc:Fallback xmlns="">
+            <p:sp>
+              <p:nvSpPr>
+                <p:cNvPr id="22" name="TextBox 21">
+                  <a:extLst>
+                    <a:ext uri="{FF2B5EF4-FFF2-40B4-BE49-F238E27FC236}">
+                      <a16:creationId xmlns:a16="http://schemas.microsoft.com/office/drawing/2014/main" id="{6235AC54-F478-26C2-5116-594B2394EC39}"/>
+                    </a:ext>
+                  </a:extLst>
+                </p:cNvPr>
+                <p:cNvSpPr txBox="1">
+                  <a:spLocks noRot="1" noChangeAspect="1" noMove="1" noResize="1" noEditPoints="1" noAdjustHandles="1" noChangeArrowheads="1" noChangeShapeType="1" noTextEdit="1"/>
+                </p:cNvSpPr>
+                <p:nvPr/>
+              </p:nvSpPr>
+              <p:spPr>
+                <a:xfrm>
+                  <a:off x="4803305" y="1025188"/>
+                  <a:ext cx="323850" cy="369332"/>
+                </a:xfrm>
+                <a:prstGeom prst="rect">
+                  <a:avLst/>
+                </a:prstGeom>
+                <a:blipFill>
+                  <a:blip r:embed="rId7"/>
+                  <a:stretch>
+                    <a:fillRect r="-20755"/>
+                  </a:stretch>
+                </a:blipFill>
+              </p:spPr>
+              <p:txBody>
+                <a:bodyPr/>
+                <a:lstStyle/>
+                <a:p>
+                  <a:r>
+                    <a:rPr lang="en-US">
+                      <a:noFill/>
+                    </a:rPr>
+                    <a:t> </a:t>
+                  </a:r>
+                </a:p>
+              </p:txBody>
+            </p:sp>
+          </mc:Fallback>
+        </mc:AlternateContent>
+      </p:grpSp>
+      <p:sp>
+        <p:nvSpPr>
+          <p:cNvPr id="25" name="TextBox 24">
+            <a:extLst>
+              <a:ext uri="{FF2B5EF4-FFF2-40B4-BE49-F238E27FC236}">
+                <a16:creationId xmlns:a16="http://schemas.microsoft.com/office/drawing/2014/main" id="{74AD39A0-BCAA-19BC-714D-E48F373ED305}"/>
+              </a:ext>
+            </a:extLst>
+          </p:cNvPr>
+          <p:cNvSpPr txBox="1"/>
+          <p:nvPr/>
+        </p:nvSpPr>
+        <p:spPr>
+          <a:xfrm>
+            <a:off x="1293905" y="4281522"/>
+            <a:ext cx="1847850" cy="369332"/>
+          </a:xfrm>
+          <a:prstGeom prst="rect">
+            <a:avLst/>
+          </a:prstGeom>
+          <a:noFill/>
+        </p:spPr>
+        <p:txBody>
+          <a:bodyPr wrap="square">
+            <a:spAutoFit/>
+          </a:bodyPr>
+          <a:lstStyle/>
+          <a:p>
+            <a:r>
+              <a:rPr lang="en-US" sz="1800">
+                <a:effectLst/>
+                <a:latin typeface="Calibri" panose="020F0502020204030204" pitchFamily="34" charset="0"/>
+                <a:ea typeface="等线" panose="02010600030101010101" pitchFamily="2" charset="-122"/>
+                <a:cs typeface="Times New Roman" panose="02020603050405020304" pitchFamily="18" charset="0"/>
+              </a:rPr>
+              <a:t>V</a:t>
+            </a:r>
+            <a:r>
+              <a:rPr lang="en-US" sz="1800" baseline="-25000">
+                <a:effectLst/>
+                <a:latin typeface="Calibri" panose="020F0502020204030204" pitchFamily="34" charset="0"/>
+                <a:ea typeface="等线" panose="02010600030101010101" pitchFamily="2" charset="-122"/>
+                <a:cs typeface="Times New Roman" panose="02020603050405020304" pitchFamily="18" charset="0"/>
+              </a:rPr>
+              <a:t>TDS</a:t>
+            </a:r>
+            <a:r>
+              <a:rPr lang="en-US" sz="1800">
+                <a:effectLst/>
+                <a:latin typeface="Calibri" panose="020F0502020204030204" pitchFamily="34" charset="0"/>
+                <a:ea typeface="等线" panose="02010600030101010101" pitchFamily="2" charset="-122"/>
+                <a:cs typeface="Times New Roman" panose="02020603050405020304" pitchFamily="18" charset="0"/>
+              </a:rPr>
+              <a:t>/c</a:t>
+            </a:r>
+            <a:r>
+              <a:rPr lang="en-US" sz="1800">
+                <a:effectLst/>
+                <a:latin typeface="Cambria Math" panose="02040503050406030204" pitchFamily="18" charset="0"/>
+                <a:ea typeface="等线" panose="02010600030101010101" pitchFamily="2" charset="-122"/>
+                <a:cs typeface="Cambria Math" panose="02040503050406030204" pitchFamily="18" charset="0"/>
+              </a:rPr>
+              <a:t>∼</a:t>
+            </a:r>
+            <a:r>
+              <a:rPr lang="en-US" sz="1800">
+                <a:effectLst/>
+                <a:latin typeface="Calibri" panose="020F0502020204030204" pitchFamily="34" charset="0"/>
+                <a:ea typeface="等线" panose="02010600030101010101" pitchFamily="2" charset="-122"/>
+                <a:cs typeface="Times New Roman" panose="02020603050405020304" pitchFamily="18" charset="0"/>
+              </a:rPr>
+              <a:t> -0.0333 </a:t>
+            </a:r>
+            <a:endParaRPr lang="en-US" dirty="0"/>
+          </a:p>
+        </p:txBody>
+      </p:sp>
+      <p:sp>
+        <p:nvSpPr>
+          <p:cNvPr id="27" name="TextBox 26">
+            <a:extLst>
+              <a:ext uri="{FF2B5EF4-FFF2-40B4-BE49-F238E27FC236}">
+                <a16:creationId xmlns:a16="http://schemas.microsoft.com/office/drawing/2014/main" id="{02B8A970-1145-0953-9A91-1560650FA7A7}"/>
+              </a:ext>
+            </a:extLst>
+          </p:cNvPr>
+          <p:cNvSpPr txBox="1"/>
+          <p:nvPr/>
+        </p:nvSpPr>
+        <p:spPr>
+          <a:xfrm>
+            <a:off x="1293905" y="4692257"/>
+            <a:ext cx="1152525" cy="369332"/>
+          </a:xfrm>
+          <a:prstGeom prst="rect">
+            <a:avLst/>
+          </a:prstGeom>
+          <a:noFill/>
+        </p:spPr>
+        <p:txBody>
+          <a:bodyPr wrap="square">
+            <a:spAutoFit/>
+          </a:bodyPr>
+          <a:lstStyle/>
+          <a:p>
+            <a:r>
+              <a:rPr lang="en-US" sz="1800">
+                <a:effectLst/>
+                <a:latin typeface="Calibri" panose="020F0502020204030204" pitchFamily="34" charset="0"/>
+                <a:ea typeface="等线" panose="02010600030101010101" pitchFamily="2" charset="-122"/>
+                <a:cs typeface="Times New Roman" panose="02020603050405020304" pitchFamily="18" charset="0"/>
+              </a:rPr>
+              <a:t>B</a:t>
+            </a:r>
+            <a:r>
+              <a:rPr lang="en-US" sz="1800" baseline="-25000">
+                <a:effectLst/>
+                <a:latin typeface="Calibri" panose="020F0502020204030204" pitchFamily="34" charset="0"/>
+                <a:ea typeface="等线" panose="02010600030101010101" pitchFamily="2" charset="-122"/>
+                <a:cs typeface="Times New Roman" panose="02020603050405020304" pitchFamily="18" charset="0"/>
+              </a:rPr>
+              <a:t>0</a:t>
+            </a:r>
+            <a:r>
+              <a:rPr lang="en-US" sz="1800">
+                <a:effectLst/>
+                <a:latin typeface="Cambria Math" panose="02040503050406030204" pitchFamily="18" charset="0"/>
+                <a:ea typeface="等线" panose="02010600030101010101" pitchFamily="2" charset="-122"/>
+                <a:cs typeface="Cambria Math" panose="02040503050406030204" pitchFamily="18" charset="0"/>
+              </a:rPr>
+              <a:t>∼</a:t>
+            </a:r>
+            <a:r>
+              <a:rPr lang="en-US" sz="1800">
+                <a:effectLst/>
+                <a:latin typeface="Calibri" panose="020F0502020204030204" pitchFamily="34" charset="0"/>
+                <a:ea typeface="等线" panose="02010600030101010101" pitchFamily="2" charset="-122"/>
+                <a:cs typeface="Times New Roman" panose="02020603050405020304" pitchFamily="18" charset="0"/>
+              </a:rPr>
+              <a:t>64 nT</a:t>
+            </a:r>
+            <a:endParaRPr lang="en-US" dirty="0"/>
+          </a:p>
+        </p:txBody>
+      </p:sp>
+      <p:sp>
+        <p:nvSpPr>
+          <p:cNvPr id="29" name="TextBox 28">
+            <a:extLst>
+              <a:ext uri="{FF2B5EF4-FFF2-40B4-BE49-F238E27FC236}">
+                <a16:creationId xmlns:a16="http://schemas.microsoft.com/office/drawing/2014/main" id="{9728DC3F-1053-B6FF-3306-D89BF7B53F5A}"/>
+              </a:ext>
+            </a:extLst>
+          </p:cNvPr>
+          <p:cNvSpPr txBox="1"/>
+          <p:nvPr/>
+        </p:nvSpPr>
+        <p:spPr>
+          <a:xfrm>
+            <a:off x="1293905" y="5133951"/>
+            <a:ext cx="1762125" cy="369332"/>
+          </a:xfrm>
+          <a:prstGeom prst="rect">
+            <a:avLst/>
+          </a:prstGeom>
+          <a:noFill/>
+        </p:spPr>
+        <p:txBody>
+          <a:bodyPr wrap="square">
+            <a:spAutoFit/>
+          </a:bodyPr>
+          <a:lstStyle/>
+          <a:p>
+            <a:r>
+              <a:rPr lang="en-US" sz="1800" dirty="0">
+                <a:effectLst/>
+                <a:latin typeface="Calibri" panose="020F0502020204030204" pitchFamily="34" charset="0"/>
+                <a:ea typeface="等线" panose="02010600030101010101" pitchFamily="2" charset="-122"/>
+                <a:cs typeface="Times New Roman" panose="02020603050405020304" pitchFamily="18" charset="0"/>
+              </a:rPr>
+              <a:t>E</a:t>
+            </a:r>
+            <a:r>
+              <a:rPr lang="en-US" sz="1800" baseline="-25000" dirty="0">
+                <a:effectLst/>
+                <a:latin typeface="Calibri" panose="020F0502020204030204" pitchFamily="34" charset="0"/>
+                <a:ea typeface="等线" panose="02010600030101010101" pitchFamily="2" charset="-122"/>
+                <a:cs typeface="Times New Roman" panose="02020603050405020304" pitchFamily="18" charset="0"/>
+              </a:rPr>
+              <a:t>0</a:t>
+            </a:r>
+            <a:r>
+              <a:rPr lang="en-US" sz="1800" dirty="0">
+                <a:effectLst/>
+                <a:latin typeface="Cambria Math" panose="02040503050406030204" pitchFamily="18" charset="0"/>
+                <a:ea typeface="等线" panose="02010600030101010101" pitchFamily="2" charset="-122"/>
+                <a:cs typeface="Cambria Math" panose="02040503050406030204" pitchFamily="18" charset="0"/>
+              </a:rPr>
+              <a:t>∼</a:t>
+            </a:r>
+            <a:r>
+              <a:rPr lang="en-US" sz="1800" dirty="0">
+                <a:effectLst/>
+                <a:latin typeface="Calibri" panose="020F0502020204030204" pitchFamily="34" charset="0"/>
+                <a:ea typeface="等线" panose="02010600030101010101" pitchFamily="2" charset="-122"/>
+                <a:cs typeface="Times New Roman" panose="02020603050405020304" pitchFamily="18" charset="0"/>
+              </a:rPr>
+              <a:t>100 mV/m</a:t>
+            </a:r>
+            <a:endParaRPr lang="en-US" dirty="0"/>
+          </a:p>
+        </p:txBody>
+      </p:sp>
+      <p:sp>
+        <p:nvSpPr>
+          <p:cNvPr id="31" name="TextBox 30">
+            <a:extLst>
+              <a:ext uri="{FF2B5EF4-FFF2-40B4-BE49-F238E27FC236}">
+                <a16:creationId xmlns:a16="http://schemas.microsoft.com/office/drawing/2014/main" id="{C3F72AA2-456C-5824-EFCC-F375D2193374}"/>
+              </a:ext>
+            </a:extLst>
+          </p:cNvPr>
+          <p:cNvSpPr txBox="1"/>
+          <p:nvPr/>
+        </p:nvSpPr>
+        <p:spPr>
+          <a:xfrm>
+            <a:off x="1293905" y="5595402"/>
+            <a:ext cx="1533525" cy="369332"/>
+          </a:xfrm>
+          <a:prstGeom prst="rect">
+            <a:avLst/>
+          </a:prstGeom>
+          <a:noFill/>
+        </p:spPr>
+        <p:txBody>
+          <a:bodyPr wrap="square">
+            <a:spAutoFit/>
+          </a:bodyPr>
+          <a:lstStyle/>
+          <a:p>
+            <a:r>
+              <a:rPr lang="en-US" sz="1800" dirty="0">
+                <a:effectLst/>
+                <a:latin typeface="Calibri" panose="020F0502020204030204" pitchFamily="34" charset="0"/>
+                <a:ea typeface="等线" panose="02010600030101010101" pitchFamily="2" charset="-122"/>
+                <a:cs typeface="Times New Roman" panose="02020603050405020304" pitchFamily="18" charset="0"/>
+              </a:rPr>
+              <a:t>n</a:t>
+            </a:r>
+            <a:r>
+              <a:rPr lang="en-US" sz="1800" baseline="-25000" dirty="0">
+                <a:effectLst/>
+                <a:latin typeface="Calibri" panose="020F0502020204030204" pitchFamily="34" charset="0"/>
+                <a:ea typeface="等线" panose="02010600030101010101" pitchFamily="2" charset="-122"/>
+                <a:cs typeface="Times New Roman" panose="02020603050405020304" pitchFamily="18" charset="0"/>
+              </a:rPr>
+              <a:t>e</a:t>
+            </a:r>
+            <a:r>
+              <a:rPr lang="en-US" sz="1800" dirty="0">
+                <a:effectLst/>
+                <a:latin typeface="Cambria Math" panose="02040503050406030204" pitchFamily="18" charset="0"/>
+                <a:ea typeface="等线" panose="02010600030101010101" pitchFamily="2" charset="-122"/>
+                <a:cs typeface="Cambria Math" panose="02040503050406030204" pitchFamily="18" charset="0"/>
+              </a:rPr>
+              <a:t>∼</a:t>
+            </a:r>
+            <a:r>
+              <a:rPr lang="en-US" sz="1800" dirty="0">
+                <a:effectLst/>
+                <a:latin typeface="Calibri" panose="020F0502020204030204" pitchFamily="34" charset="0"/>
+                <a:ea typeface="等线" panose="02010600030101010101" pitchFamily="2" charset="-122"/>
+                <a:cs typeface="Times New Roman" panose="02020603050405020304" pitchFamily="18" charset="0"/>
+              </a:rPr>
+              <a:t>0.15 cm</a:t>
+            </a:r>
+            <a:r>
+              <a:rPr lang="en-US" sz="1800" baseline="30000" dirty="0">
+                <a:effectLst/>
+                <a:latin typeface="Calibri" panose="020F0502020204030204" pitchFamily="34" charset="0"/>
+                <a:ea typeface="等线" panose="02010600030101010101" pitchFamily="2" charset="-122"/>
+                <a:cs typeface="Times New Roman" panose="02020603050405020304" pitchFamily="18" charset="0"/>
+              </a:rPr>
+              <a:t>-3</a:t>
+            </a:r>
+            <a:endParaRPr lang="en-US" dirty="0"/>
+          </a:p>
+        </p:txBody>
+      </p:sp>
+      <p:sp>
+        <p:nvSpPr>
+          <p:cNvPr id="32" name="TextBox 31">
+            <a:extLst>
+              <a:ext uri="{FF2B5EF4-FFF2-40B4-BE49-F238E27FC236}">
+                <a16:creationId xmlns:a16="http://schemas.microsoft.com/office/drawing/2014/main" id="{C531EC93-D96D-BAD8-30BD-F504DE32D9E7}"/>
+              </a:ext>
+            </a:extLst>
+          </p:cNvPr>
+          <p:cNvSpPr txBox="1"/>
+          <p:nvPr/>
+        </p:nvSpPr>
+        <p:spPr>
+          <a:xfrm>
+            <a:off x="6707394" y="5005437"/>
+            <a:ext cx="4538331" cy="369332"/>
+          </a:xfrm>
+          <a:prstGeom prst="rect">
+            <a:avLst/>
+          </a:prstGeom>
+          <a:noFill/>
+        </p:spPr>
+        <p:txBody>
+          <a:bodyPr wrap="square" rtlCol="0">
+            <a:spAutoFit/>
+          </a:bodyPr>
+          <a:lstStyle/>
+          <a:p>
+            <a:r>
+              <a:rPr lang="en-US" dirty="0"/>
+              <a:t>NDE resonant speed = V</a:t>
+            </a:r>
+            <a:r>
+              <a:rPr lang="en-US" baseline="-25000" dirty="0"/>
+              <a:t>TDS</a:t>
+            </a:r>
+            <a:endParaRPr lang="en-US" dirty="0"/>
+          </a:p>
+        </p:txBody>
+      </p:sp>
+      <p:sp>
+        <p:nvSpPr>
+          <p:cNvPr id="34" name="TextBox 33">
+            <a:extLst>
+              <a:ext uri="{FF2B5EF4-FFF2-40B4-BE49-F238E27FC236}">
+                <a16:creationId xmlns:a16="http://schemas.microsoft.com/office/drawing/2014/main" id="{14B73306-1BE6-40DB-26B9-DFBA6B07CE46}"/>
+              </a:ext>
+            </a:extLst>
+          </p:cNvPr>
+          <p:cNvSpPr txBox="1"/>
+          <p:nvPr/>
+        </p:nvSpPr>
+        <p:spPr>
+          <a:xfrm>
+            <a:off x="4497755" y="4745717"/>
+            <a:ext cx="1554630" cy="369332"/>
+          </a:xfrm>
+          <a:prstGeom prst="rect">
+            <a:avLst/>
+          </a:prstGeom>
+          <a:noFill/>
+        </p:spPr>
+        <p:txBody>
+          <a:bodyPr wrap="square">
+            <a:spAutoFit/>
+          </a:bodyPr>
+          <a:lstStyle/>
+          <a:p>
+            <a:r>
+              <a:rPr lang="en-US" sz="1800" dirty="0">
+                <a:effectLst/>
+                <a:latin typeface="Calibri" panose="020F0502020204030204" pitchFamily="34" charset="0"/>
+                <a:ea typeface="等线" panose="02010600030101010101" pitchFamily="2" charset="-122"/>
+                <a:cs typeface="Times New Roman" panose="02020603050405020304" pitchFamily="18" charset="0"/>
+              </a:rPr>
+              <a:t>ω/Ω = −0.845</a:t>
+            </a:r>
+            <a:endParaRPr lang="en-US" dirty="0"/>
+          </a:p>
+        </p:txBody>
+      </p:sp>
+      <p:sp>
+        <p:nvSpPr>
+          <p:cNvPr id="36" name="TextBox 35">
+            <a:extLst>
+              <a:ext uri="{FF2B5EF4-FFF2-40B4-BE49-F238E27FC236}">
+                <a16:creationId xmlns:a16="http://schemas.microsoft.com/office/drawing/2014/main" id="{A91FFA01-B524-0C17-81BE-1DAA9515460B}"/>
+              </a:ext>
+            </a:extLst>
+          </p:cNvPr>
+          <p:cNvSpPr txBox="1"/>
+          <p:nvPr/>
+        </p:nvSpPr>
+        <p:spPr>
+          <a:xfrm>
+            <a:off x="3272414" y="5175831"/>
+            <a:ext cx="2928432" cy="369332"/>
+          </a:xfrm>
+          <a:prstGeom prst="rect">
+            <a:avLst/>
+          </a:prstGeom>
+          <a:noFill/>
+        </p:spPr>
+        <p:txBody>
+          <a:bodyPr wrap="square">
+            <a:spAutoFit/>
+          </a:bodyPr>
+          <a:lstStyle/>
+          <a:p>
+            <a:r>
+              <a:rPr lang="en-US" sz="1800" dirty="0">
+                <a:effectLst/>
+                <a:latin typeface="Calibri" panose="020F0502020204030204" pitchFamily="34" charset="0"/>
+                <a:ea typeface="等线" panose="02010600030101010101" pitchFamily="2" charset="-122"/>
+                <a:cs typeface="Times New Roman" panose="02020603050405020304" pitchFamily="18" charset="0"/>
+              </a:rPr>
+              <a:t>refractive index n = 5.4655 </a:t>
+            </a:r>
+            <a:endParaRPr lang="en-US" dirty="0"/>
+          </a:p>
+        </p:txBody>
+      </p:sp>
+      <p:sp>
+        <p:nvSpPr>
+          <p:cNvPr id="37" name="Arrow: Right 36">
+            <a:extLst>
+              <a:ext uri="{FF2B5EF4-FFF2-40B4-BE49-F238E27FC236}">
+                <a16:creationId xmlns:a16="http://schemas.microsoft.com/office/drawing/2014/main" id="{A260EDF4-3D7D-6494-ADEE-99F065BAF3F2}"/>
+              </a:ext>
+            </a:extLst>
+          </p:cNvPr>
+          <p:cNvSpPr/>
+          <p:nvPr/>
+        </p:nvSpPr>
+        <p:spPr>
+          <a:xfrm>
+            <a:off x="6301139" y="5056092"/>
+            <a:ext cx="322284" cy="245448"/>
+          </a:xfrm>
+          <a:prstGeom prst="rightArrow">
+            <a:avLst/>
+          </a:prstGeom>
+        </p:spPr>
+        <p:style>
+          <a:lnRef idx="2">
+            <a:schemeClr val="accent1">
+              <a:shade val="15000"/>
+            </a:schemeClr>
+          </a:lnRef>
+          <a:fillRef idx="1">
+            <a:schemeClr val="accent1"/>
+          </a:fillRef>
+          <a:effectRef idx="0">
+            <a:schemeClr val="accent1"/>
+          </a:effectRef>
+          <a:fontRef idx="minor">
+            <a:schemeClr val="lt1"/>
+          </a:fontRef>
+        </p:style>
+        <p:txBody>
+          <a:bodyPr rtlCol="0" anchor="ctr"/>
+          <a:lstStyle/>
+          <a:p>
+            <a:pPr algn="ctr"/>
+            <a:endParaRPr lang="en-US"/>
+          </a:p>
+        </p:txBody>
+      </p:sp>
+      <p:sp>
+        <p:nvSpPr>
+          <p:cNvPr id="38" name="Right Brace 37">
+            <a:extLst>
+              <a:ext uri="{FF2B5EF4-FFF2-40B4-BE49-F238E27FC236}">
+                <a16:creationId xmlns:a16="http://schemas.microsoft.com/office/drawing/2014/main" id="{ED069CF6-60F8-A831-A488-474F7AD5728C}"/>
+              </a:ext>
+            </a:extLst>
+          </p:cNvPr>
+          <p:cNvSpPr/>
+          <p:nvPr/>
+        </p:nvSpPr>
+        <p:spPr>
+          <a:xfrm>
+            <a:off x="5980205" y="4876923"/>
+            <a:ext cx="193435" cy="626360"/>
+          </a:xfrm>
+          <a:prstGeom prst="rightBrace">
+            <a:avLst/>
+          </a:prstGeom>
+        </p:spPr>
+        <p:style>
+          <a:lnRef idx="2">
+            <a:schemeClr val="accent1"/>
+          </a:lnRef>
+          <a:fillRef idx="0">
+            <a:schemeClr val="accent1"/>
+          </a:fillRef>
+          <a:effectRef idx="1">
+            <a:schemeClr val="accent1"/>
+          </a:effectRef>
+          <a:fontRef idx="minor">
+            <a:schemeClr val="tx1"/>
+          </a:fontRef>
+        </p:style>
+        <p:txBody>
+          <a:bodyPr rtlCol="0" anchor="ctr"/>
+          <a:lstStyle/>
+          <a:p>
+            <a:pPr algn="ctr"/>
+            <a:endParaRPr lang="en-US"/>
+          </a:p>
+        </p:txBody>
+      </p:sp>
+      <p:sp>
+        <p:nvSpPr>
+          <p:cNvPr id="11" name="Rectangle 10">
+            <a:extLst>
+              <a:ext uri="{FF2B5EF4-FFF2-40B4-BE49-F238E27FC236}">
+                <a16:creationId xmlns:a16="http://schemas.microsoft.com/office/drawing/2014/main" id="{2007CC6A-A812-4B44-B4B0-DDFF1C3A2CF4}"/>
+              </a:ext>
+            </a:extLst>
+          </p:cNvPr>
+          <p:cNvSpPr/>
+          <p:nvPr/>
+        </p:nvSpPr>
+        <p:spPr>
+          <a:xfrm>
+            <a:off x="5928559" y="6304100"/>
+            <a:ext cx="6096000" cy="461665"/>
+          </a:xfrm>
+          <a:prstGeom prst="rect">
+            <a:avLst/>
+          </a:prstGeom>
+        </p:spPr>
+        <p:txBody>
+          <a:bodyPr>
+            <a:spAutoFit/>
+          </a:bodyPr>
+          <a:lstStyle/>
+          <a:p>
+            <a:r>
+              <a:rPr lang="en-US" sz="1200" dirty="0"/>
+              <a:t>*Direct observation of electron distributions inside millisecond duration electron holes Physical Review Letters 121 135102</a:t>
+            </a:r>
+          </a:p>
+        </p:txBody>
+      </p:sp>
+      <p:sp>
+        <p:nvSpPr>
+          <p:cNvPr id="16" name="Rectangle: Rounded Corners 15">
+            <a:extLst>
+              <a:ext uri="{FF2B5EF4-FFF2-40B4-BE49-F238E27FC236}">
+                <a16:creationId xmlns:a16="http://schemas.microsoft.com/office/drawing/2014/main" id="{1876A3B7-F873-499C-AFF0-24B656663BB6}"/>
+              </a:ext>
+            </a:extLst>
+          </p:cNvPr>
+          <p:cNvSpPr/>
+          <p:nvPr/>
+        </p:nvSpPr>
+        <p:spPr>
+          <a:xfrm>
+            <a:off x="1371600" y="2753862"/>
+            <a:ext cx="2438400" cy="583121"/>
+          </a:xfrm>
+          <a:prstGeom prst="roundRect">
+            <a:avLst/>
+          </a:prstGeom>
+          <a:solidFill>
+            <a:schemeClr val="bg1"/>
+          </a:solidFill>
+          <a:ln>
+            <a:noFill/>
+          </a:ln>
+        </p:spPr>
+        <p:style>
+          <a:lnRef idx="2">
+            <a:schemeClr val="accent1">
+              <a:shade val="50000"/>
+            </a:schemeClr>
+          </a:lnRef>
+          <a:fillRef idx="1">
+            <a:schemeClr val="accent1"/>
+          </a:fillRef>
+          <a:effectRef idx="0">
+            <a:schemeClr val="accent1"/>
+          </a:effectRef>
+          <a:fontRef idx="minor">
+            <a:schemeClr val="lt1"/>
+          </a:fontRef>
+        </p:style>
+        <p:txBody>
+          <a:bodyPr rtlCol="0" anchor="ctr"/>
+          <a:lstStyle/>
+          <a:p>
+            <a:pPr algn="ctr"/>
+            <a:endParaRPr lang="en-US"/>
+          </a:p>
+        </p:txBody>
+      </p:sp>
+      <p:sp>
+        <p:nvSpPr>
+          <p:cNvPr id="33" name="Rectangle: Rounded Corners 32">
+            <a:extLst>
+              <a:ext uri="{FF2B5EF4-FFF2-40B4-BE49-F238E27FC236}">
+                <a16:creationId xmlns:a16="http://schemas.microsoft.com/office/drawing/2014/main" id="{F640E229-24F7-408E-B4EF-3FA8DC553928}"/>
+              </a:ext>
+            </a:extLst>
+          </p:cNvPr>
+          <p:cNvSpPr/>
+          <p:nvPr/>
+        </p:nvSpPr>
+        <p:spPr>
+          <a:xfrm>
+            <a:off x="5113756" y="2680633"/>
+            <a:ext cx="1072571" cy="583121"/>
+          </a:xfrm>
+          <a:prstGeom prst="roundRect">
+            <a:avLst/>
+          </a:prstGeom>
+          <a:solidFill>
+            <a:schemeClr val="bg1"/>
+          </a:solidFill>
+          <a:ln>
+            <a:noFill/>
+          </a:ln>
+        </p:spPr>
+        <p:style>
+          <a:lnRef idx="2">
+            <a:schemeClr val="accent1">
+              <a:shade val="50000"/>
+            </a:schemeClr>
+          </a:lnRef>
+          <a:fillRef idx="1">
+            <a:schemeClr val="accent1"/>
+          </a:fillRef>
+          <a:effectRef idx="0">
+            <a:schemeClr val="accent1"/>
+          </a:effectRef>
+          <a:fontRef idx="minor">
+            <a:schemeClr val="lt1"/>
+          </a:fontRef>
+        </p:style>
+        <p:txBody>
+          <a:bodyPr rtlCol="0" anchor="ctr"/>
+          <a:lstStyle/>
+          <a:p>
+            <a:pPr algn="ctr"/>
+            <a:endParaRPr lang="en-US"/>
+          </a:p>
+        </p:txBody>
+      </p:sp>
+    </p:spTree>
+    <p:extLst>
+      <p:ext uri="{BB962C8B-B14F-4D97-AF65-F5344CB8AC3E}">
+        <p14:creationId xmlns:p14="http://schemas.microsoft.com/office/powerpoint/2010/main" val="3818936352"/>
+      </p:ext>
+    </p:extLst>
+  </p:cSld>
+  <p:clrMapOvr>
+    <a:masterClrMapping/>
+  </p:clrMapOvr>
+  <p:timing>
+    <p:tnLst>
+      <p:par>
+        <p:cTn id="1" dur="indefinite" restart="never" nodeType="tmRoot">
+          <p:childTnLst>
+            <p:seq concurrent="1" nextAc="seek">
+              <p:cTn id="2" dur="indefinite" nodeType="mainSeq">
+                <p:childTnLst>
+                  <p:par>
+                    <p:cTn id="3" fill="hold">
+                      <p:stCondLst>
+                        <p:cond delay="indefinite"/>
+                      </p:stCondLst>
+                      <p:childTnLst>
+                        <p:par>
+                          <p:cTn id="4" fill="hold">
+                            <p:stCondLst>
+                              <p:cond delay="0"/>
+                            </p:stCondLst>
+                            <p:childTnLst>
+                              <p:par>
+                                <p:cTn id="5" presetID="1" presetClass="entr" presetSubtype="0" fill="hold" nodeType="clickEffect">
+                                  <p:stCondLst>
+                                    <p:cond delay="0"/>
+                                  </p:stCondLst>
+                                  <p:childTnLst>
+                                    <p:set>
+                                      <p:cBhvr>
+                                        <p:cTn id="6" dur="1" fill="hold">
+                                          <p:stCondLst>
+                                            <p:cond delay="0"/>
+                                          </p:stCondLst>
+                                        </p:cTn>
+                                        <p:tgtEl>
+                                          <p:spTgt spid="8"/>
+                                        </p:tgtEl>
+                                        <p:attrNameLst>
+                                          <p:attrName>style.visibility</p:attrName>
+                                        </p:attrNameLst>
+                                      </p:cBhvr>
+                                      <p:to>
+                                        <p:strVal val="visible"/>
+                                      </p:to>
+                                    </p:set>
+                                  </p:childTnLst>
+                                </p:cTn>
+                              </p:par>
+                            </p:childTnLst>
+                          </p:cTn>
+                        </p:par>
+                      </p:childTnLst>
+                    </p:cTn>
+                  </p:par>
+                </p:childTnLst>
+              </p:cTn>
+              <p:prevCondLst>
+                <p:cond evt="onPrev" delay="0">
+                  <p:tgtEl>
+                    <p:sldTgt/>
+                  </p:tgtEl>
+                </p:cond>
+              </p:prevCondLst>
+              <p:nextCondLst>
+                <p:cond evt="onNext" delay="0">
+                  <p:tgtEl>
+                    <p:sldTgt/>
+                  </p:tgtEl>
+                </p:cond>
+              </p:nextCondLst>
+            </p:seq>
+          </p:childTnLst>
+        </p:cTn>
+      </p:par>
+    </p:tnLst>
+  </p:timing>
+</p:sld>
+</file>
+
+<file path=ppt/slides/slide12.xml><?xml version="1.0" encoding="utf-8"?>
+<p:sld xmlns:a="http://schemas.openxmlformats.org/drawingml/2006/main" xmlns:r="http://schemas.openxmlformats.org/officeDocument/2006/relationships" xmlns:p="http://schemas.openxmlformats.org/presentationml/2006/main">
+  <p:cSld>
+    <p:spTree>
+      <p:nvGrpSpPr>
+        <p:cNvPr id="1" name=""/>
+        <p:cNvGrpSpPr/>
+        <p:nvPr/>
+      </p:nvGrpSpPr>
+      <p:grpSpPr>
+        <a:xfrm>
+          <a:off x="0" y="0"/>
+          <a:ext cx="0" cy="0"/>
+          <a:chOff x="0" y="0"/>
+          <a:chExt cx="0" cy="0"/>
+        </a:xfrm>
+      </p:grpSpPr>
+      <p:sp>
+        <p:nvSpPr>
+          <p:cNvPr id="4" name="Rectangle: Rounded Corners 3">
+            <a:extLst>
+              <a:ext uri="{FF2B5EF4-FFF2-40B4-BE49-F238E27FC236}">
+                <a16:creationId xmlns:a16="http://schemas.microsoft.com/office/drawing/2014/main" id="{B81F5EA1-D868-46FC-9D64-6E2519EE0819}"/>
+              </a:ext>
+            </a:extLst>
+          </p:cNvPr>
+          <p:cNvSpPr/>
+          <p:nvPr/>
+        </p:nvSpPr>
+        <p:spPr>
+          <a:xfrm>
+            <a:off x="6575628" y="1463858"/>
+            <a:ext cx="955040" cy="933902"/>
+          </a:xfrm>
+          <a:prstGeom prst="roundRect">
+            <a:avLst/>
+          </a:prstGeom>
+        </p:spPr>
+        <p:style>
+          <a:lnRef idx="2">
+            <a:schemeClr val="accent1">
+              <a:shade val="50000"/>
+            </a:schemeClr>
+          </a:lnRef>
+          <a:fillRef idx="1">
+            <a:schemeClr val="accent1"/>
+          </a:fillRef>
+          <a:effectRef idx="0">
+            <a:schemeClr val="accent1"/>
+          </a:effectRef>
+          <a:fontRef idx="minor">
+            <a:schemeClr val="lt1"/>
+          </a:fontRef>
+        </p:style>
+        <p:txBody>
+          <a:bodyPr rtlCol="0" anchor="ctr"/>
+          <a:lstStyle/>
+          <a:p>
+            <a:pPr algn="ctr"/>
+            <a:endParaRPr lang="en-US"/>
+          </a:p>
+        </p:txBody>
+      </p:sp>
+      <p:sp>
+        <p:nvSpPr>
+          <p:cNvPr id="6" name="Rectangle: Rounded Corners 5">
+            <a:extLst>
+              <a:ext uri="{FF2B5EF4-FFF2-40B4-BE49-F238E27FC236}">
+                <a16:creationId xmlns:a16="http://schemas.microsoft.com/office/drawing/2014/main" id="{FDC59D2C-C549-49FA-B2B1-80A9E4C8EDEA}"/>
+              </a:ext>
+            </a:extLst>
+          </p:cNvPr>
+          <p:cNvSpPr/>
+          <p:nvPr/>
+        </p:nvSpPr>
+        <p:spPr>
+          <a:xfrm>
+            <a:off x="7175068" y="1234440"/>
+            <a:ext cx="2275840" cy="1229360"/>
+          </a:xfrm>
+          <a:prstGeom prst="roundRect">
+            <a:avLst/>
+          </a:prstGeom>
+        </p:spPr>
+        <p:style>
+          <a:lnRef idx="2">
+            <a:schemeClr val="accent1">
+              <a:shade val="50000"/>
+            </a:schemeClr>
+          </a:lnRef>
+          <a:fillRef idx="1">
+            <a:schemeClr val="accent1"/>
+          </a:fillRef>
+          <a:effectRef idx="0">
+            <a:schemeClr val="accent1"/>
+          </a:effectRef>
+          <a:fontRef idx="minor">
+            <a:schemeClr val="lt1"/>
+          </a:fontRef>
+        </p:style>
+        <p:txBody>
+          <a:bodyPr rtlCol="0" anchor="ctr"/>
+          <a:lstStyle/>
+          <a:p>
+            <a:pPr algn="ctr"/>
+            <a:endParaRPr lang="en-US"/>
+          </a:p>
+        </p:txBody>
+      </p:sp>
+      <p:sp>
+        <p:nvSpPr>
+          <p:cNvPr id="7" name="Rectangle: Rounded Corners 6">
+            <a:extLst>
+              <a:ext uri="{FF2B5EF4-FFF2-40B4-BE49-F238E27FC236}">
+                <a16:creationId xmlns:a16="http://schemas.microsoft.com/office/drawing/2014/main" id="{C99CA202-3DDB-4C88-906D-DF9A2E22A36F}"/>
+              </a:ext>
+            </a:extLst>
+          </p:cNvPr>
+          <p:cNvSpPr/>
+          <p:nvPr/>
+        </p:nvSpPr>
+        <p:spPr>
+          <a:xfrm>
+            <a:off x="6766560" y="3613665"/>
+            <a:ext cx="1341120" cy="1517135"/>
+          </a:xfrm>
+          <a:prstGeom prst="roundRect">
+            <a:avLst/>
+          </a:prstGeom>
+        </p:spPr>
+        <p:style>
+          <a:lnRef idx="2">
+            <a:schemeClr val="accent1">
+              <a:shade val="50000"/>
+            </a:schemeClr>
+          </a:lnRef>
+          <a:fillRef idx="1">
+            <a:schemeClr val="accent1"/>
+          </a:fillRef>
+          <a:effectRef idx="0">
+            <a:schemeClr val="accent1"/>
+          </a:effectRef>
+          <a:fontRef idx="minor">
+            <a:schemeClr val="lt1"/>
+          </a:fontRef>
+        </p:style>
+        <p:txBody>
+          <a:bodyPr rtlCol="0" anchor="ctr"/>
+          <a:lstStyle/>
+          <a:p>
+            <a:pPr algn="ctr"/>
+            <a:endParaRPr lang="en-US"/>
+          </a:p>
+        </p:txBody>
+      </p:sp>
+      <p:sp>
+        <p:nvSpPr>
+          <p:cNvPr id="8" name="Oval 7">
+            <a:extLst>
+              <a:ext uri="{FF2B5EF4-FFF2-40B4-BE49-F238E27FC236}">
+                <a16:creationId xmlns:a16="http://schemas.microsoft.com/office/drawing/2014/main" id="{DEC00AFA-04DB-4972-8AC6-AA5900F7FD6E}"/>
+              </a:ext>
+            </a:extLst>
+          </p:cNvPr>
+          <p:cNvSpPr/>
+          <p:nvPr/>
+        </p:nvSpPr>
+        <p:spPr>
+          <a:xfrm>
+            <a:off x="7437120" y="3473210"/>
+            <a:ext cx="2275840" cy="1745735"/>
+          </a:xfrm>
+          <a:prstGeom prst="ellipse">
+            <a:avLst/>
+          </a:prstGeom>
+        </p:spPr>
+        <p:style>
+          <a:lnRef idx="2">
+            <a:schemeClr val="accent1">
+              <a:shade val="50000"/>
+            </a:schemeClr>
+          </a:lnRef>
+          <a:fillRef idx="1">
+            <a:schemeClr val="accent1"/>
+          </a:fillRef>
+          <a:effectRef idx="0">
+            <a:schemeClr val="accent1"/>
+          </a:effectRef>
+          <a:fontRef idx="minor">
+            <a:schemeClr val="lt1"/>
+          </a:fontRef>
+        </p:style>
+        <p:txBody>
+          <a:bodyPr rtlCol="0" anchor="ctr"/>
+          <a:lstStyle/>
+          <a:p>
+            <a:pPr algn="ctr"/>
+            <a:endParaRPr lang="en-US"/>
+          </a:p>
+        </p:txBody>
+      </p:sp>
+      <p:grpSp>
+        <p:nvGrpSpPr>
+          <p:cNvPr id="14" name="Group 13">
+            <a:extLst>
+              <a:ext uri="{FF2B5EF4-FFF2-40B4-BE49-F238E27FC236}">
+                <a16:creationId xmlns:a16="http://schemas.microsoft.com/office/drawing/2014/main" id="{BA53074D-3764-40BA-9AEB-DBD140381D5C}"/>
+              </a:ext>
+            </a:extLst>
+          </p:cNvPr>
+          <p:cNvGrpSpPr/>
+          <p:nvPr/>
+        </p:nvGrpSpPr>
+        <p:grpSpPr>
+          <a:xfrm>
+            <a:off x="1231654" y="1341938"/>
+            <a:ext cx="3018875" cy="3106633"/>
+            <a:chOff x="535019" y="1352098"/>
+            <a:chExt cx="3018875" cy="3106633"/>
+          </a:xfrm>
+        </p:grpSpPr>
+        <p:pic>
+          <p:nvPicPr>
+            <p:cNvPr id="9" name="Picture 8">
+              <a:extLst>
+                <a:ext uri="{FF2B5EF4-FFF2-40B4-BE49-F238E27FC236}">
+                  <a16:creationId xmlns:a16="http://schemas.microsoft.com/office/drawing/2014/main" id="{8D90B5BE-D413-4114-BE86-0A1C58EB867D}"/>
+                </a:ext>
+              </a:extLst>
+            </p:cNvPr>
+            <p:cNvPicPr>
+              <a:picLocks noChangeAspect="1"/>
+            </p:cNvPicPr>
+            <p:nvPr/>
+          </p:nvPicPr>
+          <p:blipFill>
+            <a:blip r:embed="rId2"/>
+            <a:srcRect/>
+            <a:stretch>
+              <a:fillRect/>
+            </a:stretch>
+          </p:blipFill>
+          <p:spPr>
+            <a:xfrm>
+              <a:off x="535019" y="1352098"/>
+              <a:ext cx="3018875" cy="3106633"/>
+            </a:xfrm>
+            <a:custGeom>
+              <a:avLst/>
+              <a:gdLst>
+                <a:gd name="connsiteX0" fmla="*/ 1922479 w 3018875"/>
+                <a:gd name="connsiteY0" fmla="*/ 630036 h 3106633"/>
+                <a:gd name="connsiteX1" fmla="*/ 1922479 w 3018875"/>
+                <a:gd name="connsiteY1" fmla="*/ 2220927 h 3106633"/>
+                <a:gd name="connsiteX2" fmla="*/ 2701557 w 3018875"/>
+                <a:gd name="connsiteY2" fmla="*/ 2220927 h 3106633"/>
+                <a:gd name="connsiteX3" fmla="*/ 2701557 w 3018875"/>
+                <a:gd name="connsiteY3" fmla="*/ 630036 h 3106633"/>
+                <a:gd name="connsiteX4" fmla="*/ 0 w 3018875"/>
+                <a:gd name="connsiteY4" fmla="*/ 0 h 3106633"/>
+                <a:gd name="connsiteX5" fmla="*/ 3018875 w 3018875"/>
+                <a:gd name="connsiteY5" fmla="*/ 0 h 3106633"/>
+                <a:gd name="connsiteX6" fmla="*/ 3018875 w 3018875"/>
+                <a:gd name="connsiteY6" fmla="*/ 3106633 h 3106633"/>
+                <a:gd name="connsiteX7" fmla="*/ 0 w 3018875"/>
+                <a:gd name="connsiteY7" fmla="*/ 3106633 h 3106633"/>
+              </a:gdLst>
+              <a:ahLst/>
+              <a:cxnLst>
+                <a:cxn ang="0">
+                  <a:pos x="connsiteX0" y="connsiteY0"/>
+                </a:cxn>
+                <a:cxn ang="0">
+                  <a:pos x="connsiteX1" y="connsiteY1"/>
+                </a:cxn>
+                <a:cxn ang="0">
+                  <a:pos x="connsiteX2" y="connsiteY2"/>
+                </a:cxn>
+                <a:cxn ang="0">
+                  <a:pos x="connsiteX3" y="connsiteY3"/>
+                </a:cxn>
+                <a:cxn ang="0">
+                  <a:pos x="connsiteX4" y="connsiteY4"/>
+                </a:cxn>
+                <a:cxn ang="0">
+                  <a:pos x="connsiteX5" y="connsiteY5"/>
+                </a:cxn>
+                <a:cxn ang="0">
+                  <a:pos x="connsiteX6" y="connsiteY6"/>
+                </a:cxn>
+                <a:cxn ang="0">
+                  <a:pos x="connsiteX7" y="connsiteY7"/>
+                </a:cxn>
+              </a:cxnLst>
+              <a:rect l="l" t="t" r="r" b="b"/>
+              <a:pathLst>
+                <a:path w="3018875" h="3106633">
+                  <a:moveTo>
+                    <a:pt x="1922479" y="630036"/>
+                  </a:moveTo>
+                  <a:lnTo>
+                    <a:pt x="1922479" y="2220927"/>
+                  </a:lnTo>
+                  <a:lnTo>
+                    <a:pt x="2701557" y="2220927"/>
+                  </a:lnTo>
+                  <a:lnTo>
+                    <a:pt x="2701557" y="630036"/>
+                  </a:lnTo>
+                  <a:close/>
+                  <a:moveTo>
+                    <a:pt x="0" y="0"/>
+                  </a:moveTo>
+                  <a:lnTo>
+                    <a:pt x="3018875" y="0"/>
+                  </a:lnTo>
+                  <a:lnTo>
+                    <a:pt x="3018875" y="3106633"/>
+                  </a:lnTo>
+                  <a:lnTo>
+                    <a:pt x="0" y="3106633"/>
+                  </a:lnTo>
+                  <a:close/>
+                </a:path>
+              </a:pathLst>
+            </a:custGeom>
+          </p:spPr>
+        </p:pic>
+        <p:cxnSp>
+          <p:nvCxnSpPr>
+            <p:cNvPr id="11" name="Straight Arrow Connector 10">
+              <a:extLst>
+                <a:ext uri="{FF2B5EF4-FFF2-40B4-BE49-F238E27FC236}">
+                  <a16:creationId xmlns:a16="http://schemas.microsoft.com/office/drawing/2014/main" id="{E6DDC433-D7BB-4656-95C7-ADAE97DB0B16}"/>
+                </a:ext>
+              </a:extLst>
+            </p:cNvPr>
+            <p:cNvCxnSpPr/>
+            <p:nvPr/>
+          </p:nvCxnSpPr>
+          <p:spPr>
+            <a:xfrm>
+              <a:off x="2560320" y="2082800"/>
+              <a:ext cx="0" cy="1346200"/>
+            </a:xfrm>
+            <a:prstGeom prst="straightConnector1">
+              <a:avLst/>
+            </a:prstGeom>
+            <a:ln>
+              <a:solidFill>
+                <a:srgbClr val="FF0000"/>
+              </a:solidFill>
+              <a:tailEnd type="triangle"/>
+            </a:ln>
+          </p:spPr>
+          <p:style>
+            <a:lnRef idx="2">
+              <a:schemeClr val="accent1"/>
+            </a:lnRef>
+            <a:fillRef idx="0">
+              <a:schemeClr val="accent1"/>
+            </a:fillRef>
+            <a:effectRef idx="1">
+              <a:schemeClr val="accent1"/>
+            </a:effectRef>
+            <a:fontRef idx="minor">
+              <a:schemeClr val="tx1"/>
+            </a:fontRef>
+          </p:style>
+        </p:cxnSp>
+        <p:cxnSp>
+          <p:nvCxnSpPr>
+            <p:cNvPr id="12" name="Straight Arrow Connector 11">
+              <a:extLst>
+                <a:ext uri="{FF2B5EF4-FFF2-40B4-BE49-F238E27FC236}">
+                  <a16:creationId xmlns:a16="http://schemas.microsoft.com/office/drawing/2014/main" id="{F7722395-E5FB-4CEB-8721-0BB1DEA0EB44}"/>
+                </a:ext>
+              </a:extLst>
+            </p:cNvPr>
+            <p:cNvCxnSpPr>
+              <a:cxnSpLocks/>
+            </p:cNvCxnSpPr>
+            <p:nvPr/>
+          </p:nvCxnSpPr>
+          <p:spPr>
+            <a:xfrm flipV="1">
+              <a:off x="2885440" y="2082800"/>
+              <a:ext cx="0" cy="1346200"/>
+            </a:xfrm>
+            <a:prstGeom prst="straightConnector1">
+              <a:avLst/>
+            </a:prstGeom>
+            <a:ln>
+              <a:solidFill>
+                <a:schemeClr val="tx2">
+                  <a:lumMod val="50000"/>
+                  <a:lumOff val="50000"/>
+                </a:schemeClr>
+              </a:solidFill>
+              <a:tailEnd type="triangle"/>
+            </a:ln>
+          </p:spPr>
+          <p:style>
+            <a:lnRef idx="2">
+              <a:schemeClr val="accent1"/>
+            </a:lnRef>
+            <a:fillRef idx="0">
+              <a:schemeClr val="accent1"/>
+            </a:fillRef>
+            <a:effectRef idx="1">
+              <a:schemeClr val="accent1"/>
+            </a:effectRef>
+            <a:fontRef idx="minor">
+              <a:schemeClr val="tx1"/>
+            </a:fontRef>
+          </p:style>
+        </p:cxnSp>
+        <p:cxnSp>
+          <p:nvCxnSpPr>
+            <p:cNvPr id="13" name="Straight Arrow Connector 12">
+              <a:extLst>
+                <a:ext uri="{FF2B5EF4-FFF2-40B4-BE49-F238E27FC236}">
+                  <a16:creationId xmlns:a16="http://schemas.microsoft.com/office/drawing/2014/main" id="{9D377F0A-BAD0-4DC3-AF50-32192FC3187F}"/>
+                </a:ext>
+              </a:extLst>
+            </p:cNvPr>
+            <p:cNvCxnSpPr>
+              <a:cxnSpLocks/>
+            </p:cNvCxnSpPr>
+            <p:nvPr/>
+          </p:nvCxnSpPr>
+          <p:spPr>
+            <a:xfrm flipV="1">
+              <a:off x="3129280" y="2082800"/>
+              <a:ext cx="0" cy="1346200"/>
+            </a:xfrm>
+            <a:prstGeom prst="straightConnector1">
+              <a:avLst/>
+            </a:prstGeom>
+            <a:ln>
+              <a:solidFill>
+                <a:schemeClr val="tx1"/>
+              </a:solidFill>
+              <a:tailEnd type="triangle"/>
+            </a:ln>
+          </p:spPr>
+          <p:style>
+            <a:lnRef idx="2">
+              <a:schemeClr val="accent1"/>
+            </a:lnRef>
+            <a:fillRef idx="0">
+              <a:schemeClr val="accent1"/>
+            </a:fillRef>
+            <a:effectRef idx="1">
+              <a:schemeClr val="accent1"/>
+            </a:effectRef>
+            <a:fontRef idx="minor">
+              <a:schemeClr val="tx1"/>
+            </a:fontRef>
+          </p:style>
+        </p:cxnSp>
+      </p:grpSp>
+    </p:spTree>
+    <p:extLst>
+      <p:ext uri="{BB962C8B-B14F-4D97-AF65-F5344CB8AC3E}">
+        <p14:creationId xmlns:p14="http://schemas.microsoft.com/office/powerpoint/2010/main" val="843940391"/>
+      </p:ext>
+    </p:extLst>
+  </p:cSld>
+  <p:clrMapOvr>
+    <a:masterClrMapping/>
+  </p:clrMapOvr>
+</p:sld>
+</file>
+
+<file path=ppt/slides/slide13.xml><?xml version="1.0" encoding="utf-8"?>
+<p:sld xmlns:a="http://schemas.openxmlformats.org/drawingml/2006/main" xmlns:r="http://schemas.openxmlformats.org/officeDocument/2006/relationships" xmlns:p="http://schemas.openxmlformats.org/presentationml/2006/main">
+  <p:cSld>
+    <p:spTree>
+      <p:nvGrpSpPr>
+        <p:cNvPr id="1" name=""/>
+        <p:cNvGrpSpPr/>
+        <p:nvPr/>
+      </p:nvGrpSpPr>
+      <p:grpSpPr>
+        <a:xfrm>
+          <a:off x="0" y="0"/>
+          <a:ext cx="0" cy="0"/>
+          <a:chOff x="0" y="0"/>
+          <a:chExt cx="0" cy="0"/>
+        </a:xfrm>
+      </p:grpSpPr>
+      <p:sp>
+        <p:nvSpPr>
+          <p:cNvPr id="3" name="TextBox 2">
+            <a:extLst>
+              <a:ext uri="{FF2B5EF4-FFF2-40B4-BE49-F238E27FC236}">
+                <a16:creationId xmlns:a16="http://schemas.microsoft.com/office/drawing/2014/main" id="{A83D15D3-915E-6387-000B-B0C10ED72A14}"/>
+              </a:ext>
+            </a:extLst>
+          </p:cNvPr>
+          <p:cNvSpPr txBox="1"/>
+          <p:nvPr/>
+        </p:nvSpPr>
+        <p:spPr>
+          <a:xfrm>
+            <a:off x="322868" y="107564"/>
+            <a:ext cx="6094428" cy="369332"/>
+          </a:xfrm>
+          <a:prstGeom prst="rect">
+            <a:avLst/>
+          </a:prstGeom>
+          <a:noFill/>
+        </p:spPr>
+        <p:txBody>
+          <a:bodyPr wrap="square">
+            <a:spAutoFit/>
+          </a:bodyPr>
+          <a:lstStyle/>
+          <a:p>
+            <a:r>
+              <a:rPr lang="en-US" sz="1800" dirty="0"/>
+              <a:t>Trapping in normal doppler resonance (g = -1)</a:t>
+            </a:r>
+            <a:endParaRPr lang="en-US" dirty="0"/>
+          </a:p>
+        </p:txBody>
+      </p:sp>
+      <p:sp>
+        <p:nvSpPr>
+          <p:cNvPr id="9" name="TextBox 8">
+            <a:extLst>
+              <a:ext uri="{FF2B5EF4-FFF2-40B4-BE49-F238E27FC236}">
+                <a16:creationId xmlns:a16="http://schemas.microsoft.com/office/drawing/2014/main" id="{1D494F96-1598-DDCE-BE61-69857825585A}"/>
+              </a:ext>
+            </a:extLst>
+          </p:cNvPr>
+          <p:cNvSpPr txBox="1"/>
+          <p:nvPr/>
+        </p:nvSpPr>
+        <p:spPr>
+          <a:xfrm>
+            <a:off x="685799" y="632299"/>
+            <a:ext cx="5615339" cy="369332"/>
+          </a:xfrm>
+          <a:prstGeom prst="rect">
+            <a:avLst/>
+          </a:prstGeom>
+          <a:noFill/>
+        </p:spPr>
+        <p:txBody>
+          <a:bodyPr wrap="square">
+            <a:spAutoFit/>
+          </a:bodyPr>
+          <a:lstStyle/>
+          <a:p>
+            <a:r>
+              <a:rPr lang="en-US" dirty="0"/>
+              <a:t>Time domain structures (TDS)</a:t>
+            </a:r>
+            <a:r>
+              <a:rPr lang="en-US" baseline="30000" dirty="0"/>
+              <a:t>*</a:t>
+            </a:r>
+            <a:r>
+              <a:rPr lang="en-US" dirty="0"/>
+              <a:t> in magnetosphere </a:t>
+            </a:r>
+          </a:p>
+        </p:txBody>
+      </p:sp>
+      <p:sp>
+        <p:nvSpPr>
+          <p:cNvPr id="5" name="Rectangle 4">
+            <a:extLst>
+              <a:ext uri="{FF2B5EF4-FFF2-40B4-BE49-F238E27FC236}">
+                <a16:creationId xmlns:a16="http://schemas.microsoft.com/office/drawing/2014/main" id="{C795C48A-A1E6-192E-00B3-3E9FB3803EFC}"/>
+              </a:ext>
+            </a:extLst>
+          </p:cNvPr>
+          <p:cNvSpPr/>
+          <p:nvPr/>
+        </p:nvSpPr>
+        <p:spPr>
+          <a:xfrm>
+            <a:off x="10455753" y="1814449"/>
+            <a:ext cx="242726" cy="1590891"/>
+          </a:xfrm>
+          <a:prstGeom prst="rect">
+            <a:avLst/>
+          </a:prstGeom>
+          <a:solidFill>
+            <a:schemeClr val="bg1"/>
+          </a:solidFill>
+          <a:ln>
+            <a:noFill/>
+          </a:ln>
+        </p:spPr>
+        <p:style>
+          <a:lnRef idx="2">
+            <a:schemeClr val="accent1">
+              <a:shade val="15000"/>
+            </a:schemeClr>
+          </a:lnRef>
+          <a:fillRef idx="1">
+            <a:schemeClr val="accent1"/>
+          </a:fillRef>
+          <a:effectRef idx="0">
+            <a:schemeClr val="accent1"/>
+          </a:effectRef>
+          <a:fontRef idx="minor">
+            <a:schemeClr val="lt1"/>
+          </a:fontRef>
+        </p:style>
+        <p:txBody>
+          <a:bodyPr rtlCol="0" anchor="ctr"/>
+          <a:lstStyle/>
+          <a:p>
+            <a:pPr algn="ctr"/>
+            <a:endParaRPr lang="en-US"/>
+          </a:p>
+        </p:txBody>
+      </p:sp>
+      <p:sp>
+        <p:nvSpPr>
+          <p:cNvPr id="25" name="TextBox 24">
+            <a:extLst>
+              <a:ext uri="{FF2B5EF4-FFF2-40B4-BE49-F238E27FC236}">
+                <a16:creationId xmlns:a16="http://schemas.microsoft.com/office/drawing/2014/main" id="{74AD39A0-BCAA-19BC-714D-E48F373ED305}"/>
+              </a:ext>
+            </a:extLst>
+          </p:cNvPr>
+          <p:cNvSpPr txBox="1"/>
+          <p:nvPr/>
+        </p:nvSpPr>
+        <p:spPr>
+          <a:xfrm>
+            <a:off x="1189059" y="4582357"/>
+            <a:ext cx="1847850" cy="369332"/>
+          </a:xfrm>
+          <a:prstGeom prst="rect">
+            <a:avLst/>
+          </a:prstGeom>
+          <a:noFill/>
+        </p:spPr>
+        <p:txBody>
+          <a:bodyPr wrap="square">
+            <a:spAutoFit/>
+          </a:bodyPr>
+          <a:lstStyle/>
+          <a:p>
+            <a:r>
+              <a:rPr lang="en-US" sz="1800">
+                <a:effectLst/>
+                <a:latin typeface="Calibri" panose="020F0502020204030204" pitchFamily="34" charset="0"/>
+                <a:ea typeface="等线" panose="02010600030101010101" pitchFamily="2" charset="-122"/>
+                <a:cs typeface="Times New Roman" panose="02020603050405020304" pitchFamily="18" charset="0"/>
+              </a:rPr>
+              <a:t>V</a:t>
+            </a:r>
+            <a:r>
+              <a:rPr lang="en-US" sz="1800" baseline="-25000">
+                <a:effectLst/>
+                <a:latin typeface="Calibri" panose="020F0502020204030204" pitchFamily="34" charset="0"/>
+                <a:ea typeface="等线" panose="02010600030101010101" pitchFamily="2" charset="-122"/>
+                <a:cs typeface="Times New Roman" panose="02020603050405020304" pitchFamily="18" charset="0"/>
+              </a:rPr>
+              <a:t>TDS</a:t>
+            </a:r>
+            <a:r>
+              <a:rPr lang="en-US" sz="1800">
+                <a:effectLst/>
+                <a:latin typeface="Calibri" panose="020F0502020204030204" pitchFamily="34" charset="0"/>
+                <a:ea typeface="等线" panose="02010600030101010101" pitchFamily="2" charset="-122"/>
+                <a:cs typeface="Times New Roman" panose="02020603050405020304" pitchFamily="18" charset="0"/>
+              </a:rPr>
+              <a:t>/c</a:t>
+            </a:r>
+            <a:r>
+              <a:rPr lang="en-US" sz="1800">
+                <a:effectLst/>
+                <a:latin typeface="Cambria Math" panose="02040503050406030204" pitchFamily="18" charset="0"/>
+                <a:ea typeface="等线" panose="02010600030101010101" pitchFamily="2" charset="-122"/>
+                <a:cs typeface="Cambria Math" panose="02040503050406030204" pitchFamily="18" charset="0"/>
+              </a:rPr>
+              <a:t>∼</a:t>
+            </a:r>
+            <a:r>
+              <a:rPr lang="en-US" sz="1800">
+                <a:effectLst/>
+                <a:latin typeface="Calibri" panose="020F0502020204030204" pitchFamily="34" charset="0"/>
+                <a:ea typeface="等线" panose="02010600030101010101" pitchFamily="2" charset="-122"/>
+                <a:cs typeface="Times New Roman" panose="02020603050405020304" pitchFamily="18" charset="0"/>
+              </a:rPr>
+              <a:t> -0.0333 </a:t>
+            </a:r>
+            <a:endParaRPr lang="en-US" dirty="0"/>
+          </a:p>
+        </p:txBody>
+      </p:sp>
+      <p:sp>
+        <p:nvSpPr>
+          <p:cNvPr id="27" name="TextBox 26">
+            <a:extLst>
+              <a:ext uri="{FF2B5EF4-FFF2-40B4-BE49-F238E27FC236}">
+                <a16:creationId xmlns:a16="http://schemas.microsoft.com/office/drawing/2014/main" id="{02B8A970-1145-0953-9A91-1560650FA7A7}"/>
+              </a:ext>
+            </a:extLst>
+          </p:cNvPr>
+          <p:cNvSpPr txBox="1"/>
+          <p:nvPr/>
+        </p:nvSpPr>
+        <p:spPr>
+          <a:xfrm>
+            <a:off x="1189059" y="4993092"/>
+            <a:ext cx="1152525" cy="369332"/>
+          </a:xfrm>
+          <a:prstGeom prst="rect">
+            <a:avLst/>
+          </a:prstGeom>
+          <a:noFill/>
+        </p:spPr>
+        <p:txBody>
+          <a:bodyPr wrap="square">
+            <a:spAutoFit/>
+          </a:bodyPr>
+          <a:lstStyle/>
+          <a:p>
+            <a:r>
+              <a:rPr lang="en-US" sz="1800">
+                <a:effectLst/>
+                <a:latin typeface="Calibri" panose="020F0502020204030204" pitchFamily="34" charset="0"/>
+                <a:ea typeface="等线" panose="02010600030101010101" pitchFamily="2" charset="-122"/>
+                <a:cs typeface="Times New Roman" panose="02020603050405020304" pitchFamily="18" charset="0"/>
+              </a:rPr>
+              <a:t>B</a:t>
+            </a:r>
+            <a:r>
+              <a:rPr lang="en-US" sz="1800" baseline="-25000">
+                <a:effectLst/>
+                <a:latin typeface="Calibri" panose="020F0502020204030204" pitchFamily="34" charset="0"/>
+                <a:ea typeface="等线" panose="02010600030101010101" pitchFamily="2" charset="-122"/>
+                <a:cs typeface="Times New Roman" panose="02020603050405020304" pitchFamily="18" charset="0"/>
+              </a:rPr>
+              <a:t>0</a:t>
+            </a:r>
+            <a:r>
+              <a:rPr lang="en-US" sz="1800">
+                <a:effectLst/>
+                <a:latin typeface="Cambria Math" panose="02040503050406030204" pitchFamily="18" charset="0"/>
+                <a:ea typeface="等线" panose="02010600030101010101" pitchFamily="2" charset="-122"/>
+                <a:cs typeface="Cambria Math" panose="02040503050406030204" pitchFamily="18" charset="0"/>
+              </a:rPr>
+              <a:t>∼</a:t>
+            </a:r>
+            <a:r>
+              <a:rPr lang="en-US" sz="1800">
+                <a:effectLst/>
+                <a:latin typeface="Calibri" panose="020F0502020204030204" pitchFamily="34" charset="0"/>
+                <a:ea typeface="等线" panose="02010600030101010101" pitchFamily="2" charset="-122"/>
+                <a:cs typeface="Times New Roman" panose="02020603050405020304" pitchFamily="18" charset="0"/>
+              </a:rPr>
+              <a:t>64 nT</a:t>
+            </a:r>
+            <a:endParaRPr lang="en-US" dirty="0"/>
+          </a:p>
+        </p:txBody>
+      </p:sp>
+      <p:sp>
+        <p:nvSpPr>
+          <p:cNvPr id="29" name="TextBox 28">
+            <a:extLst>
+              <a:ext uri="{FF2B5EF4-FFF2-40B4-BE49-F238E27FC236}">
+                <a16:creationId xmlns:a16="http://schemas.microsoft.com/office/drawing/2014/main" id="{9728DC3F-1053-B6FF-3306-D89BF7B53F5A}"/>
+              </a:ext>
+            </a:extLst>
+          </p:cNvPr>
+          <p:cNvSpPr txBox="1"/>
+          <p:nvPr/>
+        </p:nvSpPr>
+        <p:spPr>
+          <a:xfrm>
+            <a:off x="1189059" y="5434786"/>
+            <a:ext cx="1762125" cy="369332"/>
+          </a:xfrm>
+          <a:prstGeom prst="rect">
+            <a:avLst/>
+          </a:prstGeom>
+          <a:noFill/>
+        </p:spPr>
+        <p:txBody>
+          <a:bodyPr wrap="square">
+            <a:spAutoFit/>
+          </a:bodyPr>
+          <a:lstStyle/>
+          <a:p>
+            <a:r>
+              <a:rPr lang="en-US" sz="1800" dirty="0">
+                <a:effectLst/>
+                <a:latin typeface="Calibri" panose="020F0502020204030204" pitchFamily="34" charset="0"/>
+                <a:ea typeface="等线" panose="02010600030101010101" pitchFamily="2" charset="-122"/>
+                <a:cs typeface="Times New Roman" panose="02020603050405020304" pitchFamily="18" charset="0"/>
+              </a:rPr>
+              <a:t>E</a:t>
+            </a:r>
+            <a:r>
+              <a:rPr lang="en-US" sz="1800" baseline="-25000" dirty="0">
+                <a:effectLst/>
+                <a:latin typeface="Calibri" panose="020F0502020204030204" pitchFamily="34" charset="0"/>
+                <a:ea typeface="等线" panose="02010600030101010101" pitchFamily="2" charset="-122"/>
+                <a:cs typeface="Times New Roman" panose="02020603050405020304" pitchFamily="18" charset="0"/>
+              </a:rPr>
+              <a:t>0</a:t>
+            </a:r>
+            <a:r>
+              <a:rPr lang="en-US" sz="1800" dirty="0">
+                <a:effectLst/>
+                <a:latin typeface="Cambria Math" panose="02040503050406030204" pitchFamily="18" charset="0"/>
+                <a:ea typeface="等线" panose="02010600030101010101" pitchFamily="2" charset="-122"/>
+                <a:cs typeface="Cambria Math" panose="02040503050406030204" pitchFamily="18" charset="0"/>
+              </a:rPr>
+              <a:t>∼</a:t>
+            </a:r>
+            <a:r>
+              <a:rPr lang="en-US" sz="1800" dirty="0">
+                <a:effectLst/>
+                <a:latin typeface="Calibri" panose="020F0502020204030204" pitchFamily="34" charset="0"/>
+                <a:ea typeface="等线" panose="02010600030101010101" pitchFamily="2" charset="-122"/>
+                <a:cs typeface="Times New Roman" panose="02020603050405020304" pitchFamily="18" charset="0"/>
+              </a:rPr>
+              <a:t>100 mV/m</a:t>
+            </a:r>
+            <a:endParaRPr lang="en-US" dirty="0"/>
+          </a:p>
+        </p:txBody>
+      </p:sp>
+      <p:sp>
+        <p:nvSpPr>
+          <p:cNvPr id="31" name="TextBox 30">
+            <a:extLst>
+              <a:ext uri="{FF2B5EF4-FFF2-40B4-BE49-F238E27FC236}">
+                <a16:creationId xmlns:a16="http://schemas.microsoft.com/office/drawing/2014/main" id="{C3F72AA2-456C-5824-EFCC-F375D2193374}"/>
+              </a:ext>
+            </a:extLst>
+          </p:cNvPr>
+          <p:cNvSpPr txBox="1"/>
+          <p:nvPr/>
+        </p:nvSpPr>
+        <p:spPr>
+          <a:xfrm>
+            <a:off x="1189059" y="5896237"/>
+            <a:ext cx="1533525" cy="369332"/>
+          </a:xfrm>
+          <a:prstGeom prst="rect">
+            <a:avLst/>
+          </a:prstGeom>
+          <a:noFill/>
+        </p:spPr>
+        <p:txBody>
+          <a:bodyPr wrap="square">
+            <a:spAutoFit/>
+          </a:bodyPr>
+          <a:lstStyle/>
+          <a:p>
+            <a:r>
+              <a:rPr lang="en-US" sz="1800" dirty="0">
+                <a:effectLst/>
+                <a:latin typeface="Calibri" panose="020F0502020204030204" pitchFamily="34" charset="0"/>
+                <a:ea typeface="等线" panose="02010600030101010101" pitchFamily="2" charset="-122"/>
+                <a:cs typeface="Times New Roman" panose="02020603050405020304" pitchFamily="18" charset="0"/>
+              </a:rPr>
+              <a:t>n</a:t>
+            </a:r>
+            <a:r>
+              <a:rPr lang="en-US" sz="1800" baseline="-25000" dirty="0">
+                <a:effectLst/>
+                <a:latin typeface="Calibri" panose="020F0502020204030204" pitchFamily="34" charset="0"/>
+                <a:ea typeface="等线" panose="02010600030101010101" pitchFamily="2" charset="-122"/>
+                <a:cs typeface="Times New Roman" panose="02020603050405020304" pitchFamily="18" charset="0"/>
+              </a:rPr>
+              <a:t>e</a:t>
+            </a:r>
+            <a:r>
+              <a:rPr lang="en-US" sz="1800" dirty="0">
+                <a:effectLst/>
+                <a:latin typeface="Cambria Math" panose="02040503050406030204" pitchFamily="18" charset="0"/>
+                <a:ea typeface="等线" panose="02010600030101010101" pitchFamily="2" charset="-122"/>
+                <a:cs typeface="Cambria Math" panose="02040503050406030204" pitchFamily="18" charset="0"/>
+              </a:rPr>
+              <a:t>∼</a:t>
+            </a:r>
+            <a:r>
+              <a:rPr lang="en-US" sz="1800" dirty="0">
+                <a:effectLst/>
+                <a:latin typeface="Calibri" panose="020F0502020204030204" pitchFamily="34" charset="0"/>
+                <a:ea typeface="等线" panose="02010600030101010101" pitchFamily="2" charset="-122"/>
+                <a:cs typeface="Times New Roman" panose="02020603050405020304" pitchFamily="18" charset="0"/>
+              </a:rPr>
+              <a:t>0.15 cm</a:t>
+            </a:r>
+            <a:r>
+              <a:rPr lang="en-US" sz="1800" baseline="30000" dirty="0">
+                <a:effectLst/>
+                <a:latin typeface="Calibri" panose="020F0502020204030204" pitchFamily="34" charset="0"/>
+                <a:ea typeface="等线" panose="02010600030101010101" pitchFamily="2" charset="-122"/>
+                <a:cs typeface="Times New Roman" panose="02020603050405020304" pitchFamily="18" charset="0"/>
+              </a:rPr>
+              <a:t>-3</a:t>
+            </a:r>
+            <a:endParaRPr lang="en-US" dirty="0"/>
+          </a:p>
+        </p:txBody>
+      </p:sp>
+      <p:sp>
+        <p:nvSpPr>
+          <p:cNvPr id="32" name="TextBox 31">
+            <a:extLst>
+              <a:ext uri="{FF2B5EF4-FFF2-40B4-BE49-F238E27FC236}">
+                <a16:creationId xmlns:a16="http://schemas.microsoft.com/office/drawing/2014/main" id="{C531EC93-D96D-BAD8-30BD-F504DE32D9E7}"/>
+              </a:ext>
+            </a:extLst>
+          </p:cNvPr>
+          <p:cNvSpPr txBox="1"/>
+          <p:nvPr/>
+        </p:nvSpPr>
+        <p:spPr>
+          <a:xfrm>
+            <a:off x="6518577" y="5233043"/>
+            <a:ext cx="4538331" cy="369332"/>
+          </a:xfrm>
+          <a:prstGeom prst="rect">
+            <a:avLst/>
+          </a:prstGeom>
+          <a:noFill/>
+        </p:spPr>
+        <p:txBody>
+          <a:bodyPr wrap="square" rtlCol="0">
+            <a:spAutoFit/>
+          </a:bodyPr>
+          <a:lstStyle/>
+          <a:p>
+            <a:r>
+              <a:rPr lang="en-US" dirty="0"/>
+              <a:t>NDE resonant speed = V</a:t>
+            </a:r>
+            <a:r>
+              <a:rPr lang="en-US" baseline="-25000" dirty="0"/>
+              <a:t>TDS</a:t>
+            </a:r>
+            <a:endParaRPr lang="en-US" dirty="0"/>
+          </a:p>
+        </p:txBody>
+      </p:sp>
+      <p:sp>
+        <p:nvSpPr>
+          <p:cNvPr id="34" name="TextBox 33">
+            <a:extLst>
+              <a:ext uri="{FF2B5EF4-FFF2-40B4-BE49-F238E27FC236}">
+                <a16:creationId xmlns:a16="http://schemas.microsoft.com/office/drawing/2014/main" id="{14B73306-1BE6-40DB-26B9-DFBA6B07CE46}"/>
+              </a:ext>
+            </a:extLst>
+          </p:cNvPr>
+          <p:cNvSpPr txBox="1"/>
+          <p:nvPr/>
+        </p:nvSpPr>
+        <p:spPr>
+          <a:xfrm>
+            <a:off x="4392909" y="5046552"/>
+            <a:ext cx="1554630" cy="369332"/>
+          </a:xfrm>
+          <a:prstGeom prst="rect">
+            <a:avLst/>
+          </a:prstGeom>
+          <a:noFill/>
+        </p:spPr>
+        <p:txBody>
+          <a:bodyPr wrap="square">
+            <a:spAutoFit/>
+          </a:bodyPr>
+          <a:lstStyle/>
+          <a:p>
+            <a:r>
+              <a:rPr lang="en-US" sz="1800" dirty="0">
+                <a:effectLst/>
+                <a:latin typeface="Calibri" panose="020F0502020204030204" pitchFamily="34" charset="0"/>
+                <a:ea typeface="等线" panose="02010600030101010101" pitchFamily="2" charset="-122"/>
+                <a:cs typeface="Times New Roman" panose="02020603050405020304" pitchFamily="18" charset="0"/>
+              </a:rPr>
+              <a:t>ω/Ω = −0.845</a:t>
+            </a:r>
+            <a:endParaRPr lang="en-US" dirty="0"/>
+          </a:p>
+        </p:txBody>
+      </p:sp>
+      <p:sp>
+        <p:nvSpPr>
+          <p:cNvPr id="36" name="TextBox 35">
+            <a:extLst>
+              <a:ext uri="{FF2B5EF4-FFF2-40B4-BE49-F238E27FC236}">
+                <a16:creationId xmlns:a16="http://schemas.microsoft.com/office/drawing/2014/main" id="{A91FFA01-B524-0C17-81BE-1DAA9515460B}"/>
+              </a:ext>
+            </a:extLst>
+          </p:cNvPr>
+          <p:cNvSpPr txBox="1"/>
+          <p:nvPr/>
+        </p:nvSpPr>
+        <p:spPr>
+          <a:xfrm>
+            <a:off x="3167568" y="5476666"/>
+            <a:ext cx="2928432" cy="369332"/>
+          </a:xfrm>
+          <a:prstGeom prst="rect">
+            <a:avLst/>
+          </a:prstGeom>
+          <a:noFill/>
+        </p:spPr>
+        <p:txBody>
+          <a:bodyPr wrap="square">
+            <a:spAutoFit/>
+          </a:bodyPr>
+          <a:lstStyle/>
+          <a:p>
+            <a:r>
+              <a:rPr lang="en-US" sz="1800" dirty="0">
+                <a:effectLst/>
+                <a:latin typeface="Calibri" panose="020F0502020204030204" pitchFamily="34" charset="0"/>
+                <a:ea typeface="等线" panose="02010600030101010101" pitchFamily="2" charset="-122"/>
+                <a:cs typeface="Times New Roman" panose="02020603050405020304" pitchFamily="18" charset="0"/>
+              </a:rPr>
+              <a:t>refractive index n = 5.4655 </a:t>
+            </a:r>
+            <a:endParaRPr lang="en-US" dirty="0"/>
+          </a:p>
+        </p:txBody>
+      </p:sp>
+      <p:sp>
+        <p:nvSpPr>
+          <p:cNvPr id="37" name="Arrow: Right 36">
+            <a:extLst>
+              <a:ext uri="{FF2B5EF4-FFF2-40B4-BE49-F238E27FC236}">
+                <a16:creationId xmlns:a16="http://schemas.microsoft.com/office/drawing/2014/main" id="{A260EDF4-3D7D-6494-ADEE-99F065BAF3F2}"/>
+              </a:ext>
+            </a:extLst>
+          </p:cNvPr>
+          <p:cNvSpPr/>
+          <p:nvPr/>
+        </p:nvSpPr>
+        <p:spPr>
+          <a:xfrm>
+            <a:off x="6196293" y="5356927"/>
+            <a:ext cx="322284" cy="245448"/>
+          </a:xfrm>
+          <a:prstGeom prst="rightArrow">
+            <a:avLst/>
+          </a:prstGeom>
+        </p:spPr>
+        <p:style>
+          <a:lnRef idx="2">
+            <a:schemeClr val="accent1">
+              <a:shade val="15000"/>
+            </a:schemeClr>
+          </a:lnRef>
+          <a:fillRef idx="1">
+            <a:schemeClr val="accent1"/>
+          </a:fillRef>
+          <a:effectRef idx="0">
+            <a:schemeClr val="accent1"/>
+          </a:effectRef>
+          <a:fontRef idx="minor">
+            <a:schemeClr val="lt1"/>
+          </a:fontRef>
+        </p:style>
+        <p:txBody>
+          <a:bodyPr rtlCol="0" anchor="ctr"/>
+          <a:lstStyle/>
+          <a:p>
+            <a:pPr algn="ctr"/>
+            <a:endParaRPr lang="en-US"/>
+          </a:p>
+        </p:txBody>
+      </p:sp>
+      <p:sp>
+        <p:nvSpPr>
+          <p:cNvPr id="38" name="Right Brace 37">
+            <a:extLst>
+              <a:ext uri="{FF2B5EF4-FFF2-40B4-BE49-F238E27FC236}">
+                <a16:creationId xmlns:a16="http://schemas.microsoft.com/office/drawing/2014/main" id="{ED069CF6-60F8-A831-A488-474F7AD5728C}"/>
+              </a:ext>
+            </a:extLst>
+          </p:cNvPr>
+          <p:cNvSpPr/>
+          <p:nvPr/>
+        </p:nvSpPr>
+        <p:spPr>
+          <a:xfrm>
+            <a:off x="5875359" y="5177758"/>
+            <a:ext cx="193435" cy="626360"/>
+          </a:xfrm>
+          <a:prstGeom prst="rightBrace">
+            <a:avLst/>
+          </a:prstGeom>
+        </p:spPr>
+        <p:style>
+          <a:lnRef idx="2">
+            <a:schemeClr val="accent1"/>
+          </a:lnRef>
+          <a:fillRef idx="0">
+            <a:schemeClr val="accent1"/>
+          </a:fillRef>
+          <a:effectRef idx="1">
+            <a:schemeClr val="accent1"/>
+          </a:effectRef>
+          <a:fontRef idx="minor">
+            <a:schemeClr val="tx1"/>
+          </a:fontRef>
+        </p:style>
+        <p:txBody>
+          <a:bodyPr rtlCol="0" anchor="ctr"/>
+          <a:lstStyle/>
+          <a:p>
+            <a:pPr algn="ctr"/>
+            <a:endParaRPr lang="en-US"/>
+          </a:p>
+        </p:txBody>
+      </p:sp>
+      <p:sp>
+        <p:nvSpPr>
+          <p:cNvPr id="11" name="Rectangle 10">
+            <a:extLst>
+              <a:ext uri="{FF2B5EF4-FFF2-40B4-BE49-F238E27FC236}">
+                <a16:creationId xmlns:a16="http://schemas.microsoft.com/office/drawing/2014/main" id="{2007CC6A-A812-4B44-B4B0-DDFF1C3A2CF4}"/>
+              </a:ext>
+            </a:extLst>
+          </p:cNvPr>
+          <p:cNvSpPr/>
+          <p:nvPr/>
+        </p:nvSpPr>
+        <p:spPr>
+          <a:xfrm>
+            <a:off x="5928559" y="6304100"/>
+            <a:ext cx="6096000" cy="461665"/>
+          </a:xfrm>
+          <a:prstGeom prst="rect">
+            <a:avLst/>
+          </a:prstGeom>
+        </p:spPr>
+        <p:txBody>
+          <a:bodyPr>
+            <a:spAutoFit/>
+          </a:bodyPr>
+          <a:lstStyle/>
+          <a:p>
+            <a:r>
+              <a:rPr lang="en-US" sz="1200" dirty="0"/>
+              <a:t>*Direct observation of electron distributions inside millisecond duration electron holes Physical Review Letters 121 135102</a:t>
+            </a:r>
+          </a:p>
+        </p:txBody>
+      </p:sp>
+      <p:grpSp>
+        <p:nvGrpSpPr>
+          <p:cNvPr id="20" name="Group 19">
+            <a:extLst>
+              <a:ext uri="{FF2B5EF4-FFF2-40B4-BE49-F238E27FC236}">
+                <a16:creationId xmlns:a16="http://schemas.microsoft.com/office/drawing/2014/main" id="{B3907C31-E541-4906-8884-19415FBEEF48}"/>
+              </a:ext>
+            </a:extLst>
+          </p:cNvPr>
+          <p:cNvGrpSpPr/>
+          <p:nvPr/>
+        </p:nvGrpSpPr>
+        <p:grpSpPr>
+          <a:xfrm>
+            <a:off x="399867" y="1234850"/>
+            <a:ext cx="6187201" cy="3241183"/>
+            <a:chOff x="762000" y="914547"/>
+            <a:chExt cx="6187201" cy="3241183"/>
+          </a:xfrm>
+        </p:grpSpPr>
+        <mc:AlternateContent xmlns:mc="http://schemas.openxmlformats.org/markup-compatibility/2006">
+          <mc:Choice xmlns:a14="http://schemas.microsoft.com/office/drawing/2010/main" Requires="a14">
+            <p:sp>
+              <p:nvSpPr>
+                <p:cNvPr id="22" name="TextBox 21">
+                  <a:extLst>
+                    <a:ext uri="{FF2B5EF4-FFF2-40B4-BE49-F238E27FC236}">
+                      <a16:creationId xmlns:a16="http://schemas.microsoft.com/office/drawing/2014/main" id="{6235AC54-F478-26C2-5116-594B2394EC39}"/>
+                    </a:ext>
+                  </a:extLst>
+                </p:cNvPr>
+                <p:cNvSpPr txBox="1"/>
+                <p:nvPr/>
+              </p:nvSpPr>
+              <p:spPr>
+                <a:xfrm>
+                  <a:off x="5538461" y="914547"/>
+                  <a:ext cx="327005" cy="369332"/>
+                </a:xfrm>
+                <a:prstGeom prst="rect">
+                  <a:avLst/>
+                </a:prstGeom>
+                <a:noFill/>
+              </p:spPr>
+              <p:txBody>
+                <a:bodyPr wrap="square" rtlCol="0">
+                  <a:spAutoFit/>
+                </a:bodyPr>
+                <a:lstStyle/>
+                <a:p>
+                  <a:pPr/>
+                  <a14:m>
+                    <m:oMathPara xmlns:m="http://schemas.openxmlformats.org/officeDocument/2006/math">
+                      <m:oMathParaPr>
+                        <m:jc m:val="centerGroup"/>
+                      </m:oMathParaPr>
+                      <m:oMath xmlns:m="http://schemas.openxmlformats.org/officeDocument/2006/math">
+                        <m:sSub>
+                          <m:sSubPr>
+                            <m:ctrlPr>
+                              <a:rPr lang="en-US" b="0" i="1" smtClean="0">
+                                <a:solidFill>
+                                  <a:srgbClr val="FF0000"/>
+                                </a:solidFill>
+                                <a:latin typeface="Cambria Math" panose="02040503050406030204" pitchFamily="18" charset="0"/>
+                              </a:rPr>
+                            </m:ctrlPr>
+                          </m:sSubPr>
+                          <m:e>
+                            <m:r>
+                              <a:rPr lang="en-US" b="0" i="1" smtClean="0">
+                                <a:solidFill>
+                                  <a:srgbClr val="FF0000"/>
+                                </a:solidFill>
+                                <a:latin typeface="Cambria Math" panose="02040503050406030204" pitchFamily="18" charset="0"/>
+                              </a:rPr>
+                              <m:t>𝐵</m:t>
+                            </m:r>
+                          </m:e>
+                          <m:sub>
+                            <m:r>
+                              <a:rPr lang="en-US" b="0" i="1" smtClean="0">
+                                <a:solidFill>
+                                  <a:srgbClr val="FF0000"/>
+                                </a:solidFill>
+                                <a:latin typeface="Cambria Math" panose="02040503050406030204" pitchFamily="18" charset="0"/>
+                              </a:rPr>
+                              <m:t>0</m:t>
+                            </m:r>
+                          </m:sub>
+                        </m:sSub>
+                      </m:oMath>
+                    </m:oMathPara>
+                  </a14:m>
+                  <a:endParaRPr lang="en-US" dirty="0"/>
+                </a:p>
+              </p:txBody>
+            </p:sp>
+          </mc:Choice>
+          <mc:Fallback>
+            <p:sp>
+              <p:nvSpPr>
+                <p:cNvPr id="22" name="TextBox 21">
+                  <a:extLst>
+                    <a:ext uri="{FF2B5EF4-FFF2-40B4-BE49-F238E27FC236}">
+                      <a16:creationId xmlns:a16="http://schemas.microsoft.com/office/drawing/2014/main" id="{6235AC54-F478-26C2-5116-594B2394EC39}"/>
+                    </a:ext>
+                  </a:extLst>
+                </p:cNvPr>
+                <p:cNvSpPr txBox="1">
+                  <a:spLocks noRot="1" noChangeAspect="1" noMove="1" noResize="1" noEditPoints="1" noAdjustHandles="1" noChangeArrowheads="1" noChangeShapeType="1" noTextEdit="1"/>
+                </p:cNvSpPr>
+                <p:nvPr/>
+              </p:nvSpPr>
+              <p:spPr>
+                <a:xfrm>
+                  <a:off x="5538461" y="914547"/>
+                  <a:ext cx="327005" cy="369332"/>
+                </a:xfrm>
+                <a:prstGeom prst="rect">
+                  <a:avLst/>
+                </a:prstGeom>
+                <a:blipFill>
+                  <a:blip r:embed="rId2"/>
+                  <a:stretch>
+                    <a:fillRect r="-18519"/>
+                  </a:stretch>
+                </a:blipFill>
+              </p:spPr>
+              <p:txBody>
+                <a:bodyPr/>
+                <a:lstStyle/>
+                <a:p>
+                  <a:r>
+                    <a:rPr lang="en-US">
+                      <a:noFill/>
+                    </a:rPr>
+                    <a:t> </a:t>
+                  </a:r>
+                </a:p>
+              </p:txBody>
+            </p:sp>
+          </mc:Fallback>
+        </mc:AlternateContent>
+        <p:grpSp>
+          <p:nvGrpSpPr>
+            <p:cNvPr id="19" name="Group 18">
+              <a:extLst>
+                <a:ext uri="{FF2B5EF4-FFF2-40B4-BE49-F238E27FC236}">
+                  <a16:creationId xmlns:a16="http://schemas.microsoft.com/office/drawing/2014/main" id="{76E0786E-E7DB-422B-AC19-16CC34434FFC}"/>
+                </a:ext>
+              </a:extLst>
+            </p:cNvPr>
+            <p:cNvGrpSpPr/>
+            <p:nvPr/>
+          </p:nvGrpSpPr>
+          <p:grpSpPr>
+            <a:xfrm>
+              <a:off x="762000" y="1259537"/>
+              <a:ext cx="6187201" cy="2896193"/>
+              <a:chOff x="762000" y="1271329"/>
+              <a:chExt cx="6187201" cy="2896193"/>
+            </a:xfrm>
+          </p:grpSpPr>
+          <p:pic>
+            <p:nvPicPr>
+              <p:cNvPr id="6" name="Picture 5">
+                <a:extLst>
+                  <a:ext uri="{FF2B5EF4-FFF2-40B4-BE49-F238E27FC236}">
+                    <a16:creationId xmlns:a16="http://schemas.microsoft.com/office/drawing/2014/main" id="{A054AF76-4263-A964-EB98-A01A9F09AAC7}"/>
+                  </a:ext>
+                </a:extLst>
+              </p:cNvPr>
+              <p:cNvPicPr>
+                <a:picLocks noChangeAspect="1"/>
+              </p:cNvPicPr>
+              <p:nvPr/>
+            </p:nvPicPr>
+            <p:blipFill>
+              <a:blip r:embed="rId3"/>
+              <a:stretch>
+                <a:fillRect/>
+              </a:stretch>
+            </p:blipFill>
+            <p:spPr>
+              <a:xfrm>
+                <a:off x="762000" y="2091372"/>
+                <a:ext cx="6187201" cy="2076150"/>
+              </a:xfrm>
+              <a:prstGeom prst="rect">
+                <a:avLst/>
+              </a:prstGeom>
+            </p:spPr>
+          </p:pic>
+          <p:sp>
+            <p:nvSpPr>
+              <p:cNvPr id="10" name="Rectangle 9">
+                <a:extLst>
+                  <a:ext uri="{FF2B5EF4-FFF2-40B4-BE49-F238E27FC236}">
+                    <a16:creationId xmlns:a16="http://schemas.microsoft.com/office/drawing/2014/main" id="{A6780476-3BB2-0BAA-9C00-431DF03A8BDE}"/>
+                  </a:ext>
+                </a:extLst>
+              </p:cNvPr>
+              <p:cNvSpPr/>
+              <p:nvPr/>
+            </p:nvSpPr>
+            <p:spPr>
+              <a:xfrm>
+                <a:off x="3832533" y="2219325"/>
+                <a:ext cx="518349" cy="1209675"/>
+              </a:xfrm>
+              <a:prstGeom prst="rect">
+                <a:avLst/>
+              </a:prstGeom>
+              <a:solidFill>
+                <a:schemeClr val="accent1">
+                  <a:alpha val="18000"/>
+                </a:schemeClr>
+              </a:solidFill>
+            </p:spPr>
+            <p:style>
+              <a:lnRef idx="2">
+                <a:schemeClr val="accent1">
+                  <a:shade val="15000"/>
+                </a:schemeClr>
+              </a:lnRef>
+              <a:fillRef idx="1">
+                <a:schemeClr val="accent1"/>
+              </a:fillRef>
+              <a:effectRef idx="0">
+                <a:schemeClr val="accent1"/>
+              </a:effectRef>
+              <a:fontRef idx="minor">
+                <a:schemeClr val="lt1"/>
+              </a:fontRef>
+            </p:style>
+            <p:txBody>
+              <a:bodyPr rtlCol="0" anchor="ctr"/>
+              <a:lstStyle/>
+              <a:p>
+                <a:pPr algn="ctr"/>
+                <a:endParaRPr lang="en-US" dirty="0"/>
+              </a:p>
+            </p:txBody>
+          </p:sp>
+          <p:cxnSp>
+            <p:nvCxnSpPr>
+              <p:cNvPr id="14" name="Straight Arrow Connector 13">
+                <a:extLst>
+                  <a:ext uri="{FF2B5EF4-FFF2-40B4-BE49-F238E27FC236}">
+                    <a16:creationId xmlns:a16="http://schemas.microsoft.com/office/drawing/2014/main" id="{FD37A0AD-E3EA-F2E3-F6CD-A336C1E7C04F}"/>
+                  </a:ext>
+                </a:extLst>
+              </p:cNvPr>
+              <p:cNvCxnSpPr>
+                <a:cxnSpLocks/>
+              </p:cNvCxnSpPr>
+              <p:nvPr/>
+            </p:nvCxnSpPr>
+            <p:spPr>
+              <a:xfrm flipH="1">
+                <a:off x="4379516" y="1951935"/>
+                <a:ext cx="1558084" cy="0"/>
+              </a:xfrm>
+              <a:prstGeom prst="straightConnector1">
+                <a:avLst/>
+              </a:prstGeom>
+              <a:ln>
+                <a:solidFill>
+                  <a:schemeClr val="tx1"/>
+                </a:solidFill>
+                <a:tailEnd type="triangle"/>
+              </a:ln>
+            </p:spPr>
+            <p:style>
+              <a:lnRef idx="2">
+                <a:schemeClr val="accent1"/>
+              </a:lnRef>
+              <a:fillRef idx="0">
+                <a:schemeClr val="accent1"/>
+              </a:fillRef>
+              <a:effectRef idx="1">
+                <a:schemeClr val="accent1"/>
+              </a:effectRef>
+              <a:fontRef idx="minor">
+                <a:schemeClr val="tx1"/>
+              </a:fontRef>
+            </p:style>
+          </p:cxnSp>
+          <mc:AlternateContent xmlns:mc="http://schemas.openxmlformats.org/markup-compatibility/2006">
+            <mc:Choice xmlns:a14="http://schemas.microsoft.com/office/drawing/2010/main" Requires="a14">
+              <p:sp>
+                <p:nvSpPr>
+                  <p:cNvPr id="15" name="TextBox 14">
+                    <a:extLst>
+                      <a:ext uri="{FF2B5EF4-FFF2-40B4-BE49-F238E27FC236}">
+                        <a16:creationId xmlns:a16="http://schemas.microsoft.com/office/drawing/2014/main" id="{9DC105B9-DA11-32EE-4632-7BC14DA1500D}"/>
+                      </a:ext>
+                    </a:extLst>
+                  </p:cNvPr>
+                  <p:cNvSpPr txBox="1"/>
+                  <p:nvPr/>
+                </p:nvSpPr>
+                <p:spPr>
+                  <a:xfrm>
+                    <a:off x="5471137" y="1607702"/>
+                    <a:ext cx="461654" cy="369332"/>
+                  </a:xfrm>
+                  <a:prstGeom prst="rect">
+                    <a:avLst/>
+                  </a:prstGeom>
+                  <a:noFill/>
+                </p:spPr>
+                <p:txBody>
+                  <a:bodyPr wrap="square" rtlCol="0">
+                    <a:spAutoFit/>
+                  </a:bodyPr>
+                  <a:lstStyle/>
+                  <a:p>
+                    <a:pPr/>
+                    <a14:m>
+                      <m:oMathPara xmlns:m="http://schemas.openxmlformats.org/officeDocument/2006/math">
+                        <m:oMathParaPr>
+                          <m:jc m:val="centerGroup"/>
+                        </m:oMathParaPr>
+                        <m:oMath xmlns:m="http://schemas.openxmlformats.org/officeDocument/2006/math">
+                          <m:r>
+                            <a:rPr lang="en-US" b="1" i="1" smtClean="0">
+                              <a:latin typeface="Cambria Math" panose="02040503050406030204" pitchFamily="18" charset="0"/>
+                            </a:rPr>
+                            <m:t>𝒌</m:t>
+                          </m:r>
+                        </m:oMath>
+                      </m:oMathPara>
+                    </a14:m>
+                    <a:endParaRPr lang="en-US" b="1" dirty="0"/>
+                  </a:p>
+                </p:txBody>
+              </p:sp>
+            </mc:Choice>
+            <mc:Fallback>
+              <p:sp>
+                <p:nvSpPr>
+                  <p:cNvPr id="15" name="TextBox 14">
+                    <a:extLst>
+                      <a:ext uri="{FF2B5EF4-FFF2-40B4-BE49-F238E27FC236}">
+                        <a16:creationId xmlns:a16="http://schemas.microsoft.com/office/drawing/2014/main" id="{9DC105B9-DA11-32EE-4632-7BC14DA1500D}"/>
+                      </a:ext>
+                    </a:extLst>
+                  </p:cNvPr>
+                  <p:cNvSpPr txBox="1">
+                    <a:spLocks noRot="1" noChangeAspect="1" noMove="1" noResize="1" noEditPoints="1" noAdjustHandles="1" noChangeArrowheads="1" noChangeShapeType="1" noTextEdit="1"/>
+                  </p:cNvSpPr>
+                  <p:nvPr/>
+                </p:nvSpPr>
+                <p:spPr>
+                  <a:xfrm>
+                    <a:off x="5471137" y="1607702"/>
+                    <a:ext cx="461654" cy="369332"/>
+                  </a:xfrm>
+                  <a:prstGeom prst="rect">
+                    <a:avLst/>
+                  </a:prstGeom>
+                  <a:blipFill>
+                    <a:blip r:embed="rId4"/>
+                    <a:stretch>
+                      <a:fillRect/>
+                    </a:stretch>
+                  </a:blipFill>
+                </p:spPr>
+                <p:txBody>
+                  <a:bodyPr/>
+                  <a:lstStyle/>
+                  <a:p>
+                    <a:r>
+                      <a:rPr lang="en-US">
+                        <a:noFill/>
+                      </a:rPr>
+                      <a:t> </a:t>
+                    </a:r>
+                  </a:p>
+                </p:txBody>
+              </p:sp>
+            </mc:Fallback>
+          </mc:AlternateContent>
+          <p:cxnSp>
+            <p:nvCxnSpPr>
+              <p:cNvPr id="17" name="Straight Arrow Connector 16">
+                <a:extLst>
+                  <a:ext uri="{FF2B5EF4-FFF2-40B4-BE49-F238E27FC236}">
+                    <a16:creationId xmlns:a16="http://schemas.microsoft.com/office/drawing/2014/main" id="{157C76B5-1539-A5DD-599D-723CDE369D20}"/>
+                  </a:ext>
+                </a:extLst>
+              </p:cNvPr>
+              <p:cNvCxnSpPr>
+                <a:cxnSpLocks/>
+              </p:cNvCxnSpPr>
+              <p:nvPr/>
+            </p:nvCxnSpPr>
+            <p:spPr>
+              <a:xfrm flipH="1">
+                <a:off x="4379516" y="1640661"/>
+                <a:ext cx="1553275" cy="0"/>
+              </a:xfrm>
+              <a:prstGeom prst="straightConnector1">
+                <a:avLst/>
+              </a:prstGeom>
+              <a:ln>
+                <a:solidFill>
+                  <a:srgbClr val="0070C0"/>
+                </a:solidFill>
+                <a:tailEnd type="triangle"/>
+              </a:ln>
+            </p:spPr>
+            <p:style>
+              <a:lnRef idx="2">
+                <a:schemeClr val="accent1"/>
+              </a:lnRef>
+              <a:fillRef idx="0">
+                <a:schemeClr val="accent1"/>
+              </a:fillRef>
+              <a:effectRef idx="1">
+                <a:schemeClr val="accent1"/>
+              </a:effectRef>
+              <a:fontRef idx="minor">
+                <a:schemeClr val="tx1"/>
+              </a:fontRef>
+            </p:style>
+          </p:cxnSp>
+          <mc:AlternateContent xmlns:mc="http://schemas.openxmlformats.org/markup-compatibility/2006">
+            <mc:Choice xmlns:a14="http://schemas.microsoft.com/office/drawing/2010/main" Requires="a14">
+              <p:sp>
+                <p:nvSpPr>
+                  <p:cNvPr id="18" name="TextBox 17">
+                    <a:extLst>
+                      <a:ext uri="{FF2B5EF4-FFF2-40B4-BE49-F238E27FC236}">
+                        <a16:creationId xmlns:a16="http://schemas.microsoft.com/office/drawing/2014/main" id="{649C2306-CD0D-DEE0-C64B-072328C67A98}"/>
+                      </a:ext>
+                    </a:extLst>
+                  </p:cNvPr>
+                  <p:cNvSpPr txBox="1"/>
+                  <p:nvPr/>
+                </p:nvSpPr>
+                <p:spPr>
+                  <a:xfrm>
+                    <a:off x="5538461" y="1271329"/>
+                    <a:ext cx="327005" cy="369332"/>
+                  </a:xfrm>
+                  <a:prstGeom prst="rect">
+                    <a:avLst/>
+                  </a:prstGeom>
+                  <a:noFill/>
+                </p:spPr>
+                <p:txBody>
+                  <a:bodyPr wrap="square" rtlCol="0">
+                    <a:spAutoFit/>
+                  </a:bodyPr>
+                  <a:lstStyle/>
+                  <a:p>
+                    <a:pPr/>
+                    <a14:m>
+                      <m:oMathPara xmlns:m="http://schemas.openxmlformats.org/officeDocument/2006/math">
+                        <m:oMathParaPr>
+                          <m:jc m:val="centerGroup"/>
+                        </m:oMathParaPr>
+                        <m:oMath xmlns:m="http://schemas.openxmlformats.org/officeDocument/2006/math">
+                          <m:sSub>
+                            <m:sSubPr>
+                              <m:ctrlPr>
+                                <a:rPr lang="en-US" b="0" i="1" smtClean="0">
+                                  <a:solidFill>
+                                    <a:srgbClr val="0070C0"/>
+                                  </a:solidFill>
+                                  <a:latin typeface="Cambria Math" panose="02040503050406030204" pitchFamily="18" charset="0"/>
+                                </a:rPr>
+                              </m:ctrlPr>
+                            </m:sSubPr>
+                            <m:e>
+                              <m:r>
+                                <a:rPr lang="en-US" b="0" i="1" smtClean="0">
+                                  <a:solidFill>
+                                    <a:srgbClr val="0070C0"/>
+                                  </a:solidFill>
+                                  <a:latin typeface="Cambria Math" panose="02040503050406030204" pitchFamily="18" charset="0"/>
+                                </a:rPr>
+                                <m:t>𝐸</m:t>
+                              </m:r>
+                            </m:e>
+                            <m:sub>
+                              <m:r>
+                                <a:rPr lang="en-US" b="0" i="1" smtClean="0">
+                                  <a:solidFill>
+                                    <a:srgbClr val="0070C0"/>
+                                  </a:solidFill>
+                                  <a:latin typeface="Cambria Math" panose="02040503050406030204" pitchFamily="18" charset="0"/>
+                                </a:rPr>
+                                <m:t>0</m:t>
+                              </m:r>
+                            </m:sub>
+                          </m:sSub>
+                        </m:oMath>
+                      </m:oMathPara>
+                    </a14:m>
+                    <a:endParaRPr lang="en-US" dirty="0"/>
+                  </a:p>
+                </p:txBody>
+              </p:sp>
+            </mc:Choice>
+            <mc:Fallback>
+              <p:sp>
+                <p:nvSpPr>
+                  <p:cNvPr id="18" name="TextBox 17">
+                    <a:extLst>
+                      <a:ext uri="{FF2B5EF4-FFF2-40B4-BE49-F238E27FC236}">
+                        <a16:creationId xmlns:a16="http://schemas.microsoft.com/office/drawing/2014/main" id="{649C2306-CD0D-DEE0-C64B-072328C67A98}"/>
+                      </a:ext>
+                    </a:extLst>
+                  </p:cNvPr>
+                  <p:cNvSpPr txBox="1">
+                    <a:spLocks noRot="1" noChangeAspect="1" noMove="1" noResize="1" noEditPoints="1" noAdjustHandles="1" noChangeArrowheads="1" noChangeShapeType="1" noTextEdit="1"/>
+                  </p:cNvSpPr>
+                  <p:nvPr/>
+                </p:nvSpPr>
+                <p:spPr>
+                  <a:xfrm>
+                    <a:off x="5538461" y="1271329"/>
+                    <a:ext cx="327005" cy="369332"/>
+                  </a:xfrm>
+                  <a:prstGeom prst="rect">
+                    <a:avLst/>
+                  </a:prstGeom>
+                  <a:blipFill>
+                    <a:blip r:embed="rId5"/>
+                    <a:stretch>
+                      <a:fillRect r="-16667"/>
+                    </a:stretch>
+                  </a:blipFill>
+                </p:spPr>
+                <p:txBody>
+                  <a:bodyPr/>
+                  <a:lstStyle/>
+                  <a:p>
+                    <a:r>
+                      <a:rPr lang="en-US">
+                        <a:noFill/>
+                      </a:rPr>
+                      <a:t> </a:t>
+                    </a:r>
+                  </a:p>
+                </p:txBody>
+              </p:sp>
+            </mc:Fallback>
+          </mc:AlternateContent>
+          <p:cxnSp>
+            <p:nvCxnSpPr>
+              <p:cNvPr id="21" name="Straight Arrow Connector 20">
+                <a:extLst>
+                  <a:ext uri="{FF2B5EF4-FFF2-40B4-BE49-F238E27FC236}">
+                    <a16:creationId xmlns:a16="http://schemas.microsoft.com/office/drawing/2014/main" id="{BDA8B75C-3968-8395-EF95-B9F63CD8F31F}"/>
+                  </a:ext>
+                </a:extLst>
+              </p:cNvPr>
+              <p:cNvCxnSpPr>
+                <a:cxnSpLocks/>
+              </p:cNvCxnSpPr>
+              <p:nvPr/>
+            </p:nvCxnSpPr>
+            <p:spPr>
+              <a:xfrm>
+                <a:off x="4379516" y="1271329"/>
+                <a:ext cx="1553275" cy="0"/>
+              </a:xfrm>
+              <a:prstGeom prst="straightConnector1">
+                <a:avLst/>
+              </a:prstGeom>
+              <a:ln>
+                <a:solidFill>
+                  <a:srgbClr val="0070C0"/>
+                </a:solidFill>
+                <a:tailEnd type="triangle"/>
+              </a:ln>
+            </p:spPr>
+            <p:style>
+              <a:lnRef idx="2">
+                <a:schemeClr val="accent1"/>
+              </a:lnRef>
+              <a:fillRef idx="0">
+                <a:schemeClr val="accent1"/>
+              </a:fillRef>
+              <a:effectRef idx="1">
+                <a:schemeClr val="accent1"/>
+              </a:effectRef>
+              <a:fontRef idx="minor">
+                <a:schemeClr val="tx1"/>
+              </a:fontRef>
+            </p:style>
+          </p:cxnSp>
+          <p:sp>
+            <p:nvSpPr>
+              <p:cNvPr id="16" name="Rectangle: Rounded Corners 15">
+                <a:extLst>
+                  <a:ext uri="{FF2B5EF4-FFF2-40B4-BE49-F238E27FC236}">
+                    <a16:creationId xmlns:a16="http://schemas.microsoft.com/office/drawing/2014/main" id="{1876A3B7-F873-499C-AFF0-24B656663BB6}"/>
+                  </a:ext>
+                </a:extLst>
+              </p:cNvPr>
+              <p:cNvSpPr/>
+              <p:nvPr/>
+            </p:nvSpPr>
+            <p:spPr>
+              <a:xfrm>
+                <a:off x="1352735" y="2756967"/>
+                <a:ext cx="2438400" cy="583121"/>
+              </a:xfrm>
+              <a:prstGeom prst="roundRect">
+                <a:avLst/>
+              </a:prstGeom>
+              <a:solidFill>
+                <a:schemeClr val="bg1"/>
+              </a:solidFill>
+              <a:ln>
+                <a:noFill/>
+              </a:ln>
+            </p:spPr>
+            <p:style>
+              <a:lnRef idx="2">
+                <a:schemeClr val="accent1">
+                  <a:shade val="50000"/>
+                </a:schemeClr>
+              </a:lnRef>
+              <a:fillRef idx="1">
+                <a:schemeClr val="accent1"/>
+              </a:fillRef>
+              <a:effectRef idx="0">
+                <a:schemeClr val="accent1"/>
+              </a:effectRef>
+              <a:fontRef idx="minor">
+                <a:schemeClr val="lt1"/>
+              </a:fontRef>
+            </p:style>
+            <p:txBody>
+              <a:bodyPr rtlCol="0" anchor="ctr"/>
+              <a:lstStyle/>
+              <a:p>
+                <a:pPr algn="ctr"/>
+                <a:endParaRPr lang="en-US"/>
+              </a:p>
+            </p:txBody>
+          </p:sp>
+          <p:sp>
+            <p:nvSpPr>
+              <p:cNvPr id="33" name="Rectangle: Rounded Corners 32">
+                <a:extLst>
+                  <a:ext uri="{FF2B5EF4-FFF2-40B4-BE49-F238E27FC236}">
+                    <a16:creationId xmlns:a16="http://schemas.microsoft.com/office/drawing/2014/main" id="{F640E229-24F7-408E-B4EF-3FA8DC553928}"/>
+                  </a:ext>
+                </a:extLst>
+              </p:cNvPr>
+              <p:cNvSpPr/>
+              <p:nvPr/>
+            </p:nvSpPr>
+            <p:spPr>
+              <a:xfrm>
+                <a:off x="5113756" y="2680633"/>
+                <a:ext cx="1072571" cy="583121"/>
+              </a:xfrm>
+              <a:prstGeom prst="roundRect">
+                <a:avLst/>
+              </a:prstGeom>
+              <a:solidFill>
+                <a:schemeClr val="bg1"/>
+              </a:solidFill>
+              <a:ln>
+                <a:noFill/>
+              </a:ln>
+            </p:spPr>
+            <p:style>
+              <a:lnRef idx="2">
+                <a:schemeClr val="accent1">
+                  <a:shade val="50000"/>
+                </a:schemeClr>
+              </a:lnRef>
+              <a:fillRef idx="1">
+                <a:schemeClr val="accent1"/>
+              </a:fillRef>
+              <a:effectRef idx="0">
+                <a:schemeClr val="accent1"/>
+              </a:effectRef>
+              <a:fontRef idx="minor">
+                <a:schemeClr val="lt1"/>
+              </a:fontRef>
+            </p:style>
+            <p:txBody>
+              <a:bodyPr rtlCol="0" anchor="ctr"/>
+              <a:lstStyle/>
+              <a:p>
+                <a:pPr algn="ctr"/>
+                <a:endParaRPr lang="en-US"/>
+              </a:p>
+            </p:txBody>
+          </p:sp>
+        </p:grpSp>
+      </p:grpSp>
+    </p:spTree>
+    <p:extLst>
+      <p:ext uri="{BB962C8B-B14F-4D97-AF65-F5344CB8AC3E}">
+        <p14:creationId xmlns:p14="http://schemas.microsoft.com/office/powerpoint/2010/main" val="3432223935"/>
+      </p:ext>
+    </p:extLst>
+  </p:cSld>
+  <p:clrMapOvr>
+    <a:masterClrMapping/>
+  </p:clrMapOvr>
+</p:sld>
+</file>
+
+<file path=ppt/slides/slide14.xml><?xml version="1.0" encoding="utf-8"?>
 <p:sld xmlns:a="http://schemas.openxmlformats.org/drawingml/2006/main" xmlns:r="http://schemas.openxmlformats.org/officeDocument/2006/relationships" xmlns:p="http://schemas.openxmlformats.org/presentationml/2006/main">
   <p:cSld>
     <p:spTree>
@@ -12281,8 +15683,8 @@
           </p:sp>
         </mc:Fallback>
       </mc:AlternateContent>
-      <mc:AlternateContent xmlns:mc="http://schemas.openxmlformats.org/markup-compatibility/2006">
-        <mc:Choice xmlns:a14="http://schemas.microsoft.com/office/drawing/2010/main" Requires="a14">
+      <mc:AlternateContent xmlns:mc="http://schemas.openxmlformats.org/markup-compatibility/2006" xmlns:a14="http://schemas.microsoft.com/office/drawing/2010/main">
+        <mc:Choice Requires="a14">
           <p:sp>
             <p:nvSpPr>
               <p:cNvPr id="6" name="Rectangle 5">
@@ -12476,7 +15878,7 @@
                       <m:f>
                         <m:fPr>
                           <m:ctrlPr>
-                            <a:rPr lang="en-US" b="0" i="0" smtClean="0">
+                            <a:rPr lang="en-US" b="0" i="1" smtClean="0">
                               <a:latin typeface="Cambria Math" panose="02040503050406030204" pitchFamily="18" charset="0"/>
                             </a:rPr>
                           </m:ctrlPr>
@@ -12574,7 +15976,7 @@
             </p:txBody>
           </p:sp>
         </mc:Choice>
-        <mc:Fallback>
+        <mc:Fallback xmlns="">
           <p:sp>
             <p:nvSpPr>
               <p:cNvPr id="6" name="Rectangle 5">

--- a/paper modification/papers/Trapping analysis of a magnetic electron.pptx
+++ b/paper modification/papers/Trapping analysis of a magnetic electron.pptx
@@ -4,6 +4,9 @@
   <p:sldMasterIdLst>
     <p:sldMasterId id="2147483648" r:id="rId1"/>
   </p:sldMasterIdLst>
+  <p:notesMasterIdLst>
+    <p:notesMasterId r:id="rId19"/>
+  </p:notesMasterIdLst>
   <p:sldIdLst>
     <p:sldId id="256" r:id="rId2"/>
     <p:sldId id="259" r:id="rId3"/>
@@ -16,9 +19,12 @@
     <p:sldId id="265" r:id="rId10"/>
     <p:sldId id="266" r:id="rId11"/>
     <p:sldId id="269" r:id="rId12"/>
-    <p:sldId id="270" r:id="rId13"/>
-    <p:sldId id="268" r:id="rId14"/>
-    <p:sldId id="260" r:id="rId15"/>
+    <p:sldId id="268" r:id="rId13"/>
+    <p:sldId id="270" r:id="rId14"/>
+    <p:sldId id="272" r:id="rId15"/>
+    <p:sldId id="260" r:id="rId16"/>
+    <p:sldId id="273" r:id="rId17"/>
+    <p:sldId id="274" r:id="rId18"/>
   </p:sldIdLst>
   <p:sldSz cx="12192000" cy="6858000"/>
   <p:notesSz cx="6858000" cy="9144000"/>
@@ -123,6 +129,566 @@
     </p:ext>
   </p:extLst>
 </p:presentation>
+</file>
+
+<file path=ppt/notesMasters/notesMaster1.xml><?xml version="1.0" encoding="utf-8"?>
+<p:notesMaster xmlns:a="http://schemas.openxmlformats.org/drawingml/2006/main" xmlns:r="http://schemas.openxmlformats.org/officeDocument/2006/relationships" xmlns:p="http://schemas.openxmlformats.org/presentationml/2006/main">
+  <p:cSld>
+    <p:bg>
+      <p:bgRef idx="1001">
+        <a:schemeClr val="bg1"/>
+      </p:bgRef>
+    </p:bg>
+    <p:spTree>
+      <p:nvGrpSpPr>
+        <p:cNvPr id="1" name=""/>
+        <p:cNvGrpSpPr/>
+        <p:nvPr/>
+      </p:nvGrpSpPr>
+      <p:grpSpPr>
+        <a:xfrm>
+          <a:off x="0" y="0"/>
+          <a:ext cx="0" cy="0"/>
+          <a:chOff x="0" y="0"/>
+          <a:chExt cx="0" cy="0"/>
+        </a:xfrm>
+      </p:grpSpPr>
+      <p:sp>
+        <p:nvSpPr>
+          <p:cNvPr id="2" name="Header Placeholder 1"/>
+          <p:cNvSpPr>
+            <a:spLocks noGrp="1"/>
+          </p:cNvSpPr>
+          <p:nvPr>
+            <p:ph type="hdr" sz="quarter"/>
+          </p:nvPr>
+        </p:nvSpPr>
+        <p:spPr>
+          <a:xfrm>
+            <a:off x="0" y="0"/>
+            <a:ext cx="2971800" cy="458788"/>
+          </a:xfrm>
+          <a:prstGeom prst="rect">
+            <a:avLst/>
+          </a:prstGeom>
+        </p:spPr>
+        <p:txBody>
+          <a:bodyPr vert="horz" lIns="91440" tIns="45720" rIns="91440" bIns="45720" rtlCol="0"/>
+          <a:lstStyle>
+            <a:lvl1pPr algn="l">
+              <a:defRPr sz="1200"/>
+            </a:lvl1pPr>
+          </a:lstStyle>
+          <a:p>
+            <a:endParaRPr lang="en-US"/>
+          </a:p>
+        </p:txBody>
+      </p:sp>
+      <p:sp>
+        <p:nvSpPr>
+          <p:cNvPr id="3" name="Date Placeholder 2"/>
+          <p:cNvSpPr>
+            <a:spLocks noGrp="1"/>
+          </p:cNvSpPr>
+          <p:nvPr>
+            <p:ph type="dt" idx="1"/>
+          </p:nvPr>
+        </p:nvSpPr>
+        <p:spPr>
+          <a:xfrm>
+            <a:off x="3884613" y="0"/>
+            <a:ext cx="2971800" cy="458788"/>
+          </a:xfrm>
+          <a:prstGeom prst="rect">
+            <a:avLst/>
+          </a:prstGeom>
+        </p:spPr>
+        <p:txBody>
+          <a:bodyPr vert="horz" lIns="91440" tIns="45720" rIns="91440" bIns="45720" rtlCol="0"/>
+          <a:lstStyle>
+            <a:lvl1pPr algn="r">
+              <a:defRPr sz="1200"/>
+            </a:lvl1pPr>
+          </a:lstStyle>
+          <a:p>
+            <a:fld id="{1BF66CA3-484B-459C-B714-8284D0EE9C08}" type="datetimeFigureOut">
+              <a:rPr lang="en-US" smtClean="0"/>
+              <a:t>12/18/2025</a:t>
+            </a:fld>
+            <a:endParaRPr lang="en-US"/>
+          </a:p>
+        </p:txBody>
+      </p:sp>
+      <p:sp>
+        <p:nvSpPr>
+          <p:cNvPr id="4" name="Slide Image Placeholder 3"/>
+          <p:cNvSpPr>
+            <a:spLocks noGrp="1" noRot="1" noChangeAspect="1"/>
+          </p:cNvSpPr>
+          <p:nvPr>
+            <p:ph type="sldImg" idx="2"/>
+          </p:nvPr>
+        </p:nvSpPr>
+        <p:spPr>
+          <a:xfrm>
+            <a:off x="685800" y="1143000"/>
+            <a:ext cx="5486400" cy="3086100"/>
+          </a:xfrm>
+          <a:prstGeom prst="rect">
+            <a:avLst/>
+          </a:prstGeom>
+          <a:noFill/>
+          <a:ln w="12700">
+            <a:solidFill>
+              <a:prstClr val="black"/>
+            </a:solidFill>
+          </a:ln>
+        </p:spPr>
+        <p:txBody>
+          <a:bodyPr vert="horz" lIns="91440" tIns="45720" rIns="91440" bIns="45720" rtlCol="0" anchor="ctr"/>
+          <a:lstStyle/>
+          <a:p>
+            <a:endParaRPr lang="en-US"/>
+          </a:p>
+        </p:txBody>
+      </p:sp>
+      <p:sp>
+        <p:nvSpPr>
+          <p:cNvPr id="5" name="Notes Placeholder 4"/>
+          <p:cNvSpPr>
+            <a:spLocks noGrp="1"/>
+          </p:cNvSpPr>
+          <p:nvPr>
+            <p:ph type="body" sz="quarter" idx="3"/>
+          </p:nvPr>
+        </p:nvSpPr>
+        <p:spPr>
+          <a:xfrm>
+            <a:off x="685800" y="4400550"/>
+            <a:ext cx="5486400" cy="3600450"/>
+          </a:xfrm>
+          <a:prstGeom prst="rect">
+            <a:avLst/>
+          </a:prstGeom>
+        </p:spPr>
+        <p:txBody>
+          <a:bodyPr vert="horz" lIns="91440" tIns="45720" rIns="91440" bIns="45720" rtlCol="0"/>
+          <a:lstStyle/>
+          <a:p>
+            <a:pPr lvl="0"/>
+            <a:r>
+              <a:rPr lang="en-US"/>
+              <a:t>Edit Master text styles</a:t>
+            </a:r>
+          </a:p>
+          <a:p>
+            <a:pPr lvl="1"/>
+            <a:r>
+              <a:rPr lang="en-US"/>
+              <a:t>Second level</a:t>
+            </a:r>
+          </a:p>
+          <a:p>
+            <a:pPr lvl="2"/>
+            <a:r>
+              <a:rPr lang="en-US"/>
+              <a:t>Third level</a:t>
+            </a:r>
+          </a:p>
+          <a:p>
+            <a:pPr lvl="3"/>
+            <a:r>
+              <a:rPr lang="en-US"/>
+              <a:t>Fourth level</a:t>
+            </a:r>
+          </a:p>
+          <a:p>
+            <a:pPr lvl="4"/>
+            <a:r>
+              <a:rPr lang="en-US"/>
+              <a:t>Fifth level</a:t>
+            </a:r>
+          </a:p>
+        </p:txBody>
+      </p:sp>
+      <p:sp>
+        <p:nvSpPr>
+          <p:cNvPr id="6" name="Footer Placeholder 5"/>
+          <p:cNvSpPr>
+            <a:spLocks noGrp="1"/>
+          </p:cNvSpPr>
+          <p:nvPr>
+            <p:ph type="ftr" sz="quarter" idx="4"/>
+          </p:nvPr>
+        </p:nvSpPr>
+        <p:spPr>
+          <a:xfrm>
+            <a:off x="0" y="8685213"/>
+            <a:ext cx="2971800" cy="458787"/>
+          </a:xfrm>
+          <a:prstGeom prst="rect">
+            <a:avLst/>
+          </a:prstGeom>
+        </p:spPr>
+        <p:txBody>
+          <a:bodyPr vert="horz" lIns="91440" tIns="45720" rIns="91440" bIns="45720" rtlCol="0" anchor="b"/>
+          <a:lstStyle>
+            <a:lvl1pPr algn="l">
+              <a:defRPr sz="1200"/>
+            </a:lvl1pPr>
+          </a:lstStyle>
+          <a:p>
+            <a:endParaRPr lang="en-US"/>
+          </a:p>
+        </p:txBody>
+      </p:sp>
+      <p:sp>
+        <p:nvSpPr>
+          <p:cNvPr id="7" name="Slide Number Placeholder 6"/>
+          <p:cNvSpPr>
+            <a:spLocks noGrp="1"/>
+          </p:cNvSpPr>
+          <p:nvPr>
+            <p:ph type="sldNum" sz="quarter" idx="5"/>
+          </p:nvPr>
+        </p:nvSpPr>
+        <p:spPr>
+          <a:xfrm>
+            <a:off x="3884613" y="8685213"/>
+            <a:ext cx="2971800" cy="458787"/>
+          </a:xfrm>
+          <a:prstGeom prst="rect">
+            <a:avLst/>
+          </a:prstGeom>
+        </p:spPr>
+        <p:txBody>
+          <a:bodyPr vert="horz" lIns="91440" tIns="45720" rIns="91440" bIns="45720" rtlCol="0" anchor="b"/>
+          <a:lstStyle>
+            <a:lvl1pPr algn="r">
+              <a:defRPr sz="1200"/>
+            </a:lvl1pPr>
+          </a:lstStyle>
+          <a:p>
+            <a:fld id="{06BD190F-9B1C-4A68-806E-4A90C8AF15E9}" type="slidenum">
+              <a:rPr lang="en-US" smtClean="0"/>
+              <a:t>‹#›</a:t>
+            </a:fld>
+            <a:endParaRPr lang="en-US"/>
+          </a:p>
+        </p:txBody>
+      </p:sp>
+    </p:spTree>
+    <p:extLst>
+      <p:ext uri="{BB962C8B-B14F-4D97-AF65-F5344CB8AC3E}">
+        <p14:creationId xmlns:p14="http://schemas.microsoft.com/office/powerpoint/2010/main" val="2507575522"/>
+      </p:ext>
+    </p:extLst>
+  </p:cSld>
+  <p:clrMap bg1="lt1" tx1="dk1" bg2="lt2" tx2="dk2" accent1="accent1" accent2="accent2" accent3="accent3" accent4="accent4" accent5="accent5" accent6="accent6" hlink="hlink" folHlink="folHlink"/>
+  <p:notesStyle>
+    <a:lvl1pPr marL="0" algn="l" defTabSz="914400" rtl="0" eaLnBrk="1" latinLnBrk="0" hangingPunct="1">
+      <a:defRPr sz="1200" kern="1200">
+        <a:solidFill>
+          <a:schemeClr val="tx1"/>
+        </a:solidFill>
+        <a:latin typeface="+mn-lt"/>
+        <a:ea typeface="+mn-ea"/>
+        <a:cs typeface="+mn-cs"/>
+      </a:defRPr>
+    </a:lvl1pPr>
+    <a:lvl2pPr marL="457200" algn="l" defTabSz="914400" rtl="0" eaLnBrk="1" latinLnBrk="0" hangingPunct="1">
+      <a:defRPr sz="1200" kern="1200">
+        <a:solidFill>
+          <a:schemeClr val="tx1"/>
+        </a:solidFill>
+        <a:latin typeface="+mn-lt"/>
+        <a:ea typeface="+mn-ea"/>
+        <a:cs typeface="+mn-cs"/>
+      </a:defRPr>
+    </a:lvl2pPr>
+    <a:lvl3pPr marL="914400" algn="l" defTabSz="914400" rtl="0" eaLnBrk="1" latinLnBrk="0" hangingPunct="1">
+      <a:defRPr sz="1200" kern="1200">
+        <a:solidFill>
+          <a:schemeClr val="tx1"/>
+        </a:solidFill>
+        <a:latin typeface="+mn-lt"/>
+        <a:ea typeface="+mn-ea"/>
+        <a:cs typeface="+mn-cs"/>
+      </a:defRPr>
+    </a:lvl3pPr>
+    <a:lvl4pPr marL="1371600" algn="l" defTabSz="914400" rtl="0" eaLnBrk="1" latinLnBrk="0" hangingPunct="1">
+      <a:defRPr sz="1200" kern="1200">
+        <a:solidFill>
+          <a:schemeClr val="tx1"/>
+        </a:solidFill>
+        <a:latin typeface="+mn-lt"/>
+        <a:ea typeface="+mn-ea"/>
+        <a:cs typeface="+mn-cs"/>
+      </a:defRPr>
+    </a:lvl4pPr>
+    <a:lvl5pPr marL="1828800" algn="l" defTabSz="914400" rtl="0" eaLnBrk="1" latinLnBrk="0" hangingPunct="1">
+      <a:defRPr sz="1200" kern="1200">
+        <a:solidFill>
+          <a:schemeClr val="tx1"/>
+        </a:solidFill>
+        <a:latin typeface="+mn-lt"/>
+        <a:ea typeface="+mn-ea"/>
+        <a:cs typeface="+mn-cs"/>
+      </a:defRPr>
+    </a:lvl5pPr>
+    <a:lvl6pPr marL="2286000" algn="l" defTabSz="914400" rtl="0" eaLnBrk="1" latinLnBrk="0" hangingPunct="1">
+      <a:defRPr sz="1200" kern="1200">
+        <a:solidFill>
+          <a:schemeClr val="tx1"/>
+        </a:solidFill>
+        <a:latin typeface="+mn-lt"/>
+        <a:ea typeface="+mn-ea"/>
+        <a:cs typeface="+mn-cs"/>
+      </a:defRPr>
+    </a:lvl6pPr>
+    <a:lvl7pPr marL="2743200" algn="l" defTabSz="914400" rtl="0" eaLnBrk="1" latinLnBrk="0" hangingPunct="1">
+      <a:defRPr sz="1200" kern="1200">
+        <a:solidFill>
+          <a:schemeClr val="tx1"/>
+        </a:solidFill>
+        <a:latin typeface="+mn-lt"/>
+        <a:ea typeface="+mn-ea"/>
+        <a:cs typeface="+mn-cs"/>
+      </a:defRPr>
+    </a:lvl7pPr>
+    <a:lvl8pPr marL="3200400" algn="l" defTabSz="914400" rtl="0" eaLnBrk="1" latinLnBrk="0" hangingPunct="1">
+      <a:defRPr sz="1200" kern="1200">
+        <a:solidFill>
+          <a:schemeClr val="tx1"/>
+        </a:solidFill>
+        <a:latin typeface="+mn-lt"/>
+        <a:ea typeface="+mn-ea"/>
+        <a:cs typeface="+mn-cs"/>
+      </a:defRPr>
+    </a:lvl8pPr>
+    <a:lvl9pPr marL="3657600" algn="l" defTabSz="914400" rtl="0" eaLnBrk="1" latinLnBrk="0" hangingPunct="1">
+      <a:defRPr sz="1200" kern="1200">
+        <a:solidFill>
+          <a:schemeClr val="tx1"/>
+        </a:solidFill>
+        <a:latin typeface="+mn-lt"/>
+        <a:ea typeface="+mn-ea"/>
+        <a:cs typeface="+mn-cs"/>
+      </a:defRPr>
+    </a:lvl9pPr>
+  </p:notesStyle>
+</p:notesMaster>
+</file>
+
+<file path=ppt/notesSlides/notesSlide1.xml><?xml version="1.0" encoding="utf-8"?>
+<p:notes xmlns:a="http://schemas.openxmlformats.org/drawingml/2006/main" xmlns:r="http://schemas.openxmlformats.org/officeDocument/2006/relationships" xmlns:p="http://schemas.openxmlformats.org/presentationml/2006/main">
+  <p:cSld>
+    <p:spTree>
+      <p:nvGrpSpPr>
+        <p:cNvPr id="1" name=""/>
+        <p:cNvGrpSpPr/>
+        <p:nvPr/>
+      </p:nvGrpSpPr>
+      <p:grpSpPr>
+        <a:xfrm>
+          <a:off x="0" y="0"/>
+          <a:ext cx="0" cy="0"/>
+          <a:chOff x="0" y="0"/>
+          <a:chExt cx="0" cy="0"/>
+        </a:xfrm>
+      </p:grpSpPr>
+      <p:sp>
+        <p:nvSpPr>
+          <p:cNvPr id="2" name="Slide Image Placeholder 1"/>
+          <p:cNvSpPr>
+            <a:spLocks noGrp="1" noRot="1" noChangeAspect="1"/>
+          </p:cNvSpPr>
+          <p:nvPr>
+            <p:ph type="sldImg"/>
+          </p:nvPr>
+        </p:nvSpPr>
+        <p:spPr/>
+      </p:sp>
+      <p:sp>
+        <p:nvSpPr>
+          <p:cNvPr id="3" name="Notes Placeholder 2"/>
+          <p:cNvSpPr>
+            <a:spLocks noGrp="1"/>
+          </p:cNvSpPr>
+          <p:nvPr>
+            <p:ph type="body" idx="1"/>
+          </p:nvPr>
+        </p:nvSpPr>
+        <p:spPr/>
+        <p:txBody>
+          <a:bodyPr/>
+          <a:lstStyle/>
+          <a:p>
+            <a:endParaRPr lang="en-US" dirty="0"/>
+          </a:p>
+        </p:txBody>
+      </p:sp>
+      <p:sp>
+        <p:nvSpPr>
+          <p:cNvPr id="4" name="Slide Number Placeholder 3"/>
+          <p:cNvSpPr>
+            <a:spLocks noGrp="1"/>
+          </p:cNvSpPr>
+          <p:nvPr>
+            <p:ph type="sldNum" sz="quarter" idx="5"/>
+          </p:nvPr>
+        </p:nvSpPr>
+        <p:spPr/>
+        <p:txBody>
+          <a:bodyPr/>
+          <a:lstStyle/>
+          <a:p>
+            <a:fld id="{06BD190F-9B1C-4A68-806E-4A90C8AF15E9}" type="slidenum">
+              <a:rPr lang="en-US" smtClean="0"/>
+              <a:t>13</a:t>
+            </a:fld>
+            <a:endParaRPr lang="en-US"/>
+          </a:p>
+        </p:txBody>
+      </p:sp>
+    </p:spTree>
+    <p:extLst>
+      <p:ext uri="{BB962C8B-B14F-4D97-AF65-F5344CB8AC3E}">
+        <p14:creationId xmlns:p14="http://schemas.microsoft.com/office/powerpoint/2010/main" val="472198213"/>
+      </p:ext>
+    </p:extLst>
+  </p:cSld>
+  <p:clrMapOvr>
+    <a:masterClrMapping/>
+  </p:clrMapOvr>
+</p:notes>
+</file>
+
+<file path=ppt/notesSlides/notesSlide2.xml><?xml version="1.0" encoding="utf-8"?>
+<p:notes xmlns:a="http://schemas.openxmlformats.org/drawingml/2006/main" xmlns:r="http://schemas.openxmlformats.org/officeDocument/2006/relationships" xmlns:p="http://schemas.openxmlformats.org/presentationml/2006/main">
+  <p:cSld>
+    <p:spTree>
+      <p:nvGrpSpPr>
+        <p:cNvPr id="1" name=""/>
+        <p:cNvGrpSpPr/>
+        <p:nvPr/>
+      </p:nvGrpSpPr>
+      <p:grpSpPr>
+        <a:xfrm>
+          <a:off x="0" y="0"/>
+          <a:ext cx="0" cy="0"/>
+          <a:chOff x="0" y="0"/>
+          <a:chExt cx="0" cy="0"/>
+        </a:xfrm>
+      </p:grpSpPr>
+      <p:sp>
+        <p:nvSpPr>
+          <p:cNvPr id="2" name="Slide Image Placeholder 1"/>
+          <p:cNvSpPr>
+            <a:spLocks noGrp="1" noRot="1" noChangeAspect="1"/>
+          </p:cNvSpPr>
+          <p:nvPr>
+            <p:ph type="sldImg"/>
+          </p:nvPr>
+        </p:nvSpPr>
+        <p:spPr/>
+      </p:sp>
+      <p:sp>
+        <p:nvSpPr>
+          <p:cNvPr id="3" name="Notes Placeholder 2"/>
+          <p:cNvSpPr>
+            <a:spLocks noGrp="1"/>
+          </p:cNvSpPr>
+          <p:nvPr>
+            <p:ph type="body" idx="1"/>
+          </p:nvPr>
+        </p:nvSpPr>
+        <p:spPr/>
+        <p:txBody>
+          <a:bodyPr/>
+          <a:lstStyle/>
+          <a:p>
+            <a:pPr marL="0" marR="0" lvl="0" indent="0" algn="l" defTabSz="914400" rtl="0" eaLnBrk="1" fontAlgn="auto" latinLnBrk="0" hangingPunct="1">
+              <a:lnSpc>
+                <a:spcPct val="100000"/>
+              </a:lnSpc>
+              <a:spcBef>
+                <a:spcPts val="0"/>
+              </a:spcBef>
+              <a:spcAft>
+                <a:spcPts val="0"/>
+              </a:spcAft>
+              <a:buClrTx/>
+              <a:buSzTx/>
+              <a:buFontTx/>
+              <a:buNone/>
+              <a:tabLst/>
+              <a:defRPr/>
+            </a:pPr>
+            <a:r>
+              <a:rPr lang="zh-CN" altLang="en-US" dirty="0"/>
+              <a:t>洛伦兹因子增加，电子回旋频率减小，平行速度增加以保持共振频率匹配，同时质量增大导致垂直方向速度下降。 但是为什么相对论能量在</a:t>
+            </a:r>
+            <a:r>
+              <a:rPr lang="en-US" altLang="zh-CN" dirty="0"/>
+              <a:t>400tau_ce </a:t>
+            </a:r>
+            <a:r>
+              <a:rPr lang="zh-CN" altLang="en-US" dirty="0"/>
+              <a:t>后下降</a:t>
+            </a:r>
+            <a:r>
+              <a:rPr lang="en-US" altLang="zh-CN" dirty="0"/>
+              <a:t>?</a:t>
+            </a:r>
+            <a:r>
+              <a:rPr lang="zh-CN" altLang="en-US" dirty="0"/>
+              <a:t>波在吸收和释放中震荡。</a:t>
+            </a:r>
+            <a:endParaRPr lang="en-US" dirty="0"/>
+          </a:p>
+          <a:p>
+            <a:r>
+              <a:rPr lang="en-US" dirty="0"/>
+              <a:t>?</a:t>
+            </a:r>
+          </a:p>
+        </p:txBody>
+      </p:sp>
+      <p:sp>
+        <p:nvSpPr>
+          <p:cNvPr id="4" name="Slide Number Placeholder 3"/>
+          <p:cNvSpPr>
+            <a:spLocks noGrp="1"/>
+          </p:cNvSpPr>
+          <p:nvPr>
+            <p:ph type="sldNum" sz="quarter" idx="5"/>
+          </p:nvPr>
+        </p:nvSpPr>
+        <p:spPr/>
+        <p:txBody>
+          <a:bodyPr/>
+          <a:lstStyle/>
+          <a:p>
+            <a:fld id="{06BD190F-9B1C-4A68-806E-4A90C8AF15E9}" type="slidenum">
+              <a:rPr lang="en-US" smtClean="0"/>
+              <a:t>14</a:t>
+            </a:fld>
+            <a:endParaRPr lang="en-US"/>
+          </a:p>
+        </p:txBody>
+      </p:sp>
+    </p:spTree>
+    <p:extLst>
+      <p:ext uri="{BB962C8B-B14F-4D97-AF65-F5344CB8AC3E}">
+        <p14:creationId xmlns:p14="http://schemas.microsoft.com/office/powerpoint/2010/main" val="2191198032"/>
+      </p:ext>
+    </p:extLst>
+  </p:cSld>
+  <p:clrMapOvr>
+    <a:masterClrMapping/>
+  </p:clrMapOvr>
+</p:notes>
 </file>
 
 <file path=ppt/slideLayouts/slideLayout1.xml><?xml version="1.0" encoding="utf-8"?>
@@ -272,7 +838,7 @@
           <a:p>
             <a:fld id="{22644C63-7FDE-4D31-B4BB-7754D5A27718}" type="datetimeFigureOut">
               <a:rPr lang="en-US" smtClean="0"/>
-              <a:t>12/11/2025</a:t>
+              <a:t>12/18/2025</a:t>
             </a:fld>
             <a:endParaRPr lang="en-US"/>
           </a:p>
@@ -470,7 +1036,7 @@
           <a:p>
             <a:fld id="{22644C63-7FDE-4D31-B4BB-7754D5A27718}" type="datetimeFigureOut">
               <a:rPr lang="en-US" smtClean="0"/>
-              <a:t>12/11/2025</a:t>
+              <a:t>12/18/2025</a:t>
             </a:fld>
             <a:endParaRPr lang="en-US"/>
           </a:p>
@@ -678,7 +1244,7 @@
           <a:p>
             <a:fld id="{22644C63-7FDE-4D31-B4BB-7754D5A27718}" type="datetimeFigureOut">
               <a:rPr lang="en-US" smtClean="0"/>
-              <a:t>12/11/2025</a:t>
+              <a:t>12/18/2025</a:t>
             </a:fld>
             <a:endParaRPr lang="en-US"/>
           </a:p>
@@ -876,7 +1442,7 @@
           <a:p>
             <a:fld id="{22644C63-7FDE-4D31-B4BB-7754D5A27718}" type="datetimeFigureOut">
               <a:rPr lang="en-US" smtClean="0"/>
-              <a:t>12/11/2025</a:t>
+              <a:t>12/18/2025</a:t>
             </a:fld>
             <a:endParaRPr lang="en-US"/>
           </a:p>
@@ -1151,7 +1717,7 @@
           <a:p>
             <a:fld id="{22644C63-7FDE-4D31-B4BB-7754D5A27718}" type="datetimeFigureOut">
               <a:rPr lang="en-US" smtClean="0"/>
-              <a:t>12/11/2025</a:t>
+              <a:t>12/18/2025</a:t>
             </a:fld>
             <a:endParaRPr lang="en-US"/>
           </a:p>
@@ -1416,7 +1982,7 @@
           <a:p>
             <a:fld id="{22644C63-7FDE-4D31-B4BB-7754D5A27718}" type="datetimeFigureOut">
               <a:rPr lang="en-US" smtClean="0"/>
-              <a:t>12/11/2025</a:t>
+              <a:t>12/18/2025</a:t>
             </a:fld>
             <a:endParaRPr lang="en-US"/>
           </a:p>
@@ -1828,7 +2394,7 @@
           <a:p>
             <a:fld id="{22644C63-7FDE-4D31-B4BB-7754D5A27718}" type="datetimeFigureOut">
               <a:rPr lang="en-US" smtClean="0"/>
-              <a:t>12/11/2025</a:t>
+              <a:t>12/18/2025</a:t>
             </a:fld>
             <a:endParaRPr lang="en-US"/>
           </a:p>
@@ -1969,7 +2535,7 @@
           <a:p>
             <a:fld id="{22644C63-7FDE-4D31-B4BB-7754D5A27718}" type="datetimeFigureOut">
               <a:rPr lang="en-US" smtClean="0"/>
-              <a:t>12/11/2025</a:t>
+              <a:t>12/18/2025</a:t>
             </a:fld>
             <a:endParaRPr lang="en-US"/>
           </a:p>
@@ -2082,7 +2648,7 @@
           <a:p>
             <a:fld id="{22644C63-7FDE-4D31-B4BB-7754D5A27718}" type="datetimeFigureOut">
               <a:rPr lang="en-US" smtClean="0"/>
-              <a:t>12/11/2025</a:t>
+              <a:t>12/18/2025</a:t>
             </a:fld>
             <a:endParaRPr lang="en-US"/>
           </a:p>
@@ -2393,7 +2959,7 @@
           <a:p>
             <a:fld id="{22644C63-7FDE-4D31-B4BB-7754D5A27718}" type="datetimeFigureOut">
               <a:rPr lang="en-US" smtClean="0"/>
-              <a:t>12/11/2025</a:t>
+              <a:t>12/18/2025</a:t>
             </a:fld>
             <a:endParaRPr lang="en-US"/>
           </a:p>
@@ -2681,7 +3247,7 @@
           <a:p>
             <a:fld id="{22644C63-7FDE-4D31-B4BB-7754D5A27718}" type="datetimeFigureOut">
               <a:rPr lang="en-US" smtClean="0"/>
-              <a:t>12/11/2025</a:t>
+              <a:t>12/18/2025</a:t>
             </a:fld>
             <a:endParaRPr lang="en-US"/>
           </a:p>
@@ -2922,7 +3488,7 @@
           <a:p>
             <a:fld id="{22644C63-7FDE-4D31-B4BB-7754D5A27718}" type="datetimeFigureOut">
               <a:rPr lang="en-US" smtClean="0"/>
-              <a:t>12/11/2025</a:t>
+              <a:t>12/18/2025</a:t>
             </a:fld>
             <a:endParaRPr lang="en-US"/>
           </a:p>
@@ -3581,7 +4147,7 @@
         </p:nvSpPr>
         <p:spPr>
           <a:xfrm>
-            <a:off x="685799" y="632299"/>
+            <a:off x="628136" y="521149"/>
             <a:ext cx="5615339" cy="369332"/>
           </a:xfrm>
           <a:prstGeom prst="rect">
@@ -3797,8 +4363,8 @@
             </p:nvSpPr>
             <p:spPr>
               <a:xfrm>
-                <a:off x="3834730" y="2263881"/>
-                <a:ext cx="513347" cy="1209675"/>
+                <a:off x="3834730" y="2282297"/>
+                <a:ext cx="513347" cy="1191260"/>
               </a:xfrm>
               <a:prstGeom prst="rect">
                 <a:avLst/>
@@ -4310,508 +4876,492 @@
           </mc:Fallback>
         </mc:AlternateContent>
       </p:grpSp>
-      <p:sp>
-        <p:nvSpPr>
-          <p:cNvPr id="25" name="TextBox 24">
+      <p:grpSp>
+        <p:nvGrpSpPr>
+          <p:cNvPr id="24" name="Group 23">
             <a:extLst>
               <a:ext uri="{FF2B5EF4-FFF2-40B4-BE49-F238E27FC236}">
-                <a16:creationId xmlns:a16="http://schemas.microsoft.com/office/drawing/2014/main" id="{74AD39A0-BCAA-19BC-714D-E48F373ED305}"/>
+                <a16:creationId xmlns:a16="http://schemas.microsoft.com/office/drawing/2014/main" id="{46CE1198-4939-467D-BF69-4109A3C47B93}"/>
               </a:ext>
             </a:extLst>
           </p:cNvPr>
-          <p:cNvSpPr txBox="1"/>
+          <p:cNvGrpSpPr/>
           <p:nvPr/>
-        </p:nvSpPr>
-        <p:spPr>
+        </p:nvGrpSpPr>
+        <p:grpSpPr>
           <a:xfrm>
-            <a:off x="1293905" y="4281522"/>
-            <a:ext cx="1847850" cy="369332"/>
+            <a:off x="322868" y="4377375"/>
+            <a:ext cx="7050873" cy="1683212"/>
+            <a:chOff x="645245" y="4632752"/>
+            <a:chExt cx="7050873" cy="1683212"/>
           </a:xfrm>
-          <a:prstGeom prst="rect">
-            <a:avLst/>
-          </a:prstGeom>
-          <a:noFill/>
-        </p:spPr>
-        <p:txBody>
-          <a:bodyPr wrap="square">
-            <a:spAutoFit/>
-          </a:bodyPr>
-          <a:lstStyle/>
-          <a:p>
-            <a:r>
-              <a:rPr lang="en-US" sz="1800">
-                <a:effectLst/>
-                <a:latin typeface="Calibri" panose="020F0502020204030204" pitchFamily="34" charset="0"/>
-                <a:ea typeface="等线" panose="02010600030101010101" pitchFamily="2" charset="-122"/>
-                <a:cs typeface="Times New Roman" panose="02020603050405020304" pitchFamily="18" charset="0"/>
-              </a:rPr>
-              <a:t>V</a:t>
-            </a:r>
-            <a:r>
-              <a:rPr lang="en-US" sz="1800" baseline="-25000">
-                <a:effectLst/>
-                <a:latin typeface="Calibri" panose="020F0502020204030204" pitchFamily="34" charset="0"/>
-                <a:ea typeface="等线" panose="02010600030101010101" pitchFamily="2" charset="-122"/>
-                <a:cs typeface="Times New Roman" panose="02020603050405020304" pitchFamily="18" charset="0"/>
-              </a:rPr>
-              <a:t>TDS</a:t>
-            </a:r>
-            <a:r>
-              <a:rPr lang="en-US" sz="1800">
-                <a:effectLst/>
-                <a:latin typeface="Calibri" panose="020F0502020204030204" pitchFamily="34" charset="0"/>
-                <a:ea typeface="等线" panose="02010600030101010101" pitchFamily="2" charset="-122"/>
-                <a:cs typeface="Times New Roman" panose="02020603050405020304" pitchFamily="18" charset="0"/>
-              </a:rPr>
-              <a:t>/c</a:t>
-            </a:r>
-            <a:r>
-              <a:rPr lang="en-US" sz="1800">
-                <a:effectLst/>
-                <a:latin typeface="Cambria Math" panose="02040503050406030204" pitchFamily="18" charset="0"/>
-                <a:ea typeface="等线" panose="02010600030101010101" pitchFamily="2" charset="-122"/>
-                <a:cs typeface="Cambria Math" panose="02040503050406030204" pitchFamily="18" charset="0"/>
-              </a:rPr>
-              <a:t>∼</a:t>
-            </a:r>
-            <a:r>
-              <a:rPr lang="en-US" sz="1800">
-                <a:effectLst/>
-                <a:latin typeface="Calibri" panose="020F0502020204030204" pitchFamily="34" charset="0"/>
-                <a:ea typeface="等线" panose="02010600030101010101" pitchFamily="2" charset="-122"/>
-                <a:cs typeface="Times New Roman" panose="02020603050405020304" pitchFamily="18" charset="0"/>
-              </a:rPr>
-              <a:t> -0.0333 </a:t>
-            </a:r>
-            <a:endParaRPr lang="en-US" dirty="0"/>
-          </a:p>
-        </p:txBody>
-      </p:sp>
-      <p:sp>
-        <p:nvSpPr>
-          <p:cNvPr id="27" name="TextBox 26">
-            <a:extLst>
-              <a:ext uri="{FF2B5EF4-FFF2-40B4-BE49-F238E27FC236}">
-                <a16:creationId xmlns:a16="http://schemas.microsoft.com/office/drawing/2014/main" id="{02B8A970-1145-0953-9A91-1560650FA7A7}"/>
-              </a:ext>
-            </a:extLst>
-          </p:cNvPr>
-          <p:cNvSpPr txBox="1"/>
-          <p:nvPr/>
-        </p:nvSpPr>
-        <p:spPr>
-          <a:xfrm>
-            <a:off x="1293905" y="4692257"/>
-            <a:ext cx="1152525" cy="369332"/>
-          </a:xfrm>
-          <a:prstGeom prst="rect">
-            <a:avLst/>
-          </a:prstGeom>
-          <a:noFill/>
-        </p:spPr>
-        <p:txBody>
-          <a:bodyPr wrap="square">
-            <a:spAutoFit/>
-          </a:bodyPr>
-          <a:lstStyle/>
-          <a:p>
-            <a:r>
-              <a:rPr lang="en-US" sz="1800">
-                <a:effectLst/>
-                <a:latin typeface="Calibri" panose="020F0502020204030204" pitchFamily="34" charset="0"/>
-                <a:ea typeface="等线" panose="02010600030101010101" pitchFamily="2" charset="-122"/>
-                <a:cs typeface="Times New Roman" panose="02020603050405020304" pitchFamily="18" charset="0"/>
-              </a:rPr>
-              <a:t>B</a:t>
-            </a:r>
-            <a:r>
-              <a:rPr lang="en-US" sz="1800" baseline="-25000">
-                <a:effectLst/>
-                <a:latin typeface="Calibri" panose="020F0502020204030204" pitchFamily="34" charset="0"/>
-                <a:ea typeface="等线" panose="02010600030101010101" pitchFamily="2" charset="-122"/>
-                <a:cs typeface="Times New Roman" panose="02020603050405020304" pitchFamily="18" charset="0"/>
-              </a:rPr>
-              <a:t>0</a:t>
-            </a:r>
-            <a:r>
-              <a:rPr lang="en-US" sz="1800">
-                <a:effectLst/>
-                <a:latin typeface="Cambria Math" panose="02040503050406030204" pitchFamily="18" charset="0"/>
-                <a:ea typeface="等线" panose="02010600030101010101" pitchFamily="2" charset="-122"/>
-                <a:cs typeface="Cambria Math" panose="02040503050406030204" pitchFamily="18" charset="0"/>
-              </a:rPr>
-              <a:t>∼</a:t>
-            </a:r>
-            <a:r>
-              <a:rPr lang="en-US" sz="1800">
-                <a:effectLst/>
-                <a:latin typeface="Calibri" panose="020F0502020204030204" pitchFamily="34" charset="0"/>
-                <a:ea typeface="等线" panose="02010600030101010101" pitchFamily="2" charset="-122"/>
-                <a:cs typeface="Times New Roman" panose="02020603050405020304" pitchFamily="18" charset="0"/>
-              </a:rPr>
-              <a:t>64 nT</a:t>
-            </a:r>
-            <a:endParaRPr lang="en-US" dirty="0"/>
-          </a:p>
-        </p:txBody>
-      </p:sp>
-      <p:sp>
-        <p:nvSpPr>
-          <p:cNvPr id="29" name="TextBox 28">
-            <a:extLst>
-              <a:ext uri="{FF2B5EF4-FFF2-40B4-BE49-F238E27FC236}">
-                <a16:creationId xmlns:a16="http://schemas.microsoft.com/office/drawing/2014/main" id="{9728DC3F-1053-B6FF-3306-D89BF7B53F5A}"/>
-              </a:ext>
-            </a:extLst>
-          </p:cNvPr>
-          <p:cNvSpPr txBox="1"/>
-          <p:nvPr/>
-        </p:nvSpPr>
-        <p:spPr>
-          <a:xfrm>
-            <a:off x="1293905" y="5133951"/>
-            <a:ext cx="1762125" cy="369332"/>
-          </a:xfrm>
-          <a:prstGeom prst="rect">
-            <a:avLst/>
-          </a:prstGeom>
-          <a:noFill/>
-        </p:spPr>
-        <p:txBody>
-          <a:bodyPr wrap="square">
-            <a:spAutoFit/>
-          </a:bodyPr>
-          <a:lstStyle/>
-          <a:p>
-            <a:r>
-              <a:rPr lang="en-US" sz="1800" dirty="0">
-                <a:effectLst/>
-                <a:latin typeface="Calibri" panose="020F0502020204030204" pitchFamily="34" charset="0"/>
-                <a:ea typeface="等线" panose="02010600030101010101" pitchFamily="2" charset="-122"/>
-                <a:cs typeface="Times New Roman" panose="02020603050405020304" pitchFamily="18" charset="0"/>
-              </a:rPr>
-              <a:t>E</a:t>
-            </a:r>
-            <a:r>
-              <a:rPr lang="en-US" sz="1800" baseline="-25000" dirty="0">
-                <a:effectLst/>
-                <a:latin typeface="Calibri" panose="020F0502020204030204" pitchFamily="34" charset="0"/>
-                <a:ea typeface="等线" panose="02010600030101010101" pitchFamily="2" charset="-122"/>
-                <a:cs typeface="Times New Roman" panose="02020603050405020304" pitchFamily="18" charset="0"/>
-              </a:rPr>
-              <a:t>0</a:t>
-            </a:r>
-            <a:r>
-              <a:rPr lang="en-US" sz="1800" dirty="0">
-                <a:effectLst/>
-                <a:latin typeface="Cambria Math" panose="02040503050406030204" pitchFamily="18" charset="0"/>
-                <a:ea typeface="等线" panose="02010600030101010101" pitchFamily="2" charset="-122"/>
-                <a:cs typeface="Cambria Math" panose="02040503050406030204" pitchFamily="18" charset="0"/>
-              </a:rPr>
-              <a:t>∼</a:t>
-            </a:r>
-            <a:r>
-              <a:rPr lang="en-US" sz="1800" dirty="0">
-                <a:effectLst/>
-                <a:latin typeface="Calibri" panose="020F0502020204030204" pitchFamily="34" charset="0"/>
-                <a:ea typeface="等线" panose="02010600030101010101" pitchFamily="2" charset="-122"/>
-                <a:cs typeface="Times New Roman" panose="02020603050405020304" pitchFamily="18" charset="0"/>
-              </a:rPr>
-              <a:t>100 mV/m</a:t>
-            </a:r>
-            <a:endParaRPr lang="en-US" dirty="0"/>
-          </a:p>
-        </p:txBody>
-      </p:sp>
-      <p:sp>
-        <p:nvSpPr>
-          <p:cNvPr id="31" name="TextBox 30">
-            <a:extLst>
-              <a:ext uri="{FF2B5EF4-FFF2-40B4-BE49-F238E27FC236}">
-                <a16:creationId xmlns:a16="http://schemas.microsoft.com/office/drawing/2014/main" id="{C3F72AA2-456C-5824-EFCC-F375D2193374}"/>
-              </a:ext>
-            </a:extLst>
-          </p:cNvPr>
-          <p:cNvSpPr txBox="1"/>
-          <p:nvPr/>
-        </p:nvSpPr>
-        <p:spPr>
-          <a:xfrm>
-            <a:off x="1293905" y="5595402"/>
-            <a:ext cx="1533525" cy="369332"/>
-          </a:xfrm>
-          <a:prstGeom prst="rect">
-            <a:avLst/>
-          </a:prstGeom>
-          <a:noFill/>
-        </p:spPr>
-        <p:txBody>
-          <a:bodyPr wrap="square">
-            <a:spAutoFit/>
-          </a:bodyPr>
-          <a:lstStyle/>
-          <a:p>
-            <a:r>
-              <a:rPr lang="en-US" sz="1800" dirty="0">
-                <a:effectLst/>
-                <a:latin typeface="Calibri" panose="020F0502020204030204" pitchFamily="34" charset="0"/>
-                <a:ea typeface="等线" panose="02010600030101010101" pitchFamily="2" charset="-122"/>
-                <a:cs typeface="Times New Roman" panose="02020603050405020304" pitchFamily="18" charset="0"/>
-              </a:rPr>
-              <a:t>n</a:t>
-            </a:r>
-            <a:r>
-              <a:rPr lang="en-US" sz="1800" baseline="-25000" dirty="0">
-                <a:effectLst/>
-                <a:latin typeface="Calibri" panose="020F0502020204030204" pitchFamily="34" charset="0"/>
-                <a:ea typeface="等线" panose="02010600030101010101" pitchFamily="2" charset="-122"/>
-                <a:cs typeface="Times New Roman" panose="02020603050405020304" pitchFamily="18" charset="0"/>
-              </a:rPr>
-              <a:t>e</a:t>
-            </a:r>
-            <a:r>
-              <a:rPr lang="en-US" sz="1800" dirty="0">
-                <a:effectLst/>
-                <a:latin typeface="Cambria Math" panose="02040503050406030204" pitchFamily="18" charset="0"/>
-                <a:ea typeface="等线" panose="02010600030101010101" pitchFamily="2" charset="-122"/>
-                <a:cs typeface="Cambria Math" panose="02040503050406030204" pitchFamily="18" charset="0"/>
-              </a:rPr>
-              <a:t>∼</a:t>
-            </a:r>
-            <a:r>
-              <a:rPr lang="en-US" sz="1800" dirty="0">
-                <a:effectLst/>
-                <a:latin typeface="Calibri" panose="020F0502020204030204" pitchFamily="34" charset="0"/>
-                <a:ea typeface="等线" panose="02010600030101010101" pitchFamily="2" charset="-122"/>
-                <a:cs typeface="Times New Roman" panose="02020603050405020304" pitchFamily="18" charset="0"/>
-              </a:rPr>
-              <a:t>0.15 cm</a:t>
-            </a:r>
-            <a:r>
-              <a:rPr lang="en-US" sz="1800" baseline="30000" dirty="0">
-                <a:effectLst/>
-                <a:latin typeface="Calibri" panose="020F0502020204030204" pitchFamily="34" charset="0"/>
-                <a:ea typeface="等线" panose="02010600030101010101" pitchFamily="2" charset="-122"/>
-                <a:cs typeface="Times New Roman" panose="02020603050405020304" pitchFamily="18" charset="0"/>
-              </a:rPr>
-              <a:t>-3</a:t>
-            </a:r>
-            <a:endParaRPr lang="en-US" dirty="0"/>
-          </a:p>
-        </p:txBody>
-      </p:sp>
-      <p:sp>
-        <p:nvSpPr>
-          <p:cNvPr id="32" name="TextBox 31">
-            <a:extLst>
-              <a:ext uri="{FF2B5EF4-FFF2-40B4-BE49-F238E27FC236}">
-                <a16:creationId xmlns:a16="http://schemas.microsoft.com/office/drawing/2014/main" id="{C531EC93-D96D-BAD8-30BD-F504DE32D9E7}"/>
-              </a:ext>
-            </a:extLst>
-          </p:cNvPr>
-          <p:cNvSpPr txBox="1"/>
-          <p:nvPr/>
-        </p:nvSpPr>
-        <p:spPr>
-          <a:xfrm>
-            <a:off x="6707394" y="5005437"/>
-            <a:ext cx="4538331" cy="369332"/>
-          </a:xfrm>
-          <a:prstGeom prst="rect">
-            <a:avLst/>
-          </a:prstGeom>
-          <a:noFill/>
-        </p:spPr>
-        <p:txBody>
-          <a:bodyPr wrap="square" rtlCol="0">
-            <a:spAutoFit/>
-          </a:bodyPr>
-          <a:lstStyle/>
-          <a:p>
-            <a:r>
-              <a:rPr lang="en-US" dirty="0"/>
-              <a:t>NDE resonant speed = V</a:t>
-            </a:r>
-            <a:r>
-              <a:rPr lang="en-US" baseline="-25000" dirty="0"/>
-              <a:t>TDS</a:t>
-            </a:r>
-            <a:endParaRPr lang="en-US" dirty="0"/>
-          </a:p>
-        </p:txBody>
-      </p:sp>
-      <p:sp>
-        <p:nvSpPr>
-          <p:cNvPr id="34" name="TextBox 33">
-            <a:extLst>
-              <a:ext uri="{FF2B5EF4-FFF2-40B4-BE49-F238E27FC236}">
-                <a16:creationId xmlns:a16="http://schemas.microsoft.com/office/drawing/2014/main" id="{14B73306-1BE6-40DB-26B9-DFBA6B07CE46}"/>
-              </a:ext>
-            </a:extLst>
-          </p:cNvPr>
-          <p:cNvSpPr txBox="1"/>
-          <p:nvPr/>
-        </p:nvSpPr>
-        <p:spPr>
-          <a:xfrm>
-            <a:off x="4497755" y="4745717"/>
-            <a:ext cx="1554630" cy="369332"/>
-          </a:xfrm>
-          <a:prstGeom prst="rect">
-            <a:avLst/>
-          </a:prstGeom>
-          <a:noFill/>
-        </p:spPr>
-        <p:txBody>
-          <a:bodyPr wrap="square">
-            <a:spAutoFit/>
-          </a:bodyPr>
-          <a:lstStyle/>
-          <a:p>
-            <a:r>
-              <a:rPr lang="en-US" sz="1800" dirty="0">
-                <a:effectLst/>
-                <a:latin typeface="Calibri" panose="020F0502020204030204" pitchFamily="34" charset="0"/>
-                <a:ea typeface="等线" panose="02010600030101010101" pitchFamily="2" charset="-122"/>
-                <a:cs typeface="Times New Roman" panose="02020603050405020304" pitchFamily="18" charset="0"/>
-              </a:rPr>
-              <a:t>ω/Ω = −0.845</a:t>
-            </a:r>
-            <a:endParaRPr lang="en-US" dirty="0"/>
-          </a:p>
-        </p:txBody>
-      </p:sp>
-      <p:sp>
-        <p:nvSpPr>
-          <p:cNvPr id="36" name="TextBox 35">
-            <a:extLst>
-              <a:ext uri="{FF2B5EF4-FFF2-40B4-BE49-F238E27FC236}">
-                <a16:creationId xmlns:a16="http://schemas.microsoft.com/office/drawing/2014/main" id="{A91FFA01-B524-0C17-81BE-1DAA9515460B}"/>
-              </a:ext>
-            </a:extLst>
-          </p:cNvPr>
-          <p:cNvSpPr txBox="1"/>
-          <p:nvPr/>
-        </p:nvSpPr>
-        <p:spPr>
-          <a:xfrm>
-            <a:off x="3272414" y="5175831"/>
-            <a:ext cx="2928432" cy="369332"/>
-          </a:xfrm>
-          <a:prstGeom prst="rect">
-            <a:avLst/>
-          </a:prstGeom>
-          <a:noFill/>
-        </p:spPr>
-        <p:txBody>
-          <a:bodyPr wrap="square">
-            <a:spAutoFit/>
-          </a:bodyPr>
-          <a:lstStyle/>
-          <a:p>
-            <a:r>
-              <a:rPr lang="en-US" sz="1800" dirty="0">
-                <a:effectLst/>
-                <a:latin typeface="Calibri" panose="020F0502020204030204" pitchFamily="34" charset="0"/>
-                <a:ea typeface="等线" panose="02010600030101010101" pitchFamily="2" charset="-122"/>
-                <a:cs typeface="Times New Roman" panose="02020603050405020304" pitchFamily="18" charset="0"/>
-              </a:rPr>
-              <a:t>refractive index n = 5.4655 </a:t>
-            </a:r>
-            <a:endParaRPr lang="en-US" dirty="0"/>
-          </a:p>
-        </p:txBody>
-      </p:sp>
-      <p:sp>
-        <p:nvSpPr>
-          <p:cNvPr id="37" name="Arrow: Right 36">
-            <a:extLst>
-              <a:ext uri="{FF2B5EF4-FFF2-40B4-BE49-F238E27FC236}">
-                <a16:creationId xmlns:a16="http://schemas.microsoft.com/office/drawing/2014/main" id="{A260EDF4-3D7D-6494-ADEE-99F065BAF3F2}"/>
-              </a:ext>
-            </a:extLst>
-          </p:cNvPr>
-          <p:cNvSpPr/>
-          <p:nvPr/>
-        </p:nvSpPr>
-        <p:spPr>
-          <a:xfrm>
-            <a:off x="6301139" y="5056092"/>
-            <a:ext cx="322284" cy="245448"/>
-          </a:xfrm>
-          <a:prstGeom prst="rightArrow">
-            <a:avLst/>
-          </a:prstGeom>
-        </p:spPr>
-        <p:style>
-          <a:lnRef idx="2">
-            <a:schemeClr val="accent1">
-              <a:shade val="15000"/>
-            </a:schemeClr>
-          </a:lnRef>
-          <a:fillRef idx="1">
-            <a:schemeClr val="accent1"/>
-          </a:fillRef>
-          <a:effectRef idx="0">
-            <a:schemeClr val="accent1"/>
-          </a:effectRef>
-          <a:fontRef idx="minor">
-            <a:schemeClr val="lt1"/>
-          </a:fontRef>
-        </p:style>
-        <p:txBody>
-          <a:bodyPr rtlCol="0" anchor="ctr"/>
-          <a:lstStyle/>
-          <a:p>
-            <a:pPr algn="ctr"/>
-            <a:endParaRPr lang="en-US"/>
-          </a:p>
-        </p:txBody>
-      </p:sp>
-      <p:sp>
-        <p:nvSpPr>
-          <p:cNvPr id="38" name="Right Brace 37">
-            <a:extLst>
-              <a:ext uri="{FF2B5EF4-FFF2-40B4-BE49-F238E27FC236}">
-                <a16:creationId xmlns:a16="http://schemas.microsoft.com/office/drawing/2014/main" id="{ED069CF6-60F8-A831-A488-474F7AD5728C}"/>
-              </a:ext>
-            </a:extLst>
-          </p:cNvPr>
-          <p:cNvSpPr/>
-          <p:nvPr/>
-        </p:nvSpPr>
-        <p:spPr>
-          <a:xfrm>
-            <a:off x="5980205" y="4876923"/>
-            <a:ext cx="193435" cy="626360"/>
-          </a:xfrm>
-          <a:prstGeom prst="rightBrace">
-            <a:avLst/>
-          </a:prstGeom>
-        </p:spPr>
-        <p:style>
-          <a:lnRef idx="2">
-            <a:schemeClr val="accent1"/>
-          </a:lnRef>
-          <a:fillRef idx="0">
-            <a:schemeClr val="accent1"/>
-          </a:fillRef>
-          <a:effectRef idx="1">
-            <a:schemeClr val="accent1"/>
-          </a:effectRef>
-          <a:fontRef idx="minor">
-            <a:schemeClr val="tx1"/>
-          </a:fontRef>
-        </p:style>
-        <p:txBody>
-          <a:bodyPr rtlCol="0" anchor="ctr"/>
-          <a:lstStyle/>
-          <a:p>
-            <a:pPr algn="ctr"/>
-            <a:endParaRPr lang="en-US"/>
-          </a:p>
-        </p:txBody>
-      </p:sp>
+        </p:grpSpPr>
+        <p:sp>
+          <p:nvSpPr>
+            <p:cNvPr id="25" name="TextBox 24">
+              <a:extLst>
+                <a:ext uri="{FF2B5EF4-FFF2-40B4-BE49-F238E27FC236}">
+                  <a16:creationId xmlns:a16="http://schemas.microsoft.com/office/drawing/2014/main" id="{74AD39A0-BCAA-19BC-714D-E48F373ED305}"/>
+                </a:ext>
+              </a:extLst>
+            </p:cNvPr>
+            <p:cNvSpPr txBox="1"/>
+            <p:nvPr/>
+          </p:nvSpPr>
+          <p:spPr>
+            <a:xfrm>
+              <a:off x="645245" y="4632752"/>
+              <a:ext cx="1847850" cy="369332"/>
+            </a:xfrm>
+            <a:prstGeom prst="rect">
+              <a:avLst/>
+            </a:prstGeom>
+            <a:noFill/>
+          </p:spPr>
+          <p:txBody>
+            <a:bodyPr wrap="square">
+              <a:spAutoFit/>
+            </a:bodyPr>
+            <a:lstStyle/>
+            <a:p>
+              <a:r>
+                <a:rPr lang="en-US" sz="1800" dirty="0">
+                  <a:effectLst/>
+                  <a:latin typeface="Calibri" panose="020F0502020204030204" pitchFamily="34" charset="0"/>
+                  <a:ea typeface="等线" panose="02010600030101010101" pitchFamily="2" charset="-122"/>
+                  <a:cs typeface="Times New Roman" panose="02020603050405020304" pitchFamily="18" charset="0"/>
+                </a:rPr>
+                <a:t>V</a:t>
+              </a:r>
+              <a:r>
+                <a:rPr lang="en-US" sz="1800" baseline="-25000" dirty="0">
+                  <a:effectLst/>
+                  <a:latin typeface="Calibri" panose="020F0502020204030204" pitchFamily="34" charset="0"/>
+                  <a:ea typeface="等线" panose="02010600030101010101" pitchFamily="2" charset="-122"/>
+                  <a:cs typeface="Times New Roman" panose="02020603050405020304" pitchFamily="18" charset="0"/>
+                </a:rPr>
+                <a:t>TDS</a:t>
+              </a:r>
+              <a:r>
+                <a:rPr lang="en-US" sz="1800" dirty="0">
+                  <a:effectLst/>
+                  <a:latin typeface="Calibri" panose="020F0502020204030204" pitchFamily="34" charset="0"/>
+                  <a:ea typeface="等线" panose="02010600030101010101" pitchFamily="2" charset="-122"/>
+                  <a:cs typeface="Times New Roman" panose="02020603050405020304" pitchFamily="18" charset="0"/>
+                </a:rPr>
+                <a:t>/c</a:t>
+              </a:r>
+              <a:r>
+                <a:rPr lang="en-US" sz="1800" dirty="0">
+                  <a:effectLst/>
+                  <a:latin typeface="Cambria Math" panose="02040503050406030204" pitchFamily="18" charset="0"/>
+                  <a:ea typeface="等线" panose="02010600030101010101" pitchFamily="2" charset="-122"/>
+                  <a:cs typeface="Cambria Math" panose="02040503050406030204" pitchFamily="18" charset="0"/>
+                </a:rPr>
+                <a:t>∼</a:t>
+              </a:r>
+              <a:r>
+                <a:rPr lang="en-US" sz="1800" dirty="0">
+                  <a:effectLst/>
+                  <a:latin typeface="Calibri" panose="020F0502020204030204" pitchFamily="34" charset="0"/>
+                  <a:ea typeface="等线" panose="02010600030101010101" pitchFamily="2" charset="-122"/>
+                  <a:cs typeface="Times New Roman" panose="02020603050405020304" pitchFamily="18" charset="0"/>
+                </a:rPr>
+                <a:t> -0.0333 </a:t>
+              </a:r>
+              <a:endParaRPr lang="en-US" dirty="0"/>
+            </a:p>
+          </p:txBody>
+        </p:sp>
+        <p:sp>
+          <p:nvSpPr>
+            <p:cNvPr id="27" name="TextBox 26">
+              <a:extLst>
+                <a:ext uri="{FF2B5EF4-FFF2-40B4-BE49-F238E27FC236}">
+                  <a16:creationId xmlns:a16="http://schemas.microsoft.com/office/drawing/2014/main" id="{02B8A970-1145-0953-9A91-1560650FA7A7}"/>
+                </a:ext>
+              </a:extLst>
+            </p:cNvPr>
+            <p:cNvSpPr txBox="1"/>
+            <p:nvPr/>
+          </p:nvSpPr>
+          <p:spPr>
+            <a:xfrm>
+              <a:off x="645245" y="5043487"/>
+              <a:ext cx="1152525" cy="369332"/>
+            </a:xfrm>
+            <a:prstGeom prst="rect">
+              <a:avLst/>
+            </a:prstGeom>
+            <a:noFill/>
+          </p:spPr>
+          <p:txBody>
+            <a:bodyPr wrap="square">
+              <a:spAutoFit/>
+            </a:bodyPr>
+            <a:lstStyle/>
+            <a:p>
+              <a:r>
+                <a:rPr lang="en-US" sz="1800" dirty="0">
+                  <a:effectLst/>
+                  <a:latin typeface="Calibri" panose="020F0502020204030204" pitchFamily="34" charset="0"/>
+                  <a:ea typeface="等线" panose="02010600030101010101" pitchFamily="2" charset="-122"/>
+                  <a:cs typeface="Times New Roman" panose="02020603050405020304" pitchFamily="18" charset="0"/>
+                </a:rPr>
+                <a:t>B</a:t>
+              </a:r>
+              <a:r>
+                <a:rPr lang="en-US" sz="1800" baseline="-25000" dirty="0">
+                  <a:effectLst/>
+                  <a:latin typeface="Calibri" panose="020F0502020204030204" pitchFamily="34" charset="0"/>
+                  <a:ea typeface="等线" panose="02010600030101010101" pitchFamily="2" charset="-122"/>
+                  <a:cs typeface="Times New Roman" panose="02020603050405020304" pitchFamily="18" charset="0"/>
+                </a:rPr>
+                <a:t>0</a:t>
+              </a:r>
+              <a:r>
+                <a:rPr lang="en-US" sz="1800" dirty="0">
+                  <a:effectLst/>
+                  <a:latin typeface="Cambria Math" panose="02040503050406030204" pitchFamily="18" charset="0"/>
+                  <a:ea typeface="等线" panose="02010600030101010101" pitchFamily="2" charset="-122"/>
+                  <a:cs typeface="Cambria Math" panose="02040503050406030204" pitchFamily="18" charset="0"/>
+                </a:rPr>
+                <a:t>∼</a:t>
+              </a:r>
+              <a:r>
+                <a:rPr lang="en-US" sz="1800" dirty="0">
+                  <a:effectLst/>
+                  <a:latin typeface="Calibri" panose="020F0502020204030204" pitchFamily="34" charset="0"/>
+                  <a:ea typeface="等线" panose="02010600030101010101" pitchFamily="2" charset="-122"/>
+                  <a:cs typeface="Times New Roman" panose="02020603050405020304" pitchFamily="18" charset="0"/>
+                </a:rPr>
+                <a:t>64 </a:t>
+              </a:r>
+              <a:r>
+                <a:rPr lang="en-US" sz="1800" dirty="0" err="1">
+                  <a:effectLst/>
+                  <a:latin typeface="Calibri" panose="020F0502020204030204" pitchFamily="34" charset="0"/>
+                  <a:ea typeface="等线" panose="02010600030101010101" pitchFamily="2" charset="-122"/>
+                  <a:cs typeface="Times New Roman" panose="02020603050405020304" pitchFamily="18" charset="0"/>
+                </a:rPr>
+                <a:t>nT</a:t>
+              </a:r>
+              <a:endParaRPr lang="en-US" dirty="0"/>
+            </a:p>
+          </p:txBody>
+        </p:sp>
+        <p:sp>
+          <p:nvSpPr>
+            <p:cNvPr id="29" name="TextBox 28">
+              <a:extLst>
+                <a:ext uri="{FF2B5EF4-FFF2-40B4-BE49-F238E27FC236}">
+                  <a16:creationId xmlns:a16="http://schemas.microsoft.com/office/drawing/2014/main" id="{9728DC3F-1053-B6FF-3306-D89BF7B53F5A}"/>
+                </a:ext>
+              </a:extLst>
+            </p:cNvPr>
+            <p:cNvSpPr txBox="1"/>
+            <p:nvPr/>
+          </p:nvSpPr>
+          <p:spPr>
+            <a:xfrm>
+              <a:off x="645245" y="5485181"/>
+              <a:ext cx="1762125" cy="369332"/>
+            </a:xfrm>
+            <a:prstGeom prst="rect">
+              <a:avLst/>
+            </a:prstGeom>
+            <a:noFill/>
+          </p:spPr>
+          <p:txBody>
+            <a:bodyPr wrap="square">
+              <a:spAutoFit/>
+            </a:bodyPr>
+            <a:lstStyle/>
+            <a:p>
+              <a:r>
+                <a:rPr lang="en-US" sz="1800" dirty="0">
+                  <a:effectLst/>
+                  <a:latin typeface="Calibri" panose="020F0502020204030204" pitchFamily="34" charset="0"/>
+                  <a:ea typeface="等线" panose="02010600030101010101" pitchFamily="2" charset="-122"/>
+                  <a:cs typeface="Times New Roman" panose="02020603050405020304" pitchFamily="18" charset="0"/>
+                </a:rPr>
+                <a:t>E</a:t>
+              </a:r>
+              <a:r>
+                <a:rPr lang="en-US" sz="1800" baseline="-25000" dirty="0">
+                  <a:effectLst/>
+                  <a:latin typeface="Calibri" panose="020F0502020204030204" pitchFamily="34" charset="0"/>
+                  <a:ea typeface="等线" panose="02010600030101010101" pitchFamily="2" charset="-122"/>
+                  <a:cs typeface="Times New Roman" panose="02020603050405020304" pitchFamily="18" charset="0"/>
+                </a:rPr>
+                <a:t>0</a:t>
+              </a:r>
+              <a:r>
+                <a:rPr lang="en-US" sz="1800" dirty="0">
+                  <a:effectLst/>
+                  <a:latin typeface="Cambria Math" panose="02040503050406030204" pitchFamily="18" charset="0"/>
+                  <a:ea typeface="等线" panose="02010600030101010101" pitchFamily="2" charset="-122"/>
+                  <a:cs typeface="Cambria Math" panose="02040503050406030204" pitchFamily="18" charset="0"/>
+                </a:rPr>
+                <a:t>∼</a:t>
+              </a:r>
+              <a:r>
+                <a:rPr lang="en-US" sz="1800" dirty="0">
+                  <a:effectLst/>
+                  <a:latin typeface="Calibri" panose="020F0502020204030204" pitchFamily="34" charset="0"/>
+                  <a:ea typeface="等线" panose="02010600030101010101" pitchFamily="2" charset="-122"/>
+                  <a:cs typeface="Times New Roman" panose="02020603050405020304" pitchFamily="18" charset="0"/>
+                </a:rPr>
+                <a:t>100 mV/m</a:t>
+              </a:r>
+              <a:endParaRPr lang="en-US" dirty="0"/>
+            </a:p>
+          </p:txBody>
+        </p:sp>
+        <p:sp>
+          <p:nvSpPr>
+            <p:cNvPr id="31" name="TextBox 30">
+              <a:extLst>
+                <a:ext uri="{FF2B5EF4-FFF2-40B4-BE49-F238E27FC236}">
+                  <a16:creationId xmlns:a16="http://schemas.microsoft.com/office/drawing/2014/main" id="{C3F72AA2-456C-5824-EFCC-F375D2193374}"/>
+                </a:ext>
+              </a:extLst>
+            </p:cNvPr>
+            <p:cNvSpPr txBox="1"/>
+            <p:nvPr/>
+          </p:nvSpPr>
+          <p:spPr>
+            <a:xfrm>
+              <a:off x="645245" y="5946632"/>
+              <a:ext cx="1533525" cy="369332"/>
+            </a:xfrm>
+            <a:prstGeom prst="rect">
+              <a:avLst/>
+            </a:prstGeom>
+            <a:noFill/>
+          </p:spPr>
+          <p:txBody>
+            <a:bodyPr wrap="square">
+              <a:spAutoFit/>
+            </a:bodyPr>
+            <a:lstStyle/>
+            <a:p>
+              <a:r>
+                <a:rPr lang="en-US" sz="1800" dirty="0">
+                  <a:effectLst/>
+                  <a:latin typeface="Calibri" panose="020F0502020204030204" pitchFamily="34" charset="0"/>
+                  <a:ea typeface="等线" panose="02010600030101010101" pitchFamily="2" charset="-122"/>
+                  <a:cs typeface="Times New Roman" panose="02020603050405020304" pitchFamily="18" charset="0"/>
+                </a:rPr>
+                <a:t>n</a:t>
+              </a:r>
+              <a:r>
+                <a:rPr lang="en-US" sz="1800" baseline="-25000" dirty="0">
+                  <a:effectLst/>
+                  <a:latin typeface="Calibri" panose="020F0502020204030204" pitchFamily="34" charset="0"/>
+                  <a:ea typeface="等线" panose="02010600030101010101" pitchFamily="2" charset="-122"/>
+                  <a:cs typeface="Times New Roman" panose="02020603050405020304" pitchFamily="18" charset="0"/>
+                </a:rPr>
+                <a:t>e</a:t>
+              </a:r>
+              <a:r>
+                <a:rPr lang="en-US" sz="1800" dirty="0">
+                  <a:effectLst/>
+                  <a:latin typeface="Cambria Math" panose="02040503050406030204" pitchFamily="18" charset="0"/>
+                  <a:ea typeface="等线" panose="02010600030101010101" pitchFamily="2" charset="-122"/>
+                  <a:cs typeface="Cambria Math" panose="02040503050406030204" pitchFamily="18" charset="0"/>
+                </a:rPr>
+                <a:t>∼</a:t>
+              </a:r>
+              <a:r>
+                <a:rPr lang="en-US" sz="1800" dirty="0">
+                  <a:effectLst/>
+                  <a:latin typeface="Calibri" panose="020F0502020204030204" pitchFamily="34" charset="0"/>
+                  <a:ea typeface="等线" panose="02010600030101010101" pitchFamily="2" charset="-122"/>
+                  <a:cs typeface="Times New Roman" panose="02020603050405020304" pitchFamily="18" charset="0"/>
+                </a:rPr>
+                <a:t>0.15 cm</a:t>
+              </a:r>
+              <a:r>
+                <a:rPr lang="en-US" sz="1800" baseline="30000" dirty="0">
+                  <a:effectLst/>
+                  <a:latin typeface="Calibri" panose="020F0502020204030204" pitchFamily="34" charset="0"/>
+                  <a:ea typeface="等线" panose="02010600030101010101" pitchFamily="2" charset="-122"/>
+                  <a:cs typeface="Times New Roman" panose="02020603050405020304" pitchFamily="18" charset="0"/>
+                </a:rPr>
+                <a:t>-3</a:t>
+              </a:r>
+              <a:endParaRPr lang="en-US" dirty="0"/>
+            </a:p>
+          </p:txBody>
+        </p:sp>
+        <p:sp>
+          <p:nvSpPr>
+            <p:cNvPr id="32" name="TextBox 31">
+              <a:extLst>
+                <a:ext uri="{FF2B5EF4-FFF2-40B4-BE49-F238E27FC236}">
+                  <a16:creationId xmlns:a16="http://schemas.microsoft.com/office/drawing/2014/main" id="{C531EC93-D96D-BAD8-30BD-F504DE32D9E7}"/>
+                </a:ext>
+              </a:extLst>
+            </p:cNvPr>
+            <p:cNvSpPr txBox="1"/>
+            <p:nvPr/>
+          </p:nvSpPr>
+          <p:spPr>
+            <a:xfrm>
+              <a:off x="4856534" y="5333787"/>
+              <a:ext cx="2839584" cy="369332"/>
+            </a:xfrm>
+            <a:prstGeom prst="rect">
+              <a:avLst/>
+            </a:prstGeom>
+            <a:noFill/>
+          </p:spPr>
+          <p:txBody>
+            <a:bodyPr wrap="square" rtlCol="0">
+              <a:spAutoFit/>
+            </a:bodyPr>
+            <a:lstStyle/>
+            <a:p>
+              <a:r>
+                <a:rPr lang="en-US" dirty="0"/>
+                <a:t>NDE resonant speed = V</a:t>
+              </a:r>
+              <a:r>
+                <a:rPr lang="en-US" baseline="-25000" dirty="0"/>
+                <a:t>TDS</a:t>
+              </a:r>
+              <a:endParaRPr lang="en-US" dirty="0"/>
+            </a:p>
+          </p:txBody>
+        </p:sp>
+        <p:sp>
+          <p:nvSpPr>
+            <p:cNvPr id="34" name="TextBox 33">
+              <a:extLst>
+                <a:ext uri="{FF2B5EF4-FFF2-40B4-BE49-F238E27FC236}">
+                  <a16:creationId xmlns:a16="http://schemas.microsoft.com/office/drawing/2014/main" id="{14B73306-1BE6-40DB-26B9-DFBA6B07CE46}"/>
+                </a:ext>
+              </a:extLst>
+            </p:cNvPr>
+            <p:cNvSpPr txBox="1"/>
+            <p:nvPr/>
+          </p:nvSpPr>
+          <p:spPr>
+            <a:xfrm>
+              <a:off x="3299809" y="5131969"/>
+              <a:ext cx="1554630" cy="369332"/>
+            </a:xfrm>
+            <a:prstGeom prst="rect">
+              <a:avLst/>
+            </a:prstGeom>
+            <a:noFill/>
+          </p:spPr>
+          <p:txBody>
+            <a:bodyPr wrap="square">
+              <a:spAutoFit/>
+            </a:bodyPr>
+            <a:lstStyle/>
+            <a:p>
+              <a:r>
+                <a:rPr lang="en-US" sz="1800" dirty="0">
+                  <a:effectLst/>
+                  <a:latin typeface="Calibri" panose="020F0502020204030204" pitchFamily="34" charset="0"/>
+                  <a:ea typeface="等线" panose="02010600030101010101" pitchFamily="2" charset="-122"/>
+                  <a:cs typeface="Times New Roman" panose="02020603050405020304" pitchFamily="18" charset="0"/>
+                </a:rPr>
+                <a:t>ω/Ω = −0.845</a:t>
+              </a:r>
+              <a:endParaRPr lang="en-US" dirty="0"/>
+            </a:p>
+          </p:txBody>
+        </p:sp>
+        <p:sp>
+          <p:nvSpPr>
+            <p:cNvPr id="36" name="TextBox 35">
+              <a:extLst>
+                <a:ext uri="{FF2B5EF4-FFF2-40B4-BE49-F238E27FC236}">
+                  <a16:creationId xmlns:a16="http://schemas.microsoft.com/office/drawing/2014/main" id="{A91FFA01-B524-0C17-81BE-1DAA9515460B}"/>
+                </a:ext>
+              </a:extLst>
+            </p:cNvPr>
+            <p:cNvSpPr txBox="1"/>
+            <p:nvPr/>
+          </p:nvSpPr>
+          <p:spPr>
+            <a:xfrm>
+              <a:off x="2089292" y="5577300"/>
+              <a:ext cx="2928432" cy="369332"/>
+            </a:xfrm>
+            <a:prstGeom prst="rect">
+              <a:avLst/>
+            </a:prstGeom>
+            <a:noFill/>
+          </p:spPr>
+          <p:txBody>
+            <a:bodyPr wrap="square">
+              <a:spAutoFit/>
+            </a:bodyPr>
+            <a:lstStyle/>
+            <a:p>
+              <a:r>
+                <a:rPr lang="en-US" sz="1800" dirty="0">
+                  <a:effectLst/>
+                  <a:latin typeface="Calibri" panose="020F0502020204030204" pitchFamily="34" charset="0"/>
+                  <a:ea typeface="等线" panose="02010600030101010101" pitchFamily="2" charset="-122"/>
+                  <a:cs typeface="Times New Roman" panose="02020603050405020304" pitchFamily="18" charset="0"/>
+                </a:rPr>
+                <a:t>refractive index n = 5.4655 </a:t>
+              </a:r>
+              <a:endParaRPr lang="en-US" dirty="0"/>
+            </a:p>
+          </p:txBody>
+        </p:sp>
+        <p:sp>
+          <p:nvSpPr>
+            <p:cNvPr id="38" name="Right Brace 37">
+              <a:extLst>
+                <a:ext uri="{FF2B5EF4-FFF2-40B4-BE49-F238E27FC236}">
+                  <a16:creationId xmlns:a16="http://schemas.microsoft.com/office/drawing/2014/main" id="{ED069CF6-60F8-A831-A488-474F7AD5728C}"/>
+                </a:ext>
+              </a:extLst>
+            </p:cNvPr>
+            <p:cNvSpPr/>
+            <p:nvPr/>
+          </p:nvSpPr>
+          <p:spPr>
+            <a:xfrm>
+              <a:off x="4665349" y="5218061"/>
+              <a:ext cx="193435" cy="626360"/>
+            </a:xfrm>
+            <a:prstGeom prst="rightBrace">
+              <a:avLst/>
+            </a:prstGeom>
+          </p:spPr>
+          <p:style>
+            <a:lnRef idx="2">
+              <a:schemeClr val="accent1"/>
+            </a:lnRef>
+            <a:fillRef idx="0">
+              <a:schemeClr val="accent1"/>
+            </a:fillRef>
+            <a:effectRef idx="1">
+              <a:schemeClr val="accent1"/>
+            </a:effectRef>
+            <a:fontRef idx="minor">
+              <a:schemeClr val="tx1"/>
+            </a:fontRef>
+          </p:style>
+          <p:txBody>
+            <a:bodyPr rtlCol="0" anchor="ctr"/>
+            <a:lstStyle/>
+            <a:p>
+              <a:pPr algn="ctr"/>
+              <a:endParaRPr lang="en-US"/>
+            </a:p>
+          </p:txBody>
+        </p:sp>
+      </p:grpSp>
       <p:sp>
         <p:nvSpPr>
           <p:cNvPr id="11" name="Rectangle 10">
@@ -4826,7 +5376,7 @@
         </p:nvSpPr>
         <p:spPr>
           <a:xfrm>
-            <a:off x="5928559" y="6304100"/>
+            <a:off x="147475" y="6321350"/>
             <a:ext cx="6096000" cy="461665"/>
           </a:xfrm>
           <a:prstGeom prst="rect">
@@ -4950,6 +5500,476 @@
           </a:p>
         </p:txBody>
       </p:sp>
+      <p:grpSp>
+        <p:nvGrpSpPr>
+          <p:cNvPr id="23" name="Group 22">
+            <a:extLst>
+              <a:ext uri="{FF2B5EF4-FFF2-40B4-BE49-F238E27FC236}">
+                <a16:creationId xmlns:a16="http://schemas.microsoft.com/office/drawing/2014/main" id="{8CDD1522-38F1-447E-B1F0-07C4B936DD94}"/>
+              </a:ext>
+            </a:extLst>
+          </p:cNvPr>
+          <p:cNvGrpSpPr/>
+          <p:nvPr/>
+        </p:nvGrpSpPr>
+        <p:grpSpPr>
+          <a:xfrm>
+            <a:off x="7031715" y="52391"/>
+            <a:ext cx="4767491" cy="3575618"/>
+            <a:chOff x="2944740" y="1557383"/>
+            <a:chExt cx="4767491" cy="3575618"/>
+          </a:xfrm>
+        </p:grpSpPr>
+        <p:grpSp>
+          <p:nvGrpSpPr>
+            <p:cNvPr id="20" name="Group 19">
+              <a:extLst>
+                <a:ext uri="{FF2B5EF4-FFF2-40B4-BE49-F238E27FC236}">
+                  <a16:creationId xmlns:a16="http://schemas.microsoft.com/office/drawing/2014/main" id="{C46ED6C3-A900-4C51-86A6-D428FD6700C2}"/>
+                </a:ext>
+              </a:extLst>
+            </p:cNvPr>
+            <p:cNvGrpSpPr/>
+            <p:nvPr/>
+          </p:nvGrpSpPr>
+          <p:grpSpPr>
+            <a:xfrm>
+              <a:off x="2944740" y="1557383"/>
+              <a:ext cx="4767491" cy="3575618"/>
+              <a:chOff x="6945950" y="910286"/>
+              <a:chExt cx="4767491" cy="3575618"/>
+            </a:xfrm>
+          </p:grpSpPr>
+          <p:pic>
+            <p:nvPicPr>
+              <p:cNvPr id="30" name="Picture 29">
+                <a:extLst>
+                  <a:ext uri="{FF2B5EF4-FFF2-40B4-BE49-F238E27FC236}">
+                    <a16:creationId xmlns:a16="http://schemas.microsoft.com/office/drawing/2014/main" id="{7C1430BD-1BF8-481D-8468-B09ABCB49EC0}"/>
+                  </a:ext>
+                </a:extLst>
+              </p:cNvPr>
+              <p:cNvPicPr>
+                <a:picLocks noChangeAspect="1"/>
+              </p:cNvPicPr>
+              <p:nvPr/>
+            </p:nvPicPr>
+            <p:blipFill>
+              <a:blip r:embed="rId8"/>
+              <a:stretch>
+                <a:fillRect/>
+              </a:stretch>
+            </p:blipFill>
+            <p:spPr>
+              <a:xfrm>
+                <a:off x="6945950" y="910286"/>
+                <a:ext cx="4767491" cy="3575618"/>
+              </a:xfrm>
+              <a:prstGeom prst="rect">
+                <a:avLst/>
+              </a:prstGeom>
+            </p:spPr>
+          </p:pic>
+          <p:sp>
+            <p:nvSpPr>
+              <p:cNvPr id="12" name="TextBox 11">
+                <a:extLst>
+                  <a:ext uri="{FF2B5EF4-FFF2-40B4-BE49-F238E27FC236}">
+                    <a16:creationId xmlns:a16="http://schemas.microsoft.com/office/drawing/2014/main" id="{3C2C42F0-FCF2-4371-A5E6-9210A59135B5}"/>
+                  </a:ext>
+                </a:extLst>
+              </p:cNvPr>
+              <p:cNvSpPr txBox="1"/>
+              <p:nvPr/>
+            </p:nvSpPr>
+            <p:spPr>
+              <a:xfrm>
+                <a:off x="10079665" y="3078555"/>
+                <a:ext cx="1152144" cy="307777"/>
+              </a:xfrm>
+              <a:prstGeom prst="rect">
+                <a:avLst/>
+              </a:prstGeom>
+              <a:noFill/>
+            </p:spPr>
+            <p:txBody>
+              <a:bodyPr wrap="square" rtlCol="0">
+                <a:spAutoFit/>
+              </a:bodyPr>
+              <a:lstStyle/>
+              <a:p>
+                <a:r>
+                  <a:rPr lang="en-US" sz="1400" dirty="0"/>
+                  <a:t>(4.646,0.845)</a:t>
+                </a:r>
+              </a:p>
+            </p:txBody>
+          </p:sp>
+          <p:sp>
+            <p:nvSpPr>
+              <p:cNvPr id="19" name="Oval 18">
+                <a:extLst>
+                  <a:ext uri="{FF2B5EF4-FFF2-40B4-BE49-F238E27FC236}">
+                    <a16:creationId xmlns:a16="http://schemas.microsoft.com/office/drawing/2014/main" id="{3CC0BDC4-EDDF-4B91-8E13-24BED3B02490}"/>
+                  </a:ext>
+                </a:extLst>
+              </p:cNvPr>
+              <p:cNvSpPr/>
+              <p:nvPr/>
+            </p:nvSpPr>
+            <p:spPr>
+              <a:xfrm>
+                <a:off x="10534067" y="3372083"/>
+                <a:ext cx="85796" cy="113591"/>
+              </a:xfrm>
+              <a:prstGeom prst="ellipse">
+                <a:avLst/>
+              </a:prstGeom>
+            </p:spPr>
+            <p:style>
+              <a:lnRef idx="2">
+                <a:schemeClr val="accent1">
+                  <a:shade val="50000"/>
+                </a:schemeClr>
+              </a:lnRef>
+              <a:fillRef idx="1">
+                <a:schemeClr val="accent1"/>
+              </a:fillRef>
+              <a:effectRef idx="0">
+                <a:schemeClr val="accent1"/>
+              </a:effectRef>
+              <a:fontRef idx="minor">
+                <a:schemeClr val="lt1"/>
+              </a:fontRef>
+            </p:style>
+            <p:txBody>
+              <a:bodyPr rtlCol="0" anchor="ctr"/>
+              <a:lstStyle/>
+              <a:p>
+                <a:pPr algn="ctr"/>
+                <a:endParaRPr lang="en-US"/>
+              </a:p>
+            </p:txBody>
+          </p:sp>
+        </p:grpSp>
+        <mc:AlternateContent xmlns:mc="http://schemas.openxmlformats.org/markup-compatibility/2006">
+          <mc:Choice xmlns:a14="http://schemas.microsoft.com/office/drawing/2010/main" Requires="a14">
+            <p:sp>
+              <p:nvSpPr>
+                <p:cNvPr id="7" name="TextBox 6">
+                  <a:extLst>
+                    <a:ext uri="{FF2B5EF4-FFF2-40B4-BE49-F238E27FC236}">
+                      <a16:creationId xmlns:a16="http://schemas.microsoft.com/office/drawing/2014/main" id="{8E50A532-97CA-44CC-B50F-80BAE3086858}"/>
+                    </a:ext>
+                  </a:extLst>
+                </p:cNvPr>
+                <p:cNvSpPr txBox="1"/>
+                <p:nvPr/>
+              </p:nvSpPr>
+              <p:spPr>
+                <a:xfrm>
+                  <a:off x="3637186" y="3451070"/>
+                  <a:ext cx="2218743" cy="369332"/>
+                </a:xfrm>
+                <a:prstGeom prst="rect">
+                  <a:avLst/>
+                </a:prstGeom>
+                <a:noFill/>
+              </p:spPr>
+              <p:txBody>
+                <a:bodyPr wrap="square" rtlCol="0">
+                  <a:spAutoFit/>
+                </a:bodyPr>
+                <a:lstStyle/>
+                <a:p>
+                  <a:pPr/>
+                  <a14:m>
+                    <m:oMathPara xmlns:m="http://schemas.openxmlformats.org/officeDocument/2006/math">
+                      <m:oMathParaPr>
+                        <m:jc m:val="centerGroup"/>
+                      </m:oMathParaPr>
+                      <m:oMath xmlns:m="http://schemas.openxmlformats.org/officeDocument/2006/math">
+                        <m:r>
+                          <a:rPr lang="en-US" b="0" i="1" smtClean="0">
+                            <a:solidFill>
+                              <a:srgbClr val="FF0000"/>
+                            </a:solidFill>
+                            <a:latin typeface="Cambria Math" panose="02040503050406030204" pitchFamily="18" charset="0"/>
+                          </a:rPr>
+                          <m:t>𝜔</m:t>
+                        </m:r>
+                        <m:r>
+                          <a:rPr lang="en-US" b="0" i="1" smtClean="0">
+                            <a:solidFill>
+                              <a:srgbClr val="FF0000"/>
+                            </a:solidFill>
+                            <a:latin typeface="Cambria Math" panose="02040503050406030204" pitchFamily="18" charset="0"/>
+                          </a:rPr>
+                          <m:t>=</m:t>
+                        </m:r>
+                        <m:r>
+                          <a:rPr lang="en-US" b="0" i="1" smtClean="0">
+                            <a:solidFill>
+                              <a:srgbClr val="FF0000"/>
+                            </a:solidFill>
+                            <a:latin typeface="Cambria Math" panose="02040503050406030204" pitchFamily="18" charset="0"/>
+                          </a:rPr>
+                          <m:t>𝑘</m:t>
+                        </m:r>
+                        <m:r>
+                          <a:rPr lang="en-US" b="0" i="1" smtClean="0">
+                            <a:solidFill>
+                              <a:srgbClr val="FF0000"/>
+                            </a:solidFill>
+                            <a:latin typeface="Cambria Math" panose="02040503050406030204" pitchFamily="18" charset="0"/>
+                          </a:rPr>
+                          <m:t>⋅</m:t>
+                        </m:r>
+                        <m:sSub>
+                          <m:sSubPr>
+                            <m:ctrlPr>
+                              <a:rPr lang="en-US" b="0" i="1" smtClean="0">
+                                <a:solidFill>
+                                  <a:srgbClr val="FF0000"/>
+                                </a:solidFill>
+                                <a:latin typeface="Cambria Math" panose="02040503050406030204" pitchFamily="18" charset="0"/>
+                              </a:rPr>
+                            </m:ctrlPr>
+                          </m:sSubPr>
+                          <m:e>
+                            <m:r>
+                              <a:rPr lang="en-US" b="0" i="1" smtClean="0">
+                                <a:solidFill>
+                                  <a:srgbClr val="FF0000"/>
+                                </a:solidFill>
+                                <a:latin typeface="Cambria Math" panose="02040503050406030204" pitchFamily="18" charset="0"/>
+                              </a:rPr>
+                              <m:t>𝑣</m:t>
+                            </m:r>
+                          </m:e>
+                          <m:sub>
+                            <m:r>
+                              <a:rPr lang="en-US" b="0" i="1" smtClean="0">
+                                <a:solidFill>
+                                  <a:srgbClr val="FF0000"/>
+                                </a:solidFill>
+                                <a:latin typeface="Cambria Math" panose="02040503050406030204" pitchFamily="18" charset="0"/>
+                              </a:rPr>
+                              <m:t>𝑇𝐷𝑆</m:t>
+                            </m:r>
+                          </m:sub>
+                        </m:sSub>
+                        <m:r>
+                          <a:rPr lang="en-US" b="0" i="1" smtClean="0">
+                            <a:solidFill>
+                              <a:srgbClr val="FF0000"/>
+                            </a:solidFill>
+                            <a:latin typeface="Cambria Math" panose="02040503050406030204" pitchFamily="18" charset="0"/>
+                          </a:rPr>
+                          <m:t>+|</m:t>
+                        </m:r>
+                        <m:sSub>
+                          <m:sSubPr>
+                            <m:ctrlPr>
+                              <a:rPr lang="en-US" b="0" i="1" smtClean="0">
+                                <a:solidFill>
+                                  <a:srgbClr val="FF0000"/>
+                                </a:solidFill>
+                                <a:latin typeface="Cambria Math" panose="02040503050406030204" pitchFamily="18" charset="0"/>
+                              </a:rPr>
+                            </m:ctrlPr>
+                          </m:sSubPr>
+                          <m:e>
+                            <m:r>
+                              <a:rPr lang="en-US" b="0" i="1" smtClean="0">
+                                <a:solidFill>
+                                  <a:srgbClr val="FF0000"/>
+                                </a:solidFill>
+                                <a:latin typeface="Cambria Math" panose="02040503050406030204" pitchFamily="18" charset="0"/>
+                              </a:rPr>
+                              <m:t>𝜔</m:t>
+                            </m:r>
+                          </m:e>
+                          <m:sub>
+                            <m:r>
+                              <a:rPr lang="en-US" b="0" i="1" smtClean="0">
+                                <a:solidFill>
+                                  <a:srgbClr val="FF0000"/>
+                                </a:solidFill>
+                                <a:latin typeface="Cambria Math" panose="02040503050406030204" pitchFamily="18" charset="0"/>
+                              </a:rPr>
+                              <m:t>𝑐𝑒</m:t>
+                            </m:r>
+                          </m:sub>
+                        </m:sSub>
+                        <m:r>
+                          <a:rPr lang="en-US" b="0" i="1" smtClean="0">
+                            <a:solidFill>
+                              <a:srgbClr val="FF0000"/>
+                            </a:solidFill>
+                            <a:latin typeface="Cambria Math" panose="02040503050406030204" pitchFamily="18" charset="0"/>
+                          </a:rPr>
+                          <m:t>|</m:t>
+                        </m:r>
+                      </m:oMath>
+                    </m:oMathPara>
+                  </a14:m>
+                  <a:endParaRPr lang="en-US" dirty="0">
+                    <a:solidFill>
+                      <a:srgbClr val="FF0000"/>
+                    </a:solidFill>
+                  </a:endParaRPr>
+                </a:p>
+              </p:txBody>
+            </p:sp>
+          </mc:Choice>
+          <mc:Fallback>
+            <p:sp>
+              <p:nvSpPr>
+                <p:cNvPr id="7" name="TextBox 6">
+                  <a:extLst>
+                    <a:ext uri="{FF2B5EF4-FFF2-40B4-BE49-F238E27FC236}">
+                      <a16:creationId xmlns:a16="http://schemas.microsoft.com/office/drawing/2014/main" id="{8E50A532-97CA-44CC-B50F-80BAE3086858}"/>
+                    </a:ext>
+                  </a:extLst>
+                </p:cNvPr>
+                <p:cNvSpPr txBox="1">
+                  <a:spLocks noRot="1" noChangeAspect="1" noMove="1" noResize="1" noEditPoints="1" noAdjustHandles="1" noChangeArrowheads="1" noChangeShapeType="1" noTextEdit="1"/>
+                </p:cNvSpPr>
+                <p:nvPr/>
+              </p:nvSpPr>
+              <p:spPr>
+                <a:xfrm>
+                  <a:off x="3637186" y="3451070"/>
+                  <a:ext cx="2218743" cy="369332"/>
+                </a:xfrm>
+                <a:prstGeom prst="rect">
+                  <a:avLst/>
+                </a:prstGeom>
+                <a:blipFill>
+                  <a:blip r:embed="rId9"/>
+                  <a:stretch>
+                    <a:fillRect b="-13115"/>
+                  </a:stretch>
+                </a:blipFill>
+              </p:spPr>
+              <p:txBody>
+                <a:bodyPr/>
+                <a:lstStyle/>
+                <a:p>
+                  <a:r>
+                    <a:rPr lang="en-US">
+                      <a:noFill/>
+                    </a:rPr>
+                    <a:t> </a:t>
+                  </a:r>
+                </a:p>
+              </p:txBody>
+            </p:sp>
+          </mc:Fallback>
+        </mc:AlternateContent>
+      </p:grpSp>
+      <p:pic>
+        <p:nvPicPr>
+          <p:cNvPr id="26" name="Picture 25">
+            <a:extLst>
+              <a:ext uri="{FF2B5EF4-FFF2-40B4-BE49-F238E27FC236}">
+                <a16:creationId xmlns:a16="http://schemas.microsoft.com/office/drawing/2014/main" id="{D262A5CF-5F52-4B16-BA74-A2BE65B18A7F}"/>
+              </a:ext>
+            </a:extLst>
+          </p:cNvPr>
+          <p:cNvPicPr>
+            <a:picLocks noChangeAspect="1"/>
+          </p:cNvPicPr>
+          <p:nvPr/>
+        </p:nvPicPr>
+        <p:blipFill>
+          <a:blip r:embed="rId10"/>
+          <a:stretch>
+            <a:fillRect/>
+          </a:stretch>
+        </p:blipFill>
+        <p:spPr>
+          <a:xfrm>
+            <a:off x="7269468" y="3607240"/>
+            <a:ext cx="4248764" cy="3186573"/>
+          </a:xfrm>
+          <a:prstGeom prst="rect">
+            <a:avLst/>
+          </a:prstGeom>
+        </p:spPr>
+      </p:pic>
+      <p:sp>
+        <p:nvSpPr>
+          <p:cNvPr id="39" name="Rectangle 38">
+            <a:extLst>
+              <a:ext uri="{FF2B5EF4-FFF2-40B4-BE49-F238E27FC236}">
+                <a16:creationId xmlns:a16="http://schemas.microsoft.com/office/drawing/2014/main" id="{6AC1518B-6AC9-4BD1-A375-5C9FFFB3D1EA}"/>
+              </a:ext>
+            </a:extLst>
+          </p:cNvPr>
+          <p:cNvSpPr/>
+          <p:nvPr/>
+        </p:nvSpPr>
+        <p:spPr>
+          <a:xfrm>
+            <a:off x="7796348" y="682609"/>
+            <a:ext cx="1074333" cy="369332"/>
+          </a:xfrm>
+          <a:prstGeom prst="rect">
+            <a:avLst/>
+          </a:prstGeom>
+        </p:spPr>
+        <p:txBody>
+          <a:bodyPr wrap="none">
+            <a:spAutoFit/>
+          </a:bodyPr>
+          <a:lstStyle/>
+          <a:p>
+            <a:r>
+              <a:rPr lang="en-US" dirty="0">
+                <a:latin typeface="Calibri" panose="020F0502020204030204" pitchFamily="34" charset="0"/>
+                <a:ea typeface="等线" panose="02010600030101010101" pitchFamily="2" charset="-122"/>
+                <a:cs typeface="Times New Roman" panose="02020603050405020304" pitchFamily="18" charset="0"/>
+              </a:rPr>
+              <a:t>B</a:t>
+            </a:r>
+            <a:r>
+              <a:rPr lang="en-US" baseline="-25000" dirty="0">
+                <a:latin typeface="Calibri" panose="020F0502020204030204" pitchFamily="34" charset="0"/>
+                <a:ea typeface="等线" panose="02010600030101010101" pitchFamily="2" charset="-122"/>
+                <a:cs typeface="Times New Roman" panose="02020603050405020304" pitchFamily="18" charset="0"/>
+              </a:rPr>
+              <a:t>0</a:t>
+            </a:r>
+            <a:r>
+              <a:rPr lang="en-US" dirty="0">
+                <a:latin typeface="Cambria Math" panose="02040503050406030204" pitchFamily="18" charset="0"/>
+                <a:ea typeface="等线" panose="02010600030101010101" pitchFamily="2" charset="-122"/>
+                <a:cs typeface="Cambria Math" panose="02040503050406030204" pitchFamily="18" charset="0"/>
+              </a:rPr>
+              <a:t>∼</a:t>
+            </a:r>
+            <a:r>
+              <a:rPr lang="en-US" dirty="0">
+                <a:latin typeface="Calibri" panose="020F0502020204030204" pitchFamily="34" charset="0"/>
+                <a:ea typeface="等线" panose="02010600030101010101" pitchFamily="2" charset="-122"/>
+                <a:cs typeface="Times New Roman" panose="02020603050405020304" pitchFamily="18" charset="0"/>
+              </a:rPr>
+              <a:t>64 </a:t>
+            </a:r>
+            <a:r>
+              <a:rPr lang="en-US" dirty="0" err="1">
+                <a:latin typeface="Calibri" panose="020F0502020204030204" pitchFamily="34" charset="0"/>
+                <a:ea typeface="等线" panose="02010600030101010101" pitchFamily="2" charset="-122"/>
+                <a:cs typeface="Times New Roman" panose="02020603050405020304" pitchFamily="18" charset="0"/>
+              </a:rPr>
+              <a:t>nT</a:t>
+            </a:r>
+            <a:endParaRPr lang="en-US" dirty="0"/>
+          </a:p>
+        </p:txBody>
+      </p:sp>
     </p:spTree>
     <p:extLst>
       <p:ext uri="{BB962C8B-B14F-4D97-AF65-F5344CB8AC3E}">
@@ -5057,481 +6077,6 @@
       </p:grpSpPr>
       <p:sp>
         <p:nvSpPr>
-          <p:cNvPr id="4" name="Rectangle: Rounded Corners 3">
-            <a:extLst>
-              <a:ext uri="{FF2B5EF4-FFF2-40B4-BE49-F238E27FC236}">
-                <a16:creationId xmlns:a16="http://schemas.microsoft.com/office/drawing/2014/main" id="{B81F5EA1-D868-46FC-9D64-6E2519EE0819}"/>
-              </a:ext>
-            </a:extLst>
-          </p:cNvPr>
-          <p:cNvSpPr/>
-          <p:nvPr/>
-        </p:nvSpPr>
-        <p:spPr>
-          <a:xfrm>
-            <a:off x="6575628" y="1463858"/>
-            <a:ext cx="955040" cy="933902"/>
-          </a:xfrm>
-          <a:prstGeom prst="roundRect">
-            <a:avLst/>
-          </a:prstGeom>
-        </p:spPr>
-        <p:style>
-          <a:lnRef idx="2">
-            <a:schemeClr val="accent1">
-              <a:shade val="50000"/>
-            </a:schemeClr>
-          </a:lnRef>
-          <a:fillRef idx="1">
-            <a:schemeClr val="accent1"/>
-          </a:fillRef>
-          <a:effectRef idx="0">
-            <a:schemeClr val="accent1"/>
-          </a:effectRef>
-          <a:fontRef idx="minor">
-            <a:schemeClr val="lt1"/>
-          </a:fontRef>
-        </p:style>
-        <p:txBody>
-          <a:bodyPr rtlCol="0" anchor="ctr"/>
-          <a:lstStyle/>
-          <a:p>
-            <a:pPr algn="ctr"/>
-            <a:endParaRPr lang="en-US"/>
-          </a:p>
-        </p:txBody>
-      </p:sp>
-      <p:sp>
-        <p:nvSpPr>
-          <p:cNvPr id="6" name="Rectangle: Rounded Corners 5">
-            <a:extLst>
-              <a:ext uri="{FF2B5EF4-FFF2-40B4-BE49-F238E27FC236}">
-                <a16:creationId xmlns:a16="http://schemas.microsoft.com/office/drawing/2014/main" id="{FDC59D2C-C549-49FA-B2B1-80A9E4C8EDEA}"/>
-              </a:ext>
-            </a:extLst>
-          </p:cNvPr>
-          <p:cNvSpPr/>
-          <p:nvPr/>
-        </p:nvSpPr>
-        <p:spPr>
-          <a:xfrm>
-            <a:off x="7175068" y="1234440"/>
-            <a:ext cx="2275840" cy="1229360"/>
-          </a:xfrm>
-          <a:prstGeom prst="roundRect">
-            <a:avLst/>
-          </a:prstGeom>
-        </p:spPr>
-        <p:style>
-          <a:lnRef idx="2">
-            <a:schemeClr val="accent1">
-              <a:shade val="50000"/>
-            </a:schemeClr>
-          </a:lnRef>
-          <a:fillRef idx="1">
-            <a:schemeClr val="accent1"/>
-          </a:fillRef>
-          <a:effectRef idx="0">
-            <a:schemeClr val="accent1"/>
-          </a:effectRef>
-          <a:fontRef idx="minor">
-            <a:schemeClr val="lt1"/>
-          </a:fontRef>
-        </p:style>
-        <p:txBody>
-          <a:bodyPr rtlCol="0" anchor="ctr"/>
-          <a:lstStyle/>
-          <a:p>
-            <a:pPr algn="ctr"/>
-            <a:endParaRPr lang="en-US"/>
-          </a:p>
-        </p:txBody>
-      </p:sp>
-      <p:sp>
-        <p:nvSpPr>
-          <p:cNvPr id="7" name="Rectangle: Rounded Corners 6">
-            <a:extLst>
-              <a:ext uri="{FF2B5EF4-FFF2-40B4-BE49-F238E27FC236}">
-                <a16:creationId xmlns:a16="http://schemas.microsoft.com/office/drawing/2014/main" id="{C99CA202-3DDB-4C88-906D-DF9A2E22A36F}"/>
-              </a:ext>
-            </a:extLst>
-          </p:cNvPr>
-          <p:cNvSpPr/>
-          <p:nvPr/>
-        </p:nvSpPr>
-        <p:spPr>
-          <a:xfrm>
-            <a:off x="6766560" y="3613665"/>
-            <a:ext cx="1341120" cy="1517135"/>
-          </a:xfrm>
-          <a:prstGeom prst="roundRect">
-            <a:avLst/>
-          </a:prstGeom>
-        </p:spPr>
-        <p:style>
-          <a:lnRef idx="2">
-            <a:schemeClr val="accent1">
-              <a:shade val="50000"/>
-            </a:schemeClr>
-          </a:lnRef>
-          <a:fillRef idx="1">
-            <a:schemeClr val="accent1"/>
-          </a:fillRef>
-          <a:effectRef idx="0">
-            <a:schemeClr val="accent1"/>
-          </a:effectRef>
-          <a:fontRef idx="minor">
-            <a:schemeClr val="lt1"/>
-          </a:fontRef>
-        </p:style>
-        <p:txBody>
-          <a:bodyPr rtlCol="0" anchor="ctr"/>
-          <a:lstStyle/>
-          <a:p>
-            <a:pPr algn="ctr"/>
-            <a:endParaRPr lang="en-US"/>
-          </a:p>
-        </p:txBody>
-      </p:sp>
-      <p:sp>
-        <p:nvSpPr>
-          <p:cNvPr id="8" name="Oval 7">
-            <a:extLst>
-              <a:ext uri="{FF2B5EF4-FFF2-40B4-BE49-F238E27FC236}">
-                <a16:creationId xmlns:a16="http://schemas.microsoft.com/office/drawing/2014/main" id="{DEC00AFA-04DB-4972-8AC6-AA5900F7FD6E}"/>
-              </a:ext>
-            </a:extLst>
-          </p:cNvPr>
-          <p:cNvSpPr/>
-          <p:nvPr/>
-        </p:nvSpPr>
-        <p:spPr>
-          <a:xfrm>
-            <a:off x="7437120" y="3473210"/>
-            <a:ext cx="2275840" cy="1745735"/>
-          </a:xfrm>
-          <a:prstGeom prst="ellipse">
-            <a:avLst/>
-          </a:prstGeom>
-        </p:spPr>
-        <p:style>
-          <a:lnRef idx="2">
-            <a:schemeClr val="accent1">
-              <a:shade val="50000"/>
-            </a:schemeClr>
-          </a:lnRef>
-          <a:fillRef idx="1">
-            <a:schemeClr val="accent1"/>
-          </a:fillRef>
-          <a:effectRef idx="0">
-            <a:schemeClr val="accent1"/>
-          </a:effectRef>
-          <a:fontRef idx="minor">
-            <a:schemeClr val="lt1"/>
-          </a:fontRef>
-        </p:style>
-        <p:txBody>
-          <a:bodyPr rtlCol="0" anchor="ctr"/>
-          <a:lstStyle/>
-          <a:p>
-            <a:pPr algn="ctr"/>
-            <a:endParaRPr lang="en-US"/>
-          </a:p>
-        </p:txBody>
-      </p:sp>
-      <p:grpSp>
-        <p:nvGrpSpPr>
-          <p:cNvPr id="14" name="Group 13">
-            <a:extLst>
-              <a:ext uri="{FF2B5EF4-FFF2-40B4-BE49-F238E27FC236}">
-                <a16:creationId xmlns:a16="http://schemas.microsoft.com/office/drawing/2014/main" id="{BA53074D-3764-40BA-9AEB-DBD140381D5C}"/>
-              </a:ext>
-            </a:extLst>
-          </p:cNvPr>
-          <p:cNvGrpSpPr/>
-          <p:nvPr/>
-        </p:nvGrpSpPr>
-        <p:grpSpPr>
-          <a:xfrm>
-            <a:off x="1231654" y="1341938"/>
-            <a:ext cx="3018875" cy="3106633"/>
-            <a:chOff x="535019" y="1352098"/>
-            <a:chExt cx="3018875" cy="3106633"/>
-          </a:xfrm>
-        </p:grpSpPr>
-        <p:pic>
-          <p:nvPicPr>
-            <p:cNvPr id="9" name="Picture 8">
-              <a:extLst>
-                <a:ext uri="{FF2B5EF4-FFF2-40B4-BE49-F238E27FC236}">
-                  <a16:creationId xmlns:a16="http://schemas.microsoft.com/office/drawing/2014/main" id="{8D90B5BE-D413-4114-BE86-0A1C58EB867D}"/>
-                </a:ext>
-              </a:extLst>
-            </p:cNvPr>
-            <p:cNvPicPr>
-              <a:picLocks noChangeAspect="1"/>
-            </p:cNvPicPr>
-            <p:nvPr/>
-          </p:nvPicPr>
-          <p:blipFill>
-            <a:blip r:embed="rId2"/>
-            <a:srcRect/>
-            <a:stretch>
-              <a:fillRect/>
-            </a:stretch>
-          </p:blipFill>
-          <p:spPr>
-            <a:xfrm>
-              <a:off x="535019" y="1352098"/>
-              <a:ext cx="3018875" cy="3106633"/>
-            </a:xfrm>
-            <a:custGeom>
-              <a:avLst/>
-              <a:gdLst>
-                <a:gd name="connsiteX0" fmla="*/ 1922479 w 3018875"/>
-                <a:gd name="connsiteY0" fmla="*/ 630036 h 3106633"/>
-                <a:gd name="connsiteX1" fmla="*/ 1922479 w 3018875"/>
-                <a:gd name="connsiteY1" fmla="*/ 2220927 h 3106633"/>
-                <a:gd name="connsiteX2" fmla="*/ 2701557 w 3018875"/>
-                <a:gd name="connsiteY2" fmla="*/ 2220927 h 3106633"/>
-                <a:gd name="connsiteX3" fmla="*/ 2701557 w 3018875"/>
-                <a:gd name="connsiteY3" fmla="*/ 630036 h 3106633"/>
-                <a:gd name="connsiteX4" fmla="*/ 0 w 3018875"/>
-                <a:gd name="connsiteY4" fmla="*/ 0 h 3106633"/>
-                <a:gd name="connsiteX5" fmla="*/ 3018875 w 3018875"/>
-                <a:gd name="connsiteY5" fmla="*/ 0 h 3106633"/>
-                <a:gd name="connsiteX6" fmla="*/ 3018875 w 3018875"/>
-                <a:gd name="connsiteY6" fmla="*/ 3106633 h 3106633"/>
-                <a:gd name="connsiteX7" fmla="*/ 0 w 3018875"/>
-                <a:gd name="connsiteY7" fmla="*/ 3106633 h 3106633"/>
-              </a:gdLst>
-              <a:ahLst/>
-              <a:cxnLst>
-                <a:cxn ang="0">
-                  <a:pos x="connsiteX0" y="connsiteY0"/>
-                </a:cxn>
-                <a:cxn ang="0">
-                  <a:pos x="connsiteX1" y="connsiteY1"/>
-                </a:cxn>
-                <a:cxn ang="0">
-                  <a:pos x="connsiteX2" y="connsiteY2"/>
-                </a:cxn>
-                <a:cxn ang="0">
-                  <a:pos x="connsiteX3" y="connsiteY3"/>
-                </a:cxn>
-                <a:cxn ang="0">
-                  <a:pos x="connsiteX4" y="connsiteY4"/>
-                </a:cxn>
-                <a:cxn ang="0">
-                  <a:pos x="connsiteX5" y="connsiteY5"/>
-                </a:cxn>
-                <a:cxn ang="0">
-                  <a:pos x="connsiteX6" y="connsiteY6"/>
-                </a:cxn>
-                <a:cxn ang="0">
-                  <a:pos x="connsiteX7" y="connsiteY7"/>
-                </a:cxn>
-              </a:cxnLst>
-              <a:rect l="l" t="t" r="r" b="b"/>
-              <a:pathLst>
-                <a:path w="3018875" h="3106633">
-                  <a:moveTo>
-                    <a:pt x="1922479" y="630036"/>
-                  </a:moveTo>
-                  <a:lnTo>
-                    <a:pt x="1922479" y="2220927"/>
-                  </a:lnTo>
-                  <a:lnTo>
-                    <a:pt x="2701557" y="2220927"/>
-                  </a:lnTo>
-                  <a:lnTo>
-                    <a:pt x="2701557" y="630036"/>
-                  </a:lnTo>
-                  <a:close/>
-                  <a:moveTo>
-                    <a:pt x="0" y="0"/>
-                  </a:moveTo>
-                  <a:lnTo>
-                    <a:pt x="3018875" y="0"/>
-                  </a:lnTo>
-                  <a:lnTo>
-                    <a:pt x="3018875" y="3106633"/>
-                  </a:lnTo>
-                  <a:lnTo>
-                    <a:pt x="0" y="3106633"/>
-                  </a:lnTo>
-                  <a:close/>
-                </a:path>
-              </a:pathLst>
-            </a:custGeom>
-          </p:spPr>
-        </p:pic>
-        <p:cxnSp>
-          <p:nvCxnSpPr>
-            <p:cNvPr id="11" name="Straight Arrow Connector 10">
-              <a:extLst>
-                <a:ext uri="{FF2B5EF4-FFF2-40B4-BE49-F238E27FC236}">
-                  <a16:creationId xmlns:a16="http://schemas.microsoft.com/office/drawing/2014/main" id="{E6DDC433-D7BB-4656-95C7-ADAE97DB0B16}"/>
-                </a:ext>
-              </a:extLst>
-            </p:cNvPr>
-            <p:cNvCxnSpPr/>
-            <p:nvPr/>
-          </p:nvCxnSpPr>
-          <p:spPr>
-            <a:xfrm>
-              <a:off x="2560320" y="2082800"/>
-              <a:ext cx="0" cy="1346200"/>
-            </a:xfrm>
-            <a:prstGeom prst="straightConnector1">
-              <a:avLst/>
-            </a:prstGeom>
-            <a:ln>
-              <a:solidFill>
-                <a:srgbClr val="FF0000"/>
-              </a:solidFill>
-              <a:tailEnd type="triangle"/>
-            </a:ln>
-          </p:spPr>
-          <p:style>
-            <a:lnRef idx="2">
-              <a:schemeClr val="accent1"/>
-            </a:lnRef>
-            <a:fillRef idx="0">
-              <a:schemeClr val="accent1"/>
-            </a:fillRef>
-            <a:effectRef idx="1">
-              <a:schemeClr val="accent1"/>
-            </a:effectRef>
-            <a:fontRef idx="minor">
-              <a:schemeClr val="tx1"/>
-            </a:fontRef>
-          </p:style>
-        </p:cxnSp>
-        <p:cxnSp>
-          <p:nvCxnSpPr>
-            <p:cNvPr id="12" name="Straight Arrow Connector 11">
-              <a:extLst>
-                <a:ext uri="{FF2B5EF4-FFF2-40B4-BE49-F238E27FC236}">
-                  <a16:creationId xmlns:a16="http://schemas.microsoft.com/office/drawing/2014/main" id="{F7722395-E5FB-4CEB-8721-0BB1DEA0EB44}"/>
-                </a:ext>
-              </a:extLst>
-            </p:cNvPr>
-            <p:cNvCxnSpPr>
-              <a:cxnSpLocks/>
-            </p:cNvCxnSpPr>
-            <p:nvPr/>
-          </p:nvCxnSpPr>
-          <p:spPr>
-            <a:xfrm flipV="1">
-              <a:off x="2885440" y="2082800"/>
-              <a:ext cx="0" cy="1346200"/>
-            </a:xfrm>
-            <a:prstGeom prst="straightConnector1">
-              <a:avLst/>
-            </a:prstGeom>
-            <a:ln>
-              <a:solidFill>
-                <a:schemeClr val="tx2">
-                  <a:lumMod val="50000"/>
-                  <a:lumOff val="50000"/>
-                </a:schemeClr>
-              </a:solidFill>
-              <a:tailEnd type="triangle"/>
-            </a:ln>
-          </p:spPr>
-          <p:style>
-            <a:lnRef idx="2">
-              <a:schemeClr val="accent1"/>
-            </a:lnRef>
-            <a:fillRef idx="0">
-              <a:schemeClr val="accent1"/>
-            </a:fillRef>
-            <a:effectRef idx="1">
-              <a:schemeClr val="accent1"/>
-            </a:effectRef>
-            <a:fontRef idx="minor">
-              <a:schemeClr val="tx1"/>
-            </a:fontRef>
-          </p:style>
-        </p:cxnSp>
-        <p:cxnSp>
-          <p:nvCxnSpPr>
-            <p:cNvPr id="13" name="Straight Arrow Connector 12">
-              <a:extLst>
-                <a:ext uri="{FF2B5EF4-FFF2-40B4-BE49-F238E27FC236}">
-                  <a16:creationId xmlns:a16="http://schemas.microsoft.com/office/drawing/2014/main" id="{9D377F0A-BAD0-4DC3-AF50-32192FC3187F}"/>
-                </a:ext>
-              </a:extLst>
-            </p:cNvPr>
-            <p:cNvCxnSpPr>
-              <a:cxnSpLocks/>
-            </p:cNvCxnSpPr>
-            <p:nvPr/>
-          </p:nvCxnSpPr>
-          <p:spPr>
-            <a:xfrm flipV="1">
-              <a:off x="3129280" y="2082800"/>
-              <a:ext cx="0" cy="1346200"/>
-            </a:xfrm>
-            <a:prstGeom prst="straightConnector1">
-              <a:avLst/>
-            </a:prstGeom>
-            <a:ln>
-              <a:solidFill>
-                <a:schemeClr val="tx1"/>
-              </a:solidFill>
-              <a:tailEnd type="triangle"/>
-            </a:ln>
-          </p:spPr>
-          <p:style>
-            <a:lnRef idx="2">
-              <a:schemeClr val="accent1"/>
-            </a:lnRef>
-            <a:fillRef idx="0">
-              <a:schemeClr val="accent1"/>
-            </a:fillRef>
-            <a:effectRef idx="1">
-              <a:schemeClr val="accent1"/>
-            </a:effectRef>
-            <a:fontRef idx="minor">
-              <a:schemeClr val="tx1"/>
-            </a:fontRef>
-          </p:style>
-        </p:cxnSp>
-      </p:grpSp>
-    </p:spTree>
-    <p:extLst>
-      <p:ext uri="{BB962C8B-B14F-4D97-AF65-F5344CB8AC3E}">
-        <p14:creationId xmlns:p14="http://schemas.microsoft.com/office/powerpoint/2010/main" val="843940391"/>
-      </p:ext>
-    </p:extLst>
-  </p:cSld>
-  <p:clrMapOvr>
-    <a:masterClrMapping/>
-  </p:clrMapOvr>
-</p:sld>
-</file>
-
-<file path=ppt/slides/slide13.xml><?xml version="1.0" encoding="utf-8"?>
-<p:sld xmlns:a="http://schemas.openxmlformats.org/drawingml/2006/main" xmlns:r="http://schemas.openxmlformats.org/officeDocument/2006/relationships" xmlns:p="http://schemas.openxmlformats.org/presentationml/2006/main">
-  <p:cSld>
-    <p:spTree>
-      <p:nvGrpSpPr>
-        <p:cNvPr id="1" name=""/>
-        <p:cNvGrpSpPr/>
-        <p:nvPr/>
-      </p:nvGrpSpPr>
-      <p:grpSpPr>
-        <a:xfrm>
-          <a:off x="0" y="0"/>
-          <a:ext cx="0" cy="0"/>
-          <a:chOff x="0" y="0"/>
-          <a:chExt cx="0" cy="0"/>
-        </a:xfrm>
-      </p:grpSpPr>
-      <p:sp>
-        <p:nvSpPr>
           <p:cNvPr id="3" name="TextBox 2">
             <a:extLst>
               <a:ext uri="{FF2B5EF4-FFF2-40B4-BE49-F238E27FC236}">
@@ -5544,7 +6089,7 @@
         </p:nvSpPr>
         <p:spPr>
           <a:xfrm>
-            <a:off x="322868" y="107564"/>
+            <a:off x="381788" y="157995"/>
             <a:ext cx="6094428" cy="369332"/>
           </a:xfrm>
           <a:prstGeom prst="rect">
@@ -5609,560 +6154,317 @@
           </a:p>
         </p:txBody>
       </p:sp>
-      <p:sp>
-        <p:nvSpPr>
-          <p:cNvPr id="5" name="Rectangle 4">
+      <p:grpSp>
+        <p:nvGrpSpPr>
+          <p:cNvPr id="2" name="Group 1">
             <a:extLst>
               <a:ext uri="{FF2B5EF4-FFF2-40B4-BE49-F238E27FC236}">
-                <a16:creationId xmlns:a16="http://schemas.microsoft.com/office/drawing/2014/main" id="{C795C48A-A1E6-192E-00B3-3E9FB3803EFC}"/>
+                <a16:creationId xmlns:a16="http://schemas.microsoft.com/office/drawing/2014/main" id="{28967601-52D6-42EE-8995-EDF722E9018D}"/>
               </a:ext>
             </a:extLst>
           </p:cNvPr>
-          <p:cNvSpPr/>
+          <p:cNvGrpSpPr/>
           <p:nvPr/>
-        </p:nvSpPr>
-        <p:spPr>
+        </p:nvGrpSpPr>
+        <p:grpSpPr>
           <a:xfrm>
-            <a:off x="10455753" y="1814449"/>
-            <a:ext cx="242726" cy="1590891"/>
+            <a:off x="837441" y="4339788"/>
+            <a:ext cx="1847850" cy="1683212"/>
+            <a:chOff x="1189059" y="4582357"/>
+            <a:chExt cx="1847850" cy="1683212"/>
           </a:xfrm>
-          <a:prstGeom prst="rect">
-            <a:avLst/>
-          </a:prstGeom>
-          <a:solidFill>
-            <a:schemeClr val="bg1"/>
-          </a:solidFill>
-          <a:ln>
+        </p:grpSpPr>
+        <p:sp>
+          <p:nvSpPr>
+            <p:cNvPr id="25" name="TextBox 24">
+              <a:extLst>
+                <a:ext uri="{FF2B5EF4-FFF2-40B4-BE49-F238E27FC236}">
+                  <a16:creationId xmlns:a16="http://schemas.microsoft.com/office/drawing/2014/main" id="{74AD39A0-BCAA-19BC-714D-E48F373ED305}"/>
+                </a:ext>
+              </a:extLst>
+            </p:cNvPr>
+            <p:cNvSpPr txBox="1"/>
+            <p:nvPr/>
+          </p:nvSpPr>
+          <p:spPr>
+            <a:xfrm>
+              <a:off x="1189059" y="4582357"/>
+              <a:ext cx="1847850" cy="369332"/>
+            </a:xfrm>
+            <a:prstGeom prst="rect">
+              <a:avLst/>
+            </a:prstGeom>
             <a:noFill/>
-          </a:ln>
-        </p:spPr>
-        <p:style>
-          <a:lnRef idx="2">
-            <a:schemeClr val="accent1">
-              <a:shade val="15000"/>
-            </a:schemeClr>
-          </a:lnRef>
-          <a:fillRef idx="1">
-            <a:schemeClr val="accent1"/>
-          </a:fillRef>
-          <a:effectRef idx="0">
-            <a:schemeClr val="accent1"/>
-          </a:effectRef>
-          <a:fontRef idx="minor">
-            <a:schemeClr val="lt1"/>
-          </a:fontRef>
-        </p:style>
-        <p:txBody>
-          <a:bodyPr rtlCol="0" anchor="ctr"/>
-          <a:lstStyle/>
-          <a:p>
-            <a:pPr algn="ctr"/>
-            <a:endParaRPr lang="en-US"/>
-          </a:p>
-        </p:txBody>
-      </p:sp>
-      <p:sp>
-        <p:nvSpPr>
-          <p:cNvPr id="25" name="TextBox 24">
-            <a:extLst>
-              <a:ext uri="{FF2B5EF4-FFF2-40B4-BE49-F238E27FC236}">
-                <a16:creationId xmlns:a16="http://schemas.microsoft.com/office/drawing/2014/main" id="{74AD39A0-BCAA-19BC-714D-E48F373ED305}"/>
-              </a:ext>
-            </a:extLst>
-          </p:cNvPr>
-          <p:cNvSpPr txBox="1"/>
-          <p:nvPr/>
-        </p:nvSpPr>
-        <p:spPr>
-          <a:xfrm>
-            <a:off x="1189059" y="4582357"/>
-            <a:ext cx="1847850" cy="369332"/>
-          </a:xfrm>
-          <a:prstGeom prst="rect">
-            <a:avLst/>
-          </a:prstGeom>
-          <a:noFill/>
-        </p:spPr>
-        <p:txBody>
-          <a:bodyPr wrap="square">
-            <a:spAutoFit/>
-          </a:bodyPr>
-          <a:lstStyle/>
-          <a:p>
-            <a:r>
-              <a:rPr lang="en-US" sz="1800">
-                <a:effectLst/>
-                <a:latin typeface="Calibri" panose="020F0502020204030204" pitchFamily="34" charset="0"/>
-                <a:ea typeface="等线" panose="02010600030101010101" pitchFamily="2" charset="-122"/>
-                <a:cs typeface="Times New Roman" panose="02020603050405020304" pitchFamily="18" charset="0"/>
-              </a:rPr>
-              <a:t>V</a:t>
-            </a:r>
-            <a:r>
-              <a:rPr lang="en-US" sz="1800" baseline="-25000">
-                <a:effectLst/>
-                <a:latin typeface="Calibri" panose="020F0502020204030204" pitchFamily="34" charset="0"/>
-                <a:ea typeface="等线" panose="02010600030101010101" pitchFamily="2" charset="-122"/>
-                <a:cs typeface="Times New Roman" panose="02020603050405020304" pitchFamily="18" charset="0"/>
-              </a:rPr>
-              <a:t>TDS</a:t>
-            </a:r>
-            <a:r>
-              <a:rPr lang="en-US" sz="1800">
-                <a:effectLst/>
-                <a:latin typeface="Calibri" panose="020F0502020204030204" pitchFamily="34" charset="0"/>
-                <a:ea typeface="等线" panose="02010600030101010101" pitchFamily="2" charset="-122"/>
-                <a:cs typeface="Times New Roman" panose="02020603050405020304" pitchFamily="18" charset="0"/>
-              </a:rPr>
-              <a:t>/c</a:t>
-            </a:r>
-            <a:r>
-              <a:rPr lang="en-US" sz="1800">
-                <a:effectLst/>
-                <a:latin typeface="Cambria Math" panose="02040503050406030204" pitchFamily="18" charset="0"/>
-                <a:ea typeface="等线" panose="02010600030101010101" pitchFamily="2" charset="-122"/>
-                <a:cs typeface="Cambria Math" panose="02040503050406030204" pitchFamily="18" charset="0"/>
-              </a:rPr>
-              <a:t>∼</a:t>
-            </a:r>
-            <a:r>
-              <a:rPr lang="en-US" sz="1800">
-                <a:effectLst/>
-                <a:latin typeface="Calibri" panose="020F0502020204030204" pitchFamily="34" charset="0"/>
-                <a:ea typeface="等线" panose="02010600030101010101" pitchFamily="2" charset="-122"/>
-                <a:cs typeface="Times New Roman" panose="02020603050405020304" pitchFamily="18" charset="0"/>
-              </a:rPr>
-              <a:t> -0.0333 </a:t>
-            </a:r>
-            <a:endParaRPr lang="en-US" dirty="0"/>
-          </a:p>
-        </p:txBody>
-      </p:sp>
-      <p:sp>
-        <p:nvSpPr>
-          <p:cNvPr id="27" name="TextBox 26">
-            <a:extLst>
-              <a:ext uri="{FF2B5EF4-FFF2-40B4-BE49-F238E27FC236}">
-                <a16:creationId xmlns:a16="http://schemas.microsoft.com/office/drawing/2014/main" id="{02B8A970-1145-0953-9A91-1560650FA7A7}"/>
-              </a:ext>
-            </a:extLst>
-          </p:cNvPr>
-          <p:cNvSpPr txBox="1"/>
-          <p:nvPr/>
-        </p:nvSpPr>
-        <p:spPr>
-          <a:xfrm>
-            <a:off x="1189059" y="4993092"/>
-            <a:ext cx="1152525" cy="369332"/>
-          </a:xfrm>
-          <a:prstGeom prst="rect">
-            <a:avLst/>
-          </a:prstGeom>
-          <a:noFill/>
-        </p:spPr>
-        <p:txBody>
-          <a:bodyPr wrap="square">
-            <a:spAutoFit/>
-          </a:bodyPr>
-          <a:lstStyle/>
-          <a:p>
-            <a:r>
-              <a:rPr lang="en-US" sz="1800">
-                <a:effectLst/>
-                <a:latin typeface="Calibri" panose="020F0502020204030204" pitchFamily="34" charset="0"/>
-                <a:ea typeface="等线" panose="02010600030101010101" pitchFamily="2" charset="-122"/>
-                <a:cs typeface="Times New Roman" panose="02020603050405020304" pitchFamily="18" charset="0"/>
-              </a:rPr>
-              <a:t>B</a:t>
-            </a:r>
-            <a:r>
-              <a:rPr lang="en-US" sz="1800" baseline="-25000">
-                <a:effectLst/>
-                <a:latin typeface="Calibri" panose="020F0502020204030204" pitchFamily="34" charset="0"/>
-                <a:ea typeface="等线" panose="02010600030101010101" pitchFamily="2" charset="-122"/>
-                <a:cs typeface="Times New Roman" panose="02020603050405020304" pitchFamily="18" charset="0"/>
-              </a:rPr>
-              <a:t>0</a:t>
-            </a:r>
-            <a:r>
-              <a:rPr lang="en-US" sz="1800">
-                <a:effectLst/>
-                <a:latin typeface="Cambria Math" panose="02040503050406030204" pitchFamily="18" charset="0"/>
-                <a:ea typeface="等线" panose="02010600030101010101" pitchFamily="2" charset="-122"/>
-                <a:cs typeface="Cambria Math" panose="02040503050406030204" pitchFamily="18" charset="0"/>
-              </a:rPr>
-              <a:t>∼</a:t>
-            </a:r>
-            <a:r>
-              <a:rPr lang="en-US" sz="1800">
-                <a:effectLst/>
-                <a:latin typeface="Calibri" panose="020F0502020204030204" pitchFamily="34" charset="0"/>
-                <a:ea typeface="等线" panose="02010600030101010101" pitchFamily="2" charset="-122"/>
-                <a:cs typeface="Times New Roman" panose="02020603050405020304" pitchFamily="18" charset="0"/>
-              </a:rPr>
-              <a:t>64 nT</a:t>
-            </a:r>
-            <a:endParaRPr lang="en-US" dirty="0"/>
-          </a:p>
-        </p:txBody>
-      </p:sp>
-      <p:sp>
-        <p:nvSpPr>
-          <p:cNvPr id="29" name="TextBox 28">
-            <a:extLst>
-              <a:ext uri="{FF2B5EF4-FFF2-40B4-BE49-F238E27FC236}">
-                <a16:creationId xmlns:a16="http://schemas.microsoft.com/office/drawing/2014/main" id="{9728DC3F-1053-B6FF-3306-D89BF7B53F5A}"/>
-              </a:ext>
-            </a:extLst>
-          </p:cNvPr>
-          <p:cNvSpPr txBox="1"/>
-          <p:nvPr/>
-        </p:nvSpPr>
-        <p:spPr>
-          <a:xfrm>
-            <a:off x="1189059" y="5434786"/>
-            <a:ext cx="1762125" cy="369332"/>
-          </a:xfrm>
-          <a:prstGeom prst="rect">
-            <a:avLst/>
-          </a:prstGeom>
-          <a:noFill/>
-        </p:spPr>
-        <p:txBody>
-          <a:bodyPr wrap="square">
-            <a:spAutoFit/>
-          </a:bodyPr>
-          <a:lstStyle/>
-          <a:p>
-            <a:r>
-              <a:rPr lang="en-US" sz="1800" dirty="0">
-                <a:effectLst/>
-                <a:latin typeface="Calibri" panose="020F0502020204030204" pitchFamily="34" charset="0"/>
-                <a:ea typeface="等线" panose="02010600030101010101" pitchFamily="2" charset="-122"/>
-                <a:cs typeface="Times New Roman" panose="02020603050405020304" pitchFamily="18" charset="0"/>
-              </a:rPr>
-              <a:t>E</a:t>
-            </a:r>
-            <a:r>
-              <a:rPr lang="en-US" sz="1800" baseline="-25000" dirty="0">
-                <a:effectLst/>
-                <a:latin typeface="Calibri" panose="020F0502020204030204" pitchFamily="34" charset="0"/>
-                <a:ea typeface="等线" panose="02010600030101010101" pitchFamily="2" charset="-122"/>
-                <a:cs typeface="Times New Roman" panose="02020603050405020304" pitchFamily="18" charset="0"/>
-              </a:rPr>
-              <a:t>0</a:t>
-            </a:r>
-            <a:r>
-              <a:rPr lang="en-US" sz="1800" dirty="0">
-                <a:effectLst/>
-                <a:latin typeface="Cambria Math" panose="02040503050406030204" pitchFamily="18" charset="0"/>
-                <a:ea typeface="等线" panose="02010600030101010101" pitchFamily="2" charset="-122"/>
-                <a:cs typeface="Cambria Math" panose="02040503050406030204" pitchFamily="18" charset="0"/>
-              </a:rPr>
-              <a:t>∼</a:t>
-            </a:r>
-            <a:r>
-              <a:rPr lang="en-US" sz="1800" dirty="0">
-                <a:effectLst/>
-                <a:latin typeface="Calibri" panose="020F0502020204030204" pitchFamily="34" charset="0"/>
-                <a:ea typeface="等线" panose="02010600030101010101" pitchFamily="2" charset="-122"/>
-                <a:cs typeface="Times New Roman" panose="02020603050405020304" pitchFamily="18" charset="0"/>
-              </a:rPr>
-              <a:t>100 mV/m</a:t>
-            </a:r>
-            <a:endParaRPr lang="en-US" dirty="0"/>
-          </a:p>
-        </p:txBody>
-      </p:sp>
-      <p:sp>
-        <p:nvSpPr>
-          <p:cNvPr id="31" name="TextBox 30">
-            <a:extLst>
-              <a:ext uri="{FF2B5EF4-FFF2-40B4-BE49-F238E27FC236}">
-                <a16:creationId xmlns:a16="http://schemas.microsoft.com/office/drawing/2014/main" id="{C3F72AA2-456C-5824-EFCC-F375D2193374}"/>
-              </a:ext>
-            </a:extLst>
-          </p:cNvPr>
-          <p:cNvSpPr txBox="1"/>
-          <p:nvPr/>
-        </p:nvSpPr>
-        <p:spPr>
-          <a:xfrm>
-            <a:off x="1189059" y="5896237"/>
-            <a:ext cx="1533525" cy="369332"/>
-          </a:xfrm>
-          <a:prstGeom prst="rect">
-            <a:avLst/>
-          </a:prstGeom>
-          <a:noFill/>
-        </p:spPr>
-        <p:txBody>
-          <a:bodyPr wrap="square">
-            <a:spAutoFit/>
-          </a:bodyPr>
-          <a:lstStyle/>
-          <a:p>
-            <a:r>
-              <a:rPr lang="en-US" sz="1800" dirty="0">
-                <a:effectLst/>
-                <a:latin typeface="Calibri" panose="020F0502020204030204" pitchFamily="34" charset="0"/>
-                <a:ea typeface="等线" panose="02010600030101010101" pitchFamily="2" charset="-122"/>
-                <a:cs typeface="Times New Roman" panose="02020603050405020304" pitchFamily="18" charset="0"/>
-              </a:rPr>
-              <a:t>n</a:t>
-            </a:r>
-            <a:r>
-              <a:rPr lang="en-US" sz="1800" baseline="-25000" dirty="0">
-                <a:effectLst/>
-                <a:latin typeface="Calibri" panose="020F0502020204030204" pitchFamily="34" charset="0"/>
-                <a:ea typeface="等线" panose="02010600030101010101" pitchFamily="2" charset="-122"/>
-                <a:cs typeface="Times New Roman" panose="02020603050405020304" pitchFamily="18" charset="0"/>
-              </a:rPr>
-              <a:t>e</a:t>
-            </a:r>
-            <a:r>
-              <a:rPr lang="en-US" sz="1800" dirty="0">
-                <a:effectLst/>
-                <a:latin typeface="Cambria Math" panose="02040503050406030204" pitchFamily="18" charset="0"/>
-                <a:ea typeface="等线" panose="02010600030101010101" pitchFamily="2" charset="-122"/>
-                <a:cs typeface="Cambria Math" panose="02040503050406030204" pitchFamily="18" charset="0"/>
-              </a:rPr>
-              <a:t>∼</a:t>
-            </a:r>
-            <a:r>
-              <a:rPr lang="en-US" sz="1800" dirty="0">
-                <a:effectLst/>
-                <a:latin typeface="Calibri" panose="020F0502020204030204" pitchFamily="34" charset="0"/>
-                <a:ea typeface="等线" panose="02010600030101010101" pitchFamily="2" charset="-122"/>
-                <a:cs typeface="Times New Roman" panose="02020603050405020304" pitchFamily="18" charset="0"/>
-              </a:rPr>
-              <a:t>0.15 cm</a:t>
-            </a:r>
-            <a:r>
-              <a:rPr lang="en-US" sz="1800" baseline="30000" dirty="0">
-                <a:effectLst/>
-                <a:latin typeface="Calibri" panose="020F0502020204030204" pitchFamily="34" charset="0"/>
-                <a:ea typeface="等线" panose="02010600030101010101" pitchFamily="2" charset="-122"/>
-                <a:cs typeface="Times New Roman" panose="02020603050405020304" pitchFamily="18" charset="0"/>
-              </a:rPr>
-              <a:t>-3</a:t>
-            </a:r>
-            <a:endParaRPr lang="en-US" dirty="0"/>
-          </a:p>
-        </p:txBody>
-      </p:sp>
-      <p:sp>
-        <p:nvSpPr>
-          <p:cNvPr id="32" name="TextBox 31">
-            <a:extLst>
-              <a:ext uri="{FF2B5EF4-FFF2-40B4-BE49-F238E27FC236}">
-                <a16:creationId xmlns:a16="http://schemas.microsoft.com/office/drawing/2014/main" id="{C531EC93-D96D-BAD8-30BD-F504DE32D9E7}"/>
-              </a:ext>
-            </a:extLst>
-          </p:cNvPr>
-          <p:cNvSpPr txBox="1"/>
-          <p:nvPr/>
-        </p:nvSpPr>
-        <p:spPr>
-          <a:xfrm>
-            <a:off x="6518577" y="5233043"/>
-            <a:ext cx="4538331" cy="369332"/>
-          </a:xfrm>
-          <a:prstGeom prst="rect">
-            <a:avLst/>
-          </a:prstGeom>
-          <a:noFill/>
-        </p:spPr>
-        <p:txBody>
-          <a:bodyPr wrap="square" rtlCol="0">
-            <a:spAutoFit/>
-          </a:bodyPr>
-          <a:lstStyle/>
-          <a:p>
-            <a:r>
-              <a:rPr lang="en-US" dirty="0"/>
-              <a:t>NDE resonant speed = V</a:t>
-            </a:r>
-            <a:r>
-              <a:rPr lang="en-US" baseline="-25000" dirty="0"/>
-              <a:t>TDS</a:t>
-            </a:r>
-            <a:endParaRPr lang="en-US" dirty="0"/>
-          </a:p>
-        </p:txBody>
-      </p:sp>
-      <p:sp>
-        <p:nvSpPr>
-          <p:cNvPr id="34" name="TextBox 33">
-            <a:extLst>
-              <a:ext uri="{FF2B5EF4-FFF2-40B4-BE49-F238E27FC236}">
-                <a16:creationId xmlns:a16="http://schemas.microsoft.com/office/drawing/2014/main" id="{14B73306-1BE6-40DB-26B9-DFBA6B07CE46}"/>
-              </a:ext>
-            </a:extLst>
-          </p:cNvPr>
-          <p:cNvSpPr txBox="1"/>
-          <p:nvPr/>
-        </p:nvSpPr>
-        <p:spPr>
-          <a:xfrm>
-            <a:off x="4392909" y="5046552"/>
-            <a:ext cx="1554630" cy="369332"/>
-          </a:xfrm>
-          <a:prstGeom prst="rect">
-            <a:avLst/>
-          </a:prstGeom>
-          <a:noFill/>
-        </p:spPr>
-        <p:txBody>
-          <a:bodyPr wrap="square">
-            <a:spAutoFit/>
-          </a:bodyPr>
-          <a:lstStyle/>
-          <a:p>
-            <a:r>
-              <a:rPr lang="en-US" sz="1800" dirty="0">
-                <a:effectLst/>
-                <a:latin typeface="Calibri" panose="020F0502020204030204" pitchFamily="34" charset="0"/>
-                <a:ea typeface="等线" panose="02010600030101010101" pitchFamily="2" charset="-122"/>
-                <a:cs typeface="Times New Roman" panose="02020603050405020304" pitchFamily="18" charset="0"/>
-              </a:rPr>
-              <a:t>ω/Ω = −0.845</a:t>
-            </a:r>
-            <a:endParaRPr lang="en-US" dirty="0"/>
-          </a:p>
-        </p:txBody>
-      </p:sp>
-      <p:sp>
-        <p:nvSpPr>
-          <p:cNvPr id="36" name="TextBox 35">
-            <a:extLst>
-              <a:ext uri="{FF2B5EF4-FFF2-40B4-BE49-F238E27FC236}">
-                <a16:creationId xmlns:a16="http://schemas.microsoft.com/office/drawing/2014/main" id="{A91FFA01-B524-0C17-81BE-1DAA9515460B}"/>
-              </a:ext>
-            </a:extLst>
-          </p:cNvPr>
-          <p:cNvSpPr txBox="1"/>
-          <p:nvPr/>
-        </p:nvSpPr>
-        <p:spPr>
-          <a:xfrm>
-            <a:off x="3167568" y="5476666"/>
-            <a:ext cx="2928432" cy="369332"/>
-          </a:xfrm>
-          <a:prstGeom prst="rect">
-            <a:avLst/>
-          </a:prstGeom>
-          <a:noFill/>
-        </p:spPr>
-        <p:txBody>
-          <a:bodyPr wrap="square">
-            <a:spAutoFit/>
-          </a:bodyPr>
-          <a:lstStyle/>
-          <a:p>
-            <a:r>
-              <a:rPr lang="en-US" sz="1800" dirty="0">
-                <a:effectLst/>
-                <a:latin typeface="Calibri" panose="020F0502020204030204" pitchFamily="34" charset="0"/>
-                <a:ea typeface="等线" panose="02010600030101010101" pitchFamily="2" charset="-122"/>
-                <a:cs typeface="Times New Roman" panose="02020603050405020304" pitchFamily="18" charset="0"/>
-              </a:rPr>
-              <a:t>refractive index n = 5.4655 </a:t>
-            </a:r>
-            <a:endParaRPr lang="en-US" dirty="0"/>
-          </a:p>
-        </p:txBody>
-      </p:sp>
-      <p:sp>
-        <p:nvSpPr>
-          <p:cNvPr id="37" name="Arrow: Right 36">
-            <a:extLst>
-              <a:ext uri="{FF2B5EF4-FFF2-40B4-BE49-F238E27FC236}">
-                <a16:creationId xmlns:a16="http://schemas.microsoft.com/office/drawing/2014/main" id="{A260EDF4-3D7D-6494-ADEE-99F065BAF3F2}"/>
-              </a:ext>
-            </a:extLst>
-          </p:cNvPr>
-          <p:cNvSpPr/>
-          <p:nvPr/>
-        </p:nvSpPr>
-        <p:spPr>
-          <a:xfrm>
-            <a:off x="6196293" y="5356927"/>
-            <a:ext cx="322284" cy="245448"/>
-          </a:xfrm>
-          <a:prstGeom prst="rightArrow">
-            <a:avLst/>
-          </a:prstGeom>
-        </p:spPr>
-        <p:style>
-          <a:lnRef idx="2">
-            <a:schemeClr val="accent1">
-              <a:shade val="15000"/>
-            </a:schemeClr>
-          </a:lnRef>
-          <a:fillRef idx="1">
-            <a:schemeClr val="accent1"/>
-          </a:fillRef>
-          <a:effectRef idx="0">
-            <a:schemeClr val="accent1"/>
-          </a:effectRef>
-          <a:fontRef idx="minor">
-            <a:schemeClr val="lt1"/>
-          </a:fontRef>
-        </p:style>
-        <p:txBody>
-          <a:bodyPr rtlCol="0" anchor="ctr"/>
-          <a:lstStyle/>
-          <a:p>
-            <a:pPr algn="ctr"/>
-            <a:endParaRPr lang="en-US"/>
-          </a:p>
-        </p:txBody>
-      </p:sp>
-      <p:sp>
-        <p:nvSpPr>
-          <p:cNvPr id="38" name="Right Brace 37">
-            <a:extLst>
-              <a:ext uri="{FF2B5EF4-FFF2-40B4-BE49-F238E27FC236}">
-                <a16:creationId xmlns:a16="http://schemas.microsoft.com/office/drawing/2014/main" id="{ED069CF6-60F8-A831-A488-474F7AD5728C}"/>
-              </a:ext>
-            </a:extLst>
-          </p:cNvPr>
-          <p:cNvSpPr/>
-          <p:nvPr/>
-        </p:nvSpPr>
-        <p:spPr>
-          <a:xfrm>
-            <a:off x="5875359" y="5177758"/>
-            <a:ext cx="193435" cy="626360"/>
-          </a:xfrm>
-          <a:prstGeom prst="rightBrace">
-            <a:avLst/>
-          </a:prstGeom>
-        </p:spPr>
-        <p:style>
-          <a:lnRef idx="2">
-            <a:schemeClr val="accent1"/>
-          </a:lnRef>
-          <a:fillRef idx="0">
-            <a:schemeClr val="accent1"/>
-          </a:fillRef>
-          <a:effectRef idx="1">
-            <a:schemeClr val="accent1"/>
-          </a:effectRef>
-          <a:fontRef idx="minor">
-            <a:schemeClr val="tx1"/>
-          </a:fontRef>
-        </p:style>
-        <p:txBody>
-          <a:bodyPr rtlCol="0" anchor="ctr"/>
-          <a:lstStyle/>
-          <a:p>
-            <a:pPr algn="ctr"/>
-            <a:endParaRPr lang="en-US"/>
-          </a:p>
-        </p:txBody>
-      </p:sp>
+          </p:spPr>
+          <p:txBody>
+            <a:bodyPr wrap="square">
+              <a:spAutoFit/>
+            </a:bodyPr>
+            <a:lstStyle/>
+            <a:p>
+              <a:r>
+                <a:rPr lang="en-US" sz="1800">
+                  <a:effectLst/>
+                  <a:latin typeface="Calibri" panose="020F0502020204030204" pitchFamily="34" charset="0"/>
+                  <a:ea typeface="等线" panose="02010600030101010101" pitchFamily="2" charset="-122"/>
+                  <a:cs typeface="Times New Roman" panose="02020603050405020304" pitchFamily="18" charset="0"/>
+                </a:rPr>
+                <a:t>V</a:t>
+              </a:r>
+              <a:r>
+                <a:rPr lang="en-US" sz="1800" baseline="-25000">
+                  <a:effectLst/>
+                  <a:latin typeface="Calibri" panose="020F0502020204030204" pitchFamily="34" charset="0"/>
+                  <a:ea typeface="等线" panose="02010600030101010101" pitchFamily="2" charset="-122"/>
+                  <a:cs typeface="Times New Roman" panose="02020603050405020304" pitchFamily="18" charset="0"/>
+                </a:rPr>
+                <a:t>TDS</a:t>
+              </a:r>
+              <a:r>
+                <a:rPr lang="en-US" sz="1800">
+                  <a:effectLst/>
+                  <a:latin typeface="Calibri" panose="020F0502020204030204" pitchFamily="34" charset="0"/>
+                  <a:ea typeface="等线" panose="02010600030101010101" pitchFamily="2" charset="-122"/>
+                  <a:cs typeface="Times New Roman" panose="02020603050405020304" pitchFamily="18" charset="0"/>
+                </a:rPr>
+                <a:t>/c</a:t>
+              </a:r>
+              <a:r>
+                <a:rPr lang="en-US" sz="1800">
+                  <a:effectLst/>
+                  <a:latin typeface="Cambria Math" panose="02040503050406030204" pitchFamily="18" charset="0"/>
+                  <a:ea typeface="等线" panose="02010600030101010101" pitchFamily="2" charset="-122"/>
+                  <a:cs typeface="Cambria Math" panose="02040503050406030204" pitchFamily="18" charset="0"/>
+                </a:rPr>
+                <a:t>∼</a:t>
+              </a:r>
+              <a:r>
+                <a:rPr lang="en-US" sz="1800">
+                  <a:effectLst/>
+                  <a:latin typeface="Calibri" panose="020F0502020204030204" pitchFamily="34" charset="0"/>
+                  <a:ea typeface="等线" panose="02010600030101010101" pitchFamily="2" charset="-122"/>
+                  <a:cs typeface="Times New Roman" panose="02020603050405020304" pitchFamily="18" charset="0"/>
+                </a:rPr>
+                <a:t> -0.0333 </a:t>
+              </a:r>
+              <a:endParaRPr lang="en-US" dirty="0"/>
+            </a:p>
+          </p:txBody>
+        </p:sp>
+        <p:sp>
+          <p:nvSpPr>
+            <p:cNvPr id="27" name="TextBox 26">
+              <a:extLst>
+                <a:ext uri="{FF2B5EF4-FFF2-40B4-BE49-F238E27FC236}">
+                  <a16:creationId xmlns:a16="http://schemas.microsoft.com/office/drawing/2014/main" id="{02B8A970-1145-0953-9A91-1560650FA7A7}"/>
+                </a:ext>
+              </a:extLst>
+            </p:cNvPr>
+            <p:cNvSpPr txBox="1"/>
+            <p:nvPr/>
+          </p:nvSpPr>
+          <p:spPr>
+            <a:xfrm>
+              <a:off x="1189059" y="4993092"/>
+              <a:ext cx="1152525" cy="369332"/>
+            </a:xfrm>
+            <a:prstGeom prst="rect">
+              <a:avLst/>
+            </a:prstGeom>
+            <a:noFill/>
+          </p:spPr>
+          <p:txBody>
+            <a:bodyPr wrap="square">
+              <a:spAutoFit/>
+            </a:bodyPr>
+            <a:lstStyle/>
+            <a:p>
+              <a:r>
+                <a:rPr lang="en-US" sz="1800">
+                  <a:effectLst/>
+                  <a:latin typeface="Calibri" panose="020F0502020204030204" pitchFamily="34" charset="0"/>
+                  <a:ea typeface="等线" panose="02010600030101010101" pitchFamily="2" charset="-122"/>
+                  <a:cs typeface="Times New Roman" panose="02020603050405020304" pitchFamily="18" charset="0"/>
+                </a:rPr>
+                <a:t>B</a:t>
+              </a:r>
+              <a:r>
+                <a:rPr lang="en-US" sz="1800" baseline="-25000">
+                  <a:effectLst/>
+                  <a:latin typeface="Calibri" panose="020F0502020204030204" pitchFamily="34" charset="0"/>
+                  <a:ea typeface="等线" panose="02010600030101010101" pitchFamily="2" charset="-122"/>
+                  <a:cs typeface="Times New Roman" panose="02020603050405020304" pitchFamily="18" charset="0"/>
+                </a:rPr>
+                <a:t>0</a:t>
+              </a:r>
+              <a:r>
+                <a:rPr lang="en-US" sz="1800">
+                  <a:effectLst/>
+                  <a:latin typeface="Cambria Math" panose="02040503050406030204" pitchFamily="18" charset="0"/>
+                  <a:ea typeface="等线" panose="02010600030101010101" pitchFamily="2" charset="-122"/>
+                  <a:cs typeface="Cambria Math" panose="02040503050406030204" pitchFamily="18" charset="0"/>
+                </a:rPr>
+                <a:t>∼</a:t>
+              </a:r>
+              <a:r>
+                <a:rPr lang="en-US" sz="1800">
+                  <a:effectLst/>
+                  <a:latin typeface="Calibri" panose="020F0502020204030204" pitchFamily="34" charset="0"/>
+                  <a:ea typeface="等线" panose="02010600030101010101" pitchFamily="2" charset="-122"/>
+                  <a:cs typeface="Times New Roman" panose="02020603050405020304" pitchFamily="18" charset="0"/>
+                </a:rPr>
+                <a:t>64 nT</a:t>
+              </a:r>
+              <a:endParaRPr lang="en-US" dirty="0"/>
+            </a:p>
+          </p:txBody>
+        </p:sp>
+        <p:sp>
+          <p:nvSpPr>
+            <p:cNvPr id="29" name="TextBox 28">
+              <a:extLst>
+                <a:ext uri="{FF2B5EF4-FFF2-40B4-BE49-F238E27FC236}">
+                  <a16:creationId xmlns:a16="http://schemas.microsoft.com/office/drawing/2014/main" id="{9728DC3F-1053-B6FF-3306-D89BF7B53F5A}"/>
+                </a:ext>
+              </a:extLst>
+            </p:cNvPr>
+            <p:cNvSpPr txBox="1"/>
+            <p:nvPr/>
+          </p:nvSpPr>
+          <p:spPr>
+            <a:xfrm>
+              <a:off x="1189059" y="5434786"/>
+              <a:ext cx="1762125" cy="369332"/>
+            </a:xfrm>
+            <a:prstGeom prst="rect">
+              <a:avLst/>
+            </a:prstGeom>
+            <a:noFill/>
+          </p:spPr>
+          <p:txBody>
+            <a:bodyPr wrap="square">
+              <a:spAutoFit/>
+            </a:bodyPr>
+            <a:lstStyle/>
+            <a:p>
+              <a:r>
+                <a:rPr lang="en-US" sz="1800" dirty="0">
+                  <a:effectLst/>
+                  <a:latin typeface="Calibri" panose="020F0502020204030204" pitchFamily="34" charset="0"/>
+                  <a:ea typeface="等线" panose="02010600030101010101" pitchFamily="2" charset="-122"/>
+                  <a:cs typeface="Times New Roman" panose="02020603050405020304" pitchFamily="18" charset="0"/>
+                </a:rPr>
+                <a:t>E</a:t>
+              </a:r>
+              <a:r>
+                <a:rPr lang="en-US" sz="1800" baseline="-25000" dirty="0">
+                  <a:effectLst/>
+                  <a:latin typeface="Calibri" panose="020F0502020204030204" pitchFamily="34" charset="0"/>
+                  <a:ea typeface="等线" panose="02010600030101010101" pitchFamily="2" charset="-122"/>
+                  <a:cs typeface="Times New Roman" panose="02020603050405020304" pitchFamily="18" charset="0"/>
+                </a:rPr>
+                <a:t>0</a:t>
+              </a:r>
+              <a:r>
+                <a:rPr lang="en-US" sz="1800" dirty="0">
+                  <a:effectLst/>
+                  <a:latin typeface="Cambria Math" panose="02040503050406030204" pitchFamily="18" charset="0"/>
+                  <a:ea typeface="等线" panose="02010600030101010101" pitchFamily="2" charset="-122"/>
+                  <a:cs typeface="Cambria Math" panose="02040503050406030204" pitchFamily="18" charset="0"/>
+                </a:rPr>
+                <a:t>∼</a:t>
+              </a:r>
+              <a:r>
+                <a:rPr lang="en-US" sz="1800" dirty="0">
+                  <a:effectLst/>
+                  <a:latin typeface="Calibri" panose="020F0502020204030204" pitchFamily="34" charset="0"/>
+                  <a:ea typeface="等线" panose="02010600030101010101" pitchFamily="2" charset="-122"/>
+                  <a:cs typeface="Times New Roman" panose="02020603050405020304" pitchFamily="18" charset="0"/>
+                </a:rPr>
+                <a:t>100 mV/m</a:t>
+              </a:r>
+              <a:endParaRPr lang="en-US" dirty="0"/>
+            </a:p>
+          </p:txBody>
+        </p:sp>
+        <p:sp>
+          <p:nvSpPr>
+            <p:cNvPr id="31" name="TextBox 30">
+              <a:extLst>
+                <a:ext uri="{FF2B5EF4-FFF2-40B4-BE49-F238E27FC236}">
+                  <a16:creationId xmlns:a16="http://schemas.microsoft.com/office/drawing/2014/main" id="{C3F72AA2-456C-5824-EFCC-F375D2193374}"/>
+                </a:ext>
+              </a:extLst>
+            </p:cNvPr>
+            <p:cNvSpPr txBox="1"/>
+            <p:nvPr/>
+          </p:nvSpPr>
+          <p:spPr>
+            <a:xfrm>
+              <a:off x="1189059" y="5896237"/>
+              <a:ext cx="1533525" cy="369332"/>
+            </a:xfrm>
+            <a:prstGeom prst="rect">
+              <a:avLst/>
+            </a:prstGeom>
+            <a:noFill/>
+          </p:spPr>
+          <p:txBody>
+            <a:bodyPr wrap="square">
+              <a:spAutoFit/>
+            </a:bodyPr>
+            <a:lstStyle/>
+            <a:p>
+              <a:r>
+                <a:rPr lang="en-US" sz="1800" dirty="0">
+                  <a:effectLst/>
+                  <a:latin typeface="Calibri" panose="020F0502020204030204" pitchFamily="34" charset="0"/>
+                  <a:ea typeface="等线" panose="02010600030101010101" pitchFamily="2" charset="-122"/>
+                  <a:cs typeface="Times New Roman" panose="02020603050405020304" pitchFamily="18" charset="0"/>
+                </a:rPr>
+                <a:t>n</a:t>
+              </a:r>
+              <a:r>
+                <a:rPr lang="en-US" sz="1800" baseline="-25000" dirty="0">
+                  <a:effectLst/>
+                  <a:latin typeface="Calibri" panose="020F0502020204030204" pitchFamily="34" charset="0"/>
+                  <a:ea typeface="等线" panose="02010600030101010101" pitchFamily="2" charset="-122"/>
+                  <a:cs typeface="Times New Roman" panose="02020603050405020304" pitchFamily="18" charset="0"/>
+                </a:rPr>
+                <a:t>e</a:t>
+              </a:r>
+              <a:r>
+                <a:rPr lang="en-US" sz="1800" dirty="0">
+                  <a:effectLst/>
+                  <a:latin typeface="Cambria Math" panose="02040503050406030204" pitchFamily="18" charset="0"/>
+                  <a:ea typeface="等线" panose="02010600030101010101" pitchFamily="2" charset="-122"/>
+                  <a:cs typeface="Cambria Math" panose="02040503050406030204" pitchFamily="18" charset="0"/>
+                </a:rPr>
+                <a:t>∼</a:t>
+              </a:r>
+              <a:r>
+                <a:rPr lang="en-US" sz="1800" dirty="0">
+                  <a:effectLst/>
+                  <a:latin typeface="Calibri" panose="020F0502020204030204" pitchFamily="34" charset="0"/>
+                  <a:ea typeface="等线" panose="02010600030101010101" pitchFamily="2" charset="-122"/>
+                  <a:cs typeface="Times New Roman" panose="02020603050405020304" pitchFamily="18" charset="0"/>
+                </a:rPr>
+                <a:t>0.15 cm</a:t>
+              </a:r>
+              <a:r>
+                <a:rPr lang="en-US" sz="1800" baseline="30000" dirty="0">
+                  <a:effectLst/>
+                  <a:latin typeface="Calibri" panose="020F0502020204030204" pitchFamily="34" charset="0"/>
+                  <a:ea typeface="等线" panose="02010600030101010101" pitchFamily="2" charset="-122"/>
+                  <a:cs typeface="Times New Roman" panose="02020603050405020304" pitchFamily="18" charset="0"/>
+                </a:rPr>
+                <a:t>-3</a:t>
+              </a:r>
+              <a:endParaRPr lang="en-US" dirty="0"/>
+            </a:p>
+          </p:txBody>
+        </p:sp>
+      </p:grpSp>
       <p:sp>
         <p:nvSpPr>
           <p:cNvPr id="11" name="Rectangle 10">
@@ -6177,7 +6479,7 @@
         </p:nvSpPr>
         <p:spPr>
           <a:xfrm>
-            <a:off x="5928559" y="6304100"/>
+            <a:off x="5748679" y="6238340"/>
             <a:ext cx="6096000" cy="461665"/>
           </a:xfrm>
           <a:prstGeom prst="rect">
@@ -6211,14 +6513,14 @@
         </p:nvGrpSpPr>
         <p:grpSpPr>
           <a:xfrm>
-            <a:off x="399867" y="1234850"/>
+            <a:off x="392084" y="984267"/>
             <a:ext cx="6187201" cy="3241183"/>
             <a:chOff x="762000" y="914547"/>
             <a:chExt cx="6187201" cy="3241183"/>
           </a:xfrm>
         </p:grpSpPr>
-        <mc:AlternateContent xmlns:mc="http://schemas.openxmlformats.org/markup-compatibility/2006">
-          <mc:Choice xmlns:a14="http://schemas.microsoft.com/office/drawing/2010/main" Requires="a14">
+        <mc:AlternateContent xmlns:mc="http://schemas.openxmlformats.org/markup-compatibility/2006" xmlns:a14="http://schemas.microsoft.com/office/drawing/2010/main">
+          <mc:Choice Requires="a14">
             <p:sp>
               <p:nvSpPr>
                 <p:cNvPr id="22" name="TextBox 21">
@@ -6296,7 +6598,7 @@
               </p:txBody>
             </p:sp>
           </mc:Choice>
-          <mc:Fallback>
+          <mc:Fallback xmlns="">
             <p:sp>
               <p:nvSpPr>
                 <p:cNvPr id="22" name="TextBox 21">
@@ -6486,8 +6788,8 @@
               </a:fontRef>
             </p:style>
           </p:cxnSp>
-          <mc:AlternateContent xmlns:mc="http://schemas.openxmlformats.org/markup-compatibility/2006">
-            <mc:Choice xmlns:a14="http://schemas.microsoft.com/office/drawing/2010/main" Requires="a14">
+          <mc:AlternateContent xmlns:mc="http://schemas.openxmlformats.org/markup-compatibility/2006" xmlns:a14="http://schemas.microsoft.com/office/drawing/2010/main">
+            <mc:Choice Requires="a14">
               <p:sp>
                 <p:nvSpPr>
                   <p:cNvPr id="15" name="TextBox 14">
@@ -6537,7 +6839,7 @@
                 </p:txBody>
               </p:sp>
             </mc:Choice>
-            <mc:Fallback>
+            <mc:Fallback xmlns="">
               <p:sp>
                 <p:nvSpPr>
                   <p:cNvPr id="15" name="TextBox 14">
@@ -6626,8 +6928,8 @@
               </a:fontRef>
             </p:style>
           </p:cxnSp>
-          <mc:AlternateContent xmlns:mc="http://schemas.openxmlformats.org/markup-compatibility/2006">
-            <mc:Choice xmlns:a14="http://schemas.microsoft.com/office/drawing/2010/main" Requires="a14">
+          <mc:AlternateContent xmlns:mc="http://schemas.openxmlformats.org/markup-compatibility/2006" xmlns:a14="http://schemas.microsoft.com/office/drawing/2010/main">
+            <mc:Choice Requires="a14">
               <p:sp>
                 <p:nvSpPr>
                   <p:cNvPr id="18" name="TextBox 17">
@@ -6705,7 +7007,7 @@
                 </p:txBody>
               </p:sp>
             </mc:Choice>
-            <mc:Fallback>
+            <mc:Fallback xmlns="">
               <p:sp>
                 <p:nvSpPr>
                   <p:cNvPr id="18" name="TextBox 17">
@@ -6900,6 +7202,372 @@
           </p:sp>
         </p:grpSp>
       </p:grpSp>
+      <p:grpSp>
+        <p:nvGrpSpPr>
+          <p:cNvPr id="8" name="Group 7">
+            <a:extLst>
+              <a:ext uri="{FF2B5EF4-FFF2-40B4-BE49-F238E27FC236}">
+                <a16:creationId xmlns:a16="http://schemas.microsoft.com/office/drawing/2014/main" id="{4C40F8B9-F10B-4A80-A88D-15791F305488}"/>
+              </a:ext>
+            </a:extLst>
+          </p:cNvPr>
+          <p:cNvGrpSpPr/>
+          <p:nvPr/>
+        </p:nvGrpSpPr>
+        <p:grpSpPr>
+          <a:xfrm>
+            <a:off x="6721820" y="992609"/>
+            <a:ext cx="4767491" cy="3575618"/>
+            <a:chOff x="6680379" y="1067283"/>
+            <a:chExt cx="4767491" cy="3575618"/>
+          </a:xfrm>
+        </p:grpSpPr>
+        <p:sp>
+          <p:nvSpPr>
+            <p:cNvPr id="5" name="Rectangle 4">
+              <a:extLst>
+                <a:ext uri="{FF2B5EF4-FFF2-40B4-BE49-F238E27FC236}">
+                  <a16:creationId xmlns:a16="http://schemas.microsoft.com/office/drawing/2014/main" id="{C795C48A-A1E6-192E-00B3-3E9FB3803EFC}"/>
+                </a:ext>
+              </a:extLst>
+            </p:cNvPr>
+            <p:cNvSpPr/>
+            <p:nvPr/>
+          </p:nvSpPr>
+          <p:spPr>
+            <a:xfrm>
+              <a:off x="10455753" y="1814449"/>
+              <a:ext cx="242726" cy="1590891"/>
+            </a:xfrm>
+            <a:prstGeom prst="rect">
+              <a:avLst/>
+            </a:prstGeom>
+            <a:solidFill>
+              <a:schemeClr val="bg1"/>
+            </a:solidFill>
+            <a:ln>
+              <a:noFill/>
+            </a:ln>
+          </p:spPr>
+          <p:style>
+            <a:lnRef idx="2">
+              <a:schemeClr val="accent1">
+                <a:shade val="15000"/>
+              </a:schemeClr>
+            </a:lnRef>
+            <a:fillRef idx="1">
+              <a:schemeClr val="accent1"/>
+            </a:fillRef>
+            <a:effectRef idx="0">
+              <a:schemeClr val="accent1"/>
+            </a:effectRef>
+            <a:fontRef idx="minor">
+              <a:schemeClr val="lt1"/>
+            </a:fontRef>
+          </p:style>
+          <p:txBody>
+            <a:bodyPr rtlCol="0" anchor="ctr"/>
+            <a:lstStyle/>
+            <a:p>
+              <a:pPr algn="ctr"/>
+              <a:endParaRPr lang="en-US"/>
+            </a:p>
+          </p:txBody>
+        </p:sp>
+        <p:grpSp>
+          <p:nvGrpSpPr>
+            <p:cNvPr id="28" name="Group 27">
+              <a:extLst>
+                <a:ext uri="{FF2B5EF4-FFF2-40B4-BE49-F238E27FC236}">
+                  <a16:creationId xmlns:a16="http://schemas.microsoft.com/office/drawing/2014/main" id="{3B21641D-3CC4-4369-AA32-91C284619CF7}"/>
+                </a:ext>
+              </a:extLst>
+            </p:cNvPr>
+            <p:cNvGrpSpPr/>
+            <p:nvPr/>
+          </p:nvGrpSpPr>
+          <p:grpSpPr>
+            <a:xfrm>
+              <a:off x="6680379" y="1067283"/>
+              <a:ext cx="4767491" cy="3575618"/>
+              <a:chOff x="12823777" y="1063262"/>
+              <a:chExt cx="4767491" cy="3575618"/>
+            </a:xfrm>
+          </p:grpSpPr>
+          <p:pic>
+            <p:nvPicPr>
+              <p:cNvPr id="30" name="Picture 29">
+                <a:extLst>
+                  <a:ext uri="{FF2B5EF4-FFF2-40B4-BE49-F238E27FC236}">
+                    <a16:creationId xmlns:a16="http://schemas.microsoft.com/office/drawing/2014/main" id="{765BC5A7-4FD0-4F9D-B28A-63301D78274F}"/>
+                  </a:ext>
+                </a:extLst>
+              </p:cNvPr>
+              <p:cNvPicPr>
+                <a:picLocks noChangeAspect="1"/>
+              </p:cNvPicPr>
+              <p:nvPr/>
+            </p:nvPicPr>
+            <p:blipFill>
+              <a:blip r:embed="rId6"/>
+              <a:stretch>
+                <a:fillRect/>
+              </a:stretch>
+            </p:blipFill>
+            <p:spPr>
+              <a:xfrm>
+                <a:off x="12823777" y="1063262"/>
+                <a:ext cx="4767491" cy="3575618"/>
+              </a:xfrm>
+              <a:prstGeom prst="rect">
+                <a:avLst/>
+              </a:prstGeom>
+            </p:spPr>
+          </p:pic>
+          <p:sp>
+            <p:nvSpPr>
+              <p:cNvPr id="35" name="TextBox 34">
+                <a:extLst>
+                  <a:ext uri="{FF2B5EF4-FFF2-40B4-BE49-F238E27FC236}">
+                    <a16:creationId xmlns:a16="http://schemas.microsoft.com/office/drawing/2014/main" id="{90D958EF-74D9-4879-B3ED-B883191CE234}"/>
+                  </a:ext>
+                </a:extLst>
+              </p:cNvPr>
+              <p:cNvSpPr txBox="1"/>
+              <p:nvPr/>
+            </p:nvSpPr>
+            <p:spPr>
+              <a:xfrm>
+                <a:off x="15766311" y="3213278"/>
+                <a:ext cx="1152144" cy="307777"/>
+              </a:xfrm>
+              <a:prstGeom prst="rect">
+                <a:avLst/>
+              </a:prstGeom>
+              <a:noFill/>
+            </p:spPr>
+            <p:txBody>
+              <a:bodyPr wrap="square" rtlCol="0">
+                <a:spAutoFit/>
+              </a:bodyPr>
+              <a:lstStyle/>
+              <a:p>
+                <a:r>
+                  <a:rPr lang="en-US" sz="1400" dirty="0"/>
+                  <a:t>(4.646,0.845)</a:t>
+                </a:r>
+              </a:p>
+            </p:txBody>
+          </p:sp>
+          <p:sp>
+            <p:nvSpPr>
+              <p:cNvPr id="39" name="Oval 38">
+                <a:extLst>
+                  <a:ext uri="{FF2B5EF4-FFF2-40B4-BE49-F238E27FC236}">
+                    <a16:creationId xmlns:a16="http://schemas.microsoft.com/office/drawing/2014/main" id="{BB787D5A-04F1-4398-BF1A-7774692185AE}"/>
+                  </a:ext>
+                </a:extLst>
+              </p:cNvPr>
+              <p:cNvSpPr/>
+              <p:nvPr/>
+            </p:nvSpPr>
+            <p:spPr>
+              <a:xfrm>
+                <a:off x="16341968" y="3506806"/>
+                <a:ext cx="85796" cy="113591"/>
+              </a:xfrm>
+              <a:prstGeom prst="ellipse">
+                <a:avLst/>
+              </a:prstGeom>
+            </p:spPr>
+            <p:style>
+              <a:lnRef idx="2">
+                <a:schemeClr val="accent1">
+                  <a:shade val="50000"/>
+                </a:schemeClr>
+              </a:lnRef>
+              <a:fillRef idx="1">
+                <a:schemeClr val="accent1"/>
+              </a:fillRef>
+              <a:effectRef idx="0">
+                <a:schemeClr val="accent1"/>
+              </a:effectRef>
+              <a:fontRef idx="minor">
+                <a:schemeClr val="lt1"/>
+              </a:fontRef>
+            </p:style>
+            <p:txBody>
+              <a:bodyPr rtlCol="0" anchor="ctr"/>
+              <a:lstStyle/>
+              <a:p>
+                <a:pPr algn="ctr"/>
+                <a:endParaRPr lang="en-US"/>
+              </a:p>
+            </p:txBody>
+          </p:sp>
+        </p:grpSp>
+        <p:sp>
+          <p:nvSpPr>
+            <p:cNvPr id="4" name="Rectangle 3">
+              <a:extLst>
+                <a:ext uri="{FF2B5EF4-FFF2-40B4-BE49-F238E27FC236}">
+                  <a16:creationId xmlns:a16="http://schemas.microsoft.com/office/drawing/2014/main" id="{61C6450E-579F-4000-81DD-53F39FFC5A1D}"/>
+                </a:ext>
+              </a:extLst>
+            </p:cNvPr>
+            <p:cNvSpPr/>
+            <p:nvPr/>
+          </p:nvSpPr>
+          <p:spPr>
+            <a:xfrm>
+              <a:off x="7284372" y="1236027"/>
+              <a:ext cx="1847850" cy="3132773"/>
+            </a:xfrm>
+            <a:prstGeom prst="rect">
+              <a:avLst/>
+            </a:prstGeom>
+            <a:solidFill>
+              <a:schemeClr val="accent1">
+                <a:alpha val="14000"/>
+              </a:schemeClr>
+            </a:solidFill>
+            <a:ln>
+              <a:noFill/>
+            </a:ln>
+          </p:spPr>
+          <p:style>
+            <a:lnRef idx="2">
+              <a:schemeClr val="accent1">
+                <a:shade val="50000"/>
+              </a:schemeClr>
+            </a:lnRef>
+            <a:fillRef idx="1">
+              <a:schemeClr val="accent1"/>
+            </a:fillRef>
+            <a:effectRef idx="0">
+              <a:schemeClr val="accent1"/>
+            </a:effectRef>
+            <a:fontRef idx="minor">
+              <a:schemeClr val="lt1"/>
+            </a:fontRef>
+          </p:style>
+          <p:txBody>
+            <a:bodyPr rtlCol="0" anchor="ctr"/>
+            <a:lstStyle/>
+            <a:p>
+              <a:pPr algn="ctr"/>
+              <a:endParaRPr lang="en-US" dirty="0"/>
+            </a:p>
+          </p:txBody>
+        </p:sp>
+        <p:sp>
+          <p:nvSpPr>
+            <p:cNvPr id="7" name="TextBox 6">
+              <a:extLst>
+                <a:ext uri="{FF2B5EF4-FFF2-40B4-BE49-F238E27FC236}">
+                  <a16:creationId xmlns:a16="http://schemas.microsoft.com/office/drawing/2014/main" id="{298639B9-FDDD-459B-A5A7-7B2279C8C8EF}"/>
+                </a:ext>
+              </a:extLst>
+            </p:cNvPr>
+            <p:cNvSpPr txBox="1"/>
+            <p:nvPr/>
+          </p:nvSpPr>
+          <p:spPr>
+            <a:xfrm>
+              <a:off x="7691980" y="2179607"/>
+              <a:ext cx="1928782" cy="369332"/>
+            </a:xfrm>
+            <a:prstGeom prst="rect">
+              <a:avLst/>
+            </a:prstGeom>
+            <a:noFill/>
+          </p:spPr>
+          <p:txBody>
+            <a:bodyPr wrap="square" rtlCol="0">
+              <a:spAutoFit/>
+            </a:bodyPr>
+            <a:lstStyle/>
+            <a:p>
+              <a:r>
+                <a:rPr lang="zh-CN" altLang="en-US" dirty="0"/>
+                <a:t>无交点</a:t>
+              </a:r>
+              <a:endParaRPr lang="en-US" dirty="0"/>
+            </a:p>
+          </p:txBody>
+        </p:sp>
+      </p:grpSp>
+      <p:sp>
+        <p:nvSpPr>
+          <p:cNvPr id="32" name="Rectangle 31">
+            <a:extLst>
+              <a:ext uri="{FF2B5EF4-FFF2-40B4-BE49-F238E27FC236}">
+                <a16:creationId xmlns:a16="http://schemas.microsoft.com/office/drawing/2014/main" id="{0435D027-7941-4C1A-8073-368E897CF6AE}"/>
+              </a:ext>
+            </a:extLst>
+          </p:cNvPr>
+          <p:cNvSpPr/>
+          <p:nvPr/>
+        </p:nvSpPr>
+        <p:spPr>
+          <a:xfrm>
+            <a:off x="8697812" y="792021"/>
+            <a:ext cx="1074333" cy="369332"/>
+          </a:xfrm>
+          <a:prstGeom prst="rect">
+            <a:avLst/>
+          </a:prstGeom>
+        </p:spPr>
+        <p:txBody>
+          <a:bodyPr wrap="none">
+            <a:spAutoFit/>
+          </a:bodyPr>
+          <a:lstStyle/>
+          <a:p>
+            <a:r>
+              <a:rPr lang="en-US" dirty="0">
+                <a:latin typeface="Calibri" panose="020F0502020204030204" pitchFamily="34" charset="0"/>
+                <a:ea typeface="等线" panose="02010600030101010101" pitchFamily="2" charset="-122"/>
+                <a:cs typeface="Times New Roman" panose="02020603050405020304" pitchFamily="18" charset="0"/>
+              </a:rPr>
+              <a:t>B</a:t>
+            </a:r>
+            <a:r>
+              <a:rPr lang="en-US" baseline="-25000" dirty="0">
+                <a:latin typeface="Calibri" panose="020F0502020204030204" pitchFamily="34" charset="0"/>
+                <a:ea typeface="等线" panose="02010600030101010101" pitchFamily="2" charset="-122"/>
+                <a:cs typeface="Times New Roman" panose="02020603050405020304" pitchFamily="18" charset="0"/>
+              </a:rPr>
+              <a:t>0</a:t>
+            </a:r>
+            <a:r>
+              <a:rPr lang="en-US" dirty="0">
+                <a:latin typeface="Cambria Math" panose="02040503050406030204" pitchFamily="18" charset="0"/>
+                <a:ea typeface="等线" panose="02010600030101010101" pitchFamily="2" charset="-122"/>
+                <a:cs typeface="Cambria Math" panose="02040503050406030204" pitchFamily="18" charset="0"/>
+              </a:rPr>
+              <a:t>∼</a:t>
+            </a:r>
+            <a:r>
+              <a:rPr lang="en-US" dirty="0">
+                <a:latin typeface="Calibri" panose="020F0502020204030204" pitchFamily="34" charset="0"/>
+                <a:ea typeface="等线" panose="02010600030101010101" pitchFamily="2" charset="-122"/>
+                <a:cs typeface="Times New Roman" panose="02020603050405020304" pitchFamily="18" charset="0"/>
+              </a:rPr>
+              <a:t>64 </a:t>
+            </a:r>
+            <a:r>
+              <a:rPr lang="en-US" dirty="0" err="1">
+                <a:latin typeface="Calibri" panose="020F0502020204030204" pitchFamily="34" charset="0"/>
+                <a:ea typeface="等线" panose="02010600030101010101" pitchFamily="2" charset="-122"/>
+                <a:cs typeface="Times New Roman" panose="02020603050405020304" pitchFamily="18" charset="0"/>
+              </a:rPr>
+              <a:t>nT</a:t>
+            </a:r>
+            <a:endParaRPr lang="en-US" dirty="0"/>
+          </a:p>
+        </p:txBody>
+      </p:sp>
     </p:spTree>
     <p:extLst>
       <p:ext uri="{BB962C8B-B14F-4D97-AF65-F5344CB8AC3E}">
@@ -6913,7 +7581,4433 @@
 </p:sld>
 </file>
 
+<file path=ppt/slides/slide13.xml><?xml version="1.0" encoding="utf-8"?>
+<p:sld xmlns:a="http://schemas.openxmlformats.org/drawingml/2006/main" xmlns:r="http://schemas.openxmlformats.org/officeDocument/2006/relationships" xmlns:p="http://schemas.openxmlformats.org/presentationml/2006/main">
+  <p:cSld>
+    <p:spTree>
+      <p:nvGrpSpPr>
+        <p:cNvPr id="1" name=""/>
+        <p:cNvGrpSpPr/>
+        <p:nvPr/>
+      </p:nvGrpSpPr>
+      <p:grpSpPr>
+        <a:xfrm>
+          <a:off x="0" y="0"/>
+          <a:ext cx="0" cy="0"/>
+          <a:chOff x="0" y="0"/>
+          <a:chExt cx="0" cy="0"/>
+        </a:xfrm>
+      </p:grpSpPr>
+      <p:sp>
+        <p:nvSpPr>
+          <p:cNvPr id="7" name="TextBox 6">
+            <a:extLst>
+              <a:ext uri="{FF2B5EF4-FFF2-40B4-BE49-F238E27FC236}">
+                <a16:creationId xmlns:a16="http://schemas.microsoft.com/office/drawing/2014/main" id="{43A0B2A8-8668-4C4C-88E6-75F17BBD3611}"/>
+              </a:ext>
+            </a:extLst>
+          </p:cNvPr>
+          <p:cNvSpPr txBox="1"/>
+          <p:nvPr/>
+        </p:nvSpPr>
+        <p:spPr>
+          <a:xfrm>
+            <a:off x="1572" y="97035"/>
+            <a:ext cx="6094428" cy="369332"/>
+          </a:xfrm>
+          <a:prstGeom prst="rect">
+            <a:avLst/>
+          </a:prstGeom>
+          <a:noFill/>
+        </p:spPr>
+        <p:txBody>
+          <a:bodyPr wrap="square">
+            <a:spAutoFit/>
+          </a:bodyPr>
+          <a:lstStyle/>
+          <a:p>
+            <a:r>
+              <a:rPr lang="en-US" sz="1800" dirty="0"/>
+              <a:t>Trapping in normal doppler resonance (g = -1)</a:t>
+            </a:r>
+            <a:endParaRPr lang="en-US" dirty="0"/>
+          </a:p>
+        </p:txBody>
+      </p:sp>
+      <p:sp>
+        <p:nvSpPr>
+          <p:cNvPr id="8" name="TextBox 7">
+            <a:extLst>
+              <a:ext uri="{FF2B5EF4-FFF2-40B4-BE49-F238E27FC236}">
+                <a16:creationId xmlns:a16="http://schemas.microsoft.com/office/drawing/2014/main" id="{7A03D615-E390-4AA7-8B17-9809C6624B87}"/>
+              </a:ext>
+            </a:extLst>
+          </p:cNvPr>
+          <p:cNvSpPr txBox="1"/>
+          <p:nvPr/>
+        </p:nvSpPr>
+        <p:spPr>
+          <a:xfrm>
+            <a:off x="305583" y="571339"/>
+            <a:ext cx="5615339" cy="369332"/>
+          </a:xfrm>
+          <a:prstGeom prst="rect">
+            <a:avLst/>
+          </a:prstGeom>
+          <a:noFill/>
+        </p:spPr>
+        <p:txBody>
+          <a:bodyPr wrap="square">
+            <a:spAutoFit/>
+          </a:bodyPr>
+          <a:lstStyle/>
+          <a:p>
+            <a:r>
+              <a:rPr lang="en-US" dirty="0"/>
+              <a:t>Time domain structures (TDS)</a:t>
+            </a:r>
+            <a:r>
+              <a:rPr lang="en-US" baseline="30000" dirty="0"/>
+              <a:t>*</a:t>
+            </a:r>
+            <a:r>
+              <a:rPr lang="en-US" dirty="0"/>
+              <a:t> in magnetosphere </a:t>
+            </a:r>
+          </a:p>
+        </p:txBody>
+      </p:sp>
+      <p:grpSp>
+        <p:nvGrpSpPr>
+          <p:cNvPr id="9" name="Group 8">
+            <a:extLst>
+              <a:ext uri="{FF2B5EF4-FFF2-40B4-BE49-F238E27FC236}">
+                <a16:creationId xmlns:a16="http://schemas.microsoft.com/office/drawing/2014/main" id="{48B71679-B3C3-42E8-AD45-B2FB24994EC9}"/>
+              </a:ext>
+            </a:extLst>
+          </p:cNvPr>
+          <p:cNvGrpSpPr/>
+          <p:nvPr/>
+        </p:nvGrpSpPr>
+        <p:grpSpPr>
+          <a:xfrm>
+            <a:off x="689174" y="4548321"/>
+            <a:ext cx="1890004" cy="1715042"/>
+            <a:chOff x="1109540" y="4563863"/>
+            <a:chExt cx="1890004" cy="1715042"/>
+          </a:xfrm>
+        </p:grpSpPr>
+        <p:sp>
+          <p:nvSpPr>
+            <p:cNvPr id="10" name="TextBox 9">
+              <a:extLst>
+                <a:ext uri="{FF2B5EF4-FFF2-40B4-BE49-F238E27FC236}">
+                  <a16:creationId xmlns:a16="http://schemas.microsoft.com/office/drawing/2014/main" id="{F20B4007-F8E0-412C-B355-2EA077EBD4FA}"/>
+                </a:ext>
+              </a:extLst>
+            </p:cNvPr>
+            <p:cNvSpPr txBox="1"/>
+            <p:nvPr/>
+          </p:nvSpPr>
+          <p:spPr>
+            <a:xfrm>
+              <a:off x="1151694" y="4563863"/>
+              <a:ext cx="1847850" cy="369332"/>
+            </a:xfrm>
+            <a:prstGeom prst="rect">
+              <a:avLst/>
+            </a:prstGeom>
+            <a:noFill/>
+          </p:spPr>
+          <p:txBody>
+            <a:bodyPr wrap="square">
+              <a:spAutoFit/>
+            </a:bodyPr>
+            <a:lstStyle/>
+            <a:p>
+              <a:r>
+                <a:rPr lang="en-US" sz="1800" dirty="0">
+                  <a:effectLst/>
+                  <a:latin typeface="Calibri" panose="020F0502020204030204" pitchFamily="34" charset="0"/>
+                  <a:ea typeface="等线" panose="02010600030101010101" pitchFamily="2" charset="-122"/>
+                  <a:cs typeface="Times New Roman" panose="02020603050405020304" pitchFamily="18" charset="0"/>
+                </a:rPr>
+                <a:t>V</a:t>
+              </a:r>
+              <a:r>
+                <a:rPr lang="en-US" sz="1800" baseline="-25000" dirty="0">
+                  <a:effectLst/>
+                  <a:latin typeface="Calibri" panose="020F0502020204030204" pitchFamily="34" charset="0"/>
+                  <a:ea typeface="等线" panose="02010600030101010101" pitchFamily="2" charset="-122"/>
+                  <a:cs typeface="Times New Roman" panose="02020603050405020304" pitchFamily="18" charset="0"/>
+                </a:rPr>
+                <a:t>TDS</a:t>
+              </a:r>
+              <a:r>
+                <a:rPr lang="en-US" sz="1800" dirty="0">
+                  <a:effectLst/>
+                  <a:latin typeface="Calibri" panose="020F0502020204030204" pitchFamily="34" charset="0"/>
+                  <a:ea typeface="等线" panose="02010600030101010101" pitchFamily="2" charset="-122"/>
+                  <a:cs typeface="Times New Roman" panose="02020603050405020304" pitchFamily="18" charset="0"/>
+                </a:rPr>
+                <a:t>/c</a:t>
+              </a:r>
+              <a:r>
+                <a:rPr lang="en-US" sz="1800" dirty="0">
+                  <a:effectLst/>
+                  <a:latin typeface="Cambria Math" panose="02040503050406030204" pitchFamily="18" charset="0"/>
+                  <a:ea typeface="等线" panose="02010600030101010101" pitchFamily="2" charset="-122"/>
+                  <a:cs typeface="Cambria Math" panose="02040503050406030204" pitchFamily="18" charset="0"/>
+                </a:rPr>
+                <a:t>∼</a:t>
+              </a:r>
+              <a:r>
+                <a:rPr lang="en-US" sz="1800" dirty="0">
+                  <a:effectLst/>
+                  <a:latin typeface="Calibri" panose="020F0502020204030204" pitchFamily="34" charset="0"/>
+                  <a:ea typeface="等线" panose="02010600030101010101" pitchFamily="2" charset="-122"/>
+                  <a:cs typeface="Times New Roman" panose="02020603050405020304" pitchFamily="18" charset="0"/>
+                </a:rPr>
+                <a:t> -0.0333 </a:t>
+              </a:r>
+              <a:endParaRPr lang="en-US" dirty="0"/>
+            </a:p>
+          </p:txBody>
+        </p:sp>
+        <p:sp>
+          <p:nvSpPr>
+            <p:cNvPr id="11" name="TextBox 10">
+              <a:extLst>
+                <a:ext uri="{FF2B5EF4-FFF2-40B4-BE49-F238E27FC236}">
+                  <a16:creationId xmlns:a16="http://schemas.microsoft.com/office/drawing/2014/main" id="{DDDD584C-680C-4B1A-B728-D639DABDF515}"/>
+                </a:ext>
+              </a:extLst>
+            </p:cNvPr>
+            <p:cNvSpPr txBox="1"/>
+            <p:nvPr/>
+          </p:nvSpPr>
+          <p:spPr>
+            <a:xfrm>
+              <a:off x="1109540" y="5008377"/>
+              <a:ext cx="1762125" cy="369332"/>
+            </a:xfrm>
+            <a:prstGeom prst="rect">
+              <a:avLst/>
+            </a:prstGeom>
+            <a:noFill/>
+          </p:spPr>
+          <p:txBody>
+            <a:bodyPr wrap="square">
+              <a:spAutoFit/>
+            </a:bodyPr>
+            <a:lstStyle/>
+            <a:p>
+              <a:r>
+                <a:rPr lang="en-US" sz="1800" dirty="0">
+                  <a:effectLst/>
+                  <a:latin typeface="Calibri" panose="020F0502020204030204" pitchFamily="34" charset="0"/>
+                  <a:ea typeface="等线" panose="02010600030101010101" pitchFamily="2" charset="-122"/>
+                  <a:cs typeface="Times New Roman" panose="02020603050405020304" pitchFamily="18" charset="0"/>
+                </a:rPr>
+                <a:t>B</a:t>
+              </a:r>
+              <a:r>
+                <a:rPr lang="en-US" sz="1800" baseline="-25000" dirty="0">
+                  <a:effectLst/>
+                  <a:latin typeface="Calibri" panose="020F0502020204030204" pitchFamily="34" charset="0"/>
+                  <a:ea typeface="等线" panose="02010600030101010101" pitchFamily="2" charset="-122"/>
+                  <a:cs typeface="Times New Roman" panose="02020603050405020304" pitchFamily="18" charset="0"/>
+                </a:rPr>
+                <a:t>0</a:t>
+              </a:r>
+              <a:r>
+                <a:rPr lang="en-US" sz="1800" dirty="0">
+                  <a:effectLst/>
+                  <a:latin typeface="Cambria Math" panose="02040503050406030204" pitchFamily="18" charset="0"/>
+                  <a:ea typeface="等线" panose="02010600030101010101" pitchFamily="2" charset="-122"/>
+                  <a:cs typeface="Cambria Math" panose="02040503050406030204" pitchFamily="18" charset="0"/>
+                </a:rPr>
+                <a:t>∼</a:t>
+              </a:r>
+              <a:r>
+                <a:rPr lang="en-US" sz="1800" dirty="0">
+                  <a:effectLst/>
+                  <a:latin typeface="Calibri" panose="020F0502020204030204" pitchFamily="34" charset="0"/>
+                  <a:ea typeface="等线" panose="02010600030101010101" pitchFamily="2" charset="-122"/>
+                  <a:cs typeface="Times New Roman" panose="02020603050405020304" pitchFamily="18" charset="0"/>
+                </a:rPr>
+                <a:t>800 </a:t>
+              </a:r>
+              <a:r>
+                <a:rPr lang="en-US" sz="1800" dirty="0" err="1">
+                  <a:effectLst/>
+                  <a:latin typeface="Calibri" panose="020F0502020204030204" pitchFamily="34" charset="0"/>
+                  <a:ea typeface="等线" panose="02010600030101010101" pitchFamily="2" charset="-122"/>
+                  <a:cs typeface="Times New Roman" panose="02020603050405020304" pitchFamily="18" charset="0"/>
+                </a:rPr>
+                <a:t>nT</a:t>
+              </a:r>
+              <a:endParaRPr lang="en-US" dirty="0"/>
+            </a:p>
+          </p:txBody>
+        </p:sp>
+        <p:sp>
+          <p:nvSpPr>
+            <p:cNvPr id="12" name="TextBox 11">
+              <a:extLst>
+                <a:ext uri="{FF2B5EF4-FFF2-40B4-BE49-F238E27FC236}">
+                  <a16:creationId xmlns:a16="http://schemas.microsoft.com/office/drawing/2014/main" id="{121F4DF0-4A1C-40DD-8228-8696A6032FAB}"/>
+                </a:ext>
+              </a:extLst>
+            </p:cNvPr>
+            <p:cNvSpPr txBox="1"/>
+            <p:nvPr/>
+          </p:nvSpPr>
+          <p:spPr>
+            <a:xfrm>
+              <a:off x="1109540" y="5449251"/>
+              <a:ext cx="1762125" cy="369332"/>
+            </a:xfrm>
+            <a:prstGeom prst="rect">
+              <a:avLst/>
+            </a:prstGeom>
+            <a:noFill/>
+          </p:spPr>
+          <p:txBody>
+            <a:bodyPr wrap="square">
+              <a:spAutoFit/>
+            </a:bodyPr>
+            <a:lstStyle/>
+            <a:p>
+              <a:r>
+                <a:rPr lang="en-US" sz="1800" dirty="0">
+                  <a:effectLst/>
+                  <a:latin typeface="Calibri" panose="020F0502020204030204" pitchFamily="34" charset="0"/>
+                  <a:ea typeface="等线" panose="02010600030101010101" pitchFamily="2" charset="-122"/>
+                  <a:cs typeface="Times New Roman" panose="02020603050405020304" pitchFamily="18" charset="0"/>
+                </a:rPr>
+                <a:t>E</a:t>
+              </a:r>
+              <a:r>
+                <a:rPr lang="en-US" sz="1800" baseline="-25000" dirty="0">
+                  <a:effectLst/>
+                  <a:latin typeface="Calibri" panose="020F0502020204030204" pitchFamily="34" charset="0"/>
+                  <a:ea typeface="等线" panose="02010600030101010101" pitchFamily="2" charset="-122"/>
+                  <a:cs typeface="Times New Roman" panose="02020603050405020304" pitchFamily="18" charset="0"/>
+                </a:rPr>
+                <a:t>0</a:t>
+              </a:r>
+              <a:r>
+                <a:rPr lang="en-US" sz="1800" dirty="0">
+                  <a:effectLst/>
+                  <a:latin typeface="Cambria Math" panose="02040503050406030204" pitchFamily="18" charset="0"/>
+                  <a:ea typeface="等线" panose="02010600030101010101" pitchFamily="2" charset="-122"/>
+                  <a:cs typeface="Cambria Math" panose="02040503050406030204" pitchFamily="18" charset="0"/>
+                </a:rPr>
+                <a:t>∼</a:t>
+              </a:r>
+              <a:r>
+                <a:rPr lang="en-US" sz="1800" dirty="0">
+                  <a:effectLst/>
+                  <a:latin typeface="Calibri" panose="020F0502020204030204" pitchFamily="34" charset="0"/>
+                  <a:ea typeface="等线" panose="02010600030101010101" pitchFamily="2" charset="-122"/>
+                  <a:cs typeface="Times New Roman" panose="02020603050405020304" pitchFamily="18" charset="0"/>
+                </a:rPr>
+                <a:t>100 mV/m</a:t>
+              </a:r>
+              <a:endParaRPr lang="en-US" dirty="0"/>
+            </a:p>
+          </p:txBody>
+        </p:sp>
+        <p:sp>
+          <p:nvSpPr>
+            <p:cNvPr id="13" name="TextBox 12">
+              <a:extLst>
+                <a:ext uri="{FF2B5EF4-FFF2-40B4-BE49-F238E27FC236}">
+                  <a16:creationId xmlns:a16="http://schemas.microsoft.com/office/drawing/2014/main" id="{61D29E6B-B5B5-4034-94E1-790A80D1A29C}"/>
+                </a:ext>
+              </a:extLst>
+            </p:cNvPr>
+            <p:cNvSpPr txBox="1"/>
+            <p:nvPr/>
+          </p:nvSpPr>
+          <p:spPr>
+            <a:xfrm>
+              <a:off x="1109540" y="5909573"/>
+              <a:ext cx="1533525" cy="369332"/>
+            </a:xfrm>
+            <a:prstGeom prst="rect">
+              <a:avLst/>
+            </a:prstGeom>
+            <a:noFill/>
+          </p:spPr>
+          <p:txBody>
+            <a:bodyPr wrap="square">
+              <a:spAutoFit/>
+            </a:bodyPr>
+            <a:lstStyle/>
+            <a:p>
+              <a:r>
+                <a:rPr lang="en-US" sz="1800" dirty="0">
+                  <a:effectLst/>
+                  <a:latin typeface="Calibri" panose="020F0502020204030204" pitchFamily="34" charset="0"/>
+                  <a:ea typeface="等线" panose="02010600030101010101" pitchFamily="2" charset="-122"/>
+                  <a:cs typeface="Times New Roman" panose="02020603050405020304" pitchFamily="18" charset="0"/>
+                </a:rPr>
+                <a:t>n</a:t>
+              </a:r>
+              <a:r>
+                <a:rPr lang="en-US" sz="1800" baseline="-25000" dirty="0">
+                  <a:effectLst/>
+                  <a:latin typeface="Calibri" panose="020F0502020204030204" pitchFamily="34" charset="0"/>
+                  <a:ea typeface="等线" panose="02010600030101010101" pitchFamily="2" charset="-122"/>
+                  <a:cs typeface="Times New Roman" panose="02020603050405020304" pitchFamily="18" charset="0"/>
+                </a:rPr>
+                <a:t>e</a:t>
+              </a:r>
+              <a:r>
+                <a:rPr lang="en-US" sz="1800" dirty="0">
+                  <a:effectLst/>
+                  <a:latin typeface="Cambria Math" panose="02040503050406030204" pitchFamily="18" charset="0"/>
+                  <a:ea typeface="等线" panose="02010600030101010101" pitchFamily="2" charset="-122"/>
+                  <a:cs typeface="Cambria Math" panose="02040503050406030204" pitchFamily="18" charset="0"/>
+                </a:rPr>
+                <a:t>∼</a:t>
+              </a:r>
+              <a:r>
+                <a:rPr lang="en-US" sz="1800" dirty="0">
+                  <a:effectLst/>
+                  <a:latin typeface="Calibri" panose="020F0502020204030204" pitchFamily="34" charset="0"/>
+                  <a:ea typeface="等线" panose="02010600030101010101" pitchFamily="2" charset="-122"/>
+                  <a:cs typeface="Times New Roman" panose="02020603050405020304" pitchFamily="18" charset="0"/>
+                </a:rPr>
+                <a:t>0.15 cm</a:t>
+              </a:r>
+              <a:r>
+                <a:rPr lang="en-US" sz="1800" baseline="30000" dirty="0">
+                  <a:effectLst/>
+                  <a:latin typeface="Calibri" panose="020F0502020204030204" pitchFamily="34" charset="0"/>
+                  <a:ea typeface="等线" panose="02010600030101010101" pitchFamily="2" charset="-122"/>
+                  <a:cs typeface="Times New Roman" panose="02020603050405020304" pitchFamily="18" charset="0"/>
+                </a:rPr>
+                <a:t>-3</a:t>
+              </a:r>
+              <a:endParaRPr lang="en-US" dirty="0"/>
+            </a:p>
+          </p:txBody>
+        </p:sp>
+      </p:grpSp>
+      <p:sp>
+        <p:nvSpPr>
+          <p:cNvPr id="14" name="Rectangle 13">
+            <a:extLst>
+              <a:ext uri="{FF2B5EF4-FFF2-40B4-BE49-F238E27FC236}">
+                <a16:creationId xmlns:a16="http://schemas.microsoft.com/office/drawing/2014/main" id="{034BCE37-B61D-4822-81CE-5387A4925746}"/>
+              </a:ext>
+            </a:extLst>
+          </p:cNvPr>
+          <p:cNvSpPr/>
+          <p:nvPr/>
+        </p:nvSpPr>
+        <p:spPr>
+          <a:xfrm>
+            <a:off x="4413804" y="6581001"/>
+            <a:ext cx="7820593" cy="276999"/>
+          </a:xfrm>
+          <a:prstGeom prst="rect">
+            <a:avLst/>
+          </a:prstGeom>
+        </p:spPr>
+        <p:txBody>
+          <a:bodyPr wrap="square">
+            <a:spAutoFit/>
+          </a:bodyPr>
+          <a:lstStyle/>
+          <a:p>
+            <a:r>
+              <a:rPr lang="en-US" sz="1200" dirty="0"/>
+              <a:t>*Direct observation of electron distributions inside millisecond duration electron holes Physical Review Letters 121 135102</a:t>
+            </a:r>
+          </a:p>
+        </p:txBody>
+      </p:sp>
+      <p:grpSp>
+        <p:nvGrpSpPr>
+          <p:cNvPr id="15" name="Group 14">
+            <a:extLst>
+              <a:ext uri="{FF2B5EF4-FFF2-40B4-BE49-F238E27FC236}">
+                <a16:creationId xmlns:a16="http://schemas.microsoft.com/office/drawing/2014/main" id="{3CC8C8AA-BB49-4AE8-AC70-7048875A9355}"/>
+              </a:ext>
+            </a:extLst>
+          </p:cNvPr>
+          <p:cNvGrpSpPr/>
+          <p:nvPr/>
+        </p:nvGrpSpPr>
+        <p:grpSpPr>
+          <a:xfrm>
+            <a:off x="370363" y="1069424"/>
+            <a:ext cx="6187201" cy="3241183"/>
+            <a:chOff x="762000" y="914547"/>
+            <a:chExt cx="6187201" cy="3241183"/>
+          </a:xfrm>
+        </p:grpSpPr>
+        <mc:AlternateContent xmlns:mc="http://schemas.openxmlformats.org/markup-compatibility/2006" xmlns:a14="http://schemas.microsoft.com/office/drawing/2010/main">
+          <mc:Choice Requires="a14">
+            <p:sp>
+              <p:nvSpPr>
+                <p:cNvPr id="16" name="TextBox 15">
+                  <a:extLst>
+                    <a:ext uri="{FF2B5EF4-FFF2-40B4-BE49-F238E27FC236}">
+                      <a16:creationId xmlns:a16="http://schemas.microsoft.com/office/drawing/2014/main" id="{4FD540FB-3D33-40BE-AB79-704E75C175ED}"/>
+                    </a:ext>
+                  </a:extLst>
+                </p:cNvPr>
+                <p:cNvSpPr txBox="1"/>
+                <p:nvPr/>
+              </p:nvSpPr>
+              <p:spPr>
+                <a:xfrm>
+                  <a:off x="5538461" y="914547"/>
+                  <a:ext cx="327005" cy="369332"/>
+                </a:xfrm>
+                <a:prstGeom prst="rect">
+                  <a:avLst/>
+                </a:prstGeom>
+                <a:noFill/>
+              </p:spPr>
+              <p:txBody>
+                <a:bodyPr wrap="square" rtlCol="0">
+                  <a:spAutoFit/>
+                </a:bodyPr>
+                <a:lstStyle/>
+                <a:p>
+                  <a:pPr/>
+                  <a14:m>
+                    <m:oMathPara xmlns:m="http://schemas.openxmlformats.org/officeDocument/2006/math">
+                      <m:oMathParaPr>
+                        <m:jc m:val="centerGroup"/>
+                      </m:oMathParaPr>
+                      <m:oMath xmlns:m="http://schemas.openxmlformats.org/officeDocument/2006/math">
+                        <m:sSub>
+                          <m:sSubPr>
+                            <m:ctrlPr>
+                              <a:rPr lang="en-US" b="0" i="1" smtClean="0">
+                                <a:solidFill>
+                                  <a:srgbClr val="FF0000"/>
+                                </a:solidFill>
+                                <a:latin typeface="Cambria Math" panose="02040503050406030204" pitchFamily="18" charset="0"/>
+                              </a:rPr>
+                            </m:ctrlPr>
+                          </m:sSubPr>
+                          <m:e>
+                            <m:r>
+                              <a:rPr lang="en-US" b="0" i="1" smtClean="0">
+                                <a:solidFill>
+                                  <a:srgbClr val="FF0000"/>
+                                </a:solidFill>
+                                <a:latin typeface="Cambria Math" panose="02040503050406030204" pitchFamily="18" charset="0"/>
+                              </a:rPr>
+                              <m:t>𝐵</m:t>
+                            </m:r>
+                          </m:e>
+                          <m:sub>
+                            <m:r>
+                              <a:rPr lang="en-US" b="0" i="1" smtClean="0">
+                                <a:solidFill>
+                                  <a:srgbClr val="FF0000"/>
+                                </a:solidFill>
+                                <a:latin typeface="Cambria Math" panose="02040503050406030204" pitchFamily="18" charset="0"/>
+                              </a:rPr>
+                              <m:t>0</m:t>
+                            </m:r>
+                          </m:sub>
+                        </m:sSub>
+                      </m:oMath>
+                    </m:oMathPara>
+                  </a14:m>
+                  <a:endParaRPr lang="en-US" dirty="0"/>
+                </a:p>
+              </p:txBody>
+            </p:sp>
+          </mc:Choice>
+          <mc:Fallback xmlns="">
+            <p:sp>
+              <p:nvSpPr>
+                <p:cNvPr id="22" name="TextBox 21">
+                  <a:extLst>
+                    <a:ext uri="{FF2B5EF4-FFF2-40B4-BE49-F238E27FC236}">
+                      <a16:creationId xmlns:a16="http://schemas.microsoft.com/office/drawing/2014/main" id="{6235AC54-F478-26C2-5116-594B2394EC39}"/>
+                    </a:ext>
+                  </a:extLst>
+                </p:cNvPr>
+                <p:cNvSpPr txBox="1">
+                  <a:spLocks noRot="1" noChangeAspect="1" noMove="1" noResize="1" noEditPoints="1" noAdjustHandles="1" noChangeArrowheads="1" noChangeShapeType="1" noTextEdit="1"/>
+                </p:cNvSpPr>
+                <p:nvPr/>
+              </p:nvSpPr>
+              <p:spPr>
+                <a:xfrm>
+                  <a:off x="5538461" y="914547"/>
+                  <a:ext cx="327005" cy="369332"/>
+                </a:xfrm>
+                <a:prstGeom prst="rect">
+                  <a:avLst/>
+                </a:prstGeom>
+                <a:blipFill>
+                  <a:blip r:embed="rId3"/>
+                  <a:stretch>
+                    <a:fillRect r="-18519"/>
+                  </a:stretch>
+                </a:blipFill>
+              </p:spPr>
+              <p:txBody>
+                <a:bodyPr/>
+                <a:lstStyle/>
+                <a:p>
+                  <a:r>
+                    <a:rPr lang="en-US">
+                      <a:noFill/>
+                    </a:rPr>
+                    <a:t> </a:t>
+                  </a:r>
+                </a:p>
+              </p:txBody>
+            </p:sp>
+          </mc:Fallback>
+        </mc:AlternateContent>
+        <p:grpSp>
+          <p:nvGrpSpPr>
+            <p:cNvPr id="17" name="Group 16">
+              <a:extLst>
+                <a:ext uri="{FF2B5EF4-FFF2-40B4-BE49-F238E27FC236}">
+                  <a16:creationId xmlns:a16="http://schemas.microsoft.com/office/drawing/2014/main" id="{08442CD4-2CFC-4FD9-ACF7-0130ED1E63DF}"/>
+                </a:ext>
+              </a:extLst>
+            </p:cNvPr>
+            <p:cNvGrpSpPr/>
+            <p:nvPr/>
+          </p:nvGrpSpPr>
+          <p:grpSpPr>
+            <a:xfrm>
+              <a:off x="762000" y="1259537"/>
+              <a:ext cx="6187201" cy="2896193"/>
+              <a:chOff x="762000" y="1271329"/>
+              <a:chExt cx="6187201" cy="2896193"/>
+            </a:xfrm>
+          </p:grpSpPr>
+          <p:pic>
+            <p:nvPicPr>
+              <p:cNvPr id="18" name="Picture 17">
+                <a:extLst>
+                  <a:ext uri="{FF2B5EF4-FFF2-40B4-BE49-F238E27FC236}">
+                    <a16:creationId xmlns:a16="http://schemas.microsoft.com/office/drawing/2014/main" id="{0DB308E8-6764-4864-9491-FBBDF97BF4BB}"/>
+                  </a:ext>
+                </a:extLst>
+              </p:cNvPr>
+              <p:cNvPicPr>
+                <a:picLocks noChangeAspect="1"/>
+              </p:cNvPicPr>
+              <p:nvPr/>
+            </p:nvPicPr>
+            <p:blipFill>
+              <a:blip r:embed="rId4"/>
+              <a:stretch>
+                <a:fillRect/>
+              </a:stretch>
+            </p:blipFill>
+            <p:spPr>
+              <a:xfrm>
+                <a:off x="762000" y="2091372"/>
+                <a:ext cx="6187201" cy="2076150"/>
+              </a:xfrm>
+              <a:prstGeom prst="rect">
+                <a:avLst/>
+              </a:prstGeom>
+            </p:spPr>
+          </p:pic>
+          <p:sp>
+            <p:nvSpPr>
+              <p:cNvPr id="19" name="Rectangle 18">
+                <a:extLst>
+                  <a:ext uri="{FF2B5EF4-FFF2-40B4-BE49-F238E27FC236}">
+                    <a16:creationId xmlns:a16="http://schemas.microsoft.com/office/drawing/2014/main" id="{9505EDF2-F149-45F7-949A-F58C14102571}"/>
+                  </a:ext>
+                </a:extLst>
+              </p:cNvPr>
+              <p:cNvSpPr/>
+              <p:nvPr/>
+            </p:nvSpPr>
+            <p:spPr>
+              <a:xfrm>
+                <a:off x="4540037" y="2263209"/>
+                <a:ext cx="518349" cy="1145543"/>
+              </a:xfrm>
+              <a:prstGeom prst="rect">
+                <a:avLst/>
+              </a:prstGeom>
+              <a:solidFill>
+                <a:schemeClr val="accent1">
+                  <a:alpha val="18000"/>
+                </a:schemeClr>
+              </a:solidFill>
+            </p:spPr>
+            <p:style>
+              <a:lnRef idx="2">
+                <a:schemeClr val="accent1">
+                  <a:shade val="15000"/>
+                </a:schemeClr>
+              </a:lnRef>
+              <a:fillRef idx="1">
+                <a:schemeClr val="accent1"/>
+              </a:fillRef>
+              <a:effectRef idx="0">
+                <a:schemeClr val="accent1"/>
+              </a:effectRef>
+              <a:fontRef idx="minor">
+                <a:schemeClr val="lt1"/>
+              </a:fontRef>
+            </p:style>
+            <p:txBody>
+              <a:bodyPr rtlCol="0" anchor="ctr"/>
+              <a:lstStyle/>
+              <a:p>
+                <a:pPr algn="ctr"/>
+                <a:endParaRPr lang="en-US" dirty="0"/>
+              </a:p>
+            </p:txBody>
+          </p:sp>
+          <p:cxnSp>
+            <p:nvCxnSpPr>
+              <p:cNvPr id="20" name="Straight Arrow Connector 19">
+                <a:extLst>
+                  <a:ext uri="{FF2B5EF4-FFF2-40B4-BE49-F238E27FC236}">
+                    <a16:creationId xmlns:a16="http://schemas.microsoft.com/office/drawing/2014/main" id="{73D6D9FB-C222-4B91-A324-974C1C4F310C}"/>
+                  </a:ext>
+                </a:extLst>
+              </p:cNvPr>
+              <p:cNvCxnSpPr>
+                <a:cxnSpLocks/>
+              </p:cNvCxnSpPr>
+              <p:nvPr/>
+            </p:nvCxnSpPr>
+            <p:spPr>
+              <a:xfrm>
+                <a:off x="4379516" y="1951935"/>
+                <a:ext cx="1558084" cy="0"/>
+              </a:xfrm>
+              <a:prstGeom prst="straightConnector1">
+                <a:avLst/>
+              </a:prstGeom>
+              <a:ln>
+                <a:solidFill>
+                  <a:schemeClr val="tx1"/>
+                </a:solidFill>
+                <a:tailEnd type="triangle"/>
+              </a:ln>
+            </p:spPr>
+            <p:style>
+              <a:lnRef idx="2">
+                <a:schemeClr val="accent1"/>
+              </a:lnRef>
+              <a:fillRef idx="0">
+                <a:schemeClr val="accent1"/>
+              </a:fillRef>
+              <a:effectRef idx="1">
+                <a:schemeClr val="accent1"/>
+              </a:effectRef>
+              <a:fontRef idx="minor">
+                <a:schemeClr val="tx1"/>
+              </a:fontRef>
+            </p:style>
+          </p:cxnSp>
+          <mc:AlternateContent xmlns:mc="http://schemas.openxmlformats.org/markup-compatibility/2006" xmlns:a14="http://schemas.microsoft.com/office/drawing/2010/main">
+            <mc:Choice Requires="a14">
+              <p:sp>
+                <p:nvSpPr>
+                  <p:cNvPr id="21" name="TextBox 20">
+                    <a:extLst>
+                      <a:ext uri="{FF2B5EF4-FFF2-40B4-BE49-F238E27FC236}">
+                        <a16:creationId xmlns:a16="http://schemas.microsoft.com/office/drawing/2014/main" id="{3683AEB6-57C1-48FE-9F13-EA5D83FCD064}"/>
+                      </a:ext>
+                    </a:extLst>
+                  </p:cNvPr>
+                  <p:cNvSpPr txBox="1"/>
+                  <p:nvPr/>
+                </p:nvSpPr>
+                <p:spPr>
+                  <a:xfrm>
+                    <a:off x="5471137" y="1607702"/>
+                    <a:ext cx="461654" cy="369332"/>
+                  </a:xfrm>
+                  <a:prstGeom prst="rect">
+                    <a:avLst/>
+                  </a:prstGeom>
+                  <a:noFill/>
+                </p:spPr>
+                <p:txBody>
+                  <a:bodyPr wrap="square" rtlCol="0">
+                    <a:spAutoFit/>
+                  </a:bodyPr>
+                  <a:lstStyle/>
+                  <a:p>
+                    <a:pPr/>
+                    <a14:m>
+                      <m:oMathPara xmlns:m="http://schemas.openxmlformats.org/officeDocument/2006/math">
+                        <m:oMathParaPr>
+                          <m:jc m:val="centerGroup"/>
+                        </m:oMathParaPr>
+                        <m:oMath xmlns:m="http://schemas.openxmlformats.org/officeDocument/2006/math">
+                          <m:r>
+                            <a:rPr lang="en-US" b="1" i="1" smtClean="0">
+                              <a:latin typeface="Cambria Math" panose="02040503050406030204" pitchFamily="18" charset="0"/>
+                            </a:rPr>
+                            <m:t>𝒌</m:t>
+                          </m:r>
+                        </m:oMath>
+                      </m:oMathPara>
+                    </a14:m>
+                    <a:endParaRPr lang="en-US" b="1" dirty="0"/>
+                  </a:p>
+                </p:txBody>
+              </p:sp>
+            </mc:Choice>
+            <mc:Fallback xmlns="">
+              <p:sp>
+                <p:nvSpPr>
+                  <p:cNvPr id="15" name="TextBox 14">
+                    <a:extLst>
+                      <a:ext uri="{FF2B5EF4-FFF2-40B4-BE49-F238E27FC236}">
+                        <a16:creationId xmlns:a16="http://schemas.microsoft.com/office/drawing/2014/main" id="{9DC105B9-DA11-32EE-4632-7BC14DA1500D}"/>
+                      </a:ext>
+                    </a:extLst>
+                  </p:cNvPr>
+                  <p:cNvSpPr txBox="1">
+                    <a:spLocks noRot="1" noChangeAspect="1" noMove="1" noResize="1" noEditPoints="1" noAdjustHandles="1" noChangeArrowheads="1" noChangeShapeType="1" noTextEdit="1"/>
+                  </p:cNvSpPr>
+                  <p:nvPr/>
+                </p:nvSpPr>
+                <p:spPr>
+                  <a:xfrm>
+                    <a:off x="5471137" y="1607702"/>
+                    <a:ext cx="461654" cy="369332"/>
+                  </a:xfrm>
+                  <a:prstGeom prst="rect">
+                    <a:avLst/>
+                  </a:prstGeom>
+                  <a:blipFill>
+                    <a:blip r:embed="rId5"/>
+                    <a:stretch>
+                      <a:fillRect/>
+                    </a:stretch>
+                  </a:blipFill>
+                </p:spPr>
+                <p:txBody>
+                  <a:bodyPr/>
+                  <a:lstStyle/>
+                  <a:p>
+                    <a:r>
+                      <a:rPr lang="en-US">
+                        <a:noFill/>
+                      </a:rPr>
+                      <a:t> </a:t>
+                    </a:r>
+                  </a:p>
+                </p:txBody>
+              </p:sp>
+            </mc:Fallback>
+          </mc:AlternateContent>
+          <p:cxnSp>
+            <p:nvCxnSpPr>
+              <p:cNvPr id="22" name="Straight Arrow Connector 21">
+                <a:extLst>
+                  <a:ext uri="{FF2B5EF4-FFF2-40B4-BE49-F238E27FC236}">
+                    <a16:creationId xmlns:a16="http://schemas.microsoft.com/office/drawing/2014/main" id="{4396E613-3C9B-401F-A017-1E87585929AF}"/>
+                  </a:ext>
+                </a:extLst>
+              </p:cNvPr>
+              <p:cNvCxnSpPr>
+                <a:cxnSpLocks/>
+              </p:cNvCxnSpPr>
+              <p:nvPr/>
+            </p:nvCxnSpPr>
+            <p:spPr>
+              <a:xfrm>
+                <a:off x="4379516" y="1640661"/>
+                <a:ext cx="1553275" cy="0"/>
+              </a:xfrm>
+              <a:prstGeom prst="straightConnector1">
+                <a:avLst/>
+              </a:prstGeom>
+              <a:ln>
+                <a:solidFill>
+                  <a:srgbClr val="0070C0"/>
+                </a:solidFill>
+                <a:tailEnd type="triangle"/>
+              </a:ln>
+            </p:spPr>
+            <p:style>
+              <a:lnRef idx="2">
+                <a:schemeClr val="accent1"/>
+              </a:lnRef>
+              <a:fillRef idx="0">
+                <a:schemeClr val="accent1"/>
+              </a:fillRef>
+              <a:effectRef idx="1">
+                <a:schemeClr val="accent1"/>
+              </a:effectRef>
+              <a:fontRef idx="minor">
+                <a:schemeClr val="tx1"/>
+              </a:fontRef>
+            </p:style>
+          </p:cxnSp>
+          <mc:AlternateContent xmlns:mc="http://schemas.openxmlformats.org/markup-compatibility/2006" xmlns:a14="http://schemas.microsoft.com/office/drawing/2010/main">
+            <mc:Choice Requires="a14">
+              <p:sp>
+                <p:nvSpPr>
+                  <p:cNvPr id="23" name="TextBox 22">
+                    <a:extLst>
+                      <a:ext uri="{FF2B5EF4-FFF2-40B4-BE49-F238E27FC236}">
+                        <a16:creationId xmlns:a16="http://schemas.microsoft.com/office/drawing/2014/main" id="{016DF634-245B-415B-929B-D2D0B6DF77AF}"/>
+                      </a:ext>
+                    </a:extLst>
+                  </p:cNvPr>
+                  <p:cNvSpPr txBox="1"/>
+                  <p:nvPr/>
+                </p:nvSpPr>
+                <p:spPr>
+                  <a:xfrm>
+                    <a:off x="5538461" y="1271329"/>
+                    <a:ext cx="327005" cy="369332"/>
+                  </a:xfrm>
+                  <a:prstGeom prst="rect">
+                    <a:avLst/>
+                  </a:prstGeom>
+                  <a:noFill/>
+                </p:spPr>
+                <p:txBody>
+                  <a:bodyPr wrap="square" rtlCol="0">
+                    <a:spAutoFit/>
+                  </a:bodyPr>
+                  <a:lstStyle/>
+                  <a:p>
+                    <a:pPr/>
+                    <a14:m>
+                      <m:oMathPara xmlns:m="http://schemas.openxmlformats.org/officeDocument/2006/math">
+                        <m:oMathParaPr>
+                          <m:jc m:val="centerGroup"/>
+                        </m:oMathParaPr>
+                        <m:oMath xmlns:m="http://schemas.openxmlformats.org/officeDocument/2006/math">
+                          <m:sSub>
+                            <m:sSubPr>
+                              <m:ctrlPr>
+                                <a:rPr lang="en-US" b="0" i="1" smtClean="0">
+                                  <a:solidFill>
+                                    <a:srgbClr val="0070C0"/>
+                                  </a:solidFill>
+                                  <a:latin typeface="Cambria Math" panose="02040503050406030204" pitchFamily="18" charset="0"/>
+                                </a:rPr>
+                              </m:ctrlPr>
+                            </m:sSubPr>
+                            <m:e>
+                              <m:r>
+                                <a:rPr lang="en-US" b="0" i="1" smtClean="0">
+                                  <a:solidFill>
+                                    <a:srgbClr val="0070C0"/>
+                                  </a:solidFill>
+                                  <a:latin typeface="Cambria Math" panose="02040503050406030204" pitchFamily="18" charset="0"/>
+                                </a:rPr>
+                                <m:t>𝐸</m:t>
+                              </m:r>
+                            </m:e>
+                            <m:sub>
+                              <m:r>
+                                <a:rPr lang="en-US" b="0" i="1" smtClean="0">
+                                  <a:solidFill>
+                                    <a:srgbClr val="0070C0"/>
+                                  </a:solidFill>
+                                  <a:latin typeface="Cambria Math" panose="02040503050406030204" pitchFamily="18" charset="0"/>
+                                </a:rPr>
+                                <m:t>0</m:t>
+                              </m:r>
+                            </m:sub>
+                          </m:sSub>
+                        </m:oMath>
+                      </m:oMathPara>
+                    </a14:m>
+                    <a:endParaRPr lang="en-US" dirty="0"/>
+                  </a:p>
+                </p:txBody>
+              </p:sp>
+            </mc:Choice>
+            <mc:Fallback xmlns="">
+              <p:sp>
+                <p:nvSpPr>
+                  <p:cNvPr id="18" name="TextBox 17">
+                    <a:extLst>
+                      <a:ext uri="{FF2B5EF4-FFF2-40B4-BE49-F238E27FC236}">
+                        <a16:creationId xmlns:a16="http://schemas.microsoft.com/office/drawing/2014/main" id="{649C2306-CD0D-DEE0-C64B-072328C67A98}"/>
+                      </a:ext>
+                    </a:extLst>
+                  </p:cNvPr>
+                  <p:cNvSpPr txBox="1">
+                    <a:spLocks noRot="1" noChangeAspect="1" noMove="1" noResize="1" noEditPoints="1" noAdjustHandles="1" noChangeArrowheads="1" noChangeShapeType="1" noTextEdit="1"/>
+                  </p:cNvSpPr>
+                  <p:nvPr/>
+                </p:nvSpPr>
+                <p:spPr>
+                  <a:xfrm>
+                    <a:off x="5538461" y="1271329"/>
+                    <a:ext cx="327005" cy="369332"/>
+                  </a:xfrm>
+                  <a:prstGeom prst="rect">
+                    <a:avLst/>
+                  </a:prstGeom>
+                  <a:blipFill>
+                    <a:blip r:embed="rId6"/>
+                    <a:stretch>
+                      <a:fillRect r="-16667"/>
+                    </a:stretch>
+                  </a:blipFill>
+                </p:spPr>
+                <p:txBody>
+                  <a:bodyPr/>
+                  <a:lstStyle/>
+                  <a:p>
+                    <a:r>
+                      <a:rPr lang="en-US">
+                        <a:noFill/>
+                      </a:rPr>
+                      <a:t> </a:t>
+                    </a:r>
+                  </a:p>
+                </p:txBody>
+              </p:sp>
+            </mc:Fallback>
+          </mc:AlternateContent>
+          <p:cxnSp>
+            <p:nvCxnSpPr>
+              <p:cNvPr id="24" name="Straight Arrow Connector 23">
+                <a:extLst>
+                  <a:ext uri="{FF2B5EF4-FFF2-40B4-BE49-F238E27FC236}">
+                    <a16:creationId xmlns:a16="http://schemas.microsoft.com/office/drawing/2014/main" id="{9167B9D4-37A1-4AD6-9073-3832956FC9F1}"/>
+                  </a:ext>
+                </a:extLst>
+              </p:cNvPr>
+              <p:cNvCxnSpPr>
+                <a:cxnSpLocks/>
+              </p:cNvCxnSpPr>
+              <p:nvPr/>
+            </p:nvCxnSpPr>
+            <p:spPr>
+              <a:xfrm>
+                <a:off x="4379516" y="1271329"/>
+                <a:ext cx="1553275" cy="0"/>
+              </a:xfrm>
+              <a:prstGeom prst="straightConnector1">
+                <a:avLst/>
+              </a:prstGeom>
+              <a:ln>
+                <a:solidFill>
+                  <a:srgbClr val="0070C0"/>
+                </a:solidFill>
+                <a:tailEnd type="triangle"/>
+              </a:ln>
+            </p:spPr>
+            <p:style>
+              <a:lnRef idx="2">
+                <a:schemeClr val="accent1"/>
+              </a:lnRef>
+              <a:fillRef idx="0">
+                <a:schemeClr val="accent1"/>
+              </a:fillRef>
+              <a:effectRef idx="1">
+                <a:schemeClr val="accent1"/>
+              </a:effectRef>
+              <a:fontRef idx="minor">
+                <a:schemeClr val="tx1"/>
+              </a:fontRef>
+            </p:style>
+          </p:cxnSp>
+          <p:sp>
+            <p:nvSpPr>
+              <p:cNvPr id="25" name="Rectangle: Rounded Corners 24">
+                <a:extLst>
+                  <a:ext uri="{FF2B5EF4-FFF2-40B4-BE49-F238E27FC236}">
+                    <a16:creationId xmlns:a16="http://schemas.microsoft.com/office/drawing/2014/main" id="{E52386E8-397A-40F0-9A11-02024445333F}"/>
+                  </a:ext>
+                </a:extLst>
+              </p:cNvPr>
+              <p:cNvSpPr/>
+              <p:nvPr/>
+            </p:nvSpPr>
+            <p:spPr>
+              <a:xfrm>
+                <a:off x="1352735" y="2756967"/>
+                <a:ext cx="2438400" cy="583121"/>
+              </a:xfrm>
+              <a:prstGeom prst="roundRect">
+                <a:avLst/>
+              </a:prstGeom>
+              <a:solidFill>
+                <a:schemeClr val="bg1"/>
+              </a:solidFill>
+              <a:ln>
+                <a:noFill/>
+              </a:ln>
+            </p:spPr>
+            <p:style>
+              <a:lnRef idx="2">
+                <a:schemeClr val="accent1">
+                  <a:shade val="50000"/>
+                </a:schemeClr>
+              </a:lnRef>
+              <a:fillRef idx="1">
+                <a:schemeClr val="accent1"/>
+              </a:fillRef>
+              <a:effectRef idx="0">
+                <a:schemeClr val="accent1"/>
+              </a:effectRef>
+              <a:fontRef idx="minor">
+                <a:schemeClr val="lt1"/>
+              </a:fontRef>
+            </p:style>
+            <p:txBody>
+              <a:bodyPr rtlCol="0" anchor="ctr"/>
+              <a:lstStyle/>
+              <a:p>
+                <a:pPr algn="ctr"/>
+                <a:endParaRPr lang="en-US"/>
+              </a:p>
+            </p:txBody>
+          </p:sp>
+          <p:sp>
+            <p:nvSpPr>
+              <p:cNvPr id="26" name="Rectangle: Rounded Corners 25">
+                <a:extLst>
+                  <a:ext uri="{FF2B5EF4-FFF2-40B4-BE49-F238E27FC236}">
+                    <a16:creationId xmlns:a16="http://schemas.microsoft.com/office/drawing/2014/main" id="{8301A0DD-9350-4373-B134-A9B45C8FA8A7}"/>
+                  </a:ext>
+                </a:extLst>
+              </p:cNvPr>
+              <p:cNvSpPr/>
+              <p:nvPr/>
+            </p:nvSpPr>
+            <p:spPr>
+              <a:xfrm>
+                <a:off x="5113756" y="2680633"/>
+                <a:ext cx="1072571" cy="583121"/>
+              </a:xfrm>
+              <a:prstGeom prst="roundRect">
+                <a:avLst/>
+              </a:prstGeom>
+              <a:solidFill>
+                <a:schemeClr val="bg1"/>
+              </a:solidFill>
+              <a:ln>
+                <a:noFill/>
+              </a:ln>
+            </p:spPr>
+            <p:style>
+              <a:lnRef idx="2">
+                <a:schemeClr val="accent1">
+                  <a:shade val="50000"/>
+                </a:schemeClr>
+              </a:lnRef>
+              <a:fillRef idx="1">
+                <a:schemeClr val="accent1"/>
+              </a:fillRef>
+              <a:effectRef idx="0">
+                <a:schemeClr val="accent1"/>
+              </a:effectRef>
+              <a:fontRef idx="minor">
+                <a:schemeClr val="lt1"/>
+              </a:fontRef>
+            </p:style>
+            <p:txBody>
+              <a:bodyPr rtlCol="0" anchor="ctr"/>
+              <a:lstStyle/>
+              <a:p>
+                <a:pPr algn="ctr"/>
+                <a:endParaRPr lang="en-US"/>
+              </a:p>
+            </p:txBody>
+          </p:sp>
+        </p:grpSp>
+      </p:grpSp>
+      <mc:AlternateContent xmlns:mc="http://schemas.openxmlformats.org/markup-compatibility/2006" xmlns:a14="http://schemas.microsoft.com/office/drawing/2010/main">
+        <mc:Choice Requires="a14">
+          <p:sp>
+            <p:nvSpPr>
+              <p:cNvPr id="37" name="TextBox 36">
+                <a:extLst>
+                  <a:ext uri="{FF2B5EF4-FFF2-40B4-BE49-F238E27FC236}">
+                    <a16:creationId xmlns:a16="http://schemas.microsoft.com/office/drawing/2014/main" id="{EB60C7E2-1A34-408D-ACAB-7105A0587EC4}"/>
+                  </a:ext>
+                </a:extLst>
+              </p:cNvPr>
+              <p:cNvSpPr txBox="1"/>
+              <p:nvPr/>
+            </p:nvSpPr>
+            <p:spPr>
+              <a:xfrm>
+                <a:off x="2707056" y="4800356"/>
+                <a:ext cx="3367062" cy="1237775"/>
+              </a:xfrm>
+              <a:prstGeom prst="rect">
+                <a:avLst/>
+              </a:prstGeom>
+              <a:noFill/>
+            </p:spPr>
+            <p:txBody>
+              <a:bodyPr wrap="square" rtlCol="0">
+                <a:spAutoFit/>
+              </a:bodyPr>
+              <a:lstStyle/>
+              <a:p>
+                <a:pPr/>
+                <a14:m>
+                  <m:oMathPara xmlns:m="http://schemas.openxmlformats.org/officeDocument/2006/math">
+                    <m:oMathParaPr>
+                      <m:jc m:val="centerGroup"/>
+                    </m:oMathParaPr>
+                    <m:oMath xmlns:m="http://schemas.openxmlformats.org/officeDocument/2006/math">
+                      <m:f>
+                        <m:fPr>
+                          <m:ctrlPr>
+                            <a:rPr lang="en-US" b="0" i="1" smtClean="0">
+                              <a:latin typeface="Cambria Math" panose="02040503050406030204" pitchFamily="18" charset="0"/>
+                            </a:rPr>
+                          </m:ctrlPr>
+                        </m:fPr>
+                        <m:num>
+                          <m:sSub>
+                            <m:sSubPr>
+                              <m:ctrlPr>
+                                <a:rPr lang="en-US" b="0" i="1" smtClean="0">
+                                  <a:latin typeface="Cambria Math" panose="02040503050406030204" pitchFamily="18" charset="0"/>
+                                </a:rPr>
+                              </m:ctrlPr>
+                            </m:sSubPr>
+                            <m:e>
+                              <m:r>
+                                <a:rPr lang="en-US" b="0" i="1" smtClean="0">
+                                  <a:latin typeface="Cambria Math" panose="02040503050406030204" pitchFamily="18" charset="0"/>
+                                </a:rPr>
+                                <m:t>𝜔</m:t>
+                              </m:r>
+                            </m:e>
+                            <m:sub>
+                              <m:r>
+                                <a:rPr lang="en-US" b="0" i="1" smtClean="0">
+                                  <a:latin typeface="Cambria Math" panose="02040503050406030204" pitchFamily="18" charset="0"/>
+                                </a:rPr>
+                                <m:t>1</m:t>
+                              </m:r>
+                            </m:sub>
+                          </m:sSub>
+                        </m:num>
+                        <m:den>
+                          <m:sSub>
+                            <m:sSubPr>
+                              <m:ctrlPr>
+                                <a:rPr lang="en-US" b="0" i="1" smtClean="0">
+                                  <a:latin typeface="Cambria Math" panose="02040503050406030204" pitchFamily="18" charset="0"/>
+                                </a:rPr>
+                              </m:ctrlPr>
+                            </m:sSubPr>
+                            <m:e>
+                              <m:r>
+                                <a:rPr lang="en-US" b="0" i="1" smtClean="0">
+                                  <a:latin typeface="Cambria Math" panose="02040503050406030204" pitchFamily="18" charset="0"/>
+                                </a:rPr>
+                                <m:t>𝜔</m:t>
+                              </m:r>
+                            </m:e>
+                            <m:sub>
+                              <m:r>
+                                <a:rPr lang="en-US" b="0" i="1" smtClean="0">
+                                  <a:latin typeface="Cambria Math" panose="02040503050406030204" pitchFamily="18" charset="0"/>
+                                </a:rPr>
+                                <m:t>𝑐𝑒</m:t>
+                              </m:r>
+                            </m:sub>
+                          </m:sSub>
+                        </m:den>
+                      </m:f>
+                      <m:r>
+                        <a:rPr lang="en-US" b="0" i="1" smtClean="0">
+                          <a:latin typeface="Cambria Math" panose="02040503050406030204" pitchFamily="18" charset="0"/>
+                        </a:rPr>
+                        <m:t>=1.0344;</m:t>
+                      </m:r>
+                      <m:f>
+                        <m:fPr>
+                          <m:ctrlPr>
+                            <a:rPr lang="en-US" b="0" i="1" smtClean="0">
+                              <a:latin typeface="Cambria Math" panose="02040503050406030204" pitchFamily="18" charset="0"/>
+                            </a:rPr>
+                          </m:ctrlPr>
+                        </m:fPr>
+                        <m:num>
+                          <m:r>
+                            <a:rPr lang="en-US" b="0" i="1" smtClean="0">
+                              <a:latin typeface="Cambria Math" panose="02040503050406030204" pitchFamily="18" charset="0"/>
+                            </a:rPr>
+                            <m:t>𝑘𝑐</m:t>
+                          </m:r>
+                        </m:num>
+                        <m:den>
+                          <m:sSub>
+                            <m:sSubPr>
+                              <m:ctrlPr>
+                                <a:rPr lang="en-US" b="0" i="1" smtClean="0">
+                                  <a:latin typeface="Cambria Math" panose="02040503050406030204" pitchFamily="18" charset="0"/>
+                                </a:rPr>
+                              </m:ctrlPr>
+                            </m:sSubPr>
+                            <m:e>
+                              <m:r>
+                                <a:rPr lang="en-US" b="0" i="1" smtClean="0">
+                                  <a:latin typeface="Cambria Math" panose="02040503050406030204" pitchFamily="18" charset="0"/>
+                                </a:rPr>
+                                <m:t>𝜔</m:t>
+                              </m:r>
+                            </m:e>
+                            <m:sub>
+                              <m:r>
+                                <a:rPr lang="en-US" b="0" i="1" smtClean="0">
+                                  <a:latin typeface="Cambria Math" panose="02040503050406030204" pitchFamily="18" charset="0"/>
+                                </a:rPr>
+                                <m:t>𝑐𝑒</m:t>
+                              </m:r>
+                            </m:sub>
+                          </m:sSub>
+                        </m:den>
+                      </m:f>
+                      <m:r>
+                        <a:rPr lang="en-US" b="0" i="1" smtClean="0">
+                          <a:latin typeface="Cambria Math" panose="02040503050406030204" pitchFamily="18" charset="0"/>
+                        </a:rPr>
+                        <m:t>=−1.034;</m:t>
+                      </m:r>
+                    </m:oMath>
+                  </m:oMathPara>
+                </a14:m>
+                <a:endParaRPr lang="en-US" b="0" i="1" dirty="0">
+                  <a:latin typeface="Cambria Math" panose="02040503050406030204" pitchFamily="18" charset="0"/>
+                </a:endParaRPr>
+              </a:p>
+              <a:p>
+                <a:pPr/>
+                <a14:m>
+                  <m:oMathPara xmlns:m="http://schemas.openxmlformats.org/officeDocument/2006/math">
+                    <m:oMathParaPr>
+                      <m:jc m:val="centerGroup"/>
+                    </m:oMathParaPr>
+                    <m:oMath xmlns:m="http://schemas.openxmlformats.org/officeDocument/2006/math">
+                      <m:f>
+                        <m:fPr>
+                          <m:ctrlPr>
+                            <a:rPr lang="en-US" i="1" smtClean="0">
+                              <a:solidFill>
+                                <a:srgbClr val="FF0000"/>
+                              </a:solidFill>
+                              <a:latin typeface="Cambria Math" panose="02040503050406030204" pitchFamily="18" charset="0"/>
+                            </a:rPr>
+                          </m:ctrlPr>
+                        </m:fPr>
+                        <m:num>
+                          <m:sSub>
+                            <m:sSubPr>
+                              <m:ctrlPr>
+                                <a:rPr lang="en-US" i="1">
+                                  <a:solidFill>
+                                    <a:srgbClr val="FF0000"/>
+                                  </a:solidFill>
+                                  <a:latin typeface="Cambria Math" panose="02040503050406030204" pitchFamily="18" charset="0"/>
+                                </a:rPr>
+                              </m:ctrlPr>
+                            </m:sSubPr>
+                            <m:e>
+                              <m:r>
+                                <a:rPr lang="en-US" i="1">
+                                  <a:solidFill>
+                                    <a:srgbClr val="FF0000"/>
+                                  </a:solidFill>
+                                  <a:latin typeface="Cambria Math" panose="02040503050406030204" pitchFamily="18" charset="0"/>
+                                </a:rPr>
+                                <m:t>𝜔</m:t>
+                              </m:r>
+                            </m:e>
+                            <m:sub>
+                              <m:r>
+                                <a:rPr lang="en-US" b="0" i="1" smtClean="0">
+                                  <a:solidFill>
+                                    <a:srgbClr val="FF0000"/>
+                                  </a:solidFill>
+                                  <a:latin typeface="Cambria Math" panose="02040503050406030204" pitchFamily="18" charset="0"/>
+                                </a:rPr>
+                                <m:t>2</m:t>
+                              </m:r>
+                            </m:sub>
+                          </m:sSub>
+                        </m:num>
+                        <m:den>
+                          <m:sSub>
+                            <m:sSubPr>
+                              <m:ctrlPr>
+                                <a:rPr lang="en-US" b="0" i="1" smtClean="0">
+                                  <a:solidFill>
+                                    <a:srgbClr val="FF0000"/>
+                                  </a:solidFill>
+                                  <a:latin typeface="Cambria Math" panose="02040503050406030204" pitchFamily="18" charset="0"/>
+                                </a:rPr>
+                              </m:ctrlPr>
+                            </m:sSubPr>
+                            <m:e>
+                              <m:r>
+                                <a:rPr lang="en-US" b="0" i="1" smtClean="0">
+                                  <a:solidFill>
+                                    <a:srgbClr val="FF0000"/>
+                                  </a:solidFill>
+                                  <a:latin typeface="Cambria Math" panose="02040503050406030204" pitchFamily="18" charset="0"/>
+                                </a:rPr>
+                                <m:t>𝜔</m:t>
+                              </m:r>
+                            </m:e>
+                            <m:sub>
+                              <m:r>
+                                <a:rPr lang="en-US" b="0" i="1" smtClean="0">
+                                  <a:solidFill>
+                                    <a:srgbClr val="FF0000"/>
+                                  </a:solidFill>
+                                  <a:latin typeface="Cambria Math" panose="02040503050406030204" pitchFamily="18" charset="0"/>
+                                </a:rPr>
+                                <m:t>𝑐𝑒</m:t>
+                              </m:r>
+                            </m:sub>
+                          </m:sSub>
+                        </m:den>
+                      </m:f>
+                      <m:r>
+                        <a:rPr lang="en-US" i="1">
+                          <a:solidFill>
+                            <a:srgbClr val="FF0000"/>
+                          </a:solidFill>
+                          <a:latin typeface="Cambria Math" panose="02040503050406030204" pitchFamily="18" charset="0"/>
+                        </a:rPr>
+                        <m:t>=</m:t>
+                      </m:r>
+                      <m:r>
+                        <a:rPr lang="en-US" b="0" i="1" smtClean="0">
+                          <a:solidFill>
+                            <a:srgbClr val="FF0000"/>
+                          </a:solidFill>
+                          <a:latin typeface="Cambria Math" panose="02040503050406030204" pitchFamily="18" charset="0"/>
+                        </a:rPr>
+                        <m:t>0.9588</m:t>
+                      </m:r>
+                      <m:r>
+                        <a:rPr lang="en-US" i="1">
+                          <a:solidFill>
+                            <a:srgbClr val="FF0000"/>
+                          </a:solidFill>
+                          <a:latin typeface="Cambria Math" panose="02040503050406030204" pitchFamily="18" charset="0"/>
+                        </a:rPr>
+                        <m:t>;</m:t>
+                      </m:r>
+                      <m:r>
+                        <a:rPr lang="en-US" b="0" i="1" smtClean="0">
+                          <a:solidFill>
+                            <a:srgbClr val="FF0000"/>
+                          </a:solidFill>
+                          <a:latin typeface="Cambria Math" panose="02040503050406030204" pitchFamily="18" charset="0"/>
+                        </a:rPr>
+                        <m:t> </m:t>
+                      </m:r>
+                      <m:f>
+                        <m:fPr>
+                          <m:ctrlPr>
+                            <a:rPr lang="en-US" i="1">
+                              <a:solidFill>
+                                <a:srgbClr val="FF0000"/>
+                              </a:solidFill>
+                              <a:latin typeface="Cambria Math" panose="02040503050406030204" pitchFamily="18" charset="0"/>
+                            </a:rPr>
+                          </m:ctrlPr>
+                        </m:fPr>
+                        <m:num>
+                          <m:r>
+                            <a:rPr lang="en-US" i="1">
+                              <a:solidFill>
+                                <a:srgbClr val="FF0000"/>
+                              </a:solidFill>
+                              <a:latin typeface="Cambria Math" panose="02040503050406030204" pitchFamily="18" charset="0"/>
+                            </a:rPr>
+                            <m:t>𝑘𝑐</m:t>
+                          </m:r>
+                        </m:num>
+                        <m:den>
+                          <m:sSub>
+                            <m:sSubPr>
+                              <m:ctrlPr>
+                                <a:rPr lang="en-US" i="1">
+                                  <a:solidFill>
+                                    <a:srgbClr val="FF0000"/>
+                                  </a:solidFill>
+                                  <a:latin typeface="Cambria Math" panose="02040503050406030204" pitchFamily="18" charset="0"/>
+                                </a:rPr>
+                              </m:ctrlPr>
+                            </m:sSubPr>
+                            <m:e>
+                              <m:r>
+                                <a:rPr lang="en-US" i="1">
+                                  <a:solidFill>
+                                    <a:srgbClr val="FF0000"/>
+                                  </a:solidFill>
+                                  <a:latin typeface="Cambria Math" panose="02040503050406030204" pitchFamily="18" charset="0"/>
+                                </a:rPr>
+                                <m:t>𝜔</m:t>
+                              </m:r>
+                            </m:e>
+                            <m:sub>
+                              <m:r>
+                                <a:rPr lang="en-US" i="1">
+                                  <a:solidFill>
+                                    <a:srgbClr val="FF0000"/>
+                                  </a:solidFill>
+                                  <a:latin typeface="Cambria Math" panose="02040503050406030204" pitchFamily="18" charset="0"/>
+                                </a:rPr>
+                                <m:t>𝑐𝑒</m:t>
+                              </m:r>
+                            </m:sub>
+                          </m:sSub>
+                        </m:den>
+                      </m:f>
+                      <m:r>
+                        <a:rPr lang="en-US" i="1">
+                          <a:solidFill>
+                            <a:srgbClr val="FF0000"/>
+                          </a:solidFill>
+                          <a:latin typeface="Cambria Math" panose="02040503050406030204" pitchFamily="18" charset="0"/>
+                        </a:rPr>
+                        <m:t>=</m:t>
+                      </m:r>
+                      <m:r>
+                        <a:rPr lang="en-US" b="0" i="1" smtClean="0">
+                          <a:solidFill>
+                            <a:srgbClr val="FF0000"/>
+                          </a:solidFill>
+                          <a:latin typeface="Cambria Math" panose="02040503050406030204" pitchFamily="18" charset="0"/>
+                        </a:rPr>
+                        <m:t>1.236</m:t>
+                      </m:r>
+                      <m:r>
+                        <a:rPr lang="en-US" b="0" i="0" smtClean="0">
+                          <a:latin typeface="Cambria Math" panose="02040503050406030204" pitchFamily="18" charset="0"/>
+                        </a:rPr>
+                        <m:t>;</m:t>
+                      </m:r>
+                    </m:oMath>
+                  </m:oMathPara>
+                </a14:m>
+                <a:endParaRPr lang="en-US" dirty="0"/>
+              </a:p>
+            </p:txBody>
+          </p:sp>
+        </mc:Choice>
+        <mc:Fallback xmlns="">
+          <p:sp>
+            <p:nvSpPr>
+              <p:cNvPr id="37" name="TextBox 36">
+                <a:extLst>
+                  <a:ext uri="{FF2B5EF4-FFF2-40B4-BE49-F238E27FC236}">
+                    <a16:creationId xmlns:a16="http://schemas.microsoft.com/office/drawing/2014/main" id="{EB60C7E2-1A34-408D-ACAB-7105A0587EC4}"/>
+                  </a:ext>
+                </a:extLst>
+              </p:cNvPr>
+              <p:cNvSpPr txBox="1">
+                <a:spLocks noRot="1" noChangeAspect="1" noMove="1" noResize="1" noEditPoints="1" noAdjustHandles="1" noChangeArrowheads="1" noChangeShapeType="1" noTextEdit="1"/>
+              </p:cNvSpPr>
+              <p:nvPr/>
+            </p:nvSpPr>
+            <p:spPr>
+              <a:xfrm>
+                <a:off x="2707056" y="4800356"/>
+                <a:ext cx="3367062" cy="1237775"/>
+              </a:xfrm>
+              <a:prstGeom prst="rect">
+                <a:avLst/>
+              </a:prstGeom>
+              <a:blipFill>
+                <a:blip r:embed="rId7"/>
+                <a:stretch>
+                  <a:fillRect/>
+                </a:stretch>
+              </a:blipFill>
+            </p:spPr>
+            <p:txBody>
+              <a:bodyPr/>
+              <a:lstStyle/>
+              <a:p>
+                <a:r>
+                  <a:rPr lang="en-US">
+                    <a:noFill/>
+                  </a:rPr>
+                  <a:t> </a:t>
+                </a:r>
+              </a:p>
+            </p:txBody>
+          </p:sp>
+        </mc:Fallback>
+      </mc:AlternateContent>
+      <p:sp>
+        <p:nvSpPr>
+          <p:cNvPr id="3" name="Rectangle 2">
+            <a:extLst>
+              <a:ext uri="{FF2B5EF4-FFF2-40B4-BE49-F238E27FC236}">
+                <a16:creationId xmlns:a16="http://schemas.microsoft.com/office/drawing/2014/main" id="{DEE83135-B3AC-47C6-84BF-9880E1EAC47A}"/>
+              </a:ext>
+            </a:extLst>
+          </p:cNvPr>
+          <p:cNvSpPr/>
+          <p:nvPr/>
+        </p:nvSpPr>
+        <p:spPr>
+          <a:xfrm>
+            <a:off x="9198029" y="93793"/>
+            <a:ext cx="1191352" cy="369332"/>
+          </a:xfrm>
+          <a:prstGeom prst="rect">
+            <a:avLst/>
+          </a:prstGeom>
+        </p:spPr>
+        <p:txBody>
+          <a:bodyPr wrap="none">
+            <a:spAutoFit/>
+          </a:bodyPr>
+          <a:lstStyle/>
+          <a:p>
+            <a:r>
+              <a:rPr lang="en-US" dirty="0">
+                <a:latin typeface="Calibri" panose="020F0502020204030204" pitchFamily="34" charset="0"/>
+                <a:ea typeface="等线" panose="02010600030101010101" pitchFamily="2" charset="-122"/>
+                <a:cs typeface="Times New Roman" panose="02020603050405020304" pitchFamily="18" charset="0"/>
+              </a:rPr>
+              <a:t>B</a:t>
+            </a:r>
+            <a:r>
+              <a:rPr lang="en-US" baseline="-25000" dirty="0">
+                <a:latin typeface="Calibri" panose="020F0502020204030204" pitchFamily="34" charset="0"/>
+                <a:ea typeface="等线" panose="02010600030101010101" pitchFamily="2" charset="-122"/>
+                <a:cs typeface="Times New Roman" panose="02020603050405020304" pitchFamily="18" charset="0"/>
+              </a:rPr>
+              <a:t>0</a:t>
+            </a:r>
+            <a:r>
+              <a:rPr lang="en-US" dirty="0">
+                <a:latin typeface="Cambria Math" panose="02040503050406030204" pitchFamily="18" charset="0"/>
+                <a:ea typeface="等线" panose="02010600030101010101" pitchFamily="2" charset="-122"/>
+                <a:cs typeface="Cambria Math" panose="02040503050406030204" pitchFamily="18" charset="0"/>
+              </a:rPr>
+              <a:t>∼</a:t>
+            </a:r>
+            <a:r>
+              <a:rPr lang="en-US" dirty="0">
+                <a:latin typeface="Calibri" panose="020F0502020204030204" pitchFamily="34" charset="0"/>
+                <a:ea typeface="等线" panose="02010600030101010101" pitchFamily="2" charset="-122"/>
+                <a:cs typeface="Times New Roman" panose="02020603050405020304" pitchFamily="18" charset="0"/>
+              </a:rPr>
+              <a:t>800 </a:t>
+            </a:r>
+            <a:r>
+              <a:rPr lang="en-US" dirty="0" err="1">
+                <a:latin typeface="Calibri" panose="020F0502020204030204" pitchFamily="34" charset="0"/>
+                <a:ea typeface="等线" panose="02010600030101010101" pitchFamily="2" charset="-122"/>
+                <a:cs typeface="Times New Roman" panose="02020603050405020304" pitchFamily="18" charset="0"/>
+              </a:rPr>
+              <a:t>nT</a:t>
+            </a:r>
+            <a:endParaRPr lang="en-US" dirty="0"/>
+          </a:p>
+        </p:txBody>
+      </p:sp>
+      <p:grpSp>
+        <p:nvGrpSpPr>
+          <p:cNvPr id="5" name="Group 4">
+            <a:extLst>
+              <a:ext uri="{FF2B5EF4-FFF2-40B4-BE49-F238E27FC236}">
+                <a16:creationId xmlns:a16="http://schemas.microsoft.com/office/drawing/2014/main" id="{2493BD9E-DBAD-4D93-A064-F87D34E37D36}"/>
+              </a:ext>
+            </a:extLst>
+          </p:cNvPr>
+          <p:cNvGrpSpPr/>
+          <p:nvPr/>
+        </p:nvGrpSpPr>
+        <p:grpSpPr>
+          <a:xfrm>
+            <a:off x="7679238" y="443666"/>
+            <a:ext cx="3768414" cy="2826311"/>
+            <a:chOff x="7650090" y="288967"/>
+            <a:chExt cx="3768414" cy="2826311"/>
+          </a:xfrm>
+        </p:grpSpPr>
+        <p:pic>
+          <p:nvPicPr>
+            <p:cNvPr id="36" name="Picture 35">
+              <a:extLst>
+                <a:ext uri="{FF2B5EF4-FFF2-40B4-BE49-F238E27FC236}">
+                  <a16:creationId xmlns:a16="http://schemas.microsoft.com/office/drawing/2014/main" id="{7C1E6DF1-95A3-4172-85DF-AB3D2BA59BA9}"/>
+                </a:ext>
+              </a:extLst>
+            </p:cNvPr>
+            <p:cNvPicPr>
+              <a:picLocks noChangeAspect="1"/>
+            </p:cNvPicPr>
+            <p:nvPr/>
+          </p:nvPicPr>
+          <p:blipFill>
+            <a:blip r:embed="rId8"/>
+            <a:stretch>
+              <a:fillRect/>
+            </a:stretch>
+          </p:blipFill>
+          <p:spPr>
+            <a:xfrm>
+              <a:off x="7650090" y="288967"/>
+              <a:ext cx="3768414" cy="2826311"/>
+            </a:xfrm>
+            <a:prstGeom prst="rect">
+              <a:avLst/>
+            </a:prstGeom>
+          </p:spPr>
+        </p:pic>
+        <mc:AlternateContent xmlns:mc="http://schemas.openxmlformats.org/markup-compatibility/2006">
+          <mc:Choice xmlns:a14="http://schemas.microsoft.com/office/drawing/2010/main" Requires="a14">
+            <p:sp>
+              <p:nvSpPr>
+                <p:cNvPr id="28" name="TextBox 27">
+                  <a:extLst>
+                    <a:ext uri="{FF2B5EF4-FFF2-40B4-BE49-F238E27FC236}">
+                      <a16:creationId xmlns:a16="http://schemas.microsoft.com/office/drawing/2014/main" id="{61F5C71B-D5F4-44A7-8B07-40EBE4F3628E}"/>
+                    </a:ext>
+                  </a:extLst>
+                </p:cNvPr>
+                <p:cNvSpPr txBox="1"/>
+                <p:nvPr/>
+              </p:nvSpPr>
+              <p:spPr>
+                <a:xfrm>
+                  <a:off x="8552456" y="615664"/>
+                  <a:ext cx="2218743" cy="369332"/>
+                </a:xfrm>
+                <a:prstGeom prst="rect">
+                  <a:avLst/>
+                </a:prstGeom>
+                <a:noFill/>
+              </p:spPr>
+              <p:txBody>
+                <a:bodyPr wrap="square" rtlCol="0">
+                  <a:spAutoFit/>
+                </a:bodyPr>
+                <a:lstStyle/>
+                <a:p>
+                  <a:pPr/>
+                  <a14:m>
+                    <m:oMathPara xmlns:m="http://schemas.openxmlformats.org/officeDocument/2006/math">
+                      <m:oMathParaPr>
+                        <m:jc m:val="centerGroup"/>
+                      </m:oMathParaPr>
+                      <m:oMath xmlns:m="http://schemas.openxmlformats.org/officeDocument/2006/math">
+                        <m:r>
+                          <a:rPr lang="en-US" b="0" i="1" smtClean="0">
+                            <a:solidFill>
+                              <a:srgbClr val="FF0000"/>
+                            </a:solidFill>
+                            <a:latin typeface="Cambria Math" panose="02040503050406030204" pitchFamily="18" charset="0"/>
+                          </a:rPr>
+                          <m:t>𝜔</m:t>
+                        </m:r>
+                        <m:r>
+                          <a:rPr lang="en-US" b="0" i="1" smtClean="0">
+                            <a:solidFill>
+                              <a:srgbClr val="FF0000"/>
+                            </a:solidFill>
+                            <a:latin typeface="Cambria Math" panose="02040503050406030204" pitchFamily="18" charset="0"/>
+                          </a:rPr>
+                          <m:t>=</m:t>
+                        </m:r>
+                        <m:r>
+                          <a:rPr lang="en-US" b="0" i="1" smtClean="0">
+                            <a:solidFill>
+                              <a:srgbClr val="FF0000"/>
+                            </a:solidFill>
+                            <a:latin typeface="Cambria Math" panose="02040503050406030204" pitchFamily="18" charset="0"/>
+                          </a:rPr>
+                          <m:t>𝑘</m:t>
+                        </m:r>
+                        <m:r>
+                          <a:rPr lang="en-US" b="0" i="1" smtClean="0">
+                            <a:solidFill>
+                              <a:srgbClr val="FF0000"/>
+                            </a:solidFill>
+                            <a:latin typeface="Cambria Math" panose="02040503050406030204" pitchFamily="18" charset="0"/>
+                          </a:rPr>
+                          <m:t>⋅</m:t>
+                        </m:r>
+                        <m:sSub>
+                          <m:sSubPr>
+                            <m:ctrlPr>
+                              <a:rPr lang="en-US" b="0" i="1" smtClean="0">
+                                <a:solidFill>
+                                  <a:srgbClr val="FF0000"/>
+                                </a:solidFill>
+                                <a:latin typeface="Cambria Math" panose="02040503050406030204" pitchFamily="18" charset="0"/>
+                              </a:rPr>
+                            </m:ctrlPr>
+                          </m:sSubPr>
+                          <m:e>
+                            <m:r>
+                              <a:rPr lang="en-US" b="0" i="1" smtClean="0">
+                                <a:solidFill>
+                                  <a:srgbClr val="FF0000"/>
+                                </a:solidFill>
+                                <a:latin typeface="Cambria Math" panose="02040503050406030204" pitchFamily="18" charset="0"/>
+                              </a:rPr>
+                              <m:t>𝑣</m:t>
+                            </m:r>
+                          </m:e>
+                          <m:sub>
+                            <m:r>
+                              <m:rPr>
+                                <m:sty m:val="p"/>
+                              </m:rPr>
+                              <a:rPr lang="en-US" altLang="zh-CN" i="1">
+                                <a:solidFill>
+                                  <a:srgbClr val="FF0000"/>
+                                </a:solidFill>
+                                <a:latin typeface="Cambria Math" panose="02040503050406030204" pitchFamily="18" charset="0"/>
+                              </a:rPr>
+                              <m:t>c</m:t>
+                            </m:r>
+                          </m:sub>
+                        </m:sSub>
+                        <m:r>
+                          <a:rPr lang="en-US" i="1">
+                            <a:solidFill>
+                              <a:srgbClr val="FF0000"/>
+                            </a:solidFill>
+                            <a:latin typeface="Cambria Math" panose="02040503050406030204" pitchFamily="18" charset="0"/>
+                          </a:rPr>
+                          <m:t>+|</m:t>
+                        </m:r>
+                        <m:sSub>
+                          <m:sSubPr>
+                            <m:ctrlPr>
+                              <a:rPr lang="en-US" i="1">
+                                <a:solidFill>
+                                  <a:srgbClr val="FF0000"/>
+                                </a:solidFill>
+                                <a:latin typeface="Cambria Math" panose="02040503050406030204" pitchFamily="18" charset="0"/>
+                              </a:rPr>
+                            </m:ctrlPr>
+                          </m:sSubPr>
+                          <m:e>
+                            <m:r>
+                              <a:rPr lang="en-US" i="1">
+                                <a:solidFill>
+                                  <a:srgbClr val="FF0000"/>
+                                </a:solidFill>
+                                <a:latin typeface="Cambria Math" panose="02040503050406030204" pitchFamily="18" charset="0"/>
+                              </a:rPr>
+                              <m:t>𝜔</m:t>
+                            </m:r>
+                          </m:e>
+                          <m:sub>
+                            <m:r>
+                              <a:rPr lang="en-US" i="1">
+                                <a:solidFill>
+                                  <a:srgbClr val="FF0000"/>
+                                </a:solidFill>
+                                <a:latin typeface="Cambria Math" panose="02040503050406030204" pitchFamily="18" charset="0"/>
+                              </a:rPr>
+                              <m:t>𝑐𝑒</m:t>
+                            </m:r>
+                          </m:sub>
+                        </m:sSub>
+                        <m:r>
+                          <a:rPr lang="en-US" b="0" i="0" smtClean="0">
+                            <a:solidFill>
+                              <a:srgbClr val="FF0000"/>
+                            </a:solidFill>
+                            <a:latin typeface="Cambria Math" panose="02040503050406030204" pitchFamily="18" charset="0"/>
+                          </a:rPr>
+                          <m:t>|</m:t>
+                        </m:r>
+                      </m:oMath>
+                    </m:oMathPara>
+                  </a14:m>
+                  <a:endParaRPr lang="en-US" dirty="0">
+                    <a:solidFill>
+                      <a:srgbClr val="FF0000"/>
+                    </a:solidFill>
+                  </a:endParaRPr>
+                </a:p>
+              </p:txBody>
+            </p:sp>
+          </mc:Choice>
+          <mc:Fallback>
+            <p:sp>
+              <p:nvSpPr>
+                <p:cNvPr id="28" name="TextBox 27">
+                  <a:extLst>
+                    <a:ext uri="{FF2B5EF4-FFF2-40B4-BE49-F238E27FC236}">
+                      <a16:creationId xmlns:a16="http://schemas.microsoft.com/office/drawing/2014/main" id="{61F5C71B-D5F4-44A7-8B07-40EBE4F3628E}"/>
+                    </a:ext>
+                  </a:extLst>
+                </p:cNvPr>
+                <p:cNvSpPr txBox="1">
+                  <a:spLocks noRot="1" noChangeAspect="1" noMove="1" noResize="1" noEditPoints="1" noAdjustHandles="1" noChangeArrowheads="1" noChangeShapeType="1" noTextEdit="1"/>
+                </p:cNvSpPr>
+                <p:nvPr/>
+              </p:nvSpPr>
+              <p:spPr>
+                <a:xfrm>
+                  <a:off x="8552456" y="615664"/>
+                  <a:ext cx="2218743" cy="369332"/>
+                </a:xfrm>
+                <a:prstGeom prst="rect">
+                  <a:avLst/>
+                </a:prstGeom>
+                <a:blipFill>
+                  <a:blip r:embed="rId9"/>
+                  <a:stretch>
+                    <a:fillRect b="-13115"/>
+                  </a:stretch>
+                </a:blipFill>
+              </p:spPr>
+              <p:txBody>
+                <a:bodyPr/>
+                <a:lstStyle/>
+                <a:p>
+                  <a:r>
+                    <a:rPr lang="en-US">
+                      <a:noFill/>
+                    </a:rPr>
+                    <a:t> </a:t>
+                  </a:r>
+                </a:p>
+              </p:txBody>
+            </p:sp>
+          </mc:Fallback>
+        </mc:AlternateContent>
+      </p:grpSp>
+      <p:pic>
+        <p:nvPicPr>
+          <p:cNvPr id="4" name="Picture 3">
+            <a:extLst>
+              <a:ext uri="{FF2B5EF4-FFF2-40B4-BE49-F238E27FC236}">
+                <a16:creationId xmlns:a16="http://schemas.microsoft.com/office/drawing/2014/main" id="{649F572A-44A4-4104-B1A9-3A63BD5EED01}"/>
+              </a:ext>
+            </a:extLst>
+          </p:cNvPr>
+          <p:cNvPicPr>
+            <a:picLocks noChangeAspect="1"/>
+          </p:cNvPicPr>
+          <p:nvPr/>
+        </p:nvPicPr>
+        <p:blipFill>
+          <a:blip r:embed="rId10"/>
+          <a:stretch>
+            <a:fillRect/>
+          </a:stretch>
+        </p:blipFill>
+        <p:spPr>
+          <a:xfrm>
+            <a:off x="7092834" y="3286894"/>
+            <a:ext cx="4210390" cy="3157793"/>
+          </a:xfrm>
+          <a:prstGeom prst="rect">
+            <a:avLst/>
+          </a:prstGeom>
+        </p:spPr>
+      </p:pic>
+      <p:sp>
+        <p:nvSpPr>
+          <p:cNvPr id="6" name="Rectangle 5">
+            <a:extLst>
+              <a:ext uri="{FF2B5EF4-FFF2-40B4-BE49-F238E27FC236}">
+                <a16:creationId xmlns:a16="http://schemas.microsoft.com/office/drawing/2014/main" id="{2298EE08-7B7F-4A7B-8808-AB9917EBF3C5}"/>
+              </a:ext>
+            </a:extLst>
+          </p:cNvPr>
+          <p:cNvSpPr/>
+          <p:nvPr/>
+        </p:nvSpPr>
+        <p:spPr>
+          <a:xfrm>
+            <a:off x="10331116" y="1438756"/>
+            <a:ext cx="938463" cy="1101429"/>
+          </a:xfrm>
+          <a:prstGeom prst="rect">
+            <a:avLst/>
+          </a:prstGeom>
+          <a:solidFill>
+            <a:schemeClr val="accent1">
+              <a:alpha val="8000"/>
+            </a:schemeClr>
+          </a:solidFill>
+        </p:spPr>
+        <p:style>
+          <a:lnRef idx="2">
+            <a:schemeClr val="accent1">
+              <a:shade val="50000"/>
+            </a:schemeClr>
+          </a:lnRef>
+          <a:fillRef idx="1">
+            <a:schemeClr val="accent1"/>
+          </a:fillRef>
+          <a:effectRef idx="0">
+            <a:schemeClr val="accent1"/>
+          </a:effectRef>
+          <a:fontRef idx="minor">
+            <a:schemeClr val="lt1"/>
+          </a:fontRef>
+        </p:style>
+        <p:txBody>
+          <a:bodyPr rtlCol="0" anchor="ctr"/>
+          <a:lstStyle/>
+          <a:p>
+            <a:pPr algn="ctr"/>
+            <a:endParaRPr lang="en-US" dirty="0"/>
+          </a:p>
+        </p:txBody>
+      </p:sp>
+    </p:spTree>
+    <p:extLst>
+      <p:ext uri="{BB962C8B-B14F-4D97-AF65-F5344CB8AC3E}">
+        <p14:creationId xmlns:p14="http://schemas.microsoft.com/office/powerpoint/2010/main" val="3600626063"/>
+      </p:ext>
+    </p:extLst>
+  </p:cSld>
+  <p:clrMapOvr>
+    <a:masterClrMapping/>
+  </p:clrMapOvr>
+</p:sld>
+</file>
+
 <file path=ppt/slides/slide14.xml><?xml version="1.0" encoding="utf-8"?>
+<p:sld xmlns:a="http://schemas.openxmlformats.org/drawingml/2006/main" xmlns:r="http://schemas.openxmlformats.org/officeDocument/2006/relationships" xmlns:p="http://schemas.openxmlformats.org/presentationml/2006/main">
+  <p:cSld>
+    <p:spTree>
+      <p:nvGrpSpPr>
+        <p:cNvPr id="1" name=""/>
+        <p:cNvGrpSpPr/>
+        <p:nvPr/>
+      </p:nvGrpSpPr>
+      <p:grpSpPr>
+        <a:xfrm>
+          <a:off x="0" y="0"/>
+          <a:ext cx="0" cy="0"/>
+          <a:chOff x="0" y="0"/>
+          <a:chExt cx="0" cy="0"/>
+        </a:xfrm>
+      </p:grpSpPr>
+      <p:sp>
+        <p:nvSpPr>
+          <p:cNvPr id="7" name="TextBox 6">
+            <a:extLst>
+              <a:ext uri="{FF2B5EF4-FFF2-40B4-BE49-F238E27FC236}">
+                <a16:creationId xmlns:a16="http://schemas.microsoft.com/office/drawing/2014/main" id="{43A0B2A8-8668-4C4C-88E6-75F17BBD3611}"/>
+              </a:ext>
+            </a:extLst>
+          </p:cNvPr>
+          <p:cNvSpPr txBox="1"/>
+          <p:nvPr/>
+        </p:nvSpPr>
+        <p:spPr>
+          <a:xfrm>
+            <a:off x="1572" y="97035"/>
+            <a:ext cx="6094428" cy="369332"/>
+          </a:xfrm>
+          <a:prstGeom prst="rect">
+            <a:avLst/>
+          </a:prstGeom>
+          <a:noFill/>
+        </p:spPr>
+        <p:txBody>
+          <a:bodyPr wrap="square">
+            <a:spAutoFit/>
+          </a:bodyPr>
+          <a:lstStyle/>
+          <a:p>
+            <a:r>
+              <a:rPr lang="en-US" sz="1800" dirty="0"/>
+              <a:t>Trapping in normal doppler resonance (g = -1)</a:t>
+            </a:r>
+            <a:endParaRPr lang="en-US" dirty="0"/>
+          </a:p>
+        </p:txBody>
+      </p:sp>
+      <p:sp>
+        <p:nvSpPr>
+          <p:cNvPr id="8" name="TextBox 7">
+            <a:extLst>
+              <a:ext uri="{FF2B5EF4-FFF2-40B4-BE49-F238E27FC236}">
+                <a16:creationId xmlns:a16="http://schemas.microsoft.com/office/drawing/2014/main" id="{7A03D615-E390-4AA7-8B17-9809C6624B87}"/>
+              </a:ext>
+            </a:extLst>
+          </p:cNvPr>
+          <p:cNvSpPr txBox="1"/>
+          <p:nvPr/>
+        </p:nvSpPr>
+        <p:spPr>
+          <a:xfrm>
+            <a:off x="305583" y="571339"/>
+            <a:ext cx="5615339" cy="369332"/>
+          </a:xfrm>
+          <a:prstGeom prst="rect">
+            <a:avLst/>
+          </a:prstGeom>
+          <a:noFill/>
+        </p:spPr>
+        <p:txBody>
+          <a:bodyPr wrap="square">
+            <a:spAutoFit/>
+          </a:bodyPr>
+          <a:lstStyle/>
+          <a:p>
+            <a:r>
+              <a:rPr lang="en-US" dirty="0"/>
+              <a:t>Time domain structures (TDS)</a:t>
+            </a:r>
+            <a:r>
+              <a:rPr lang="en-US" baseline="30000" dirty="0"/>
+              <a:t>*</a:t>
+            </a:r>
+            <a:r>
+              <a:rPr lang="en-US" dirty="0"/>
+              <a:t> in magnetosphere </a:t>
+            </a:r>
+          </a:p>
+        </p:txBody>
+      </p:sp>
+      <p:sp>
+        <p:nvSpPr>
+          <p:cNvPr id="14" name="Rectangle 13">
+            <a:extLst>
+              <a:ext uri="{FF2B5EF4-FFF2-40B4-BE49-F238E27FC236}">
+                <a16:creationId xmlns:a16="http://schemas.microsoft.com/office/drawing/2014/main" id="{034BCE37-B61D-4822-81CE-5387A4925746}"/>
+              </a:ext>
+            </a:extLst>
+          </p:cNvPr>
+          <p:cNvSpPr/>
+          <p:nvPr/>
+        </p:nvSpPr>
+        <p:spPr>
+          <a:xfrm>
+            <a:off x="4413804" y="6581001"/>
+            <a:ext cx="7820593" cy="276999"/>
+          </a:xfrm>
+          <a:prstGeom prst="rect">
+            <a:avLst/>
+          </a:prstGeom>
+        </p:spPr>
+        <p:txBody>
+          <a:bodyPr wrap="square">
+            <a:spAutoFit/>
+          </a:bodyPr>
+          <a:lstStyle/>
+          <a:p>
+            <a:r>
+              <a:rPr lang="en-US" sz="1200" dirty="0"/>
+              <a:t>*Direct observation of electron distributions inside millisecond duration electron holes Physical Review Letters 121 135102</a:t>
+            </a:r>
+          </a:p>
+        </p:txBody>
+      </p:sp>
+      <p:grpSp>
+        <p:nvGrpSpPr>
+          <p:cNvPr id="15" name="Group 14">
+            <a:extLst>
+              <a:ext uri="{FF2B5EF4-FFF2-40B4-BE49-F238E27FC236}">
+                <a16:creationId xmlns:a16="http://schemas.microsoft.com/office/drawing/2014/main" id="{3CC8C8AA-BB49-4AE8-AC70-7048875A9355}"/>
+              </a:ext>
+            </a:extLst>
+          </p:cNvPr>
+          <p:cNvGrpSpPr/>
+          <p:nvPr/>
+        </p:nvGrpSpPr>
+        <p:grpSpPr>
+          <a:xfrm>
+            <a:off x="370363" y="1069424"/>
+            <a:ext cx="6187201" cy="3241183"/>
+            <a:chOff x="762000" y="914547"/>
+            <a:chExt cx="6187201" cy="3241183"/>
+          </a:xfrm>
+        </p:grpSpPr>
+        <mc:AlternateContent xmlns:mc="http://schemas.openxmlformats.org/markup-compatibility/2006" xmlns:a14="http://schemas.microsoft.com/office/drawing/2010/main">
+          <mc:Choice Requires="a14">
+            <p:sp>
+              <p:nvSpPr>
+                <p:cNvPr id="16" name="TextBox 15">
+                  <a:extLst>
+                    <a:ext uri="{FF2B5EF4-FFF2-40B4-BE49-F238E27FC236}">
+                      <a16:creationId xmlns:a16="http://schemas.microsoft.com/office/drawing/2014/main" id="{4FD540FB-3D33-40BE-AB79-704E75C175ED}"/>
+                    </a:ext>
+                  </a:extLst>
+                </p:cNvPr>
+                <p:cNvSpPr txBox="1"/>
+                <p:nvPr/>
+              </p:nvSpPr>
+              <p:spPr>
+                <a:xfrm>
+                  <a:off x="5538461" y="914547"/>
+                  <a:ext cx="327005" cy="369332"/>
+                </a:xfrm>
+                <a:prstGeom prst="rect">
+                  <a:avLst/>
+                </a:prstGeom>
+                <a:noFill/>
+              </p:spPr>
+              <p:txBody>
+                <a:bodyPr wrap="square" rtlCol="0">
+                  <a:spAutoFit/>
+                </a:bodyPr>
+                <a:lstStyle/>
+                <a:p>
+                  <a:pPr/>
+                  <a14:m>
+                    <m:oMathPara xmlns:m="http://schemas.openxmlformats.org/officeDocument/2006/math">
+                      <m:oMathParaPr>
+                        <m:jc m:val="centerGroup"/>
+                      </m:oMathParaPr>
+                      <m:oMath xmlns:m="http://schemas.openxmlformats.org/officeDocument/2006/math">
+                        <m:sSub>
+                          <m:sSubPr>
+                            <m:ctrlPr>
+                              <a:rPr lang="en-US" b="0" i="1" smtClean="0">
+                                <a:solidFill>
+                                  <a:srgbClr val="FF0000"/>
+                                </a:solidFill>
+                                <a:latin typeface="Cambria Math" panose="02040503050406030204" pitchFamily="18" charset="0"/>
+                              </a:rPr>
+                            </m:ctrlPr>
+                          </m:sSubPr>
+                          <m:e>
+                            <m:r>
+                              <a:rPr lang="en-US" b="0" i="1" smtClean="0">
+                                <a:solidFill>
+                                  <a:srgbClr val="FF0000"/>
+                                </a:solidFill>
+                                <a:latin typeface="Cambria Math" panose="02040503050406030204" pitchFamily="18" charset="0"/>
+                              </a:rPr>
+                              <m:t>𝐵</m:t>
+                            </m:r>
+                          </m:e>
+                          <m:sub>
+                            <m:r>
+                              <a:rPr lang="en-US" b="0" i="1" smtClean="0">
+                                <a:solidFill>
+                                  <a:srgbClr val="FF0000"/>
+                                </a:solidFill>
+                                <a:latin typeface="Cambria Math" panose="02040503050406030204" pitchFamily="18" charset="0"/>
+                              </a:rPr>
+                              <m:t>0</m:t>
+                            </m:r>
+                          </m:sub>
+                        </m:sSub>
+                      </m:oMath>
+                    </m:oMathPara>
+                  </a14:m>
+                  <a:endParaRPr lang="en-US" dirty="0"/>
+                </a:p>
+              </p:txBody>
+            </p:sp>
+          </mc:Choice>
+          <mc:Fallback xmlns="">
+            <p:sp>
+              <p:nvSpPr>
+                <p:cNvPr id="22" name="TextBox 21">
+                  <a:extLst>
+                    <a:ext uri="{FF2B5EF4-FFF2-40B4-BE49-F238E27FC236}">
+                      <a16:creationId xmlns:a16="http://schemas.microsoft.com/office/drawing/2014/main" id="{6235AC54-F478-26C2-5116-594B2394EC39}"/>
+                    </a:ext>
+                  </a:extLst>
+                </p:cNvPr>
+                <p:cNvSpPr txBox="1">
+                  <a:spLocks noRot="1" noChangeAspect="1" noMove="1" noResize="1" noEditPoints="1" noAdjustHandles="1" noChangeArrowheads="1" noChangeShapeType="1" noTextEdit="1"/>
+                </p:cNvSpPr>
+                <p:nvPr/>
+              </p:nvSpPr>
+              <p:spPr>
+                <a:xfrm>
+                  <a:off x="5538461" y="914547"/>
+                  <a:ext cx="327005" cy="369332"/>
+                </a:xfrm>
+                <a:prstGeom prst="rect">
+                  <a:avLst/>
+                </a:prstGeom>
+                <a:blipFill>
+                  <a:blip r:embed="rId3"/>
+                  <a:stretch>
+                    <a:fillRect r="-18519"/>
+                  </a:stretch>
+                </a:blipFill>
+              </p:spPr>
+              <p:txBody>
+                <a:bodyPr/>
+                <a:lstStyle/>
+                <a:p>
+                  <a:r>
+                    <a:rPr lang="en-US">
+                      <a:noFill/>
+                    </a:rPr>
+                    <a:t> </a:t>
+                  </a:r>
+                </a:p>
+              </p:txBody>
+            </p:sp>
+          </mc:Fallback>
+        </mc:AlternateContent>
+        <p:grpSp>
+          <p:nvGrpSpPr>
+            <p:cNvPr id="17" name="Group 16">
+              <a:extLst>
+                <a:ext uri="{FF2B5EF4-FFF2-40B4-BE49-F238E27FC236}">
+                  <a16:creationId xmlns:a16="http://schemas.microsoft.com/office/drawing/2014/main" id="{08442CD4-2CFC-4FD9-ACF7-0130ED1E63DF}"/>
+                </a:ext>
+              </a:extLst>
+            </p:cNvPr>
+            <p:cNvGrpSpPr/>
+            <p:nvPr/>
+          </p:nvGrpSpPr>
+          <p:grpSpPr>
+            <a:xfrm>
+              <a:off x="762000" y="1259537"/>
+              <a:ext cx="6187201" cy="2896193"/>
+              <a:chOff x="762000" y="1271329"/>
+              <a:chExt cx="6187201" cy="2896193"/>
+            </a:xfrm>
+          </p:grpSpPr>
+          <p:pic>
+            <p:nvPicPr>
+              <p:cNvPr id="18" name="Picture 17">
+                <a:extLst>
+                  <a:ext uri="{FF2B5EF4-FFF2-40B4-BE49-F238E27FC236}">
+                    <a16:creationId xmlns:a16="http://schemas.microsoft.com/office/drawing/2014/main" id="{0DB308E8-6764-4864-9491-FBBDF97BF4BB}"/>
+                  </a:ext>
+                </a:extLst>
+              </p:cNvPr>
+              <p:cNvPicPr>
+                <a:picLocks noChangeAspect="1"/>
+              </p:cNvPicPr>
+              <p:nvPr/>
+            </p:nvPicPr>
+            <p:blipFill>
+              <a:blip r:embed="rId4"/>
+              <a:stretch>
+                <a:fillRect/>
+              </a:stretch>
+            </p:blipFill>
+            <p:spPr>
+              <a:xfrm>
+                <a:off x="762000" y="2091372"/>
+                <a:ext cx="6187201" cy="2076150"/>
+              </a:xfrm>
+              <a:prstGeom prst="rect">
+                <a:avLst/>
+              </a:prstGeom>
+            </p:spPr>
+          </p:pic>
+          <p:sp>
+            <p:nvSpPr>
+              <p:cNvPr id="19" name="Rectangle 18">
+                <a:extLst>
+                  <a:ext uri="{FF2B5EF4-FFF2-40B4-BE49-F238E27FC236}">
+                    <a16:creationId xmlns:a16="http://schemas.microsoft.com/office/drawing/2014/main" id="{9505EDF2-F149-45F7-949A-F58C14102571}"/>
+                  </a:ext>
+                </a:extLst>
+              </p:cNvPr>
+              <p:cNvSpPr/>
+              <p:nvPr/>
+            </p:nvSpPr>
+            <p:spPr>
+              <a:xfrm>
+                <a:off x="3832533" y="2219325"/>
+                <a:ext cx="518349" cy="1209675"/>
+              </a:xfrm>
+              <a:prstGeom prst="rect">
+                <a:avLst/>
+              </a:prstGeom>
+              <a:solidFill>
+                <a:schemeClr val="accent1">
+                  <a:alpha val="18000"/>
+                </a:schemeClr>
+              </a:solidFill>
+            </p:spPr>
+            <p:style>
+              <a:lnRef idx="2">
+                <a:schemeClr val="accent1">
+                  <a:shade val="15000"/>
+                </a:schemeClr>
+              </a:lnRef>
+              <a:fillRef idx="1">
+                <a:schemeClr val="accent1"/>
+              </a:fillRef>
+              <a:effectRef idx="0">
+                <a:schemeClr val="accent1"/>
+              </a:effectRef>
+              <a:fontRef idx="minor">
+                <a:schemeClr val="lt1"/>
+              </a:fontRef>
+            </p:style>
+            <p:txBody>
+              <a:bodyPr rtlCol="0" anchor="ctr"/>
+              <a:lstStyle/>
+              <a:p>
+                <a:pPr algn="ctr"/>
+                <a:endParaRPr lang="en-US" dirty="0"/>
+              </a:p>
+            </p:txBody>
+          </p:sp>
+          <p:cxnSp>
+            <p:nvCxnSpPr>
+              <p:cNvPr id="20" name="Straight Arrow Connector 19">
+                <a:extLst>
+                  <a:ext uri="{FF2B5EF4-FFF2-40B4-BE49-F238E27FC236}">
+                    <a16:creationId xmlns:a16="http://schemas.microsoft.com/office/drawing/2014/main" id="{73D6D9FB-C222-4B91-A324-974C1C4F310C}"/>
+                  </a:ext>
+                </a:extLst>
+              </p:cNvPr>
+              <p:cNvCxnSpPr>
+                <a:cxnSpLocks/>
+              </p:cNvCxnSpPr>
+              <p:nvPr/>
+            </p:nvCxnSpPr>
+            <p:spPr>
+              <a:xfrm flipH="1">
+                <a:off x="4379516" y="1951935"/>
+                <a:ext cx="1558084" cy="0"/>
+              </a:xfrm>
+              <a:prstGeom prst="straightConnector1">
+                <a:avLst/>
+              </a:prstGeom>
+              <a:ln>
+                <a:solidFill>
+                  <a:schemeClr val="tx1"/>
+                </a:solidFill>
+                <a:tailEnd type="triangle"/>
+              </a:ln>
+            </p:spPr>
+            <p:style>
+              <a:lnRef idx="2">
+                <a:schemeClr val="accent1"/>
+              </a:lnRef>
+              <a:fillRef idx="0">
+                <a:schemeClr val="accent1"/>
+              </a:fillRef>
+              <a:effectRef idx="1">
+                <a:schemeClr val="accent1"/>
+              </a:effectRef>
+              <a:fontRef idx="minor">
+                <a:schemeClr val="tx1"/>
+              </a:fontRef>
+            </p:style>
+          </p:cxnSp>
+          <mc:AlternateContent xmlns:mc="http://schemas.openxmlformats.org/markup-compatibility/2006" xmlns:a14="http://schemas.microsoft.com/office/drawing/2010/main">
+            <mc:Choice Requires="a14">
+              <p:sp>
+                <p:nvSpPr>
+                  <p:cNvPr id="21" name="TextBox 20">
+                    <a:extLst>
+                      <a:ext uri="{FF2B5EF4-FFF2-40B4-BE49-F238E27FC236}">
+                        <a16:creationId xmlns:a16="http://schemas.microsoft.com/office/drawing/2014/main" id="{3683AEB6-57C1-48FE-9F13-EA5D83FCD064}"/>
+                      </a:ext>
+                    </a:extLst>
+                  </p:cNvPr>
+                  <p:cNvSpPr txBox="1"/>
+                  <p:nvPr/>
+                </p:nvSpPr>
+                <p:spPr>
+                  <a:xfrm>
+                    <a:off x="5471137" y="1607702"/>
+                    <a:ext cx="461654" cy="369332"/>
+                  </a:xfrm>
+                  <a:prstGeom prst="rect">
+                    <a:avLst/>
+                  </a:prstGeom>
+                  <a:noFill/>
+                </p:spPr>
+                <p:txBody>
+                  <a:bodyPr wrap="square" rtlCol="0">
+                    <a:spAutoFit/>
+                  </a:bodyPr>
+                  <a:lstStyle/>
+                  <a:p>
+                    <a:pPr/>
+                    <a14:m>
+                      <m:oMathPara xmlns:m="http://schemas.openxmlformats.org/officeDocument/2006/math">
+                        <m:oMathParaPr>
+                          <m:jc m:val="centerGroup"/>
+                        </m:oMathParaPr>
+                        <m:oMath xmlns:m="http://schemas.openxmlformats.org/officeDocument/2006/math">
+                          <m:r>
+                            <a:rPr lang="en-US" b="1" i="1" smtClean="0">
+                              <a:latin typeface="Cambria Math" panose="02040503050406030204" pitchFamily="18" charset="0"/>
+                            </a:rPr>
+                            <m:t>𝒌</m:t>
+                          </m:r>
+                        </m:oMath>
+                      </m:oMathPara>
+                    </a14:m>
+                    <a:endParaRPr lang="en-US" b="1" dirty="0"/>
+                  </a:p>
+                </p:txBody>
+              </p:sp>
+            </mc:Choice>
+            <mc:Fallback xmlns="">
+              <p:sp>
+                <p:nvSpPr>
+                  <p:cNvPr id="15" name="TextBox 14">
+                    <a:extLst>
+                      <a:ext uri="{FF2B5EF4-FFF2-40B4-BE49-F238E27FC236}">
+                        <a16:creationId xmlns:a16="http://schemas.microsoft.com/office/drawing/2014/main" id="{9DC105B9-DA11-32EE-4632-7BC14DA1500D}"/>
+                      </a:ext>
+                    </a:extLst>
+                  </p:cNvPr>
+                  <p:cNvSpPr txBox="1">
+                    <a:spLocks noRot="1" noChangeAspect="1" noMove="1" noResize="1" noEditPoints="1" noAdjustHandles="1" noChangeArrowheads="1" noChangeShapeType="1" noTextEdit="1"/>
+                  </p:cNvSpPr>
+                  <p:nvPr/>
+                </p:nvSpPr>
+                <p:spPr>
+                  <a:xfrm>
+                    <a:off x="5471137" y="1607702"/>
+                    <a:ext cx="461654" cy="369332"/>
+                  </a:xfrm>
+                  <a:prstGeom prst="rect">
+                    <a:avLst/>
+                  </a:prstGeom>
+                  <a:blipFill>
+                    <a:blip r:embed="rId5"/>
+                    <a:stretch>
+                      <a:fillRect/>
+                    </a:stretch>
+                  </a:blipFill>
+                </p:spPr>
+                <p:txBody>
+                  <a:bodyPr/>
+                  <a:lstStyle/>
+                  <a:p>
+                    <a:r>
+                      <a:rPr lang="en-US">
+                        <a:noFill/>
+                      </a:rPr>
+                      <a:t> </a:t>
+                    </a:r>
+                  </a:p>
+                </p:txBody>
+              </p:sp>
+            </mc:Fallback>
+          </mc:AlternateContent>
+          <p:cxnSp>
+            <p:nvCxnSpPr>
+              <p:cNvPr id="22" name="Straight Arrow Connector 21">
+                <a:extLst>
+                  <a:ext uri="{FF2B5EF4-FFF2-40B4-BE49-F238E27FC236}">
+                    <a16:creationId xmlns:a16="http://schemas.microsoft.com/office/drawing/2014/main" id="{4396E613-3C9B-401F-A017-1E87585929AF}"/>
+                  </a:ext>
+                </a:extLst>
+              </p:cNvPr>
+              <p:cNvCxnSpPr>
+                <a:cxnSpLocks/>
+              </p:cNvCxnSpPr>
+              <p:nvPr/>
+            </p:nvCxnSpPr>
+            <p:spPr>
+              <a:xfrm flipH="1">
+                <a:off x="4379516" y="1640661"/>
+                <a:ext cx="1553275" cy="0"/>
+              </a:xfrm>
+              <a:prstGeom prst="straightConnector1">
+                <a:avLst/>
+              </a:prstGeom>
+              <a:ln>
+                <a:solidFill>
+                  <a:srgbClr val="0070C0"/>
+                </a:solidFill>
+                <a:tailEnd type="triangle"/>
+              </a:ln>
+            </p:spPr>
+            <p:style>
+              <a:lnRef idx="2">
+                <a:schemeClr val="accent1"/>
+              </a:lnRef>
+              <a:fillRef idx="0">
+                <a:schemeClr val="accent1"/>
+              </a:fillRef>
+              <a:effectRef idx="1">
+                <a:schemeClr val="accent1"/>
+              </a:effectRef>
+              <a:fontRef idx="minor">
+                <a:schemeClr val="tx1"/>
+              </a:fontRef>
+            </p:style>
+          </p:cxnSp>
+          <mc:AlternateContent xmlns:mc="http://schemas.openxmlformats.org/markup-compatibility/2006" xmlns:a14="http://schemas.microsoft.com/office/drawing/2010/main">
+            <mc:Choice Requires="a14">
+              <p:sp>
+                <p:nvSpPr>
+                  <p:cNvPr id="23" name="TextBox 22">
+                    <a:extLst>
+                      <a:ext uri="{FF2B5EF4-FFF2-40B4-BE49-F238E27FC236}">
+                        <a16:creationId xmlns:a16="http://schemas.microsoft.com/office/drawing/2014/main" id="{016DF634-245B-415B-929B-D2D0B6DF77AF}"/>
+                      </a:ext>
+                    </a:extLst>
+                  </p:cNvPr>
+                  <p:cNvSpPr txBox="1"/>
+                  <p:nvPr/>
+                </p:nvSpPr>
+                <p:spPr>
+                  <a:xfrm>
+                    <a:off x="5538461" y="1271329"/>
+                    <a:ext cx="327005" cy="369332"/>
+                  </a:xfrm>
+                  <a:prstGeom prst="rect">
+                    <a:avLst/>
+                  </a:prstGeom>
+                  <a:noFill/>
+                </p:spPr>
+                <p:txBody>
+                  <a:bodyPr wrap="square" rtlCol="0">
+                    <a:spAutoFit/>
+                  </a:bodyPr>
+                  <a:lstStyle/>
+                  <a:p>
+                    <a:pPr/>
+                    <a14:m>
+                      <m:oMathPara xmlns:m="http://schemas.openxmlformats.org/officeDocument/2006/math">
+                        <m:oMathParaPr>
+                          <m:jc m:val="centerGroup"/>
+                        </m:oMathParaPr>
+                        <m:oMath xmlns:m="http://schemas.openxmlformats.org/officeDocument/2006/math">
+                          <m:sSub>
+                            <m:sSubPr>
+                              <m:ctrlPr>
+                                <a:rPr lang="en-US" b="0" i="1" smtClean="0">
+                                  <a:solidFill>
+                                    <a:srgbClr val="0070C0"/>
+                                  </a:solidFill>
+                                  <a:latin typeface="Cambria Math" panose="02040503050406030204" pitchFamily="18" charset="0"/>
+                                </a:rPr>
+                              </m:ctrlPr>
+                            </m:sSubPr>
+                            <m:e>
+                              <m:r>
+                                <a:rPr lang="en-US" b="0" i="1" smtClean="0">
+                                  <a:solidFill>
+                                    <a:srgbClr val="0070C0"/>
+                                  </a:solidFill>
+                                  <a:latin typeface="Cambria Math" panose="02040503050406030204" pitchFamily="18" charset="0"/>
+                                </a:rPr>
+                                <m:t>𝐸</m:t>
+                              </m:r>
+                            </m:e>
+                            <m:sub>
+                              <m:r>
+                                <a:rPr lang="en-US" b="0" i="1" smtClean="0">
+                                  <a:solidFill>
+                                    <a:srgbClr val="0070C0"/>
+                                  </a:solidFill>
+                                  <a:latin typeface="Cambria Math" panose="02040503050406030204" pitchFamily="18" charset="0"/>
+                                </a:rPr>
+                                <m:t>0</m:t>
+                              </m:r>
+                            </m:sub>
+                          </m:sSub>
+                        </m:oMath>
+                      </m:oMathPara>
+                    </a14:m>
+                    <a:endParaRPr lang="en-US" dirty="0"/>
+                  </a:p>
+                </p:txBody>
+              </p:sp>
+            </mc:Choice>
+            <mc:Fallback xmlns="">
+              <p:sp>
+                <p:nvSpPr>
+                  <p:cNvPr id="18" name="TextBox 17">
+                    <a:extLst>
+                      <a:ext uri="{FF2B5EF4-FFF2-40B4-BE49-F238E27FC236}">
+                        <a16:creationId xmlns:a16="http://schemas.microsoft.com/office/drawing/2014/main" id="{649C2306-CD0D-DEE0-C64B-072328C67A98}"/>
+                      </a:ext>
+                    </a:extLst>
+                  </p:cNvPr>
+                  <p:cNvSpPr txBox="1">
+                    <a:spLocks noRot="1" noChangeAspect="1" noMove="1" noResize="1" noEditPoints="1" noAdjustHandles="1" noChangeArrowheads="1" noChangeShapeType="1" noTextEdit="1"/>
+                  </p:cNvSpPr>
+                  <p:nvPr/>
+                </p:nvSpPr>
+                <p:spPr>
+                  <a:xfrm>
+                    <a:off x="5538461" y="1271329"/>
+                    <a:ext cx="327005" cy="369332"/>
+                  </a:xfrm>
+                  <a:prstGeom prst="rect">
+                    <a:avLst/>
+                  </a:prstGeom>
+                  <a:blipFill>
+                    <a:blip r:embed="rId6"/>
+                    <a:stretch>
+                      <a:fillRect r="-16667"/>
+                    </a:stretch>
+                  </a:blipFill>
+                </p:spPr>
+                <p:txBody>
+                  <a:bodyPr/>
+                  <a:lstStyle/>
+                  <a:p>
+                    <a:r>
+                      <a:rPr lang="en-US">
+                        <a:noFill/>
+                      </a:rPr>
+                      <a:t> </a:t>
+                    </a:r>
+                  </a:p>
+                </p:txBody>
+              </p:sp>
+            </mc:Fallback>
+          </mc:AlternateContent>
+          <p:cxnSp>
+            <p:nvCxnSpPr>
+              <p:cNvPr id="24" name="Straight Arrow Connector 23">
+                <a:extLst>
+                  <a:ext uri="{FF2B5EF4-FFF2-40B4-BE49-F238E27FC236}">
+                    <a16:creationId xmlns:a16="http://schemas.microsoft.com/office/drawing/2014/main" id="{9167B9D4-37A1-4AD6-9073-3832956FC9F1}"/>
+                  </a:ext>
+                </a:extLst>
+              </p:cNvPr>
+              <p:cNvCxnSpPr>
+                <a:cxnSpLocks/>
+              </p:cNvCxnSpPr>
+              <p:nvPr/>
+            </p:nvCxnSpPr>
+            <p:spPr>
+              <a:xfrm>
+                <a:off x="4379516" y="1271329"/>
+                <a:ext cx="1553275" cy="0"/>
+              </a:xfrm>
+              <a:prstGeom prst="straightConnector1">
+                <a:avLst/>
+              </a:prstGeom>
+              <a:ln>
+                <a:solidFill>
+                  <a:srgbClr val="0070C0"/>
+                </a:solidFill>
+                <a:tailEnd type="triangle"/>
+              </a:ln>
+            </p:spPr>
+            <p:style>
+              <a:lnRef idx="2">
+                <a:schemeClr val="accent1"/>
+              </a:lnRef>
+              <a:fillRef idx="0">
+                <a:schemeClr val="accent1"/>
+              </a:fillRef>
+              <a:effectRef idx="1">
+                <a:schemeClr val="accent1"/>
+              </a:effectRef>
+              <a:fontRef idx="minor">
+                <a:schemeClr val="tx1"/>
+              </a:fontRef>
+            </p:style>
+          </p:cxnSp>
+          <p:sp>
+            <p:nvSpPr>
+              <p:cNvPr id="25" name="Rectangle: Rounded Corners 24">
+                <a:extLst>
+                  <a:ext uri="{FF2B5EF4-FFF2-40B4-BE49-F238E27FC236}">
+                    <a16:creationId xmlns:a16="http://schemas.microsoft.com/office/drawing/2014/main" id="{E52386E8-397A-40F0-9A11-02024445333F}"/>
+                  </a:ext>
+                </a:extLst>
+              </p:cNvPr>
+              <p:cNvSpPr/>
+              <p:nvPr/>
+            </p:nvSpPr>
+            <p:spPr>
+              <a:xfrm>
+                <a:off x="1352735" y="2756967"/>
+                <a:ext cx="2438400" cy="583121"/>
+              </a:xfrm>
+              <a:prstGeom prst="roundRect">
+                <a:avLst/>
+              </a:prstGeom>
+              <a:solidFill>
+                <a:schemeClr val="bg1"/>
+              </a:solidFill>
+              <a:ln>
+                <a:noFill/>
+              </a:ln>
+            </p:spPr>
+            <p:style>
+              <a:lnRef idx="2">
+                <a:schemeClr val="accent1">
+                  <a:shade val="50000"/>
+                </a:schemeClr>
+              </a:lnRef>
+              <a:fillRef idx="1">
+                <a:schemeClr val="accent1"/>
+              </a:fillRef>
+              <a:effectRef idx="0">
+                <a:schemeClr val="accent1"/>
+              </a:effectRef>
+              <a:fontRef idx="minor">
+                <a:schemeClr val="lt1"/>
+              </a:fontRef>
+            </p:style>
+            <p:txBody>
+              <a:bodyPr rtlCol="0" anchor="ctr"/>
+              <a:lstStyle/>
+              <a:p>
+                <a:pPr algn="ctr"/>
+                <a:endParaRPr lang="en-US"/>
+              </a:p>
+            </p:txBody>
+          </p:sp>
+          <p:sp>
+            <p:nvSpPr>
+              <p:cNvPr id="26" name="Rectangle: Rounded Corners 25">
+                <a:extLst>
+                  <a:ext uri="{FF2B5EF4-FFF2-40B4-BE49-F238E27FC236}">
+                    <a16:creationId xmlns:a16="http://schemas.microsoft.com/office/drawing/2014/main" id="{8301A0DD-9350-4373-B134-A9B45C8FA8A7}"/>
+                  </a:ext>
+                </a:extLst>
+              </p:cNvPr>
+              <p:cNvSpPr/>
+              <p:nvPr/>
+            </p:nvSpPr>
+            <p:spPr>
+              <a:xfrm>
+                <a:off x="5113756" y="2680633"/>
+                <a:ext cx="1072571" cy="583121"/>
+              </a:xfrm>
+              <a:prstGeom prst="roundRect">
+                <a:avLst/>
+              </a:prstGeom>
+              <a:solidFill>
+                <a:schemeClr val="bg1"/>
+              </a:solidFill>
+              <a:ln>
+                <a:noFill/>
+              </a:ln>
+            </p:spPr>
+            <p:style>
+              <a:lnRef idx="2">
+                <a:schemeClr val="accent1">
+                  <a:shade val="50000"/>
+                </a:schemeClr>
+              </a:lnRef>
+              <a:fillRef idx="1">
+                <a:schemeClr val="accent1"/>
+              </a:fillRef>
+              <a:effectRef idx="0">
+                <a:schemeClr val="accent1"/>
+              </a:effectRef>
+              <a:fontRef idx="minor">
+                <a:schemeClr val="lt1"/>
+              </a:fontRef>
+            </p:style>
+            <p:txBody>
+              <a:bodyPr rtlCol="0" anchor="ctr"/>
+              <a:lstStyle/>
+              <a:p>
+                <a:pPr algn="ctr"/>
+                <a:endParaRPr lang="en-US"/>
+              </a:p>
+            </p:txBody>
+          </p:sp>
+        </p:grpSp>
+      </p:grpSp>
+      <mc:AlternateContent xmlns:mc="http://schemas.openxmlformats.org/markup-compatibility/2006" xmlns:a14="http://schemas.microsoft.com/office/drawing/2010/main">
+        <mc:Choice Requires="a14">
+          <p:sp>
+            <p:nvSpPr>
+              <p:cNvPr id="37" name="TextBox 36">
+                <a:extLst>
+                  <a:ext uri="{FF2B5EF4-FFF2-40B4-BE49-F238E27FC236}">
+                    <a16:creationId xmlns:a16="http://schemas.microsoft.com/office/drawing/2014/main" id="{EB60C7E2-1A34-408D-ACAB-7105A0587EC4}"/>
+                  </a:ext>
+                </a:extLst>
+              </p:cNvPr>
+              <p:cNvSpPr txBox="1"/>
+              <p:nvPr/>
+            </p:nvSpPr>
+            <p:spPr>
+              <a:xfrm>
+                <a:off x="2728937" y="4975374"/>
+                <a:ext cx="4032809" cy="665054"/>
+              </a:xfrm>
+              <a:prstGeom prst="rect">
+                <a:avLst/>
+              </a:prstGeom>
+              <a:noFill/>
+            </p:spPr>
+            <p:txBody>
+              <a:bodyPr wrap="square" rtlCol="0">
+                <a:spAutoFit/>
+              </a:bodyPr>
+              <a:lstStyle/>
+              <a:p>
+                <a:pPr/>
+                <a14:m>
+                  <m:oMathPara xmlns:m="http://schemas.openxmlformats.org/officeDocument/2006/math">
+                    <m:oMathParaPr>
+                      <m:jc m:val="centerGroup"/>
+                    </m:oMathParaPr>
+                    <m:oMath xmlns:m="http://schemas.openxmlformats.org/officeDocument/2006/math">
+                      <m:f>
+                        <m:fPr>
+                          <m:ctrlPr>
+                            <a:rPr lang="en-US" b="0" i="1" smtClean="0">
+                              <a:solidFill>
+                                <a:srgbClr val="FF0000"/>
+                              </a:solidFill>
+                              <a:latin typeface="Cambria Math" panose="02040503050406030204" pitchFamily="18" charset="0"/>
+                            </a:rPr>
+                          </m:ctrlPr>
+                        </m:fPr>
+                        <m:num>
+                          <m:sSub>
+                            <m:sSubPr>
+                              <m:ctrlPr>
+                                <a:rPr lang="en-US" b="0" i="1" smtClean="0">
+                                  <a:solidFill>
+                                    <a:srgbClr val="FF0000"/>
+                                  </a:solidFill>
+                                  <a:latin typeface="Cambria Math" panose="02040503050406030204" pitchFamily="18" charset="0"/>
+                                </a:rPr>
+                              </m:ctrlPr>
+                            </m:sSubPr>
+                            <m:e>
+                              <m:r>
+                                <a:rPr lang="en-US" b="0" i="1" smtClean="0">
+                                  <a:solidFill>
+                                    <a:srgbClr val="FF0000"/>
+                                  </a:solidFill>
+                                  <a:latin typeface="Cambria Math" panose="02040503050406030204" pitchFamily="18" charset="0"/>
+                                </a:rPr>
+                                <m:t>𝜔</m:t>
+                              </m:r>
+                            </m:e>
+                            <m:sub>
+                              <m:r>
+                                <a:rPr lang="en-US" b="0" i="1" smtClean="0">
+                                  <a:solidFill>
+                                    <a:srgbClr val="FF0000"/>
+                                  </a:solidFill>
+                                  <a:latin typeface="Cambria Math" panose="02040503050406030204" pitchFamily="18" charset="0"/>
+                                </a:rPr>
+                                <m:t>1</m:t>
+                              </m:r>
+                            </m:sub>
+                          </m:sSub>
+                        </m:num>
+                        <m:den>
+                          <m:sSub>
+                            <m:sSubPr>
+                              <m:ctrlPr>
+                                <a:rPr lang="en-US" b="0" i="1" smtClean="0">
+                                  <a:solidFill>
+                                    <a:srgbClr val="FF0000"/>
+                                  </a:solidFill>
+                                  <a:latin typeface="Cambria Math" panose="02040503050406030204" pitchFamily="18" charset="0"/>
+                                </a:rPr>
+                              </m:ctrlPr>
+                            </m:sSubPr>
+                            <m:e>
+                              <m:r>
+                                <a:rPr lang="en-US" b="0" i="1" smtClean="0">
+                                  <a:solidFill>
+                                    <a:srgbClr val="FF0000"/>
+                                  </a:solidFill>
+                                  <a:latin typeface="Cambria Math" panose="02040503050406030204" pitchFamily="18" charset="0"/>
+                                </a:rPr>
+                                <m:t>𝜔</m:t>
+                              </m:r>
+                            </m:e>
+                            <m:sub>
+                              <m:r>
+                                <a:rPr lang="en-US" b="0" i="1" smtClean="0">
+                                  <a:solidFill>
+                                    <a:srgbClr val="FF0000"/>
+                                  </a:solidFill>
+                                  <a:latin typeface="Cambria Math" panose="02040503050406030204" pitchFamily="18" charset="0"/>
+                                </a:rPr>
+                                <m:t>𝑐𝑒</m:t>
+                              </m:r>
+                            </m:sub>
+                          </m:sSub>
+                        </m:den>
+                      </m:f>
+                      <m:r>
+                        <a:rPr lang="en-US" b="0" i="1" smtClean="0">
+                          <a:solidFill>
+                            <a:srgbClr val="FF0000"/>
+                          </a:solidFill>
+                          <a:latin typeface="Cambria Math" panose="02040503050406030204" pitchFamily="18" charset="0"/>
+                        </a:rPr>
+                        <m:t>=1.0344;</m:t>
+                      </m:r>
+                      <m:f>
+                        <m:fPr>
+                          <m:ctrlPr>
+                            <a:rPr lang="en-US" b="0" i="1" smtClean="0">
+                              <a:solidFill>
+                                <a:srgbClr val="FF0000"/>
+                              </a:solidFill>
+                              <a:latin typeface="Cambria Math" panose="02040503050406030204" pitchFamily="18" charset="0"/>
+                            </a:rPr>
+                          </m:ctrlPr>
+                        </m:fPr>
+                        <m:num>
+                          <m:r>
+                            <a:rPr lang="en-US" b="0" i="1" smtClean="0">
+                              <a:solidFill>
+                                <a:srgbClr val="FF0000"/>
+                              </a:solidFill>
+                              <a:latin typeface="Cambria Math" panose="02040503050406030204" pitchFamily="18" charset="0"/>
+                            </a:rPr>
+                            <m:t>𝑘𝑐</m:t>
+                          </m:r>
+                        </m:num>
+                        <m:den>
+                          <m:sSub>
+                            <m:sSubPr>
+                              <m:ctrlPr>
+                                <a:rPr lang="en-US" b="0" i="1" smtClean="0">
+                                  <a:solidFill>
+                                    <a:srgbClr val="FF0000"/>
+                                  </a:solidFill>
+                                  <a:latin typeface="Cambria Math" panose="02040503050406030204" pitchFamily="18" charset="0"/>
+                                </a:rPr>
+                              </m:ctrlPr>
+                            </m:sSubPr>
+                            <m:e>
+                              <m:r>
+                                <a:rPr lang="en-US" b="0" i="1" smtClean="0">
+                                  <a:solidFill>
+                                    <a:srgbClr val="FF0000"/>
+                                  </a:solidFill>
+                                  <a:latin typeface="Cambria Math" panose="02040503050406030204" pitchFamily="18" charset="0"/>
+                                </a:rPr>
+                                <m:t>𝜔</m:t>
+                              </m:r>
+                            </m:e>
+                            <m:sub>
+                              <m:r>
+                                <a:rPr lang="en-US" b="0" i="1" smtClean="0">
+                                  <a:solidFill>
+                                    <a:srgbClr val="FF0000"/>
+                                  </a:solidFill>
+                                  <a:latin typeface="Cambria Math" panose="02040503050406030204" pitchFamily="18" charset="0"/>
+                                </a:rPr>
+                                <m:t>𝑐𝑒</m:t>
+                              </m:r>
+                            </m:sub>
+                          </m:sSub>
+                        </m:den>
+                      </m:f>
+                      <m:r>
+                        <a:rPr lang="en-US" b="0" i="1" smtClean="0">
+                          <a:solidFill>
+                            <a:srgbClr val="FF0000"/>
+                          </a:solidFill>
+                          <a:latin typeface="Cambria Math" panose="02040503050406030204" pitchFamily="18" charset="0"/>
+                        </a:rPr>
+                        <m:t>=−1.034;</m:t>
+                      </m:r>
+                      <m:r>
+                        <a:rPr lang="en-US" b="0" i="1" smtClean="0">
+                          <a:solidFill>
+                            <a:srgbClr val="FF0000"/>
+                          </a:solidFill>
+                          <a:latin typeface="Cambria Math" panose="02040503050406030204" pitchFamily="18" charset="0"/>
+                        </a:rPr>
+                        <m:t>𝑛</m:t>
+                      </m:r>
+                      <m:r>
+                        <a:rPr lang="en-US" b="0" i="1" smtClean="0">
+                          <a:solidFill>
+                            <a:srgbClr val="FF0000"/>
+                          </a:solidFill>
+                          <a:latin typeface="Cambria Math" panose="02040503050406030204" pitchFamily="18" charset="0"/>
+                        </a:rPr>
+                        <m:t>≈1</m:t>
+                      </m:r>
+                    </m:oMath>
+                  </m:oMathPara>
+                </a14:m>
+                <a:endParaRPr lang="en-US" b="0" i="1" dirty="0">
+                  <a:solidFill>
+                    <a:srgbClr val="FF0000"/>
+                  </a:solidFill>
+                  <a:latin typeface="Cambria Math" panose="02040503050406030204" pitchFamily="18" charset="0"/>
+                </a:endParaRPr>
+              </a:p>
+            </p:txBody>
+          </p:sp>
+        </mc:Choice>
+        <mc:Fallback xmlns="">
+          <p:sp>
+            <p:nvSpPr>
+              <p:cNvPr id="37" name="TextBox 36">
+                <a:extLst>
+                  <a:ext uri="{FF2B5EF4-FFF2-40B4-BE49-F238E27FC236}">
+                    <a16:creationId xmlns:a16="http://schemas.microsoft.com/office/drawing/2014/main" id="{EB60C7E2-1A34-408D-ACAB-7105A0587EC4}"/>
+                  </a:ext>
+                </a:extLst>
+              </p:cNvPr>
+              <p:cNvSpPr txBox="1">
+                <a:spLocks noRot="1" noChangeAspect="1" noMove="1" noResize="1" noEditPoints="1" noAdjustHandles="1" noChangeArrowheads="1" noChangeShapeType="1" noTextEdit="1"/>
+              </p:cNvSpPr>
+              <p:nvPr/>
+            </p:nvSpPr>
+            <p:spPr>
+              <a:xfrm>
+                <a:off x="2728937" y="4975374"/>
+                <a:ext cx="4032809" cy="665054"/>
+              </a:xfrm>
+              <a:prstGeom prst="rect">
+                <a:avLst/>
+              </a:prstGeom>
+              <a:blipFill>
+                <a:blip r:embed="rId7"/>
+                <a:stretch>
+                  <a:fillRect/>
+                </a:stretch>
+              </a:blipFill>
+            </p:spPr>
+            <p:txBody>
+              <a:bodyPr/>
+              <a:lstStyle/>
+              <a:p>
+                <a:r>
+                  <a:rPr lang="en-US">
+                    <a:noFill/>
+                  </a:rPr>
+                  <a:t> </a:t>
+                </a:r>
+              </a:p>
+            </p:txBody>
+          </p:sp>
+        </mc:Fallback>
+      </mc:AlternateContent>
+      <p:sp>
+        <p:nvSpPr>
+          <p:cNvPr id="3" name="Rectangle 2">
+            <a:extLst>
+              <a:ext uri="{FF2B5EF4-FFF2-40B4-BE49-F238E27FC236}">
+                <a16:creationId xmlns:a16="http://schemas.microsoft.com/office/drawing/2014/main" id="{DEE83135-B3AC-47C6-84BF-9880E1EAC47A}"/>
+              </a:ext>
+            </a:extLst>
+          </p:cNvPr>
+          <p:cNvSpPr/>
+          <p:nvPr/>
+        </p:nvSpPr>
+        <p:spPr>
+          <a:xfrm>
+            <a:off x="9245654" y="73976"/>
+            <a:ext cx="1191352" cy="369332"/>
+          </a:xfrm>
+          <a:prstGeom prst="rect">
+            <a:avLst/>
+          </a:prstGeom>
+        </p:spPr>
+        <p:txBody>
+          <a:bodyPr wrap="none">
+            <a:spAutoFit/>
+          </a:bodyPr>
+          <a:lstStyle/>
+          <a:p>
+            <a:r>
+              <a:rPr lang="en-US" dirty="0">
+                <a:latin typeface="Calibri" panose="020F0502020204030204" pitchFamily="34" charset="0"/>
+                <a:ea typeface="等线" panose="02010600030101010101" pitchFamily="2" charset="-122"/>
+                <a:cs typeface="Times New Roman" panose="02020603050405020304" pitchFamily="18" charset="0"/>
+              </a:rPr>
+              <a:t>B</a:t>
+            </a:r>
+            <a:r>
+              <a:rPr lang="en-US" baseline="-25000" dirty="0">
+                <a:latin typeface="Calibri" panose="020F0502020204030204" pitchFamily="34" charset="0"/>
+                <a:ea typeface="等线" panose="02010600030101010101" pitchFamily="2" charset="-122"/>
+                <a:cs typeface="Times New Roman" panose="02020603050405020304" pitchFamily="18" charset="0"/>
+              </a:rPr>
+              <a:t>0</a:t>
+            </a:r>
+            <a:r>
+              <a:rPr lang="en-US" dirty="0">
+                <a:latin typeface="Cambria Math" panose="02040503050406030204" pitchFamily="18" charset="0"/>
+                <a:ea typeface="等线" panose="02010600030101010101" pitchFamily="2" charset="-122"/>
+                <a:cs typeface="Cambria Math" panose="02040503050406030204" pitchFamily="18" charset="0"/>
+              </a:rPr>
+              <a:t>∼</a:t>
+            </a:r>
+            <a:r>
+              <a:rPr lang="en-US" dirty="0">
+                <a:latin typeface="Calibri" panose="020F0502020204030204" pitchFamily="34" charset="0"/>
+                <a:ea typeface="等线" panose="02010600030101010101" pitchFamily="2" charset="-122"/>
+                <a:cs typeface="Times New Roman" panose="02020603050405020304" pitchFamily="18" charset="0"/>
+              </a:rPr>
+              <a:t>800 </a:t>
+            </a:r>
+            <a:r>
+              <a:rPr lang="en-US" dirty="0" err="1">
+                <a:latin typeface="Calibri" panose="020F0502020204030204" pitchFamily="34" charset="0"/>
+                <a:ea typeface="等线" panose="02010600030101010101" pitchFamily="2" charset="-122"/>
+                <a:cs typeface="Times New Roman" panose="02020603050405020304" pitchFamily="18" charset="0"/>
+              </a:rPr>
+              <a:t>nT</a:t>
+            </a:r>
+            <a:endParaRPr lang="en-US" dirty="0"/>
+          </a:p>
+        </p:txBody>
+      </p:sp>
+      <p:grpSp>
+        <p:nvGrpSpPr>
+          <p:cNvPr id="5" name="Group 4">
+            <a:extLst>
+              <a:ext uri="{FF2B5EF4-FFF2-40B4-BE49-F238E27FC236}">
+                <a16:creationId xmlns:a16="http://schemas.microsoft.com/office/drawing/2014/main" id="{2493BD9E-DBAD-4D93-A064-F87D34E37D36}"/>
+              </a:ext>
+            </a:extLst>
+          </p:cNvPr>
+          <p:cNvGrpSpPr/>
+          <p:nvPr/>
+        </p:nvGrpSpPr>
+        <p:grpSpPr>
+          <a:xfrm>
+            <a:off x="7679238" y="443666"/>
+            <a:ext cx="3768414" cy="2826311"/>
+            <a:chOff x="7650090" y="288967"/>
+            <a:chExt cx="3768414" cy="2826311"/>
+          </a:xfrm>
+        </p:grpSpPr>
+        <p:pic>
+          <p:nvPicPr>
+            <p:cNvPr id="36" name="Picture 35">
+              <a:extLst>
+                <a:ext uri="{FF2B5EF4-FFF2-40B4-BE49-F238E27FC236}">
+                  <a16:creationId xmlns:a16="http://schemas.microsoft.com/office/drawing/2014/main" id="{7C1E6DF1-95A3-4172-85DF-AB3D2BA59BA9}"/>
+                </a:ext>
+              </a:extLst>
+            </p:cNvPr>
+            <p:cNvPicPr>
+              <a:picLocks noChangeAspect="1"/>
+            </p:cNvPicPr>
+            <p:nvPr/>
+          </p:nvPicPr>
+          <p:blipFill>
+            <a:blip r:embed="rId8"/>
+            <a:stretch>
+              <a:fillRect/>
+            </a:stretch>
+          </p:blipFill>
+          <p:spPr>
+            <a:xfrm>
+              <a:off x="7650090" y="288967"/>
+              <a:ext cx="3768414" cy="2826311"/>
+            </a:xfrm>
+            <a:prstGeom prst="rect">
+              <a:avLst/>
+            </a:prstGeom>
+          </p:spPr>
+        </p:pic>
+        <mc:AlternateContent xmlns:mc="http://schemas.openxmlformats.org/markup-compatibility/2006" xmlns:a14="http://schemas.microsoft.com/office/drawing/2010/main">
+          <mc:Choice Requires="a14">
+            <p:sp>
+              <p:nvSpPr>
+                <p:cNvPr id="28" name="TextBox 27">
+                  <a:extLst>
+                    <a:ext uri="{FF2B5EF4-FFF2-40B4-BE49-F238E27FC236}">
+                      <a16:creationId xmlns:a16="http://schemas.microsoft.com/office/drawing/2014/main" id="{61F5C71B-D5F4-44A7-8B07-40EBE4F3628E}"/>
+                    </a:ext>
+                  </a:extLst>
+                </p:cNvPr>
+                <p:cNvSpPr txBox="1"/>
+                <p:nvPr/>
+              </p:nvSpPr>
+              <p:spPr>
+                <a:xfrm>
+                  <a:off x="8519194" y="658299"/>
+                  <a:ext cx="2218743" cy="369332"/>
+                </a:xfrm>
+                <a:prstGeom prst="rect">
+                  <a:avLst/>
+                </a:prstGeom>
+                <a:noFill/>
+              </p:spPr>
+              <p:txBody>
+                <a:bodyPr wrap="square" rtlCol="0">
+                  <a:spAutoFit/>
+                </a:bodyPr>
+                <a:lstStyle/>
+                <a:p>
+                  <a:pPr/>
+                  <a14:m>
+                    <m:oMathPara xmlns:m="http://schemas.openxmlformats.org/officeDocument/2006/math">
+                      <m:oMathParaPr>
+                        <m:jc m:val="centerGroup"/>
+                      </m:oMathParaPr>
+                      <m:oMath xmlns:m="http://schemas.openxmlformats.org/officeDocument/2006/math">
+                        <m:r>
+                          <a:rPr lang="en-US" b="0" i="1" smtClean="0">
+                            <a:solidFill>
+                              <a:srgbClr val="FF0000"/>
+                            </a:solidFill>
+                            <a:latin typeface="Cambria Math" panose="02040503050406030204" pitchFamily="18" charset="0"/>
+                          </a:rPr>
+                          <m:t>𝜔</m:t>
+                        </m:r>
+                        <m:r>
+                          <a:rPr lang="en-US" b="0" i="1" smtClean="0">
+                            <a:solidFill>
+                              <a:srgbClr val="FF0000"/>
+                            </a:solidFill>
+                            <a:latin typeface="Cambria Math" panose="02040503050406030204" pitchFamily="18" charset="0"/>
+                          </a:rPr>
+                          <m:t>=</m:t>
+                        </m:r>
+                        <m:r>
+                          <a:rPr lang="en-US" b="0" i="1" smtClean="0">
+                            <a:solidFill>
+                              <a:srgbClr val="FF0000"/>
+                            </a:solidFill>
+                            <a:latin typeface="Cambria Math" panose="02040503050406030204" pitchFamily="18" charset="0"/>
+                          </a:rPr>
+                          <m:t>𝑘</m:t>
+                        </m:r>
+                        <m:r>
+                          <a:rPr lang="en-US" b="0" i="1" smtClean="0">
+                            <a:solidFill>
+                              <a:srgbClr val="FF0000"/>
+                            </a:solidFill>
+                            <a:latin typeface="Cambria Math" panose="02040503050406030204" pitchFamily="18" charset="0"/>
+                          </a:rPr>
+                          <m:t>⋅</m:t>
+                        </m:r>
+                        <m:sSub>
+                          <m:sSubPr>
+                            <m:ctrlPr>
+                              <a:rPr lang="en-US" b="0" i="1" smtClean="0">
+                                <a:solidFill>
+                                  <a:srgbClr val="FF0000"/>
+                                </a:solidFill>
+                                <a:latin typeface="Cambria Math" panose="02040503050406030204" pitchFamily="18" charset="0"/>
+                              </a:rPr>
+                            </m:ctrlPr>
+                          </m:sSubPr>
+                          <m:e>
+                            <m:r>
+                              <a:rPr lang="en-US" b="0" i="1" smtClean="0">
+                                <a:solidFill>
+                                  <a:srgbClr val="FF0000"/>
+                                </a:solidFill>
+                                <a:latin typeface="Cambria Math" panose="02040503050406030204" pitchFamily="18" charset="0"/>
+                              </a:rPr>
+                              <m:t>𝑣</m:t>
+                            </m:r>
+                          </m:e>
+                          <m:sub>
+                            <m:r>
+                              <a:rPr lang="en-US" b="0" i="1" smtClean="0">
+                                <a:solidFill>
+                                  <a:srgbClr val="FF0000"/>
+                                </a:solidFill>
+                                <a:latin typeface="Cambria Math" panose="02040503050406030204" pitchFamily="18" charset="0"/>
+                              </a:rPr>
+                              <m:t>𝑇𝐷𝑆</m:t>
+                            </m:r>
+                          </m:sub>
+                        </m:sSub>
+                        <m:r>
+                          <a:rPr lang="en-US" b="0" i="1" smtClean="0">
+                            <a:solidFill>
+                              <a:srgbClr val="FF0000"/>
+                            </a:solidFill>
+                            <a:latin typeface="Cambria Math" panose="02040503050406030204" pitchFamily="18" charset="0"/>
+                          </a:rPr>
+                          <m:t>+|</m:t>
+                        </m:r>
+                        <m:sSub>
+                          <m:sSubPr>
+                            <m:ctrlPr>
+                              <a:rPr lang="en-US" b="0" i="1" smtClean="0">
+                                <a:solidFill>
+                                  <a:srgbClr val="FF0000"/>
+                                </a:solidFill>
+                                <a:latin typeface="Cambria Math" panose="02040503050406030204" pitchFamily="18" charset="0"/>
+                              </a:rPr>
+                            </m:ctrlPr>
+                          </m:sSubPr>
+                          <m:e>
+                            <m:r>
+                              <a:rPr lang="en-US" b="0" i="1" smtClean="0">
+                                <a:solidFill>
+                                  <a:srgbClr val="FF0000"/>
+                                </a:solidFill>
+                                <a:latin typeface="Cambria Math" panose="02040503050406030204" pitchFamily="18" charset="0"/>
+                              </a:rPr>
+                              <m:t>𝜔</m:t>
+                            </m:r>
+                          </m:e>
+                          <m:sub>
+                            <m:r>
+                              <a:rPr lang="en-US" b="0" i="1" smtClean="0">
+                                <a:solidFill>
+                                  <a:srgbClr val="FF0000"/>
+                                </a:solidFill>
+                                <a:latin typeface="Cambria Math" panose="02040503050406030204" pitchFamily="18" charset="0"/>
+                              </a:rPr>
+                              <m:t>𝑐𝑒</m:t>
+                            </m:r>
+                          </m:sub>
+                        </m:sSub>
+                        <m:r>
+                          <a:rPr lang="en-US" b="0" i="1" smtClean="0">
+                            <a:solidFill>
+                              <a:srgbClr val="FF0000"/>
+                            </a:solidFill>
+                            <a:latin typeface="Cambria Math" panose="02040503050406030204" pitchFamily="18" charset="0"/>
+                          </a:rPr>
+                          <m:t>|</m:t>
+                        </m:r>
+                      </m:oMath>
+                    </m:oMathPara>
+                  </a14:m>
+                  <a:endParaRPr lang="en-US" dirty="0">
+                    <a:solidFill>
+                      <a:srgbClr val="FF0000"/>
+                    </a:solidFill>
+                  </a:endParaRPr>
+                </a:p>
+              </p:txBody>
+            </p:sp>
+          </mc:Choice>
+          <mc:Fallback xmlns="">
+            <p:sp>
+              <p:nvSpPr>
+                <p:cNvPr id="28" name="TextBox 27">
+                  <a:extLst>
+                    <a:ext uri="{FF2B5EF4-FFF2-40B4-BE49-F238E27FC236}">
+                      <a16:creationId xmlns:a16="http://schemas.microsoft.com/office/drawing/2014/main" id="{61F5C71B-D5F4-44A7-8B07-40EBE4F3628E}"/>
+                    </a:ext>
+                  </a:extLst>
+                </p:cNvPr>
+                <p:cNvSpPr txBox="1">
+                  <a:spLocks noRot="1" noChangeAspect="1" noMove="1" noResize="1" noEditPoints="1" noAdjustHandles="1" noChangeArrowheads="1" noChangeShapeType="1" noTextEdit="1"/>
+                </p:cNvSpPr>
+                <p:nvPr/>
+              </p:nvSpPr>
+              <p:spPr>
+                <a:xfrm>
+                  <a:off x="8519194" y="658299"/>
+                  <a:ext cx="2218743" cy="369332"/>
+                </a:xfrm>
+                <a:prstGeom prst="rect">
+                  <a:avLst/>
+                </a:prstGeom>
+                <a:blipFill>
+                  <a:blip r:embed="rId9"/>
+                  <a:stretch>
+                    <a:fillRect b="-13115"/>
+                  </a:stretch>
+                </a:blipFill>
+              </p:spPr>
+              <p:txBody>
+                <a:bodyPr/>
+                <a:lstStyle/>
+                <a:p>
+                  <a:r>
+                    <a:rPr lang="en-US">
+                      <a:noFill/>
+                    </a:rPr>
+                    <a:t> </a:t>
+                  </a:r>
+                </a:p>
+              </p:txBody>
+            </p:sp>
+          </mc:Fallback>
+        </mc:AlternateContent>
+      </p:grpSp>
+      <p:sp>
+        <p:nvSpPr>
+          <p:cNvPr id="29" name="Rectangle 28">
+            <a:extLst>
+              <a:ext uri="{FF2B5EF4-FFF2-40B4-BE49-F238E27FC236}">
+                <a16:creationId xmlns:a16="http://schemas.microsoft.com/office/drawing/2014/main" id="{A72E90AF-5A90-4BBD-98C9-03F71547606B}"/>
+              </a:ext>
+            </a:extLst>
+          </p:cNvPr>
+          <p:cNvSpPr/>
+          <p:nvPr/>
+        </p:nvSpPr>
+        <p:spPr>
+          <a:xfrm>
+            <a:off x="8548342" y="1174485"/>
+            <a:ext cx="938463" cy="1101429"/>
+          </a:xfrm>
+          <a:prstGeom prst="rect">
+            <a:avLst/>
+          </a:prstGeom>
+          <a:solidFill>
+            <a:schemeClr val="accent1">
+              <a:alpha val="8000"/>
+            </a:schemeClr>
+          </a:solidFill>
+        </p:spPr>
+        <p:style>
+          <a:lnRef idx="2">
+            <a:schemeClr val="accent1">
+              <a:shade val="50000"/>
+            </a:schemeClr>
+          </a:lnRef>
+          <a:fillRef idx="1">
+            <a:schemeClr val="accent1"/>
+          </a:fillRef>
+          <a:effectRef idx="0">
+            <a:schemeClr val="accent1"/>
+          </a:effectRef>
+          <a:fontRef idx="minor">
+            <a:schemeClr val="lt1"/>
+          </a:fontRef>
+        </p:style>
+        <p:txBody>
+          <a:bodyPr rtlCol="0" anchor="ctr"/>
+          <a:lstStyle/>
+          <a:p>
+            <a:pPr algn="ctr"/>
+            <a:endParaRPr lang="en-US" dirty="0"/>
+          </a:p>
+        </p:txBody>
+      </p:sp>
+      <p:pic>
+        <p:nvPicPr>
+          <p:cNvPr id="27" name="Picture 26">
+            <a:extLst>
+              <a:ext uri="{FF2B5EF4-FFF2-40B4-BE49-F238E27FC236}">
+                <a16:creationId xmlns:a16="http://schemas.microsoft.com/office/drawing/2014/main" id="{0A69850B-87B6-4A0D-8A84-2F4A6880B110}"/>
+              </a:ext>
+            </a:extLst>
+          </p:cNvPr>
+          <p:cNvPicPr>
+            <a:picLocks noChangeAspect="1"/>
+          </p:cNvPicPr>
+          <p:nvPr/>
+        </p:nvPicPr>
+        <p:blipFill>
+          <a:blip r:embed="rId10"/>
+          <a:stretch>
+            <a:fillRect/>
+          </a:stretch>
+        </p:blipFill>
+        <p:spPr>
+          <a:xfrm>
+            <a:off x="7741690" y="3452724"/>
+            <a:ext cx="3832045" cy="2874034"/>
+          </a:xfrm>
+          <a:prstGeom prst="rect">
+            <a:avLst/>
+          </a:prstGeom>
+        </p:spPr>
+      </p:pic>
+      <p:grpSp>
+        <p:nvGrpSpPr>
+          <p:cNvPr id="2" name="Group 1">
+            <a:extLst>
+              <a:ext uri="{FF2B5EF4-FFF2-40B4-BE49-F238E27FC236}">
+                <a16:creationId xmlns:a16="http://schemas.microsoft.com/office/drawing/2014/main" id="{EA8E80E3-9FBD-4112-9FED-CA1577C0550E}"/>
+              </a:ext>
+            </a:extLst>
+          </p:cNvPr>
+          <p:cNvGrpSpPr/>
+          <p:nvPr/>
+        </p:nvGrpSpPr>
+        <p:grpSpPr>
+          <a:xfrm>
+            <a:off x="768692" y="4566815"/>
+            <a:ext cx="2079283" cy="2291185"/>
+            <a:chOff x="768692" y="4566815"/>
+            <a:chExt cx="2079283" cy="2291185"/>
+          </a:xfrm>
+        </p:grpSpPr>
+        <p:grpSp>
+          <p:nvGrpSpPr>
+            <p:cNvPr id="9" name="Group 8">
+              <a:extLst>
+                <a:ext uri="{FF2B5EF4-FFF2-40B4-BE49-F238E27FC236}">
+                  <a16:creationId xmlns:a16="http://schemas.microsoft.com/office/drawing/2014/main" id="{48B71679-B3C3-42E8-AD45-B2FB24994EC9}"/>
+                </a:ext>
+              </a:extLst>
+            </p:cNvPr>
+            <p:cNvGrpSpPr/>
+            <p:nvPr/>
+          </p:nvGrpSpPr>
+          <p:grpSpPr>
+            <a:xfrm>
+              <a:off x="768692" y="4566815"/>
+              <a:ext cx="1847851" cy="1683212"/>
+              <a:chOff x="1189058" y="4582357"/>
+              <a:chExt cx="1847851" cy="1683212"/>
+            </a:xfrm>
+          </p:grpSpPr>
+          <p:sp>
+            <p:nvSpPr>
+              <p:cNvPr id="10" name="TextBox 9">
+                <a:extLst>
+                  <a:ext uri="{FF2B5EF4-FFF2-40B4-BE49-F238E27FC236}">
+                    <a16:creationId xmlns:a16="http://schemas.microsoft.com/office/drawing/2014/main" id="{F20B4007-F8E0-412C-B355-2EA077EBD4FA}"/>
+                  </a:ext>
+                </a:extLst>
+              </p:cNvPr>
+              <p:cNvSpPr txBox="1"/>
+              <p:nvPr/>
+            </p:nvSpPr>
+            <p:spPr>
+              <a:xfrm>
+                <a:off x="1189059" y="4582357"/>
+                <a:ext cx="1847850" cy="369332"/>
+              </a:xfrm>
+              <a:prstGeom prst="rect">
+                <a:avLst/>
+              </a:prstGeom>
+              <a:noFill/>
+            </p:spPr>
+            <p:txBody>
+              <a:bodyPr wrap="square">
+                <a:spAutoFit/>
+              </a:bodyPr>
+              <a:lstStyle/>
+              <a:p>
+                <a:r>
+                  <a:rPr lang="en-US" sz="1800" dirty="0">
+                    <a:effectLst/>
+                    <a:latin typeface="Calibri" panose="020F0502020204030204" pitchFamily="34" charset="0"/>
+                    <a:ea typeface="等线" panose="02010600030101010101" pitchFamily="2" charset="-122"/>
+                    <a:cs typeface="Times New Roman" panose="02020603050405020304" pitchFamily="18" charset="0"/>
+                  </a:rPr>
+                  <a:t>V</a:t>
+                </a:r>
+                <a:r>
+                  <a:rPr lang="en-US" sz="1800" baseline="-25000" dirty="0">
+                    <a:effectLst/>
+                    <a:latin typeface="Calibri" panose="020F0502020204030204" pitchFamily="34" charset="0"/>
+                    <a:ea typeface="等线" panose="02010600030101010101" pitchFamily="2" charset="-122"/>
+                    <a:cs typeface="Times New Roman" panose="02020603050405020304" pitchFamily="18" charset="0"/>
+                  </a:rPr>
+                  <a:t>TDS</a:t>
+                </a:r>
+                <a:r>
+                  <a:rPr lang="en-US" sz="1800" dirty="0">
+                    <a:effectLst/>
+                    <a:latin typeface="Calibri" panose="020F0502020204030204" pitchFamily="34" charset="0"/>
+                    <a:ea typeface="等线" panose="02010600030101010101" pitchFamily="2" charset="-122"/>
+                    <a:cs typeface="Times New Roman" panose="02020603050405020304" pitchFamily="18" charset="0"/>
+                  </a:rPr>
+                  <a:t>/c</a:t>
+                </a:r>
+                <a:r>
+                  <a:rPr lang="en-US" sz="1800" dirty="0">
+                    <a:effectLst/>
+                    <a:latin typeface="Cambria Math" panose="02040503050406030204" pitchFamily="18" charset="0"/>
+                    <a:ea typeface="等线" panose="02010600030101010101" pitchFamily="2" charset="-122"/>
+                    <a:cs typeface="Cambria Math" panose="02040503050406030204" pitchFamily="18" charset="0"/>
+                  </a:rPr>
+                  <a:t>∼</a:t>
+                </a:r>
+                <a:r>
+                  <a:rPr lang="en-US" sz="1800" dirty="0">
+                    <a:effectLst/>
+                    <a:latin typeface="Calibri" panose="020F0502020204030204" pitchFamily="34" charset="0"/>
+                    <a:ea typeface="等线" panose="02010600030101010101" pitchFamily="2" charset="-122"/>
+                    <a:cs typeface="Times New Roman" panose="02020603050405020304" pitchFamily="18" charset="0"/>
+                  </a:rPr>
+                  <a:t> -0.0333 </a:t>
+                </a:r>
+                <a:endParaRPr lang="en-US" dirty="0"/>
+              </a:p>
+            </p:txBody>
+          </p:sp>
+          <p:sp>
+            <p:nvSpPr>
+              <p:cNvPr id="11" name="TextBox 10">
+                <a:extLst>
+                  <a:ext uri="{FF2B5EF4-FFF2-40B4-BE49-F238E27FC236}">
+                    <a16:creationId xmlns:a16="http://schemas.microsoft.com/office/drawing/2014/main" id="{DDDD584C-680C-4B1A-B728-D639DABDF515}"/>
+                  </a:ext>
+                </a:extLst>
+              </p:cNvPr>
+              <p:cNvSpPr txBox="1"/>
+              <p:nvPr/>
+            </p:nvSpPr>
+            <p:spPr>
+              <a:xfrm>
+                <a:off x="1189058" y="5030445"/>
+                <a:ext cx="1762125" cy="369332"/>
+              </a:xfrm>
+              <a:prstGeom prst="rect">
+                <a:avLst/>
+              </a:prstGeom>
+              <a:noFill/>
+            </p:spPr>
+            <p:txBody>
+              <a:bodyPr wrap="square">
+                <a:spAutoFit/>
+              </a:bodyPr>
+              <a:lstStyle/>
+              <a:p>
+                <a:r>
+                  <a:rPr lang="en-US" sz="1800" dirty="0">
+                    <a:effectLst/>
+                    <a:latin typeface="Calibri" panose="020F0502020204030204" pitchFamily="34" charset="0"/>
+                    <a:ea typeface="等线" panose="02010600030101010101" pitchFamily="2" charset="-122"/>
+                    <a:cs typeface="Times New Roman" panose="02020603050405020304" pitchFamily="18" charset="0"/>
+                  </a:rPr>
+                  <a:t>B</a:t>
+                </a:r>
+                <a:r>
+                  <a:rPr lang="en-US" sz="1800" baseline="-25000" dirty="0">
+                    <a:effectLst/>
+                    <a:latin typeface="Calibri" panose="020F0502020204030204" pitchFamily="34" charset="0"/>
+                    <a:ea typeface="等线" panose="02010600030101010101" pitchFamily="2" charset="-122"/>
+                    <a:cs typeface="Times New Roman" panose="02020603050405020304" pitchFamily="18" charset="0"/>
+                  </a:rPr>
+                  <a:t>0</a:t>
+                </a:r>
+                <a:r>
+                  <a:rPr lang="en-US" sz="1800" dirty="0">
+                    <a:effectLst/>
+                    <a:latin typeface="Cambria Math" panose="02040503050406030204" pitchFamily="18" charset="0"/>
+                    <a:ea typeface="等线" panose="02010600030101010101" pitchFamily="2" charset="-122"/>
+                    <a:cs typeface="Cambria Math" panose="02040503050406030204" pitchFamily="18" charset="0"/>
+                  </a:rPr>
+                  <a:t>∼</a:t>
+                </a:r>
+                <a:r>
+                  <a:rPr lang="en-US" sz="1800" dirty="0">
+                    <a:effectLst/>
+                    <a:latin typeface="Calibri" panose="020F0502020204030204" pitchFamily="34" charset="0"/>
+                    <a:ea typeface="等线" panose="02010600030101010101" pitchFamily="2" charset="-122"/>
+                    <a:cs typeface="Times New Roman" panose="02020603050405020304" pitchFamily="18" charset="0"/>
+                  </a:rPr>
+                  <a:t>800 </a:t>
+                </a:r>
+                <a:r>
+                  <a:rPr lang="en-US" sz="1800" dirty="0" err="1">
+                    <a:effectLst/>
+                    <a:latin typeface="Calibri" panose="020F0502020204030204" pitchFamily="34" charset="0"/>
+                    <a:ea typeface="等线" panose="02010600030101010101" pitchFamily="2" charset="-122"/>
+                    <a:cs typeface="Times New Roman" panose="02020603050405020304" pitchFamily="18" charset="0"/>
+                  </a:rPr>
+                  <a:t>nT</a:t>
+                </a:r>
+                <a:endParaRPr lang="en-US" dirty="0"/>
+              </a:p>
+            </p:txBody>
+          </p:sp>
+          <p:sp>
+            <p:nvSpPr>
+              <p:cNvPr id="12" name="TextBox 11">
+                <a:extLst>
+                  <a:ext uri="{FF2B5EF4-FFF2-40B4-BE49-F238E27FC236}">
+                    <a16:creationId xmlns:a16="http://schemas.microsoft.com/office/drawing/2014/main" id="{121F4DF0-4A1C-40DD-8228-8696A6032FAB}"/>
+                  </a:ext>
+                </a:extLst>
+              </p:cNvPr>
+              <p:cNvSpPr txBox="1"/>
+              <p:nvPr/>
+            </p:nvSpPr>
+            <p:spPr>
+              <a:xfrm>
+                <a:off x="1189059" y="5434786"/>
+                <a:ext cx="1762125" cy="369332"/>
+              </a:xfrm>
+              <a:prstGeom prst="rect">
+                <a:avLst/>
+              </a:prstGeom>
+              <a:noFill/>
+            </p:spPr>
+            <p:txBody>
+              <a:bodyPr wrap="square">
+                <a:spAutoFit/>
+              </a:bodyPr>
+              <a:lstStyle/>
+              <a:p>
+                <a:r>
+                  <a:rPr lang="en-US" sz="1800" dirty="0">
+                    <a:effectLst/>
+                    <a:latin typeface="Calibri" panose="020F0502020204030204" pitchFamily="34" charset="0"/>
+                    <a:ea typeface="等线" panose="02010600030101010101" pitchFamily="2" charset="-122"/>
+                    <a:cs typeface="Times New Roman" panose="02020603050405020304" pitchFamily="18" charset="0"/>
+                  </a:rPr>
+                  <a:t>E</a:t>
+                </a:r>
+                <a:r>
+                  <a:rPr lang="en-US" sz="1800" baseline="-25000" dirty="0">
+                    <a:effectLst/>
+                    <a:latin typeface="Calibri" panose="020F0502020204030204" pitchFamily="34" charset="0"/>
+                    <a:ea typeface="等线" panose="02010600030101010101" pitchFamily="2" charset="-122"/>
+                    <a:cs typeface="Times New Roman" panose="02020603050405020304" pitchFamily="18" charset="0"/>
+                  </a:rPr>
+                  <a:t>0</a:t>
+                </a:r>
+                <a:r>
+                  <a:rPr lang="en-US" sz="1800" dirty="0">
+                    <a:effectLst/>
+                    <a:latin typeface="Cambria Math" panose="02040503050406030204" pitchFamily="18" charset="0"/>
+                    <a:ea typeface="等线" panose="02010600030101010101" pitchFamily="2" charset="-122"/>
+                    <a:cs typeface="Cambria Math" panose="02040503050406030204" pitchFamily="18" charset="0"/>
+                  </a:rPr>
+                  <a:t>∼</a:t>
+                </a:r>
+                <a:r>
+                  <a:rPr lang="en-US" sz="1800" dirty="0">
+                    <a:effectLst/>
+                    <a:latin typeface="Calibri" panose="020F0502020204030204" pitchFamily="34" charset="0"/>
+                    <a:ea typeface="等线" panose="02010600030101010101" pitchFamily="2" charset="-122"/>
+                    <a:cs typeface="Times New Roman" panose="02020603050405020304" pitchFamily="18" charset="0"/>
+                  </a:rPr>
+                  <a:t>100 mV/m</a:t>
+                </a:r>
+                <a:endParaRPr lang="en-US" dirty="0"/>
+              </a:p>
+            </p:txBody>
+          </p:sp>
+          <p:sp>
+            <p:nvSpPr>
+              <p:cNvPr id="13" name="TextBox 12">
+                <a:extLst>
+                  <a:ext uri="{FF2B5EF4-FFF2-40B4-BE49-F238E27FC236}">
+                    <a16:creationId xmlns:a16="http://schemas.microsoft.com/office/drawing/2014/main" id="{61D29E6B-B5B5-4034-94E1-790A80D1A29C}"/>
+                  </a:ext>
+                </a:extLst>
+              </p:cNvPr>
+              <p:cNvSpPr txBox="1"/>
+              <p:nvPr/>
+            </p:nvSpPr>
+            <p:spPr>
+              <a:xfrm>
+                <a:off x="1189059" y="5896237"/>
+                <a:ext cx="1533525" cy="369332"/>
+              </a:xfrm>
+              <a:prstGeom prst="rect">
+                <a:avLst/>
+              </a:prstGeom>
+              <a:noFill/>
+            </p:spPr>
+            <p:txBody>
+              <a:bodyPr wrap="square">
+                <a:spAutoFit/>
+              </a:bodyPr>
+              <a:lstStyle/>
+              <a:p>
+                <a:r>
+                  <a:rPr lang="en-US" sz="1800" dirty="0">
+                    <a:effectLst/>
+                    <a:latin typeface="Calibri" panose="020F0502020204030204" pitchFamily="34" charset="0"/>
+                    <a:ea typeface="等线" panose="02010600030101010101" pitchFamily="2" charset="-122"/>
+                    <a:cs typeface="Times New Roman" panose="02020603050405020304" pitchFamily="18" charset="0"/>
+                  </a:rPr>
+                  <a:t>n</a:t>
+                </a:r>
+                <a:r>
+                  <a:rPr lang="en-US" sz="1800" baseline="-25000" dirty="0">
+                    <a:effectLst/>
+                    <a:latin typeface="Calibri" panose="020F0502020204030204" pitchFamily="34" charset="0"/>
+                    <a:ea typeface="等线" panose="02010600030101010101" pitchFamily="2" charset="-122"/>
+                    <a:cs typeface="Times New Roman" panose="02020603050405020304" pitchFamily="18" charset="0"/>
+                  </a:rPr>
+                  <a:t>e</a:t>
+                </a:r>
+                <a:r>
+                  <a:rPr lang="en-US" sz="1800" dirty="0">
+                    <a:effectLst/>
+                    <a:latin typeface="Cambria Math" panose="02040503050406030204" pitchFamily="18" charset="0"/>
+                    <a:ea typeface="等线" panose="02010600030101010101" pitchFamily="2" charset="-122"/>
+                    <a:cs typeface="Cambria Math" panose="02040503050406030204" pitchFamily="18" charset="0"/>
+                  </a:rPr>
+                  <a:t>∼</a:t>
+                </a:r>
+                <a:r>
+                  <a:rPr lang="en-US" sz="1800" dirty="0">
+                    <a:effectLst/>
+                    <a:latin typeface="Calibri" panose="020F0502020204030204" pitchFamily="34" charset="0"/>
+                    <a:ea typeface="等线" panose="02010600030101010101" pitchFamily="2" charset="-122"/>
+                    <a:cs typeface="Times New Roman" panose="02020603050405020304" pitchFamily="18" charset="0"/>
+                  </a:rPr>
+                  <a:t>0.15 cm</a:t>
+                </a:r>
+                <a:r>
+                  <a:rPr lang="en-US" sz="1800" baseline="30000" dirty="0">
+                    <a:effectLst/>
+                    <a:latin typeface="Calibri" panose="020F0502020204030204" pitchFamily="34" charset="0"/>
+                    <a:ea typeface="等线" panose="02010600030101010101" pitchFamily="2" charset="-122"/>
+                    <a:cs typeface="Times New Roman" panose="02020603050405020304" pitchFamily="18" charset="0"/>
+                  </a:rPr>
+                  <a:t>-3</a:t>
+                </a:r>
+                <a:endParaRPr lang="en-US" dirty="0"/>
+              </a:p>
+            </p:txBody>
+          </p:sp>
+        </p:grpSp>
+        <p:sp>
+          <p:nvSpPr>
+            <p:cNvPr id="30" name="TextBox 29">
+              <a:extLst>
+                <a:ext uri="{FF2B5EF4-FFF2-40B4-BE49-F238E27FC236}">
+                  <a16:creationId xmlns:a16="http://schemas.microsoft.com/office/drawing/2014/main" id="{99C49D99-D8E4-4D9E-BDD3-6B587A153FE3}"/>
+                </a:ext>
+              </a:extLst>
+            </p:cNvPr>
+            <p:cNvSpPr txBox="1"/>
+            <p:nvPr/>
+          </p:nvSpPr>
+          <p:spPr>
+            <a:xfrm>
+              <a:off x="768693" y="6211669"/>
+              <a:ext cx="2079282" cy="646331"/>
+            </a:xfrm>
+            <a:prstGeom prst="rect">
+              <a:avLst/>
+            </a:prstGeom>
+            <a:noFill/>
+          </p:spPr>
+          <p:txBody>
+            <a:bodyPr wrap="square" rtlCol="0">
+              <a:spAutoFit/>
+            </a:bodyPr>
+            <a:lstStyle/>
+            <a:p>
+              <a:r>
+                <a:rPr lang="en-US" dirty="0"/>
+                <a:t>Ap=12.75 V/m</a:t>
+              </a:r>
+            </a:p>
+            <a:p>
+              <a:endParaRPr lang="en-US" dirty="0"/>
+            </a:p>
+          </p:txBody>
+        </p:sp>
+      </p:grpSp>
+      <mc:AlternateContent xmlns:mc="http://schemas.openxmlformats.org/markup-compatibility/2006" xmlns:a14="http://schemas.microsoft.com/office/drawing/2010/main">
+        <mc:Choice Requires="a14">
+          <p:sp>
+            <p:nvSpPr>
+              <p:cNvPr id="33" name="TextBox 32">
+                <a:extLst>
+                  <a:ext uri="{FF2B5EF4-FFF2-40B4-BE49-F238E27FC236}">
+                    <a16:creationId xmlns:a16="http://schemas.microsoft.com/office/drawing/2014/main" id="{9C539A7C-EA98-43AF-9FE8-BF44B604739A}"/>
+                  </a:ext>
+                </a:extLst>
+              </p:cNvPr>
+              <p:cNvSpPr txBox="1"/>
+              <p:nvPr/>
+            </p:nvSpPr>
+            <p:spPr>
+              <a:xfrm>
+                <a:off x="2707753" y="5640589"/>
+                <a:ext cx="2218743" cy="369332"/>
+              </a:xfrm>
+              <a:prstGeom prst="rect">
+                <a:avLst/>
+              </a:prstGeom>
+              <a:noFill/>
+            </p:spPr>
+            <p:txBody>
+              <a:bodyPr wrap="square" rtlCol="0">
+                <a:spAutoFit/>
+              </a:bodyPr>
+              <a:lstStyle/>
+              <a:p>
+                <a:pPr/>
+                <a14:m>
+                  <m:oMathPara xmlns:m="http://schemas.openxmlformats.org/officeDocument/2006/math">
+                    <m:oMathParaPr>
+                      <m:jc m:val="centerGroup"/>
+                    </m:oMathParaPr>
+                    <m:oMath xmlns:m="http://schemas.openxmlformats.org/officeDocument/2006/math">
+                      <m:r>
+                        <a:rPr lang="en-US" b="0" i="1" smtClean="0">
+                          <a:solidFill>
+                            <a:srgbClr val="FF0000"/>
+                          </a:solidFill>
+                          <a:latin typeface="Cambria Math" panose="02040503050406030204" pitchFamily="18" charset="0"/>
+                        </a:rPr>
+                        <m:t>𝜔</m:t>
+                      </m:r>
+                      <m:r>
+                        <a:rPr lang="en-US" b="0" i="1" smtClean="0">
+                          <a:solidFill>
+                            <a:srgbClr val="FF0000"/>
+                          </a:solidFill>
+                          <a:latin typeface="Cambria Math" panose="02040503050406030204" pitchFamily="18" charset="0"/>
+                        </a:rPr>
+                        <m:t>=</m:t>
+                      </m:r>
+                      <m:r>
+                        <a:rPr lang="en-US" b="0" i="1" smtClean="0">
+                          <a:solidFill>
+                            <a:srgbClr val="FF0000"/>
+                          </a:solidFill>
+                          <a:latin typeface="Cambria Math" panose="02040503050406030204" pitchFamily="18" charset="0"/>
+                        </a:rPr>
+                        <m:t>𝑘</m:t>
+                      </m:r>
+                      <m:r>
+                        <a:rPr lang="en-US" b="0" i="1" smtClean="0">
+                          <a:solidFill>
+                            <a:srgbClr val="FF0000"/>
+                          </a:solidFill>
+                          <a:latin typeface="Cambria Math" panose="02040503050406030204" pitchFamily="18" charset="0"/>
+                        </a:rPr>
+                        <m:t>⋅</m:t>
+                      </m:r>
+                      <m:sSub>
+                        <m:sSubPr>
+                          <m:ctrlPr>
+                            <a:rPr lang="en-US" b="0" i="1" smtClean="0">
+                              <a:solidFill>
+                                <a:srgbClr val="FF0000"/>
+                              </a:solidFill>
+                              <a:latin typeface="Cambria Math" panose="02040503050406030204" pitchFamily="18" charset="0"/>
+                            </a:rPr>
+                          </m:ctrlPr>
+                        </m:sSubPr>
+                        <m:e>
+                          <m:r>
+                            <a:rPr lang="en-US" b="0" i="1" smtClean="0">
+                              <a:solidFill>
+                                <a:srgbClr val="FF0000"/>
+                              </a:solidFill>
+                              <a:latin typeface="Cambria Math" panose="02040503050406030204" pitchFamily="18" charset="0"/>
+                            </a:rPr>
+                            <m:t>𝑣</m:t>
+                          </m:r>
+                        </m:e>
+                        <m:sub>
+                          <m:r>
+                            <m:rPr>
+                              <m:sty m:val="p"/>
+                            </m:rPr>
+                            <a:rPr lang="en-US" altLang="zh-CN" i="1">
+                              <a:solidFill>
+                                <a:srgbClr val="FF0000"/>
+                              </a:solidFill>
+                              <a:latin typeface="Cambria Math" panose="02040503050406030204" pitchFamily="18" charset="0"/>
+                            </a:rPr>
+                            <m:t>c</m:t>
+                          </m:r>
+                        </m:sub>
+                      </m:sSub>
+                      <m:r>
+                        <a:rPr lang="en-US" b="0" i="1" smtClean="0">
+                          <a:solidFill>
+                            <a:srgbClr val="FF0000"/>
+                          </a:solidFill>
+                          <a:latin typeface="Cambria Math" panose="02040503050406030204" pitchFamily="18" charset="0"/>
+                        </a:rPr>
+                        <m:t>+|</m:t>
+                      </m:r>
+                      <m:sSub>
+                        <m:sSubPr>
+                          <m:ctrlPr>
+                            <a:rPr lang="en-US" b="0" i="1" smtClean="0">
+                              <a:solidFill>
+                                <a:srgbClr val="FF0000"/>
+                              </a:solidFill>
+                              <a:latin typeface="Cambria Math" panose="02040503050406030204" pitchFamily="18" charset="0"/>
+                            </a:rPr>
+                          </m:ctrlPr>
+                        </m:sSubPr>
+                        <m:e>
+                          <m:r>
+                            <a:rPr lang="en-US" b="0" i="1" smtClean="0">
+                              <a:solidFill>
+                                <a:srgbClr val="FF0000"/>
+                              </a:solidFill>
+                              <a:latin typeface="Cambria Math" panose="02040503050406030204" pitchFamily="18" charset="0"/>
+                            </a:rPr>
+                            <m:t>𝜔</m:t>
+                          </m:r>
+                        </m:e>
+                        <m:sub>
+                          <m:r>
+                            <a:rPr lang="en-US" b="0" i="1" smtClean="0">
+                              <a:solidFill>
+                                <a:srgbClr val="FF0000"/>
+                              </a:solidFill>
+                              <a:latin typeface="Cambria Math" panose="02040503050406030204" pitchFamily="18" charset="0"/>
+                            </a:rPr>
+                            <m:t>𝑐𝑒</m:t>
+                          </m:r>
+                        </m:sub>
+                      </m:sSub>
+                      <m:r>
+                        <a:rPr lang="en-US" b="0" i="1" smtClean="0">
+                          <a:solidFill>
+                            <a:srgbClr val="FF0000"/>
+                          </a:solidFill>
+                          <a:latin typeface="Cambria Math" panose="02040503050406030204" pitchFamily="18" charset="0"/>
+                        </a:rPr>
+                        <m:t>|</m:t>
+                      </m:r>
+                    </m:oMath>
+                  </m:oMathPara>
+                </a14:m>
+                <a:endParaRPr lang="en-US" dirty="0">
+                  <a:solidFill>
+                    <a:srgbClr val="FF0000"/>
+                  </a:solidFill>
+                </a:endParaRPr>
+              </a:p>
+            </p:txBody>
+          </p:sp>
+        </mc:Choice>
+        <mc:Fallback xmlns="">
+          <p:sp>
+            <p:nvSpPr>
+              <p:cNvPr id="33" name="TextBox 32">
+                <a:extLst>
+                  <a:ext uri="{FF2B5EF4-FFF2-40B4-BE49-F238E27FC236}">
+                    <a16:creationId xmlns:a16="http://schemas.microsoft.com/office/drawing/2014/main" id="{9C539A7C-EA98-43AF-9FE8-BF44B604739A}"/>
+                  </a:ext>
+                </a:extLst>
+              </p:cNvPr>
+              <p:cNvSpPr txBox="1">
+                <a:spLocks noRot="1" noChangeAspect="1" noMove="1" noResize="1" noEditPoints="1" noAdjustHandles="1" noChangeArrowheads="1" noChangeShapeType="1" noTextEdit="1"/>
+              </p:cNvSpPr>
+              <p:nvPr/>
+            </p:nvSpPr>
+            <p:spPr>
+              <a:xfrm>
+                <a:off x="2707753" y="5640589"/>
+                <a:ext cx="2218743" cy="369332"/>
+              </a:xfrm>
+              <a:prstGeom prst="rect">
+                <a:avLst/>
+              </a:prstGeom>
+              <a:blipFill>
+                <a:blip r:embed="rId11"/>
+                <a:stretch>
+                  <a:fillRect b="-13115"/>
+                </a:stretch>
+              </a:blipFill>
+            </p:spPr>
+            <p:txBody>
+              <a:bodyPr/>
+              <a:lstStyle/>
+              <a:p>
+                <a:r>
+                  <a:rPr lang="en-US">
+                    <a:noFill/>
+                  </a:rPr>
+                  <a:t> </a:t>
+                </a:r>
+              </a:p>
+            </p:txBody>
+          </p:sp>
+        </mc:Fallback>
+      </mc:AlternateContent>
+      <p:sp>
+        <p:nvSpPr>
+          <p:cNvPr id="31" name="Arrow: Right 30">
+            <a:extLst>
+              <a:ext uri="{FF2B5EF4-FFF2-40B4-BE49-F238E27FC236}">
+                <a16:creationId xmlns:a16="http://schemas.microsoft.com/office/drawing/2014/main" id="{327F7253-7268-4757-9503-42936F757678}"/>
+              </a:ext>
+            </a:extLst>
+          </p:cNvPr>
+          <p:cNvSpPr/>
+          <p:nvPr/>
+        </p:nvSpPr>
+        <p:spPr>
+          <a:xfrm>
+            <a:off x="4764694" y="5718052"/>
+            <a:ext cx="394330" cy="207916"/>
+          </a:xfrm>
+          <a:prstGeom prst="rightArrow">
+            <a:avLst/>
+          </a:prstGeom>
+        </p:spPr>
+        <p:style>
+          <a:lnRef idx="2">
+            <a:schemeClr val="accent1">
+              <a:shade val="50000"/>
+            </a:schemeClr>
+          </a:lnRef>
+          <a:fillRef idx="1">
+            <a:schemeClr val="accent1"/>
+          </a:fillRef>
+          <a:effectRef idx="0">
+            <a:schemeClr val="accent1"/>
+          </a:effectRef>
+          <a:fontRef idx="minor">
+            <a:schemeClr val="lt1"/>
+          </a:fontRef>
+        </p:style>
+        <p:txBody>
+          <a:bodyPr rtlCol="0" anchor="ctr"/>
+          <a:lstStyle/>
+          <a:p>
+            <a:pPr algn="ctr"/>
+            <a:endParaRPr lang="en-US"/>
+          </a:p>
+        </p:txBody>
+      </p:sp>
+      <mc:AlternateContent xmlns:mc="http://schemas.openxmlformats.org/markup-compatibility/2006" xmlns:a14="http://schemas.microsoft.com/office/drawing/2010/main">
+        <mc:Choice Requires="a14">
+          <p:sp>
+            <p:nvSpPr>
+              <p:cNvPr id="35" name="TextBox 34">
+                <a:extLst>
+                  <a:ext uri="{FF2B5EF4-FFF2-40B4-BE49-F238E27FC236}">
+                    <a16:creationId xmlns:a16="http://schemas.microsoft.com/office/drawing/2014/main" id="{FA8D6655-B382-4313-8456-D39F96E07FC1}"/>
+                  </a:ext>
+                </a:extLst>
+              </p:cNvPr>
+              <p:cNvSpPr txBox="1"/>
+              <p:nvPr/>
+            </p:nvSpPr>
+            <p:spPr>
+              <a:xfrm>
+                <a:off x="5220732" y="5624027"/>
+                <a:ext cx="2440693" cy="369332"/>
+              </a:xfrm>
+              <a:prstGeom prst="rect">
+                <a:avLst/>
+              </a:prstGeom>
+              <a:noFill/>
+            </p:spPr>
+            <p:txBody>
+              <a:bodyPr wrap="square" rtlCol="0">
+                <a:spAutoFit/>
+              </a:bodyPr>
+              <a:lstStyle/>
+              <a:p>
+                <a:pPr/>
+                <a14:m>
+                  <m:oMathPara xmlns:m="http://schemas.openxmlformats.org/officeDocument/2006/math">
+                    <m:oMathParaPr>
+                      <m:jc m:val="centerGroup"/>
+                    </m:oMathParaPr>
+                    <m:oMath xmlns:m="http://schemas.openxmlformats.org/officeDocument/2006/math">
+                      <m:r>
+                        <a:rPr lang="en-US" b="0" i="1" smtClean="0">
+                          <a:solidFill>
+                            <a:srgbClr val="FF0000"/>
+                          </a:solidFill>
+                          <a:latin typeface="Cambria Math" panose="02040503050406030204" pitchFamily="18" charset="0"/>
+                        </a:rPr>
+                        <m:t>1=</m:t>
+                      </m:r>
+                      <m:r>
+                        <a:rPr lang="en-US" b="0" i="1" smtClean="0">
+                          <a:solidFill>
+                            <a:srgbClr val="FF0000"/>
+                          </a:solidFill>
+                          <a:latin typeface="Cambria Math" panose="02040503050406030204" pitchFamily="18" charset="0"/>
+                        </a:rPr>
+                        <m:t>𝑛</m:t>
+                      </m:r>
+                      <m:r>
+                        <a:rPr lang="en-US" b="0" i="1" smtClean="0">
+                          <a:solidFill>
+                            <a:srgbClr val="FF0000"/>
+                          </a:solidFill>
+                          <a:latin typeface="Cambria Math" panose="02040503050406030204" pitchFamily="18" charset="0"/>
+                        </a:rPr>
+                        <m:t>⋅</m:t>
+                      </m:r>
+                      <m:sSub>
+                        <m:sSubPr>
+                          <m:ctrlPr>
+                            <a:rPr lang="en-US" b="0" i="1" smtClean="0">
+                              <a:solidFill>
+                                <a:srgbClr val="FF0000"/>
+                              </a:solidFill>
+                              <a:latin typeface="Cambria Math" panose="02040503050406030204" pitchFamily="18" charset="0"/>
+                            </a:rPr>
+                          </m:ctrlPr>
+                        </m:sSubPr>
+                        <m:e>
+                          <m:r>
+                            <a:rPr lang="en-US" b="0" i="1" smtClean="0">
+                              <a:solidFill>
+                                <a:srgbClr val="FF0000"/>
+                              </a:solidFill>
+                              <a:latin typeface="Cambria Math" panose="02040503050406030204" pitchFamily="18" charset="0"/>
+                            </a:rPr>
+                            <m:t>𝛽</m:t>
+                          </m:r>
+                        </m:e>
+                        <m:sub>
+                          <m:r>
+                            <a:rPr lang="en-US" b="0" i="1" smtClean="0">
+                              <a:solidFill>
+                                <a:srgbClr val="FF0000"/>
+                              </a:solidFill>
+                              <a:latin typeface="Cambria Math" panose="02040503050406030204" pitchFamily="18" charset="0"/>
+                            </a:rPr>
+                            <m:t>𝑧</m:t>
+                          </m:r>
+                          <m:r>
+                            <m:rPr>
+                              <m:sty m:val="p"/>
+                            </m:rPr>
+                            <a:rPr lang="en-US" altLang="zh-CN" i="1">
+                              <a:solidFill>
+                                <a:srgbClr val="FF0000"/>
+                              </a:solidFill>
+                              <a:latin typeface="Cambria Math" panose="02040503050406030204" pitchFamily="18" charset="0"/>
+                            </a:rPr>
+                            <m:t>c</m:t>
+                          </m:r>
+                        </m:sub>
+                      </m:sSub>
+                      <m:r>
+                        <a:rPr lang="en-US" b="0" i="1" smtClean="0">
+                          <a:solidFill>
+                            <a:srgbClr val="FF0000"/>
+                          </a:solidFill>
+                          <a:latin typeface="Cambria Math" panose="02040503050406030204" pitchFamily="18" charset="0"/>
+                        </a:rPr>
+                        <m:t>+|</m:t>
+                      </m:r>
+                      <m:sSub>
+                        <m:sSubPr>
+                          <m:ctrlPr>
+                            <a:rPr lang="en-US" b="0" i="1" smtClean="0">
+                              <a:solidFill>
+                                <a:srgbClr val="FF0000"/>
+                              </a:solidFill>
+                              <a:latin typeface="Cambria Math" panose="02040503050406030204" pitchFamily="18" charset="0"/>
+                            </a:rPr>
+                          </m:ctrlPr>
+                        </m:sSubPr>
+                        <m:e>
+                          <m:r>
+                            <a:rPr lang="en-US" b="0" i="1" smtClean="0">
+                              <a:solidFill>
+                                <a:srgbClr val="FF0000"/>
+                              </a:solidFill>
+                              <a:latin typeface="Cambria Math" panose="02040503050406030204" pitchFamily="18" charset="0"/>
+                            </a:rPr>
+                            <m:t>𝜔</m:t>
+                          </m:r>
+                        </m:e>
+                        <m:sub>
+                          <m:r>
+                            <a:rPr lang="en-US" b="0" i="1" smtClean="0">
+                              <a:solidFill>
+                                <a:srgbClr val="FF0000"/>
+                              </a:solidFill>
+                              <a:latin typeface="Cambria Math" panose="02040503050406030204" pitchFamily="18" charset="0"/>
+                            </a:rPr>
+                            <m:t>𝑐𝑒</m:t>
+                          </m:r>
+                        </m:sub>
+                      </m:sSub>
+                      <m:r>
+                        <a:rPr lang="en-US" b="0" i="1" smtClean="0">
+                          <a:solidFill>
+                            <a:srgbClr val="FF0000"/>
+                          </a:solidFill>
+                          <a:latin typeface="Cambria Math" panose="02040503050406030204" pitchFamily="18" charset="0"/>
+                        </a:rPr>
+                        <m:t>|/</m:t>
+                      </m:r>
+                      <m:r>
+                        <a:rPr lang="en-US" b="0" i="1" smtClean="0">
+                          <a:solidFill>
+                            <a:srgbClr val="FF0000"/>
+                          </a:solidFill>
+                          <a:latin typeface="Cambria Math" panose="02040503050406030204" pitchFamily="18" charset="0"/>
+                        </a:rPr>
+                        <m:t>𝜔</m:t>
+                      </m:r>
+                    </m:oMath>
+                  </m:oMathPara>
+                </a14:m>
+                <a:endParaRPr lang="en-US" dirty="0">
+                  <a:solidFill>
+                    <a:srgbClr val="FF0000"/>
+                  </a:solidFill>
+                </a:endParaRPr>
+              </a:p>
+            </p:txBody>
+          </p:sp>
+        </mc:Choice>
+        <mc:Fallback xmlns="">
+          <p:sp>
+            <p:nvSpPr>
+              <p:cNvPr id="35" name="TextBox 34">
+                <a:extLst>
+                  <a:ext uri="{FF2B5EF4-FFF2-40B4-BE49-F238E27FC236}">
+                    <a16:creationId xmlns:a16="http://schemas.microsoft.com/office/drawing/2014/main" id="{FA8D6655-B382-4313-8456-D39F96E07FC1}"/>
+                  </a:ext>
+                </a:extLst>
+              </p:cNvPr>
+              <p:cNvSpPr txBox="1">
+                <a:spLocks noRot="1" noChangeAspect="1" noMove="1" noResize="1" noEditPoints="1" noAdjustHandles="1" noChangeArrowheads="1" noChangeShapeType="1" noTextEdit="1"/>
+              </p:cNvSpPr>
+              <p:nvPr/>
+            </p:nvSpPr>
+            <p:spPr>
+              <a:xfrm>
+                <a:off x="5220732" y="5624027"/>
+                <a:ext cx="2440693" cy="369332"/>
+              </a:xfrm>
+              <a:prstGeom prst="rect">
+                <a:avLst/>
+              </a:prstGeom>
+              <a:blipFill>
+                <a:blip r:embed="rId12"/>
+                <a:stretch>
+                  <a:fillRect b="-13333"/>
+                </a:stretch>
+              </a:blipFill>
+            </p:spPr>
+            <p:txBody>
+              <a:bodyPr/>
+              <a:lstStyle/>
+              <a:p>
+                <a:r>
+                  <a:rPr lang="en-US">
+                    <a:noFill/>
+                  </a:rPr>
+                  <a:t> </a:t>
+                </a:r>
+              </a:p>
+            </p:txBody>
+          </p:sp>
+        </mc:Fallback>
+      </mc:AlternateContent>
+    </p:spTree>
+    <p:extLst>
+      <p:ext uri="{BB962C8B-B14F-4D97-AF65-F5344CB8AC3E}">
+        <p14:creationId xmlns:p14="http://schemas.microsoft.com/office/powerpoint/2010/main" val="4205646517"/>
+      </p:ext>
+    </p:extLst>
+  </p:cSld>
+  <p:clrMapOvr>
+    <a:masterClrMapping/>
+  </p:clrMapOvr>
+</p:sld>
+</file>
+
+<file path=ppt/slides/slide15.xml><?xml version="1.0" encoding="utf-8"?>
 <p:sld xmlns:a="http://schemas.openxmlformats.org/drawingml/2006/main" xmlns:r="http://schemas.openxmlformats.org/officeDocument/2006/relationships" xmlns:p="http://schemas.openxmlformats.org/presentationml/2006/main">
   <p:cSld>
     <p:spTree>
@@ -6987,11 +12081,7 @@
           <a:p>
             <a:r>
               <a:rPr lang="de-DE" dirty="0"/>
-              <a:t>J. Fajans, L. Friedland, Am. J. Phys. </a:t>
-            </a:r>
-            <a:r>
-              <a:rPr lang="de-DE"/>
-              <a:t>69, 1096 (2001)</a:t>
+              <a:t>J. Fajans, L. Friedland, Am. J. Phys. 69, 1096 (2001)</a:t>
             </a:r>
             <a:endParaRPr lang="en-US" dirty="0"/>
           </a:p>
@@ -7001,6 +12091,1035 @@
     <p:extLst>
       <p:ext uri="{BB962C8B-B14F-4D97-AF65-F5344CB8AC3E}">
         <p14:creationId xmlns:p14="http://schemas.microsoft.com/office/powerpoint/2010/main" val="2708637678"/>
+      </p:ext>
+    </p:extLst>
+  </p:cSld>
+  <p:clrMapOvr>
+    <a:masterClrMapping/>
+  </p:clrMapOvr>
+</p:sld>
+</file>
+
+<file path=ppt/slides/slide16.xml><?xml version="1.0" encoding="utf-8"?>
+<p:sld xmlns:a="http://schemas.openxmlformats.org/drawingml/2006/main" xmlns:r="http://schemas.openxmlformats.org/officeDocument/2006/relationships" xmlns:p="http://schemas.openxmlformats.org/presentationml/2006/main">
+  <p:cSld>
+    <p:spTree>
+      <p:nvGrpSpPr>
+        <p:cNvPr id="1" name=""/>
+        <p:cNvGrpSpPr/>
+        <p:nvPr/>
+      </p:nvGrpSpPr>
+      <p:grpSpPr>
+        <a:xfrm>
+          <a:off x="0" y="0"/>
+          <a:ext cx="0" cy="0"/>
+          <a:chOff x="0" y="0"/>
+          <a:chExt cx="0" cy="0"/>
+        </a:xfrm>
+      </p:grpSpPr>
+      <p:pic>
+        <p:nvPicPr>
+          <p:cNvPr id="4" name="Picture 3">
+            <a:extLst>
+              <a:ext uri="{FF2B5EF4-FFF2-40B4-BE49-F238E27FC236}">
+                <a16:creationId xmlns:a16="http://schemas.microsoft.com/office/drawing/2014/main" id="{229B1BF1-5456-4118-A663-427AB1AB9353}"/>
+              </a:ext>
+            </a:extLst>
+          </p:cNvPr>
+          <p:cNvPicPr>
+            <a:picLocks noChangeAspect="1"/>
+          </p:cNvPicPr>
+          <p:nvPr/>
+        </p:nvPicPr>
+        <p:blipFill>
+          <a:blip r:embed="rId2"/>
+          <a:stretch>
+            <a:fillRect/>
+          </a:stretch>
+        </p:blipFill>
+        <p:spPr>
+          <a:xfrm>
+            <a:off x="1803735" y="388770"/>
+            <a:ext cx="6667500" cy="5000625"/>
+          </a:xfrm>
+          <a:prstGeom prst="rect">
+            <a:avLst/>
+          </a:prstGeom>
+        </p:spPr>
+      </p:pic>
+    </p:spTree>
+    <p:extLst>
+      <p:ext uri="{BB962C8B-B14F-4D97-AF65-F5344CB8AC3E}">
+        <p14:creationId xmlns:p14="http://schemas.microsoft.com/office/powerpoint/2010/main" val="4173806575"/>
+      </p:ext>
+    </p:extLst>
+  </p:cSld>
+  <p:clrMapOvr>
+    <a:masterClrMapping/>
+  </p:clrMapOvr>
+</p:sld>
+</file>
+
+<file path=ppt/slides/slide17.xml><?xml version="1.0" encoding="utf-8"?>
+<p:sld xmlns:a="http://schemas.openxmlformats.org/drawingml/2006/main" xmlns:r="http://schemas.openxmlformats.org/officeDocument/2006/relationships" xmlns:p="http://schemas.openxmlformats.org/presentationml/2006/main">
+  <p:cSld>
+    <p:spTree>
+      <p:nvGrpSpPr>
+        <p:cNvPr id="1" name=""/>
+        <p:cNvGrpSpPr/>
+        <p:nvPr/>
+      </p:nvGrpSpPr>
+      <p:grpSpPr>
+        <a:xfrm>
+          <a:off x="0" y="0"/>
+          <a:ext cx="0" cy="0"/>
+          <a:chOff x="0" y="0"/>
+          <a:chExt cx="0" cy="0"/>
+        </a:xfrm>
+      </p:grpSpPr>
+      <p:pic>
+        <p:nvPicPr>
+          <p:cNvPr id="4" name="Picture 3">
+            <a:extLst>
+              <a:ext uri="{FF2B5EF4-FFF2-40B4-BE49-F238E27FC236}">
+                <a16:creationId xmlns:a16="http://schemas.microsoft.com/office/drawing/2014/main" id="{E0DE7B9B-75E0-4E01-BB4D-FA9DE433DAF3}"/>
+              </a:ext>
+            </a:extLst>
+          </p:cNvPr>
+          <p:cNvPicPr>
+            <a:picLocks noChangeAspect="1"/>
+          </p:cNvPicPr>
+          <p:nvPr/>
+        </p:nvPicPr>
+        <p:blipFill>
+          <a:blip r:embed="rId2"/>
+          <a:stretch>
+            <a:fillRect/>
+          </a:stretch>
+        </p:blipFill>
+        <p:spPr>
+          <a:xfrm>
+            <a:off x="5455238" y="1002053"/>
+            <a:ext cx="5881399" cy="4411049"/>
+          </a:xfrm>
+          <a:prstGeom prst="rect">
+            <a:avLst/>
+          </a:prstGeom>
+        </p:spPr>
+      </p:pic>
+      <p:grpSp>
+        <p:nvGrpSpPr>
+          <p:cNvPr id="5" name="Group 4">
+            <a:extLst>
+              <a:ext uri="{FF2B5EF4-FFF2-40B4-BE49-F238E27FC236}">
+                <a16:creationId xmlns:a16="http://schemas.microsoft.com/office/drawing/2014/main" id="{8D2A6379-9760-4D59-AB6B-99D822504C65}"/>
+              </a:ext>
+            </a:extLst>
+          </p:cNvPr>
+          <p:cNvGrpSpPr/>
+          <p:nvPr/>
+        </p:nvGrpSpPr>
+        <p:grpSpPr>
+          <a:xfrm>
+            <a:off x="251111" y="1638140"/>
+            <a:ext cx="5204127" cy="2899648"/>
+            <a:chOff x="762000" y="914547"/>
+            <a:chExt cx="6187201" cy="3241183"/>
+          </a:xfrm>
+        </p:grpSpPr>
+        <mc:AlternateContent xmlns:mc="http://schemas.openxmlformats.org/markup-compatibility/2006" xmlns:a14="http://schemas.microsoft.com/office/drawing/2010/main">
+          <mc:Choice Requires="a14">
+            <p:sp>
+              <p:nvSpPr>
+                <p:cNvPr id="6" name="TextBox 5">
+                  <a:extLst>
+                    <a:ext uri="{FF2B5EF4-FFF2-40B4-BE49-F238E27FC236}">
+                      <a16:creationId xmlns:a16="http://schemas.microsoft.com/office/drawing/2014/main" id="{2DCF7A5D-E72F-4CA1-B420-F14A25F7D300}"/>
+                    </a:ext>
+                  </a:extLst>
+                </p:cNvPr>
+                <p:cNvSpPr txBox="1"/>
+                <p:nvPr/>
+              </p:nvSpPr>
+              <p:spPr>
+                <a:xfrm>
+                  <a:off x="5538461" y="914547"/>
+                  <a:ext cx="327005" cy="369332"/>
+                </a:xfrm>
+                <a:prstGeom prst="rect">
+                  <a:avLst/>
+                </a:prstGeom>
+                <a:noFill/>
+              </p:spPr>
+              <p:txBody>
+                <a:bodyPr wrap="square" rtlCol="0">
+                  <a:spAutoFit/>
+                </a:bodyPr>
+                <a:lstStyle/>
+                <a:p>
+                  <a:pPr/>
+                  <a14:m>
+                    <m:oMathPara xmlns:m="http://schemas.openxmlformats.org/officeDocument/2006/math">
+                      <m:oMathParaPr>
+                        <m:jc m:val="centerGroup"/>
+                      </m:oMathParaPr>
+                      <m:oMath xmlns:m="http://schemas.openxmlformats.org/officeDocument/2006/math">
+                        <m:sSub>
+                          <m:sSubPr>
+                            <m:ctrlPr>
+                              <a:rPr lang="en-US" b="0" i="1" smtClean="0">
+                                <a:solidFill>
+                                  <a:srgbClr val="FF0000"/>
+                                </a:solidFill>
+                                <a:latin typeface="Cambria Math" panose="02040503050406030204" pitchFamily="18" charset="0"/>
+                              </a:rPr>
+                            </m:ctrlPr>
+                          </m:sSubPr>
+                          <m:e>
+                            <m:r>
+                              <a:rPr lang="en-US" b="0" i="1" smtClean="0">
+                                <a:solidFill>
+                                  <a:srgbClr val="FF0000"/>
+                                </a:solidFill>
+                                <a:latin typeface="Cambria Math" panose="02040503050406030204" pitchFamily="18" charset="0"/>
+                              </a:rPr>
+                              <m:t>𝐵</m:t>
+                            </m:r>
+                          </m:e>
+                          <m:sub>
+                            <m:r>
+                              <a:rPr lang="en-US" b="0" i="1" smtClean="0">
+                                <a:solidFill>
+                                  <a:srgbClr val="FF0000"/>
+                                </a:solidFill>
+                                <a:latin typeface="Cambria Math" panose="02040503050406030204" pitchFamily="18" charset="0"/>
+                              </a:rPr>
+                              <m:t>0</m:t>
+                            </m:r>
+                          </m:sub>
+                        </m:sSub>
+                      </m:oMath>
+                    </m:oMathPara>
+                  </a14:m>
+                  <a:endParaRPr lang="en-US" dirty="0"/>
+                </a:p>
+              </p:txBody>
+            </p:sp>
+          </mc:Choice>
+          <mc:Fallback xmlns="">
+            <p:sp>
+              <p:nvSpPr>
+                <p:cNvPr id="22" name="TextBox 21">
+                  <a:extLst>
+                    <a:ext uri="{FF2B5EF4-FFF2-40B4-BE49-F238E27FC236}">
+                      <a16:creationId xmlns:a16="http://schemas.microsoft.com/office/drawing/2014/main" id="{6235AC54-F478-26C2-5116-594B2394EC39}"/>
+                    </a:ext>
+                  </a:extLst>
+                </p:cNvPr>
+                <p:cNvSpPr txBox="1">
+                  <a:spLocks noRot="1" noChangeAspect="1" noMove="1" noResize="1" noEditPoints="1" noAdjustHandles="1" noChangeArrowheads="1" noChangeShapeType="1" noTextEdit="1"/>
+                </p:cNvSpPr>
+                <p:nvPr/>
+              </p:nvSpPr>
+              <p:spPr>
+                <a:xfrm>
+                  <a:off x="5538461" y="914547"/>
+                  <a:ext cx="327005" cy="369332"/>
+                </a:xfrm>
+                <a:prstGeom prst="rect">
+                  <a:avLst/>
+                </a:prstGeom>
+                <a:blipFill>
+                  <a:blip r:embed="rId3"/>
+                  <a:stretch>
+                    <a:fillRect r="-18519"/>
+                  </a:stretch>
+                </a:blipFill>
+              </p:spPr>
+              <p:txBody>
+                <a:bodyPr/>
+                <a:lstStyle/>
+                <a:p>
+                  <a:r>
+                    <a:rPr lang="en-US">
+                      <a:noFill/>
+                    </a:rPr>
+                    <a:t> </a:t>
+                  </a:r>
+                </a:p>
+              </p:txBody>
+            </p:sp>
+          </mc:Fallback>
+        </mc:AlternateContent>
+        <p:grpSp>
+          <p:nvGrpSpPr>
+            <p:cNvPr id="7" name="Group 6">
+              <a:extLst>
+                <a:ext uri="{FF2B5EF4-FFF2-40B4-BE49-F238E27FC236}">
+                  <a16:creationId xmlns:a16="http://schemas.microsoft.com/office/drawing/2014/main" id="{38CB2E3E-0E9A-45EA-81FF-8ADCBA67309B}"/>
+                </a:ext>
+              </a:extLst>
+            </p:cNvPr>
+            <p:cNvGrpSpPr/>
+            <p:nvPr/>
+          </p:nvGrpSpPr>
+          <p:grpSpPr>
+            <a:xfrm>
+              <a:off x="762000" y="1259537"/>
+              <a:ext cx="6187201" cy="2896193"/>
+              <a:chOff x="762000" y="1271329"/>
+              <a:chExt cx="6187201" cy="2896193"/>
+            </a:xfrm>
+          </p:grpSpPr>
+          <p:pic>
+            <p:nvPicPr>
+              <p:cNvPr id="8" name="Picture 7">
+                <a:extLst>
+                  <a:ext uri="{FF2B5EF4-FFF2-40B4-BE49-F238E27FC236}">
+                    <a16:creationId xmlns:a16="http://schemas.microsoft.com/office/drawing/2014/main" id="{C49D66B5-CC29-47F8-94E2-86EC2EE7A1A4}"/>
+                  </a:ext>
+                </a:extLst>
+              </p:cNvPr>
+              <p:cNvPicPr>
+                <a:picLocks noChangeAspect="1"/>
+              </p:cNvPicPr>
+              <p:nvPr/>
+            </p:nvPicPr>
+            <p:blipFill>
+              <a:blip r:embed="rId4"/>
+              <a:stretch>
+                <a:fillRect/>
+              </a:stretch>
+            </p:blipFill>
+            <p:spPr>
+              <a:xfrm>
+                <a:off x="762000" y="2091372"/>
+                <a:ext cx="6187201" cy="2076150"/>
+              </a:xfrm>
+              <a:prstGeom prst="rect">
+                <a:avLst/>
+              </a:prstGeom>
+            </p:spPr>
+          </p:pic>
+          <p:sp>
+            <p:nvSpPr>
+              <p:cNvPr id="9" name="Rectangle 8">
+                <a:extLst>
+                  <a:ext uri="{FF2B5EF4-FFF2-40B4-BE49-F238E27FC236}">
+                    <a16:creationId xmlns:a16="http://schemas.microsoft.com/office/drawing/2014/main" id="{3EFB6A2C-BBD0-4ADF-B4B0-D3A85DF6C4DE}"/>
+                  </a:ext>
+                </a:extLst>
+              </p:cNvPr>
+              <p:cNvSpPr/>
+              <p:nvPr/>
+            </p:nvSpPr>
+            <p:spPr>
+              <a:xfrm>
+                <a:off x="3832533" y="2219325"/>
+                <a:ext cx="518349" cy="1209675"/>
+              </a:xfrm>
+              <a:prstGeom prst="rect">
+                <a:avLst/>
+              </a:prstGeom>
+              <a:solidFill>
+                <a:schemeClr val="accent1">
+                  <a:alpha val="18000"/>
+                </a:schemeClr>
+              </a:solidFill>
+            </p:spPr>
+            <p:style>
+              <a:lnRef idx="2">
+                <a:schemeClr val="accent1">
+                  <a:shade val="15000"/>
+                </a:schemeClr>
+              </a:lnRef>
+              <a:fillRef idx="1">
+                <a:schemeClr val="accent1"/>
+              </a:fillRef>
+              <a:effectRef idx="0">
+                <a:schemeClr val="accent1"/>
+              </a:effectRef>
+              <a:fontRef idx="minor">
+                <a:schemeClr val="lt1"/>
+              </a:fontRef>
+            </p:style>
+            <p:txBody>
+              <a:bodyPr rtlCol="0" anchor="ctr"/>
+              <a:lstStyle/>
+              <a:p>
+                <a:pPr algn="ctr"/>
+                <a:endParaRPr lang="en-US" dirty="0"/>
+              </a:p>
+            </p:txBody>
+          </p:sp>
+          <p:cxnSp>
+            <p:nvCxnSpPr>
+              <p:cNvPr id="10" name="Straight Arrow Connector 9">
+                <a:extLst>
+                  <a:ext uri="{FF2B5EF4-FFF2-40B4-BE49-F238E27FC236}">
+                    <a16:creationId xmlns:a16="http://schemas.microsoft.com/office/drawing/2014/main" id="{1E725453-E976-4921-80EA-588DB18638DB}"/>
+                  </a:ext>
+                </a:extLst>
+              </p:cNvPr>
+              <p:cNvCxnSpPr>
+                <a:cxnSpLocks/>
+              </p:cNvCxnSpPr>
+              <p:nvPr/>
+            </p:nvCxnSpPr>
+            <p:spPr>
+              <a:xfrm flipH="1">
+                <a:off x="4379516" y="1951935"/>
+                <a:ext cx="1558084" cy="0"/>
+              </a:xfrm>
+              <a:prstGeom prst="straightConnector1">
+                <a:avLst/>
+              </a:prstGeom>
+              <a:ln>
+                <a:solidFill>
+                  <a:schemeClr val="tx1"/>
+                </a:solidFill>
+                <a:tailEnd type="triangle"/>
+              </a:ln>
+            </p:spPr>
+            <p:style>
+              <a:lnRef idx="2">
+                <a:schemeClr val="accent1"/>
+              </a:lnRef>
+              <a:fillRef idx="0">
+                <a:schemeClr val="accent1"/>
+              </a:fillRef>
+              <a:effectRef idx="1">
+                <a:schemeClr val="accent1"/>
+              </a:effectRef>
+              <a:fontRef idx="minor">
+                <a:schemeClr val="tx1"/>
+              </a:fontRef>
+            </p:style>
+          </p:cxnSp>
+          <mc:AlternateContent xmlns:mc="http://schemas.openxmlformats.org/markup-compatibility/2006" xmlns:a14="http://schemas.microsoft.com/office/drawing/2010/main">
+            <mc:Choice Requires="a14">
+              <p:sp>
+                <p:nvSpPr>
+                  <p:cNvPr id="11" name="TextBox 10">
+                    <a:extLst>
+                      <a:ext uri="{FF2B5EF4-FFF2-40B4-BE49-F238E27FC236}">
+                        <a16:creationId xmlns:a16="http://schemas.microsoft.com/office/drawing/2014/main" id="{485590C7-D0D2-4AFF-9845-D0B0A2D006CD}"/>
+                      </a:ext>
+                    </a:extLst>
+                  </p:cNvPr>
+                  <p:cNvSpPr txBox="1"/>
+                  <p:nvPr/>
+                </p:nvSpPr>
+                <p:spPr>
+                  <a:xfrm>
+                    <a:off x="5471137" y="1607702"/>
+                    <a:ext cx="461654" cy="369332"/>
+                  </a:xfrm>
+                  <a:prstGeom prst="rect">
+                    <a:avLst/>
+                  </a:prstGeom>
+                  <a:noFill/>
+                </p:spPr>
+                <p:txBody>
+                  <a:bodyPr wrap="square" rtlCol="0">
+                    <a:spAutoFit/>
+                  </a:bodyPr>
+                  <a:lstStyle/>
+                  <a:p>
+                    <a:pPr/>
+                    <a14:m>
+                      <m:oMathPara xmlns:m="http://schemas.openxmlformats.org/officeDocument/2006/math">
+                        <m:oMathParaPr>
+                          <m:jc m:val="centerGroup"/>
+                        </m:oMathParaPr>
+                        <m:oMath xmlns:m="http://schemas.openxmlformats.org/officeDocument/2006/math">
+                          <m:r>
+                            <a:rPr lang="en-US" b="1" i="1" smtClean="0">
+                              <a:latin typeface="Cambria Math" panose="02040503050406030204" pitchFamily="18" charset="0"/>
+                            </a:rPr>
+                            <m:t>𝒌</m:t>
+                          </m:r>
+                        </m:oMath>
+                      </m:oMathPara>
+                    </a14:m>
+                    <a:endParaRPr lang="en-US" b="1" dirty="0"/>
+                  </a:p>
+                </p:txBody>
+              </p:sp>
+            </mc:Choice>
+            <mc:Fallback xmlns="">
+              <p:sp>
+                <p:nvSpPr>
+                  <p:cNvPr id="15" name="TextBox 14">
+                    <a:extLst>
+                      <a:ext uri="{FF2B5EF4-FFF2-40B4-BE49-F238E27FC236}">
+                        <a16:creationId xmlns:a16="http://schemas.microsoft.com/office/drawing/2014/main" id="{9DC105B9-DA11-32EE-4632-7BC14DA1500D}"/>
+                      </a:ext>
+                    </a:extLst>
+                  </p:cNvPr>
+                  <p:cNvSpPr txBox="1">
+                    <a:spLocks noRot="1" noChangeAspect="1" noMove="1" noResize="1" noEditPoints="1" noAdjustHandles="1" noChangeArrowheads="1" noChangeShapeType="1" noTextEdit="1"/>
+                  </p:cNvSpPr>
+                  <p:nvPr/>
+                </p:nvSpPr>
+                <p:spPr>
+                  <a:xfrm>
+                    <a:off x="5471137" y="1607702"/>
+                    <a:ext cx="461654" cy="369332"/>
+                  </a:xfrm>
+                  <a:prstGeom prst="rect">
+                    <a:avLst/>
+                  </a:prstGeom>
+                  <a:blipFill>
+                    <a:blip r:embed="rId5"/>
+                    <a:stretch>
+                      <a:fillRect/>
+                    </a:stretch>
+                  </a:blipFill>
+                </p:spPr>
+                <p:txBody>
+                  <a:bodyPr/>
+                  <a:lstStyle/>
+                  <a:p>
+                    <a:r>
+                      <a:rPr lang="en-US">
+                        <a:noFill/>
+                      </a:rPr>
+                      <a:t> </a:t>
+                    </a:r>
+                  </a:p>
+                </p:txBody>
+              </p:sp>
+            </mc:Fallback>
+          </mc:AlternateContent>
+          <p:cxnSp>
+            <p:nvCxnSpPr>
+              <p:cNvPr id="12" name="Straight Arrow Connector 11">
+                <a:extLst>
+                  <a:ext uri="{FF2B5EF4-FFF2-40B4-BE49-F238E27FC236}">
+                    <a16:creationId xmlns:a16="http://schemas.microsoft.com/office/drawing/2014/main" id="{CEA61BE1-1DE1-4DA2-BA54-7D861E39EFDC}"/>
+                  </a:ext>
+                </a:extLst>
+              </p:cNvPr>
+              <p:cNvCxnSpPr>
+                <a:cxnSpLocks/>
+              </p:cNvCxnSpPr>
+              <p:nvPr/>
+            </p:nvCxnSpPr>
+            <p:spPr>
+              <a:xfrm flipH="1">
+                <a:off x="4379516" y="1640661"/>
+                <a:ext cx="1553275" cy="0"/>
+              </a:xfrm>
+              <a:prstGeom prst="straightConnector1">
+                <a:avLst/>
+              </a:prstGeom>
+              <a:ln>
+                <a:solidFill>
+                  <a:srgbClr val="0070C0"/>
+                </a:solidFill>
+                <a:tailEnd type="triangle"/>
+              </a:ln>
+            </p:spPr>
+            <p:style>
+              <a:lnRef idx="2">
+                <a:schemeClr val="accent1"/>
+              </a:lnRef>
+              <a:fillRef idx="0">
+                <a:schemeClr val="accent1"/>
+              </a:fillRef>
+              <a:effectRef idx="1">
+                <a:schemeClr val="accent1"/>
+              </a:effectRef>
+              <a:fontRef idx="minor">
+                <a:schemeClr val="tx1"/>
+              </a:fontRef>
+            </p:style>
+          </p:cxnSp>
+          <mc:AlternateContent xmlns:mc="http://schemas.openxmlformats.org/markup-compatibility/2006" xmlns:a14="http://schemas.microsoft.com/office/drawing/2010/main">
+            <mc:Choice Requires="a14">
+              <p:sp>
+                <p:nvSpPr>
+                  <p:cNvPr id="13" name="TextBox 12">
+                    <a:extLst>
+                      <a:ext uri="{FF2B5EF4-FFF2-40B4-BE49-F238E27FC236}">
+                        <a16:creationId xmlns:a16="http://schemas.microsoft.com/office/drawing/2014/main" id="{99AB3139-4FD5-49C1-813C-AE4CC366E4AB}"/>
+                      </a:ext>
+                    </a:extLst>
+                  </p:cNvPr>
+                  <p:cNvSpPr txBox="1"/>
+                  <p:nvPr/>
+                </p:nvSpPr>
+                <p:spPr>
+                  <a:xfrm>
+                    <a:off x="5538461" y="1271329"/>
+                    <a:ext cx="327005" cy="369332"/>
+                  </a:xfrm>
+                  <a:prstGeom prst="rect">
+                    <a:avLst/>
+                  </a:prstGeom>
+                  <a:noFill/>
+                </p:spPr>
+                <p:txBody>
+                  <a:bodyPr wrap="square" rtlCol="0">
+                    <a:spAutoFit/>
+                  </a:bodyPr>
+                  <a:lstStyle/>
+                  <a:p>
+                    <a:pPr/>
+                    <a14:m>
+                      <m:oMathPara xmlns:m="http://schemas.openxmlformats.org/officeDocument/2006/math">
+                        <m:oMathParaPr>
+                          <m:jc m:val="centerGroup"/>
+                        </m:oMathParaPr>
+                        <m:oMath xmlns:m="http://schemas.openxmlformats.org/officeDocument/2006/math">
+                          <m:sSub>
+                            <m:sSubPr>
+                              <m:ctrlPr>
+                                <a:rPr lang="en-US" b="0" i="1" smtClean="0">
+                                  <a:solidFill>
+                                    <a:srgbClr val="0070C0"/>
+                                  </a:solidFill>
+                                  <a:latin typeface="Cambria Math" panose="02040503050406030204" pitchFamily="18" charset="0"/>
+                                </a:rPr>
+                              </m:ctrlPr>
+                            </m:sSubPr>
+                            <m:e>
+                              <m:r>
+                                <a:rPr lang="en-US" b="0" i="1" smtClean="0">
+                                  <a:solidFill>
+                                    <a:srgbClr val="0070C0"/>
+                                  </a:solidFill>
+                                  <a:latin typeface="Cambria Math" panose="02040503050406030204" pitchFamily="18" charset="0"/>
+                                </a:rPr>
+                                <m:t>𝐸</m:t>
+                              </m:r>
+                            </m:e>
+                            <m:sub>
+                              <m:r>
+                                <a:rPr lang="en-US" b="0" i="1" smtClean="0">
+                                  <a:solidFill>
+                                    <a:srgbClr val="0070C0"/>
+                                  </a:solidFill>
+                                  <a:latin typeface="Cambria Math" panose="02040503050406030204" pitchFamily="18" charset="0"/>
+                                </a:rPr>
+                                <m:t>0</m:t>
+                              </m:r>
+                            </m:sub>
+                          </m:sSub>
+                        </m:oMath>
+                      </m:oMathPara>
+                    </a14:m>
+                    <a:endParaRPr lang="en-US" dirty="0"/>
+                  </a:p>
+                </p:txBody>
+              </p:sp>
+            </mc:Choice>
+            <mc:Fallback xmlns="">
+              <p:sp>
+                <p:nvSpPr>
+                  <p:cNvPr id="18" name="TextBox 17">
+                    <a:extLst>
+                      <a:ext uri="{FF2B5EF4-FFF2-40B4-BE49-F238E27FC236}">
+                        <a16:creationId xmlns:a16="http://schemas.microsoft.com/office/drawing/2014/main" id="{649C2306-CD0D-DEE0-C64B-072328C67A98}"/>
+                      </a:ext>
+                    </a:extLst>
+                  </p:cNvPr>
+                  <p:cNvSpPr txBox="1">
+                    <a:spLocks noRot="1" noChangeAspect="1" noMove="1" noResize="1" noEditPoints="1" noAdjustHandles="1" noChangeArrowheads="1" noChangeShapeType="1" noTextEdit="1"/>
+                  </p:cNvSpPr>
+                  <p:nvPr/>
+                </p:nvSpPr>
+                <p:spPr>
+                  <a:xfrm>
+                    <a:off x="5538461" y="1271329"/>
+                    <a:ext cx="327005" cy="369332"/>
+                  </a:xfrm>
+                  <a:prstGeom prst="rect">
+                    <a:avLst/>
+                  </a:prstGeom>
+                  <a:blipFill>
+                    <a:blip r:embed="rId6"/>
+                    <a:stretch>
+                      <a:fillRect r="-16667"/>
+                    </a:stretch>
+                  </a:blipFill>
+                </p:spPr>
+                <p:txBody>
+                  <a:bodyPr/>
+                  <a:lstStyle/>
+                  <a:p>
+                    <a:r>
+                      <a:rPr lang="en-US">
+                        <a:noFill/>
+                      </a:rPr>
+                      <a:t> </a:t>
+                    </a:r>
+                  </a:p>
+                </p:txBody>
+              </p:sp>
+            </mc:Fallback>
+          </mc:AlternateContent>
+          <p:cxnSp>
+            <p:nvCxnSpPr>
+              <p:cNvPr id="14" name="Straight Arrow Connector 13">
+                <a:extLst>
+                  <a:ext uri="{FF2B5EF4-FFF2-40B4-BE49-F238E27FC236}">
+                    <a16:creationId xmlns:a16="http://schemas.microsoft.com/office/drawing/2014/main" id="{73332A8A-4274-4CD4-B7E6-6B4C4CB90A16}"/>
+                  </a:ext>
+                </a:extLst>
+              </p:cNvPr>
+              <p:cNvCxnSpPr>
+                <a:cxnSpLocks/>
+              </p:cNvCxnSpPr>
+              <p:nvPr/>
+            </p:nvCxnSpPr>
+            <p:spPr>
+              <a:xfrm>
+                <a:off x="4379516" y="1271329"/>
+                <a:ext cx="1553275" cy="0"/>
+              </a:xfrm>
+              <a:prstGeom prst="straightConnector1">
+                <a:avLst/>
+              </a:prstGeom>
+              <a:ln>
+                <a:solidFill>
+                  <a:srgbClr val="0070C0"/>
+                </a:solidFill>
+                <a:tailEnd type="triangle"/>
+              </a:ln>
+            </p:spPr>
+            <p:style>
+              <a:lnRef idx="2">
+                <a:schemeClr val="accent1"/>
+              </a:lnRef>
+              <a:fillRef idx="0">
+                <a:schemeClr val="accent1"/>
+              </a:fillRef>
+              <a:effectRef idx="1">
+                <a:schemeClr val="accent1"/>
+              </a:effectRef>
+              <a:fontRef idx="minor">
+                <a:schemeClr val="tx1"/>
+              </a:fontRef>
+            </p:style>
+          </p:cxnSp>
+          <p:sp>
+            <p:nvSpPr>
+              <p:cNvPr id="15" name="Rectangle: Rounded Corners 14">
+                <a:extLst>
+                  <a:ext uri="{FF2B5EF4-FFF2-40B4-BE49-F238E27FC236}">
+                    <a16:creationId xmlns:a16="http://schemas.microsoft.com/office/drawing/2014/main" id="{53102A9B-2F43-4BFB-BE90-97EA856FB533}"/>
+                  </a:ext>
+                </a:extLst>
+              </p:cNvPr>
+              <p:cNvSpPr/>
+              <p:nvPr/>
+            </p:nvSpPr>
+            <p:spPr>
+              <a:xfrm>
+                <a:off x="1352735" y="2756967"/>
+                <a:ext cx="2438400" cy="583121"/>
+              </a:xfrm>
+              <a:prstGeom prst="roundRect">
+                <a:avLst/>
+              </a:prstGeom>
+              <a:solidFill>
+                <a:schemeClr val="bg1"/>
+              </a:solidFill>
+              <a:ln>
+                <a:noFill/>
+              </a:ln>
+            </p:spPr>
+            <p:style>
+              <a:lnRef idx="2">
+                <a:schemeClr val="accent1">
+                  <a:shade val="50000"/>
+                </a:schemeClr>
+              </a:lnRef>
+              <a:fillRef idx="1">
+                <a:schemeClr val="accent1"/>
+              </a:fillRef>
+              <a:effectRef idx="0">
+                <a:schemeClr val="accent1"/>
+              </a:effectRef>
+              <a:fontRef idx="minor">
+                <a:schemeClr val="lt1"/>
+              </a:fontRef>
+            </p:style>
+            <p:txBody>
+              <a:bodyPr rtlCol="0" anchor="ctr"/>
+              <a:lstStyle/>
+              <a:p>
+                <a:pPr algn="ctr"/>
+                <a:endParaRPr lang="en-US"/>
+              </a:p>
+            </p:txBody>
+          </p:sp>
+          <p:sp>
+            <p:nvSpPr>
+              <p:cNvPr id="16" name="Rectangle: Rounded Corners 15">
+                <a:extLst>
+                  <a:ext uri="{FF2B5EF4-FFF2-40B4-BE49-F238E27FC236}">
+                    <a16:creationId xmlns:a16="http://schemas.microsoft.com/office/drawing/2014/main" id="{EA93D4E7-13B5-4EFC-AC37-337FB4203726}"/>
+                  </a:ext>
+                </a:extLst>
+              </p:cNvPr>
+              <p:cNvSpPr/>
+              <p:nvPr/>
+            </p:nvSpPr>
+            <p:spPr>
+              <a:xfrm>
+                <a:off x="5113756" y="2680633"/>
+                <a:ext cx="1072571" cy="583121"/>
+              </a:xfrm>
+              <a:prstGeom prst="roundRect">
+                <a:avLst/>
+              </a:prstGeom>
+              <a:solidFill>
+                <a:schemeClr val="bg1"/>
+              </a:solidFill>
+              <a:ln>
+                <a:noFill/>
+              </a:ln>
+            </p:spPr>
+            <p:style>
+              <a:lnRef idx="2">
+                <a:schemeClr val="accent1">
+                  <a:shade val="50000"/>
+                </a:schemeClr>
+              </a:lnRef>
+              <a:fillRef idx="1">
+                <a:schemeClr val="accent1"/>
+              </a:fillRef>
+              <a:effectRef idx="0">
+                <a:schemeClr val="accent1"/>
+              </a:effectRef>
+              <a:fontRef idx="minor">
+                <a:schemeClr val="lt1"/>
+              </a:fontRef>
+            </p:style>
+            <p:txBody>
+              <a:bodyPr rtlCol="0" anchor="ctr"/>
+              <a:lstStyle/>
+              <a:p>
+                <a:pPr algn="ctr"/>
+                <a:endParaRPr lang="en-US"/>
+              </a:p>
+            </p:txBody>
+          </p:sp>
+        </p:grpSp>
+      </p:grpSp>
+      <mc:AlternateContent xmlns:mc="http://schemas.openxmlformats.org/markup-compatibility/2006" xmlns:a14="http://schemas.microsoft.com/office/drawing/2010/main">
+        <mc:Choice Requires="a14">
+          <p:sp>
+            <p:nvSpPr>
+              <p:cNvPr id="24" name="TextBox 23">
+                <a:extLst>
+                  <a:ext uri="{FF2B5EF4-FFF2-40B4-BE49-F238E27FC236}">
+                    <a16:creationId xmlns:a16="http://schemas.microsoft.com/office/drawing/2014/main" id="{52E9D666-93CA-4F8B-A89F-7C1E08E8BBC1}"/>
+                  </a:ext>
+                </a:extLst>
+              </p:cNvPr>
+              <p:cNvSpPr txBox="1"/>
+              <p:nvPr/>
+            </p:nvSpPr>
+            <p:spPr>
+              <a:xfrm>
+                <a:off x="-455757" y="593031"/>
+                <a:ext cx="4032809" cy="613501"/>
+              </a:xfrm>
+              <a:prstGeom prst="rect">
+                <a:avLst/>
+              </a:prstGeom>
+              <a:noFill/>
+            </p:spPr>
+            <p:txBody>
+              <a:bodyPr wrap="square" rtlCol="0">
+                <a:spAutoFit/>
+              </a:bodyPr>
+              <a:lstStyle/>
+              <a:p>
+                <a:pPr/>
+                <a14:m>
+                  <m:oMathPara xmlns:m="http://schemas.openxmlformats.org/officeDocument/2006/math">
+                    <m:oMathParaPr>
+                      <m:jc m:val="centerGroup"/>
+                    </m:oMathParaPr>
+                    <m:oMath xmlns:m="http://schemas.openxmlformats.org/officeDocument/2006/math">
+                      <m:f>
+                        <m:fPr>
+                          <m:ctrlPr>
+                            <a:rPr lang="en-US" b="0" i="1" smtClean="0">
+                              <a:solidFill>
+                                <a:srgbClr val="FF0000"/>
+                              </a:solidFill>
+                              <a:latin typeface="Cambria Math" panose="02040503050406030204" pitchFamily="18" charset="0"/>
+                            </a:rPr>
+                          </m:ctrlPr>
+                        </m:fPr>
+                        <m:num>
+                          <m:sSub>
+                            <m:sSubPr>
+                              <m:ctrlPr>
+                                <a:rPr lang="en-US" b="0" i="1" smtClean="0">
+                                  <a:solidFill>
+                                    <a:srgbClr val="FF0000"/>
+                                  </a:solidFill>
+                                  <a:latin typeface="Cambria Math" panose="02040503050406030204" pitchFamily="18" charset="0"/>
+                                </a:rPr>
+                              </m:ctrlPr>
+                            </m:sSubPr>
+                            <m:e>
+                              <m:r>
+                                <a:rPr lang="en-US" b="0" i="1" smtClean="0">
+                                  <a:solidFill>
+                                    <a:srgbClr val="FF0000"/>
+                                  </a:solidFill>
+                                  <a:latin typeface="Cambria Math" panose="02040503050406030204" pitchFamily="18" charset="0"/>
+                                </a:rPr>
+                                <m:t>𝜔</m:t>
+                              </m:r>
+                            </m:e>
+                            <m:sub>
+                              <m:r>
+                                <a:rPr lang="en-US" b="0" i="1" smtClean="0">
+                                  <a:solidFill>
+                                    <a:srgbClr val="FF0000"/>
+                                  </a:solidFill>
+                                  <a:latin typeface="Cambria Math" panose="02040503050406030204" pitchFamily="18" charset="0"/>
+                                </a:rPr>
+                                <m:t>1</m:t>
+                              </m:r>
+                            </m:sub>
+                          </m:sSub>
+                        </m:num>
+                        <m:den>
+                          <m:sSub>
+                            <m:sSubPr>
+                              <m:ctrlPr>
+                                <a:rPr lang="en-US" b="0" i="1" smtClean="0">
+                                  <a:solidFill>
+                                    <a:srgbClr val="FF0000"/>
+                                  </a:solidFill>
+                                  <a:latin typeface="Cambria Math" panose="02040503050406030204" pitchFamily="18" charset="0"/>
+                                </a:rPr>
+                              </m:ctrlPr>
+                            </m:sSubPr>
+                            <m:e>
+                              <m:r>
+                                <a:rPr lang="en-US" b="0" i="1" smtClean="0">
+                                  <a:solidFill>
+                                    <a:srgbClr val="FF0000"/>
+                                  </a:solidFill>
+                                  <a:latin typeface="Cambria Math" panose="02040503050406030204" pitchFamily="18" charset="0"/>
+                                </a:rPr>
+                                <m:t>𝜔</m:t>
+                              </m:r>
+                            </m:e>
+                            <m:sub>
+                              <m:r>
+                                <a:rPr lang="en-US" b="0" i="1" smtClean="0">
+                                  <a:solidFill>
+                                    <a:srgbClr val="FF0000"/>
+                                  </a:solidFill>
+                                  <a:latin typeface="Cambria Math" panose="02040503050406030204" pitchFamily="18" charset="0"/>
+                                </a:rPr>
+                                <m:t>𝑐𝑒</m:t>
+                              </m:r>
+                            </m:sub>
+                          </m:sSub>
+                        </m:den>
+                      </m:f>
+                      <m:r>
+                        <a:rPr lang="en-US" b="0" i="1" smtClean="0">
+                          <a:solidFill>
+                            <a:srgbClr val="FF0000"/>
+                          </a:solidFill>
+                          <a:latin typeface="Cambria Math" panose="02040503050406030204" pitchFamily="18" charset="0"/>
+                        </a:rPr>
+                        <m:t>=1.0344;</m:t>
+                      </m:r>
+                      <m:r>
+                        <a:rPr lang="en-US" b="0" i="1" smtClean="0">
+                          <a:solidFill>
+                            <a:srgbClr val="FF0000"/>
+                          </a:solidFill>
+                          <a:latin typeface="Cambria Math" panose="02040503050406030204" pitchFamily="18" charset="0"/>
+                        </a:rPr>
+                        <m:t>𝑛</m:t>
+                      </m:r>
+                      <m:r>
+                        <a:rPr lang="en-US" b="0" i="1" smtClean="0">
+                          <a:solidFill>
+                            <a:srgbClr val="FF0000"/>
+                          </a:solidFill>
+                          <a:latin typeface="Cambria Math" panose="02040503050406030204" pitchFamily="18" charset="0"/>
+                        </a:rPr>
+                        <m:t>≈4</m:t>
+                      </m:r>
+                    </m:oMath>
+                  </m:oMathPara>
+                </a14:m>
+                <a:endParaRPr lang="en-US" b="0" i="1" dirty="0">
+                  <a:solidFill>
+                    <a:srgbClr val="FF0000"/>
+                  </a:solidFill>
+                  <a:latin typeface="Cambria Math" panose="02040503050406030204" pitchFamily="18" charset="0"/>
+                </a:endParaRPr>
+              </a:p>
+            </p:txBody>
+          </p:sp>
+        </mc:Choice>
+        <mc:Fallback xmlns="">
+          <p:sp>
+            <p:nvSpPr>
+              <p:cNvPr id="24" name="TextBox 23">
+                <a:extLst>
+                  <a:ext uri="{FF2B5EF4-FFF2-40B4-BE49-F238E27FC236}">
+                    <a16:creationId xmlns:a16="http://schemas.microsoft.com/office/drawing/2014/main" id="{52E9D666-93CA-4F8B-A89F-7C1E08E8BBC1}"/>
+                  </a:ext>
+                </a:extLst>
+              </p:cNvPr>
+              <p:cNvSpPr txBox="1">
+                <a:spLocks noRot="1" noChangeAspect="1" noMove="1" noResize="1" noEditPoints="1" noAdjustHandles="1" noChangeArrowheads="1" noChangeShapeType="1" noTextEdit="1"/>
+              </p:cNvSpPr>
+              <p:nvPr/>
+            </p:nvSpPr>
+            <p:spPr>
+              <a:xfrm>
+                <a:off x="-455757" y="593031"/>
+                <a:ext cx="4032809" cy="613501"/>
+              </a:xfrm>
+              <a:prstGeom prst="rect">
+                <a:avLst/>
+              </a:prstGeom>
+              <a:blipFill>
+                <a:blip r:embed="rId7"/>
+                <a:stretch>
+                  <a:fillRect/>
+                </a:stretch>
+              </a:blipFill>
+            </p:spPr>
+            <p:txBody>
+              <a:bodyPr/>
+              <a:lstStyle/>
+              <a:p>
+                <a:r>
+                  <a:rPr lang="en-US">
+                    <a:noFill/>
+                  </a:rPr>
+                  <a:t> </a:t>
+                </a:r>
+              </a:p>
+            </p:txBody>
+          </p:sp>
+        </mc:Fallback>
+      </mc:AlternateContent>
+    </p:spTree>
+    <p:extLst>
+      <p:ext uri="{BB962C8B-B14F-4D97-AF65-F5344CB8AC3E}">
+        <p14:creationId xmlns:p14="http://schemas.microsoft.com/office/powerpoint/2010/main" val="446784114"/>
       </p:ext>
     </p:extLst>
   </p:cSld>
@@ -16604,4 +22723,299 @@
     </a:ext>
   </a:extLst>
 </a:theme>
+</file>
+
+<file path=ppt/theme/theme2.xml><?xml version="1.0" encoding="utf-8"?>
+<a:theme xmlns:a="http://schemas.openxmlformats.org/drawingml/2006/main" name="Office Theme">
+  <a:themeElements>
+    <a:clrScheme name="Office">
+      <a:dk1>
+        <a:sysClr val="windowText" lastClr="000000"/>
+      </a:dk1>
+      <a:lt1>
+        <a:sysClr val="window" lastClr="FFFFFF"/>
+      </a:lt1>
+      <a:dk2>
+        <a:srgbClr val="44546A"/>
+      </a:dk2>
+      <a:lt2>
+        <a:srgbClr val="E7E6E6"/>
+      </a:lt2>
+      <a:accent1>
+        <a:srgbClr val="4472C4"/>
+      </a:accent1>
+      <a:accent2>
+        <a:srgbClr val="ED7D31"/>
+      </a:accent2>
+      <a:accent3>
+        <a:srgbClr val="A5A5A5"/>
+      </a:accent3>
+      <a:accent4>
+        <a:srgbClr val="FFC000"/>
+      </a:accent4>
+      <a:accent5>
+        <a:srgbClr val="5B9BD5"/>
+      </a:accent5>
+      <a:accent6>
+        <a:srgbClr val="70AD47"/>
+      </a:accent6>
+      <a:hlink>
+        <a:srgbClr val="0563C1"/>
+      </a:hlink>
+      <a:folHlink>
+        <a:srgbClr val="954F72"/>
+      </a:folHlink>
+    </a:clrScheme>
+    <a:fontScheme name="Office">
+      <a:majorFont>
+        <a:latin typeface="Calibri Light" panose="020F0302020204030204"/>
+        <a:ea typeface=""/>
+        <a:cs typeface=""/>
+        <a:font script="Jpan" typeface="游ゴシック Light"/>
+        <a:font script="Hang" typeface="맑은 고딕"/>
+        <a:font script="Hans" typeface="等线 Light"/>
+        <a:font script="Hant" typeface="新細明體"/>
+        <a:font script="Arab" typeface="Times New Roman"/>
+        <a:font script="Hebr" typeface="Times New Roman"/>
+        <a:font script="Thai" typeface="Angsana New"/>
+        <a:font script="Ethi" typeface="Nyala"/>
+        <a:font script="Beng" typeface="Vrinda"/>
+        <a:font script="Gujr" typeface="Shruti"/>
+        <a:font script="Khmr" typeface="MoolBoran"/>
+        <a:font script="Knda" typeface="Tunga"/>
+        <a:font script="Guru" typeface="Raavi"/>
+        <a:font script="Cans" typeface="Euphemia"/>
+        <a:font script="Cher" typeface="Plantagenet Cherokee"/>
+        <a:font script="Yiii" typeface="Microsoft Yi Baiti"/>
+        <a:font script="Tibt" typeface="Microsoft Himalaya"/>
+        <a:font script="Thaa" typeface="MV Boli"/>
+        <a:font script="Deva" typeface="Mangal"/>
+        <a:font script="Telu" typeface="Gautami"/>
+        <a:font script="Taml" typeface="Latha"/>
+        <a:font script="Syrc" typeface="Estrangelo Edessa"/>
+        <a:font script="Orya" typeface="Kalinga"/>
+        <a:font script="Mlym" typeface="Kartika"/>
+        <a:font script="Laoo" typeface="DokChampa"/>
+        <a:font script="Sinh" typeface="Iskoola Pota"/>
+        <a:font script="Mong" typeface="Mongolian Baiti"/>
+        <a:font script="Viet" typeface="Times New Roman"/>
+        <a:font script="Uigh" typeface="Microsoft Uighur"/>
+        <a:font script="Geor" typeface="Sylfaen"/>
+        <a:font script="Armn" typeface="Arial"/>
+        <a:font script="Bugi" typeface="Leelawadee UI"/>
+        <a:font script="Bopo" typeface="Microsoft JhengHei"/>
+        <a:font script="Java" typeface="Javanese Text"/>
+        <a:font script="Lisu" typeface="Segoe UI"/>
+        <a:font script="Mymr" typeface="Myanmar Text"/>
+        <a:font script="Nkoo" typeface="Ebrima"/>
+        <a:font script="Olck" typeface="Nirmala UI"/>
+        <a:font script="Osma" typeface="Ebrima"/>
+        <a:font script="Phag" typeface="Phagspa"/>
+        <a:font script="Syrn" typeface="Estrangelo Edessa"/>
+        <a:font script="Syrj" typeface="Estrangelo Edessa"/>
+        <a:font script="Syre" typeface="Estrangelo Edessa"/>
+        <a:font script="Sora" typeface="Nirmala UI"/>
+        <a:font script="Tale" typeface="Microsoft Tai Le"/>
+        <a:font script="Talu" typeface="Microsoft New Tai Lue"/>
+        <a:font script="Tfng" typeface="Ebrima"/>
+      </a:majorFont>
+      <a:minorFont>
+        <a:latin typeface="Calibri" panose="020F0502020204030204"/>
+        <a:ea typeface=""/>
+        <a:cs typeface=""/>
+        <a:font script="Jpan" typeface="游ゴシック"/>
+        <a:font script="Hang" typeface="맑은 고딕"/>
+        <a:font script="Hans" typeface="等线"/>
+        <a:font script="Hant" typeface="新細明體"/>
+        <a:font script="Arab" typeface="Arial"/>
+        <a:font script="Hebr" typeface="Arial"/>
+        <a:font script="Thai" typeface="Cordia New"/>
+        <a:font script="Ethi" typeface="Nyala"/>
+        <a:font script="Beng" typeface="Vrinda"/>
+        <a:font script="Gujr" typeface="Shruti"/>
+        <a:font script="Khmr" typeface="DaunPenh"/>
+        <a:font script="Knda" typeface="Tunga"/>
+        <a:font script="Guru" typeface="Raavi"/>
+        <a:font script="Cans" typeface="Euphemia"/>
+        <a:font script="Cher" typeface="Plantagenet Cherokee"/>
+        <a:font script="Yiii" typeface="Microsoft Yi Baiti"/>
+        <a:font script="Tibt" typeface="Microsoft Himalaya"/>
+        <a:font script="Thaa" typeface="MV Boli"/>
+        <a:font script="Deva" typeface="Mangal"/>
+        <a:font script="Telu" typeface="Gautami"/>
+        <a:font script="Taml" typeface="Latha"/>
+        <a:font script="Syrc" typeface="Estrangelo Edessa"/>
+        <a:font script="Orya" typeface="Kalinga"/>
+        <a:font script="Mlym" typeface="Kartika"/>
+        <a:font script="Laoo" typeface="DokChampa"/>
+        <a:font script="Sinh" typeface="Iskoola Pota"/>
+        <a:font script="Mong" typeface="Mongolian Baiti"/>
+        <a:font script="Viet" typeface="Arial"/>
+        <a:font script="Uigh" typeface="Microsoft Uighur"/>
+        <a:font script="Geor" typeface="Sylfaen"/>
+        <a:font script="Armn" typeface="Arial"/>
+        <a:font script="Bugi" typeface="Leelawadee UI"/>
+        <a:font script="Bopo" typeface="Microsoft JhengHei"/>
+        <a:font script="Java" typeface="Javanese Text"/>
+        <a:font script="Lisu" typeface="Segoe UI"/>
+        <a:font script="Mymr" typeface="Myanmar Text"/>
+        <a:font script="Nkoo" typeface="Ebrima"/>
+        <a:font script="Olck" typeface="Nirmala UI"/>
+        <a:font script="Osma" typeface="Ebrima"/>
+        <a:font script="Phag" typeface="Phagspa"/>
+        <a:font script="Syrn" typeface="Estrangelo Edessa"/>
+        <a:font script="Syrj" typeface="Estrangelo Edessa"/>
+        <a:font script="Syre" typeface="Estrangelo Edessa"/>
+        <a:font script="Sora" typeface="Nirmala UI"/>
+        <a:font script="Tale" typeface="Microsoft Tai Le"/>
+        <a:font script="Talu" typeface="Microsoft New Tai Lue"/>
+        <a:font script="Tfng" typeface="Ebrima"/>
+      </a:minorFont>
+    </a:fontScheme>
+    <a:fmtScheme name="Office">
+      <a:fillStyleLst>
+        <a:solidFill>
+          <a:schemeClr val="phClr"/>
+        </a:solidFill>
+        <a:gradFill rotWithShape="1">
+          <a:gsLst>
+            <a:gs pos="0">
+              <a:schemeClr val="phClr">
+                <a:lumMod val="110000"/>
+                <a:satMod val="105000"/>
+                <a:tint val="67000"/>
+              </a:schemeClr>
+            </a:gs>
+            <a:gs pos="50000">
+              <a:schemeClr val="phClr">
+                <a:lumMod val="105000"/>
+                <a:satMod val="103000"/>
+                <a:tint val="73000"/>
+              </a:schemeClr>
+            </a:gs>
+            <a:gs pos="100000">
+              <a:schemeClr val="phClr">
+                <a:lumMod val="105000"/>
+                <a:satMod val="109000"/>
+                <a:tint val="81000"/>
+              </a:schemeClr>
+            </a:gs>
+          </a:gsLst>
+          <a:lin ang="5400000" scaled="0"/>
+        </a:gradFill>
+        <a:gradFill rotWithShape="1">
+          <a:gsLst>
+            <a:gs pos="0">
+              <a:schemeClr val="phClr">
+                <a:satMod val="103000"/>
+                <a:lumMod val="102000"/>
+                <a:tint val="94000"/>
+              </a:schemeClr>
+            </a:gs>
+            <a:gs pos="50000">
+              <a:schemeClr val="phClr">
+                <a:satMod val="110000"/>
+                <a:lumMod val="100000"/>
+                <a:shade val="100000"/>
+              </a:schemeClr>
+            </a:gs>
+            <a:gs pos="100000">
+              <a:schemeClr val="phClr">
+                <a:lumMod val="99000"/>
+                <a:satMod val="120000"/>
+                <a:shade val="78000"/>
+              </a:schemeClr>
+            </a:gs>
+          </a:gsLst>
+          <a:lin ang="5400000" scaled="0"/>
+        </a:gradFill>
+      </a:fillStyleLst>
+      <a:lnStyleLst>
+        <a:ln w="6350" cap="flat" cmpd="sng" algn="ctr">
+          <a:solidFill>
+            <a:schemeClr val="phClr"/>
+          </a:solidFill>
+          <a:prstDash val="solid"/>
+          <a:miter lim="800000"/>
+        </a:ln>
+        <a:ln w="12700" cap="flat" cmpd="sng" algn="ctr">
+          <a:solidFill>
+            <a:schemeClr val="phClr"/>
+          </a:solidFill>
+          <a:prstDash val="solid"/>
+          <a:miter lim="800000"/>
+        </a:ln>
+        <a:ln w="19050" cap="flat" cmpd="sng" algn="ctr">
+          <a:solidFill>
+            <a:schemeClr val="phClr"/>
+          </a:solidFill>
+          <a:prstDash val="solid"/>
+          <a:miter lim="800000"/>
+        </a:ln>
+      </a:lnStyleLst>
+      <a:effectStyleLst>
+        <a:effectStyle>
+          <a:effectLst/>
+        </a:effectStyle>
+        <a:effectStyle>
+          <a:effectLst/>
+        </a:effectStyle>
+        <a:effectStyle>
+          <a:effectLst>
+            <a:outerShdw blurRad="57150" dist="19050" dir="5400000" algn="ctr" rotWithShape="0">
+              <a:srgbClr val="000000">
+                <a:alpha val="63000"/>
+              </a:srgbClr>
+            </a:outerShdw>
+          </a:effectLst>
+        </a:effectStyle>
+      </a:effectStyleLst>
+      <a:bgFillStyleLst>
+        <a:solidFill>
+          <a:schemeClr val="phClr"/>
+        </a:solidFill>
+        <a:solidFill>
+          <a:schemeClr val="phClr">
+            <a:tint val="95000"/>
+            <a:satMod val="170000"/>
+          </a:schemeClr>
+        </a:solidFill>
+        <a:gradFill rotWithShape="1">
+          <a:gsLst>
+            <a:gs pos="0">
+              <a:schemeClr val="phClr">
+                <a:tint val="93000"/>
+                <a:satMod val="150000"/>
+                <a:shade val="98000"/>
+                <a:lumMod val="102000"/>
+              </a:schemeClr>
+            </a:gs>
+            <a:gs pos="50000">
+              <a:schemeClr val="phClr">
+                <a:tint val="98000"/>
+                <a:satMod val="130000"/>
+                <a:shade val="90000"/>
+                <a:lumMod val="103000"/>
+              </a:schemeClr>
+            </a:gs>
+            <a:gs pos="100000">
+              <a:schemeClr val="phClr">
+                <a:shade val="63000"/>
+                <a:satMod val="120000"/>
+              </a:schemeClr>
+            </a:gs>
+          </a:gsLst>
+          <a:lin ang="5400000" scaled="0"/>
+        </a:gradFill>
+      </a:bgFillStyleLst>
+    </a:fmtScheme>
+  </a:themeElements>
+  <a:objectDefaults/>
+  <a:extraClrSchemeLst/>
+  <a:extLst>
+    <a:ext uri="{05A4C25C-085E-4340-85A3-A5531E510DB2}">
+      <thm15:themeFamily xmlns:thm15="http://schemas.microsoft.com/office/thememl/2012/main" name="Office Theme" id="{62F939B6-93AF-4DB8-9C6B-D6C7DFDC589F}" vid="{4A3C46E8-61CC-4603-A589-7422A47A8E4A}"/>
+    </a:ext>
+  </a:extLst>
+</a:theme>
 </file>
--- a/paper modification/papers/Trapping analysis of a magnetic electron.pptx
+++ b/paper modification/papers/Trapping analysis of a magnetic electron.pptx
@@ -213,7 +213,7 @@
           <a:p>
             <a:fld id="{1BF66CA3-484B-459C-B714-8284D0EE9C08}" type="datetimeFigureOut">
               <a:rPr lang="en-US" smtClean="0"/>
-              <a:t>12/18/2025</a:t>
+              <a:t>2/1/2026</a:t>
             </a:fld>
             <a:endParaRPr lang="en-US"/>
           </a:p>
@@ -838,7 +838,7 @@
           <a:p>
             <a:fld id="{22644C63-7FDE-4D31-B4BB-7754D5A27718}" type="datetimeFigureOut">
               <a:rPr lang="en-US" smtClean="0"/>
-              <a:t>12/18/2025</a:t>
+              <a:t>2/1/2026</a:t>
             </a:fld>
             <a:endParaRPr lang="en-US"/>
           </a:p>
@@ -1036,7 +1036,7 @@
           <a:p>
             <a:fld id="{22644C63-7FDE-4D31-B4BB-7754D5A27718}" type="datetimeFigureOut">
               <a:rPr lang="en-US" smtClean="0"/>
-              <a:t>12/18/2025</a:t>
+              <a:t>2/1/2026</a:t>
             </a:fld>
             <a:endParaRPr lang="en-US"/>
           </a:p>
@@ -1244,7 +1244,7 @@
           <a:p>
             <a:fld id="{22644C63-7FDE-4D31-B4BB-7754D5A27718}" type="datetimeFigureOut">
               <a:rPr lang="en-US" smtClean="0"/>
-              <a:t>12/18/2025</a:t>
+              <a:t>2/1/2026</a:t>
             </a:fld>
             <a:endParaRPr lang="en-US"/>
           </a:p>
@@ -1442,7 +1442,7 @@
           <a:p>
             <a:fld id="{22644C63-7FDE-4D31-B4BB-7754D5A27718}" type="datetimeFigureOut">
               <a:rPr lang="en-US" smtClean="0"/>
-              <a:t>12/18/2025</a:t>
+              <a:t>2/1/2026</a:t>
             </a:fld>
             <a:endParaRPr lang="en-US"/>
           </a:p>
@@ -1717,7 +1717,7 @@
           <a:p>
             <a:fld id="{22644C63-7FDE-4D31-B4BB-7754D5A27718}" type="datetimeFigureOut">
               <a:rPr lang="en-US" smtClean="0"/>
-              <a:t>12/18/2025</a:t>
+              <a:t>2/1/2026</a:t>
             </a:fld>
             <a:endParaRPr lang="en-US"/>
           </a:p>
@@ -1982,7 +1982,7 @@
           <a:p>
             <a:fld id="{22644C63-7FDE-4D31-B4BB-7754D5A27718}" type="datetimeFigureOut">
               <a:rPr lang="en-US" smtClean="0"/>
-              <a:t>12/18/2025</a:t>
+              <a:t>2/1/2026</a:t>
             </a:fld>
             <a:endParaRPr lang="en-US"/>
           </a:p>
@@ -2394,7 +2394,7 @@
           <a:p>
             <a:fld id="{22644C63-7FDE-4D31-B4BB-7754D5A27718}" type="datetimeFigureOut">
               <a:rPr lang="en-US" smtClean="0"/>
-              <a:t>12/18/2025</a:t>
+              <a:t>2/1/2026</a:t>
             </a:fld>
             <a:endParaRPr lang="en-US"/>
           </a:p>
@@ -2535,7 +2535,7 @@
           <a:p>
             <a:fld id="{22644C63-7FDE-4D31-B4BB-7754D5A27718}" type="datetimeFigureOut">
               <a:rPr lang="en-US" smtClean="0"/>
-              <a:t>12/18/2025</a:t>
+              <a:t>2/1/2026</a:t>
             </a:fld>
             <a:endParaRPr lang="en-US"/>
           </a:p>
@@ -2648,7 +2648,7 @@
           <a:p>
             <a:fld id="{22644C63-7FDE-4D31-B4BB-7754D5A27718}" type="datetimeFigureOut">
               <a:rPr lang="en-US" smtClean="0"/>
-              <a:t>12/18/2025</a:t>
+              <a:t>2/1/2026</a:t>
             </a:fld>
             <a:endParaRPr lang="en-US"/>
           </a:p>
@@ -2959,7 +2959,7 @@
           <a:p>
             <a:fld id="{22644C63-7FDE-4D31-B4BB-7754D5A27718}" type="datetimeFigureOut">
               <a:rPr lang="en-US" smtClean="0"/>
-              <a:t>12/18/2025</a:t>
+              <a:t>2/1/2026</a:t>
             </a:fld>
             <a:endParaRPr lang="en-US"/>
           </a:p>
@@ -3247,7 +3247,7 @@
           <a:p>
             <a:fld id="{22644C63-7FDE-4D31-B4BB-7754D5A27718}" type="datetimeFigureOut">
               <a:rPr lang="en-US" smtClean="0"/>
-              <a:t>12/18/2025</a:t>
+              <a:t>2/1/2026</a:t>
             </a:fld>
             <a:endParaRPr lang="en-US"/>
           </a:p>
@@ -3488,7 +3488,7 @@
           <a:p>
             <a:fld id="{22644C63-7FDE-4D31-B4BB-7754D5A27718}" type="datetimeFigureOut">
               <a:rPr lang="en-US" smtClean="0"/>
-              <a:t>12/18/2025</a:t>
+              <a:t>2/1/2026</a:t>
             </a:fld>
             <a:endParaRPr lang="en-US"/>
           </a:p>
@@ -4111,7 +4111,7 @@
         </p:nvSpPr>
         <p:spPr>
           <a:xfrm>
-            <a:off x="322868" y="107564"/>
+            <a:off x="322868" y="39471"/>
             <a:ext cx="6094428" cy="369332"/>
           </a:xfrm>
           <a:prstGeom prst="rect">
@@ -5652,8 +5652,8 @@
             </p:txBody>
           </p:sp>
         </p:grpSp>
-        <mc:AlternateContent xmlns:mc="http://schemas.openxmlformats.org/markup-compatibility/2006">
-          <mc:Choice xmlns:a14="http://schemas.microsoft.com/office/drawing/2010/main" Requires="a14">
+        <mc:AlternateContent xmlns:mc="http://schemas.openxmlformats.org/markup-compatibility/2006" xmlns:a14="http://schemas.microsoft.com/office/drawing/2010/main">
+          <mc:Choice Requires="a14">
             <p:sp>
               <p:nvSpPr>
                 <p:cNvPr id="7" name="TextBox 6">
@@ -5823,7 +5823,7 @@
               </p:txBody>
             </p:sp>
           </mc:Choice>
-          <mc:Fallback>
+          <mc:Fallback xmlns="">
             <p:sp>
               <p:nvSpPr>
                 <p:cNvPr id="7" name="TextBox 6">
@@ -9282,8 +9282,8 @@
             </a:prstGeom>
           </p:spPr>
         </p:pic>
-        <mc:AlternateContent xmlns:mc="http://schemas.openxmlformats.org/markup-compatibility/2006">
-          <mc:Choice xmlns:a14="http://schemas.microsoft.com/office/drawing/2010/main" Requires="a14">
+        <mc:AlternateContent xmlns:mc="http://schemas.openxmlformats.org/markup-compatibility/2006" xmlns:a14="http://schemas.microsoft.com/office/drawing/2010/main">
+          <mc:Choice Requires="a14">
             <p:sp>
               <p:nvSpPr>
                 <p:cNvPr id="28" name="TextBox 27">
@@ -9456,7 +9456,7 @@
               </p:txBody>
             </p:sp>
           </mc:Choice>
-          <mc:Fallback>
+          <mc:Fallback xmlns="">
             <p:sp>
               <p:nvSpPr>
                 <p:cNvPr id="28" name="TextBox 27">
